--- a/src/main/resources/自我介绍.pptx
+++ b/src/main/resources/自我介绍.pptx
@@ -3,28 +3,28 @@
 <p:presentation xmlns:a="http://schemas.openxmlformats.org/drawingml/2006/main" xmlns:r="http://schemas.openxmlformats.org/officeDocument/2006/relationships" xmlns:p="http://schemas.openxmlformats.org/presentationml/2006/main" removePersonalInfoOnSave="1">
   <p:sldMasterIdLst>
     <p:sldMasterId id="2147483648" r:id="rId1"/>
-    <p:sldMasterId id="2147483651" r:id="rId3"/>
-    <p:sldMasterId id="2147483663" r:id="rId4"/>
+    <p:sldMasterId id="2147483651" r:id="rId2"/>
+    <p:sldMasterId id="2147483663" r:id="rId3"/>
   </p:sldMasterIdLst>
   <p:notesMasterIdLst>
-    <p:notesMasterId r:id="rId6"/>
+    <p:notesMasterId r:id="rId16"/>
   </p:notesMasterIdLst>
   <p:handoutMasterIdLst>
-    <p:handoutMasterId r:id="rId18"/>
+    <p:handoutMasterId r:id="rId17"/>
   </p:handoutMasterIdLst>
   <p:sldIdLst>
-    <p:sldId id="2822" r:id="rId5"/>
-    <p:sldId id="2823" r:id="rId7"/>
-    <p:sldId id="2887" r:id="rId8"/>
-    <p:sldId id="2861" r:id="rId9"/>
-    <p:sldId id="2831" r:id="rId10"/>
-    <p:sldId id="2859" r:id="rId11"/>
-    <p:sldId id="2829" r:id="rId12"/>
-    <p:sldId id="2828" r:id="rId13"/>
-    <p:sldId id="2834" r:id="rId14"/>
-    <p:sldId id="2833" r:id="rId15"/>
-    <p:sldId id="2862" r:id="rId16"/>
-    <p:sldId id="2843" r:id="rId17"/>
+    <p:sldId id="2822" r:id="rId4"/>
+    <p:sldId id="2823" r:id="rId5"/>
+    <p:sldId id="2887" r:id="rId6"/>
+    <p:sldId id="2861" r:id="rId7"/>
+    <p:sldId id="2831" r:id="rId8"/>
+    <p:sldId id="2859" r:id="rId9"/>
+    <p:sldId id="2829" r:id="rId10"/>
+    <p:sldId id="2828" r:id="rId11"/>
+    <p:sldId id="2834" r:id="rId12"/>
+    <p:sldId id="2833" r:id="rId13"/>
+    <p:sldId id="2862" r:id="rId14"/>
+    <p:sldId id="2843" r:id="rId15"/>
   </p:sldIdLst>
   <p:sldSz cx="12858750" cy="7232650"/>
   <p:notesSz cx="6858000" cy="9144000"/>
@@ -153,6 +153,45 @@
       </a:defRPr>
     </a:lvl9pPr>
   </p:defaultTextStyle>
+  <p:extLst>
+    <p:ext uri="{EFAFB233-063F-42B5-8137-9DF3F51BA10A}">
+      <p15:sldGuideLst xmlns:p15="http://schemas.microsoft.com/office/powerpoint/2012/main">
+        <p15:guide id="1" orient="horz" pos="367">
+          <p15:clr>
+            <a:srgbClr val="A4A3A4"/>
+          </p15:clr>
+        </p15:guide>
+        <p15:guide id="2" orient="horz" pos="4195">
+          <p15:clr>
+            <a:srgbClr val="A4A3A4"/>
+          </p15:clr>
+        </p15:guide>
+        <p15:guide id="3" pos="4050">
+          <p15:clr>
+            <a:srgbClr val="A4A3A4"/>
+          </p15:clr>
+        </p15:guide>
+        <p15:guide id="4" pos="627">
+          <p15:clr>
+            <a:srgbClr val="A4A3A4"/>
+          </p15:clr>
+        </p15:guide>
+        <p15:guide id="5" pos="7507">
+          <p15:clr>
+            <a:srgbClr val="A4A3A4"/>
+          </p15:clr>
+        </p15:guide>
+        <p15:guide id="6" pos="6930">
+          <p15:clr>
+            <a:srgbClr val="A4A3A4"/>
+          </p15:clr>
+        </p15:guide>
+      </p15:sldGuideLst>
+    </p:ext>
+    <p:ext uri="{2D200454-40CA-4A62-9FC3-DE9A4176ACB9}">
+      <p15:notesGuideLst xmlns:p15="http://schemas.microsoft.com/office/powerpoint/2012/main"/>
+    </p:ext>
+  </p:extLst>
 </p:presentation>
 </file>
 
@@ -244,6 +283,7 @@
           <a:p>
             <a:fld id="{E9630DBF-D010-4114-9DE3-41E342A27C18}" type="datetimeFigureOut">
               <a:rPr lang="zh-CN" altLang="en-US" smtClean="0"/>
+              <a:t>2019/12/5</a:t>
             </a:fld>
             <a:endParaRPr lang="zh-CN" altLang="en-US"/>
           </a:p>
@@ -309,6 +349,7 @@
           <a:p>
             <a:fld id="{D4D1D107-4CC9-43CA-8CA8-36E1DF70D5F2}" type="slidenum">
               <a:rPr lang="zh-CN" altLang="en-US" smtClean="0"/>
+              <a:t>‹#›</a:t>
             </a:fld>
             <a:endParaRPr lang="zh-CN" altLang="en-US"/>
           </a:p>
@@ -408,6 +449,7 @@
             </a:pPr>
             <a:fld id="{06024D97-E667-405D-B634-E583E2108D71}" type="datetimeFigureOut">
               <a:rPr lang="zh-CN" altLang="en-US"/>
+              <a:t>2019/12/5</a:t>
             </a:fld>
             <a:endParaRPr lang="zh-CN" altLang="en-US"/>
           </a:p>
@@ -475,7 +517,6 @@
               <a:rPr lang="zh-CN" altLang="en-US" noProof="0"/>
               <a:t>单击此处编辑母版文本样式</a:t>
             </a:r>
-            <a:endParaRPr lang="zh-CN" altLang="en-US" noProof="0"/>
           </a:p>
           <a:p>
             <a:pPr lvl="1"/>
@@ -483,7 +524,6 @@
               <a:rPr lang="zh-CN" altLang="en-US" noProof="0"/>
               <a:t>第二级</a:t>
             </a:r>
-            <a:endParaRPr lang="zh-CN" altLang="en-US" noProof="0"/>
           </a:p>
           <a:p>
             <a:pPr lvl="2"/>
@@ -491,7 +531,6 @@
               <a:rPr lang="zh-CN" altLang="en-US" noProof="0"/>
               <a:t>第三级</a:t>
             </a:r>
-            <a:endParaRPr lang="zh-CN" altLang="en-US" noProof="0"/>
           </a:p>
           <a:p>
             <a:pPr lvl="3"/>
@@ -499,7 +538,6 @@
               <a:rPr lang="zh-CN" altLang="en-US" noProof="0"/>
               <a:t>第四级</a:t>
             </a:r>
-            <a:endParaRPr lang="zh-CN" altLang="en-US" noProof="0"/>
           </a:p>
           <a:p>
             <a:pPr lvl="4"/>
@@ -507,7 +545,6 @@
               <a:rPr lang="zh-CN" altLang="en-US" noProof="0"/>
               <a:t>第五级</a:t>
             </a:r>
-            <a:endParaRPr lang="zh-CN" altLang="en-US" noProof="0"/>
           </a:p>
         </p:txBody>
       </p:sp>
@@ -574,6 +611,7 @@
           <a:p>
             <a:fld id="{418F03C3-53C1-4F10-8DAF-D1F318E96C6E}" type="slidenum">
               <a:rPr lang="zh-CN" altLang="en-US"/>
+              <a:t>‹#›</a:t>
             </a:fld>
             <a:endParaRPr lang="zh-CN" altLang="en-US"/>
           </a:p>
@@ -772,6 +810,7 @@
           <a:p>
             <a:fld id="{418F03C3-53C1-4F10-8DAF-D1F318E96C6E}" type="slidenum">
               <a:rPr lang="zh-CN" altLang="en-US" smtClean="0"/>
+              <a:t>1</a:t>
             </a:fld>
             <a:endParaRPr lang="zh-CN" altLang="en-US"/>
           </a:p>
@@ -850,6 +889,7 @@
           <a:p>
             <a:fld id="{7392B679-AE23-4750-8FB0-6513430B8953}" type="slidenum">
               <a:rPr lang="zh-CN" altLang="en-US" smtClean="0"/>
+              <a:t>11</a:t>
             </a:fld>
             <a:endParaRPr lang="zh-CN" altLang="en-US"/>
           </a:p>
@@ -928,6 +968,7 @@
           <a:p>
             <a:fld id="{418F03C3-53C1-4F10-8DAF-D1F318E96C6E}" type="slidenum">
               <a:rPr lang="zh-CN" altLang="en-US" smtClean="0"/>
+              <a:t>12</a:t>
             </a:fld>
             <a:endParaRPr lang="zh-CN" altLang="en-US"/>
           </a:p>
@@ -1006,6 +1047,7 @@
           <a:p>
             <a:fld id="{8927DC7C-EA85-41EA-BE8E-3BC04B9579CE}" type="slidenum">
               <a:rPr lang="zh-CN" altLang="en-US" smtClean="0"/>
+              <a:t>2</a:t>
             </a:fld>
             <a:endParaRPr lang="zh-CN" altLang="en-US"/>
           </a:p>
@@ -1084,6 +1126,7 @@
           <a:p>
             <a:fld id="{418F03C3-53C1-4F10-8DAF-D1F318E96C6E}" type="slidenum">
               <a:rPr lang="zh-CN" altLang="en-US" smtClean="0"/>
+              <a:t>3</a:t>
             </a:fld>
             <a:endParaRPr lang="zh-CN" altLang="en-US"/>
           </a:p>
@@ -1166,7 +1209,6 @@
               <a:rPr lang="en-US" dirty="0"/>
               <a:t>My First Template</a:t>
             </a:r>
-            <a:endParaRPr lang="en-US" dirty="0"/>
           </a:p>
         </p:txBody>
       </p:sp>
@@ -1449,6 +1491,7 @@
                 <a:latin typeface="Arial" panose="020B0604020202020204" pitchFamily="34" charset="0"/>
                 <a:ea typeface="微软雅黑" panose="020B0503020204020204" pitchFamily="34" charset="-122"/>
               </a:rPr>
+              <a:t>5</a:t>
             </a:fld>
             <a:endParaRPr lang="zh-CN" altLang="en-US" dirty="0">
               <a:latin typeface="Arial" panose="020B0604020202020204" pitchFamily="34" charset="0"/>
@@ -1530,6 +1573,7 @@
           <a:p>
             <a:fld id="{418F03C3-53C1-4F10-8DAF-D1F318E96C6E}" type="slidenum">
               <a:rPr lang="zh-CN" altLang="en-US" smtClean="0"/>
+              <a:t>7</a:t>
             </a:fld>
             <a:endParaRPr lang="zh-CN" altLang="en-US"/>
           </a:p>
@@ -1608,6 +1652,7 @@
           <a:p>
             <a:fld id="{418F03C3-53C1-4F10-8DAF-D1F318E96C6E}" type="slidenum">
               <a:rPr lang="zh-CN" altLang="en-US" smtClean="0"/>
+              <a:t>8</a:t>
             </a:fld>
             <a:endParaRPr lang="zh-CN" altLang="en-US"/>
           </a:p>
@@ -1686,6 +1731,7 @@
           <a:p>
             <a:fld id="{418F03C3-53C1-4F10-8DAF-D1F318E96C6E}" type="slidenum">
               <a:rPr lang="zh-CN" altLang="en-US" smtClean="0"/>
+              <a:t>9</a:t>
             </a:fld>
             <a:endParaRPr lang="zh-CN" altLang="en-US"/>
           </a:p>
@@ -1764,6 +1810,7 @@
           <a:p>
             <a:fld id="{7392B679-AE23-4750-8FB0-6513430B8953}" type="slidenum">
               <a:rPr lang="zh-CN" altLang="en-US" smtClean="0"/>
+              <a:t>10</a:t>
             </a:fld>
             <a:endParaRPr lang="zh-CN" altLang="en-US"/>
           </a:p>
@@ -1811,6 +1858,7 @@
           <a:p>
             <a:fld id="{32BF82D2-7A68-459D-A996-9BDDA2518FA4}" type="datetimeFigureOut">
               <a:rPr lang="zh-CN" altLang="en-US" smtClean="0"/>
+              <a:t>2019/12/5</a:t>
             </a:fld>
             <a:endParaRPr lang="zh-CN" altLang="en-US"/>
           </a:p>
@@ -1852,6 +1900,7 @@
           <a:p>
             <a:fld id="{3E01EE5D-26FB-46D5-A381-ECFB35BF1D34}" type="slidenum">
               <a:rPr lang="zh-CN" altLang="en-US" smtClean="0"/>
+              <a:t>‹#›</a:t>
             </a:fld>
             <a:endParaRPr lang="zh-CN" altLang="en-US"/>
           </a:p>
@@ -1910,7 +1959,6 @@
               <a:rPr lang="zh-CN" altLang="en-US"/>
               <a:t>单击此处编辑母版标题样式</a:t>
             </a:r>
-            <a:endParaRPr lang="zh-CN" altLang="en-US"/>
           </a:p>
         </p:txBody>
       </p:sp>
@@ -1967,7 +2015,6 @@
               <a:rPr lang="zh-CN" altLang="en-US"/>
               <a:t>单击此处编辑母版文本样式</a:t>
             </a:r>
-            <a:endParaRPr lang="zh-CN" altLang="en-US"/>
           </a:p>
           <a:p>
             <a:pPr lvl="1"/>
@@ -1975,7 +2022,6 @@
               <a:rPr lang="zh-CN" altLang="en-US"/>
               <a:t>二级</a:t>
             </a:r>
-            <a:endParaRPr lang="zh-CN" altLang="en-US"/>
           </a:p>
           <a:p>
             <a:pPr lvl="2"/>
@@ -1983,7 +2029,6 @@
               <a:rPr lang="zh-CN" altLang="en-US"/>
               <a:t>三级</a:t>
             </a:r>
-            <a:endParaRPr lang="zh-CN" altLang="en-US"/>
           </a:p>
           <a:p>
             <a:pPr lvl="3"/>
@@ -1991,7 +2036,6 @@
               <a:rPr lang="zh-CN" altLang="en-US"/>
               <a:t>四级</a:t>
             </a:r>
-            <a:endParaRPr lang="zh-CN" altLang="en-US"/>
           </a:p>
           <a:p>
             <a:pPr lvl="4"/>
@@ -1999,7 +2043,6 @@
               <a:rPr lang="zh-CN" altLang="en-US"/>
               <a:t>五级</a:t>
             </a:r>
-            <a:endParaRPr lang="zh-CN" altLang="en-US"/>
           </a:p>
         </p:txBody>
       </p:sp>
@@ -2065,7 +2108,6 @@
               <a:rPr lang="zh-CN" altLang="en-US"/>
               <a:t>单击此处编辑母版文本样式</a:t>
             </a:r>
-            <a:endParaRPr lang="zh-CN" altLang="en-US"/>
           </a:p>
         </p:txBody>
       </p:sp>
@@ -2086,6 +2128,7 @@
           <a:p>
             <a:fld id="{32BF82D2-7A68-459D-A996-9BDDA2518FA4}" type="datetimeFigureOut">
               <a:rPr lang="zh-CN" altLang="en-US" smtClean="0"/>
+              <a:t>2019/12/5</a:t>
             </a:fld>
             <a:endParaRPr lang="zh-CN" altLang="en-US"/>
           </a:p>
@@ -2127,6 +2170,7 @@
           <a:p>
             <a:fld id="{3E01EE5D-26FB-46D5-A381-ECFB35BF1D34}" type="slidenum">
               <a:rPr lang="zh-CN" altLang="en-US" smtClean="0"/>
+              <a:t>‹#›</a:t>
             </a:fld>
             <a:endParaRPr lang="zh-CN" altLang="en-US"/>
           </a:p>
@@ -2185,7 +2229,6 @@
               <a:rPr lang="zh-CN" altLang="en-US"/>
               <a:t>单击此处编辑母版标题样式</a:t>
             </a:r>
-            <a:endParaRPr lang="zh-CN" altLang="en-US"/>
           </a:p>
         </p:txBody>
       </p:sp>
@@ -2312,7 +2355,6 @@
               <a:rPr lang="zh-CN" altLang="en-US"/>
               <a:t>单击此处编辑母版文本样式</a:t>
             </a:r>
-            <a:endParaRPr lang="zh-CN" altLang="en-US"/>
           </a:p>
         </p:txBody>
       </p:sp>
@@ -2333,6 +2375,7 @@
           <a:p>
             <a:fld id="{32BF82D2-7A68-459D-A996-9BDDA2518FA4}" type="datetimeFigureOut">
               <a:rPr lang="zh-CN" altLang="en-US" smtClean="0"/>
+              <a:t>2019/12/5</a:t>
             </a:fld>
             <a:endParaRPr lang="zh-CN" altLang="en-US"/>
           </a:p>
@@ -2374,6 +2417,7 @@
           <a:p>
             <a:fld id="{3E01EE5D-26FB-46D5-A381-ECFB35BF1D34}" type="slidenum">
               <a:rPr lang="zh-CN" altLang="en-US" smtClean="0"/>
+              <a:t>‹#›</a:t>
             </a:fld>
             <a:endParaRPr lang="zh-CN" altLang="en-US"/>
           </a:p>
@@ -2423,7 +2467,6 @@
               <a:rPr lang="zh-CN" altLang="en-US"/>
               <a:t>单击此处编辑母版标题样式</a:t>
             </a:r>
-            <a:endParaRPr lang="zh-CN" altLang="en-US"/>
           </a:p>
         </p:txBody>
       </p:sp>
@@ -2447,7 +2490,6 @@
               <a:rPr lang="zh-CN" altLang="en-US"/>
               <a:t>单击此处编辑母版文本样式</a:t>
             </a:r>
-            <a:endParaRPr lang="zh-CN" altLang="en-US"/>
           </a:p>
           <a:p>
             <a:pPr lvl="1"/>
@@ -2455,7 +2497,6 @@
               <a:rPr lang="zh-CN" altLang="en-US"/>
               <a:t>二级</a:t>
             </a:r>
-            <a:endParaRPr lang="zh-CN" altLang="en-US"/>
           </a:p>
           <a:p>
             <a:pPr lvl="2"/>
@@ -2463,7 +2504,6 @@
               <a:rPr lang="zh-CN" altLang="en-US"/>
               <a:t>三级</a:t>
             </a:r>
-            <a:endParaRPr lang="zh-CN" altLang="en-US"/>
           </a:p>
           <a:p>
             <a:pPr lvl="3"/>
@@ -2471,7 +2511,6 @@
               <a:rPr lang="zh-CN" altLang="en-US"/>
               <a:t>四级</a:t>
             </a:r>
-            <a:endParaRPr lang="zh-CN" altLang="en-US"/>
           </a:p>
           <a:p>
             <a:pPr lvl="4"/>
@@ -2479,7 +2518,6 @@
               <a:rPr lang="zh-CN" altLang="en-US"/>
               <a:t>五级</a:t>
             </a:r>
-            <a:endParaRPr lang="zh-CN" altLang="en-US"/>
           </a:p>
         </p:txBody>
       </p:sp>
@@ -2500,6 +2538,7 @@
           <a:p>
             <a:fld id="{32BF82D2-7A68-459D-A996-9BDDA2518FA4}" type="datetimeFigureOut">
               <a:rPr lang="zh-CN" altLang="en-US" smtClean="0"/>
+              <a:t>2019/12/5</a:t>
             </a:fld>
             <a:endParaRPr lang="zh-CN" altLang="en-US"/>
           </a:p>
@@ -2541,6 +2580,7 @@
           <a:p>
             <a:fld id="{3E01EE5D-26FB-46D5-A381-ECFB35BF1D34}" type="slidenum">
               <a:rPr lang="zh-CN" altLang="en-US" smtClean="0"/>
+              <a:t>‹#›</a:t>
             </a:fld>
             <a:endParaRPr lang="zh-CN" altLang="en-US"/>
           </a:p>
@@ -2595,7 +2635,6 @@
               <a:rPr lang="zh-CN" altLang="en-US"/>
               <a:t>单击此处编辑母版标题样式</a:t>
             </a:r>
-            <a:endParaRPr lang="zh-CN" altLang="en-US"/>
           </a:p>
         </p:txBody>
       </p:sp>
@@ -2624,7 +2663,6 @@
               <a:rPr lang="zh-CN" altLang="en-US"/>
               <a:t>单击此处编辑母版文本样式</a:t>
             </a:r>
-            <a:endParaRPr lang="zh-CN" altLang="en-US"/>
           </a:p>
           <a:p>
             <a:pPr lvl="1"/>
@@ -2632,7 +2670,6 @@
               <a:rPr lang="zh-CN" altLang="en-US"/>
               <a:t>二级</a:t>
             </a:r>
-            <a:endParaRPr lang="zh-CN" altLang="en-US"/>
           </a:p>
           <a:p>
             <a:pPr lvl="2"/>
@@ -2640,7 +2677,6 @@
               <a:rPr lang="zh-CN" altLang="en-US"/>
               <a:t>三级</a:t>
             </a:r>
-            <a:endParaRPr lang="zh-CN" altLang="en-US"/>
           </a:p>
           <a:p>
             <a:pPr lvl="3"/>
@@ -2648,7 +2684,6 @@
               <a:rPr lang="zh-CN" altLang="en-US"/>
               <a:t>四级</a:t>
             </a:r>
-            <a:endParaRPr lang="zh-CN" altLang="en-US"/>
           </a:p>
           <a:p>
             <a:pPr lvl="4"/>
@@ -2656,7 +2691,6 @@
               <a:rPr lang="zh-CN" altLang="en-US"/>
               <a:t>五级</a:t>
             </a:r>
-            <a:endParaRPr lang="zh-CN" altLang="en-US"/>
           </a:p>
         </p:txBody>
       </p:sp>
@@ -2677,6 +2711,7 @@
           <a:p>
             <a:fld id="{32BF82D2-7A68-459D-A996-9BDDA2518FA4}" type="datetimeFigureOut">
               <a:rPr lang="zh-CN" altLang="en-US" smtClean="0"/>
+              <a:t>2019/12/5</a:t>
             </a:fld>
             <a:endParaRPr lang="zh-CN" altLang="en-US"/>
           </a:p>
@@ -2718,6 +2753,7 @@
           <a:p>
             <a:fld id="{3E01EE5D-26FB-46D5-A381-ECFB35BF1D34}" type="slidenum">
               <a:rPr lang="zh-CN" altLang="en-US" smtClean="0"/>
+              <a:t>‹#›</a:t>
             </a:fld>
             <a:endParaRPr lang="zh-CN" altLang="en-US"/>
           </a:p>
@@ -2772,12 +2808,12 @@
           <p:cNvPicPr/>
           <p:nvPr>
             <p:custDataLst>
-              <p:tags r:id="rId2"/>
+              <p:tags r:id="rId1"/>
             </p:custDataLst>
           </p:nvPr>
         </p:nvPicPr>
         <p:blipFill>
-          <a:blip r:embed="rId3" r:link="rId4" cstate="screen"/>
+          <a:blip r:embed="rId10" r:link="rId11" cstate="screen"/>
           <a:stretch>
             <a:fillRect/>
           </a:stretch>
@@ -2798,12 +2834,12 @@
           <p:cNvPicPr/>
           <p:nvPr>
             <p:custDataLst>
-              <p:tags r:id="rId5"/>
+              <p:tags r:id="rId2"/>
             </p:custDataLst>
           </p:nvPr>
         </p:nvPicPr>
         <p:blipFill>
-          <a:blip r:embed="rId6" r:link="rId7" cstate="screen"/>
+          <a:blip r:embed="rId12" r:link="rId13" cstate="screen"/>
           <a:stretch>
             <a:fillRect/>
           </a:stretch>
@@ -2824,12 +2860,12 @@
           <p:cNvPicPr/>
           <p:nvPr>
             <p:custDataLst>
-              <p:tags r:id="rId8"/>
+              <p:tags r:id="rId3"/>
             </p:custDataLst>
           </p:nvPr>
         </p:nvPicPr>
         <p:blipFill>
-          <a:blip r:embed="rId9" r:link="rId10"/>
+          <a:blip r:embed="rId14" r:link="rId15"/>
           <a:stretch>
             <a:fillRect/>
           </a:stretch>
@@ -2853,7 +2889,7 @@
           <p:nvPr>
             <p:ph type="ctrTitle" hasCustomPrompt="1"/>
             <p:custDataLst>
-              <p:tags r:id="rId11"/>
+              <p:tags r:id="rId4"/>
             </p:custDataLst>
           </p:nvPr>
         </p:nvSpPr>
@@ -2879,7 +2915,6 @@
               <a:rPr lang="zh-CN" altLang="en-US" dirty="0"/>
               <a:t>单击此处编辑标题</a:t>
             </a:r>
-            <a:endParaRPr lang="zh-CN" altLang="en-US" dirty="0"/>
           </a:p>
         </p:txBody>
       </p:sp>
@@ -2892,7 +2927,7 @@
           <p:nvPr>
             <p:ph type="subTitle" idx="1" hasCustomPrompt="1"/>
             <p:custDataLst>
-              <p:tags r:id="rId12"/>
+              <p:tags r:id="rId5"/>
             </p:custDataLst>
           </p:nvPr>
         </p:nvSpPr>
@@ -2961,7 +2996,6 @@
               <a:rPr lang="zh-CN" altLang="en-US" dirty="0"/>
               <a:t>单击此处编辑副标题</a:t>
             </a:r>
-            <a:endParaRPr lang="zh-CN" altLang="en-US" dirty="0"/>
           </a:p>
         </p:txBody>
       </p:sp>
@@ -2974,7 +3008,7 @@
           <p:nvPr>
             <p:ph type="dt" sz="half" idx="10"/>
             <p:custDataLst>
-              <p:tags r:id="rId13"/>
+              <p:tags r:id="rId6"/>
             </p:custDataLst>
           </p:nvPr>
         </p:nvSpPr>
@@ -2985,6 +3019,7 @@
           <a:p>
             <a:fld id="{760FBDFE-C587-4B4C-A407-44438C67B59E}" type="datetimeFigureOut">
               <a:rPr lang="zh-CN" altLang="en-US" smtClean="0"/>
+              <a:t>2019/12/5</a:t>
             </a:fld>
             <a:endParaRPr lang="zh-CN" altLang="en-US"/>
           </a:p>
@@ -2999,7 +3034,7 @@
           <p:nvPr>
             <p:ph type="ftr" sz="quarter" idx="11"/>
             <p:custDataLst>
-              <p:tags r:id="rId14"/>
+              <p:tags r:id="rId7"/>
             </p:custDataLst>
           </p:nvPr>
         </p:nvSpPr>
@@ -3021,7 +3056,7 @@
           <p:nvPr>
             <p:ph type="sldNum" sz="quarter" idx="12"/>
             <p:custDataLst>
-              <p:tags r:id="rId15"/>
+              <p:tags r:id="rId8"/>
             </p:custDataLst>
           </p:nvPr>
         </p:nvSpPr>
@@ -3032,6 +3067,7 @@
           <a:p>
             <a:fld id="{49AE70B2-8BF9-45C0-BB95-33D1B9D3A854}" type="slidenum">
               <a:rPr lang="zh-CN" altLang="en-US" smtClean="0"/>
+              <a:t>‹#›</a:t>
             </a:fld>
             <a:endParaRPr lang="zh-CN" altLang="en-US" dirty="0"/>
           </a:p>
@@ -3081,7 +3117,7 @@
           <p:nvPr>
             <p:ph type="title"/>
             <p:custDataLst>
-              <p:tags r:id="rId2"/>
+              <p:tags r:id="rId1"/>
             </p:custDataLst>
           </p:nvPr>
         </p:nvSpPr>
@@ -3124,9 +3160,6 @@
               </a:rPr>
               <a:t>单击此处编辑母版标题样式</a:t>
             </a:r>
-            <a:endParaRPr dirty="0">
-              <a:sym typeface="+mn-ea"/>
-            </a:endParaRPr>
           </a:p>
         </p:txBody>
       </p:sp>
@@ -3139,7 +3172,7 @@
           <p:nvPr>
             <p:ph idx="1"/>
             <p:custDataLst>
-              <p:tags r:id="rId3"/>
+              <p:tags r:id="rId2"/>
             </p:custDataLst>
           </p:nvPr>
         </p:nvSpPr>
@@ -3296,9 +3329,6 @@
               </a:rPr>
               <a:t>单击此处编辑母版文本样式</a:t>
             </a:r>
-            <a:endParaRPr dirty="0">
-              <a:sym typeface="+mn-ea"/>
-            </a:endParaRPr>
           </a:p>
           <a:p>
             <a:pPr lvl="1"/>
@@ -3308,9 +3338,6 @@
               </a:rPr>
               <a:t>第二级</a:t>
             </a:r>
-            <a:endParaRPr dirty="0">
-              <a:sym typeface="+mn-ea"/>
-            </a:endParaRPr>
           </a:p>
           <a:p>
             <a:pPr lvl="2"/>
@@ -3320,9 +3347,6 @@
               </a:rPr>
               <a:t>第三级</a:t>
             </a:r>
-            <a:endParaRPr dirty="0">
-              <a:sym typeface="+mn-ea"/>
-            </a:endParaRPr>
           </a:p>
           <a:p>
             <a:pPr lvl="3"/>
@@ -3332,9 +3356,6 @@
               </a:rPr>
               <a:t>第四级</a:t>
             </a:r>
-            <a:endParaRPr dirty="0">
-              <a:sym typeface="+mn-ea"/>
-            </a:endParaRPr>
           </a:p>
           <a:p>
             <a:pPr lvl="4"/>
@@ -3344,9 +3365,6 @@
               </a:rPr>
               <a:t>第五级</a:t>
             </a:r>
-            <a:endParaRPr dirty="0">
-              <a:sym typeface="+mn-ea"/>
-            </a:endParaRPr>
           </a:p>
         </p:txBody>
       </p:sp>
@@ -3358,6 +3376,47 @@
           </p:cNvSpPr>
           <p:nvPr>
             <p:ph type="dt" sz="half" idx="10"/>
+            <p:custDataLst>
+              <p:tags r:id="rId3"/>
+            </p:custDataLst>
+          </p:nvPr>
+        </p:nvSpPr>
+        <p:spPr/>
+        <p:txBody>
+          <a:bodyPr lIns="90000" tIns="46800" rIns="90000" bIns="46800">
+            <a:normAutofit/>
+          </a:bodyPr>
+          <a:lstStyle>
+            <a:lvl1pPr>
+              <a:defRPr baseline="0">
+                <a:solidFill>
+                  <a:schemeClr val="tx1">
+                    <a:lumMod val="85000"/>
+                    <a:lumOff val="15000"/>
+                  </a:schemeClr>
+                </a:solidFill>
+                <a:latin typeface="Arial" panose="020B0604020202020204" pitchFamily="34" charset="0"/>
+                <a:ea typeface="隶书" panose="02010509060101010101" pitchFamily="49" charset="-122"/>
+              </a:defRPr>
+            </a:lvl1pPr>
+          </a:lstStyle>
+          <a:p>
+            <a:fld id="{760FBDFE-C587-4B4C-A407-44438C67B59E}" type="datetimeFigureOut">
+              <a:rPr lang="zh-CN" altLang="en-US" smtClean="0"/>
+              <a:t>2019/12/5</a:t>
+            </a:fld>
+            <a:endParaRPr lang="zh-CN" altLang="en-US"/>
+          </a:p>
+        </p:txBody>
+      </p:sp>
+      <p:sp>
+        <p:nvSpPr>
+          <p:cNvPr id="5" name="页脚占位符 4"/>
+          <p:cNvSpPr>
+            <a:spLocks noGrp="1"/>
+          </p:cNvSpPr>
+          <p:nvPr>
+            <p:ph type="ftr" sz="quarter" idx="11"/>
             <p:custDataLst>
               <p:tags r:id="rId4"/>
             </p:custDataLst>
@@ -3383,21 +3442,18 @@
             </a:lvl1pPr>
           </a:lstStyle>
           <a:p>
-            <a:fld id="{760FBDFE-C587-4B4C-A407-44438C67B59E}" type="datetimeFigureOut">
-              <a:rPr lang="zh-CN" altLang="en-US" smtClean="0"/>
-            </a:fld>
             <a:endParaRPr lang="zh-CN" altLang="en-US"/>
           </a:p>
         </p:txBody>
       </p:sp>
       <p:sp>
         <p:nvSpPr>
-          <p:cNvPr id="5" name="页脚占位符 4"/>
+          <p:cNvPr id="6" name="灯片编号占位符 5"/>
           <p:cNvSpPr>
             <a:spLocks noGrp="1"/>
           </p:cNvSpPr>
           <p:nvPr>
-            <p:ph type="ftr" sz="quarter" idx="11"/>
+            <p:ph type="sldNum" sz="quarter" idx="12"/>
             <p:custDataLst>
               <p:tags r:id="rId5"/>
             </p:custDataLst>
@@ -3423,45 +3479,9 @@
             </a:lvl1pPr>
           </a:lstStyle>
           <a:p>
-            <a:endParaRPr lang="zh-CN" altLang="en-US"/>
-          </a:p>
-        </p:txBody>
-      </p:sp>
-      <p:sp>
-        <p:nvSpPr>
-          <p:cNvPr id="6" name="灯片编号占位符 5"/>
-          <p:cNvSpPr>
-            <a:spLocks noGrp="1"/>
-          </p:cNvSpPr>
-          <p:nvPr>
-            <p:ph type="sldNum" sz="quarter" idx="12"/>
-            <p:custDataLst>
-              <p:tags r:id="rId6"/>
-            </p:custDataLst>
-          </p:nvPr>
-        </p:nvSpPr>
-        <p:spPr/>
-        <p:txBody>
-          <a:bodyPr lIns="90000" tIns="46800" rIns="90000" bIns="46800">
-            <a:normAutofit/>
-          </a:bodyPr>
-          <a:lstStyle>
-            <a:lvl1pPr>
-              <a:defRPr baseline="0">
-                <a:solidFill>
-                  <a:schemeClr val="tx1">
-                    <a:lumMod val="85000"/>
-                    <a:lumOff val="15000"/>
-                  </a:schemeClr>
-                </a:solidFill>
-                <a:latin typeface="Arial" panose="020B0604020202020204" pitchFamily="34" charset="0"/>
-                <a:ea typeface="隶书" panose="02010509060101010101" pitchFamily="49" charset="-122"/>
-              </a:defRPr>
-            </a:lvl1pPr>
-          </a:lstStyle>
-          <a:p>
             <a:fld id="{49AE70B2-8BF9-45C0-BB95-33D1B9D3A854}" type="slidenum">
               <a:rPr lang="zh-CN" altLang="en-US" smtClean="0"/>
+              <a:t>‹#›</a:t>
             </a:fld>
             <a:endParaRPr lang="zh-CN" altLang="en-US"/>
           </a:p>
@@ -3516,12 +3536,12 @@
           <p:cNvPicPr/>
           <p:nvPr>
             <p:custDataLst>
-              <p:tags r:id="rId2"/>
+              <p:tags r:id="rId1"/>
             </p:custDataLst>
           </p:nvPr>
         </p:nvPicPr>
         <p:blipFill>
-          <a:blip r:embed="rId3" r:link="rId4"/>
+          <a:blip r:embed="rId9" r:link="rId10"/>
           <a:stretch>
             <a:fillRect/>
           </a:stretch>
@@ -3542,12 +3562,12 @@
           <p:cNvPicPr/>
           <p:nvPr>
             <p:custDataLst>
-              <p:tags r:id="rId5"/>
+              <p:tags r:id="rId2"/>
             </p:custDataLst>
           </p:nvPr>
         </p:nvPicPr>
         <p:blipFill>
-          <a:blip r:embed="rId6" r:link="rId7" cstate="screen"/>
+          <a:blip r:embed="rId11" r:link="rId12" cstate="screen"/>
           <a:stretch>
             <a:fillRect/>
           </a:stretch>
@@ -3570,12 +3590,12 @@
           </p:cNvPicPr>
           <p:nvPr>
             <p:custDataLst>
-              <p:tags r:id="rId8"/>
+              <p:tags r:id="rId3"/>
             </p:custDataLst>
           </p:nvPr>
         </p:nvPicPr>
         <p:blipFill>
-          <a:blip r:embed="rId9" cstate="email"/>
+          <a:blip r:embed="rId13" cstate="email"/>
           <a:stretch>
             <a:fillRect/>
           </a:stretch>
@@ -3599,7 +3619,7 @@
           <p:nvPr>
             <p:ph type="title" hasCustomPrompt="1"/>
             <p:custDataLst>
-              <p:tags r:id="rId10"/>
+              <p:tags r:id="rId4"/>
             </p:custDataLst>
           </p:nvPr>
         </p:nvSpPr>
@@ -3633,7 +3653,6 @@
               <a:rPr lang="zh-CN" altLang="en-US" dirty="0"/>
               <a:t>单击此处编辑标题</a:t>
             </a:r>
-            <a:endParaRPr lang="zh-CN" altLang="en-US" dirty="0"/>
           </a:p>
         </p:txBody>
       </p:sp>
@@ -3646,7 +3665,7 @@
           <p:nvPr>
             <p:ph type="dt" sz="half" idx="10"/>
             <p:custDataLst>
-              <p:tags r:id="rId11"/>
+              <p:tags r:id="rId5"/>
             </p:custDataLst>
           </p:nvPr>
         </p:nvSpPr>
@@ -3657,6 +3676,7 @@
           <a:p>
             <a:fld id="{760FBDFE-C587-4B4C-A407-44438C67B59E}" type="datetimeFigureOut">
               <a:rPr lang="zh-CN" altLang="en-US" smtClean="0"/>
+              <a:t>2019/12/5</a:t>
             </a:fld>
             <a:endParaRPr lang="zh-CN" altLang="en-US"/>
           </a:p>
@@ -3671,7 +3691,7 @@
           <p:nvPr>
             <p:ph type="ftr" sz="quarter" idx="11"/>
             <p:custDataLst>
-              <p:tags r:id="rId12"/>
+              <p:tags r:id="rId6"/>
             </p:custDataLst>
           </p:nvPr>
         </p:nvSpPr>
@@ -3693,7 +3713,7 @@
           <p:nvPr>
             <p:ph type="sldNum" sz="quarter" idx="12"/>
             <p:custDataLst>
-              <p:tags r:id="rId13"/>
+              <p:tags r:id="rId7"/>
             </p:custDataLst>
           </p:nvPr>
         </p:nvSpPr>
@@ -3704,6 +3724,7 @@
           <a:p>
             <a:fld id="{49AE70B2-8BF9-45C0-BB95-33D1B9D3A854}" type="slidenum">
               <a:rPr lang="zh-CN" altLang="en-US" smtClean="0"/>
+              <a:t>‹#›</a:t>
             </a:fld>
             <a:endParaRPr lang="zh-CN" altLang="en-US"/>
           </a:p>
@@ -3751,7 +3772,7 @@
           <p:nvPr>
             <p:ph type="title"/>
             <p:custDataLst>
-              <p:tags r:id="rId2"/>
+              <p:tags r:id="rId1"/>
             </p:custDataLst>
           </p:nvPr>
         </p:nvSpPr>
@@ -3794,9 +3815,6 @@
               </a:rPr>
               <a:t>单击此处编辑母版标题样式</a:t>
             </a:r>
-            <a:endParaRPr>
-              <a:sym typeface="+mn-ea"/>
-            </a:endParaRPr>
           </a:p>
         </p:txBody>
       </p:sp>
@@ -3809,7 +3827,7 @@
           <p:nvPr>
             <p:ph sz="half" idx="1"/>
             <p:custDataLst>
-              <p:tags r:id="rId3"/>
+              <p:tags r:id="rId2"/>
             </p:custDataLst>
           </p:nvPr>
         </p:nvSpPr>
@@ -3966,9 +3984,6 @@
               </a:rPr>
               <a:t>单击此处编辑母版文本样式</a:t>
             </a:r>
-            <a:endParaRPr>
-              <a:sym typeface="+mn-ea"/>
-            </a:endParaRPr>
           </a:p>
           <a:p>
             <a:pPr lvl="1"/>
@@ -3978,9 +3993,6 @@
               </a:rPr>
               <a:t>第二级</a:t>
             </a:r>
-            <a:endParaRPr>
-              <a:sym typeface="+mn-ea"/>
-            </a:endParaRPr>
           </a:p>
           <a:p>
             <a:pPr lvl="2"/>
@@ -3990,9 +4002,6 @@
               </a:rPr>
               <a:t>第三级</a:t>
             </a:r>
-            <a:endParaRPr>
-              <a:sym typeface="+mn-ea"/>
-            </a:endParaRPr>
           </a:p>
           <a:p>
             <a:pPr lvl="3"/>
@@ -4002,9 +4011,6 @@
               </a:rPr>
               <a:t>第四级</a:t>
             </a:r>
-            <a:endParaRPr>
-              <a:sym typeface="+mn-ea"/>
-            </a:endParaRPr>
           </a:p>
           <a:p>
             <a:pPr lvl="4"/>
@@ -4014,9 +4020,6 @@
               </a:rPr>
               <a:t>第五级</a:t>
             </a:r>
-            <a:endParaRPr>
-              <a:sym typeface="+mn-ea"/>
-            </a:endParaRPr>
           </a:p>
         </p:txBody>
       </p:sp>
@@ -4029,7 +4032,7 @@
           <p:nvPr>
             <p:ph sz="half" idx="2"/>
             <p:custDataLst>
-              <p:tags r:id="rId4"/>
+              <p:tags r:id="rId3"/>
             </p:custDataLst>
           </p:nvPr>
         </p:nvSpPr>
@@ -4111,7 +4114,6 @@
               <a:rPr lang="zh-CN" altLang="en-US" dirty="0"/>
               <a:t>单击此处编辑母版文本样式</a:t>
             </a:r>
-            <a:endParaRPr lang="zh-CN" altLang="en-US" dirty="0"/>
           </a:p>
           <a:p>
             <a:pPr lvl="1"/>
@@ -4119,7 +4121,6 @@
               <a:rPr lang="zh-CN" altLang="en-US" dirty="0"/>
               <a:t>第二级</a:t>
             </a:r>
-            <a:endParaRPr lang="zh-CN" altLang="en-US" dirty="0"/>
           </a:p>
           <a:p>
             <a:pPr lvl="2"/>
@@ -4127,7 +4128,6 @@
               <a:rPr lang="zh-CN" altLang="en-US" dirty="0"/>
               <a:t>第三级</a:t>
             </a:r>
-            <a:endParaRPr lang="zh-CN" altLang="en-US" dirty="0"/>
           </a:p>
           <a:p>
             <a:pPr lvl="3"/>
@@ -4135,7 +4135,6 @@
               <a:rPr lang="zh-CN" altLang="en-US" dirty="0"/>
               <a:t>第四级</a:t>
             </a:r>
-            <a:endParaRPr lang="zh-CN" altLang="en-US" dirty="0"/>
           </a:p>
           <a:p>
             <a:pPr lvl="4"/>
@@ -4143,7 +4142,6 @@
               <a:rPr lang="zh-CN" altLang="en-US" dirty="0"/>
               <a:t>第五级</a:t>
             </a:r>
-            <a:endParaRPr lang="zh-CN" altLang="en-US" dirty="0"/>
           </a:p>
         </p:txBody>
       </p:sp>
@@ -4155,6 +4153,47 @@
           </p:cNvSpPr>
           <p:nvPr>
             <p:ph type="dt" sz="half" idx="10"/>
+            <p:custDataLst>
+              <p:tags r:id="rId4"/>
+            </p:custDataLst>
+          </p:nvPr>
+        </p:nvSpPr>
+        <p:spPr/>
+        <p:txBody>
+          <a:bodyPr lIns="90000" tIns="46800" rIns="90000" bIns="46800">
+            <a:normAutofit/>
+          </a:bodyPr>
+          <a:lstStyle>
+            <a:lvl1pPr>
+              <a:defRPr baseline="0">
+                <a:solidFill>
+                  <a:schemeClr val="tx1">
+                    <a:lumMod val="85000"/>
+                    <a:lumOff val="15000"/>
+                  </a:schemeClr>
+                </a:solidFill>
+                <a:latin typeface="Arial" panose="020B0604020202020204" pitchFamily="34" charset="0"/>
+                <a:ea typeface="隶书" panose="02010509060101010101" pitchFamily="49" charset="-122"/>
+              </a:defRPr>
+            </a:lvl1pPr>
+          </a:lstStyle>
+          <a:p>
+            <a:fld id="{760FBDFE-C587-4B4C-A407-44438C67B59E}" type="datetimeFigureOut">
+              <a:rPr lang="zh-CN" altLang="en-US" smtClean="0"/>
+              <a:t>2019/12/5</a:t>
+            </a:fld>
+            <a:endParaRPr lang="zh-CN" altLang="en-US"/>
+          </a:p>
+        </p:txBody>
+      </p:sp>
+      <p:sp>
+        <p:nvSpPr>
+          <p:cNvPr id="6" name="页脚占位符 5"/>
+          <p:cNvSpPr>
+            <a:spLocks noGrp="1"/>
+          </p:cNvSpPr>
+          <p:nvPr>
+            <p:ph type="ftr" sz="quarter" idx="11"/>
             <p:custDataLst>
               <p:tags r:id="rId5"/>
             </p:custDataLst>
@@ -4180,21 +4219,18 @@
             </a:lvl1pPr>
           </a:lstStyle>
           <a:p>
-            <a:fld id="{760FBDFE-C587-4B4C-A407-44438C67B59E}" type="datetimeFigureOut">
-              <a:rPr lang="zh-CN" altLang="en-US" smtClean="0"/>
-            </a:fld>
             <a:endParaRPr lang="zh-CN" altLang="en-US"/>
           </a:p>
         </p:txBody>
       </p:sp>
       <p:sp>
         <p:nvSpPr>
-          <p:cNvPr id="6" name="页脚占位符 5"/>
+          <p:cNvPr id="7" name="灯片编号占位符 6"/>
           <p:cNvSpPr>
             <a:spLocks noGrp="1"/>
           </p:cNvSpPr>
           <p:nvPr>
-            <p:ph type="ftr" sz="quarter" idx="11"/>
+            <p:ph type="sldNum" sz="quarter" idx="12"/>
             <p:custDataLst>
               <p:tags r:id="rId6"/>
             </p:custDataLst>
@@ -4220,45 +4256,9 @@
             </a:lvl1pPr>
           </a:lstStyle>
           <a:p>
-            <a:endParaRPr lang="zh-CN" altLang="en-US"/>
-          </a:p>
-        </p:txBody>
-      </p:sp>
-      <p:sp>
-        <p:nvSpPr>
-          <p:cNvPr id="7" name="灯片编号占位符 6"/>
-          <p:cNvSpPr>
-            <a:spLocks noGrp="1"/>
-          </p:cNvSpPr>
-          <p:nvPr>
-            <p:ph type="sldNum" sz="quarter" idx="12"/>
-            <p:custDataLst>
-              <p:tags r:id="rId7"/>
-            </p:custDataLst>
-          </p:nvPr>
-        </p:nvSpPr>
-        <p:spPr/>
-        <p:txBody>
-          <a:bodyPr lIns="90000" tIns="46800" rIns="90000" bIns="46800">
-            <a:normAutofit/>
-          </a:bodyPr>
-          <a:lstStyle>
-            <a:lvl1pPr>
-              <a:defRPr baseline="0">
-                <a:solidFill>
-                  <a:schemeClr val="tx1">
-                    <a:lumMod val="85000"/>
-                    <a:lumOff val="15000"/>
-                  </a:schemeClr>
-                </a:solidFill>
-                <a:latin typeface="Arial" panose="020B0604020202020204" pitchFamily="34" charset="0"/>
-                <a:ea typeface="隶书" panose="02010509060101010101" pitchFamily="49" charset="-122"/>
-              </a:defRPr>
-            </a:lvl1pPr>
-          </a:lstStyle>
-          <a:p>
             <a:fld id="{49AE70B2-8BF9-45C0-BB95-33D1B9D3A854}" type="slidenum">
               <a:rPr lang="zh-CN" altLang="en-US" smtClean="0"/>
+              <a:t>‹#›</a:t>
             </a:fld>
             <a:endParaRPr lang="zh-CN" altLang="en-US"/>
           </a:p>
@@ -4306,7 +4306,7 @@
           <p:nvPr>
             <p:ph type="title"/>
             <p:custDataLst>
-              <p:tags r:id="rId2"/>
+              <p:tags r:id="rId1"/>
             </p:custDataLst>
           </p:nvPr>
         </p:nvSpPr>
@@ -4349,9 +4349,6 @@
               </a:rPr>
               <a:t>单击此处编辑母版标题样式</a:t>
             </a:r>
-            <a:endParaRPr dirty="0">
-              <a:sym typeface="+mn-ea"/>
-            </a:endParaRPr>
           </a:p>
         </p:txBody>
       </p:sp>
@@ -4364,7 +4361,7 @@
           <p:nvPr>
             <p:ph type="body" idx="1" hasCustomPrompt="1"/>
             <p:custDataLst>
-              <p:tags r:id="rId3"/>
+              <p:tags r:id="rId2"/>
             </p:custDataLst>
           </p:nvPr>
         </p:nvSpPr>
@@ -4438,7 +4435,6 @@
               <a:rPr lang="zh-CN" altLang="en-US" dirty="0"/>
               <a:t>单击此处编辑文本</a:t>
             </a:r>
-            <a:endParaRPr lang="zh-CN" altLang="en-US" dirty="0"/>
           </a:p>
         </p:txBody>
       </p:sp>
@@ -4451,7 +4447,7 @@
           <p:nvPr>
             <p:ph sz="half" idx="2"/>
             <p:custDataLst>
-              <p:tags r:id="rId4"/>
+              <p:tags r:id="rId3"/>
             </p:custDataLst>
           </p:nvPr>
         </p:nvSpPr>
@@ -4608,9 +4604,6 @@
               </a:rPr>
               <a:t>单击此处编辑母版文本样式</a:t>
             </a:r>
-            <a:endParaRPr dirty="0">
-              <a:sym typeface="+mn-ea"/>
-            </a:endParaRPr>
           </a:p>
           <a:p>
             <a:pPr lvl="1"/>
@@ -4620,9 +4613,6 @@
               </a:rPr>
               <a:t>第二级</a:t>
             </a:r>
-            <a:endParaRPr dirty="0">
-              <a:sym typeface="+mn-ea"/>
-            </a:endParaRPr>
           </a:p>
           <a:p>
             <a:pPr lvl="2"/>
@@ -4632,9 +4622,6 @@
               </a:rPr>
               <a:t>第三级</a:t>
             </a:r>
-            <a:endParaRPr dirty="0">
-              <a:sym typeface="+mn-ea"/>
-            </a:endParaRPr>
           </a:p>
           <a:p>
             <a:pPr lvl="3"/>
@@ -4644,9 +4631,6 @@
               </a:rPr>
               <a:t>第四级</a:t>
             </a:r>
-            <a:endParaRPr dirty="0">
-              <a:sym typeface="+mn-ea"/>
-            </a:endParaRPr>
           </a:p>
           <a:p>
             <a:pPr lvl="4"/>
@@ -4656,9 +4640,6 @@
               </a:rPr>
               <a:t>第五级</a:t>
             </a:r>
-            <a:endParaRPr dirty="0">
-              <a:sym typeface="+mn-ea"/>
-            </a:endParaRPr>
           </a:p>
         </p:txBody>
       </p:sp>
@@ -4671,7 +4652,7 @@
           <p:nvPr>
             <p:ph type="body" sz="quarter" idx="3" hasCustomPrompt="1"/>
             <p:custDataLst>
-              <p:tags r:id="rId5"/>
+              <p:tags r:id="rId4"/>
             </p:custDataLst>
           </p:nvPr>
         </p:nvSpPr>
@@ -4753,9 +4734,6 @@
               </a:rPr>
               <a:t>单击此处编辑文本</a:t>
             </a:r>
-            <a:endParaRPr>
-              <a:sym typeface="+mn-ea"/>
-            </a:endParaRPr>
           </a:p>
         </p:txBody>
       </p:sp>
@@ -4768,7 +4746,7 @@
           <p:nvPr>
             <p:ph sz="quarter" idx="4"/>
             <p:custDataLst>
-              <p:tags r:id="rId6"/>
+              <p:tags r:id="rId5"/>
             </p:custDataLst>
           </p:nvPr>
         </p:nvSpPr>
@@ -4925,9 +4903,6 @@
               </a:rPr>
               <a:t>单击此处编辑母版文本样式</a:t>
             </a:r>
-            <a:endParaRPr dirty="0">
-              <a:sym typeface="+mn-ea"/>
-            </a:endParaRPr>
           </a:p>
           <a:p>
             <a:pPr lvl="1"/>
@@ -4937,9 +4912,6 @@
               </a:rPr>
               <a:t>第二级</a:t>
             </a:r>
-            <a:endParaRPr dirty="0">
-              <a:sym typeface="+mn-ea"/>
-            </a:endParaRPr>
           </a:p>
           <a:p>
             <a:pPr lvl="2"/>
@@ -4949,9 +4921,6 @@
               </a:rPr>
               <a:t>第三级</a:t>
             </a:r>
-            <a:endParaRPr dirty="0">
-              <a:sym typeface="+mn-ea"/>
-            </a:endParaRPr>
           </a:p>
           <a:p>
             <a:pPr lvl="3"/>
@@ -4961,9 +4930,6 @@
               </a:rPr>
               <a:t>第四级</a:t>
             </a:r>
-            <a:endParaRPr dirty="0">
-              <a:sym typeface="+mn-ea"/>
-            </a:endParaRPr>
           </a:p>
           <a:p>
             <a:pPr lvl="4"/>
@@ -4973,9 +4939,6 @@
               </a:rPr>
               <a:t>第五级</a:t>
             </a:r>
-            <a:endParaRPr dirty="0">
-              <a:sym typeface="+mn-ea"/>
-            </a:endParaRPr>
           </a:p>
         </p:txBody>
       </p:sp>
@@ -4987,6 +4950,47 @@
           </p:cNvSpPr>
           <p:nvPr>
             <p:ph type="dt" sz="half" idx="10"/>
+            <p:custDataLst>
+              <p:tags r:id="rId6"/>
+            </p:custDataLst>
+          </p:nvPr>
+        </p:nvSpPr>
+        <p:spPr/>
+        <p:txBody>
+          <a:bodyPr lIns="90000" tIns="46800" rIns="90000" bIns="46800">
+            <a:normAutofit/>
+          </a:bodyPr>
+          <a:lstStyle>
+            <a:lvl1pPr>
+              <a:defRPr cap="all" baseline="0">
+                <a:solidFill>
+                  <a:schemeClr val="tx1">
+                    <a:lumMod val="85000"/>
+                    <a:lumOff val="15000"/>
+                  </a:schemeClr>
+                </a:solidFill>
+                <a:latin typeface="Arial" panose="020B0604020202020204" pitchFamily="34" charset="0"/>
+                <a:ea typeface="隶书" panose="02010509060101010101" pitchFamily="49" charset="-122"/>
+              </a:defRPr>
+            </a:lvl1pPr>
+          </a:lstStyle>
+          <a:p>
+            <a:fld id="{760FBDFE-C587-4B4C-A407-44438C67B59E}" type="datetimeFigureOut">
+              <a:rPr lang="zh-CN" altLang="en-US" smtClean="0"/>
+              <a:t>2019/12/5</a:t>
+            </a:fld>
+            <a:endParaRPr lang="zh-CN" altLang="en-US"/>
+          </a:p>
+        </p:txBody>
+      </p:sp>
+      <p:sp>
+        <p:nvSpPr>
+          <p:cNvPr id="8" name="页脚占位符 7"/>
+          <p:cNvSpPr>
+            <a:spLocks noGrp="1"/>
+          </p:cNvSpPr>
+          <p:nvPr>
+            <p:ph type="ftr" sz="quarter" idx="11"/>
             <p:custDataLst>
               <p:tags r:id="rId7"/>
             </p:custDataLst>
@@ -5012,21 +5016,18 @@
             </a:lvl1pPr>
           </a:lstStyle>
           <a:p>
-            <a:fld id="{760FBDFE-C587-4B4C-A407-44438C67B59E}" type="datetimeFigureOut">
-              <a:rPr lang="zh-CN" altLang="en-US" smtClean="0"/>
-            </a:fld>
             <a:endParaRPr lang="zh-CN" altLang="en-US"/>
           </a:p>
         </p:txBody>
       </p:sp>
       <p:sp>
         <p:nvSpPr>
-          <p:cNvPr id="8" name="页脚占位符 7"/>
+          <p:cNvPr id="9" name="灯片编号占位符 8"/>
           <p:cNvSpPr>
             <a:spLocks noGrp="1"/>
           </p:cNvSpPr>
           <p:nvPr>
-            <p:ph type="ftr" sz="quarter" idx="11"/>
+            <p:ph type="sldNum" sz="quarter" idx="12"/>
             <p:custDataLst>
               <p:tags r:id="rId8"/>
             </p:custDataLst>
@@ -5052,45 +5053,9 @@
             </a:lvl1pPr>
           </a:lstStyle>
           <a:p>
-            <a:endParaRPr lang="zh-CN" altLang="en-US"/>
-          </a:p>
-        </p:txBody>
-      </p:sp>
-      <p:sp>
-        <p:nvSpPr>
-          <p:cNvPr id="9" name="灯片编号占位符 8"/>
-          <p:cNvSpPr>
-            <a:spLocks noGrp="1"/>
-          </p:cNvSpPr>
-          <p:nvPr>
-            <p:ph type="sldNum" sz="quarter" idx="12"/>
-            <p:custDataLst>
-              <p:tags r:id="rId9"/>
-            </p:custDataLst>
-          </p:nvPr>
-        </p:nvSpPr>
-        <p:spPr/>
-        <p:txBody>
-          <a:bodyPr lIns="90000" tIns="46800" rIns="90000" bIns="46800">
-            <a:normAutofit/>
-          </a:bodyPr>
-          <a:lstStyle>
-            <a:lvl1pPr>
-              <a:defRPr cap="all" baseline="0">
-                <a:solidFill>
-                  <a:schemeClr val="tx1">
-                    <a:lumMod val="85000"/>
-                    <a:lumOff val="15000"/>
-                  </a:schemeClr>
-                </a:solidFill>
-                <a:latin typeface="Arial" panose="020B0604020202020204" pitchFamily="34" charset="0"/>
-                <a:ea typeface="隶书" panose="02010509060101010101" pitchFamily="49" charset="-122"/>
-              </a:defRPr>
-            </a:lvl1pPr>
-          </a:lstStyle>
-          <a:p>
             <a:fld id="{49AE70B2-8BF9-45C0-BB95-33D1B9D3A854}" type="slidenum">
               <a:rPr lang="zh-CN" altLang="en-US" smtClean="0"/>
+              <a:t>‹#›</a:t>
             </a:fld>
             <a:endParaRPr lang="zh-CN" altLang="en-US"/>
           </a:p>
@@ -5145,12 +5110,12 @@
           <p:cNvPicPr/>
           <p:nvPr>
             <p:custDataLst>
-              <p:tags r:id="rId2"/>
+              <p:tags r:id="rId1"/>
             </p:custDataLst>
           </p:nvPr>
         </p:nvPicPr>
         <p:blipFill>
-          <a:blip r:embed="rId3" r:link="rId4" cstate="screen"/>
+          <a:blip r:embed="rId8" r:link="rId9" cstate="screen"/>
           <a:stretch>
             <a:fillRect/>
           </a:stretch>
@@ -5171,12 +5136,12 @@
           <p:cNvPicPr/>
           <p:nvPr>
             <p:custDataLst>
-              <p:tags r:id="rId5"/>
+              <p:tags r:id="rId2"/>
             </p:custDataLst>
           </p:nvPr>
         </p:nvPicPr>
         <p:blipFill>
-          <a:blip r:embed="rId6" r:link="rId7"/>
+          <a:blip r:embed="rId10" r:link="rId11"/>
           <a:stretch>
             <a:fillRect/>
           </a:stretch>
@@ -5200,7 +5165,7 @@
           <p:nvPr>
             <p:ph type="title"/>
             <p:custDataLst>
-              <p:tags r:id="rId8"/>
+              <p:tags r:id="rId3"/>
             </p:custDataLst>
           </p:nvPr>
         </p:nvSpPr>
@@ -5238,9 +5203,6 @@
               </a:rPr>
               <a:t>单击此处编辑母版标题样式</a:t>
             </a:r>
-            <a:endParaRPr>
-              <a:sym typeface="+mn-ea"/>
-            </a:endParaRPr>
           </a:p>
         </p:txBody>
       </p:sp>
@@ -5253,7 +5215,7 @@
           <p:nvPr>
             <p:ph type="dt" sz="half" idx="10"/>
             <p:custDataLst>
-              <p:tags r:id="rId9"/>
+              <p:tags r:id="rId4"/>
             </p:custDataLst>
           </p:nvPr>
         </p:nvSpPr>
@@ -5279,6 +5241,7 @@
           <a:p>
             <a:fld id="{760FBDFE-C587-4B4C-A407-44438C67B59E}" type="datetimeFigureOut">
               <a:rPr lang="zh-CN" altLang="en-US" smtClean="0"/>
+              <a:t>2019/12/5</a:t>
             </a:fld>
             <a:endParaRPr lang="zh-CN" altLang="en-US"/>
           </a:p>
@@ -5293,7 +5256,7 @@
           <p:nvPr>
             <p:ph type="ftr" sz="quarter" idx="11"/>
             <p:custDataLst>
-              <p:tags r:id="rId10"/>
+              <p:tags r:id="rId5"/>
             </p:custDataLst>
           </p:nvPr>
         </p:nvSpPr>
@@ -5330,7 +5293,7 @@
           <p:nvPr>
             <p:ph type="sldNum" sz="quarter" idx="12"/>
             <p:custDataLst>
-              <p:tags r:id="rId11"/>
+              <p:tags r:id="rId6"/>
             </p:custDataLst>
           </p:nvPr>
         </p:nvSpPr>
@@ -5356,6 +5319,7 @@
           <a:p>
             <a:fld id="{49AE70B2-8BF9-45C0-BB95-33D1B9D3A854}" type="slidenum">
               <a:rPr lang="zh-CN" altLang="en-US" smtClean="0"/>
+              <a:t>‹#›</a:t>
             </a:fld>
             <a:endParaRPr lang="zh-CN" altLang="en-US"/>
           </a:p>
@@ -5405,7 +5369,6 @@
               <a:rPr lang="zh-CN" altLang="en-US"/>
               <a:t>单击此处编辑母版标题样式</a:t>
             </a:r>
-            <a:endParaRPr lang="zh-CN" altLang="en-US"/>
           </a:p>
         </p:txBody>
       </p:sp>
@@ -5426,6 +5389,7 @@
           <a:p>
             <a:fld id="{32BF82D2-7A68-459D-A996-9BDDA2518FA4}" type="datetimeFigureOut">
               <a:rPr lang="zh-CN" altLang="en-US" smtClean="0"/>
+              <a:t>2019/12/5</a:t>
             </a:fld>
             <a:endParaRPr lang="zh-CN" altLang="en-US"/>
           </a:p>
@@ -5467,6 +5431,7 @@
           <a:p>
             <a:fld id="{3E01EE5D-26FB-46D5-A381-ECFB35BF1D34}" type="slidenum">
               <a:rPr lang="zh-CN" altLang="en-US" smtClean="0"/>
+              <a:t>‹#›</a:t>
             </a:fld>
             <a:endParaRPr lang="zh-CN" altLang="en-US"/>
           </a:p>
@@ -5571,13 +5536,6 @@
               </a:rPr>
               <a:t>www.1ppt.com/hangye/ </a:t>
             </a:r>
-            <a:endParaRPr lang="en-US" altLang="zh-CN" sz="100" dirty="0">
-              <a:solidFill>
-                <a:prstClr val="white"/>
-              </a:solidFill>
-              <a:latin typeface="Calibri" panose="020F0502020204030204"/>
-              <a:ea typeface="宋体" panose="02010600030101010101" pitchFamily="2" charset="-122"/>
-            </a:endParaRPr>
           </a:p>
           <a:p>
             <a:pPr fontAlgn="auto">
@@ -5648,13 +5606,6 @@
               </a:rPr>
               <a:t>www.1ppt.com/sucai/</a:t>
             </a:r>
-            <a:endParaRPr lang="en-US" altLang="zh-CN" sz="100" dirty="0">
-              <a:solidFill>
-                <a:prstClr val="white"/>
-              </a:solidFill>
-              <a:latin typeface="Calibri" panose="020F0502020204030204"/>
-              <a:ea typeface="宋体" panose="02010600030101010101" pitchFamily="2" charset="-122"/>
-            </a:endParaRPr>
           </a:p>
           <a:p>
             <a:pPr fontAlgn="auto">
@@ -5715,13 +5666,6 @@
               </a:rPr>
               <a:t>www.1ppt.com/tubiao/      </a:t>
             </a:r>
-            <a:endParaRPr lang="en-US" altLang="zh-CN" sz="100" dirty="0">
-              <a:solidFill>
-                <a:prstClr val="white"/>
-              </a:solidFill>
-              <a:latin typeface="Calibri" panose="020F0502020204030204"/>
-              <a:ea typeface="宋体" panose="02010600030101010101" pitchFamily="2" charset="-122"/>
-            </a:endParaRPr>
           </a:p>
           <a:p>
             <a:pPr fontAlgn="auto">
@@ -5792,13 +5736,6 @@
               </a:rPr>
               <a:t>www.1ppt.com/powerpoint/      </a:t>
             </a:r>
-            <a:endParaRPr lang="en-US" altLang="zh-CN" sz="100" dirty="0">
-              <a:solidFill>
-                <a:prstClr val="white"/>
-              </a:solidFill>
-              <a:latin typeface="Calibri" panose="020F0502020204030204"/>
-              <a:ea typeface="宋体" panose="02010600030101010101" pitchFamily="2" charset="-122"/>
-            </a:endParaRPr>
           </a:p>
           <a:p>
             <a:pPr fontAlgn="auto">
@@ -5859,13 +5796,6 @@
               </a:rPr>
               <a:t>www.1ppt.com/excel/  </a:t>
             </a:r>
-            <a:endParaRPr lang="en-US" altLang="zh-CN" sz="100" dirty="0">
-              <a:solidFill>
-                <a:prstClr val="white"/>
-              </a:solidFill>
-              <a:latin typeface="Calibri" panose="020F0502020204030204"/>
-              <a:ea typeface="宋体" panose="02010600030101010101" pitchFamily="2" charset="-122"/>
-            </a:endParaRPr>
           </a:p>
           <a:p>
             <a:pPr fontAlgn="auto">
@@ -5916,13 +5846,6 @@
               </a:rPr>
               <a:t>www.1ppt.com/kejian/ </a:t>
             </a:r>
-            <a:endParaRPr lang="en-US" altLang="zh-CN" sz="100" dirty="0">
-              <a:solidFill>
-                <a:prstClr val="white"/>
-              </a:solidFill>
-              <a:latin typeface="Calibri" panose="020F0502020204030204"/>
-              <a:ea typeface="宋体" panose="02010600030101010101" pitchFamily="2" charset="-122"/>
-            </a:endParaRPr>
           </a:p>
           <a:p>
             <a:pPr fontAlgn="auto">
@@ -5973,13 +5896,6 @@
               </a:rPr>
               <a:t>www.1ppt.com/shiti/  </a:t>
             </a:r>
-            <a:endParaRPr lang="en-US" altLang="zh-CN" sz="100" dirty="0">
-              <a:solidFill>
-                <a:prstClr val="white"/>
-              </a:solidFill>
-              <a:latin typeface="Calibri" panose="020F0502020204030204"/>
-              <a:ea typeface="宋体" panose="02010600030101010101" pitchFamily="2" charset="-122"/>
-            </a:endParaRPr>
           </a:p>
           <a:p>
             <a:pPr fontAlgn="auto">
@@ -6010,13 +5926,6 @@
               </a:rPr>
               <a:t>www.1ppt.com/jiaoan/        </a:t>
             </a:r>
-            <a:endParaRPr lang="en-US" altLang="zh-CN" sz="100" dirty="0">
-              <a:solidFill>
-                <a:prstClr val="white"/>
-              </a:solidFill>
-              <a:latin typeface="Calibri" panose="020F0502020204030204"/>
-              <a:ea typeface="宋体" panose="02010600030101010101" pitchFamily="2" charset="-122"/>
-            </a:endParaRPr>
           </a:p>
           <a:p>
             <a:pPr fontAlgn="auto">
@@ -6047,13 +5956,6 @@
               </a:rPr>
               <a:t>www.1ppt.com/ziti/</a:t>
             </a:r>
-            <a:endParaRPr lang="en-US" altLang="zh-CN" sz="100" dirty="0">
-              <a:solidFill>
-                <a:prstClr val="white"/>
-              </a:solidFill>
-              <a:latin typeface="Calibri" panose="020F0502020204030204"/>
-              <a:ea typeface="宋体" panose="02010600030101010101" pitchFamily="2" charset="-122"/>
-            </a:endParaRPr>
           </a:p>
           <a:p>
             <a:pPr fontAlgn="auto">
@@ -6118,6 +6020,36 @@
           <p:nvPr>
             <p:ph type="dt" sz="half" idx="10"/>
             <p:custDataLst>
+              <p:tags r:id="rId1"/>
+            </p:custDataLst>
+          </p:nvPr>
+        </p:nvSpPr>
+        <p:spPr/>
+        <p:txBody>
+          <a:bodyPr/>
+          <a:lstStyle>
+            <a:lvl1pPr>
+              <a:defRPr baseline="0"/>
+            </a:lvl1pPr>
+          </a:lstStyle>
+          <a:p>
+            <a:fld id="{760FBDFE-C587-4B4C-A407-44438C67B59E}" type="datetimeFigureOut">
+              <a:rPr lang="zh-CN" altLang="en-US" smtClean="0"/>
+              <a:t>2019/12/5</a:t>
+            </a:fld>
+            <a:endParaRPr lang="zh-CN" altLang="en-US"/>
+          </a:p>
+        </p:txBody>
+      </p:sp>
+      <p:sp>
+        <p:nvSpPr>
+          <p:cNvPr id="3" name="页脚占位符 2"/>
+          <p:cNvSpPr>
+            <a:spLocks noGrp="1"/>
+          </p:cNvSpPr>
+          <p:nvPr>
+            <p:ph type="ftr" sz="quarter" idx="11"/>
+            <p:custDataLst>
               <p:tags r:id="rId2"/>
             </p:custDataLst>
           </p:nvPr>
@@ -6131,21 +6063,18 @@
             </a:lvl1pPr>
           </a:lstStyle>
           <a:p>
-            <a:fld id="{760FBDFE-C587-4B4C-A407-44438C67B59E}" type="datetimeFigureOut">
-              <a:rPr lang="zh-CN" altLang="en-US" smtClean="0"/>
-            </a:fld>
             <a:endParaRPr lang="zh-CN" altLang="en-US"/>
           </a:p>
         </p:txBody>
       </p:sp>
       <p:sp>
         <p:nvSpPr>
-          <p:cNvPr id="3" name="页脚占位符 2"/>
+          <p:cNvPr id="4" name="灯片编号占位符 3"/>
           <p:cNvSpPr>
             <a:spLocks noGrp="1"/>
           </p:cNvSpPr>
           <p:nvPr>
-            <p:ph type="ftr" sz="quarter" idx="11"/>
+            <p:ph type="sldNum" sz="quarter" idx="12"/>
             <p:custDataLst>
               <p:tags r:id="rId3"/>
             </p:custDataLst>
@@ -6160,34 +6089,9 @@
             </a:lvl1pPr>
           </a:lstStyle>
           <a:p>
-            <a:endParaRPr lang="zh-CN" altLang="en-US"/>
-          </a:p>
-        </p:txBody>
-      </p:sp>
-      <p:sp>
-        <p:nvSpPr>
-          <p:cNvPr id="4" name="灯片编号占位符 3"/>
-          <p:cNvSpPr>
-            <a:spLocks noGrp="1"/>
-          </p:cNvSpPr>
-          <p:nvPr>
-            <p:ph type="sldNum" sz="quarter" idx="12"/>
-            <p:custDataLst>
-              <p:tags r:id="rId4"/>
-            </p:custDataLst>
-          </p:nvPr>
-        </p:nvSpPr>
-        <p:spPr/>
-        <p:txBody>
-          <a:bodyPr/>
-          <a:lstStyle>
-            <a:lvl1pPr>
-              <a:defRPr baseline="0"/>
-            </a:lvl1pPr>
-          </a:lstStyle>
-          <a:p>
             <a:fld id="{49AE70B2-8BF9-45C0-BB95-33D1B9D3A854}" type="slidenum">
               <a:rPr lang="zh-CN" altLang="en-US" smtClean="0"/>
+              <a:t>‹#›</a:t>
             </a:fld>
             <a:endParaRPr lang="zh-CN" altLang="en-US"/>
           </a:p>
@@ -6235,7 +6139,7 @@
           <p:nvPr>
             <p:ph type="title"/>
             <p:custDataLst>
-              <p:tags r:id="rId2"/>
+              <p:tags r:id="rId1"/>
             </p:custDataLst>
           </p:nvPr>
         </p:nvSpPr>
@@ -6278,9 +6182,6 @@
               </a:rPr>
               <a:t>单击此处编辑母版标题样式</a:t>
             </a:r>
-            <a:endParaRPr dirty="0">
-              <a:sym typeface="+mn-ea"/>
-            </a:endParaRPr>
           </a:p>
         </p:txBody>
       </p:sp>
@@ -6293,7 +6194,7 @@
           <p:nvPr>
             <p:ph type="pic" idx="1"/>
             <p:custDataLst>
-              <p:tags r:id="rId3"/>
+              <p:tags r:id="rId2"/>
             </p:custDataLst>
           </p:nvPr>
         </p:nvSpPr>
@@ -6447,7 +6348,7 @@
           <p:nvPr>
             <p:ph type="body" sz="half" idx="2"/>
             <p:custDataLst>
-              <p:tags r:id="rId4"/>
+              <p:tags r:id="rId3"/>
             </p:custDataLst>
           </p:nvPr>
         </p:nvSpPr>
@@ -6497,9 +6398,6 @@
               </a:rPr>
               <a:t>单击此处编辑母版文本样式</a:t>
             </a:r>
-            <a:endParaRPr>
-              <a:sym typeface="+mn-ea"/>
-            </a:endParaRPr>
           </a:p>
         </p:txBody>
       </p:sp>
@@ -6511,6 +6409,47 @@
           </p:cNvSpPr>
           <p:nvPr>
             <p:ph type="dt" sz="half" idx="10"/>
+            <p:custDataLst>
+              <p:tags r:id="rId4"/>
+            </p:custDataLst>
+          </p:nvPr>
+        </p:nvSpPr>
+        <p:spPr/>
+        <p:txBody>
+          <a:bodyPr lIns="90000" tIns="46800" rIns="90000" bIns="46800">
+            <a:normAutofit/>
+          </a:bodyPr>
+          <a:lstStyle>
+            <a:lvl1pPr>
+              <a:defRPr baseline="0">
+                <a:solidFill>
+                  <a:schemeClr val="tx1">
+                    <a:lumMod val="85000"/>
+                    <a:lumOff val="15000"/>
+                  </a:schemeClr>
+                </a:solidFill>
+                <a:latin typeface="Arial" panose="020B0604020202020204" pitchFamily="34" charset="0"/>
+                <a:ea typeface="隶书" panose="02010509060101010101" pitchFamily="49" charset="-122"/>
+              </a:defRPr>
+            </a:lvl1pPr>
+          </a:lstStyle>
+          <a:p>
+            <a:fld id="{9EFD9D74-47D9-4702-A33C-335B63B48DBF}" type="datetimeFigureOut">
+              <a:rPr lang="zh-CN" altLang="en-US" smtClean="0"/>
+              <a:t>2019/12/5</a:t>
+            </a:fld>
+            <a:endParaRPr lang="zh-CN" altLang="en-US" dirty="0"/>
+          </a:p>
+        </p:txBody>
+      </p:sp>
+      <p:sp>
+        <p:nvSpPr>
+          <p:cNvPr id="6" name="页脚占位符 5"/>
+          <p:cNvSpPr>
+            <a:spLocks noGrp="1"/>
+          </p:cNvSpPr>
+          <p:nvPr>
+            <p:ph type="ftr" sz="quarter" idx="11"/>
             <p:custDataLst>
               <p:tags r:id="rId5"/>
             </p:custDataLst>
@@ -6536,21 +6475,18 @@
             </a:lvl1pPr>
           </a:lstStyle>
           <a:p>
-            <a:fld id="{9EFD9D74-47D9-4702-A33C-335B63B48DBF}" type="datetimeFigureOut">
-              <a:rPr lang="zh-CN" altLang="en-US" smtClean="0"/>
-            </a:fld>
             <a:endParaRPr lang="zh-CN" altLang="en-US" dirty="0"/>
           </a:p>
         </p:txBody>
       </p:sp>
       <p:sp>
         <p:nvSpPr>
-          <p:cNvPr id="6" name="页脚占位符 5"/>
+          <p:cNvPr id="7" name="灯片编号占位符 6"/>
           <p:cNvSpPr>
             <a:spLocks noGrp="1"/>
           </p:cNvSpPr>
           <p:nvPr>
-            <p:ph type="ftr" sz="quarter" idx="11"/>
+            <p:ph type="sldNum" sz="quarter" idx="12"/>
             <p:custDataLst>
               <p:tags r:id="rId6"/>
             </p:custDataLst>
@@ -6576,45 +6512,9 @@
             </a:lvl1pPr>
           </a:lstStyle>
           <a:p>
-            <a:endParaRPr lang="zh-CN" altLang="en-US" dirty="0"/>
-          </a:p>
-        </p:txBody>
-      </p:sp>
-      <p:sp>
-        <p:nvSpPr>
-          <p:cNvPr id="7" name="灯片编号占位符 6"/>
-          <p:cNvSpPr>
-            <a:spLocks noGrp="1"/>
-          </p:cNvSpPr>
-          <p:nvPr>
-            <p:ph type="sldNum" sz="quarter" idx="12"/>
-            <p:custDataLst>
-              <p:tags r:id="rId7"/>
-            </p:custDataLst>
-          </p:nvPr>
-        </p:nvSpPr>
-        <p:spPr/>
-        <p:txBody>
-          <a:bodyPr lIns="90000" tIns="46800" rIns="90000" bIns="46800">
-            <a:normAutofit/>
-          </a:bodyPr>
-          <a:lstStyle>
-            <a:lvl1pPr>
-              <a:defRPr baseline="0">
-                <a:solidFill>
-                  <a:schemeClr val="tx1">
-                    <a:lumMod val="85000"/>
-                    <a:lumOff val="15000"/>
-                  </a:schemeClr>
-                </a:solidFill>
-                <a:latin typeface="Arial" panose="020B0604020202020204" pitchFamily="34" charset="0"/>
-                <a:ea typeface="隶书" panose="02010509060101010101" pitchFamily="49" charset="-122"/>
-              </a:defRPr>
-            </a:lvl1pPr>
-          </a:lstStyle>
-          <a:p>
             <a:fld id="{FABC47A4-756D-490B-A52F-7D9E2C9FC05F}" type="slidenum">
               <a:rPr lang="zh-CN" altLang="en-US" smtClean="0"/>
+              <a:t>‹#›</a:t>
             </a:fld>
             <a:endParaRPr lang="zh-CN" altLang="en-US"/>
           </a:p>
@@ -6662,7 +6562,7 @@
           <p:nvPr>
             <p:ph type="title" orient="vert"/>
             <p:custDataLst>
-              <p:tags r:id="rId2"/>
+              <p:tags r:id="rId1"/>
             </p:custDataLst>
           </p:nvPr>
         </p:nvSpPr>
@@ -6708,9 +6608,6 @@
               </a:rPr>
               <a:t>单击此处编辑母版标题样式</a:t>
             </a:r>
-            <a:endParaRPr>
-              <a:sym typeface="+mn-ea"/>
-            </a:endParaRPr>
           </a:p>
         </p:txBody>
       </p:sp>
@@ -6723,7 +6620,7 @@
           <p:nvPr>
             <p:ph type="body" orient="vert" idx="1"/>
             <p:custDataLst>
-              <p:tags r:id="rId3"/>
+              <p:tags r:id="rId2"/>
             </p:custDataLst>
           </p:nvPr>
         </p:nvSpPr>
@@ -6805,7 +6702,6 @@
               <a:rPr lang="zh-CN" altLang="en-US" dirty="0"/>
               <a:t>单击此处编辑母版文本样式</a:t>
             </a:r>
-            <a:endParaRPr lang="zh-CN" altLang="en-US" dirty="0"/>
           </a:p>
           <a:p>
             <a:pPr lvl="1"/>
@@ -6813,7 +6709,6 @@
               <a:rPr lang="zh-CN" altLang="en-US" dirty="0"/>
               <a:t>第二级</a:t>
             </a:r>
-            <a:endParaRPr lang="zh-CN" altLang="en-US" dirty="0"/>
           </a:p>
           <a:p>
             <a:pPr lvl="2"/>
@@ -6821,7 +6716,6 @@
               <a:rPr lang="zh-CN" altLang="en-US" dirty="0"/>
               <a:t>第三级</a:t>
             </a:r>
-            <a:endParaRPr lang="zh-CN" altLang="en-US" dirty="0"/>
           </a:p>
           <a:p>
             <a:pPr lvl="3"/>
@@ -6829,7 +6723,6 @@
               <a:rPr lang="zh-CN" altLang="en-US" dirty="0"/>
               <a:t>第四级</a:t>
             </a:r>
-            <a:endParaRPr lang="zh-CN" altLang="en-US" dirty="0"/>
           </a:p>
           <a:p>
             <a:pPr lvl="4"/>
@@ -6837,7 +6730,6 @@
               <a:rPr lang="zh-CN" altLang="en-US" dirty="0"/>
               <a:t>第五级</a:t>
             </a:r>
-            <a:endParaRPr lang="zh-CN" altLang="en-US" dirty="0"/>
           </a:p>
         </p:txBody>
       </p:sp>
@@ -6849,6 +6741,47 @@
           </p:cNvSpPr>
           <p:nvPr>
             <p:ph type="dt" sz="half" idx="10"/>
+            <p:custDataLst>
+              <p:tags r:id="rId3"/>
+            </p:custDataLst>
+          </p:nvPr>
+        </p:nvSpPr>
+        <p:spPr/>
+        <p:txBody>
+          <a:bodyPr lIns="90000" tIns="46800" rIns="90000" bIns="46800">
+            <a:normAutofit/>
+          </a:bodyPr>
+          <a:lstStyle>
+            <a:lvl1pPr>
+              <a:defRPr baseline="0">
+                <a:solidFill>
+                  <a:schemeClr val="tx1">
+                    <a:lumMod val="85000"/>
+                    <a:lumOff val="15000"/>
+                  </a:schemeClr>
+                </a:solidFill>
+                <a:latin typeface="Arial" panose="020B0604020202020204" pitchFamily="34" charset="0"/>
+                <a:ea typeface="隶书" panose="02010509060101010101" pitchFamily="49" charset="-122"/>
+              </a:defRPr>
+            </a:lvl1pPr>
+          </a:lstStyle>
+          <a:p>
+            <a:fld id="{760FBDFE-C587-4B4C-A407-44438C67B59E}" type="datetimeFigureOut">
+              <a:rPr lang="zh-CN" altLang="en-US" smtClean="0"/>
+              <a:t>2019/12/5</a:t>
+            </a:fld>
+            <a:endParaRPr lang="zh-CN" altLang="en-US"/>
+          </a:p>
+        </p:txBody>
+      </p:sp>
+      <p:sp>
+        <p:nvSpPr>
+          <p:cNvPr id="5" name="页脚占位符 4"/>
+          <p:cNvSpPr>
+            <a:spLocks noGrp="1"/>
+          </p:cNvSpPr>
+          <p:nvPr>
+            <p:ph type="ftr" sz="quarter" idx="11"/>
             <p:custDataLst>
               <p:tags r:id="rId4"/>
             </p:custDataLst>
@@ -6874,21 +6807,18 @@
             </a:lvl1pPr>
           </a:lstStyle>
           <a:p>
-            <a:fld id="{760FBDFE-C587-4B4C-A407-44438C67B59E}" type="datetimeFigureOut">
-              <a:rPr lang="zh-CN" altLang="en-US" smtClean="0"/>
-            </a:fld>
             <a:endParaRPr lang="zh-CN" altLang="en-US"/>
           </a:p>
         </p:txBody>
       </p:sp>
       <p:sp>
         <p:nvSpPr>
-          <p:cNvPr id="5" name="页脚占位符 4"/>
+          <p:cNvPr id="6" name="灯片编号占位符 5"/>
           <p:cNvSpPr>
             <a:spLocks noGrp="1"/>
           </p:cNvSpPr>
           <p:nvPr>
-            <p:ph type="ftr" sz="quarter" idx="11"/>
+            <p:ph type="sldNum" sz="quarter" idx="12"/>
             <p:custDataLst>
               <p:tags r:id="rId5"/>
             </p:custDataLst>
@@ -6914,45 +6844,9 @@
             </a:lvl1pPr>
           </a:lstStyle>
           <a:p>
-            <a:endParaRPr lang="zh-CN" altLang="en-US"/>
-          </a:p>
-        </p:txBody>
-      </p:sp>
-      <p:sp>
-        <p:nvSpPr>
-          <p:cNvPr id="6" name="灯片编号占位符 5"/>
-          <p:cNvSpPr>
-            <a:spLocks noGrp="1"/>
-          </p:cNvSpPr>
-          <p:nvPr>
-            <p:ph type="sldNum" sz="quarter" idx="12"/>
-            <p:custDataLst>
-              <p:tags r:id="rId6"/>
-            </p:custDataLst>
-          </p:nvPr>
-        </p:nvSpPr>
-        <p:spPr/>
-        <p:txBody>
-          <a:bodyPr lIns="90000" tIns="46800" rIns="90000" bIns="46800">
-            <a:normAutofit/>
-          </a:bodyPr>
-          <a:lstStyle>
-            <a:lvl1pPr>
-              <a:defRPr baseline="0">
-                <a:solidFill>
-                  <a:schemeClr val="tx1">
-                    <a:lumMod val="85000"/>
-                    <a:lumOff val="15000"/>
-                  </a:schemeClr>
-                </a:solidFill>
-                <a:latin typeface="Arial" panose="020B0604020202020204" pitchFamily="34" charset="0"/>
-                <a:ea typeface="隶书" panose="02010509060101010101" pitchFamily="49" charset="-122"/>
-              </a:defRPr>
-            </a:lvl1pPr>
-          </a:lstStyle>
-          <a:p>
             <a:fld id="{49AE70B2-8BF9-45C0-BB95-33D1B9D3A854}" type="slidenum">
               <a:rPr lang="zh-CN" altLang="en-US" smtClean="0"/>
+              <a:t>‹#›</a:t>
             </a:fld>
             <a:endParaRPr lang="zh-CN" altLang="en-US"/>
           </a:p>
@@ -6992,6 +6886,36 @@
           <p:nvPr>
             <p:ph type="dt" sz="half" idx="10"/>
             <p:custDataLst>
+              <p:tags r:id="rId1"/>
+            </p:custDataLst>
+          </p:nvPr>
+        </p:nvSpPr>
+        <p:spPr/>
+        <p:txBody>
+          <a:bodyPr/>
+          <a:lstStyle>
+            <a:lvl1pPr>
+              <a:defRPr baseline="0"/>
+            </a:lvl1pPr>
+          </a:lstStyle>
+          <a:p>
+            <a:fld id="{760FBDFE-C587-4B4C-A407-44438C67B59E}" type="datetimeFigureOut">
+              <a:rPr lang="zh-CN" altLang="en-US" smtClean="0"/>
+              <a:t>2019/12/5</a:t>
+            </a:fld>
+            <a:endParaRPr lang="zh-CN" altLang="en-US"/>
+          </a:p>
+        </p:txBody>
+      </p:sp>
+      <p:sp>
+        <p:nvSpPr>
+          <p:cNvPr id="4" name="页脚占位符 3"/>
+          <p:cNvSpPr>
+            <a:spLocks noGrp="1"/>
+          </p:cNvSpPr>
+          <p:nvPr>
+            <p:ph type="ftr" sz="quarter" idx="11"/>
+            <p:custDataLst>
               <p:tags r:id="rId2"/>
             </p:custDataLst>
           </p:nvPr>
@@ -7005,21 +6929,18 @@
             </a:lvl1pPr>
           </a:lstStyle>
           <a:p>
-            <a:fld id="{760FBDFE-C587-4B4C-A407-44438C67B59E}" type="datetimeFigureOut">
-              <a:rPr lang="zh-CN" altLang="en-US" smtClean="0"/>
-            </a:fld>
             <a:endParaRPr lang="zh-CN" altLang="en-US"/>
           </a:p>
         </p:txBody>
       </p:sp>
       <p:sp>
         <p:nvSpPr>
-          <p:cNvPr id="4" name="页脚占位符 3"/>
+          <p:cNvPr id="5" name="灯片编号占位符 4"/>
           <p:cNvSpPr>
             <a:spLocks noGrp="1"/>
           </p:cNvSpPr>
           <p:nvPr>
-            <p:ph type="ftr" sz="quarter" idx="11"/>
+            <p:ph type="sldNum" sz="quarter" idx="12"/>
             <p:custDataLst>
               <p:tags r:id="rId3"/>
             </p:custDataLst>
@@ -7034,34 +6955,9 @@
             </a:lvl1pPr>
           </a:lstStyle>
           <a:p>
-            <a:endParaRPr lang="zh-CN" altLang="en-US"/>
-          </a:p>
-        </p:txBody>
-      </p:sp>
-      <p:sp>
-        <p:nvSpPr>
-          <p:cNvPr id="5" name="灯片编号占位符 4"/>
-          <p:cNvSpPr>
-            <a:spLocks noGrp="1"/>
-          </p:cNvSpPr>
-          <p:nvPr>
-            <p:ph type="sldNum" sz="quarter" idx="12"/>
-            <p:custDataLst>
-              <p:tags r:id="rId4"/>
-            </p:custDataLst>
-          </p:nvPr>
-        </p:nvSpPr>
-        <p:spPr/>
-        <p:txBody>
-          <a:bodyPr/>
-          <a:lstStyle>
-            <a:lvl1pPr>
-              <a:defRPr baseline="0"/>
-            </a:lvl1pPr>
-          </a:lstStyle>
-          <a:p>
             <a:fld id="{49AE70B2-8BF9-45C0-BB95-33D1B9D3A854}" type="slidenum">
               <a:rPr lang="zh-CN" altLang="en-US" smtClean="0"/>
+              <a:t>‹#›</a:t>
             </a:fld>
             <a:endParaRPr lang="zh-CN" altLang="en-US"/>
           </a:p>
@@ -7076,7 +6972,7 @@
           <p:nvPr>
             <p:ph sz="quarter" idx="13"/>
             <p:custDataLst>
-              <p:tags r:id="rId5"/>
+              <p:tags r:id="rId4"/>
             </p:custDataLst>
           </p:nvPr>
         </p:nvSpPr>
@@ -7111,7 +7007,6 @@
               <a:rPr lang="zh-CN" altLang="en-US" dirty="0"/>
               <a:t>单击此处编辑母版文本样式</a:t>
             </a:r>
-            <a:endParaRPr lang="zh-CN" altLang="en-US" dirty="0"/>
           </a:p>
           <a:p>
             <a:pPr lvl="1"/>
@@ -7119,7 +7014,6 @@
               <a:rPr lang="zh-CN" altLang="en-US" dirty="0"/>
               <a:t>第二级</a:t>
             </a:r>
-            <a:endParaRPr lang="zh-CN" altLang="en-US" dirty="0"/>
           </a:p>
           <a:p>
             <a:pPr lvl="2"/>
@@ -7127,7 +7021,6 @@
               <a:rPr lang="zh-CN" altLang="en-US" dirty="0"/>
               <a:t>第三级</a:t>
             </a:r>
-            <a:endParaRPr lang="zh-CN" altLang="en-US" dirty="0"/>
           </a:p>
           <a:p>
             <a:pPr lvl="3"/>
@@ -7135,7 +7028,6 @@
               <a:rPr lang="zh-CN" altLang="en-US" dirty="0"/>
               <a:t>第四级</a:t>
             </a:r>
-            <a:endParaRPr lang="zh-CN" altLang="en-US" dirty="0"/>
           </a:p>
           <a:p>
             <a:pPr lvl="4"/>
@@ -7143,7 +7035,6 @@
               <a:rPr lang="zh-CN" altLang="en-US" dirty="0"/>
               <a:t>第五级</a:t>
             </a:r>
-            <a:endParaRPr lang="zh-CN" altLang="en-US" dirty="0"/>
           </a:p>
         </p:txBody>
       </p:sp>
@@ -7196,12 +7087,12 @@
           <p:cNvPicPr/>
           <p:nvPr>
             <p:custDataLst>
-              <p:tags r:id="rId2"/>
+              <p:tags r:id="rId1"/>
             </p:custDataLst>
           </p:nvPr>
         </p:nvPicPr>
         <p:blipFill>
-          <a:blip r:embed="rId3" r:link="rId4"/>
+          <a:blip r:embed="rId8" r:link="rId9"/>
           <a:stretch>
             <a:fillRect/>
           </a:stretch>
@@ -7222,12 +7113,12 @@
           <p:cNvPicPr/>
           <p:nvPr>
             <p:custDataLst>
-              <p:tags r:id="rId5"/>
+              <p:tags r:id="rId2"/>
             </p:custDataLst>
           </p:nvPr>
         </p:nvPicPr>
         <p:blipFill>
-          <a:blip r:embed="rId6" r:link="rId7" cstate="screen"/>
+          <a:blip r:embed="rId10" r:link="rId11" cstate="screen"/>
           <a:stretch>
             <a:fillRect/>
           </a:stretch>
@@ -7251,7 +7142,7 @@
           <p:nvPr>
             <p:ph type="title" hasCustomPrompt="1"/>
             <p:custDataLst>
-              <p:tags r:id="rId8"/>
+              <p:tags r:id="rId3"/>
             </p:custDataLst>
           </p:nvPr>
         </p:nvSpPr>
@@ -7294,9 +7185,6 @@
               </a:rPr>
               <a:t>编辑标题</a:t>
             </a:r>
-            <a:endParaRPr dirty="0">
-              <a:sym typeface="+mn-ea"/>
-            </a:endParaRPr>
           </a:p>
         </p:txBody>
       </p:sp>
@@ -7309,7 +7197,7 @@
           <p:nvPr>
             <p:ph type="dt" sz="half" idx="10"/>
             <p:custDataLst>
-              <p:tags r:id="rId9"/>
+              <p:tags r:id="rId4"/>
             </p:custDataLst>
           </p:nvPr>
         </p:nvSpPr>
@@ -7329,6 +7217,7 @@
           <a:p>
             <a:fld id="{760FBDFE-C587-4B4C-A407-44438C67B59E}" type="datetimeFigureOut">
               <a:rPr lang="zh-CN" altLang="en-US" smtClean="0"/>
+              <a:t>2019/12/5</a:t>
             </a:fld>
             <a:endParaRPr lang="zh-CN" altLang="en-US"/>
           </a:p>
@@ -7343,7 +7232,7 @@
           <p:nvPr>
             <p:ph type="ftr" sz="quarter" idx="11"/>
             <p:custDataLst>
-              <p:tags r:id="rId10"/>
+              <p:tags r:id="rId5"/>
             </p:custDataLst>
           </p:nvPr>
         </p:nvSpPr>
@@ -7374,7 +7263,7 @@
           <p:nvPr>
             <p:ph type="sldNum" sz="quarter" idx="12"/>
             <p:custDataLst>
-              <p:tags r:id="rId11"/>
+              <p:tags r:id="rId6"/>
             </p:custDataLst>
           </p:nvPr>
         </p:nvSpPr>
@@ -7394,6 +7283,7 @@
           <a:p>
             <a:fld id="{49AE70B2-8BF9-45C0-BB95-33D1B9D3A854}" type="slidenum">
               <a:rPr lang="zh-CN" altLang="en-US" smtClean="0"/>
+              <a:t>‹#›</a:t>
             </a:fld>
             <a:endParaRPr lang="zh-CN" altLang="en-US"/>
           </a:p>
@@ -7430,12 +7320,12 @@
           <p:cNvPicPr/>
           <p:nvPr>
             <p:custDataLst>
-              <p:tags r:id="rId2"/>
+              <p:tags r:id="rId1"/>
             </p:custDataLst>
           </p:nvPr>
         </p:nvPicPr>
         <p:blipFill>
-          <a:blip r:embed="rId3" r:link="rId4" cstate="screen"/>
+          <a:blip r:embed="rId7" r:link="rId8" cstate="screen"/>
           <a:stretch>
             <a:fillRect/>
           </a:stretch>
@@ -7459,7 +7349,7 @@
           <p:nvPr>
             <p:ph type="title"/>
             <p:custDataLst>
-              <p:tags r:id="rId5"/>
+              <p:tags r:id="rId2"/>
             </p:custDataLst>
           </p:nvPr>
         </p:nvSpPr>
@@ -7485,7 +7375,6 @@
               <a:rPr lang="zh-CN" altLang="en-US" dirty="0"/>
               <a:t>单击此处编辑母版标题样式</a:t>
             </a:r>
-            <a:endParaRPr lang="zh-CN" altLang="en-US" dirty="0"/>
           </a:p>
         </p:txBody>
       </p:sp>
@@ -7498,7 +7387,7 @@
           <p:nvPr>
             <p:ph type="dt" sz="half" idx="10"/>
             <p:custDataLst>
-              <p:tags r:id="rId6"/>
+              <p:tags r:id="rId3"/>
             </p:custDataLst>
           </p:nvPr>
         </p:nvSpPr>
@@ -7521,6 +7410,7 @@
           <a:p>
             <a:fld id="{760FBDFE-C587-4B4C-A407-44438C67B59E}" type="datetimeFigureOut">
               <a:rPr lang="zh-CN" altLang="en-US" smtClean="0"/>
+              <a:t>2019/12/5</a:t>
             </a:fld>
             <a:endParaRPr lang="zh-CN" altLang="en-US"/>
           </a:p>
@@ -7535,7 +7425,7 @@
           <p:nvPr>
             <p:ph type="ftr" sz="quarter" idx="11"/>
             <p:custDataLst>
-              <p:tags r:id="rId7"/>
+              <p:tags r:id="rId4"/>
             </p:custDataLst>
           </p:nvPr>
         </p:nvSpPr>
@@ -7569,7 +7459,7 @@
           <p:nvPr>
             <p:ph type="sldNum" sz="quarter" idx="12"/>
             <p:custDataLst>
-              <p:tags r:id="rId8"/>
+              <p:tags r:id="rId5"/>
             </p:custDataLst>
           </p:nvPr>
         </p:nvSpPr>
@@ -7592,6 +7482,7 @@
           <a:p>
             <a:fld id="{49AE70B2-8BF9-45C0-BB95-33D1B9D3A854}" type="slidenum">
               <a:rPr lang="zh-CN" altLang="en-US" smtClean="0"/>
+              <a:t>‹#›</a:t>
             </a:fld>
             <a:endParaRPr lang="zh-CN" altLang="en-US" dirty="0"/>
           </a:p>
@@ -7636,7 +7527,7 @@
           <p:cNvSpPr/>
           <p:nvPr>
             <p:custDataLst>
-              <p:tags r:id="rId2"/>
+              <p:tags r:id="rId1"/>
             </p:custDataLst>
           </p:nvPr>
         </p:nvSpPr>
@@ -7697,7 +7588,7 @@
           <p:cNvGrpSpPr/>
           <p:nvPr>
             <p:custDataLst>
-              <p:tags r:id="rId3"/>
+              <p:tags r:id="rId2"/>
             </p:custDataLst>
           </p:nvPr>
         </p:nvGrpSpPr>
@@ -7715,12 +7606,12 @@
             <p:cNvPicPr/>
             <p:nvPr>
               <p:custDataLst>
-                <p:tags r:id="rId4"/>
+                <p:tags r:id="rId8"/>
               </p:custDataLst>
             </p:nvPr>
           </p:nvPicPr>
           <p:blipFill>
-            <a:blip r:embed="rId5" r:link="rId6"/>
+            <a:blip r:embed="rId11" r:link="rId12"/>
             <a:stretch>
               <a:fillRect/>
             </a:stretch>
@@ -7741,12 +7632,12 @@
             <p:cNvPicPr/>
             <p:nvPr>
               <p:custDataLst>
-                <p:tags r:id="rId7"/>
+                <p:tags r:id="rId9"/>
               </p:custDataLst>
             </p:nvPr>
           </p:nvPicPr>
           <p:blipFill>
-            <a:blip r:embed="rId8" r:link="rId6" cstate="screen"/>
+            <a:blip r:embed="rId13" r:link="rId12" cstate="screen"/>
             <a:stretch>
               <a:fillRect/>
             </a:stretch>
@@ -7771,7 +7662,7 @@
           <p:nvPr>
             <p:ph type="title" hasCustomPrompt="1"/>
             <p:custDataLst>
-              <p:tags r:id="rId9"/>
+              <p:tags r:id="rId3"/>
             </p:custDataLst>
           </p:nvPr>
         </p:nvSpPr>
@@ -7804,7 +7695,6 @@
               <a:rPr lang="zh-CN" altLang="en-US" dirty="0"/>
               <a:t>单击此处编辑标题</a:t>
             </a:r>
-            <a:endParaRPr lang="zh-CN" altLang="en-US" dirty="0"/>
           </a:p>
         </p:txBody>
       </p:sp>
@@ -7817,7 +7707,7 @@
           <p:nvPr>
             <p:ph sz="quarter" idx="13"/>
             <p:custDataLst>
-              <p:tags r:id="rId10"/>
+              <p:tags r:id="rId4"/>
             </p:custDataLst>
           </p:nvPr>
         </p:nvSpPr>
@@ -7899,7 +7789,6 @@
               <a:rPr lang="zh-CN" altLang="en-US" dirty="0"/>
               <a:t>单击此处编辑母版文本样式</a:t>
             </a:r>
-            <a:endParaRPr lang="zh-CN" altLang="en-US" dirty="0"/>
           </a:p>
           <a:p>
             <a:pPr lvl="1"/>
@@ -7907,7 +7796,6 @@
               <a:rPr lang="zh-CN" altLang="en-US" dirty="0"/>
               <a:t>第二级</a:t>
             </a:r>
-            <a:endParaRPr lang="zh-CN" altLang="en-US" dirty="0"/>
           </a:p>
           <a:p>
             <a:pPr lvl="2"/>
@@ -7915,7 +7803,6 @@
               <a:rPr lang="zh-CN" altLang="en-US" dirty="0"/>
               <a:t>第三级</a:t>
             </a:r>
-            <a:endParaRPr lang="zh-CN" altLang="en-US" dirty="0"/>
           </a:p>
           <a:p>
             <a:pPr lvl="3"/>
@@ -7923,7 +7810,6 @@
               <a:rPr lang="zh-CN" altLang="en-US" dirty="0"/>
               <a:t>第四级</a:t>
             </a:r>
-            <a:endParaRPr lang="zh-CN" altLang="en-US" dirty="0"/>
           </a:p>
           <a:p>
             <a:pPr lvl="4"/>
@@ -7931,7 +7817,6 @@
               <a:rPr lang="zh-CN" altLang="en-US" dirty="0"/>
               <a:t>第五级</a:t>
             </a:r>
-            <a:endParaRPr lang="zh-CN" altLang="en-US" dirty="0"/>
           </a:p>
         </p:txBody>
       </p:sp>
@@ -7944,7 +7829,7 @@
           <p:nvPr>
             <p:ph type="dt" sz="half" idx="10"/>
             <p:custDataLst>
-              <p:tags r:id="rId11"/>
+              <p:tags r:id="rId5"/>
             </p:custDataLst>
           </p:nvPr>
         </p:nvSpPr>
@@ -7970,6 +7855,7 @@
           <a:p>
             <a:fld id="{760FBDFE-C587-4B4C-A407-44438C67B59E}" type="datetimeFigureOut">
               <a:rPr lang="zh-CN" altLang="en-US" smtClean="0"/>
+              <a:t>2019/12/5</a:t>
             </a:fld>
             <a:endParaRPr lang="zh-CN" altLang="en-US"/>
           </a:p>
@@ -7984,7 +7870,7 @@
           <p:nvPr>
             <p:ph type="ftr" sz="quarter" idx="11"/>
             <p:custDataLst>
-              <p:tags r:id="rId12"/>
+              <p:tags r:id="rId6"/>
             </p:custDataLst>
           </p:nvPr>
         </p:nvSpPr>
@@ -8021,7 +7907,7 @@
           <p:nvPr>
             <p:ph type="sldNum" sz="quarter" idx="12"/>
             <p:custDataLst>
-              <p:tags r:id="rId13"/>
+              <p:tags r:id="rId7"/>
             </p:custDataLst>
           </p:nvPr>
         </p:nvSpPr>
@@ -8047,6 +7933,7 @@
           <a:p>
             <a:fld id="{49AE70B2-8BF9-45C0-BB95-33D1B9D3A854}" type="slidenum">
               <a:rPr lang="zh-CN" altLang="en-US" smtClean="0"/>
+              <a:t>‹#›</a:t>
             </a:fld>
             <a:endParaRPr lang="zh-CN" altLang="en-US" dirty="0"/>
           </a:p>
@@ -8091,7 +7978,7 @@
           <p:cNvSpPr/>
           <p:nvPr>
             <p:custDataLst>
-              <p:tags r:id="rId2"/>
+              <p:tags r:id="rId1"/>
             </p:custDataLst>
           </p:nvPr>
         </p:nvSpPr>
@@ -8156,12 +8043,12 @@
           <p:cNvPicPr/>
           <p:nvPr>
             <p:custDataLst>
-              <p:tags r:id="rId3"/>
+              <p:tags r:id="rId2"/>
             </p:custDataLst>
           </p:nvPr>
         </p:nvPicPr>
         <p:blipFill>
-          <a:blip r:embed="rId4" r:link="rId5" cstate="screen"/>
+          <a:blip r:embed="rId10" r:link="rId11" cstate="screen"/>
           <a:stretch>
             <a:fillRect/>
           </a:stretch>
@@ -8185,7 +8072,7 @@
           <p:nvPr>
             <p:ph type="title" hasCustomPrompt="1"/>
             <p:custDataLst>
-              <p:tags r:id="rId6"/>
+              <p:tags r:id="rId3"/>
             </p:custDataLst>
           </p:nvPr>
         </p:nvSpPr>
@@ -8218,7 +8105,6 @@
               <a:rPr lang="zh-CN" altLang="en-US" dirty="0"/>
               <a:t>单击编辑标题</a:t>
             </a:r>
-            <a:endParaRPr lang="zh-CN" altLang="en-US" dirty="0"/>
           </a:p>
         </p:txBody>
       </p:sp>
@@ -8231,7 +8117,7 @@
           <p:nvPr>
             <p:ph type="dt" sz="half" idx="10"/>
             <p:custDataLst>
-              <p:tags r:id="rId7"/>
+              <p:tags r:id="rId4"/>
             </p:custDataLst>
           </p:nvPr>
         </p:nvSpPr>
@@ -8257,6 +8143,7 @@
           <a:p>
             <a:fld id="{760FBDFE-C587-4B4C-A407-44438C67B59E}" type="datetimeFigureOut">
               <a:rPr lang="zh-CN" altLang="en-US" smtClean="0"/>
+              <a:t>2019/12/5</a:t>
             </a:fld>
             <a:endParaRPr lang="zh-CN" altLang="en-US"/>
           </a:p>
@@ -8271,7 +8158,7 @@
           <p:nvPr>
             <p:ph type="ftr" sz="quarter" idx="11"/>
             <p:custDataLst>
-              <p:tags r:id="rId8"/>
+              <p:tags r:id="rId5"/>
             </p:custDataLst>
           </p:nvPr>
         </p:nvSpPr>
@@ -8308,7 +8195,7 @@
           <p:nvPr>
             <p:ph type="sldNum" sz="quarter" idx="12"/>
             <p:custDataLst>
-              <p:tags r:id="rId9"/>
+              <p:tags r:id="rId6"/>
             </p:custDataLst>
           </p:nvPr>
         </p:nvSpPr>
@@ -8334,6 +8221,7 @@
           <a:p>
             <a:fld id="{49AE70B2-8BF9-45C0-BB95-33D1B9D3A854}" type="slidenum">
               <a:rPr lang="zh-CN" altLang="en-US" smtClean="0"/>
+              <a:t>‹#›</a:t>
             </a:fld>
             <a:endParaRPr lang="zh-CN" altLang="en-US" dirty="0"/>
           </a:p>
@@ -8348,7 +8236,7 @@
           <p:nvPr>
             <p:ph type="body" sz="quarter" idx="13"/>
             <p:custDataLst>
-              <p:tags r:id="rId10"/>
+              <p:tags r:id="rId7"/>
             </p:custDataLst>
           </p:nvPr>
         </p:nvSpPr>
@@ -8430,7 +8318,6 @@
               <a:rPr lang="zh-CN" altLang="en-US" dirty="0"/>
               <a:t>单击此处编辑母版文本样式</a:t>
             </a:r>
-            <a:endParaRPr lang="zh-CN" altLang="en-US" dirty="0"/>
           </a:p>
           <a:p>
             <a:pPr lvl="1"/>
@@ -8438,7 +8325,6 @@
               <a:rPr lang="zh-CN" altLang="en-US" dirty="0"/>
               <a:t>第二级</a:t>
             </a:r>
-            <a:endParaRPr lang="zh-CN" altLang="en-US" dirty="0"/>
           </a:p>
           <a:p>
             <a:pPr lvl="2"/>
@@ -8446,7 +8332,6 @@
               <a:rPr lang="zh-CN" altLang="en-US" dirty="0"/>
               <a:t>第三级</a:t>
             </a:r>
-            <a:endParaRPr lang="zh-CN" altLang="en-US" dirty="0"/>
           </a:p>
           <a:p>
             <a:pPr lvl="3"/>
@@ -8454,7 +8339,6 @@
               <a:rPr lang="zh-CN" altLang="en-US" dirty="0"/>
               <a:t>第四级</a:t>
             </a:r>
-            <a:endParaRPr lang="zh-CN" altLang="en-US" dirty="0"/>
           </a:p>
           <a:p>
             <a:pPr lvl="4"/>
@@ -8462,7 +8346,6 @@
               <a:rPr lang="zh-CN" altLang="en-US" dirty="0"/>
               <a:t>第五级</a:t>
             </a:r>
-            <a:endParaRPr lang="zh-CN" altLang="en-US" dirty="0"/>
           </a:p>
         </p:txBody>
       </p:sp>
@@ -8475,7 +8358,7 @@
           <p:nvPr>
             <p:ph sz="quarter" idx="14"/>
             <p:custDataLst>
-              <p:tags r:id="rId11"/>
+              <p:tags r:id="rId8"/>
             </p:custDataLst>
           </p:nvPr>
         </p:nvSpPr>
@@ -8557,7 +8440,6 @@
               <a:rPr lang="zh-CN" altLang="en-US" dirty="0"/>
               <a:t>单击此处编辑母版文本样式</a:t>
             </a:r>
-            <a:endParaRPr lang="zh-CN" altLang="en-US" dirty="0"/>
           </a:p>
           <a:p>
             <a:pPr lvl="1"/>
@@ -8565,7 +8447,6 @@
               <a:rPr lang="zh-CN" altLang="en-US" dirty="0"/>
               <a:t>第二级</a:t>
             </a:r>
-            <a:endParaRPr lang="zh-CN" altLang="en-US" dirty="0"/>
           </a:p>
           <a:p>
             <a:pPr lvl="2"/>
@@ -8573,7 +8454,6 @@
               <a:rPr lang="zh-CN" altLang="en-US" dirty="0"/>
               <a:t>第三级</a:t>
             </a:r>
-            <a:endParaRPr lang="zh-CN" altLang="en-US" dirty="0"/>
           </a:p>
           <a:p>
             <a:pPr lvl="3"/>
@@ -8581,7 +8461,6 @@
               <a:rPr lang="zh-CN" altLang="en-US" dirty="0"/>
               <a:t>第四级</a:t>
             </a:r>
-            <a:endParaRPr lang="zh-CN" altLang="en-US" dirty="0"/>
           </a:p>
           <a:p>
             <a:pPr lvl="4"/>
@@ -8589,7 +8468,6 @@
               <a:rPr lang="zh-CN" altLang="en-US" dirty="0"/>
               <a:t>第五级</a:t>
             </a:r>
-            <a:endParaRPr lang="zh-CN" altLang="en-US" dirty="0"/>
           </a:p>
         </p:txBody>
       </p:sp>
@@ -8632,7 +8510,7 @@
           <p:cNvSpPr/>
           <p:nvPr>
             <p:custDataLst>
-              <p:tags r:id="rId2"/>
+              <p:tags r:id="rId1"/>
             </p:custDataLst>
           </p:nvPr>
         </p:nvSpPr>
@@ -8697,7 +8575,7 @@
           <p:cNvGrpSpPr/>
           <p:nvPr>
             <p:custDataLst>
-              <p:tags r:id="rId3"/>
+              <p:tags r:id="rId2"/>
             </p:custDataLst>
           </p:nvPr>
         </p:nvGrpSpPr>
@@ -8715,12 +8593,12 @@
             <p:cNvPicPr/>
             <p:nvPr userDrawn="1">
               <p:custDataLst>
-                <p:tags r:id="rId4"/>
+                <p:tags r:id="rId9"/>
               </p:custDataLst>
             </p:nvPr>
           </p:nvPicPr>
           <p:blipFill>
-            <a:blip r:embed="rId5" r:link="rId6" cstate="screen"/>
+            <a:blip r:embed="rId12" r:link="rId13" cstate="screen"/>
             <a:stretch>
               <a:fillRect/>
             </a:stretch>
@@ -8741,12 +8619,12 @@
             <p:cNvPicPr/>
             <p:nvPr userDrawn="1">
               <p:custDataLst>
-                <p:tags r:id="rId7"/>
+                <p:tags r:id="rId10"/>
               </p:custDataLst>
             </p:nvPr>
           </p:nvPicPr>
           <p:blipFill>
-            <a:blip r:embed="rId8" r:link="rId9" cstate="screen"/>
+            <a:blip r:embed="rId14" r:link="rId15" cstate="screen"/>
             <a:stretch>
               <a:fillRect/>
             </a:stretch>
@@ -8771,7 +8649,7 @@
           <p:nvPr>
             <p:ph type="dt" sz="half" idx="10"/>
             <p:custDataLst>
-              <p:tags r:id="rId10"/>
+              <p:tags r:id="rId3"/>
             </p:custDataLst>
           </p:nvPr>
         </p:nvSpPr>
@@ -8797,6 +8675,7 @@
           <a:p>
             <a:fld id="{760FBDFE-C587-4B4C-A407-44438C67B59E}" type="datetimeFigureOut">
               <a:rPr lang="zh-CN" altLang="en-US" smtClean="0"/>
+              <a:t>2019/12/5</a:t>
             </a:fld>
             <a:endParaRPr lang="zh-CN" altLang="en-US"/>
           </a:p>
@@ -8811,7 +8690,7 @@
           <p:nvPr>
             <p:ph type="ftr" sz="quarter" idx="11"/>
             <p:custDataLst>
-              <p:tags r:id="rId11"/>
+              <p:tags r:id="rId4"/>
             </p:custDataLst>
           </p:nvPr>
         </p:nvSpPr>
@@ -8848,7 +8727,7 @@
           <p:nvPr>
             <p:ph type="sldNum" sz="quarter" idx="12"/>
             <p:custDataLst>
-              <p:tags r:id="rId12"/>
+              <p:tags r:id="rId5"/>
             </p:custDataLst>
           </p:nvPr>
         </p:nvSpPr>
@@ -8874,6 +8753,7 @@
           <a:p>
             <a:fld id="{49AE70B2-8BF9-45C0-BB95-33D1B9D3A854}" type="slidenum">
               <a:rPr lang="zh-CN" altLang="en-US" smtClean="0"/>
+              <a:t>‹#›</a:t>
             </a:fld>
             <a:endParaRPr lang="zh-CN" altLang="en-US" dirty="0"/>
           </a:p>
@@ -8888,7 +8768,7 @@
           <p:nvPr>
             <p:ph type="body" sz="quarter" idx="13"/>
             <p:custDataLst>
-              <p:tags r:id="rId13"/>
+              <p:tags r:id="rId6"/>
             </p:custDataLst>
           </p:nvPr>
         </p:nvSpPr>
@@ -8922,7 +8802,6 @@
               <a:rPr lang="zh-CN" altLang="en-US" dirty="0"/>
               <a:t>单击此处编辑母版文本样式</a:t>
             </a:r>
-            <a:endParaRPr lang="zh-CN" altLang="en-US" dirty="0"/>
           </a:p>
         </p:txBody>
       </p:sp>
@@ -8935,7 +8814,7 @@
           <p:nvPr>
             <p:ph sz="quarter" idx="14"/>
             <p:custDataLst>
-              <p:tags r:id="rId14"/>
+              <p:tags r:id="rId7"/>
             </p:custDataLst>
           </p:nvPr>
         </p:nvSpPr>
@@ -9017,7 +8896,6 @@
               <a:rPr lang="zh-CN" altLang="en-US" dirty="0"/>
               <a:t>单击此处编辑母版文本样式</a:t>
             </a:r>
-            <a:endParaRPr lang="zh-CN" altLang="en-US" dirty="0"/>
           </a:p>
           <a:p>
             <a:pPr lvl="1"/>
@@ -9025,7 +8903,6 @@
               <a:rPr lang="zh-CN" altLang="en-US" dirty="0"/>
               <a:t>第二级</a:t>
             </a:r>
-            <a:endParaRPr lang="zh-CN" altLang="en-US" dirty="0"/>
           </a:p>
           <a:p>
             <a:pPr lvl="2"/>
@@ -9033,7 +8910,6 @@
               <a:rPr lang="zh-CN" altLang="en-US" dirty="0"/>
               <a:t>第三级</a:t>
             </a:r>
-            <a:endParaRPr lang="zh-CN" altLang="en-US" dirty="0"/>
           </a:p>
           <a:p>
             <a:pPr lvl="3"/>
@@ -9041,7 +8917,6 @@
               <a:rPr lang="zh-CN" altLang="en-US" dirty="0"/>
               <a:t>第四级</a:t>
             </a:r>
-            <a:endParaRPr lang="zh-CN" altLang="en-US" dirty="0"/>
           </a:p>
           <a:p>
             <a:pPr lvl="4"/>
@@ -9049,7 +8924,6 @@
               <a:rPr lang="zh-CN" altLang="en-US" dirty="0"/>
               <a:t>第五级</a:t>
             </a:r>
-            <a:endParaRPr lang="zh-CN" altLang="en-US" dirty="0"/>
           </a:p>
         </p:txBody>
       </p:sp>
@@ -9062,7 +8936,7 @@
           <p:nvPr>
             <p:ph type="title"/>
             <p:custDataLst>
-              <p:tags r:id="rId15"/>
+              <p:tags r:id="rId8"/>
             </p:custDataLst>
           </p:nvPr>
         </p:nvSpPr>
@@ -9095,7 +8969,6 @@
               <a:rPr lang="zh-CN" altLang="en-US" dirty="0"/>
               <a:t>单击此处编辑母版标题样式</a:t>
             </a:r>
-            <a:endParaRPr lang="zh-CN" altLang="en-US" dirty="0"/>
           </a:p>
         </p:txBody>
       </p:sp>
@@ -9130,7 +9003,7 @@
           <p:cNvSpPr/>
           <p:nvPr>
             <p:custDataLst>
-              <p:tags r:id="rId2"/>
+              <p:tags r:id="rId1"/>
             </p:custDataLst>
           </p:nvPr>
         </p:nvSpPr>
@@ -9195,7 +9068,7 @@
           <p:cNvGrpSpPr/>
           <p:nvPr>
             <p:custDataLst>
-              <p:tags r:id="rId3"/>
+              <p:tags r:id="rId2"/>
             </p:custDataLst>
           </p:nvPr>
         </p:nvGrpSpPr>
@@ -9213,12 +9086,12 @@
             <p:cNvPicPr/>
             <p:nvPr>
               <p:custDataLst>
-                <p:tags r:id="rId4"/>
+                <p:tags r:id="rId9"/>
               </p:custDataLst>
             </p:nvPr>
           </p:nvPicPr>
           <p:blipFill>
-            <a:blip r:embed="rId5" r:link="rId6" cstate="screen"/>
+            <a:blip r:embed="rId12" r:link="rId13" cstate="screen"/>
             <a:stretch>
               <a:fillRect/>
             </a:stretch>
@@ -9239,12 +9112,12 @@
             <p:cNvPicPr/>
             <p:nvPr>
               <p:custDataLst>
-                <p:tags r:id="rId7"/>
+                <p:tags r:id="rId10"/>
               </p:custDataLst>
             </p:nvPr>
           </p:nvPicPr>
           <p:blipFill>
-            <a:blip r:embed="rId8" r:link="rId9" cstate="screen"/>
+            <a:blip r:embed="rId14" r:link="rId15" cstate="screen"/>
             <a:stretch>
               <a:fillRect/>
             </a:stretch>
@@ -9269,7 +9142,7 @@
           <p:nvPr>
             <p:ph type="title"/>
             <p:custDataLst>
-              <p:tags r:id="rId10"/>
+              <p:tags r:id="rId3"/>
             </p:custDataLst>
           </p:nvPr>
         </p:nvSpPr>
@@ -9302,7 +9175,6 @@
               <a:rPr lang="zh-CN" altLang="en-US" dirty="0"/>
               <a:t>单击此处编辑母版标题样式</a:t>
             </a:r>
-            <a:endParaRPr lang="zh-CN" altLang="en-US" dirty="0"/>
           </a:p>
         </p:txBody>
       </p:sp>
@@ -9315,7 +9187,7 @@
           <p:nvPr>
             <p:ph type="dt" sz="half" idx="10"/>
             <p:custDataLst>
-              <p:tags r:id="rId11"/>
+              <p:tags r:id="rId4"/>
             </p:custDataLst>
           </p:nvPr>
         </p:nvSpPr>
@@ -9341,6 +9213,7 @@
           <a:p>
             <a:fld id="{760FBDFE-C587-4B4C-A407-44438C67B59E}" type="datetimeFigureOut">
               <a:rPr lang="zh-CN" altLang="en-US" smtClean="0"/>
+              <a:t>2019/12/5</a:t>
             </a:fld>
             <a:endParaRPr lang="zh-CN" altLang="en-US"/>
           </a:p>
@@ -9355,7 +9228,7 @@
           <p:nvPr>
             <p:ph type="ftr" sz="quarter" idx="11"/>
             <p:custDataLst>
-              <p:tags r:id="rId12"/>
+              <p:tags r:id="rId5"/>
             </p:custDataLst>
           </p:nvPr>
         </p:nvSpPr>
@@ -9392,7 +9265,7 @@
           <p:nvPr>
             <p:ph type="sldNum" sz="quarter" idx="12"/>
             <p:custDataLst>
-              <p:tags r:id="rId13"/>
+              <p:tags r:id="rId6"/>
             </p:custDataLst>
           </p:nvPr>
         </p:nvSpPr>
@@ -9418,6 +9291,7 @@
           <a:p>
             <a:fld id="{49AE70B2-8BF9-45C0-BB95-33D1B9D3A854}" type="slidenum">
               <a:rPr lang="zh-CN" altLang="en-US" smtClean="0"/>
+              <a:t>‹#›</a:t>
             </a:fld>
             <a:endParaRPr lang="zh-CN" altLang="en-US" dirty="0"/>
           </a:p>
@@ -9432,7 +9306,7 @@
           <p:nvPr>
             <p:ph sz="quarter" idx="13"/>
             <p:custDataLst>
-              <p:tags r:id="rId14"/>
+              <p:tags r:id="rId7"/>
             </p:custDataLst>
           </p:nvPr>
         </p:nvSpPr>
@@ -9514,7 +9388,6 @@
               <a:rPr lang="zh-CN" altLang="en-US" dirty="0"/>
               <a:t>单击此处编辑母版文本样式</a:t>
             </a:r>
-            <a:endParaRPr lang="zh-CN" altLang="en-US" dirty="0"/>
           </a:p>
           <a:p>
             <a:pPr lvl="1"/>
@@ -9522,7 +9395,6 @@
               <a:rPr lang="zh-CN" altLang="en-US" dirty="0"/>
               <a:t>第二级</a:t>
             </a:r>
-            <a:endParaRPr lang="zh-CN" altLang="en-US" dirty="0"/>
           </a:p>
           <a:p>
             <a:pPr lvl="2"/>
@@ -9530,7 +9402,6 @@
               <a:rPr lang="zh-CN" altLang="en-US" dirty="0"/>
               <a:t>第三级</a:t>
             </a:r>
-            <a:endParaRPr lang="zh-CN" altLang="en-US" dirty="0"/>
           </a:p>
           <a:p>
             <a:pPr lvl="3"/>
@@ -9538,7 +9409,6 @@
               <a:rPr lang="zh-CN" altLang="en-US" dirty="0"/>
               <a:t>第四级</a:t>
             </a:r>
-            <a:endParaRPr lang="zh-CN" altLang="en-US" dirty="0"/>
           </a:p>
           <a:p>
             <a:pPr lvl="4"/>
@@ -9546,7 +9416,6 @@
               <a:rPr lang="zh-CN" altLang="en-US" dirty="0"/>
               <a:t>第五级</a:t>
             </a:r>
-            <a:endParaRPr lang="zh-CN" altLang="en-US" dirty="0"/>
           </a:p>
         </p:txBody>
       </p:sp>
@@ -9559,7 +9428,7 @@
           <p:nvPr>
             <p:ph type="body" sz="quarter" idx="14"/>
             <p:custDataLst>
-              <p:tags r:id="rId15"/>
+              <p:tags r:id="rId8"/>
             </p:custDataLst>
           </p:nvPr>
         </p:nvSpPr>
@@ -9593,7 +9462,6 @@
               <a:rPr lang="zh-CN" altLang="en-US" dirty="0"/>
               <a:t>单击此处编辑母版文本样式</a:t>
             </a:r>
-            <a:endParaRPr lang="zh-CN" altLang="en-US" dirty="0"/>
           </a:p>
         </p:txBody>
       </p:sp>
@@ -9650,7 +9518,6 @@
               <a:rPr lang="zh-CN" altLang="en-US"/>
               <a:t>单击此处编辑母版标题样式</a:t>
             </a:r>
-            <a:endParaRPr lang="zh-CN" altLang="en-US"/>
           </a:p>
         </p:txBody>
       </p:sp>
@@ -9715,7 +9582,6 @@
               <a:rPr lang="zh-CN" altLang="en-US"/>
               <a:t>单击此处编辑母版副标题样式</a:t>
             </a:r>
-            <a:endParaRPr lang="zh-CN" altLang="en-US"/>
           </a:p>
         </p:txBody>
       </p:sp>
@@ -9736,6 +9602,7 @@
           <a:p>
             <a:fld id="{32BF82D2-7A68-459D-A996-9BDDA2518FA4}" type="datetimeFigureOut">
               <a:rPr lang="zh-CN" altLang="en-US" smtClean="0"/>
+              <a:t>2019/12/5</a:t>
             </a:fld>
             <a:endParaRPr lang="zh-CN" altLang="en-US"/>
           </a:p>
@@ -9777,6 +9644,7 @@
           <a:p>
             <a:fld id="{3E01EE5D-26FB-46D5-A381-ECFB35BF1D34}" type="slidenum">
               <a:rPr lang="zh-CN" altLang="en-US" smtClean="0"/>
+              <a:t>‹#›</a:t>
             </a:fld>
             <a:endParaRPr lang="zh-CN" altLang="en-US"/>
           </a:p>
@@ -9821,7 +9689,7 @@
           <p:cNvSpPr/>
           <p:nvPr>
             <p:custDataLst>
-              <p:tags r:id="rId2"/>
+              <p:tags r:id="rId1"/>
             </p:custDataLst>
           </p:nvPr>
         </p:nvSpPr>
@@ -9886,7 +9754,7 @@
           <p:cNvGrpSpPr/>
           <p:nvPr>
             <p:custDataLst>
-              <p:tags r:id="rId3"/>
+              <p:tags r:id="rId2"/>
             </p:custDataLst>
           </p:nvPr>
         </p:nvGrpSpPr>
@@ -9904,12 +9772,12 @@
             <p:cNvPicPr/>
             <p:nvPr userDrawn="1">
               <p:custDataLst>
-                <p:tags r:id="rId4"/>
+                <p:tags r:id="rId11"/>
               </p:custDataLst>
             </p:nvPr>
           </p:nvPicPr>
           <p:blipFill>
-            <a:blip r:embed="rId5" r:link="rId6" cstate="screen"/>
+            <a:blip r:embed="rId14" r:link="rId15" cstate="screen"/>
             <a:stretch>
               <a:fillRect/>
             </a:stretch>
@@ -9930,12 +9798,12 @@
             <p:cNvPicPr/>
             <p:nvPr userDrawn="1">
               <p:custDataLst>
-                <p:tags r:id="rId7"/>
+                <p:tags r:id="rId12"/>
               </p:custDataLst>
             </p:nvPr>
           </p:nvPicPr>
           <p:blipFill>
-            <a:blip r:embed="rId8" r:link="rId6" cstate="screen"/>
+            <a:blip r:embed="rId16" r:link="rId15" cstate="screen"/>
             <a:stretch>
               <a:fillRect/>
             </a:stretch>
@@ -9960,7 +9828,7 @@
           <p:nvPr>
             <p:ph type="title"/>
             <p:custDataLst>
-              <p:tags r:id="rId9"/>
+              <p:tags r:id="rId3"/>
             </p:custDataLst>
           </p:nvPr>
         </p:nvSpPr>
@@ -9993,7 +9861,6 @@
               <a:rPr lang="zh-CN" altLang="en-US" dirty="0"/>
               <a:t>单击此处编辑母版标题样式</a:t>
             </a:r>
-            <a:endParaRPr lang="zh-CN" altLang="en-US" dirty="0"/>
           </a:p>
         </p:txBody>
       </p:sp>
@@ -10006,7 +9873,7 @@
           <p:nvPr>
             <p:ph type="dt" sz="half" idx="10"/>
             <p:custDataLst>
-              <p:tags r:id="rId10"/>
+              <p:tags r:id="rId4"/>
             </p:custDataLst>
           </p:nvPr>
         </p:nvSpPr>
@@ -10032,6 +9899,7 @@
           <a:p>
             <a:fld id="{760FBDFE-C587-4B4C-A407-44438C67B59E}" type="datetimeFigureOut">
               <a:rPr lang="zh-CN" altLang="en-US" smtClean="0"/>
+              <a:t>2019/12/5</a:t>
             </a:fld>
             <a:endParaRPr lang="zh-CN" altLang="en-US"/>
           </a:p>
@@ -10046,7 +9914,7 @@
           <p:nvPr>
             <p:ph type="ftr" sz="quarter" idx="11"/>
             <p:custDataLst>
-              <p:tags r:id="rId11"/>
+              <p:tags r:id="rId5"/>
             </p:custDataLst>
           </p:nvPr>
         </p:nvSpPr>
@@ -10083,7 +9951,7 @@
           <p:nvPr>
             <p:ph type="sldNum" sz="quarter" idx="12"/>
             <p:custDataLst>
-              <p:tags r:id="rId12"/>
+              <p:tags r:id="rId6"/>
             </p:custDataLst>
           </p:nvPr>
         </p:nvSpPr>
@@ -10109,6 +9977,7 @@
           <a:p>
             <a:fld id="{49AE70B2-8BF9-45C0-BB95-33D1B9D3A854}" type="slidenum">
               <a:rPr lang="zh-CN" altLang="en-US" smtClean="0"/>
+              <a:t>‹#›</a:t>
             </a:fld>
             <a:endParaRPr lang="zh-CN" altLang="en-US" dirty="0"/>
           </a:p>
@@ -10123,7 +9992,7 @@
           <p:nvPr>
             <p:ph sz="quarter" idx="13"/>
             <p:custDataLst>
-              <p:tags r:id="rId13"/>
+              <p:tags r:id="rId7"/>
             </p:custDataLst>
           </p:nvPr>
         </p:nvSpPr>
@@ -10205,7 +10074,6 @@
               <a:rPr lang="zh-CN" altLang="en-US" dirty="0"/>
               <a:t>单击此处编辑母版文本样式</a:t>
             </a:r>
-            <a:endParaRPr lang="zh-CN" altLang="en-US" dirty="0"/>
           </a:p>
           <a:p>
             <a:pPr lvl="1"/>
@@ -10213,7 +10081,6 @@
               <a:rPr lang="zh-CN" altLang="en-US" dirty="0"/>
               <a:t>第二级</a:t>
             </a:r>
-            <a:endParaRPr lang="zh-CN" altLang="en-US" dirty="0"/>
           </a:p>
           <a:p>
             <a:pPr lvl="2"/>
@@ -10221,7 +10088,6 @@
               <a:rPr lang="zh-CN" altLang="en-US" dirty="0"/>
               <a:t>第三级</a:t>
             </a:r>
-            <a:endParaRPr lang="zh-CN" altLang="en-US" dirty="0"/>
           </a:p>
           <a:p>
             <a:pPr lvl="3"/>
@@ -10229,7 +10095,6 @@
               <a:rPr lang="zh-CN" altLang="en-US" dirty="0"/>
               <a:t>第四级</a:t>
             </a:r>
-            <a:endParaRPr lang="zh-CN" altLang="en-US" dirty="0"/>
           </a:p>
           <a:p>
             <a:pPr lvl="4"/>
@@ -10237,7 +10102,6 @@
               <a:rPr lang="zh-CN" altLang="en-US" dirty="0"/>
               <a:t>第五级</a:t>
             </a:r>
-            <a:endParaRPr lang="zh-CN" altLang="en-US" dirty="0"/>
           </a:p>
         </p:txBody>
       </p:sp>
@@ -10250,7 +10114,7 @@
           <p:nvPr>
             <p:ph sz="quarter" idx="14"/>
             <p:custDataLst>
-              <p:tags r:id="rId14"/>
+              <p:tags r:id="rId8"/>
             </p:custDataLst>
           </p:nvPr>
         </p:nvSpPr>
@@ -10332,7 +10196,6 @@
               <a:rPr lang="zh-CN" altLang="en-US" dirty="0"/>
               <a:t>单击此处编辑母版文本样式</a:t>
             </a:r>
-            <a:endParaRPr lang="zh-CN" altLang="en-US" dirty="0"/>
           </a:p>
           <a:p>
             <a:pPr lvl="1"/>
@@ -10340,7 +10203,6 @@
               <a:rPr lang="zh-CN" altLang="en-US" dirty="0"/>
               <a:t>第二级</a:t>
             </a:r>
-            <a:endParaRPr lang="zh-CN" altLang="en-US" dirty="0"/>
           </a:p>
           <a:p>
             <a:pPr lvl="2"/>
@@ -10348,7 +10210,6 @@
               <a:rPr lang="zh-CN" altLang="en-US" dirty="0"/>
               <a:t>第三级</a:t>
             </a:r>
-            <a:endParaRPr lang="zh-CN" altLang="en-US" dirty="0"/>
           </a:p>
           <a:p>
             <a:pPr lvl="3"/>
@@ -10356,7 +10217,6 @@
               <a:rPr lang="zh-CN" altLang="en-US" dirty="0"/>
               <a:t>第四级</a:t>
             </a:r>
-            <a:endParaRPr lang="zh-CN" altLang="en-US" dirty="0"/>
           </a:p>
           <a:p>
             <a:pPr lvl="4"/>
@@ -10364,7 +10224,6 @@
               <a:rPr lang="zh-CN" altLang="en-US" dirty="0"/>
               <a:t>第五级</a:t>
             </a:r>
-            <a:endParaRPr lang="zh-CN" altLang="en-US" dirty="0"/>
           </a:p>
         </p:txBody>
       </p:sp>
@@ -10377,7 +10236,7 @@
           <p:nvPr>
             <p:ph type="body" sz="quarter" idx="15"/>
             <p:custDataLst>
-              <p:tags r:id="rId15"/>
+              <p:tags r:id="rId9"/>
             </p:custDataLst>
           </p:nvPr>
         </p:nvSpPr>
@@ -10411,7 +10270,6 @@
               <a:rPr lang="zh-CN" altLang="en-US" dirty="0"/>
               <a:t>单击此处编辑母版文本样式</a:t>
             </a:r>
-            <a:endParaRPr lang="zh-CN" altLang="en-US" dirty="0"/>
           </a:p>
         </p:txBody>
       </p:sp>
@@ -10424,7 +10282,7 @@
           <p:nvPr>
             <p:ph type="body" sz="quarter" idx="16"/>
             <p:custDataLst>
-              <p:tags r:id="rId16"/>
+              <p:tags r:id="rId10"/>
             </p:custDataLst>
           </p:nvPr>
         </p:nvSpPr>
@@ -10458,7 +10316,6 @@
               <a:rPr lang="zh-CN" altLang="en-US" dirty="0"/>
               <a:t>单击此处编辑母版文本样式</a:t>
             </a:r>
-            <a:endParaRPr lang="zh-CN" altLang="en-US" dirty="0"/>
           </a:p>
         </p:txBody>
       </p:sp>
@@ -10501,7 +10358,7 @@
           <p:cNvSpPr/>
           <p:nvPr>
             <p:custDataLst>
-              <p:tags r:id="rId2"/>
+              <p:tags r:id="rId1"/>
             </p:custDataLst>
           </p:nvPr>
         </p:nvSpPr>
@@ -10566,7 +10423,7 @@
           <p:cNvGrpSpPr/>
           <p:nvPr>
             <p:custDataLst>
-              <p:tags r:id="rId3"/>
+              <p:tags r:id="rId2"/>
             </p:custDataLst>
           </p:nvPr>
         </p:nvGrpSpPr>
@@ -10584,12 +10441,12 @@
             <p:cNvPicPr/>
             <p:nvPr userDrawn="1">
               <p:custDataLst>
-                <p:tags r:id="rId4"/>
+                <p:tags r:id="rId8"/>
               </p:custDataLst>
             </p:nvPr>
           </p:nvPicPr>
           <p:blipFill>
-            <a:blip r:embed="rId5" r:link="rId6" cstate="screen"/>
+            <a:blip r:embed="rId11" r:link="rId12" cstate="screen"/>
             <a:stretch>
               <a:fillRect/>
             </a:stretch>
@@ -10610,12 +10467,12 @@
             <p:cNvPicPr/>
             <p:nvPr userDrawn="1">
               <p:custDataLst>
-                <p:tags r:id="rId7"/>
+                <p:tags r:id="rId9"/>
               </p:custDataLst>
             </p:nvPr>
           </p:nvPicPr>
           <p:blipFill>
-            <a:blip r:embed="rId5" r:link="rId6" cstate="screen"/>
+            <a:blip r:embed="rId11" r:link="rId12" cstate="screen"/>
             <a:stretch>
               <a:fillRect/>
             </a:stretch>
@@ -10640,7 +10497,7 @@
           <p:nvPr>
             <p:ph type="title" hasCustomPrompt="1"/>
             <p:custDataLst>
-              <p:tags r:id="rId8"/>
+              <p:tags r:id="rId3"/>
             </p:custDataLst>
           </p:nvPr>
         </p:nvSpPr>
@@ -10673,7 +10530,6 @@
               <a:rPr lang="zh-CN" altLang="en-US" dirty="0"/>
               <a:t>单击此处编辑标题</a:t>
             </a:r>
-            <a:endParaRPr lang="zh-CN" altLang="en-US" dirty="0"/>
           </a:p>
         </p:txBody>
       </p:sp>
@@ -10686,7 +10542,7 @@
           <p:nvPr>
             <p:ph type="dt" sz="half" idx="10"/>
             <p:custDataLst>
-              <p:tags r:id="rId9"/>
+              <p:tags r:id="rId4"/>
             </p:custDataLst>
           </p:nvPr>
         </p:nvSpPr>
@@ -10712,6 +10568,7 @@
           <a:p>
             <a:fld id="{760FBDFE-C587-4B4C-A407-44438C67B59E}" type="datetimeFigureOut">
               <a:rPr lang="zh-CN" altLang="en-US" smtClean="0"/>
+              <a:t>2019/12/5</a:t>
             </a:fld>
             <a:endParaRPr lang="zh-CN" altLang="en-US"/>
           </a:p>
@@ -10726,7 +10583,7 @@
           <p:nvPr>
             <p:ph type="ftr" sz="quarter" idx="11"/>
             <p:custDataLst>
-              <p:tags r:id="rId10"/>
+              <p:tags r:id="rId5"/>
             </p:custDataLst>
           </p:nvPr>
         </p:nvSpPr>
@@ -10763,7 +10620,7 @@
           <p:nvPr>
             <p:ph type="sldNum" sz="quarter" idx="12"/>
             <p:custDataLst>
-              <p:tags r:id="rId11"/>
+              <p:tags r:id="rId6"/>
             </p:custDataLst>
           </p:nvPr>
         </p:nvSpPr>
@@ -10789,6 +10646,7 @@
           <a:p>
             <a:fld id="{49AE70B2-8BF9-45C0-BB95-33D1B9D3A854}" type="slidenum">
               <a:rPr lang="zh-CN" altLang="en-US" smtClean="0"/>
+              <a:t>‹#›</a:t>
             </a:fld>
             <a:endParaRPr lang="zh-CN" altLang="en-US" dirty="0"/>
           </a:p>
@@ -10803,7 +10661,7 @@
           <p:nvPr>
             <p:ph type="body" sz="quarter" idx="13"/>
             <p:custDataLst>
-              <p:tags r:id="rId12"/>
+              <p:tags r:id="rId7"/>
             </p:custDataLst>
           </p:nvPr>
         </p:nvSpPr>
@@ -10837,7 +10695,6 @@
               <a:rPr lang="zh-CN" altLang="en-US" dirty="0"/>
               <a:t>单击此处编辑母版文本样式</a:t>
             </a:r>
-            <a:endParaRPr lang="zh-CN" altLang="en-US" dirty="0"/>
           </a:p>
         </p:txBody>
       </p:sp>
@@ -10885,7 +10742,6 @@
               <a:rPr lang="zh-CN" altLang="en-US"/>
               <a:t>单击此处编辑母版标题样式</a:t>
             </a:r>
-            <a:endParaRPr lang="zh-CN" altLang="en-US"/>
           </a:p>
         </p:txBody>
       </p:sp>
@@ -10909,7 +10765,6 @@
               <a:rPr lang="zh-CN" altLang="en-US"/>
               <a:t>单击此处编辑母版文本样式</a:t>
             </a:r>
-            <a:endParaRPr lang="zh-CN" altLang="en-US"/>
           </a:p>
           <a:p>
             <a:pPr lvl="1"/>
@@ -10917,7 +10772,6 @@
               <a:rPr lang="zh-CN" altLang="en-US"/>
               <a:t>二级</a:t>
             </a:r>
-            <a:endParaRPr lang="zh-CN" altLang="en-US"/>
           </a:p>
           <a:p>
             <a:pPr lvl="2"/>
@@ -10925,7 +10779,6 @@
               <a:rPr lang="zh-CN" altLang="en-US"/>
               <a:t>三级</a:t>
             </a:r>
-            <a:endParaRPr lang="zh-CN" altLang="en-US"/>
           </a:p>
           <a:p>
             <a:pPr lvl="3"/>
@@ -10933,7 +10786,6 @@
               <a:rPr lang="zh-CN" altLang="en-US"/>
               <a:t>四级</a:t>
             </a:r>
-            <a:endParaRPr lang="zh-CN" altLang="en-US"/>
           </a:p>
           <a:p>
             <a:pPr lvl="4"/>
@@ -10941,7 +10793,6 @@
               <a:rPr lang="zh-CN" altLang="en-US"/>
               <a:t>五级</a:t>
             </a:r>
-            <a:endParaRPr lang="zh-CN" altLang="en-US"/>
           </a:p>
         </p:txBody>
       </p:sp>
@@ -10962,6 +10813,7 @@
           <a:p>
             <a:fld id="{32BF82D2-7A68-459D-A996-9BDDA2518FA4}" type="datetimeFigureOut">
               <a:rPr lang="zh-CN" altLang="en-US" smtClean="0"/>
+              <a:t>2019/12/5</a:t>
             </a:fld>
             <a:endParaRPr lang="zh-CN" altLang="en-US"/>
           </a:p>
@@ -11003,6 +10855,7 @@
           <a:p>
             <a:fld id="{3E01EE5D-26FB-46D5-A381-ECFB35BF1D34}" type="slidenum">
               <a:rPr lang="zh-CN" altLang="en-US" smtClean="0"/>
+              <a:t>‹#›</a:t>
             </a:fld>
             <a:endParaRPr lang="zh-CN" altLang="en-US"/>
           </a:p>
@@ -11061,7 +10914,6 @@
               <a:rPr lang="zh-CN" altLang="en-US"/>
               <a:t>单击此处编辑母版标题样式</a:t>
             </a:r>
-            <a:endParaRPr lang="zh-CN" altLang="en-US"/>
           </a:p>
         </p:txBody>
       </p:sp>
@@ -11181,7 +11033,6 @@
               <a:rPr lang="zh-CN" altLang="en-US"/>
               <a:t>单击此处编辑母版文本样式</a:t>
             </a:r>
-            <a:endParaRPr lang="zh-CN" altLang="en-US"/>
           </a:p>
         </p:txBody>
       </p:sp>
@@ -11202,6 +11053,7 @@
           <a:p>
             <a:fld id="{32BF82D2-7A68-459D-A996-9BDDA2518FA4}" type="datetimeFigureOut">
               <a:rPr lang="zh-CN" altLang="en-US" smtClean="0"/>
+              <a:t>2019/12/5</a:t>
             </a:fld>
             <a:endParaRPr lang="zh-CN" altLang="en-US"/>
           </a:p>
@@ -11243,6 +11095,7 @@
           <a:p>
             <a:fld id="{3E01EE5D-26FB-46D5-A381-ECFB35BF1D34}" type="slidenum">
               <a:rPr lang="zh-CN" altLang="en-US" smtClean="0"/>
+              <a:t>‹#›</a:t>
             </a:fld>
             <a:endParaRPr lang="zh-CN" altLang="en-US"/>
           </a:p>
@@ -11292,7 +11145,6 @@
               <a:rPr lang="zh-CN" altLang="en-US"/>
               <a:t>单击此处编辑母版标题样式</a:t>
             </a:r>
-            <a:endParaRPr lang="zh-CN" altLang="en-US"/>
           </a:p>
         </p:txBody>
       </p:sp>
@@ -11321,7 +11173,6 @@
               <a:rPr lang="zh-CN" altLang="en-US"/>
               <a:t>单击此处编辑母版文本样式</a:t>
             </a:r>
-            <a:endParaRPr lang="zh-CN" altLang="en-US"/>
           </a:p>
           <a:p>
             <a:pPr lvl="1"/>
@@ -11329,7 +11180,6 @@
               <a:rPr lang="zh-CN" altLang="en-US"/>
               <a:t>二级</a:t>
             </a:r>
-            <a:endParaRPr lang="zh-CN" altLang="en-US"/>
           </a:p>
           <a:p>
             <a:pPr lvl="2"/>
@@ -11337,7 +11187,6 @@
               <a:rPr lang="zh-CN" altLang="en-US"/>
               <a:t>三级</a:t>
             </a:r>
-            <a:endParaRPr lang="zh-CN" altLang="en-US"/>
           </a:p>
           <a:p>
             <a:pPr lvl="3"/>
@@ -11345,7 +11194,6 @@
               <a:rPr lang="zh-CN" altLang="en-US"/>
               <a:t>四级</a:t>
             </a:r>
-            <a:endParaRPr lang="zh-CN" altLang="en-US"/>
           </a:p>
           <a:p>
             <a:pPr lvl="4"/>
@@ -11353,7 +11201,6 @@
               <a:rPr lang="zh-CN" altLang="en-US"/>
               <a:t>五级</a:t>
             </a:r>
-            <a:endParaRPr lang="zh-CN" altLang="en-US"/>
           </a:p>
         </p:txBody>
       </p:sp>
@@ -11382,7 +11229,6 @@
               <a:rPr lang="zh-CN" altLang="en-US"/>
               <a:t>单击此处编辑母版文本样式</a:t>
             </a:r>
-            <a:endParaRPr lang="zh-CN" altLang="en-US"/>
           </a:p>
           <a:p>
             <a:pPr lvl="1"/>
@@ -11390,7 +11236,6 @@
               <a:rPr lang="zh-CN" altLang="en-US"/>
               <a:t>二级</a:t>
             </a:r>
-            <a:endParaRPr lang="zh-CN" altLang="en-US"/>
           </a:p>
           <a:p>
             <a:pPr lvl="2"/>
@@ -11398,7 +11243,6 @@
               <a:rPr lang="zh-CN" altLang="en-US"/>
               <a:t>三级</a:t>
             </a:r>
-            <a:endParaRPr lang="zh-CN" altLang="en-US"/>
           </a:p>
           <a:p>
             <a:pPr lvl="3"/>
@@ -11406,7 +11250,6 @@
               <a:rPr lang="zh-CN" altLang="en-US"/>
               <a:t>四级</a:t>
             </a:r>
-            <a:endParaRPr lang="zh-CN" altLang="en-US"/>
           </a:p>
           <a:p>
             <a:pPr lvl="4"/>
@@ -11414,7 +11257,6 @@
               <a:rPr lang="zh-CN" altLang="en-US"/>
               <a:t>五级</a:t>
             </a:r>
-            <a:endParaRPr lang="zh-CN" altLang="en-US"/>
           </a:p>
         </p:txBody>
       </p:sp>
@@ -11435,6 +11277,7 @@
           <a:p>
             <a:fld id="{32BF82D2-7A68-459D-A996-9BDDA2518FA4}" type="datetimeFigureOut">
               <a:rPr lang="zh-CN" altLang="en-US" smtClean="0"/>
+              <a:t>2019/12/5</a:t>
             </a:fld>
             <a:endParaRPr lang="zh-CN" altLang="en-US"/>
           </a:p>
@@ -11476,6 +11319,7 @@
           <a:p>
             <a:fld id="{3E01EE5D-26FB-46D5-A381-ECFB35BF1D34}" type="slidenum">
               <a:rPr lang="zh-CN" altLang="en-US" smtClean="0"/>
+              <a:t>‹#›</a:t>
             </a:fld>
             <a:endParaRPr lang="zh-CN" altLang="en-US"/>
           </a:p>
@@ -11530,7 +11374,6 @@
               <a:rPr lang="zh-CN" altLang="en-US"/>
               <a:t>单击此处编辑母版标题样式</a:t>
             </a:r>
-            <a:endParaRPr lang="zh-CN" altLang="en-US"/>
           </a:p>
         </p:txBody>
       </p:sp>
@@ -11596,7 +11439,6 @@
               <a:rPr lang="zh-CN" altLang="en-US"/>
               <a:t>单击此处编辑母版文本样式</a:t>
             </a:r>
-            <a:endParaRPr lang="zh-CN" altLang="en-US"/>
           </a:p>
         </p:txBody>
       </p:sp>
@@ -11625,7 +11467,6 @@
               <a:rPr lang="zh-CN" altLang="en-US"/>
               <a:t>单击此处编辑母版文本样式</a:t>
             </a:r>
-            <a:endParaRPr lang="zh-CN" altLang="en-US"/>
           </a:p>
           <a:p>
             <a:pPr lvl="1"/>
@@ -11633,7 +11474,6 @@
               <a:rPr lang="zh-CN" altLang="en-US"/>
               <a:t>二级</a:t>
             </a:r>
-            <a:endParaRPr lang="zh-CN" altLang="en-US"/>
           </a:p>
           <a:p>
             <a:pPr lvl="2"/>
@@ -11641,7 +11481,6 @@
               <a:rPr lang="zh-CN" altLang="en-US"/>
               <a:t>三级</a:t>
             </a:r>
-            <a:endParaRPr lang="zh-CN" altLang="en-US"/>
           </a:p>
           <a:p>
             <a:pPr lvl="3"/>
@@ -11649,7 +11488,6 @@
               <a:rPr lang="zh-CN" altLang="en-US"/>
               <a:t>四级</a:t>
             </a:r>
-            <a:endParaRPr lang="zh-CN" altLang="en-US"/>
           </a:p>
           <a:p>
             <a:pPr lvl="4"/>
@@ -11657,7 +11495,6 @@
               <a:rPr lang="zh-CN" altLang="en-US"/>
               <a:t>五级</a:t>
             </a:r>
-            <a:endParaRPr lang="zh-CN" altLang="en-US"/>
           </a:p>
         </p:txBody>
       </p:sp>
@@ -11723,7 +11560,6 @@
               <a:rPr lang="zh-CN" altLang="en-US"/>
               <a:t>单击此处编辑母版文本样式</a:t>
             </a:r>
-            <a:endParaRPr lang="zh-CN" altLang="en-US"/>
           </a:p>
         </p:txBody>
       </p:sp>
@@ -11752,7 +11588,6 @@
               <a:rPr lang="zh-CN" altLang="en-US"/>
               <a:t>单击此处编辑母版文本样式</a:t>
             </a:r>
-            <a:endParaRPr lang="zh-CN" altLang="en-US"/>
           </a:p>
           <a:p>
             <a:pPr lvl="1"/>
@@ -11760,7 +11595,6 @@
               <a:rPr lang="zh-CN" altLang="en-US"/>
               <a:t>二级</a:t>
             </a:r>
-            <a:endParaRPr lang="zh-CN" altLang="en-US"/>
           </a:p>
           <a:p>
             <a:pPr lvl="2"/>
@@ -11768,7 +11602,6 @@
               <a:rPr lang="zh-CN" altLang="en-US"/>
               <a:t>三级</a:t>
             </a:r>
-            <a:endParaRPr lang="zh-CN" altLang="en-US"/>
           </a:p>
           <a:p>
             <a:pPr lvl="3"/>
@@ -11776,7 +11609,6 @@
               <a:rPr lang="zh-CN" altLang="en-US"/>
               <a:t>四级</a:t>
             </a:r>
-            <a:endParaRPr lang="zh-CN" altLang="en-US"/>
           </a:p>
           <a:p>
             <a:pPr lvl="4"/>
@@ -11784,7 +11616,6 @@
               <a:rPr lang="zh-CN" altLang="en-US"/>
               <a:t>五级</a:t>
             </a:r>
-            <a:endParaRPr lang="zh-CN" altLang="en-US"/>
           </a:p>
         </p:txBody>
       </p:sp>
@@ -11805,6 +11636,7 @@
           <a:p>
             <a:fld id="{32BF82D2-7A68-459D-A996-9BDDA2518FA4}" type="datetimeFigureOut">
               <a:rPr lang="zh-CN" altLang="en-US" smtClean="0"/>
+              <a:t>2019/12/5</a:t>
             </a:fld>
             <a:endParaRPr lang="zh-CN" altLang="en-US"/>
           </a:p>
@@ -11846,6 +11678,7 @@
           <a:p>
             <a:fld id="{3E01EE5D-26FB-46D5-A381-ECFB35BF1D34}" type="slidenum">
               <a:rPr lang="zh-CN" altLang="en-US" smtClean="0"/>
+              <a:t>‹#›</a:t>
             </a:fld>
             <a:endParaRPr lang="zh-CN" altLang="en-US"/>
           </a:p>
@@ -11895,7 +11728,6 @@
               <a:rPr lang="zh-CN" altLang="en-US"/>
               <a:t>单击此处编辑母版标题样式</a:t>
             </a:r>
-            <a:endParaRPr lang="zh-CN" altLang="en-US"/>
           </a:p>
         </p:txBody>
       </p:sp>
@@ -11916,6 +11748,7 @@
           <a:p>
             <a:fld id="{32BF82D2-7A68-459D-A996-9BDDA2518FA4}" type="datetimeFigureOut">
               <a:rPr lang="zh-CN" altLang="en-US" smtClean="0"/>
+              <a:t>2019/12/5</a:t>
             </a:fld>
             <a:endParaRPr lang="zh-CN" altLang="en-US"/>
           </a:p>
@@ -11957,6 +11790,7 @@
           <a:p>
             <a:fld id="{3E01EE5D-26FB-46D5-A381-ECFB35BF1D34}" type="slidenum">
               <a:rPr lang="zh-CN" altLang="en-US" smtClean="0"/>
+              <a:t>‹#›</a:t>
             </a:fld>
             <a:endParaRPr lang="zh-CN" altLang="en-US"/>
           </a:p>
@@ -12004,6 +11838,7 @@
           <a:p>
             <a:fld id="{32BF82D2-7A68-459D-A996-9BDDA2518FA4}" type="datetimeFigureOut">
               <a:rPr lang="zh-CN" altLang="en-US" smtClean="0"/>
+              <a:t>2019/12/5</a:t>
             </a:fld>
             <a:endParaRPr lang="zh-CN" altLang="en-US"/>
           </a:p>
@@ -12045,6 +11880,7 @@
           <a:p>
             <a:fld id="{3E01EE5D-26FB-46D5-A381-ECFB35BF1D34}" type="slidenum">
               <a:rPr lang="zh-CN" altLang="en-US" smtClean="0"/>
+              <a:t>‹#›</a:t>
             </a:fld>
             <a:endParaRPr lang="zh-CN" altLang="en-US"/>
           </a:p>
@@ -12143,7 +11979,6 @@
               <a:rPr lang="zh-CN" altLang="en-US"/>
               <a:t>单击此处编辑母版文本样式</a:t>
             </a:r>
-            <a:endParaRPr lang="zh-CN" altLang="en-US"/>
           </a:p>
           <a:p>
             <a:pPr lvl="1"/>
@@ -12151,7 +11986,6 @@
               <a:rPr lang="zh-CN" altLang="en-US"/>
               <a:t>第二级</a:t>
             </a:r>
-            <a:endParaRPr lang="zh-CN" altLang="en-US"/>
           </a:p>
           <a:p>
             <a:pPr lvl="2"/>
@@ -12159,7 +11993,6 @@
               <a:rPr lang="zh-CN" altLang="en-US"/>
               <a:t>第三级</a:t>
             </a:r>
-            <a:endParaRPr lang="zh-CN" altLang="en-US"/>
           </a:p>
           <a:p>
             <a:pPr lvl="3"/>
@@ -12167,7 +12000,6 @@
               <a:rPr lang="zh-CN" altLang="en-US"/>
               <a:t>第四级</a:t>
             </a:r>
-            <a:endParaRPr lang="zh-CN" altLang="en-US"/>
           </a:p>
           <a:p>
             <a:pPr lvl="4"/>
@@ -12214,6 +12046,7 @@
           <a:p>
             <a:fld id="{32BF82D2-7A68-459D-A996-9BDDA2518FA4}" type="datetimeFigureOut">
               <a:rPr lang="zh-CN" altLang="en-US" smtClean="0"/>
+              <a:t>2019/12/5</a:t>
             </a:fld>
             <a:endParaRPr lang="zh-CN" altLang="en-US"/>
           </a:p>
@@ -12291,6 +12124,7 @@
           <a:p>
             <a:fld id="{3E01EE5D-26FB-46D5-A381-ECFB35BF1D34}" type="slidenum">
               <a:rPr lang="zh-CN" altLang="en-US" smtClean="0"/>
+              <a:t>‹#›</a:t>
             </a:fld>
             <a:endParaRPr lang="zh-CN" altLang="en-US"/>
           </a:p>
@@ -12637,7 +12471,6 @@
               <a:rPr lang="zh-CN" altLang="en-US"/>
               <a:t>单击此处编辑母版标题样式</a:t>
             </a:r>
-            <a:endParaRPr lang="zh-CN" altLang="en-US"/>
           </a:p>
         </p:txBody>
       </p:sp>
@@ -12671,7 +12504,6 @@
               <a:rPr lang="zh-CN" altLang="en-US"/>
               <a:t>单击此处编辑母版文本样式</a:t>
             </a:r>
-            <a:endParaRPr lang="zh-CN" altLang="en-US"/>
           </a:p>
           <a:p>
             <a:pPr lvl="1"/>
@@ -12679,7 +12511,6 @@
               <a:rPr lang="zh-CN" altLang="en-US"/>
               <a:t>二级</a:t>
             </a:r>
-            <a:endParaRPr lang="zh-CN" altLang="en-US"/>
           </a:p>
           <a:p>
             <a:pPr lvl="2"/>
@@ -12687,7 +12518,6 @@
               <a:rPr lang="zh-CN" altLang="en-US"/>
               <a:t>三级</a:t>
             </a:r>
-            <a:endParaRPr lang="zh-CN" altLang="en-US"/>
           </a:p>
           <a:p>
             <a:pPr lvl="3"/>
@@ -12695,7 +12525,6 @@
               <a:rPr lang="zh-CN" altLang="en-US"/>
               <a:t>四级</a:t>
             </a:r>
-            <a:endParaRPr lang="zh-CN" altLang="en-US"/>
           </a:p>
           <a:p>
             <a:pPr lvl="4"/>
@@ -12703,7 +12532,6 @@
               <a:rPr lang="zh-CN" altLang="en-US"/>
               <a:t>五级</a:t>
             </a:r>
-            <a:endParaRPr lang="zh-CN" altLang="en-US"/>
           </a:p>
         </p:txBody>
       </p:sp>
@@ -12742,6 +12570,7 @@
           <a:p>
             <a:fld id="{32BF82D2-7A68-459D-A996-9BDDA2518FA4}" type="datetimeFigureOut">
               <a:rPr lang="zh-CN" altLang="en-US" smtClean="0"/>
+              <a:t>2019/12/5</a:t>
             </a:fld>
             <a:endParaRPr lang="zh-CN" altLang="en-US"/>
           </a:p>
@@ -12819,6 +12648,7 @@
           <a:p>
             <a:fld id="{3E01EE5D-26FB-46D5-A381-ECFB35BF1D34}" type="slidenum">
               <a:rPr lang="zh-CN" altLang="en-US" smtClean="0"/>
+              <a:t>‹#›</a:t>
             </a:fld>
             <a:endParaRPr lang="zh-CN" altLang="en-US"/>
           </a:p>
@@ -13157,7 +12987,7 @@
           <p:nvPr>
             <p:ph type="title"/>
             <p:custDataLst>
-              <p:tags r:id="rId19"/>
+              <p:tags r:id="rId20"/>
             </p:custDataLst>
           </p:nvPr>
         </p:nvSpPr>
@@ -13180,7 +13010,6 @@
               <a:rPr lang="zh-CN" altLang="en-US" dirty="0"/>
               <a:t>单击此处编辑母版标题样式</a:t>
             </a:r>
-            <a:endParaRPr lang="zh-CN" altLang="en-US" dirty="0"/>
           </a:p>
         </p:txBody>
       </p:sp>
@@ -13193,7 +13022,7 @@
           <p:nvPr>
             <p:ph type="body" idx="1"/>
             <p:custDataLst>
-              <p:tags r:id="rId20"/>
+              <p:tags r:id="rId21"/>
             </p:custDataLst>
           </p:nvPr>
         </p:nvSpPr>
@@ -13217,7 +13046,6 @@
               <a:rPr lang="zh-CN" altLang="en-US" dirty="0"/>
               <a:t>单击此处编辑母版文本样式</a:t>
             </a:r>
-            <a:endParaRPr lang="zh-CN" altLang="en-US" dirty="0"/>
           </a:p>
           <a:p>
             <a:pPr lvl="1"/>
@@ -13225,7 +13053,6 @@
               <a:rPr lang="zh-CN" altLang="en-US" dirty="0"/>
               <a:t>第二级</a:t>
             </a:r>
-            <a:endParaRPr lang="zh-CN" altLang="en-US" dirty="0"/>
           </a:p>
           <a:p>
             <a:pPr lvl="2"/>
@@ -13233,7 +13060,6 @@
               <a:rPr lang="zh-CN" altLang="en-US" dirty="0"/>
               <a:t>第三级</a:t>
             </a:r>
-            <a:endParaRPr lang="zh-CN" altLang="en-US" dirty="0"/>
           </a:p>
           <a:p>
             <a:pPr lvl="3"/>
@@ -13241,7 +13067,6 @@
               <a:rPr lang="zh-CN" altLang="en-US" dirty="0"/>
               <a:t>第四级</a:t>
             </a:r>
-            <a:endParaRPr lang="zh-CN" altLang="en-US" dirty="0"/>
           </a:p>
           <a:p>
             <a:pPr lvl="4"/>
@@ -13249,7 +13074,6 @@
               <a:rPr lang="zh-CN" altLang="en-US" dirty="0"/>
               <a:t>第五级</a:t>
             </a:r>
-            <a:endParaRPr lang="zh-CN" altLang="en-US" dirty="0"/>
           </a:p>
         </p:txBody>
       </p:sp>
@@ -13262,7 +13086,7 @@
           <p:nvPr>
             <p:ph type="dt" sz="half" idx="2"/>
             <p:custDataLst>
-              <p:tags r:id="rId21"/>
+              <p:tags r:id="rId22"/>
             </p:custDataLst>
           </p:nvPr>
         </p:nvSpPr>
@@ -13296,6 +13120,7 @@
           <a:p>
             <a:fld id="{760FBDFE-C587-4B4C-A407-44438C67B59E}" type="datetimeFigureOut">
               <a:rPr lang="zh-CN" altLang="en-US" smtClean="0"/>
+              <a:t>2019/12/5</a:t>
             </a:fld>
             <a:endParaRPr lang="zh-CN" altLang="en-US"/>
           </a:p>
@@ -13310,7 +13135,7 @@
           <p:nvPr>
             <p:ph type="ftr" sz="quarter" idx="3"/>
             <p:custDataLst>
-              <p:tags r:id="rId22"/>
+              <p:tags r:id="rId23"/>
             </p:custDataLst>
           </p:nvPr>
         </p:nvSpPr>
@@ -13355,7 +13180,7 @@
           <p:nvPr>
             <p:ph type="sldNum" sz="quarter" idx="4"/>
             <p:custDataLst>
-              <p:tags r:id="rId23"/>
+              <p:tags r:id="rId24"/>
             </p:custDataLst>
           </p:nvPr>
         </p:nvSpPr>
@@ -13389,6 +13214,7 @@
           <a:p>
             <a:fld id="{49AE70B2-8BF9-45C0-BB95-33D1B9D3A854}" type="slidenum">
               <a:rPr lang="zh-CN" altLang="en-US" smtClean="0"/>
+              <a:t>‹#›</a:t>
             </a:fld>
             <a:endParaRPr lang="zh-CN" altLang="en-US" dirty="0"/>
           </a:p>
@@ -13400,7 +13226,7 @@
           <p:cNvSpPr/>
           <p:nvPr>
             <p:custDataLst>
-              <p:tags r:id="rId24"/>
+              <p:tags r:id="rId25"/>
             </p:custDataLst>
           </p:nvPr>
         </p:nvSpPr>
@@ -13818,7 +13644,7 @@
             <a:avLst/>
           </a:prstGeom>
           <a:blipFill dpi="0" rotWithShape="1">
-            <a:blip r:embed="rId1" cstate="print"/>
+            <a:blip r:embed="rId3" cstate="print"/>
             <a:srcRect/>
             <a:stretch>
               <a:fillRect/>
@@ -14062,12 +13888,6 @@
               </a:rPr>
               <a:t>刘辉镪</a:t>
             </a:r>
-            <a:endParaRPr lang="zh-CN" altLang="en-US" sz="8000" b="1" cap="all" dirty="0">
-              <a:solidFill>
-                <a:schemeClr val="accent1"/>
-              </a:solidFill>
-              <a:cs typeface="Arial" panose="020B0604020202020204" pitchFamily="34" charset="0"/>
-            </a:endParaRPr>
           </a:p>
         </p:txBody>
       </p:sp>
@@ -14476,12 +14296,6 @@
               </a:rPr>
               <a:t>职业：软件工程师</a:t>
             </a:r>
-            <a:endParaRPr lang="zh-CN" altLang="en-US" sz="1800" dirty="0">
-              <a:solidFill>
-                <a:schemeClr val="accent1"/>
-              </a:solidFill>
-              <a:cs typeface="Arial" panose="020B0604020202020204" pitchFamily="34" charset="0"/>
-            </a:endParaRPr>
           </a:p>
         </p:txBody>
       </p:sp>
@@ -14490,13 +14304,13 @@
   <p:clrMapOvr>
     <a:masterClrMapping/>
   </p:clrMapOvr>
-  <mc:AlternateContent xmlns:mc="http://schemas.openxmlformats.org/markup-compatibility/2006">
-    <mc:Choice xmlns:p15="http://schemas.microsoft.com/office/powerpoint/2012/main" Requires="p15">
-      <p:transition xmlns:p14="http://schemas.microsoft.com/office/powerpoint/2010/main" spd="slow" Requires="p14" p14:dur="2000">
+  <mc:AlternateContent xmlns:mc="http://schemas.openxmlformats.org/markup-compatibility/2006" xmlns:p15="http://schemas.microsoft.com/office/powerpoint/2012/main">
+    <mc:Choice Requires="p15">
+      <p:transition xmlns:p14="http://schemas.microsoft.com/office/powerpoint/2010/main" spd="slow" p14:dur="2000">
         <p15:prstTrans prst="crush"/>
       </p:transition>
     </mc:Choice>
-    <mc:Fallback>
+    <mc:Fallback xmlns="">
       <p:transition spd="slow">
         <p:fade/>
       </p:transition>
@@ -15078,16 +14892,6 @@
               </a:rPr>
               <a:t>葆婴事业优势</a:t>
             </a:r>
-            <a:endParaRPr lang="zh-CN" altLang="en-US" sz="3200" dirty="0">
-              <a:solidFill>
-                <a:schemeClr val="bg1">
-                  <a:lumMod val="65000"/>
-                </a:schemeClr>
-              </a:solidFill>
-              <a:latin typeface="Arial" panose="020B0604020202020204" pitchFamily="34" charset="0"/>
-              <a:ea typeface="微软雅黑" panose="020B0503020204020204" pitchFamily="34" charset="-122"/>
-              <a:sym typeface="Arial" panose="020B0604020202020204" pitchFamily="34" charset="0"/>
-            </a:endParaRPr>
           </a:p>
         </p:txBody>
       </p:sp>
@@ -15099,8 +14903,8 @@
         </p:nvSpPr>
         <p:spPr>
           <a:xfrm>
-            <a:off x="808990" y="1066800"/>
-            <a:ext cx="10732770" cy="4615815"/>
+            <a:off x="808990" y="1372487"/>
+            <a:ext cx="10732770" cy="5196166"/>
           </a:xfrm>
           <a:prstGeom prst="rect">
             <a:avLst/>
@@ -15121,25 +14925,25 @@
               <a:buChar char="Ø"/>
             </a:pPr>
             <a:r>
-              <a:rPr lang="zh-CN" altLang="en-US" sz="2800">
+              <a:rPr lang="zh-CN" altLang="en-US" sz="2800" dirty="0">
                 <a:latin typeface="Arial" panose="020B0604020202020204" pitchFamily="34" charset="0"/>
               </a:rPr>
               <a:t>世界上最好的细胞营养品 </a:t>
             </a:r>
             <a:r>
-              <a:rPr lang="en-US" altLang="zh-CN" sz="2800">
+              <a:rPr lang="en-US" altLang="zh-CN" sz="2800" dirty="0">
                 <a:latin typeface="Arial" panose="020B0604020202020204" pitchFamily="34" charset="0"/>
               </a:rPr>
               <a:t>———— </a:t>
             </a:r>
             <a:r>
-              <a:rPr lang="zh-CN" altLang="en-US" sz="2800">
+              <a:rPr lang="zh-CN" altLang="en-US" sz="2800" dirty="0">
                 <a:latin typeface="Arial" panose="020B0604020202020204" pitchFamily="34" charset="0"/>
               </a:rPr>
               <a:t>收获</a:t>
             </a:r>
             <a:r>
-              <a:rPr lang="zh-CN" altLang="en-US" sz="2800" b="1">
+              <a:rPr lang="zh-CN" altLang="en-US" sz="2800" b="1" dirty="0">
                 <a:solidFill>
                   <a:srgbClr val="00B050"/>
                 </a:solidFill>
@@ -15147,12 +14951,6 @@
               </a:rPr>
               <a:t>健康</a:t>
             </a:r>
-            <a:endParaRPr lang="zh-CN" altLang="en-US" sz="2800" b="1">
-              <a:solidFill>
-                <a:srgbClr val="00B050"/>
-              </a:solidFill>
-              <a:latin typeface="Arial" panose="020B0604020202020204" pitchFamily="34" charset="0"/>
-            </a:endParaRPr>
           </a:p>
           <a:p>
             <a:pPr marL="457200" indent="-457200" eaLnBrk="1" latinLnBrk="0" hangingPunct="1">
@@ -15163,33 +14961,26 @@
               <a:buChar char="Ø"/>
             </a:pPr>
             <a:r>
-              <a:rPr lang="zh-CN" altLang="en-US" sz="2800">
+              <a:rPr lang="zh-CN" altLang="en-US" sz="2800" dirty="0">
                 <a:sym typeface="+mn-ea"/>
               </a:rPr>
               <a:t>公平互助、事业复制</a:t>
             </a:r>
             <a:r>
-              <a:rPr lang="en-US" altLang="zh-CN" sz="2800">
+              <a:rPr lang="en-US" altLang="zh-CN" sz="2800" dirty="0">
                 <a:latin typeface="Arial" panose="020B0604020202020204" pitchFamily="34" charset="0"/>
                 <a:sym typeface="+mn-ea"/>
               </a:rPr>
-              <a:t>————</a:t>
-            </a:r>
-            <a:r>
-              <a:rPr lang="en-US" altLang="zh-CN" sz="2800">
-                <a:latin typeface="Arial" panose="020B0604020202020204" pitchFamily="34" charset="0"/>
-                <a:sym typeface="+mn-ea"/>
-              </a:rPr>
-              <a:t> </a:t>
-            </a:r>
-            <a:r>
-              <a:rPr lang="zh-CN" altLang="en-US" sz="2800">
+              <a:t>———— </a:t>
+            </a:r>
+            <a:r>
+              <a:rPr lang="zh-CN" altLang="en-US" sz="2800" dirty="0">
                 <a:latin typeface="Arial" panose="020B0604020202020204" pitchFamily="34" charset="0"/>
                 <a:sym typeface="+mn-ea"/>
               </a:rPr>
               <a:t>专业培训，没有年龄、学历等限制</a:t>
             </a:r>
-            <a:endParaRPr lang="zh-CN" altLang="en-US" sz="2800">
+            <a:endParaRPr lang="zh-CN" altLang="en-US" sz="2800" dirty="0">
               <a:latin typeface="Arial" panose="020B0604020202020204" pitchFamily="34" charset="0"/>
             </a:endParaRPr>
           </a:p>
@@ -15202,33 +14993,30 @@
               <a:buChar char="Ø"/>
             </a:pPr>
             <a:r>
-              <a:rPr lang="zh-CN" altLang="en-US" sz="2800">
+              <a:rPr lang="zh-CN" altLang="en-US" sz="2800" dirty="0">
                 <a:latin typeface="Arial" panose="020B0604020202020204" pitchFamily="34" charset="0"/>
               </a:rPr>
               <a:t>无需库存产品、低风险 </a:t>
             </a:r>
             <a:r>
-              <a:rPr lang="en-US" altLang="zh-CN" sz="2800">
+              <a:rPr lang="en-US" altLang="zh-CN" sz="2800" dirty="0">
                 <a:latin typeface="Arial" panose="020B0604020202020204" pitchFamily="34" charset="0"/>
                 <a:sym typeface="+mn-ea"/>
               </a:rPr>
               <a:t>————</a:t>
             </a:r>
             <a:r>
-              <a:rPr lang="en-US" altLang="zh-CN" sz="2800">
+              <a:rPr lang="en-US" altLang="zh-CN" sz="2800" dirty="0">
                 <a:latin typeface="Arial" panose="020B0604020202020204" pitchFamily="34" charset="0"/>
               </a:rPr>
               <a:t> </a:t>
             </a:r>
             <a:r>
-              <a:rPr lang="zh-CN" altLang="en-US" sz="2800">
+              <a:rPr lang="zh-CN" altLang="en-US" sz="2800" dirty="0">
                 <a:latin typeface="Arial" panose="020B0604020202020204" pitchFamily="34" charset="0"/>
               </a:rPr>
               <a:t>不需要大量的投资</a:t>
             </a:r>
-            <a:endParaRPr lang="zh-CN" altLang="en-US" sz="2800">
-              <a:latin typeface="Arial" panose="020B0604020202020204" pitchFamily="34" charset="0"/>
-            </a:endParaRPr>
           </a:p>
           <a:p>
             <a:pPr marL="457200" indent="-457200" eaLnBrk="1" latinLnBrk="0" hangingPunct="1">
@@ -15239,50 +15027,39 @@
               <a:buChar char="Ø"/>
             </a:pPr>
             <a:r>
-              <a:rPr lang="zh-CN" altLang="en-US" sz="2800">
+              <a:rPr lang="zh-CN" altLang="en-US" sz="2800" dirty="0">
                 <a:sym typeface="+mn-ea"/>
               </a:rPr>
               <a:t>网络直销、循环收入</a:t>
             </a:r>
             <a:r>
-              <a:rPr lang="en-US" altLang="zh-CN" sz="2800">
+              <a:rPr lang="en-US" altLang="zh-CN" sz="2800" dirty="0">
                 <a:latin typeface="Arial" panose="020B0604020202020204" pitchFamily="34" charset="0"/>
                 <a:sym typeface="+mn-ea"/>
               </a:rPr>
-              <a:t>————</a:t>
-            </a:r>
-            <a:r>
-              <a:rPr lang="en-US" altLang="zh-CN" sz="2800">
-                <a:latin typeface="Arial" panose="020B0604020202020204" pitchFamily="34" charset="0"/>
-                <a:sym typeface="+mn-ea"/>
-              </a:rPr>
-              <a:t> </a:t>
-            </a:r>
-            <a:r>
-              <a:rPr lang="zh-CN" altLang="en-US" sz="2800">
+              <a:t>———— </a:t>
+            </a:r>
+            <a:r>
+              <a:rPr lang="zh-CN" altLang="en-US" sz="2800" dirty="0">
                 <a:latin typeface="Arial" panose="020B0604020202020204" pitchFamily="34" charset="0"/>
                 <a:sym typeface="+mn-ea"/>
               </a:rPr>
               <a:t>个人 </a:t>
             </a:r>
             <a:r>
-              <a:rPr lang="en-US" altLang="zh-CN" sz="2800">
+              <a:rPr lang="en-US" altLang="zh-CN" sz="2800" dirty="0">
                 <a:latin typeface="Arial" panose="020B0604020202020204" pitchFamily="34" charset="0"/>
                 <a:sym typeface="+mn-ea"/>
               </a:rPr>
               <a:t>+ </a:t>
             </a:r>
             <a:r>
-              <a:rPr lang="zh-CN" altLang="en-US" sz="2800">
+              <a:rPr lang="zh-CN" altLang="en-US" sz="2800" dirty="0">
                 <a:latin typeface="Arial" panose="020B0604020202020204" pitchFamily="34" charset="0"/>
                 <a:sym typeface="+mn-ea"/>
               </a:rPr>
               <a:t>团队业绩</a:t>
             </a:r>
-            <a:endParaRPr lang="zh-CN" altLang="en-US" sz="2800">
-              <a:latin typeface="Arial" panose="020B0604020202020204" pitchFamily="34" charset="0"/>
-              <a:sym typeface="+mn-ea"/>
-            </a:endParaRPr>
           </a:p>
           <a:p>
             <a:pPr marL="457200" indent="-457200" eaLnBrk="1" latinLnBrk="0" hangingPunct="1">
@@ -15293,34 +15070,27 @@
               <a:buChar char="Ø"/>
             </a:pPr>
             <a:r>
-              <a:rPr lang="zh-CN" altLang="en-US" sz="2800">
+              <a:rPr lang="zh-CN" altLang="en-US" sz="2800" dirty="0">
                 <a:latin typeface="Arial" panose="020B0604020202020204" pitchFamily="34" charset="0"/>
                 <a:sym typeface="+mn-ea"/>
               </a:rPr>
               <a:t>工作时间、地点自由</a:t>
             </a:r>
             <a:r>
-              <a:rPr lang="en-US" altLang="zh-CN" sz="2800">
+              <a:rPr lang="en-US" altLang="zh-CN" sz="2800" dirty="0">
                 <a:latin typeface="Arial" panose="020B0604020202020204" pitchFamily="34" charset="0"/>
                 <a:sym typeface="+mn-ea"/>
               </a:rPr>
-              <a:t>————</a:t>
-            </a:r>
-            <a:r>
-              <a:rPr lang="en-US" altLang="zh-CN" sz="2800">
-                <a:latin typeface="Arial" panose="020B0604020202020204" pitchFamily="34" charset="0"/>
-                <a:sym typeface="+mn-ea"/>
-              </a:rPr>
-              <a:t> </a:t>
-            </a:r>
-            <a:r>
-              <a:rPr lang="zh-CN" altLang="en-US" sz="2800">
+              <a:t>———— </a:t>
+            </a:r>
+            <a:r>
+              <a:rPr lang="zh-CN" altLang="en-US" sz="2800" dirty="0">
                 <a:latin typeface="Arial" panose="020B0604020202020204" pitchFamily="34" charset="0"/>
                 <a:sym typeface="+mn-ea"/>
               </a:rPr>
               <a:t>打破朝九晚六</a:t>
             </a:r>
-            <a:endParaRPr lang="zh-CN" altLang="en-US" sz="2800"/>
+            <a:endParaRPr lang="zh-CN" altLang="en-US" sz="2800" dirty="0"/>
           </a:p>
           <a:p>
             <a:pPr marL="457200" indent="-457200" eaLnBrk="1" latinLnBrk="0" hangingPunct="1">
@@ -15331,10 +15101,14 @@
               <a:buChar char="Ø"/>
             </a:pPr>
             <a:r>
-              <a:rPr lang="zh-CN" altLang="en-US" sz="2800"/>
-              <a:t>价值的延续，事业的传承</a:t>
-            </a:r>
-            <a:endParaRPr lang="zh-CN" altLang="en-US" sz="2800"/>
+              <a:rPr lang="zh-CN" altLang="en-US" sz="2800" dirty="0">
+                <a:sym typeface="+mn-ea"/>
+              </a:rPr>
+              <a:t>拓展社交圈，结交良师益友</a:t>
+            </a:r>
+            <a:endParaRPr lang="en-US" altLang="zh-CN" sz="2800" dirty="0">
+              <a:sym typeface="+mn-ea"/>
+            </a:endParaRPr>
           </a:p>
           <a:p>
             <a:pPr marL="457200" indent="-457200" eaLnBrk="1" latinLnBrk="0" hangingPunct="1">
@@ -15345,12 +15119,19 @@
               <a:buChar char="Ø"/>
             </a:pPr>
             <a:r>
-              <a:rPr lang="zh-CN" altLang="en-US" sz="2800">
-                <a:sym typeface="+mn-ea"/>
-              </a:rPr>
-              <a:t>拓展社交圈，良师益友</a:t>
-            </a:r>
-            <a:endParaRPr lang="zh-CN" altLang="en-US" sz="2800">
+              <a:rPr lang="zh-CN" altLang="en-US" sz="2800" dirty="0"/>
+              <a:t>价值的延续，事业的传承</a:t>
+            </a:r>
+          </a:p>
+          <a:p>
+            <a:pPr marL="457200" indent="-457200" eaLnBrk="1" latinLnBrk="0" hangingPunct="1">
+              <a:lnSpc>
+                <a:spcPct val="150000"/>
+              </a:lnSpc>
+              <a:buFont typeface="Wingdings" panose="05000000000000000000" charset="0"/>
+              <a:buChar char="Ø"/>
+            </a:pPr>
+            <a:endParaRPr lang="zh-CN" altLang="en-US" sz="2800" dirty="0">
               <a:sym typeface="+mn-ea"/>
             </a:endParaRPr>
           </a:p>
@@ -15361,13 +15142,13 @@
   <p:clrMapOvr>
     <a:masterClrMapping/>
   </p:clrMapOvr>
-  <mc:AlternateContent xmlns:mc="http://schemas.openxmlformats.org/markup-compatibility/2006">
-    <mc:Choice xmlns:p14="http://schemas.microsoft.com/office/powerpoint/2010/main" Requires="p14">
+  <mc:AlternateContent xmlns:mc="http://schemas.openxmlformats.org/markup-compatibility/2006" xmlns:p14="http://schemas.microsoft.com/office/powerpoint/2010/main">
+    <mc:Choice Requires="p14">
       <p:transition spd="slow" p14:dur="1600">
         <p:wipe dir="r"/>
       </p:transition>
     </mc:Choice>
-    <mc:Fallback>
+    <mc:Fallback xmlns="">
       <p:transition spd="slow">
         <p:wipe dir="r"/>
       </p:transition>
@@ -15893,16 +15674,6 @@
               </a:rPr>
               <a:t>葆婴事业优势</a:t>
             </a:r>
-            <a:endParaRPr lang="zh-CN" altLang="en-US" sz="3200" dirty="0">
-              <a:solidFill>
-                <a:schemeClr val="bg1">
-                  <a:lumMod val="65000"/>
-                </a:schemeClr>
-              </a:solidFill>
-              <a:latin typeface="Arial" panose="020B0604020202020204" pitchFamily="34" charset="0"/>
-              <a:ea typeface="微软雅黑" panose="020B0503020204020204" pitchFamily="34" charset="-122"/>
-              <a:sym typeface="Arial" panose="020B0604020202020204" pitchFamily="34" charset="0"/>
-            </a:endParaRPr>
           </a:p>
         </p:txBody>
       </p:sp>
@@ -15939,7 +15710,6 @@
               <a:rPr lang="zh-CN" altLang="en-US" sz="2800"/>
               <a:t>六大黄金标准：</a:t>
             </a:r>
-            <a:endParaRPr lang="zh-CN" altLang="en-US" sz="2800"/>
           </a:p>
           <a:p>
             <a:pPr marL="285750" indent="-285750" eaLnBrk="1" latinLnBrk="0" hangingPunct="1">
@@ -15953,7 +15723,6 @@
               <a:rPr lang="zh-CN" altLang="en-US" sz="2800"/>
               <a:t>第一、USANA是按药品的GMP标准来生产的细胞营养保健品；</a:t>
             </a:r>
-            <a:endParaRPr lang="zh-CN" altLang="en-US" sz="2800"/>
           </a:p>
           <a:p>
             <a:pPr marL="285750" indent="-285750" eaLnBrk="1" latinLnBrk="0" hangingPunct="1">
@@ -15967,7 +15736,6 @@
               <a:rPr lang="zh-CN" altLang="en-US" sz="2800"/>
               <a:t>第二、得到FDA认可并且得到注册有证书；</a:t>
             </a:r>
-            <a:endParaRPr lang="zh-CN" altLang="en-US" sz="2800"/>
           </a:p>
           <a:p>
             <a:pPr marL="285750" indent="-285750" eaLnBrk="1" latinLnBrk="0" hangingPunct="1">
@@ -15981,7 +15749,6 @@
               <a:rPr lang="zh-CN" altLang="en-US" sz="2800"/>
               <a:t>第三、主动要求按照美国药典USP标准进行生产；</a:t>
             </a:r>
-            <a:endParaRPr lang="zh-CN" altLang="en-US" sz="2800"/>
           </a:p>
           <a:p>
             <a:pPr marL="285750" indent="-285750" eaLnBrk="1" latinLnBrk="0" hangingPunct="1">
@@ -15995,7 +15762,6 @@
               <a:rPr lang="zh-CN" altLang="en-US" sz="2800"/>
               <a:t>第四、最多产品纳入多国药典手册（医生桌上参考手册）；</a:t>
             </a:r>
-            <a:endParaRPr lang="zh-CN" altLang="en-US" sz="2800"/>
           </a:p>
           <a:p>
             <a:pPr marL="285750" indent="-285750" eaLnBrk="1" latinLnBrk="0" hangingPunct="1">
@@ -16009,7 +15775,6 @@
               <a:rPr lang="zh-CN" altLang="en-US" sz="2800"/>
               <a:t>第五、更高水准的NSF；</a:t>
             </a:r>
-            <a:endParaRPr lang="zh-CN" altLang="en-US" sz="2800"/>
           </a:p>
           <a:p>
             <a:pPr marL="285750" indent="-285750" eaLnBrk="1" latinLnBrk="0" hangingPunct="1">
@@ -16023,7 +15788,6 @@
               <a:rPr lang="zh-CN" altLang="en-US" sz="2800"/>
               <a:t>第六、UNPA美国天然产品联盟组织五十大组织成员。</a:t>
             </a:r>
-            <a:endParaRPr lang="zh-CN" altLang="en-US" sz="2800"/>
           </a:p>
         </p:txBody>
       </p:sp>
@@ -16032,13 +15796,13 @@
   <p:clrMapOvr>
     <a:masterClrMapping/>
   </p:clrMapOvr>
-  <mc:AlternateContent xmlns:mc="http://schemas.openxmlformats.org/markup-compatibility/2006">
-    <mc:Choice xmlns:p14="http://schemas.microsoft.com/office/powerpoint/2010/main" Requires="p14">
+  <mc:AlternateContent xmlns:mc="http://schemas.openxmlformats.org/markup-compatibility/2006" xmlns:p14="http://schemas.microsoft.com/office/powerpoint/2010/main">
+    <mc:Choice Requires="p14">
       <p:transition spd="slow" p14:dur="1600">
         <p14:prism isInverted="1"/>
       </p:transition>
     </mc:Choice>
-    <mc:Fallback>
+    <mc:Fallback xmlns="">
       <p:transition spd="slow">
         <p:fade/>
       </p:transition>
@@ -16536,7 +16300,7 @@
             <a:avLst/>
           </a:prstGeom>
           <a:blipFill dpi="0" rotWithShape="1">
-            <a:blip r:embed="rId1" cstate="print"/>
+            <a:blip r:embed="rId3" cstate="print"/>
             <a:srcRect/>
             <a:stretch>
               <a:fillRect/>
@@ -16995,12 +16759,6 @@
               </a:rPr>
               <a:t>感谢聆听，批评指导</a:t>
             </a:r>
-            <a:endParaRPr lang="zh-CN" altLang="en-US" dirty="0">
-              <a:solidFill>
-                <a:schemeClr val="accent1"/>
-              </a:solidFill>
-              <a:cs typeface="Arial" panose="020B0604020202020204" pitchFamily="34" charset="0"/>
-            </a:endParaRPr>
           </a:p>
         </p:txBody>
       </p:sp>
@@ -17009,13 +16767,13 @@
   <p:clrMapOvr>
     <a:masterClrMapping/>
   </p:clrMapOvr>
-  <mc:AlternateContent xmlns:mc="http://schemas.openxmlformats.org/markup-compatibility/2006">
-    <mc:Choice xmlns:p15="http://schemas.microsoft.com/office/powerpoint/2012/main" Requires="p15">
-      <p:transition xmlns:p14="http://schemas.microsoft.com/office/powerpoint/2010/main" spd="slow" Requires="p14" p14:dur="2000" advTm="0">
+  <mc:AlternateContent xmlns:mc="http://schemas.openxmlformats.org/markup-compatibility/2006" xmlns:p15="http://schemas.microsoft.com/office/powerpoint/2012/main">
+    <mc:Choice Requires="p15">
+      <p:transition xmlns:p14="http://schemas.microsoft.com/office/powerpoint/2010/main" spd="slow" p14:dur="2000" advTm="0">
         <p15:prstTrans prst="crush"/>
       </p:transition>
     </mc:Choice>
-    <mc:Fallback>
+    <mc:Fallback xmlns="">
       <p:transition spd="slow" advTm="0">
         <p:fade/>
       </p:transition>
@@ -17620,14 +17378,6 @@
               </a:rPr>
               <a:t>目录</a:t>
             </a:r>
-            <a:endParaRPr lang="zh-CN" altLang="en-US" sz="11500" b="1" dirty="0">
-              <a:solidFill>
-                <a:schemeClr val="bg1"/>
-              </a:solidFill>
-              <a:latin typeface="Arial" panose="020B0604020202020204" pitchFamily="34" charset="0"/>
-              <a:ea typeface="微软雅黑" panose="020B0503020204020204" pitchFamily="34" charset="-122"/>
-              <a:sym typeface="Arial" panose="020B0604020202020204" pitchFamily="34" charset="0"/>
-            </a:endParaRPr>
           </a:p>
         </p:txBody>
       </p:sp>
@@ -17895,14 +17645,6 @@
               </a:rPr>
               <a:t>成长历程</a:t>
             </a:r>
-            <a:endParaRPr lang="zh-CN" altLang="en-US" sz="2400" dirty="0">
-              <a:solidFill>
-                <a:schemeClr val="bg1"/>
-              </a:solidFill>
-              <a:latin typeface="Arial" panose="020B0604020202020204" pitchFamily="34" charset="0"/>
-              <a:ea typeface="微软雅黑" panose="020B0503020204020204" pitchFamily="34" charset="-122"/>
-              <a:sym typeface="Arial" panose="020B0604020202020204" pitchFamily="34" charset="0"/>
-            </a:endParaRPr>
           </a:p>
         </p:txBody>
       </p:sp>
@@ -18120,14 +17862,6 @@
               </a:rPr>
               <a:t>我的葆婴故事</a:t>
             </a:r>
-            <a:endParaRPr lang="zh-CN" altLang="en-US" sz="2400" dirty="0">
-              <a:solidFill>
-                <a:schemeClr val="bg1"/>
-              </a:solidFill>
-              <a:latin typeface="Arial" panose="020B0604020202020204" pitchFamily="34" charset="0"/>
-              <a:ea typeface="微软雅黑" panose="020B0503020204020204" pitchFamily="34" charset="-122"/>
-              <a:sym typeface="Arial" panose="020B0604020202020204" pitchFamily="34" charset="0"/>
-            </a:endParaRPr>
           </a:p>
         </p:txBody>
       </p:sp>
@@ -18361,13 +18095,13 @@
   <p:clrMapOvr>
     <a:masterClrMapping/>
   </p:clrMapOvr>
-  <mc:AlternateContent xmlns:mc="http://schemas.openxmlformats.org/markup-compatibility/2006">
-    <mc:Choice xmlns:p15="http://schemas.microsoft.com/office/powerpoint/2012/main" Requires="p15">
-      <p:transition xmlns:p14="http://schemas.microsoft.com/office/powerpoint/2010/main" spd="slow" Requires="p14" p14:dur="1250">
+  <mc:AlternateContent xmlns:mc="http://schemas.openxmlformats.org/markup-compatibility/2006" xmlns:p15="http://schemas.microsoft.com/office/powerpoint/2012/main">
+    <mc:Choice Requires="p15">
+      <p:transition xmlns:p14="http://schemas.microsoft.com/office/powerpoint/2010/main" spd="slow" p14:dur="1250">
         <p15:prstTrans prst="airplane"/>
       </p:transition>
     </mc:Choice>
-    <mc:Fallback>
+    <mc:Fallback xmlns="">
       <p:transition spd="slow">
         <p:fade/>
       </p:transition>
@@ -18655,7 +18389,7 @@
                         <p:par>
                           <p:cTn id="21" fill="hold">
                             <p:stCondLst>
-                              <p:cond delay="0"/>
+                              <p:cond delay="1700"/>
                             </p:stCondLst>
                             <p:childTnLst>
                               <p:par>
@@ -18875,14 +18609,6 @@
               </a:rPr>
               <a:t>成长历程</a:t>
             </a:r>
-            <a:endParaRPr lang="zh-CN" altLang="en-US" sz="6000" b="1" dirty="0">
-              <a:solidFill>
-                <a:schemeClr val="accent1"/>
-              </a:solidFill>
-              <a:latin typeface="Arial" panose="020B0604020202020204" pitchFamily="34" charset="0"/>
-              <a:ea typeface="微软雅黑" panose="020B0503020204020204" pitchFamily="34" charset="-122"/>
-              <a:sym typeface="Arial" panose="020B0604020202020204" pitchFamily="34" charset="0"/>
-            </a:endParaRPr>
           </a:p>
         </p:txBody>
       </p:sp>
@@ -18977,7 +18703,7 @@
           <a:lstStyle/>
           <a:p>
             <a:r>
-              <a:rPr lang="en-US" sz="19900" dirty="0" smtClean="0">
+              <a:rPr lang="en-US" sz="19900" dirty="0">
                 <a:solidFill>
                   <a:schemeClr val="accent1"/>
                 </a:solidFill>
@@ -19003,7 +18729,7 @@
   <p:clrMapOvr>
     <a:masterClrMapping/>
   </p:clrMapOvr>
-  <p:transition spd="med" advTm="0">
+  <p:transition spd="med">
     <p:pull/>
   </p:transition>
   <p:timing>
@@ -19018,6 +18744,9 @@
                     <p:cTn id="3" fill="hold">
                       <p:stCondLst>
                         <p:cond delay="indefinite"/>
+                        <p:cond evt="onBegin" delay="0">
+                          <p:tn val="2"/>
+                        </p:cond>
                       </p:stCondLst>
                       <p:childTnLst>
                         <p:par>
@@ -19027,7 +18756,7 @@
                             </p:stCondLst>
                             <p:childTnLst>
                               <p:par>
-                                <p:cTn id="5" presetID="14" presetClass="entr" presetSubtype="10" fill="hold" grpId="0" nodeType="clickEffect">
+                                <p:cTn id="5" presetID="14" presetClass="entr" presetSubtype="10" fill="hold" grpId="0" nodeType="withEffect">
                                   <p:stCondLst>
                                     <p:cond delay="0"/>
                                   </p:stCondLst>
@@ -19061,26 +18790,8 @@
                                   </p:childTnLst>
                                 </p:cTn>
                               </p:par>
-                            </p:childTnLst>
-                          </p:cTn>
-                        </p:par>
-                      </p:childTnLst>
-                    </p:cTn>
-                  </p:par>
-                  <p:par>
-                    <p:cTn id="8" fill="hold">
-                      <p:stCondLst>
-                        <p:cond delay="indefinite"/>
-                      </p:stCondLst>
-                      <p:childTnLst>
-                        <p:par>
-                          <p:cTn id="9" fill="hold">
-                            <p:stCondLst>
-                              <p:cond delay="0"/>
-                            </p:stCondLst>
-                            <p:childTnLst>
                               <p:par>
-                                <p:cTn id="10" presetID="56" presetClass="entr" presetSubtype="0" fill="hold" grpId="0" nodeType="clickEffect">
+                                <p:cTn id="8" presetID="56" presetClass="entr" presetSubtype="0" fill="hold" grpId="0" nodeType="withEffect">
                                   <p:stCondLst>
                                     <p:cond delay="0"/>
                                   </p:stCondLst>
@@ -19090,7 +18801,7 @@
                                   <p:childTnLst>
                                     <p:set>
                                       <p:cBhvr>
-                                        <p:cTn id="11" dur="1" fill="hold">
+                                        <p:cTn id="9" dur="1" fill="hold">
                                           <p:stCondLst>
                                             <p:cond delay="0"/>
                                           </p:stCondLst>
@@ -19108,7 +18819,7 @@
                                     </p:set>
                                     <p:anim by="(-#ppt_w*2)" calcmode="lin" valueType="num">
                                       <p:cBhvr rctx="PPT">
-                                        <p:cTn id="12" dur="500" autoRev="1" fill="hold">
+                                        <p:cTn id="10" dur="500" autoRev="1" fill="hold">
                                           <p:stCondLst>
                                             <p:cond delay="0"/>
                                           </p:stCondLst>
@@ -19123,7 +18834,7 @@
                                     </p:anim>
                                     <p:anim by="(#ppt_w*0.50)" calcmode="lin" valueType="num">
                                       <p:cBhvr>
-                                        <p:cTn id="13" dur="500" decel="50000" autoRev="1" fill="hold">
+                                        <p:cTn id="11" dur="500" decel="50000" autoRev="1" fill="hold">
                                           <p:stCondLst>
                                             <p:cond delay="0"/>
                                           </p:stCondLst>
@@ -19138,7 +18849,7 @@
                                     </p:anim>
                                     <p:anim from="(-#ppt_h/2)" to="(#ppt_y)" calcmode="lin" valueType="num">
                                       <p:cBhvr>
-                                        <p:cTn id="14" dur="1000" fill="hold">
+                                        <p:cTn id="12" dur="1000" fill="hold">
                                           <p:stCondLst>
                                             <p:cond delay="0"/>
                                           </p:stCondLst>
@@ -19153,7 +18864,7 @@
                                     </p:anim>
                                     <p:animRot by="21600000">
                                       <p:cBhvr>
-                                        <p:cTn id="15" dur="1000" fill="hold">
+                                        <p:cTn id="13" dur="1000" fill="hold">
                                           <p:stCondLst>
                                             <p:cond delay="0"/>
                                           </p:stCondLst>
@@ -19169,33 +18880,15 @@
                                   </p:childTnLst>
                                 </p:cTn>
                               </p:par>
-                            </p:childTnLst>
-                          </p:cTn>
-                        </p:par>
-                      </p:childTnLst>
-                    </p:cTn>
-                  </p:par>
-                  <p:par>
-                    <p:cTn id="16" fill="hold">
-                      <p:stCondLst>
-                        <p:cond delay="indefinite"/>
-                      </p:stCondLst>
-                      <p:childTnLst>
-                        <p:par>
-                          <p:cTn id="17" fill="hold">
-                            <p:stCondLst>
-                              <p:cond delay="0"/>
-                            </p:stCondLst>
-                            <p:childTnLst>
                               <p:par>
-                                <p:cTn id="18" presetID="2" presetClass="entr" presetSubtype="8" fill="hold" grpId="0" nodeType="clickEffect">
+                                <p:cTn id="14" presetID="2" presetClass="entr" presetSubtype="8" fill="hold" grpId="0" nodeType="withEffect">
                                   <p:stCondLst>
                                     <p:cond delay="0"/>
                                   </p:stCondLst>
                                   <p:childTnLst>
                                     <p:set>
                                       <p:cBhvr>
-                                        <p:cTn id="19" dur="1" fill="hold">
+                                        <p:cTn id="15" dur="1" fill="hold">
                                           <p:stCondLst>
                                             <p:cond delay="0"/>
                                           </p:stCondLst>
@@ -19213,7 +18906,7 @@
                                     </p:set>
                                     <p:anim calcmode="lin" valueType="num">
                                       <p:cBhvr additive="base">
-                                        <p:cTn id="20" dur="500" fill="hold"/>
+                                        <p:cTn id="16" dur="500" fill="hold"/>
                                         <p:tgtEl>
                                           <p:spTgt spid="5125"/>
                                         </p:tgtEl>
@@ -19236,7 +18929,7 @@
                                     </p:anim>
                                     <p:anim calcmode="lin" valueType="num">
                                       <p:cBhvr additive="base">
-                                        <p:cTn id="21" dur="500" fill="hold"/>
+                                        <p:cTn id="17" dur="500" fill="hold"/>
                                         <p:tgtEl>
                                           <p:spTgt spid="5125"/>
                                         </p:tgtEl>
@@ -20803,15 +20496,6 @@
               </a:rPr>
               <a:t>初中</a:t>
             </a:r>
-            <a:endParaRPr lang="zh-CN" altLang="en-US" sz="2000" dirty="0">
-              <a:solidFill>
-                <a:schemeClr val="tx1"/>
-              </a:solidFill>
-              <a:latin typeface="Arial" panose="020B0604020202020204" pitchFamily="34" charset="0"/>
-              <a:ea typeface="微软雅黑" panose="020B0503020204020204" pitchFamily="34" charset="-122"/>
-              <a:cs typeface="+mn-ea"/>
-              <a:sym typeface="Arial" panose="020B0604020202020204" pitchFamily="34" charset="0"/>
-            </a:endParaRPr>
           </a:p>
         </p:txBody>
       </p:sp>
@@ -21126,15 +20810,6 @@
               </a:rPr>
               <a:t>高中</a:t>
             </a:r>
-            <a:endParaRPr lang="zh-CN" altLang="en-US" sz="2000" dirty="0">
-              <a:solidFill>
-                <a:schemeClr val="tx1"/>
-              </a:solidFill>
-              <a:latin typeface="Arial" panose="020B0604020202020204" pitchFamily="34" charset="0"/>
-              <a:ea typeface="微软雅黑" panose="020B0503020204020204" pitchFamily="34" charset="-122"/>
-              <a:cs typeface="+mn-ea"/>
-              <a:sym typeface="Arial" panose="020B0604020202020204" pitchFamily="34" charset="0"/>
-            </a:endParaRPr>
           </a:p>
         </p:txBody>
       </p:sp>
@@ -21458,15 +21133,6 @@
               </a:rPr>
               <a:t>大学</a:t>
             </a:r>
-            <a:endParaRPr lang="zh-CN" altLang="en-US" sz="2000" dirty="0">
-              <a:solidFill>
-                <a:schemeClr val="tx1"/>
-              </a:solidFill>
-              <a:latin typeface="Arial" panose="020B0604020202020204" pitchFamily="34" charset="0"/>
-              <a:ea typeface="微软雅黑" panose="020B0503020204020204" pitchFamily="34" charset="-122"/>
-              <a:cs typeface="+mn-ea"/>
-              <a:sym typeface="Arial" panose="020B0604020202020204" pitchFamily="34" charset="0"/>
-            </a:endParaRPr>
           </a:p>
         </p:txBody>
       </p:sp>
@@ -22018,15 +21684,6 @@
               </a:rPr>
               <a:t>实习</a:t>
             </a:r>
-            <a:endParaRPr lang="zh-CN" altLang="en-US" sz="2000" dirty="0">
-              <a:solidFill>
-                <a:schemeClr val="tx1"/>
-              </a:solidFill>
-              <a:latin typeface="Arial" panose="020B0604020202020204" pitchFamily="34" charset="0"/>
-              <a:ea typeface="微软雅黑" panose="020B0503020204020204" pitchFamily="34" charset="-122"/>
-              <a:cs typeface="+mn-ea"/>
-              <a:sym typeface="Arial" panose="020B0604020202020204" pitchFamily="34" charset="0"/>
-            </a:endParaRPr>
           </a:p>
         </p:txBody>
       </p:sp>
@@ -22341,15 +21998,6 @@
               </a:rPr>
               <a:t>第一份工作</a:t>
             </a:r>
-            <a:endParaRPr lang="zh-CN" altLang="en-US" sz="2000" dirty="0">
-              <a:solidFill>
-                <a:schemeClr val="tx1"/>
-              </a:solidFill>
-              <a:latin typeface="Arial" panose="020B0604020202020204" pitchFamily="34" charset="0"/>
-              <a:ea typeface="微软雅黑" panose="020B0503020204020204" pitchFamily="34" charset="-122"/>
-              <a:cs typeface="+mn-ea"/>
-              <a:sym typeface="Arial" panose="020B0604020202020204" pitchFamily="34" charset="0"/>
-            </a:endParaRPr>
           </a:p>
         </p:txBody>
       </p:sp>
@@ -22676,15 +22324,6 @@
               </a:rPr>
               <a:t>涨薪</a:t>
             </a:r>
-            <a:endParaRPr lang="zh-CN" altLang="en-US" sz="2000" dirty="0">
-              <a:solidFill>
-                <a:schemeClr val="tx1"/>
-              </a:solidFill>
-              <a:latin typeface="Arial" panose="020B0604020202020204" pitchFamily="34" charset="0"/>
-              <a:ea typeface="微软雅黑" panose="020B0503020204020204" pitchFamily="34" charset="-122"/>
-              <a:cs typeface="+mn-ea"/>
-              <a:sym typeface="Arial" panose="020B0604020202020204" pitchFamily="34" charset="0"/>
-            </a:endParaRPr>
           </a:p>
         </p:txBody>
       </p:sp>
@@ -22746,12 +22385,6 @@
               </a:rPr>
               <a:t>40</a:t>
             </a:r>
-            <a:endParaRPr lang="en-US" sz="2000" dirty="0">
-              <a:latin typeface="Arial" panose="020B0604020202020204" pitchFamily="34" charset="0"/>
-              <a:ea typeface="微软雅黑" panose="020B0503020204020204" pitchFamily="34" charset="-122"/>
-              <a:cs typeface="+mn-ea"/>
-              <a:sym typeface="Arial" panose="020B0604020202020204" pitchFamily="34" charset="0"/>
-            </a:endParaRPr>
           </a:p>
         </p:txBody>
       </p:sp>
@@ -22828,12 +22461,6 @@
               </a:rPr>
               <a:t>200</a:t>
             </a:r>
-            <a:endParaRPr lang="en-US" sz="2000" dirty="0">
-              <a:latin typeface="Arial" panose="020B0604020202020204" pitchFamily="34" charset="0"/>
-              <a:ea typeface="微软雅黑" panose="020B0503020204020204" pitchFamily="34" charset="-122"/>
-              <a:cs typeface="+mn-ea"/>
-              <a:sym typeface="Arial" panose="020B0604020202020204" pitchFamily="34" charset="0"/>
-            </a:endParaRPr>
           </a:p>
         </p:txBody>
       </p:sp>
@@ -22891,12 +22518,6 @@
               </a:rPr>
               <a:t>450</a:t>
             </a:r>
-            <a:endParaRPr lang="en-US" sz="2000" dirty="0">
-              <a:latin typeface="Arial" panose="020B0604020202020204" pitchFamily="34" charset="0"/>
-              <a:ea typeface="微软雅黑" panose="020B0503020204020204" pitchFamily="34" charset="-122"/>
-              <a:cs typeface="+mn-ea"/>
-              <a:sym typeface="Arial" panose="020B0604020202020204" pitchFamily="34" charset="0"/>
-            </a:endParaRPr>
           </a:p>
         </p:txBody>
       </p:sp>
@@ -22958,12 +22579,6 @@
               </a:rPr>
               <a:t>1950</a:t>
             </a:r>
-            <a:endParaRPr lang="en-US" sz="2000" dirty="0">
-              <a:latin typeface="Arial" panose="020B0604020202020204" pitchFamily="34" charset="0"/>
-              <a:ea typeface="微软雅黑" panose="020B0503020204020204" pitchFamily="34" charset="-122"/>
-              <a:cs typeface="+mn-ea"/>
-              <a:sym typeface="Arial" panose="020B0604020202020204" pitchFamily="34" charset="0"/>
-            </a:endParaRPr>
           </a:p>
         </p:txBody>
       </p:sp>
@@ -23040,12 +22655,6 @@
               </a:rPr>
               <a:t>2000</a:t>
             </a:r>
-            <a:endParaRPr lang="en-US" sz="2000" dirty="0">
-              <a:latin typeface="Arial" panose="020B0604020202020204" pitchFamily="34" charset="0"/>
-              <a:ea typeface="微软雅黑" panose="020B0503020204020204" pitchFamily="34" charset="-122"/>
-              <a:cs typeface="+mn-ea"/>
-              <a:sym typeface="Arial" panose="020B0604020202020204" pitchFamily="34" charset="0"/>
-            </a:endParaRPr>
           </a:p>
         </p:txBody>
       </p:sp>
@@ -23103,12 +22712,6 @@
               </a:rPr>
               <a:t>3200</a:t>
             </a:r>
-            <a:endParaRPr lang="en-US" sz="2000" dirty="0">
-              <a:latin typeface="Arial" panose="020B0604020202020204" pitchFamily="34" charset="0"/>
-              <a:ea typeface="微软雅黑" panose="020B0503020204020204" pitchFamily="34" charset="-122"/>
-              <a:cs typeface="+mn-ea"/>
-              <a:sym typeface="Arial" panose="020B0604020202020204" pitchFamily="34" charset="0"/>
-            </a:endParaRPr>
           </a:p>
         </p:txBody>
       </p:sp>
@@ -23147,16 +22750,6 @@
               </a:rPr>
               <a:t>成长历程</a:t>
             </a:r>
-            <a:endParaRPr lang="zh-CN" altLang="en-US" sz="3200" dirty="0">
-              <a:solidFill>
-                <a:schemeClr val="bg1">
-                  <a:lumMod val="65000"/>
-                </a:schemeClr>
-              </a:solidFill>
-              <a:latin typeface="Arial" panose="020B0604020202020204" pitchFamily="34" charset="0"/>
-              <a:ea typeface="微软雅黑" panose="020B0503020204020204" pitchFamily="34" charset="-122"/>
-              <a:sym typeface="Arial" panose="020B0604020202020204" pitchFamily="34" charset="0"/>
-            </a:endParaRPr>
           </a:p>
         </p:txBody>
       </p:sp>
@@ -23168,13 +22761,13 @@
   <p:clrMapOvr>
     <a:masterClrMapping/>
   </p:clrMapOvr>
-  <mc:AlternateContent xmlns:mc="http://schemas.openxmlformats.org/markup-compatibility/2006">
-    <mc:Choice xmlns:p14="http://schemas.microsoft.com/office/powerpoint/2010/main" Requires="p14">
+  <mc:AlternateContent xmlns:mc="http://schemas.openxmlformats.org/markup-compatibility/2006" xmlns:p14="http://schemas.microsoft.com/office/powerpoint/2010/main">
+    <mc:Choice Requires="p14">
       <p:transition spd="slow" p14:dur="1250">
         <p14:flip dir="r"/>
       </p:transition>
     </mc:Choice>
-    <mc:Fallback>
+    <mc:Fallback xmlns="">
       <p:transition spd="slow">
         <p:fade/>
       </p:transition>
@@ -24908,16 +24501,6 @@
               </a:rPr>
               <a:t>成长历程</a:t>
             </a:r>
-            <a:endParaRPr lang="zh-CN" altLang="en-US" sz="3200" dirty="0">
-              <a:solidFill>
-                <a:schemeClr val="bg1">
-                  <a:lumMod val="65000"/>
-                </a:schemeClr>
-              </a:solidFill>
-              <a:latin typeface="Arial" panose="020B0604020202020204" pitchFamily="34" charset="0"/>
-              <a:ea typeface="微软雅黑" panose="020B0503020204020204" pitchFamily="34" charset="-122"/>
-              <a:sym typeface="Arial" panose="020B0604020202020204" pitchFamily="34" charset="0"/>
-            </a:endParaRPr>
           </a:p>
         </p:txBody>
       </p:sp>
@@ -24964,13 +24547,13 @@
   <p:clrMapOvr>
     <a:masterClrMapping/>
   </p:clrMapOvr>
-  <mc:AlternateContent xmlns:mc="http://schemas.openxmlformats.org/markup-compatibility/2006">
-    <mc:Choice xmlns:p14="http://schemas.microsoft.com/office/powerpoint/2010/main" Requires="p14">
+  <mc:AlternateContent xmlns:mc="http://schemas.openxmlformats.org/markup-compatibility/2006" xmlns:p14="http://schemas.microsoft.com/office/powerpoint/2010/main">
+    <mc:Choice Requires="p14">
       <p:transition spd="slow" p14:dur="1250">
         <p:push/>
       </p:transition>
     </mc:Choice>
-    <mc:Fallback>
+    <mc:Fallback xmlns="">
       <p:transition spd="slow">
         <p:push/>
       </p:transition>
@@ -25045,15 +24628,7 @@
                 <a:ea typeface="+mj-ea"/>
                 <a:cs typeface="+mj-ea"/>
               </a:rPr>
-              <a:t>强的公司，主要负责苹果手机、电脑的生产和维修。在这里我相对还算幸运的，至少不必长期工作在生产一线，负责的主要是生产系统数据的处理和维护，新增需求的程式测试</a:t>
-            </a:r>
-            <a:r>
-              <a:rPr lang="zh-CN" altLang="en-US" sz="2400">
-                <a:latin typeface="+mj-ea"/>
-                <a:ea typeface="+mj-ea"/>
-                <a:cs typeface="+mj-ea"/>
-              </a:rPr>
-              <a:t>。毕业后回到南昌。</a:t>
+              <a:t>强的公司，主要负责苹果手机、电脑的生产和维修。在这里我相对还算幸运的，至少不必长期工作在生产一线，负责的主要是生产系统数据的处理和维护，新增需求的程式测试。毕业后回到南昌。</a:t>
             </a:r>
             <a:r>
               <a:rPr lang="en-US" altLang="zh-CN" sz="2400">
@@ -25119,11 +24694,6 @@
               </a:rPr>
               <a:t>，遇到这个大家庭就是我的机会（大家同意还是不同意啊）。在这里我看到了一个努力、积极向上的团队，大家一起学习一起进步，朝着一个共同的目标在奋斗。在这里大家互帮互助，这是在很多传统行业都很缺少的。</a:t>
             </a:r>
-            <a:endParaRPr lang="zh-CN" altLang="en-US" sz="2400">
-              <a:latin typeface="+mj-ea"/>
-              <a:ea typeface="+mj-ea"/>
-              <a:cs typeface="+mj-ea"/>
-            </a:endParaRPr>
           </a:p>
         </p:txBody>
       </p:sp>
@@ -25208,14 +24778,6 @@
               </a:rPr>
               <a:t>我的葆婴故事</a:t>
             </a:r>
-            <a:endParaRPr lang="zh-CN" altLang="en-US" sz="6000" b="1" dirty="0">
-              <a:solidFill>
-                <a:schemeClr val="accent1"/>
-              </a:solidFill>
-              <a:latin typeface="Arial" panose="020B0604020202020204" pitchFamily="34" charset="0"/>
-              <a:ea typeface="微软雅黑" panose="020B0503020204020204" pitchFamily="34" charset="-122"/>
-              <a:sym typeface="Arial" panose="020B0604020202020204" pitchFamily="34" charset="0"/>
-            </a:endParaRPr>
           </a:p>
         </p:txBody>
       </p:sp>
@@ -25338,12 +24900,12 @@
   </p:clrMapOvr>
   <mc:AlternateContent xmlns:mc="http://schemas.openxmlformats.org/markup-compatibility/2006">
     <mc:Choice xmlns:p14="http://schemas.microsoft.com/office/powerpoint/2010/main" Requires="p14">
-      <p:transition spd="slow" p14:dur="1250" advTm="0">
+      <p:transition spd="slow" p14:dur="1250">
         <p14:flip dir="r"/>
       </p:transition>
     </mc:Choice>
     <mc:Fallback>
-      <p:transition spd="slow" advTm="0">
+      <p:transition spd="slow">
         <p:fade/>
       </p:transition>
     </mc:Fallback>
@@ -25690,16 +25252,6 @@
               </a:rPr>
               <a:t>我的葆婴故事</a:t>
             </a:r>
-            <a:endParaRPr lang="zh-CN" altLang="en-US" sz="3200" dirty="0">
-              <a:solidFill>
-                <a:schemeClr val="bg1">
-                  <a:lumMod val="65000"/>
-                </a:schemeClr>
-              </a:solidFill>
-              <a:latin typeface="Arial" panose="020B0604020202020204" pitchFamily="34" charset="0"/>
-              <a:ea typeface="微软雅黑" panose="020B0503020204020204" pitchFamily="34" charset="-122"/>
-              <a:sym typeface="Arial" panose="020B0604020202020204" pitchFamily="34" charset="0"/>
-            </a:endParaRPr>
           </a:p>
         </p:txBody>
       </p:sp>
@@ -25711,8 +25263,8 @@
         </p:nvSpPr>
         <p:spPr>
           <a:xfrm>
-            <a:off x="995680" y="1249045"/>
-            <a:ext cx="5041900" cy="368300"/>
+            <a:off x="824035" y="1249045"/>
+            <a:ext cx="10717908" cy="3894208"/>
           </a:xfrm>
           <a:prstGeom prst="rect">
             <a:avLst/>
@@ -25723,12 +25275,104 @@
           <a:bodyPr wrap="square" rtlCol="0">
             <a:spAutoFit/>
           </a:bodyPr>
-          <a:p>
-            <a:r>
-              <a:rPr lang="zh-CN" altLang="en-US"/>
-              <a:t>去年五一开始</a:t>
-            </a:r>
-            <a:endParaRPr lang="zh-CN" altLang="en-US"/>
+          <a:lstStyle/>
+          <a:p>
+            <a:pPr indent="457200">
+              <a:lnSpc>
+                <a:spcPct val="150000"/>
+              </a:lnSpc>
+            </a:pPr>
+            <a:r>
+              <a:rPr lang="zh-CN" altLang="en-US" sz="2800" dirty="0">
+                <a:latin typeface="微软雅黑" panose="020B0503020204020204" pitchFamily="34" charset="-122"/>
+                <a:ea typeface="微软雅黑" panose="020B0503020204020204" pitchFamily="34" charset="-122"/>
+              </a:rPr>
+              <a:t>最早是去年</a:t>
+            </a:r>
+            <a:r>
+              <a:rPr lang="en-US" altLang="zh-CN" sz="2800" dirty="0">
+                <a:latin typeface="微软雅黑" panose="020B0503020204020204" pitchFamily="34" charset="-122"/>
+                <a:ea typeface="微软雅黑" panose="020B0503020204020204" pitchFamily="34" charset="-122"/>
+              </a:rPr>
+              <a:t>4</a:t>
+            </a:r>
+            <a:r>
+              <a:rPr lang="zh-CN" altLang="en-US" sz="2800" dirty="0">
+                <a:latin typeface="微软雅黑" panose="020B0503020204020204" pitchFamily="34" charset="-122"/>
+                <a:ea typeface="微软雅黑" panose="020B0503020204020204" pitchFamily="34" charset="-122"/>
+              </a:rPr>
+              <a:t>、</a:t>
+            </a:r>
+            <a:r>
+              <a:rPr lang="en-US" altLang="zh-CN" sz="2800" dirty="0">
+                <a:latin typeface="微软雅黑" panose="020B0503020204020204" pitchFamily="34" charset="-122"/>
+                <a:ea typeface="微软雅黑" panose="020B0503020204020204" pitchFamily="34" charset="-122"/>
+              </a:rPr>
+              <a:t>5</a:t>
+            </a:r>
+            <a:r>
+              <a:rPr lang="zh-CN" altLang="en-US" sz="2800" dirty="0">
+                <a:latin typeface="微软雅黑" panose="020B0503020204020204" pitchFamily="34" charset="-122"/>
+                <a:ea typeface="微软雅黑" panose="020B0503020204020204" pitchFamily="34" charset="-122"/>
+              </a:rPr>
+              <a:t>月份开始有胃部餐前疼痛的情况</a:t>
+            </a:r>
+            <a:r>
+              <a:rPr lang="en-US" altLang="zh-CN" sz="2800" dirty="0">
+                <a:latin typeface="微软雅黑" panose="020B0503020204020204" pitchFamily="34" charset="-122"/>
+                <a:ea typeface="微软雅黑" panose="020B0503020204020204" pitchFamily="34" charset="-122"/>
+              </a:rPr>
+              <a:t>(</a:t>
+            </a:r>
+            <a:r>
+              <a:rPr lang="zh-CN" altLang="en-US" sz="2800" dirty="0">
+                <a:latin typeface="微软雅黑" panose="020B0503020204020204" pitchFamily="34" charset="-122"/>
+                <a:ea typeface="微软雅黑" panose="020B0503020204020204" pitchFamily="34" charset="-122"/>
+              </a:rPr>
+              <a:t>进食可缓解</a:t>
+            </a:r>
+            <a:r>
+              <a:rPr lang="en-US" altLang="zh-CN" sz="2800" dirty="0">
+                <a:latin typeface="微软雅黑" panose="020B0503020204020204" pitchFamily="34" charset="-122"/>
+                <a:ea typeface="微软雅黑" panose="020B0503020204020204" pitchFamily="34" charset="-122"/>
+              </a:rPr>
+              <a:t>)</a:t>
+            </a:r>
+            <a:r>
+              <a:rPr lang="zh-CN" altLang="en-US" sz="2800" dirty="0">
+                <a:latin typeface="微软雅黑" panose="020B0503020204020204" pitchFamily="34" charset="-122"/>
+                <a:ea typeface="微软雅黑" panose="020B0503020204020204" pitchFamily="34" charset="-122"/>
+              </a:rPr>
+              <a:t>，期间吃过医生开的相关胃药甚至做过肠镜，但是也没见好转。后面找了家诊所给开了</a:t>
+            </a:r>
+            <a:r>
+              <a:rPr lang="en-US" altLang="zh-CN" sz="2800" dirty="0">
+                <a:latin typeface="微软雅黑" panose="020B0503020204020204" pitchFamily="34" charset="-122"/>
+                <a:ea typeface="微软雅黑" panose="020B0503020204020204" pitchFamily="34" charset="-122"/>
+              </a:rPr>
+              <a:t>2</a:t>
+            </a:r>
+            <a:r>
+              <a:rPr lang="zh-CN" altLang="en-US" sz="2800" dirty="0">
+                <a:latin typeface="微软雅黑" panose="020B0503020204020204" pitchFamily="34" charset="-122"/>
+                <a:ea typeface="微软雅黑" panose="020B0503020204020204" pitchFamily="34" charset="-122"/>
+              </a:rPr>
+              <a:t>副药倒是见效特快，再之后一直持续了一年多都没有再复发了。今年</a:t>
+            </a:r>
+            <a:r>
+              <a:rPr lang="en-US" altLang="zh-CN" sz="2800" dirty="0">
+                <a:latin typeface="微软雅黑" panose="020B0503020204020204" pitchFamily="34" charset="-122"/>
+                <a:ea typeface="微软雅黑" panose="020B0503020204020204" pitchFamily="34" charset="-122"/>
+              </a:rPr>
+              <a:t>9</a:t>
+            </a:r>
+            <a:r>
+              <a:rPr lang="zh-CN" altLang="en-US" sz="2800" dirty="0">
+                <a:latin typeface="微软雅黑" panose="020B0503020204020204" pitchFamily="34" charset="-122"/>
+                <a:ea typeface="微软雅黑" panose="020B0503020204020204" pitchFamily="34" charset="-122"/>
+              </a:rPr>
+              <a:t>月底又开始是同样的症状，然后在朋友的推荐下开始尝试吃葆婴蛋白粉，刚开始也只是源于对朋友的信任尝试着看是否能有所好转，吃了一段时间后明显好了很多。</a:t>
+            </a:r>
           </a:p>
         </p:txBody>
       </p:sp>
@@ -25739,23 +25383,16 @@
   </p:clrMapOvr>
   <mc:AlternateContent xmlns:mc="http://schemas.openxmlformats.org/markup-compatibility/2006">
     <mc:Choice xmlns:p14="http://schemas.microsoft.com/office/powerpoint/2010/main" Requires="p14">
-      <p:transition spd="slow" p14:dur="1600" advTm="0">
+      <p:transition spd="slow" p14:dur="1600">
         <p14:gallery dir="l"/>
       </p:transition>
     </mc:Choice>
     <mc:Fallback>
-      <p:transition spd="slow" advTm="0">
+      <p:transition spd="slow">
         <p:fade/>
       </p:transition>
     </mc:Fallback>
   </mc:AlternateContent>
-  <p:timing>
-    <p:tnLst>
-      <p:par>
-        <p:cTn id="1" dur="indefinite" restart="never" nodeType="tmRoot"/>
-      </p:par>
-    </p:tnLst>
-  </p:timing>
 </p:sld>
 </file>
 
@@ -25832,14 +25469,6 @@
               </a:rPr>
               <a:t>葆婴事业优势</a:t>
             </a:r>
-            <a:endParaRPr lang="zh-CN" altLang="en-US" sz="6000" b="1" dirty="0">
-              <a:solidFill>
-                <a:schemeClr val="accent1"/>
-              </a:solidFill>
-              <a:latin typeface="Arial" panose="020B0604020202020204" pitchFamily="34" charset="0"/>
-              <a:ea typeface="微软雅黑" panose="020B0503020204020204" pitchFamily="34" charset="-122"/>
-              <a:sym typeface="Arial" panose="020B0604020202020204" pitchFamily="34" charset="0"/>
-            </a:endParaRPr>
           </a:p>
         </p:txBody>
       </p:sp>
@@ -25962,12 +25591,12 @@
   </p:clrMapOvr>
   <mc:AlternateContent xmlns:mc="http://schemas.openxmlformats.org/markup-compatibility/2006">
     <mc:Choice xmlns:p14="http://schemas.microsoft.com/office/powerpoint/2010/main" Requires="p14">
-      <p:transition spd="slow" p14:dur="1600" advTm="0">
+      <p:transition spd="slow" p14:dur="1600">
         <p14:gallery dir="l"/>
       </p:transition>
     </mc:Choice>
     <mc:Fallback>
-      <p:transition spd="slow" advTm="0">
+      <p:transition spd="slow">
         <p:fade/>
       </p:transition>
     </mc:Fallback>
@@ -25984,6 +25613,9 @@
                     <p:cTn id="3" fill="hold">
                       <p:stCondLst>
                         <p:cond delay="indefinite"/>
+                        <p:cond evt="onBegin" delay="0">
+                          <p:tn val="2"/>
+                        </p:cond>
                       </p:stCondLst>
                       <p:childTnLst>
                         <p:par>
@@ -25993,7 +25625,7 @@
                             </p:stCondLst>
                             <p:childTnLst>
                               <p:par>
-                                <p:cTn id="5" presetID="14" presetClass="entr" presetSubtype="10" fill="hold" grpId="0" nodeType="clickEffect">
+                                <p:cTn id="5" presetID="14" presetClass="entr" presetSubtype="10" fill="hold" grpId="0" nodeType="withEffect">
                                   <p:stCondLst>
                                     <p:cond delay="0"/>
                                   </p:stCondLst>
@@ -26027,26 +25659,8 @@
                                   </p:childTnLst>
                                 </p:cTn>
                               </p:par>
-                            </p:childTnLst>
-                          </p:cTn>
-                        </p:par>
-                      </p:childTnLst>
-                    </p:cTn>
-                  </p:par>
-                  <p:par>
-                    <p:cTn id="8" fill="hold">
-                      <p:stCondLst>
-                        <p:cond delay="indefinite"/>
-                      </p:stCondLst>
-                      <p:childTnLst>
-                        <p:par>
-                          <p:cTn id="9" fill="hold">
-                            <p:stCondLst>
-                              <p:cond delay="0"/>
-                            </p:stCondLst>
-                            <p:childTnLst>
                               <p:par>
-                                <p:cTn id="10" presetID="56" presetClass="entr" presetSubtype="0" fill="hold" grpId="0" nodeType="clickEffect">
+                                <p:cTn id="8" presetID="56" presetClass="entr" presetSubtype="0" fill="hold" grpId="0" nodeType="withEffect">
                                   <p:stCondLst>
                                     <p:cond delay="0"/>
                                   </p:stCondLst>
@@ -26056,7 +25670,7 @@
                                   <p:childTnLst>
                                     <p:set>
                                       <p:cBhvr>
-                                        <p:cTn id="11" dur="1" fill="hold">
+                                        <p:cTn id="9" dur="1" fill="hold">
                                           <p:stCondLst>
                                             <p:cond delay="0"/>
                                           </p:stCondLst>
@@ -26074,7 +25688,7 @@
                                     </p:set>
                                     <p:anim by="(-#ppt_w*2)" calcmode="lin" valueType="num">
                                       <p:cBhvr rctx="PPT">
-                                        <p:cTn id="12" dur="500" autoRev="1" fill="hold">
+                                        <p:cTn id="10" dur="500" autoRev="1" fill="hold">
                                           <p:stCondLst>
                                             <p:cond delay="0"/>
                                           </p:stCondLst>
@@ -26089,7 +25703,7 @@
                                     </p:anim>
                                     <p:anim by="(#ppt_w*0.50)" calcmode="lin" valueType="num">
                                       <p:cBhvr>
-                                        <p:cTn id="13" dur="500" decel="50000" autoRev="1" fill="hold">
+                                        <p:cTn id="11" dur="500" decel="50000" autoRev="1" fill="hold">
                                           <p:stCondLst>
                                             <p:cond delay="0"/>
                                           </p:stCondLst>
@@ -26104,7 +25718,7 @@
                                     </p:anim>
                                     <p:anim from="(-#ppt_h/2)" to="(#ppt_y)" calcmode="lin" valueType="num">
                                       <p:cBhvr>
-                                        <p:cTn id="14" dur="1000" fill="hold">
+                                        <p:cTn id="12" dur="1000" fill="hold">
                                           <p:stCondLst>
                                             <p:cond delay="0"/>
                                           </p:stCondLst>
@@ -26119,7 +25733,7 @@
                                     </p:anim>
                                     <p:animRot by="21600000">
                                       <p:cBhvr>
-                                        <p:cTn id="15" dur="1000" fill="hold">
+                                        <p:cTn id="13" dur="1000" fill="hold">
                                           <p:stCondLst>
                                             <p:cond delay="0"/>
                                           </p:stCondLst>
@@ -26135,33 +25749,15 @@
                                   </p:childTnLst>
                                 </p:cTn>
                               </p:par>
-                            </p:childTnLst>
-                          </p:cTn>
-                        </p:par>
-                      </p:childTnLst>
-                    </p:cTn>
-                  </p:par>
-                  <p:par>
-                    <p:cTn id="16" fill="hold">
-                      <p:stCondLst>
-                        <p:cond delay="indefinite"/>
-                      </p:stCondLst>
-                      <p:childTnLst>
-                        <p:par>
-                          <p:cTn id="17" fill="hold">
-                            <p:stCondLst>
-                              <p:cond delay="0"/>
-                            </p:stCondLst>
-                            <p:childTnLst>
                               <p:par>
-                                <p:cTn id="18" presetID="2" presetClass="entr" presetSubtype="8" fill="hold" grpId="0" nodeType="clickEffect">
+                                <p:cTn id="14" presetID="2" presetClass="entr" presetSubtype="8" fill="hold" grpId="0" nodeType="withEffect">
                                   <p:stCondLst>
                                     <p:cond delay="0"/>
                                   </p:stCondLst>
                                   <p:childTnLst>
                                     <p:set>
                                       <p:cBhvr>
-                                        <p:cTn id="19" dur="1" fill="hold">
+                                        <p:cTn id="15" dur="1" fill="hold">
                                           <p:stCondLst>
                                             <p:cond delay="0"/>
                                           </p:stCondLst>
@@ -26179,7 +25775,7 @@
                                     </p:set>
                                     <p:anim calcmode="lin" valueType="num">
                                       <p:cBhvr additive="base">
-                                        <p:cTn id="20" dur="500" fill="hold"/>
+                                        <p:cTn id="16" dur="500" fill="hold"/>
                                         <p:tgtEl>
                                           <p:spTgt spid="5125"/>
                                         </p:tgtEl>
@@ -26202,7 +25798,7 @@
                                     </p:anim>
                                     <p:anim calcmode="lin" valueType="num">
                                       <p:cBhvr additive="base">
-                                        <p:cTn id="21" dur="500" fill="hold"/>
+                                        <p:cTn id="17" dur="500" fill="hold"/>
                                         <p:tgtEl>
                                           <p:spTgt spid="5125"/>
                                         </p:tgtEl>
@@ -26263,7 +25859,22 @@
 </file>
 
 <file path=ppt/tags/tag1.xml><?xml version="1.0" encoding="utf-8"?>
-<p:tagLst xmlns:p="http://schemas.openxmlformats.org/presentationml/2006/main">
+<p:tagLst xmlns:a="http://schemas.openxmlformats.org/drawingml/2006/main" xmlns:r="http://schemas.openxmlformats.org/officeDocument/2006/relationships" xmlns:p="http://schemas.openxmlformats.org/presentationml/2006/main">
+  <p:tag name="KSO_WM_UNIT_HIGHLIGHT" val="0"/>
+  <p:tag name="KSO_WM_UNIT_COMPATIBLE" val="0"/>
+  <p:tag name="KSO_WM_UNIT_DIAGRAM_ISNUMVISUAL" val="0"/>
+  <p:tag name="KSO_WM_UNIT_DIAGRAM_ISREFERUNIT" val="0"/>
+  <p:tag name="KSO_WM_UNIT_ID" val="_0**"/>
+  <p:tag name="KSO_WM_UNIT_LAYERLEVEL" val="1"/>
+  <p:tag name="KSO_WM_TAG_VERSION" val="1.0"/>
+  <p:tag name="KSO_WM_BEAUTIFY_FLAG" val="#wm#"/>
+  <p:tag name="KSO_WM_TEMPLATE_CATEGORY" val="custom"/>
+  <p:tag name="KSO_WM_TEMPLATE_INDEX" val="20203902"/>
+</p:tagLst>
+</file>
+
+<file path=ppt/tags/tag10.xml><?xml version="1.0" encoding="utf-8"?>
+<p:tagLst xmlns:a="http://schemas.openxmlformats.org/drawingml/2006/main" xmlns:r="http://schemas.openxmlformats.org/officeDocument/2006/relationships" xmlns:p="http://schemas.openxmlformats.org/presentationml/2006/main">
   <p:tag name="KSO_WM_UNIT_HIGHLIGHT" val="0"/>
   <p:tag name="KSO_WM_UNIT_COMPATIBLE" val="0"/>
   <p:tag name="KSO_WM_UNIT_DIAGRAM_ISNUMVISUAL" val="0"/>
@@ -26276,81 +25887,72 @@
 </p:tagLst>
 </file>
 
-<file path=ppt/tags/tag10.xml><?xml version="1.0" encoding="utf-8"?>
-<p:tagLst xmlns:p="http://schemas.openxmlformats.org/presentationml/2006/main">
+<file path=ppt/tags/tag100.xml><?xml version="1.0" encoding="utf-8"?>
+<p:tagLst xmlns:a="http://schemas.openxmlformats.org/drawingml/2006/main" xmlns:r="http://schemas.openxmlformats.org/officeDocument/2006/relationships" xmlns:p="http://schemas.openxmlformats.org/presentationml/2006/main">
   <p:tag name="KSO_WM_UNIT_HIGHLIGHT" val="0"/>
   <p:tag name="KSO_WM_UNIT_COMPATIBLE" val="0"/>
   <p:tag name="KSO_WM_UNIT_DIAGRAM_ISNUMVISUAL" val="0"/>
   <p:tag name="KSO_WM_UNIT_DIAGRAM_ISREFERUNIT" val="0"/>
-  <p:tag name="KSO_WM_UNIT_ID" val="_2**"/>
+  <p:tag name="KSO_WM_UNIT_ID" val="_15**"/>
   <p:tag name="KSO_WM_UNIT_LAYERLEVEL" val="1"/>
   <p:tag name="KSO_WM_TAG_VERSION" val="1.0"/>
   <p:tag name="KSO_WM_BEAUTIFY_FLAG" val="#wm#"/>
-</p:tagLst>
-</file>
-
-<file path=ppt/tags/tag100.xml><?xml version="1.0" encoding="utf-8"?>
-<p:tagLst xmlns:p="http://schemas.openxmlformats.org/presentationml/2006/main">
-  <p:tag name="KSO_WM_UNIT_HIGHLIGHT" val="0"/>
-  <p:tag name="KSO_WM_UNIT_COMPATIBLE" val="0"/>
-  <p:tag name="KSO_WM_UNIT_DIAGRAM_ISNUMVISUAL" val="0"/>
-  <p:tag name="KSO_WM_UNIT_DIAGRAM_ISREFERUNIT" val="0"/>
-  <p:tag name="KSO_WM_UNIT_ID" val="_16**"/>
-  <p:tag name="KSO_WM_UNIT_LAYERLEVEL" val="1"/>
-  <p:tag name="KSO_WM_TAG_VERSION" val="1.0"/>
-  <p:tag name="KSO_WM_BEAUTIFY_FLAG" val="#wm#"/>
-  <p:tag name="KSO_WM_SLIDE_BACKGROUND_TYPE" val="bottomTop"/>
+  <p:tag name="KSO_WM_SLIDE_BACKGROUND_TYPE" val="topBottom"/>
   <p:tag name="KSO_WM_SLIDE_BK_DARK_LIGHT" val="2"/>
 </p:tagLst>
 </file>
 
 <file path=ppt/tags/tag101.xml><?xml version="1.0" encoding="utf-8"?>
-<p:tagLst xmlns:p="http://schemas.openxmlformats.org/presentationml/2006/main">
+<p:tagLst xmlns:a="http://schemas.openxmlformats.org/drawingml/2006/main" xmlns:r="http://schemas.openxmlformats.org/officeDocument/2006/relationships" xmlns:p="http://schemas.openxmlformats.org/presentationml/2006/main">
   <p:tag name="KSO_WM_UNIT_HIGHLIGHT" val="0"/>
   <p:tag name="KSO_WM_UNIT_COMPATIBLE" val="0"/>
   <p:tag name="KSO_WM_UNIT_DIAGRAM_ISNUMVISUAL" val="0"/>
   <p:tag name="KSO_WM_UNIT_DIAGRAM_ISREFERUNIT" val="0"/>
-  <p:tag name="KSO_WM_UNIT_ID" val="_16**"/>
+  <p:tag name="KSO_WM_UNIT_ID" val="_15**"/>
   <p:tag name="KSO_WM_UNIT_LAYERLEVEL" val="1"/>
   <p:tag name="KSO_WM_TAG_VERSION" val="1.0"/>
   <p:tag name="KSO_WM_BEAUTIFY_FLAG" val="#wm#"/>
-  <p:tag name="KSO_WM_SLIDE_BACKGROUND_TYPE" val="bottomTop"/>
+  <p:tag name="KSO_WM_SLIDE_BACKGROUND_TYPE" val="topBottom"/>
   <p:tag name="KSO_WM_SLIDE_BK_DARK_LIGHT" val="2"/>
 </p:tagLst>
 </file>
 
 <file path=ppt/tags/tag102.xml><?xml version="1.0" encoding="utf-8"?>
-<p:tagLst xmlns:p="http://schemas.openxmlformats.org/presentationml/2006/main">
+<p:tagLst xmlns:a="http://schemas.openxmlformats.org/drawingml/2006/main" xmlns:r="http://schemas.openxmlformats.org/officeDocument/2006/relationships" xmlns:p="http://schemas.openxmlformats.org/presentationml/2006/main">
   <p:tag name="KSO_WM_UNIT_HIGHLIGHT" val="0"/>
   <p:tag name="KSO_WM_UNIT_COMPATIBLE" val="0"/>
   <p:tag name="KSO_WM_UNIT_DIAGRAM_ISNUMVISUAL" val="0"/>
   <p:tag name="KSO_WM_UNIT_DIAGRAM_ISREFERUNIT" val="0"/>
-  <p:tag name="KSO_WM_UNIT_ID" val="_16**"/>
+  <p:tag name="KSO_WM_UNIT_ID" val="_15**"/>
   <p:tag name="KSO_WM_UNIT_LAYERLEVEL" val="1"/>
   <p:tag name="KSO_WM_TAG_VERSION" val="1.0"/>
   <p:tag name="KSO_WM_BEAUTIFY_FLAG" val="#wm#"/>
-  <p:tag name="KSO_WM_SLIDE_BACKGROUND_TYPE" val="bottomTop"/>
+  <p:tag name="KSO_WM_SLIDE_BACKGROUND_TYPE" val="topBottom"/>
   <p:tag name="KSO_WM_SLIDE_BK_DARK_LIGHT" val="2"/>
 </p:tagLst>
 </file>
 
 <file path=ppt/tags/tag103.xml><?xml version="1.0" encoding="utf-8"?>
-<p:tagLst xmlns:p="http://schemas.openxmlformats.org/presentationml/2006/main">
+<p:tagLst xmlns:a="http://schemas.openxmlformats.org/drawingml/2006/main" xmlns:r="http://schemas.openxmlformats.org/officeDocument/2006/relationships" xmlns:p="http://schemas.openxmlformats.org/presentationml/2006/main">
   <p:tag name="KSO_WM_UNIT_HIGHLIGHT" val="0"/>
   <p:tag name="KSO_WM_UNIT_COMPATIBLE" val="0"/>
   <p:tag name="KSO_WM_UNIT_DIAGRAM_ISNUMVISUAL" val="0"/>
   <p:tag name="KSO_WM_UNIT_DIAGRAM_ISREFERUNIT" val="0"/>
-  <p:tag name="KSO_WM_UNIT_ID" val="_16**"/>
+  <p:tag name="KSO_WM_UNIT_ID" val="_16*i*1"/>
   <p:tag name="KSO_WM_UNIT_LAYERLEVEL" val="1"/>
   <p:tag name="KSO_WM_TAG_VERSION" val="1.0"/>
   <p:tag name="KSO_WM_BEAUTIFY_FLAG" val="#wm#"/>
+  <p:tag name="KSO_WM_UNIT_TYPE" val="i"/>
+  <p:tag name="KSO_WM_UNIT_INDEX" val="1"/>
+  <p:tag name="KSO_WM_UNIT_SUBTYPE" val="h"/>
   <p:tag name="KSO_WM_SLIDE_BACKGROUND_TYPE" val="bottomTop"/>
   <p:tag name="KSO_WM_SLIDE_BK_DARK_LIGHT" val="2"/>
+  <p:tag name="KSO_WM_UNIT_BK_DARK_LIGHT" val="2"/>
 </p:tagLst>
 </file>
 
 <file path=ppt/tags/tag104.xml><?xml version="1.0" encoding="utf-8"?>
-<p:tagLst xmlns:p="http://schemas.openxmlformats.org/presentationml/2006/main">
+<p:tagLst xmlns:a="http://schemas.openxmlformats.org/drawingml/2006/main" xmlns:r="http://schemas.openxmlformats.org/officeDocument/2006/relationships" xmlns:p="http://schemas.openxmlformats.org/presentationml/2006/main">
   <p:tag name="KSO_WM_UNIT_HIGHLIGHT" val="0"/>
   <p:tag name="KSO_WM_UNIT_COMPATIBLE" val="0"/>
   <p:tag name="KSO_WM_UNIT_DIAGRAM_ISNUMVISUAL" val="0"/>
@@ -26365,7 +25967,7 @@
 </file>
 
 <file path=ppt/tags/tag105.xml><?xml version="1.0" encoding="utf-8"?>
-<p:tagLst xmlns:p="http://schemas.openxmlformats.org/presentationml/2006/main">
+<p:tagLst xmlns:a="http://schemas.openxmlformats.org/drawingml/2006/main" xmlns:r="http://schemas.openxmlformats.org/officeDocument/2006/relationships" xmlns:p="http://schemas.openxmlformats.org/presentationml/2006/main">
   <p:tag name="KSO_WM_UNIT_HIGHLIGHT" val="0"/>
   <p:tag name="KSO_WM_UNIT_COMPATIBLE" val="0"/>
   <p:tag name="KSO_WM_UNIT_DIAGRAM_ISNUMVISUAL" val="0"/>
@@ -26380,7 +25982,7 @@
 </file>
 
 <file path=ppt/tags/tag106.xml><?xml version="1.0" encoding="utf-8"?>
-<p:tagLst xmlns:p="http://schemas.openxmlformats.org/presentationml/2006/main">
+<p:tagLst xmlns:a="http://schemas.openxmlformats.org/drawingml/2006/main" xmlns:r="http://schemas.openxmlformats.org/officeDocument/2006/relationships" xmlns:p="http://schemas.openxmlformats.org/presentationml/2006/main">
   <p:tag name="KSO_WM_UNIT_HIGHLIGHT" val="0"/>
   <p:tag name="KSO_WM_UNIT_COMPATIBLE" val="0"/>
   <p:tag name="KSO_WM_UNIT_DIAGRAM_ISNUMVISUAL" val="0"/>
@@ -26395,7 +25997,111 @@
 </file>
 
 <file path=ppt/tags/tag107.xml><?xml version="1.0" encoding="utf-8"?>
-<p:tagLst xmlns:p="http://schemas.openxmlformats.org/presentationml/2006/main">
+<p:tagLst xmlns:a="http://schemas.openxmlformats.org/drawingml/2006/main" xmlns:r="http://schemas.openxmlformats.org/officeDocument/2006/relationships" xmlns:p="http://schemas.openxmlformats.org/presentationml/2006/main">
+  <p:tag name="KSO_WM_UNIT_HIGHLIGHT" val="0"/>
+  <p:tag name="KSO_WM_UNIT_COMPATIBLE" val="0"/>
+  <p:tag name="KSO_WM_UNIT_DIAGRAM_ISNUMVISUAL" val="0"/>
+  <p:tag name="KSO_WM_UNIT_DIAGRAM_ISREFERUNIT" val="0"/>
+  <p:tag name="KSO_WM_UNIT_ID" val="_16**"/>
+  <p:tag name="KSO_WM_UNIT_LAYERLEVEL" val="1"/>
+  <p:tag name="KSO_WM_TAG_VERSION" val="1.0"/>
+  <p:tag name="KSO_WM_BEAUTIFY_FLAG" val="#wm#"/>
+  <p:tag name="KSO_WM_SLIDE_BACKGROUND_TYPE" val="bottomTop"/>
+  <p:tag name="KSO_WM_SLIDE_BK_DARK_LIGHT" val="2"/>
+</p:tagLst>
+</file>
+
+<file path=ppt/tags/tag108.xml><?xml version="1.0" encoding="utf-8"?>
+<p:tagLst xmlns:a="http://schemas.openxmlformats.org/drawingml/2006/main" xmlns:r="http://schemas.openxmlformats.org/officeDocument/2006/relationships" xmlns:p="http://schemas.openxmlformats.org/presentationml/2006/main">
+  <p:tag name="KSO_WM_UNIT_HIGHLIGHT" val="0"/>
+  <p:tag name="KSO_WM_UNIT_COMPATIBLE" val="0"/>
+  <p:tag name="KSO_WM_UNIT_DIAGRAM_ISNUMVISUAL" val="0"/>
+  <p:tag name="KSO_WM_UNIT_DIAGRAM_ISREFERUNIT" val="0"/>
+  <p:tag name="KSO_WM_UNIT_ID" val="_16**"/>
+  <p:tag name="KSO_WM_UNIT_LAYERLEVEL" val="1"/>
+  <p:tag name="KSO_WM_TAG_VERSION" val="1.0"/>
+  <p:tag name="KSO_WM_BEAUTIFY_FLAG" val="#wm#"/>
+  <p:tag name="KSO_WM_SLIDE_BACKGROUND_TYPE" val="bottomTop"/>
+  <p:tag name="KSO_WM_SLIDE_BK_DARK_LIGHT" val="2"/>
+</p:tagLst>
+</file>
+
+<file path=ppt/tags/tag109.xml><?xml version="1.0" encoding="utf-8"?>
+<p:tagLst xmlns:a="http://schemas.openxmlformats.org/drawingml/2006/main" xmlns:r="http://schemas.openxmlformats.org/officeDocument/2006/relationships" xmlns:p="http://schemas.openxmlformats.org/presentationml/2006/main">
+  <p:tag name="KSO_WM_UNIT_HIGHLIGHT" val="0"/>
+  <p:tag name="KSO_WM_UNIT_COMPATIBLE" val="0"/>
+  <p:tag name="KSO_WM_UNIT_DIAGRAM_ISNUMVISUAL" val="0"/>
+  <p:tag name="KSO_WM_UNIT_DIAGRAM_ISREFERUNIT" val="0"/>
+  <p:tag name="KSO_WM_UNIT_ID" val="_16**"/>
+  <p:tag name="KSO_WM_UNIT_LAYERLEVEL" val="1"/>
+  <p:tag name="KSO_WM_TAG_VERSION" val="1.0"/>
+  <p:tag name="KSO_WM_BEAUTIFY_FLAG" val="#wm#"/>
+  <p:tag name="KSO_WM_SLIDE_BACKGROUND_TYPE" val="bottomTop"/>
+  <p:tag name="KSO_WM_SLIDE_BK_DARK_LIGHT" val="2"/>
+</p:tagLst>
+</file>
+
+<file path=ppt/tags/tag11.xml><?xml version="1.0" encoding="utf-8"?>
+<p:tagLst xmlns:a="http://schemas.openxmlformats.org/drawingml/2006/main" xmlns:r="http://schemas.openxmlformats.org/officeDocument/2006/relationships" xmlns:p="http://schemas.openxmlformats.org/presentationml/2006/main">
+  <p:tag name="KSO_WM_UNIT_HIGHLIGHT" val="0"/>
+  <p:tag name="KSO_WM_UNIT_COMPATIBLE" val="0"/>
+  <p:tag name="KSO_WM_UNIT_DIAGRAM_ISNUMVISUAL" val="0"/>
+  <p:tag name="KSO_WM_UNIT_DIAGRAM_ISREFERUNIT" val="0"/>
+  <p:tag name="KSO_WM_UNIT_ID" val="_1**"/>
+  <p:tag name="KSO_WM_UNIT_LAYERLEVEL" val="1"/>
+  <p:tag name="KSO_WM_TAG_VERSION" val="1.0"/>
+  <p:tag name="KSO_WM_BEAUTIFY_FLAG" val="#wm#"/>
+  <p:tag name="KSO_WM_SLIDE_BACKGROUND_MASK_FLAG" val="1"/>
+</p:tagLst>
+</file>
+
+<file path=ppt/tags/tag110.xml><?xml version="1.0" encoding="utf-8"?>
+<p:tagLst xmlns:a="http://schemas.openxmlformats.org/drawingml/2006/main" xmlns:r="http://schemas.openxmlformats.org/officeDocument/2006/relationships" xmlns:p="http://schemas.openxmlformats.org/presentationml/2006/main">
+  <p:tag name="KSO_WM_UNIT_HIGHLIGHT" val="0"/>
+  <p:tag name="KSO_WM_UNIT_COMPATIBLE" val="0"/>
+  <p:tag name="KSO_WM_UNIT_DIAGRAM_ISNUMVISUAL" val="0"/>
+  <p:tag name="KSO_WM_UNIT_DIAGRAM_ISREFERUNIT" val="0"/>
+  <p:tag name="KSO_WM_UNIT_ID" val="_16**"/>
+  <p:tag name="KSO_WM_UNIT_LAYERLEVEL" val="1"/>
+  <p:tag name="KSO_WM_TAG_VERSION" val="1.0"/>
+  <p:tag name="KSO_WM_BEAUTIFY_FLAG" val="#wm#"/>
+  <p:tag name="KSO_WM_SLIDE_BACKGROUND_TYPE" val="bottomTop"/>
+  <p:tag name="KSO_WM_SLIDE_BK_DARK_LIGHT" val="2"/>
+</p:tagLst>
+</file>
+
+<file path=ppt/tags/tag111.xml><?xml version="1.0" encoding="utf-8"?>
+<p:tagLst xmlns:a="http://schemas.openxmlformats.org/drawingml/2006/main" xmlns:r="http://schemas.openxmlformats.org/officeDocument/2006/relationships" xmlns:p="http://schemas.openxmlformats.org/presentationml/2006/main">
+  <p:tag name="KSO_WM_UNIT_HIGHLIGHT" val="0"/>
+  <p:tag name="KSO_WM_UNIT_COMPATIBLE" val="0"/>
+  <p:tag name="KSO_WM_UNIT_DIAGRAM_ISNUMVISUAL" val="0"/>
+  <p:tag name="KSO_WM_UNIT_DIAGRAM_ISREFERUNIT" val="0"/>
+  <p:tag name="KSO_WM_UNIT_ID" val="_16**"/>
+  <p:tag name="KSO_WM_UNIT_LAYERLEVEL" val="1"/>
+  <p:tag name="KSO_WM_TAG_VERSION" val="1.0"/>
+  <p:tag name="KSO_WM_BEAUTIFY_FLAG" val="#wm#"/>
+  <p:tag name="KSO_WM_SLIDE_BACKGROUND_TYPE" val="bottomTop"/>
+  <p:tag name="KSO_WM_SLIDE_BK_DARK_LIGHT" val="2"/>
+</p:tagLst>
+</file>
+
+<file path=ppt/tags/tag112.xml><?xml version="1.0" encoding="utf-8"?>
+<p:tagLst xmlns:a="http://schemas.openxmlformats.org/drawingml/2006/main" xmlns:r="http://schemas.openxmlformats.org/officeDocument/2006/relationships" xmlns:p="http://schemas.openxmlformats.org/presentationml/2006/main">
+  <p:tag name="KSO_WM_UNIT_HIGHLIGHT" val="0"/>
+  <p:tag name="KSO_WM_UNIT_COMPATIBLE" val="0"/>
+  <p:tag name="KSO_WM_UNIT_DIAGRAM_ISNUMVISUAL" val="0"/>
+  <p:tag name="KSO_WM_UNIT_DIAGRAM_ISREFERUNIT" val="0"/>
+  <p:tag name="KSO_WM_UNIT_ID" val="_16**"/>
+  <p:tag name="KSO_WM_UNIT_LAYERLEVEL" val="1"/>
+  <p:tag name="KSO_WM_TAG_VERSION" val="1.0"/>
+  <p:tag name="KSO_WM_BEAUTIFY_FLAG" val="#wm#"/>
+  <p:tag name="KSO_WM_SLIDE_BACKGROUND_TYPE" val="bottomTop"/>
+  <p:tag name="KSO_WM_SLIDE_BK_DARK_LIGHT" val="2"/>
+</p:tagLst>
+</file>
+
+<file path=ppt/tags/tag113.xml><?xml version="1.0" encoding="utf-8"?>
+<p:tagLst xmlns:a="http://schemas.openxmlformats.org/drawingml/2006/main" xmlns:r="http://schemas.openxmlformats.org/officeDocument/2006/relationships" xmlns:p="http://schemas.openxmlformats.org/presentationml/2006/main">
   <p:tag name="KSO_WM_UNIT_HIGHLIGHT" val="0"/>
   <p:tag name="KSO_WM_UNIT_COMPATIBLE" val="0"/>
   <p:tag name="KSO_WM_UNIT_DIAGRAM_ISNUMVISUAL" val="0"/>
@@ -26413,111 +26119,8 @@
 </p:tagLst>
 </file>
 
-<file path=ppt/tags/tag108.xml><?xml version="1.0" encoding="utf-8"?>
-<p:tagLst xmlns:p="http://schemas.openxmlformats.org/presentationml/2006/main">
-  <p:tag name="KSO_WM_UNIT_HIGHLIGHT" val="0"/>
-  <p:tag name="KSO_WM_UNIT_COMPATIBLE" val="0"/>
-  <p:tag name="KSO_WM_UNIT_DIAGRAM_ISNUMVISUAL" val="0"/>
-  <p:tag name="KSO_WM_UNIT_DIAGRAM_ISREFERUNIT" val="0"/>
-  <p:tag name="KSO_WM_UNIT_ID" val="_17**"/>
-  <p:tag name="KSO_WM_UNIT_LAYERLEVEL" val="1"/>
-  <p:tag name="KSO_WM_TAG_VERSION" val="1.0"/>
-  <p:tag name="KSO_WM_BEAUTIFY_FLAG" val="#wm#"/>
-  <p:tag name="KSO_WM_SLIDE_BACKGROUND_TYPE" val="navigation"/>
-  <p:tag name="KSO_WM_SLIDE_BK_DARK_LIGHT" val="2"/>
-</p:tagLst>
-</file>
-
-<file path=ppt/tags/tag109.xml><?xml version="1.0" encoding="utf-8"?>
-<p:tagLst xmlns:p="http://schemas.openxmlformats.org/presentationml/2006/main">
-  <p:tag name="KSO_WM_UNIT_HIGHLIGHT" val="0"/>
-  <p:tag name="KSO_WM_UNIT_COMPATIBLE" val="0"/>
-  <p:tag name="KSO_WM_UNIT_DIAGRAM_ISNUMVISUAL" val="0"/>
-  <p:tag name="KSO_WM_UNIT_DIAGRAM_ISREFERUNIT" val="0"/>
-  <p:tag name="KSO_WM_UNIT_ID" val="_17**"/>
-  <p:tag name="KSO_WM_UNIT_LAYERLEVEL" val="1"/>
-  <p:tag name="KSO_WM_TAG_VERSION" val="1.0"/>
-  <p:tag name="KSO_WM_BEAUTIFY_FLAG" val="#wm#"/>
-  <p:tag name="KSO_WM_SLIDE_BACKGROUND_TYPE" val="navigation"/>
-  <p:tag name="KSO_WM_SLIDE_BK_DARK_LIGHT" val="2"/>
-</p:tagLst>
-</file>
-
-<file path=ppt/tags/tag11.xml><?xml version="1.0" encoding="utf-8"?>
-<p:tagLst xmlns:p="http://schemas.openxmlformats.org/presentationml/2006/main">
-  <p:tag name="KSO_WM_UNIT_HIGHLIGHT" val="0"/>
-  <p:tag name="KSO_WM_UNIT_COMPATIBLE" val="0"/>
-  <p:tag name="KSO_WM_UNIT_DIAGRAM_ISNUMVISUAL" val="0"/>
-  <p:tag name="KSO_WM_UNIT_DIAGRAM_ISREFERUNIT" val="0"/>
-  <p:tag name="KSO_WM_UNIT_ID" val="_2**"/>
-  <p:tag name="KSO_WM_UNIT_LAYERLEVEL" val="1"/>
-  <p:tag name="KSO_WM_TAG_VERSION" val="1.0"/>
-  <p:tag name="KSO_WM_BEAUTIFY_FLAG" val="#wm#"/>
-</p:tagLst>
-</file>
-
-<file path=ppt/tags/tag110.xml><?xml version="1.0" encoding="utf-8"?>
-<p:tagLst xmlns:p="http://schemas.openxmlformats.org/presentationml/2006/main">
-  <p:tag name="KSO_WM_UNIT_HIGHLIGHT" val="0"/>
-  <p:tag name="KSO_WM_UNIT_COMPATIBLE" val="0"/>
-  <p:tag name="KSO_WM_UNIT_DIAGRAM_ISNUMVISUAL" val="0"/>
-  <p:tag name="KSO_WM_UNIT_DIAGRAM_ISREFERUNIT" val="0"/>
-  <p:tag name="KSO_WM_UNIT_ID" val="_17**"/>
-  <p:tag name="KSO_WM_UNIT_LAYERLEVEL" val="1"/>
-  <p:tag name="KSO_WM_TAG_VERSION" val="1.0"/>
-  <p:tag name="KSO_WM_BEAUTIFY_FLAG" val="#wm#"/>
-  <p:tag name="KSO_WM_SLIDE_BACKGROUND_TYPE" val="navigation"/>
-  <p:tag name="KSO_WM_SLIDE_BK_DARK_LIGHT" val="2"/>
-</p:tagLst>
-</file>
-
-<file path=ppt/tags/tag111.xml><?xml version="1.0" encoding="utf-8"?>
-<p:tagLst xmlns:p="http://schemas.openxmlformats.org/presentationml/2006/main">
-  <p:tag name="KSO_WM_UNIT_HIGHLIGHT" val="0"/>
-  <p:tag name="KSO_WM_UNIT_COMPATIBLE" val="0"/>
-  <p:tag name="KSO_WM_UNIT_DIAGRAM_ISNUMVISUAL" val="0"/>
-  <p:tag name="KSO_WM_UNIT_DIAGRAM_ISREFERUNIT" val="0"/>
-  <p:tag name="KSO_WM_UNIT_ID" val="_17**"/>
-  <p:tag name="KSO_WM_UNIT_LAYERLEVEL" val="1"/>
-  <p:tag name="KSO_WM_TAG_VERSION" val="1.0"/>
-  <p:tag name="KSO_WM_BEAUTIFY_FLAG" val="#wm#"/>
-  <p:tag name="KSO_WM_SLIDE_BACKGROUND_TYPE" val="navigation"/>
-  <p:tag name="KSO_WM_SLIDE_BK_DARK_LIGHT" val="2"/>
-</p:tagLst>
-</file>
-
-<file path=ppt/tags/tag112.xml><?xml version="1.0" encoding="utf-8"?>
-<p:tagLst xmlns:p="http://schemas.openxmlformats.org/presentationml/2006/main">
-  <p:tag name="KSO_WM_UNIT_HIGHLIGHT" val="0"/>
-  <p:tag name="KSO_WM_UNIT_COMPATIBLE" val="0"/>
-  <p:tag name="KSO_WM_UNIT_DIAGRAM_ISNUMVISUAL" val="0"/>
-  <p:tag name="KSO_WM_UNIT_DIAGRAM_ISREFERUNIT" val="0"/>
-  <p:tag name="KSO_WM_UNIT_ID" val="_17**"/>
-  <p:tag name="KSO_WM_UNIT_LAYERLEVEL" val="1"/>
-  <p:tag name="KSO_WM_TAG_VERSION" val="1.0"/>
-  <p:tag name="KSO_WM_BEAUTIFY_FLAG" val="#wm#"/>
-  <p:tag name="KSO_WM_SLIDE_BACKGROUND_TYPE" val="navigation"/>
-  <p:tag name="KSO_WM_SLIDE_BK_DARK_LIGHT" val="2"/>
-</p:tagLst>
-</file>
-
-<file path=ppt/tags/tag113.xml><?xml version="1.0" encoding="utf-8"?>
-<p:tagLst xmlns:p="http://schemas.openxmlformats.org/presentationml/2006/main">
-  <p:tag name="KSO_WM_UNIT_HIGHLIGHT" val="0"/>
-  <p:tag name="KSO_WM_UNIT_COMPATIBLE" val="0"/>
-  <p:tag name="KSO_WM_UNIT_DIAGRAM_ISNUMVISUAL" val="0"/>
-  <p:tag name="KSO_WM_UNIT_DIAGRAM_ISREFERUNIT" val="0"/>
-  <p:tag name="KSO_WM_UNIT_ID" val="_17**"/>
-  <p:tag name="KSO_WM_UNIT_LAYERLEVEL" val="1"/>
-  <p:tag name="KSO_WM_TAG_VERSION" val="1.0"/>
-  <p:tag name="KSO_WM_BEAUTIFY_FLAG" val="#wm#"/>
-  <p:tag name="KSO_WM_SLIDE_BACKGROUND_TYPE" val="navigation"/>
-  <p:tag name="KSO_WM_SLIDE_BK_DARK_LIGHT" val="2"/>
-</p:tagLst>
-</file>
-
 <file path=ppt/tags/tag114.xml><?xml version="1.0" encoding="utf-8"?>
-<p:tagLst xmlns:p="http://schemas.openxmlformats.org/presentationml/2006/main">
+<p:tagLst xmlns:a="http://schemas.openxmlformats.org/drawingml/2006/main" xmlns:r="http://schemas.openxmlformats.org/officeDocument/2006/relationships" xmlns:p="http://schemas.openxmlformats.org/presentationml/2006/main">
   <p:tag name="KSO_WM_UNIT_HIGHLIGHT" val="0"/>
   <p:tag name="KSO_WM_UNIT_COMPATIBLE" val="0"/>
   <p:tag name="KSO_WM_UNIT_DIAGRAM_ISNUMVISUAL" val="0"/>
@@ -26532,7 +26135,7 @@
 </file>
 
 <file path=ppt/tags/tag115.xml><?xml version="1.0" encoding="utf-8"?>
-<p:tagLst xmlns:p="http://schemas.openxmlformats.org/presentationml/2006/main">
+<p:tagLst xmlns:a="http://schemas.openxmlformats.org/drawingml/2006/main" xmlns:r="http://schemas.openxmlformats.org/officeDocument/2006/relationships" xmlns:p="http://schemas.openxmlformats.org/presentationml/2006/main">
   <p:tag name="KSO_WM_UNIT_HIGHLIGHT" val="0"/>
   <p:tag name="KSO_WM_UNIT_COMPATIBLE" val="0"/>
   <p:tag name="KSO_WM_UNIT_DIAGRAM_ISNUMVISUAL" val="0"/>
@@ -26547,7 +26150,7 @@
 </file>
 
 <file path=ppt/tags/tag116.xml><?xml version="1.0" encoding="utf-8"?>
-<p:tagLst xmlns:p="http://schemas.openxmlformats.org/presentationml/2006/main">
+<p:tagLst xmlns:a="http://schemas.openxmlformats.org/drawingml/2006/main" xmlns:r="http://schemas.openxmlformats.org/officeDocument/2006/relationships" xmlns:p="http://schemas.openxmlformats.org/presentationml/2006/main">
   <p:tag name="KSO_WM_UNIT_HIGHLIGHT" val="0"/>
   <p:tag name="KSO_WM_UNIT_COMPATIBLE" val="0"/>
   <p:tag name="KSO_WM_UNIT_DIAGRAM_ISNUMVISUAL" val="0"/>
@@ -26562,7 +26165,7 @@
 </file>
 
 <file path=ppt/tags/tag117.xml><?xml version="1.0" encoding="utf-8"?>
-<p:tagLst xmlns:p="http://schemas.openxmlformats.org/presentationml/2006/main">
+<p:tagLst xmlns:a="http://schemas.openxmlformats.org/drawingml/2006/main" xmlns:r="http://schemas.openxmlformats.org/officeDocument/2006/relationships" xmlns:p="http://schemas.openxmlformats.org/presentationml/2006/main">
   <p:tag name="KSO_WM_UNIT_HIGHLIGHT" val="0"/>
   <p:tag name="KSO_WM_UNIT_COMPATIBLE" val="0"/>
   <p:tag name="KSO_WM_UNIT_DIAGRAM_ISNUMVISUAL" val="0"/>
@@ -26577,7 +26180,7 @@
 </file>
 
 <file path=ppt/tags/tag118.xml><?xml version="1.0" encoding="utf-8"?>
-<p:tagLst xmlns:p="http://schemas.openxmlformats.org/presentationml/2006/main">
+<p:tagLst xmlns:a="http://schemas.openxmlformats.org/drawingml/2006/main" xmlns:r="http://schemas.openxmlformats.org/officeDocument/2006/relationships" xmlns:p="http://schemas.openxmlformats.org/presentationml/2006/main">
   <p:tag name="KSO_WM_UNIT_HIGHLIGHT" val="0"/>
   <p:tag name="KSO_WM_UNIT_COMPATIBLE" val="0"/>
   <p:tag name="KSO_WM_UNIT_DIAGRAM_ISNUMVISUAL" val="0"/>
@@ -26592,7 +26195,111 @@
 </file>
 
 <file path=ppt/tags/tag119.xml><?xml version="1.0" encoding="utf-8"?>
-<p:tagLst xmlns:p="http://schemas.openxmlformats.org/presentationml/2006/main">
+<p:tagLst xmlns:a="http://schemas.openxmlformats.org/drawingml/2006/main" xmlns:r="http://schemas.openxmlformats.org/officeDocument/2006/relationships" xmlns:p="http://schemas.openxmlformats.org/presentationml/2006/main">
+  <p:tag name="KSO_WM_UNIT_HIGHLIGHT" val="0"/>
+  <p:tag name="KSO_WM_UNIT_COMPATIBLE" val="0"/>
+  <p:tag name="KSO_WM_UNIT_DIAGRAM_ISNUMVISUAL" val="0"/>
+  <p:tag name="KSO_WM_UNIT_DIAGRAM_ISREFERUNIT" val="0"/>
+  <p:tag name="KSO_WM_UNIT_ID" val="_17**"/>
+  <p:tag name="KSO_WM_UNIT_LAYERLEVEL" val="1"/>
+  <p:tag name="KSO_WM_TAG_VERSION" val="1.0"/>
+  <p:tag name="KSO_WM_BEAUTIFY_FLAG" val="#wm#"/>
+  <p:tag name="KSO_WM_SLIDE_BACKGROUND_TYPE" val="navigation"/>
+  <p:tag name="KSO_WM_SLIDE_BK_DARK_LIGHT" val="2"/>
+</p:tagLst>
+</file>
+
+<file path=ppt/tags/tag12.xml><?xml version="1.0" encoding="utf-8"?>
+<p:tagLst xmlns:a="http://schemas.openxmlformats.org/drawingml/2006/main" xmlns:r="http://schemas.openxmlformats.org/officeDocument/2006/relationships" xmlns:p="http://schemas.openxmlformats.org/presentationml/2006/main">
+  <p:tag name="KSO_WM_UNIT_HIGHLIGHT" val="0"/>
+  <p:tag name="KSO_WM_UNIT_COMPATIBLE" val="0"/>
+  <p:tag name="KSO_WM_UNIT_DIAGRAM_ISNUMVISUAL" val="0"/>
+  <p:tag name="KSO_WM_UNIT_DIAGRAM_ISREFERUNIT" val="0"/>
+  <p:tag name="KSO_WM_UNIT_ID" val="_1**"/>
+  <p:tag name="KSO_WM_UNIT_LAYERLEVEL" val="1"/>
+  <p:tag name="KSO_WM_TAG_VERSION" val="1.0"/>
+  <p:tag name="KSO_WM_BEAUTIFY_FLAG" val="#wm#"/>
+  <p:tag name="KSO_WM_SLIDE_BACKGROUND_MASK_FLAG" val="1"/>
+</p:tagLst>
+</file>
+
+<file path=ppt/tags/tag120.xml><?xml version="1.0" encoding="utf-8"?>
+<p:tagLst xmlns:a="http://schemas.openxmlformats.org/drawingml/2006/main" xmlns:r="http://schemas.openxmlformats.org/officeDocument/2006/relationships" xmlns:p="http://schemas.openxmlformats.org/presentationml/2006/main">
+  <p:tag name="KSO_WM_UNIT_HIGHLIGHT" val="0"/>
+  <p:tag name="KSO_WM_UNIT_COMPATIBLE" val="0"/>
+  <p:tag name="KSO_WM_UNIT_DIAGRAM_ISNUMVISUAL" val="0"/>
+  <p:tag name="KSO_WM_UNIT_DIAGRAM_ISREFERUNIT" val="0"/>
+  <p:tag name="KSO_WM_UNIT_ID" val="_17**"/>
+  <p:tag name="KSO_WM_UNIT_LAYERLEVEL" val="1"/>
+  <p:tag name="KSO_WM_TAG_VERSION" val="1.0"/>
+  <p:tag name="KSO_WM_BEAUTIFY_FLAG" val="#wm#"/>
+  <p:tag name="KSO_WM_SLIDE_BACKGROUND_TYPE" val="navigation"/>
+  <p:tag name="KSO_WM_SLIDE_BK_DARK_LIGHT" val="2"/>
+</p:tagLst>
+</file>
+
+<file path=ppt/tags/tag121.xml><?xml version="1.0" encoding="utf-8"?>
+<p:tagLst xmlns:a="http://schemas.openxmlformats.org/drawingml/2006/main" xmlns:r="http://schemas.openxmlformats.org/officeDocument/2006/relationships" xmlns:p="http://schemas.openxmlformats.org/presentationml/2006/main">
+  <p:tag name="KSO_WM_UNIT_HIGHLIGHT" val="0"/>
+  <p:tag name="KSO_WM_UNIT_COMPATIBLE" val="0"/>
+  <p:tag name="KSO_WM_UNIT_DIAGRAM_ISNUMVISUAL" val="0"/>
+  <p:tag name="KSO_WM_UNIT_DIAGRAM_ISREFERUNIT" val="0"/>
+  <p:tag name="KSO_WM_UNIT_ID" val="_17**"/>
+  <p:tag name="KSO_WM_UNIT_LAYERLEVEL" val="1"/>
+  <p:tag name="KSO_WM_TAG_VERSION" val="1.0"/>
+  <p:tag name="KSO_WM_BEAUTIFY_FLAG" val="#wm#"/>
+  <p:tag name="KSO_WM_SLIDE_BACKGROUND_TYPE" val="navigation"/>
+  <p:tag name="KSO_WM_SLIDE_BK_DARK_LIGHT" val="2"/>
+</p:tagLst>
+</file>
+
+<file path=ppt/tags/tag122.xml><?xml version="1.0" encoding="utf-8"?>
+<p:tagLst xmlns:a="http://schemas.openxmlformats.org/drawingml/2006/main" xmlns:r="http://schemas.openxmlformats.org/officeDocument/2006/relationships" xmlns:p="http://schemas.openxmlformats.org/presentationml/2006/main">
+  <p:tag name="KSO_WM_UNIT_HIGHLIGHT" val="0"/>
+  <p:tag name="KSO_WM_UNIT_COMPATIBLE" val="0"/>
+  <p:tag name="KSO_WM_UNIT_DIAGRAM_ISNUMVISUAL" val="0"/>
+  <p:tag name="KSO_WM_UNIT_DIAGRAM_ISREFERUNIT" val="0"/>
+  <p:tag name="KSO_WM_UNIT_ID" val="_17**"/>
+  <p:tag name="KSO_WM_UNIT_LAYERLEVEL" val="1"/>
+  <p:tag name="KSO_WM_TAG_VERSION" val="1.0"/>
+  <p:tag name="KSO_WM_BEAUTIFY_FLAG" val="#wm#"/>
+  <p:tag name="KSO_WM_SLIDE_BACKGROUND_TYPE" val="navigation"/>
+  <p:tag name="KSO_WM_SLIDE_BK_DARK_LIGHT" val="2"/>
+</p:tagLst>
+</file>
+
+<file path=ppt/tags/tag123.xml><?xml version="1.0" encoding="utf-8"?>
+<p:tagLst xmlns:a="http://schemas.openxmlformats.org/drawingml/2006/main" xmlns:r="http://schemas.openxmlformats.org/officeDocument/2006/relationships" xmlns:p="http://schemas.openxmlformats.org/presentationml/2006/main">
+  <p:tag name="KSO_WM_UNIT_HIGHLIGHT" val="0"/>
+  <p:tag name="KSO_WM_UNIT_COMPATIBLE" val="0"/>
+  <p:tag name="KSO_WM_UNIT_DIAGRAM_ISNUMVISUAL" val="0"/>
+  <p:tag name="KSO_WM_UNIT_DIAGRAM_ISREFERUNIT" val="0"/>
+  <p:tag name="KSO_WM_UNIT_ID" val="_17**"/>
+  <p:tag name="KSO_WM_UNIT_LAYERLEVEL" val="1"/>
+  <p:tag name="KSO_WM_TAG_VERSION" val="1.0"/>
+  <p:tag name="KSO_WM_BEAUTIFY_FLAG" val="#wm#"/>
+  <p:tag name="KSO_WM_SLIDE_BACKGROUND_TYPE" val="navigation"/>
+  <p:tag name="KSO_WM_SLIDE_BK_DARK_LIGHT" val="2"/>
+</p:tagLst>
+</file>
+
+<file path=ppt/tags/tag124.xml><?xml version="1.0" encoding="utf-8"?>
+<p:tagLst xmlns:a="http://schemas.openxmlformats.org/drawingml/2006/main" xmlns:r="http://schemas.openxmlformats.org/officeDocument/2006/relationships" xmlns:p="http://schemas.openxmlformats.org/presentationml/2006/main">
+  <p:tag name="KSO_WM_UNIT_HIGHLIGHT" val="0"/>
+  <p:tag name="KSO_WM_UNIT_COMPATIBLE" val="0"/>
+  <p:tag name="KSO_WM_UNIT_DIAGRAM_ISNUMVISUAL" val="0"/>
+  <p:tag name="KSO_WM_UNIT_DIAGRAM_ISREFERUNIT" val="0"/>
+  <p:tag name="KSO_WM_UNIT_ID" val="_17**"/>
+  <p:tag name="KSO_WM_UNIT_LAYERLEVEL" val="1"/>
+  <p:tag name="KSO_WM_TAG_VERSION" val="1.0"/>
+  <p:tag name="KSO_WM_BEAUTIFY_FLAG" val="#wm#"/>
+  <p:tag name="KSO_WM_SLIDE_BACKGROUND_TYPE" val="navigation"/>
+  <p:tag name="KSO_WM_SLIDE_BK_DARK_LIGHT" val="2"/>
+</p:tagLst>
+</file>
+
+<file path=ppt/tags/tag125.xml><?xml version="1.0" encoding="utf-8"?>
+<p:tagLst xmlns:a="http://schemas.openxmlformats.org/drawingml/2006/main" xmlns:r="http://schemas.openxmlformats.org/officeDocument/2006/relationships" xmlns:p="http://schemas.openxmlformats.org/presentationml/2006/main">
   <p:tag name="KSO_WM_UNIT_HIGHLIGHT" val="0"/>
   <p:tag name="KSO_WM_UNIT_COMPATIBLE" val="0"/>
   <p:tag name="KSO_WM_UNIT_DIAGRAM_ISNUMVISUAL" val="0"/>
@@ -26610,118 +26317,15 @@
 </p:tagLst>
 </file>
 
-<file path=ppt/tags/tag12.xml><?xml version="1.0" encoding="utf-8"?>
-<p:tagLst xmlns:p="http://schemas.openxmlformats.org/presentationml/2006/main">
-  <p:tag name="KSO_WM_UNIT_HIGHLIGHT" val="0"/>
-  <p:tag name="KSO_WM_UNIT_COMPATIBLE" val="0"/>
-  <p:tag name="KSO_WM_UNIT_DIAGRAM_ISNUMVISUAL" val="0"/>
-  <p:tag name="KSO_WM_UNIT_DIAGRAM_ISREFERUNIT" val="0"/>
-  <p:tag name="KSO_WM_UNIT_ID" val="_2**"/>
-  <p:tag name="KSO_WM_UNIT_LAYERLEVEL" val="1"/>
-  <p:tag name="KSO_WM_TAG_VERSION" val="1.0"/>
-  <p:tag name="KSO_WM_BEAUTIFY_FLAG" val="#wm#"/>
-</p:tagLst>
-</file>
-
-<file path=ppt/tags/tag120.xml><?xml version="1.0" encoding="utf-8"?>
-<p:tagLst xmlns:p="http://schemas.openxmlformats.org/presentationml/2006/main">
-  <p:tag name="KSO_WM_SLIDE_BACKGROUND_TYPE" val="belt"/>
-  <p:tag name="KSO_WM_SLIDE_BK_DARK_LIGHT" val="2"/>
-</p:tagLst>
-</file>
-
-<file path=ppt/tags/tag121.xml><?xml version="1.0" encoding="utf-8"?>
-<p:tagLst xmlns:p="http://schemas.openxmlformats.org/presentationml/2006/main">
-  <p:tag name="KSO_WM_UNIT_HIGHLIGHT" val="0"/>
-  <p:tag name="KSO_WM_UNIT_COMPATIBLE" val="0"/>
-  <p:tag name="KSO_WM_UNIT_DIAGRAM_ISNUMVISUAL" val="0"/>
-  <p:tag name="KSO_WM_UNIT_DIAGRAM_ISREFERUNIT" val="0"/>
-  <p:tag name="KSO_WM_UNIT_ID" val="_18**"/>
-  <p:tag name="KSO_WM_UNIT_LAYERLEVEL" val="1"/>
-  <p:tag name="KSO_WM_TAG_VERSION" val="1.0"/>
-  <p:tag name="KSO_WM_BEAUTIFY_FLAG" val="#wm#"/>
-  <p:tag name="KSO_WM_SLIDE_BACKGROUND_TYPE" val="belt"/>
-  <p:tag name="KSO_WM_SLIDE_BK_DARK_LIGHT" val="2"/>
-</p:tagLst>
-</file>
-
-<file path=ppt/tags/tag122.xml><?xml version="1.0" encoding="utf-8"?>
-<p:tagLst xmlns:p="http://schemas.openxmlformats.org/presentationml/2006/main">
-  <p:tag name="KSO_WM_UNIT_HIGHLIGHT" val="0"/>
-  <p:tag name="KSO_WM_UNIT_COMPATIBLE" val="0"/>
-  <p:tag name="KSO_WM_UNIT_DIAGRAM_ISNUMVISUAL" val="0"/>
-  <p:tag name="KSO_WM_UNIT_DIAGRAM_ISREFERUNIT" val="0"/>
-  <p:tag name="KSO_WM_UNIT_ID" val="_18**"/>
-  <p:tag name="KSO_WM_UNIT_LAYERLEVEL" val="1"/>
-  <p:tag name="KSO_WM_TAG_VERSION" val="1.0"/>
-  <p:tag name="KSO_WM_BEAUTIFY_FLAG" val="#wm#"/>
-  <p:tag name="KSO_WM_SLIDE_BACKGROUND_TYPE" val="belt"/>
-  <p:tag name="KSO_WM_SLIDE_BK_DARK_LIGHT" val="2"/>
-</p:tagLst>
-</file>
-
-<file path=ppt/tags/tag123.xml><?xml version="1.0" encoding="utf-8"?>
-<p:tagLst xmlns:p="http://schemas.openxmlformats.org/presentationml/2006/main">
-  <p:tag name="KSO_WM_UNIT_HIGHLIGHT" val="0"/>
-  <p:tag name="KSO_WM_UNIT_COMPATIBLE" val="0"/>
-  <p:tag name="KSO_WM_UNIT_DIAGRAM_ISNUMVISUAL" val="0"/>
-  <p:tag name="KSO_WM_UNIT_DIAGRAM_ISREFERUNIT" val="0"/>
-  <p:tag name="KSO_WM_UNIT_ID" val="_18**"/>
-  <p:tag name="KSO_WM_UNIT_LAYERLEVEL" val="1"/>
-  <p:tag name="KSO_WM_TAG_VERSION" val="1.0"/>
-  <p:tag name="KSO_WM_BEAUTIFY_FLAG" val="#wm#"/>
-  <p:tag name="KSO_WM_SLIDE_BACKGROUND_TYPE" val="belt"/>
-  <p:tag name="KSO_WM_SLIDE_BK_DARK_LIGHT" val="2"/>
-</p:tagLst>
-</file>
-
-<file path=ppt/tags/tag124.xml><?xml version="1.0" encoding="utf-8"?>
-<p:tagLst xmlns:p="http://schemas.openxmlformats.org/presentationml/2006/main">
-  <p:tag name="KSO_WM_UNIT_HIGHLIGHT" val="0"/>
-  <p:tag name="KSO_WM_UNIT_COMPATIBLE" val="0"/>
-  <p:tag name="KSO_WM_UNIT_DIAGRAM_ISNUMVISUAL" val="0"/>
-  <p:tag name="KSO_WM_UNIT_DIAGRAM_ISREFERUNIT" val="0"/>
-  <p:tag name="KSO_WM_UNIT_ID" val="_18**"/>
-  <p:tag name="KSO_WM_UNIT_LAYERLEVEL" val="1"/>
-  <p:tag name="KSO_WM_TAG_VERSION" val="1.0"/>
-  <p:tag name="KSO_WM_BEAUTIFY_FLAG" val="#wm#"/>
-  <p:tag name="KSO_WM_SLIDE_BACKGROUND_TYPE" val="belt"/>
-  <p:tag name="KSO_WM_SLIDE_BK_DARK_LIGHT" val="2"/>
-</p:tagLst>
-</file>
-
-<file path=ppt/tags/tag125.xml><?xml version="1.0" encoding="utf-8"?>
-<p:tagLst xmlns:p="http://schemas.openxmlformats.org/presentationml/2006/main">
-  <p:tag name="KSO_WM_UNIT_HIGHLIGHT" val="0"/>
-  <p:tag name="KSO_WM_UNIT_COMPATIBLE" val="0"/>
-  <p:tag name="KSO_WM_UNIT_DIAGRAM_ISNUMVISUAL" val="0"/>
-  <p:tag name="KSO_WM_UNIT_DIAGRAM_ISREFERUNIT" val="0"/>
-  <p:tag name="KSO_WM_UNIT_ID" val="_18**"/>
-  <p:tag name="KSO_WM_UNIT_LAYERLEVEL" val="1"/>
-  <p:tag name="KSO_WM_TAG_VERSION" val="1.0"/>
-  <p:tag name="KSO_WM_BEAUTIFY_FLAG" val="#wm#"/>
-  <p:tag name="KSO_WM_SLIDE_BACKGROUND_TYPE" val="belt"/>
-  <p:tag name="KSO_WM_SLIDE_BK_DARK_LIGHT" val="2"/>
-</p:tagLst>
-</file>
-
 <file path=ppt/tags/tag126.xml><?xml version="1.0" encoding="utf-8"?>
-<p:tagLst xmlns:p="http://schemas.openxmlformats.org/presentationml/2006/main">
-  <p:tag name="KSO_WM_UNIT_HIGHLIGHT" val="0"/>
-  <p:tag name="KSO_WM_UNIT_COMPATIBLE" val="0"/>
-  <p:tag name="KSO_WM_UNIT_DIAGRAM_ISNUMVISUAL" val="0"/>
-  <p:tag name="KSO_WM_UNIT_DIAGRAM_ISREFERUNIT" val="0"/>
-  <p:tag name="KSO_WM_UNIT_ID" val="_18**"/>
-  <p:tag name="KSO_WM_UNIT_LAYERLEVEL" val="1"/>
-  <p:tag name="KSO_WM_TAG_VERSION" val="1.0"/>
-  <p:tag name="KSO_WM_BEAUTIFY_FLAG" val="#wm#"/>
+<p:tagLst xmlns:a="http://schemas.openxmlformats.org/drawingml/2006/main" xmlns:r="http://schemas.openxmlformats.org/officeDocument/2006/relationships" xmlns:p="http://schemas.openxmlformats.org/presentationml/2006/main">
   <p:tag name="KSO_WM_SLIDE_BACKGROUND_TYPE" val="belt"/>
   <p:tag name="KSO_WM_SLIDE_BK_DARK_LIGHT" val="2"/>
 </p:tagLst>
 </file>
 
 <file path=ppt/tags/tag127.xml><?xml version="1.0" encoding="utf-8"?>
-<p:tagLst xmlns:p="http://schemas.openxmlformats.org/presentationml/2006/main">
+<p:tagLst xmlns:a="http://schemas.openxmlformats.org/drawingml/2006/main" xmlns:r="http://schemas.openxmlformats.org/officeDocument/2006/relationships" xmlns:p="http://schemas.openxmlformats.org/presentationml/2006/main">
   <p:tag name="KSO_WM_UNIT_HIGHLIGHT" val="0"/>
   <p:tag name="KSO_WM_UNIT_COMPATIBLE" val="0"/>
   <p:tag name="KSO_WM_UNIT_DIAGRAM_ISNUMVISUAL" val="0"/>
@@ -26736,7 +26340,245 @@
 </file>
 
 <file path=ppt/tags/tag128.xml><?xml version="1.0" encoding="utf-8"?>
-<p:tagLst xmlns:p="http://schemas.openxmlformats.org/presentationml/2006/main">
+<p:tagLst xmlns:a="http://schemas.openxmlformats.org/drawingml/2006/main" xmlns:r="http://schemas.openxmlformats.org/officeDocument/2006/relationships" xmlns:p="http://schemas.openxmlformats.org/presentationml/2006/main">
+  <p:tag name="KSO_WM_UNIT_HIGHLIGHT" val="0"/>
+  <p:tag name="KSO_WM_UNIT_COMPATIBLE" val="0"/>
+  <p:tag name="KSO_WM_UNIT_DIAGRAM_ISNUMVISUAL" val="0"/>
+  <p:tag name="KSO_WM_UNIT_DIAGRAM_ISREFERUNIT" val="0"/>
+  <p:tag name="KSO_WM_UNIT_ID" val="_18**"/>
+  <p:tag name="KSO_WM_UNIT_LAYERLEVEL" val="1"/>
+  <p:tag name="KSO_WM_TAG_VERSION" val="1.0"/>
+  <p:tag name="KSO_WM_BEAUTIFY_FLAG" val="#wm#"/>
+  <p:tag name="KSO_WM_SLIDE_BACKGROUND_TYPE" val="belt"/>
+  <p:tag name="KSO_WM_SLIDE_BK_DARK_LIGHT" val="2"/>
+</p:tagLst>
+</file>
+
+<file path=ppt/tags/tag129.xml><?xml version="1.0" encoding="utf-8"?>
+<p:tagLst xmlns:a="http://schemas.openxmlformats.org/drawingml/2006/main" xmlns:r="http://schemas.openxmlformats.org/officeDocument/2006/relationships" xmlns:p="http://schemas.openxmlformats.org/presentationml/2006/main">
+  <p:tag name="KSO_WM_UNIT_HIGHLIGHT" val="0"/>
+  <p:tag name="KSO_WM_UNIT_COMPATIBLE" val="0"/>
+  <p:tag name="KSO_WM_UNIT_DIAGRAM_ISNUMVISUAL" val="0"/>
+  <p:tag name="KSO_WM_UNIT_DIAGRAM_ISREFERUNIT" val="0"/>
+  <p:tag name="KSO_WM_UNIT_ID" val="_18**"/>
+  <p:tag name="KSO_WM_UNIT_LAYERLEVEL" val="1"/>
+  <p:tag name="KSO_WM_TAG_VERSION" val="1.0"/>
+  <p:tag name="KSO_WM_BEAUTIFY_FLAG" val="#wm#"/>
+  <p:tag name="KSO_WM_SLIDE_BACKGROUND_TYPE" val="belt"/>
+  <p:tag name="KSO_WM_SLIDE_BK_DARK_LIGHT" val="2"/>
+</p:tagLst>
+</file>
+
+<file path=ppt/tags/tag13.xml><?xml version="1.0" encoding="utf-8"?>
+<p:tagLst xmlns:a="http://schemas.openxmlformats.org/drawingml/2006/main" xmlns:r="http://schemas.openxmlformats.org/officeDocument/2006/relationships" xmlns:p="http://schemas.openxmlformats.org/presentationml/2006/main">
+  <p:tag name="KSO_WM_UNIT_HIGHLIGHT" val="0"/>
+  <p:tag name="KSO_WM_UNIT_COMPATIBLE" val="0"/>
+  <p:tag name="KSO_WM_UNIT_DIAGRAM_ISNUMVISUAL" val="0"/>
+  <p:tag name="KSO_WM_UNIT_DIAGRAM_ISREFERUNIT" val="0"/>
+  <p:tag name="KSO_WM_UNIT_ID" val="_1**"/>
+  <p:tag name="KSO_WM_UNIT_LAYERLEVEL" val="1"/>
+  <p:tag name="KSO_WM_TAG_VERSION" val="1.0"/>
+  <p:tag name="KSO_WM_BEAUTIFY_FLAG" val="#wm#"/>
+  <p:tag name="KSO_WM_SLIDE_BACKGROUND_MASK_FLAG" val="1"/>
+</p:tagLst>
+</file>
+
+<file path=ppt/tags/tag130.xml><?xml version="1.0" encoding="utf-8"?>
+<p:tagLst xmlns:a="http://schemas.openxmlformats.org/drawingml/2006/main" xmlns:r="http://schemas.openxmlformats.org/officeDocument/2006/relationships" xmlns:p="http://schemas.openxmlformats.org/presentationml/2006/main">
+  <p:tag name="KSO_WM_UNIT_HIGHLIGHT" val="0"/>
+  <p:tag name="KSO_WM_UNIT_COMPATIBLE" val="0"/>
+  <p:tag name="KSO_WM_UNIT_DIAGRAM_ISNUMVISUAL" val="0"/>
+  <p:tag name="KSO_WM_UNIT_DIAGRAM_ISREFERUNIT" val="0"/>
+  <p:tag name="KSO_WM_UNIT_ID" val="_18**"/>
+  <p:tag name="KSO_WM_UNIT_LAYERLEVEL" val="1"/>
+  <p:tag name="KSO_WM_TAG_VERSION" val="1.0"/>
+  <p:tag name="KSO_WM_BEAUTIFY_FLAG" val="#wm#"/>
+  <p:tag name="KSO_WM_SLIDE_BACKGROUND_TYPE" val="belt"/>
+  <p:tag name="KSO_WM_SLIDE_BK_DARK_LIGHT" val="2"/>
+</p:tagLst>
+</file>
+
+<file path=ppt/tags/tag131.xml><?xml version="1.0" encoding="utf-8"?>
+<p:tagLst xmlns:a="http://schemas.openxmlformats.org/drawingml/2006/main" xmlns:r="http://schemas.openxmlformats.org/officeDocument/2006/relationships" xmlns:p="http://schemas.openxmlformats.org/presentationml/2006/main">
+  <p:tag name="KSO_WM_UNIT_HIGHLIGHT" val="0"/>
+  <p:tag name="KSO_WM_UNIT_COMPATIBLE" val="0"/>
+  <p:tag name="KSO_WM_UNIT_DIAGRAM_ISNUMVISUAL" val="0"/>
+  <p:tag name="KSO_WM_UNIT_DIAGRAM_ISREFERUNIT" val="0"/>
+  <p:tag name="KSO_WM_UNIT_ID" val="_18**"/>
+  <p:tag name="KSO_WM_UNIT_LAYERLEVEL" val="1"/>
+  <p:tag name="KSO_WM_TAG_VERSION" val="1.0"/>
+  <p:tag name="KSO_WM_BEAUTIFY_FLAG" val="#wm#"/>
+  <p:tag name="KSO_WM_SLIDE_BACKGROUND_TYPE" val="belt"/>
+  <p:tag name="KSO_WM_SLIDE_BK_DARK_LIGHT" val="2"/>
+</p:tagLst>
+</file>
+
+<file path=ppt/tags/tag132.xml><?xml version="1.0" encoding="utf-8"?>
+<p:tagLst xmlns:a="http://schemas.openxmlformats.org/drawingml/2006/main" xmlns:r="http://schemas.openxmlformats.org/officeDocument/2006/relationships" xmlns:p="http://schemas.openxmlformats.org/presentationml/2006/main">
+  <p:tag name="KSO_WM_UNIT_HIGHLIGHT" val="0"/>
+  <p:tag name="KSO_WM_UNIT_COMPATIBLE" val="0"/>
+  <p:tag name="KSO_WM_UNIT_DIAGRAM_ISNUMVISUAL" val="0"/>
+  <p:tag name="KSO_WM_UNIT_DIAGRAM_ISREFERUNIT" val="0"/>
+  <p:tag name="KSO_WM_UNIT_ID" val="_18**"/>
+  <p:tag name="KSO_WM_UNIT_LAYERLEVEL" val="1"/>
+  <p:tag name="KSO_WM_TAG_VERSION" val="1.0"/>
+  <p:tag name="KSO_WM_BEAUTIFY_FLAG" val="#wm#"/>
+  <p:tag name="KSO_WM_SLIDE_BACKGROUND_TYPE" val="belt"/>
+  <p:tag name="KSO_WM_SLIDE_BK_DARK_LIGHT" val="2"/>
+</p:tagLst>
+</file>
+
+<file path=ppt/tags/tag133.xml><?xml version="1.0" encoding="utf-8"?>
+<p:tagLst xmlns:a="http://schemas.openxmlformats.org/drawingml/2006/main" xmlns:r="http://schemas.openxmlformats.org/officeDocument/2006/relationships" xmlns:p="http://schemas.openxmlformats.org/presentationml/2006/main">
+  <p:tag name="KSO_WM_UNIT_HIGHLIGHT" val="0"/>
+  <p:tag name="KSO_WM_UNIT_COMPATIBLE" val="0"/>
+  <p:tag name="KSO_WM_UNIT_DIAGRAM_ISNUMVISUAL" val="0"/>
+  <p:tag name="KSO_WM_UNIT_DIAGRAM_ISREFERUNIT" val="0"/>
+  <p:tag name="KSO_WM_UNIT_ID" val="_18**"/>
+  <p:tag name="KSO_WM_UNIT_LAYERLEVEL" val="1"/>
+  <p:tag name="KSO_WM_TAG_VERSION" val="1.0"/>
+  <p:tag name="KSO_WM_BEAUTIFY_FLAG" val="#wm#"/>
+  <p:tag name="KSO_WM_SLIDE_BACKGROUND_TYPE" val="belt"/>
+  <p:tag name="KSO_WM_SLIDE_BK_DARK_LIGHT" val="2"/>
+</p:tagLst>
+</file>
+
+<file path=ppt/tags/tag134.xml><?xml version="1.0" encoding="utf-8"?>
+<p:tagLst xmlns:a="http://schemas.openxmlformats.org/drawingml/2006/main" xmlns:r="http://schemas.openxmlformats.org/officeDocument/2006/relationships" xmlns:p="http://schemas.openxmlformats.org/presentationml/2006/main">
+  <p:tag name="MH" val="20160830110146"/>
+  <p:tag name="MH_LIBRARY" val="CONTENTS"/>
+  <p:tag name="MH_TYPE" val="OTHERS"/>
+  <p:tag name="ID" val="553512"/>
+</p:tagLst>
+</file>
+
+<file path=ppt/tags/tag135.xml><?xml version="1.0" encoding="utf-8"?>
+<p:tagLst xmlns:a="http://schemas.openxmlformats.org/drawingml/2006/main" xmlns:r="http://schemas.openxmlformats.org/officeDocument/2006/relationships" xmlns:p="http://schemas.openxmlformats.org/presentationml/2006/main">
+  <p:tag name="MH" val="20160830110146"/>
+  <p:tag name="MH_LIBRARY" val="CONTENTS"/>
+  <p:tag name="MH_TYPE" val="OTHERS"/>
+  <p:tag name="ID" val="553512"/>
+</p:tagLst>
+</file>
+
+<file path=ppt/tags/tag136.xml><?xml version="1.0" encoding="utf-8"?>
+<p:tagLst xmlns:a="http://schemas.openxmlformats.org/drawingml/2006/main" xmlns:r="http://schemas.openxmlformats.org/officeDocument/2006/relationships" xmlns:p="http://schemas.openxmlformats.org/presentationml/2006/main">
+  <p:tag name="MH" val="20160830110146"/>
+  <p:tag name="MH_LIBRARY" val="CONTENTS"/>
+  <p:tag name="MH_TYPE" val="ENTRY"/>
+  <p:tag name="ID" val="553512"/>
+  <p:tag name="MH_ORDER" val="1"/>
+</p:tagLst>
+</file>
+
+<file path=ppt/tags/tag137.xml><?xml version="1.0" encoding="utf-8"?>
+<p:tagLst xmlns:a="http://schemas.openxmlformats.org/drawingml/2006/main" xmlns:r="http://schemas.openxmlformats.org/officeDocument/2006/relationships" xmlns:p="http://schemas.openxmlformats.org/presentationml/2006/main">
+  <p:tag name="MH" val="20160830110146"/>
+  <p:tag name="MH_LIBRARY" val="CONTENTS"/>
+  <p:tag name="MH_TYPE" val="ENTRY"/>
+  <p:tag name="ID" val="553512"/>
+  <p:tag name="MH_ORDER" val="2"/>
+</p:tagLst>
+</file>
+
+<file path=ppt/tags/tag138.xml><?xml version="1.0" encoding="utf-8"?>
+<p:tagLst xmlns:a="http://schemas.openxmlformats.org/drawingml/2006/main" xmlns:r="http://schemas.openxmlformats.org/officeDocument/2006/relationships" xmlns:p="http://schemas.openxmlformats.org/presentationml/2006/main">
+  <p:tag name="MH" val="20160830110146"/>
+  <p:tag name="MH_LIBRARY" val="CONTENTS"/>
+  <p:tag name="MH_TYPE" val="ENTRY"/>
+  <p:tag name="ID" val="553512"/>
+  <p:tag name="MH_ORDER" val="3"/>
+</p:tagLst>
+</file>
+
+<file path=ppt/tags/tag139.xml><?xml version="1.0" encoding="utf-8"?>
+<p:tagLst xmlns:a="http://schemas.openxmlformats.org/drawingml/2006/main" xmlns:r="http://schemas.openxmlformats.org/officeDocument/2006/relationships" xmlns:p="http://schemas.openxmlformats.org/presentationml/2006/main">
+  <p:tag name="KSO_WM_TEMPLATE_CATEGORY" val="custom"/>
+  <p:tag name="KSO_WM_TEMPLATE_INDEX" val="20203902"/>
+</p:tagLst>
+</file>
+
+<file path=ppt/tags/tag14.xml><?xml version="1.0" encoding="utf-8"?>
+<p:tagLst xmlns:a="http://schemas.openxmlformats.org/drawingml/2006/main" xmlns:r="http://schemas.openxmlformats.org/officeDocument/2006/relationships" xmlns:p="http://schemas.openxmlformats.org/presentationml/2006/main">
+  <p:tag name="KSO_WM_UNIT_HIGHLIGHT" val="0"/>
+  <p:tag name="KSO_WM_UNIT_COMPATIBLE" val="0"/>
+  <p:tag name="KSO_WM_UNIT_DIAGRAM_ISNUMVISUAL" val="0"/>
+  <p:tag name="KSO_WM_UNIT_DIAGRAM_ISREFERUNIT" val="0"/>
+  <p:tag name="KSO_WM_UNIT_ID" val="_1**"/>
+  <p:tag name="KSO_WM_UNIT_LAYERLEVEL" val="1"/>
+  <p:tag name="KSO_WM_TAG_VERSION" val="1.0"/>
+  <p:tag name="KSO_WM_BEAUTIFY_FLAG" val="#wm#"/>
+  <p:tag name="KSO_WM_SLIDE_BACKGROUND_MASK_FLAG" val="1"/>
+</p:tagLst>
+</file>
+
+<file path=ppt/tags/tag15.xml><?xml version="1.0" encoding="utf-8"?>
+<p:tagLst xmlns:a="http://schemas.openxmlformats.org/drawingml/2006/main" xmlns:r="http://schemas.openxmlformats.org/officeDocument/2006/relationships" xmlns:p="http://schemas.openxmlformats.org/presentationml/2006/main">
+  <p:tag name="KSO_WM_UNIT_HIGHLIGHT" val="0"/>
+  <p:tag name="KSO_WM_UNIT_COMPATIBLE" val="0"/>
+  <p:tag name="KSO_WM_UNIT_DIAGRAM_ISNUMVISUAL" val="0"/>
+  <p:tag name="KSO_WM_UNIT_DIAGRAM_ISREFERUNIT" val="0"/>
+  <p:tag name="KSO_WM_UNIT_ID" val="_2**"/>
+  <p:tag name="KSO_WM_UNIT_LAYERLEVEL" val="1"/>
+  <p:tag name="KSO_WM_TAG_VERSION" val="1.0"/>
+  <p:tag name="KSO_WM_BEAUTIFY_FLAG" val="#wm#"/>
+</p:tagLst>
+</file>
+
+<file path=ppt/tags/tag16.xml><?xml version="1.0" encoding="utf-8"?>
+<p:tagLst xmlns:a="http://schemas.openxmlformats.org/drawingml/2006/main" xmlns:r="http://schemas.openxmlformats.org/officeDocument/2006/relationships" xmlns:p="http://schemas.openxmlformats.org/presentationml/2006/main">
+  <p:tag name="KSO_WM_UNIT_HIGHLIGHT" val="0"/>
+  <p:tag name="KSO_WM_UNIT_COMPATIBLE" val="0"/>
+  <p:tag name="KSO_WM_UNIT_DIAGRAM_ISNUMVISUAL" val="0"/>
+  <p:tag name="KSO_WM_UNIT_DIAGRAM_ISREFERUNIT" val="0"/>
+  <p:tag name="KSO_WM_UNIT_ID" val="_2**"/>
+  <p:tag name="KSO_WM_UNIT_LAYERLEVEL" val="1"/>
+  <p:tag name="KSO_WM_TAG_VERSION" val="1.0"/>
+  <p:tag name="KSO_WM_BEAUTIFY_FLAG" val="#wm#"/>
+</p:tagLst>
+</file>
+
+<file path=ppt/tags/tag17.xml><?xml version="1.0" encoding="utf-8"?>
+<p:tagLst xmlns:a="http://schemas.openxmlformats.org/drawingml/2006/main" xmlns:r="http://schemas.openxmlformats.org/officeDocument/2006/relationships" xmlns:p="http://schemas.openxmlformats.org/presentationml/2006/main">
+  <p:tag name="KSO_WM_UNIT_HIGHLIGHT" val="0"/>
+  <p:tag name="KSO_WM_UNIT_COMPATIBLE" val="0"/>
+  <p:tag name="KSO_WM_UNIT_DIAGRAM_ISNUMVISUAL" val="0"/>
+  <p:tag name="KSO_WM_UNIT_DIAGRAM_ISREFERUNIT" val="0"/>
+  <p:tag name="KSO_WM_UNIT_ID" val="_2**"/>
+  <p:tag name="KSO_WM_UNIT_LAYERLEVEL" val="1"/>
+  <p:tag name="KSO_WM_TAG_VERSION" val="1.0"/>
+  <p:tag name="KSO_WM_BEAUTIFY_FLAG" val="#wm#"/>
+</p:tagLst>
+</file>
+
+<file path=ppt/tags/tag18.xml><?xml version="1.0" encoding="utf-8"?>
+<p:tagLst xmlns:a="http://schemas.openxmlformats.org/drawingml/2006/main" xmlns:r="http://schemas.openxmlformats.org/officeDocument/2006/relationships" xmlns:p="http://schemas.openxmlformats.org/presentationml/2006/main">
+  <p:tag name="KSO_WM_UNIT_HIGHLIGHT" val="0"/>
+  <p:tag name="KSO_WM_UNIT_COMPATIBLE" val="0"/>
+  <p:tag name="KSO_WM_UNIT_DIAGRAM_ISNUMVISUAL" val="0"/>
+  <p:tag name="KSO_WM_UNIT_DIAGRAM_ISREFERUNIT" val="0"/>
+  <p:tag name="KSO_WM_UNIT_ID" val="_2**"/>
+  <p:tag name="KSO_WM_UNIT_LAYERLEVEL" val="1"/>
+  <p:tag name="KSO_WM_TAG_VERSION" val="1.0"/>
+  <p:tag name="KSO_WM_BEAUTIFY_FLAG" val="#wm#"/>
+</p:tagLst>
+</file>
+
+<file path=ppt/tags/tag19.xml><?xml version="1.0" encoding="utf-8"?>
+<p:tagLst xmlns:a="http://schemas.openxmlformats.org/drawingml/2006/main" xmlns:r="http://schemas.openxmlformats.org/officeDocument/2006/relationships" xmlns:p="http://schemas.openxmlformats.org/presentationml/2006/main">
+  <p:tag name="KSO_WM_UNIT_HIGHLIGHT" val="0"/>
+  <p:tag name="KSO_WM_UNIT_COMPATIBLE" val="0"/>
+  <p:tag name="KSO_WM_UNIT_DIAGRAM_ISNUMVISUAL" val="0"/>
+  <p:tag name="KSO_WM_UNIT_DIAGRAM_ISREFERUNIT" val="0"/>
+  <p:tag name="KSO_WM_UNIT_ID" val="_2**"/>
+  <p:tag name="KSO_WM_UNIT_LAYERLEVEL" val="1"/>
+  <p:tag name="KSO_WM_TAG_VERSION" val="1.0"/>
+  <p:tag name="KSO_WM_BEAUTIFY_FLAG" val="#wm#"/>
+</p:tagLst>
+</file>
+
+<file path=ppt/tags/tag2.xml><?xml version="1.0" encoding="utf-8"?>
+<p:tagLst xmlns:a="http://schemas.openxmlformats.org/drawingml/2006/main" xmlns:r="http://schemas.openxmlformats.org/officeDocument/2006/relationships" xmlns:p="http://schemas.openxmlformats.org/presentationml/2006/main">
   <p:tag name="KSO_WM_UNIT_HIGHLIGHT" val="0"/>
   <p:tag name="KSO_WM_UNIT_COMPATIBLE" val="0"/>
   <p:tag name="KSO_WM_UNIT_DIAGRAM_ISNUMVISUAL" val="0"/>
@@ -26750,36 +26592,138 @@
 </p:tagLst>
 </file>
 
-<file path=ppt/tags/tag129.xml><?xml version="1.0" encoding="utf-8"?>
-<p:tagLst xmlns:p="http://schemas.openxmlformats.org/presentationml/2006/main">
+<file path=ppt/tags/tag20.xml><?xml version="1.0" encoding="utf-8"?>
+<p:tagLst xmlns:a="http://schemas.openxmlformats.org/drawingml/2006/main" xmlns:r="http://schemas.openxmlformats.org/officeDocument/2006/relationships" xmlns:p="http://schemas.openxmlformats.org/presentationml/2006/main">
   <p:tag name="KSO_WM_UNIT_HIGHLIGHT" val="0"/>
   <p:tag name="KSO_WM_UNIT_COMPATIBLE" val="0"/>
   <p:tag name="KSO_WM_UNIT_DIAGRAM_ISNUMVISUAL" val="0"/>
   <p:tag name="KSO_WM_UNIT_DIAGRAM_ISREFERUNIT" val="0"/>
-  <p:tag name="KSO_WM_UNIT_ID" val="_0**"/>
-  <p:tag name="KSO_WM_UNIT_LAYERLEVEL" val="1"/>
-  <p:tag name="KSO_WM_TAG_VERSION" val="1.0"/>
-  <p:tag name="KSO_WM_BEAUTIFY_FLAG" val="#wm#"/>
-  <p:tag name="KSO_WM_TEMPLATE_CATEGORY" val="custom"/>
-  <p:tag name="KSO_WM_TEMPLATE_INDEX" val="20203902"/>
-</p:tagLst>
-</file>
-
-<file path=ppt/tags/tag13.xml><?xml version="1.0" encoding="utf-8"?>
-<p:tagLst xmlns:p="http://schemas.openxmlformats.org/presentationml/2006/main">
-  <p:tag name="KSO_WM_UNIT_HIGHLIGHT" val="0"/>
-  <p:tag name="KSO_WM_UNIT_COMPATIBLE" val="0"/>
-  <p:tag name="KSO_WM_UNIT_DIAGRAM_ISNUMVISUAL" val="0"/>
-  <p:tag name="KSO_WM_UNIT_DIAGRAM_ISREFERUNIT" val="0"/>
-  <p:tag name="KSO_WM_UNIT_ID" val="_2**"/>
+  <p:tag name="KSO_WM_UNIT_ID" val="_3**"/>
   <p:tag name="KSO_WM_UNIT_LAYERLEVEL" val="1"/>
   <p:tag name="KSO_WM_TAG_VERSION" val="1.0"/>
   <p:tag name="KSO_WM_BEAUTIFY_FLAG" val="#wm#"/>
 </p:tagLst>
 </file>
 
-<file path=ppt/tags/tag130.xml><?xml version="1.0" encoding="utf-8"?>
-<p:tagLst xmlns:p="http://schemas.openxmlformats.org/presentationml/2006/main">
+<file path=ppt/tags/tag21.xml><?xml version="1.0" encoding="utf-8"?>
+<p:tagLst xmlns:a="http://schemas.openxmlformats.org/drawingml/2006/main" xmlns:r="http://schemas.openxmlformats.org/officeDocument/2006/relationships" xmlns:p="http://schemas.openxmlformats.org/presentationml/2006/main">
+  <p:tag name="KSO_WM_UNIT_HIGHLIGHT" val="0"/>
+  <p:tag name="KSO_WM_UNIT_COMPATIBLE" val="0"/>
+  <p:tag name="KSO_WM_UNIT_DIAGRAM_ISNUMVISUAL" val="0"/>
+  <p:tag name="KSO_WM_UNIT_DIAGRAM_ISREFERUNIT" val="0"/>
+  <p:tag name="KSO_WM_UNIT_ID" val="_3**"/>
+  <p:tag name="KSO_WM_UNIT_LAYERLEVEL" val="1"/>
+  <p:tag name="KSO_WM_TAG_VERSION" val="1.0"/>
+  <p:tag name="KSO_WM_BEAUTIFY_FLAG" val="#wm#"/>
+</p:tagLst>
+</file>
+
+<file path=ppt/tags/tag22.xml><?xml version="1.0" encoding="utf-8"?>
+<p:tagLst xmlns:a="http://schemas.openxmlformats.org/drawingml/2006/main" xmlns:r="http://schemas.openxmlformats.org/officeDocument/2006/relationships" xmlns:p="http://schemas.openxmlformats.org/presentationml/2006/main">
+  <p:tag name="KSO_WM_UNIT_HIGHLIGHT" val="0"/>
+  <p:tag name="KSO_WM_UNIT_COMPATIBLE" val="0"/>
+  <p:tag name="KSO_WM_UNIT_DIAGRAM_ISNUMVISUAL" val="0"/>
+  <p:tag name="KSO_WM_UNIT_DIAGRAM_ISREFERUNIT" val="0"/>
+  <p:tag name="KSO_WM_UNIT_ID" val="_3**"/>
+  <p:tag name="KSO_WM_UNIT_LAYERLEVEL" val="1"/>
+  <p:tag name="KSO_WM_TAG_VERSION" val="1.0"/>
+  <p:tag name="KSO_WM_BEAUTIFY_FLAG" val="#wm#"/>
+</p:tagLst>
+</file>
+
+<file path=ppt/tags/tag23.xml><?xml version="1.0" encoding="utf-8"?>
+<p:tagLst xmlns:a="http://schemas.openxmlformats.org/drawingml/2006/main" xmlns:r="http://schemas.openxmlformats.org/officeDocument/2006/relationships" xmlns:p="http://schemas.openxmlformats.org/presentationml/2006/main">
+  <p:tag name="KSO_WM_UNIT_HIGHLIGHT" val="0"/>
+  <p:tag name="KSO_WM_UNIT_COMPATIBLE" val="0"/>
+  <p:tag name="KSO_WM_UNIT_DIAGRAM_ISNUMVISUAL" val="0"/>
+  <p:tag name="KSO_WM_UNIT_DIAGRAM_ISREFERUNIT" val="0"/>
+  <p:tag name="KSO_WM_UNIT_ID" val="_3**"/>
+  <p:tag name="KSO_WM_UNIT_LAYERLEVEL" val="1"/>
+  <p:tag name="KSO_WM_TAG_VERSION" val="1.0"/>
+  <p:tag name="KSO_WM_BEAUTIFY_FLAG" val="#wm#"/>
+</p:tagLst>
+</file>
+
+<file path=ppt/tags/tag24.xml><?xml version="1.0" encoding="utf-8"?>
+<p:tagLst xmlns:a="http://schemas.openxmlformats.org/drawingml/2006/main" xmlns:r="http://schemas.openxmlformats.org/officeDocument/2006/relationships" xmlns:p="http://schemas.openxmlformats.org/presentationml/2006/main">
+  <p:tag name="KSO_WM_UNIT_HIGHLIGHT" val="0"/>
+  <p:tag name="KSO_WM_UNIT_COMPATIBLE" val="0"/>
+  <p:tag name="KSO_WM_UNIT_DIAGRAM_ISNUMVISUAL" val="0"/>
+  <p:tag name="KSO_WM_UNIT_DIAGRAM_ISREFERUNIT" val="0"/>
+  <p:tag name="KSO_WM_UNIT_ID" val="_3**"/>
+  <p:tag name="KSO_WM_UNIT_LAYERLEVEL" val="1"/>
+  <p:tag name="KSO_WM_TAG_VERSION" val="1.0"/>
+  <p:tag name="KSO_WM_BEAUTIFY_FLAG" val="#wm#"/>
+</p:tagLst>
+</file>
+
+<file path=ppt/tags/tag25.xml><?xml version="1.0" encoding="utf-8"?>
+<p:tagLst xmlns:a="http://schemas.openxmlformats.org/drawingml/2006/main" xmlns:r="http://schemas.openxmlformats.org/officeDocument/2006/relationships" xmlns:p="http://schemas.openxmlformats.org/presentationml/2006/main">
+  <p:tag name="KSO_WM_UNIT_HIGHLIGHT" val="0"/>
+  <p:tag name="KSO_WM_UNIT_COMPATIBLE" val="0"/>
+  <p:tag name="KSO_WM_UNIT_DIAGRAM_ISNUMVISUAL" val="0"/>
+  <p:tag name="KSO_WM_UNIT_DIAGRAM_ISREFERUNIT" val="0"/>
+  <p:tag name="KSO_WM_UNIT_ID" val="_3**"/>
+  <p:tag name="KSO_WM_UNIT_LAYERLEVEL" val="1"/>
+  <p:tag name="KSO_WM_TAG_VERSION" val="1.0"/>
+  <p:tag name="KSO_WM_BEAUTIFY_FLAG" val="#wm#"/>
+</p:tagLst>
+</file>
+
+<file path=ppt/tags/tag26.xml><?xml version="1.0" encoding="utf-8"?>
+<p:tagLst xmlns:a="http://schemas.openxmlformats.org/drawingml/2006/main" xmlns:r="http://schemas.openxmlformats.org/officeDocument/2006/relationships" xmlns:p="http://schemas.openxmlformats.org/presentationml/2006/main">
+  <p:tag name="KSO_WM_UNIT_HIGHLIGHT" val="0"/>
+  <p:tag name="KSO_WM_UNIT_COMPATIBLE" val="0"/>
+  <p:tag name="KSO_WM_UNIT_DIAGRAM_ISNUMVISUAL" val="0"/>
+  <p:tag name="KSO_WM_UNIT_DIAGRAM_ISREFERUNIT" val="0"/>
+  <p:tag name="KSO_WM_UNIT_ID" val="_3**"/>
+  <p:tag name="KSO_WM_UNIT_LAYERLEVEL" val="1"/>
+  <p:tag name="KSO_WM_TAG_VERSION" val="1.0"/>
+  <p:tag name="KSO_WM_BEAUTIFY_FLAG" val="#wm#"/>
+</p:tagLst>
+</file>
+
+<file path=ppt/tags/tag27.xml><?xml version="1.0" encoding="utf-8"?>
+<p:tagLst xmlns:a="http://schemas.openxmlformats.org/drawingml/2006/main" xmlns:r="http://schemas.openxmlformats.org/officeDocument/2006/relationships" xmlns:p="http://schemas.openxmlformats.org/presentationml/2006/main">
+  <p:tag name="KSO_WM_UNIT_HIGHLIGHT" val="0"/>
+  <p:tag name="KSO_WM_UNIT_COMPATIBLE" val="0"/>
+  <p:tag name="KSO_WM_UNIT_DIAGRAM_ISNUMVISUAL" val="0"/>
+  <p:tag name="KSO_WM_UNIT_DIAGRAM_ISREFERUNIT" val="0"/>
+  <p:tag name="KSO_WM_UNIT_ID" val="_4**"/>
+  <p:tag name="KSO_WM_UNIT_LAYERLEVEL" val="1"/>
+  <p:tag name="KSO_WM_TAG_VERSION" val="1.0"/>
+  <p:tag name="KSO_WM_BEAUTIFY_FLAG" val="#wm#"/>
+</p:tagLst>
+</file>
+
+<file path=ppt/tags/tag28.xml><?xml version="1.0" encoding="utf-8"?>
+<p:tagLst xmlns:a="http://schemas.openxmlformats.org/drawingml/2006/main" xmlns:r="http://schemas.openxmlformats.org/officeDocument/2006/relationships" xmlns:p="http://schemas.openxmlformats.org/presentationml/2006/main">
+  <p:tag name="KSO_WM_UNIT_HIGHLIGHT" val="0"/>
+  <p:tag name="KSO_WM_UNIT_COMPATIBLE" val="0"/>
+  <p:tag name="KSO_WM_UNIT_DIAGRAM_ISNUMVISUAL" val="0"/>
+  <p:tag name="KSO_WM_UNIT_DIAGRAM_ISREFERUNIT" val="0"/>
+  <p:tag name="KSO_WM_UNIT_ID" val="_4**"/>
+  <p:tag name="KSO_WM_UNIT_LAYERLEVEL" val="1"/>
+  <p:tag name="KSO_WM_TAG_VERSION" val="1.0"/>
+  <p:tag name="KSO_WM_BEAUTIFY_FLAG" val="#wm#"/>
+</p:tagLst>
+</file>
+
+<file path=ppt/tags/tag29.xml><?xml version="1.0" encoding="utf-8"?>
+<p:tagLst xmlns:a="http://schemas.openxmlformats.org/drawingml/2006/main" xmlns:r="http://schemas.openxmlformats.org/officeDocument/2006/relationships" xmlns:p="http://schemas.openxmlformats.org/presentationml/2006/main">
+  <p:tag name="KSO_WM_UNIT_HIGHLIGHT" val="0"/>
+  <p:tag name="KSO_WM_UNIT_COMPATIBLE" val="0"/>
+  <p:tag name="KSO_WM_UNIT_DIAGRAM_ISNUMVISUAL" val="0"/>
+  <p:tag name="KSO_WM_UNIT_DIAGRAM_ISREFERUNIT" val="0"/>
+  <p:tag name="KSO_WM_UNIT_ID" val="_4**"/>
+  <p:tag name="KSO_WM_UNIT_LAYERLEVEL" val="1"/>
+  <p:tag name="KSO_WM_TAG_VERSION" val="1.0"/>
+  <p:tag name="KSO_WM_BEAUTIFY_FLAG" val="#wm#"/>
+</p:tagLst>
+</file>
+
+<file path=ppt/tags/tag3.xml><?xml version="1.0" encoding="utf-8"?>
+<p:tagLst xmlns:a="http://schemas.openxmlformats.org/drawingml/2006/main" xmlns:r="http://schemas.openxmlformats.org/officeDocument/2006/relationships" xmlns:p="http://schemas.openxmlformats.org/presentationml/2006/main">
   <p:tag name="KSO_WM_UNIT_HIGHLIGHT" val="0"/>
   <p:tag name="KSO_WM_UNIT_COMPATIBLE" val="0"/>
   <p:tag name="KSO_WM_UNIT_DIAGRAM_ISNUMVISUAL" val="0"/>
@@ -26791,8 +26735,138 @@
 </p:tagLst>
 </file>
 
-<file path=ppt/tags/tag131.xml><?xml version="1.0" encoding="utf-8"?>
-<p:tagLst xmlns:p="http://schemas.openxmlformats.org/presentationml/2006/main">
+<file path=ppt/tags/tag30.xml><?xml version="1.0" encoding="utf-8"?>
+<p:tagLst xmlns:a="http://schemas.openxmlformats.org/drawingml/2006/main" xmlns:r="http://schemas.openxmlformats.org/officeDocument/2006/relationships" xmlns:p="http://schemas.openxmlformats.org/presentationml/2006/main">
+  <p:tag name="KSO_WM_UNIT_HIGHLIGHT" val="0"/>
+  <p:tag name="KSO_WM_UNIT_COMPATIBLE" val="0"/>
+  <p:tag name="KSO_WM_UNIT_DIAGRAM_ISNUMVISUAL" val="0"/>
+  <p:tag name="KSO_WM_UNIT_DIAGRAM_ISREFERUNIT" val="0"/>
+  <p:tag name="KSO_WM_UNIT_ID" val="_4**"/>
+  <p:tag name="KSO_WM_UNIT_LAYERLEVEL" val="1"/>
+  <p:tag name="KSO_WM_TAG_VERSION" val="1.0"/>
+  <p:tag name="KSO_WM_BEAUTIFY_FLAG" val="#wm#"/>
+</p:tagLst>
+</file>
+
+<file path=ppt/tags/tag31.xml><?xml version="1.0" encoding="utf-8"?>
+<p:tagLst xmlns:a="http://schemas.openxmlformats.org/drawingml/2006/main" xmlns:r="http://schemas.openxmlformats.org/officeDocument/2006/relationships" xmlns:p="http://schemas.openxmlformats.org/presentationml/2006/main">
+  <p:tag name="KSO_WM_UNIT_HIGHLIGHT" val="0"/>
+  <p:tag name="KSO_WM_UNIT_COMPATIBLE" val="0"/>
+  <p:tag name="KSO_WM_UNIT_DIAGRAM_ISNUMVISUAL" val="0"/>
+  <p:tag name="KSO_WM_UNIT_DIAGRAM_ISREFERUNIT" val="0"/>
+  <p:tag name="KSO_WM_UNIT_ID" val="_4**"/>
+  <p:tag name="KSO_WM_UNIT_LAYERLEVEL" val="1"/>
+  <p:tag name="KSO_WM_TAG_VERSION" val="1.0"/>
+  <p:tag name="KSO_WM_BEAUTIFY_FLAG" val="#wm#"/>
+</p:tagLst>
+</file>
+
+<file path=ppt/tags/tag32.xml><?xml version="1.0" encoding="utf-8"?>
+<p:tagLst xmlns:a="http://schemas.openxmlformats.org/drawingml/2006/main" xmlns:r="http://schemas.openxmlformats.org/officeDocument/2006/relationships" xmlns:p="http://schemas.openxmlformats.org/presentationml/2006/main">
+  <p:tag name="KSO_WM_UNIT_HIGHLIGHT" val="0"/>
+  <p:tag name="KSO_WM_UNIT_COMPATIBLE" val="0"/>
+  <p:tag name="KSO_WM_UNIT_DIAGRAM_ISNUMVISUAL" val="0"/>
+  <p:tag name="KSO_WM_UNIT_DIAGRAM_ISREFERUNIT" val="0"/>
+  <p:tag name="KSO_WM_UNIT_ID" val="_4**"/>
+  <p:tag name="KSO_WM_UNIT_LAYERLEVEL" val="1"/>
+  <p:tag name="KSO_WM_TAG_VERSION" val="1.0"/>
+  <p:tag name="KSO_WM_BEAUTIFY_FLAG" val="#wm#"/>
+</p:tagLst>
+</file>
+
+<file path=ppt/tags/tag33.xml><?xml version="1.0" encoding="utf-8"?>
+<p:tagLst xmlns:a="http://schemas.openxmlformats.org/drawingml/2006/main" xmlns:r="http://schemas.openxmlformats.org/officeDocument/2006/relationships" xmlns:p="http://schemas.openxmlformats.org/presentationml/2006/main">
+  <p:tag name="KSO_WM_UNIT_HIGHLIGHT" val="0"/>
+  <p:tag name="KSO_WM_UNIT_COMPATIBLE" val="0"/>
+  <p:tag name="KSO_WM_UNIT_DIAGRAM_ISNUMVISUAL" val="0"/>
+  <p:tag name="KSO_WM_UNIT_DIAGRAM_ISREFERUNIT" val="0"/>
+  <p:tag name="KSO_WM_UNIT_ID" val="_5**"/>
+  <p:tag name="KSO_WM_UNIT_LAYERLEVEL" val="1"/>
+  <p:tag name="KSO_WM_TAG_VERSION" val="1.0"/>
+  <p:tag name="KSO_WM_BEAUTIFY_FLAG" val="#wm#"/>
+</p:tagLst>
+</file>
+
+<file path=ppt/tags/tag34.xml><?xml version="1.0" encoding="utf-8"?>
+<p:tagLst xmlns:a="http://schemas.openxmlformats.org/drawingml/2006/main" xmlns:r="http://schemas.openxmlformats.org/officeDocument/2006/relationships" xmlns:p="http://schemas.openxmlformats.org/presentationml/2006/main">
+  <p:tag name="KSO_WM_UNIT_HIGHLIGHT" val="0"/>
+  <p:tag name="KSO_WM_UNIT_COMPATIBLE" val="0"/>
+  <p:tag name="KSO_WM_UNIT_DIAGRAM_ISNUMVISUAL" val="0"/>
+  <p:tag name="KSO_WM_UNIT_DIAGRAM_ISREFERUNIT" val="0"/>
+  <p:tag name="KSO_WM_UNIT_ID" val="_5**"/>
+  <p:tag name="KSO_WM_UNIT_LAYERLEVEL" val="1"/>
+  <p:tag name="KSO_WM_TAG_VERSION" val="1.0"/>
+  <p:tag name="KSO_WM_BEAUTIFY_FLAG" val="#wm#"/>
+</p:tagLst>
+</file>
+
+<file path=ppt/tags/tag35.xml><?xml version="1.0" encoding="utf-8"?>
+<p:tagLst xmlns:a="http://schemas.openxmlformats.org/drawingml/2006/main" xmlns:r="http://schemas.openxmlformats.org/officeDocument/2006/relationships" xmlns:p="http://schemas.openxmlformats.org/presentationml/2006/main">
+  <p:tag name="KSO_WM_UNIT_HIGHLIGHT" val="0"/>
+  <p:tag name="KSO_WM_UNIT_COMPATIBLE" val="0"/>
+  <p:tag name="KSO_WM_UNIT_DIAGRAM_ISNUMVISUAL" val="0"/>
+  <p:tag name="KSO_WM_UNIT_DIAGRAM_ISREFERUNIT" val="0"/>
+  <p:tag name="KSO_WM_UNIT_ID" val="_5**"/>
+  <p:tag name="KSO_WM_UNIT_LAYERLEVEL" val="1"/>
+  <p:tag name="KSO_WM_TAG_VERSION" val="1.0"/>
+  <p:tag name="KSO_WM_BEAUTIFY_FLAG" val="#wm#"/>
+</p:tagLst>
+</file>
+
+<file path=ppt/tags/tag36.xml><?xml version="1.0" encoding="utf-8"?>
+<p:tagLst xmlns:a="http://schemas.openxmlformats.org/drawingml/2006/main" xmlns:r="http://schemas.openxmlformats.org/officeDocument/2006/relationships" xmlns:p="http://schemas.openxmlformats.org/presentationml/2006/main">
+  <p:tag name="KSO_WM_UNIT_HIGHLIGHT" val="0"/>
+  <p:tag name="KSO_WM_UNIT_COMPATIBLE" val="0"/>
+  <p:tag name="KSO_WM_UNIT_DIAGRAM_ISNUMVISUAL" val="0"/>
+  <p:tag name="KSO_WM_UNIT_DIAGRAM_ISREFERUNIT" val="0"/>
+  <p:tag name="KSO_WM_UNIT_ID" val="_5**"/>
+  <p:tag name="KSO_WM_UNIT_LAYERLEVEL" val="1"/>
+  <p:tag name="KSO_WM_TAG_VERSION" val="1.0"/>
+  <p:tag name="KSO_WM_BEAUTIFY_FLAG" val="#wm#"/>
+</p:tagLst>
+</file>
+
+<file path=ppt/tags/tag37.xml><?xml version="1.0" encoding="utf-8"?>
+<p:tagLst xmlns:a="http://schemas.openxmlformats.org/drawingml/2006/main" xmlns:r="http://schemas.openxmlformats.org/officeDocument/2006/relationships" xmlns:p="http://schemas.openxmlformats.org/presentationml/2006/main">
+  <p:tag name="KSO_WM_UNIT_HIGHLIGHT" val="0"/>
+  <p:tag name="KSO_WM_UNIT_COMPATIBLE" val="0"/>
+  <p:tag name="KSO_WM_UNIT_DIAGRAM_ISNUMVISUAL" val="0"/>
+  <p:tag name="KSO_WM_UNIT_DIAGRAM_ISREFERUNIT" val="0"/>
+  <p:tag name="KSO_WM_UNIT_ID" val="_5**"/>
+  <p:tag name="KSO_WM_UNIT_LAYERLEVEL" val="1"/>
+  <p:tag name="KSO_WM_TAG_VERSION" val="1.0"/>
+  <p:tag name="KSO_WM_BEAUTIFY_FLAG" val="#wm#"/>
+</p:tagLst>
+</file>
+
+<file path=ppt/tags/tag38.xml><?xml version="1.0" encoding="utf-8"?>
+<p:tagLst xmlns:a="http://schemas.openxmlformats.org/drawingml/2006/main" xmlns:r="http://schemas.openxmlformats.org/officeDocument/2006/relationships" xmlns:p="http://schemas.openxmlformats.org/presentationml/2006/main">
+  <p:tag name="KSO_WM_UNIT_HIGHLIGHT" val="0"/>
+  <p:tag name="KSO_WM_UNIT_COMPATIBLE" val="0"/>
+  <p:tag name="KSO_WM_UNIT_DIAGRAM_ISNUMVISUAL" val="0"/>
+  <p:tag name="KSO_WM_UNIT_DIAGRAM_ISREFERUNIT" val="0"/>
+  <p:tag name="KSO_WM_UNIT_ID" val="_5**"/>
+  <p:tag name="KSO_WM_UNIT_LAYERLEVEL" val="1"/>
+  <p:tag name="KSO_WM_TAG_VERSION" val="1.0"/>
+  <p:tag name="KSO_WM_BEAUTIFY_FLAG" val="#wm#"/>
+</p:tagLst>
+</file>
+
+<file path=ppt/tags/tag39.xml><?xml version="1.0" encoding="utf-8"?>
+<p:tagLst xmlns:a="http://schemas.openxmlformats.org/drawingml/2006/main" xmlns:r="http://schemas.openxmlformats.org/officeDocument/2006/relationships" xmlns:p="http://schemas.openxmlformats.org/presentationml/2006/main">
+  <p:tag name="KSO_WM_UNIT_HIGHLIGHT" val="0"/>
+  <p:tag name="KSO_WM_UNIT_COMPATIBLE" val="0"/>
+  <p:tag name="KSO_WM_UNIT_DIAGRAM_ISNUMVISUAL" val="0"/>
+  <p:tag name="KSO_WM_UNIT_DIAGRAM_ISREFERUNIT" val="0"/>
+  <p:tag name="KSO_WM_UNIT_ID" val="_5**"/>
+  <p:tag name="KSO_WM_UNIT_LAYERLEVEL" val="1"/>
+  <p:tag name="KSO_WM_TAG_VERSION" val="1.0"/>
+  <p:tag name="KSO_WM_BEAUTIFY_FLAG" val="#wm#"/>
+</p:tagLst>
+</file>
+
+<file path=ppt/tags/tag4.xml><?xml version="1.0" encoding="utf-8"?>
+<p:tagLst xmlns:a="http://schemas.openxmlformats.org/drawingml/2006/main" xmlns:r="http://schemas.openxmlformats.org/officeDocument/2006/relationships" xmlns:p="http://schemas.openxmlformats.org/presentationml/2006/main">
   <p:tag name="KSO_WM_UNIT_HIGHLIGHT" val="0"/>
   <p:tag name="KSO_WM_UNIT_COMPATIBLE" val="0"/>
   <p:tag name="KSO_WM_UNIT_DIAGRAM_ISNUMVISUAL" val="0"/>
@@ -26804,8 +26878,138 @@
 </p:tagLst>
 </file>
 
-<file path=ppt/tags/tag132.xml><?xml version="1.0" encoding="utf-8"?>
-<p:tagLst xmlns:p="http://schemas.openxmlformats.org/presentationml/2006/main">
+<file path=ppt/tags/tag40.xml><?xml version="1.0" encoding="utf-8"?>
+<p:tagLst xmlns:a="http://schemas.openxmlformats.org/drawingml/2006/main" xmlns:r="http://schemas.openxmlformats.org/officeDocument/2006/relationships" xmlns:p="http://schemas.openxmlformats.org/presentationml/2006/main">
+  <p:tag name="KSO_WM_UNIT_HIGHLIGHT" val="0"/>
+  <p:tag name="KSO_WM_UNIT_COMPATIBLE" val="0"/>
+  <p:tag name="KSO_WM_UNIT_DIAGRAM_ISNUMVISUAL" val="0"/>
+  <p:tag name="KSO_WM_UNIT_DIAGRAM_ISREFERUNIT" val="0"/>
+  <p:tag name="KSO_WM_UNIT_ID" val="_5**"/>
+  <p:tag name="KSO_WM_UNIT_LAYERLEVEL" val="1"/>
+  <p:tag name="KSO_WM_TAG_VERSION" val="1.0"/>
+  <p:tag name="KSO_WM_BEAUTIFY_FLAG" val="#wm#"/>
+</p:tagLst>
+</file>
+
+<file path=ppt/tags/tag41.xml><?xml version="1.0" encoding="utf-8"?>
+<p:tagLst xmlns:a="http://schemas.openxmlformats.org/drawingml/2006/main" xmlns:r="http://schemas.openxmlformats.org/officeDocument/2006/relationships" xmlns:p="http://schemas.openxmlformats.org/presentationml/2006/main">
+  <p:tag name="KSO_WM_UNIT_HIGHLIGHT" val="0"/>
+  <p:tag name="KSO_WM_UNIT_COMPATIBLE" val="0"/>
+  <p:tag name="KSO_WM_UNIT_DIAGRAM_ISNUMVISUAL" val="0"/>
+  <p:tag name="KSO_WM_UNIT_DIAGRAM_ISREFERUNIT" val="0"/>
+  <p:tag name="KSO_WM_UNIT_ID" val="_6**"/>
+  <p:tag name="KSO_WM_UNIT_LAYERLEVEL" val="1"/>
+  <p:tag name="KSO_WM_TAG_VERSION" val="1.0"/>
+  <p:tag name="KSO_WM_BEAUTIFY_FLAG" val="#wm#"/>
+</p:tagLst>
+</file>
+
+<file path=ppt/tags/tag42.xml><?xml version="1.0" encoding="utf-8"?>
+<p:tagLst xmlns:a="http://schemas.openxmlformats.org/drawingml/2006/main" xmlns:r="http://schemas.openxmlformats.org/officeDocument/2006/relationships" xmlns:p="http://schemas.openxmlformats.org/presentationml/2006/main">
+  <p:tag name="KSO_WM_UNIT_HIGHLIGHT" val="0"/>
+  <p:tag name="KSO_WM_UNIT_COMPATIBLE" val="0"/>
+  <p:tag name="KSO_WM_UNIT_DIAGRAM_ISNUMVISUAL" val="0"/>
+  <p:tag name="KSO_WM_UNIT_DIAGRAM_ISREFERUNIT" val="0"/>
+  <p:tag name="KSO_WM_UNIT_ID" val="_6**"/>
+  <p:tag name="KSO_WM_UNIT_LAYERLEVEL" val="1"/>
+  <p:tag name="KSO_WM_TAG_VERSION" val="1.0"/>
+  <p:tag name="KSO_WM_BEAUTIFY_FLAG" val="#wm#"/>
+</p:tagLst>
+</file>
+
+<file path=ppt/tags/tag43.xml><?xml version="1.0" encoding="utf-8"?>
+<p:tagLst xmlns:a="http://schemas.openxmlformats.org/drawingml/2006/main" xmlns:r="http://schemas.openxmlformats.org/officeDocument/2006/relationships" xmlns:p="http://schemas.openxmlformats.org/presentationml/2006/main">
+  <p:tag name="KSO_WM_UNIT_HIGHLIGHT" val="0"/>
+  <p:tag name="KSO_WM_UNIT_COMPATIBLE" val="0"/>
+  <p:tag name="KSO_WM_UNIT_DIAGRAM_ISNUMVISUAL" val="0"/>
+  <p:tag name="KSO_WM_UNIT_DIAGRAM_ISREFERUNIT" val="0"/>
+  <p:tag name="KSO_WM_UNIT_ID" val="_6**"/>
+  <p:tag name="KSO_WM_UNIT_LAYERLEVEL" val="1"/>
+  <p:tag name="KSO_WM_TAG_VERSION" val="1.0"/>
+  <p:tag name="KSO_WM_BEAUTIFY_FLAG" val="#wm#"/>
+</p:tagLst>
+</file>
+
+<file path=ppt/tags/tag44.xml><?xml version="1.0" encoding="utf-8"?>
+<p:tagLst xmlns:a="http://schemas.openxmlformats.org/drawingml/2006/main" xmlns:r="http://schemas.openxmlformats.org/officeDocument/2006/relationships" xmlns:p="http://schemas.openxmlformats.org/presentationml/2006/main">
+  <p:tag name="KSO_WM_UNIT_HIGHLIGHT" val="0"/>
+  <p:tag name="KSO_WM_UNIT_COMPATIBLE" val="0"/>
+  <p:tag name="KSO_WM_UNIT_DIAGRAM_ISNUMVISUAL" val="0"/>
+  <p:tag name="KSO_WM_UNIT_DIAGRAM_ISREFERUNIT" val="0"/>
+  <p:tag name="KSO_WM_UNIT_ID" val="_6**"/>
+  <p:tag name="KSO_WM_UNIT_LAYERLEVEL" val="1"/>
+  <p:tag name="KSO_WM_TAG_VERSION" val="1.0"/>
+  <p:tag name="KSO_WM_BEAUTIFY_FLAG" val="#wm#"/>
+</p:tagLst>
+</file>
+
+<file path=ppt/tags/tag45.xml><?xml version="1.0" encoding="utf-8"?>
+<p:tagLst xmlns:a="http://schemas.openxmlformats.org/drawingml/2006/main" xmlns:r="http://schemas.openxmlformats.org/officeDocument/2006/relationships" xmlns:p="http://schemas.openxmlformats.org/presentationml/2006/main">
+  <p:tag name="KSO_WM_UNIT_HIGHLIGHT" val="0"/>
+  <p:tag name="KSO_WM_UNIT_COMPATIBLE" val="0"/>
+  <p:tag name="KSO_WM_UNIT_DIAGRAM_ISNUMVISUAL" val="0"/>
+  <p:tag name="KSO_WM_UNIT_DIAGRAM_ISREFERUNIT" val="0"/>
+  <p:tag name="KSO_WM_UNIT_ID" val="_6**"/>
+  <p:tag name="KSO_WM_UNIT_LAYERLEVEL" val="1"/>
+  <p:tag name="KSO_WM_TAG_VERSION" val="1.0"/>
+  <p:tag name="KSO_WM_BEAUTIFY_FLAG" val="#wm#"/>
+</p:tagLst>
+</file>
+
+<file path=ppt/tags/tag46.xml><?xml version="1.0" encoding="utf-8"?>
+<p:tagLst xmlns:a="http://schemas.openxmlformats.org/drawingml/2006/main" xmlns:r="http://schemas.openxmlformats.org/officeDocument/2006/relationships" xmlns:p="http://schemas.openxmlformats.org/presentationml/2006/main">
+  <p:tag name="KSO_WM_UNIT_HIGHLIGHT" val="0"/>
+  <p:tag name="KSO_WM_UNIT_COMPATIBLE" val="0"/>
+  <p:tag name="KSO_WM_UNIT_DIAGRAM_ISNUMVISUAL" val="0"/>
+  <p:tag name="KSO_WM_UNIT_DIAGRAM_ISREFERUNIT" val="0"/>
+  <p:tag name="KSO_WM_UNIT_ID" val="_6**"/>
+  <p:tag name="KSO_WM_UNIT_LAYERLEVEL" val="1"/>
+  <p:tag name="KSO_WM_TAG_VERSION" val="1.0"/>
+  <p:tag name="KSO_WM_BEAUTIFY_FLAG" val="#wm#"/>
+</p:tagLst>
+</file>
+
+<file path=ppt/tags/tag47.xml><?xml version="1.0" encoding="utf-8"?>
+<p:tagLst xmlns:a="http://schemas.openxmlformats.org/drawingml/2006/main" xmlns:r="http://schemas.openxmlformats.org/officeDocument/2006/relationships" xmlns:p="http://schemas.openxmlformats.org/presentationml/2006/main">
+  <p:tag name="KSO_WM_UNIT_HIGHLIGHT" val="0"/>
+  <p:tag name="KSO_WM_UNIT_COMPATIBLE" val="0"/>
+  <p:tag name="KSO_WM_UNIT_DIAGRAM_ISNUMVISUAL" val="0"/>
+  <p:tag name="KSO_WM_UNIT_DIAGRAM_ISREFERUNIT" val="0"/>
+  <p:tag name="KSO_WM_UNIT_ID" val="_7**"/>
+  <p:tag name="KSO_WM_UNIT_LAYERLEVEL" val="1"/>
+  <p:tag name="KSO_WM_TAG_VERSION" val="1.0"/>
+  <p:tag name="KSO_WM_BEAUTIFY_FLAG" val="#wm#"/>
+</p:tagLst>
+</file>
+
+<file path=ppt/tags/tag48.xml><?xml version="1.0" encoding="utf-8"?>
+<p:tagLst xmlns:a="http://schemas.openxmlformats.org/drawingml/2006/main" xmlns:r="http://schemas.openxmlformats.org/officeDocument/2006/relationships" xmlns:p="http://schemas.openxmlformats.org/presentationml/2006/main">
+  <p:tag name="KSO_WM_UNIT_HIGHLIGHT" val="0"/>
+  <p:tag name="KSO_WM_UNIT_COMPATIBLE" val="0"/>
+  <p:tag name="KSO_WM_UNIT_DIAGRAM_ISNUMVISUAL" val="0"/>
+  <p:tag name="KSO_WM_UNIT_DIAGRAM_ISREFERUNIT" val="0"/>
+  <p:tag name="KSO_WM_UNIT_ID" val="_7**"/>
+  <p:tag name="KSO_WM_UNIT_LAYERLEVEL" val="1"/>
+  <p:tag name="KSO_WM_TAG_VERSION" val="1.0"/>
+  <p:tag name="KSO_WM_BEAUTIFY_FLAG" val="#wm#"/>
+</p:tagLst>
+</file>
+
+<file path=ppt/tags/tag49.xml><?xml version="1.0" encoding="utf-8"?>
+<p:tagLst xmlns:a="http://schemas.openxmlformats.org/drawingml/2006/main" xmlns:r="http://schemas.openxmlformats.org/officeDocument/2006/relationships" xmlns:p="http://schemas.openxmlformats.org/presentationml/2006/main">
+  <p:tag name="KSO_WM_UNIT_HIGHLIGHT" val="0"/>
+  <p:tag name="KSO_WM_UNIT_COMPATIBLE" val="0"/>
+  <p:tag name="KSO_WM_UNIT_DIAGRAM_ISNUMVISUAL" val="0"/>
+  <p:tag name="KSO_WM_UNIT_DIAGRAM_ISREFERUNIT" val="0"/>
+  <p:tag name="KSO_WM_UNIT_ID" val="_7**"/>
+  <p:tag name="KSO_WM_UNIT_LAYERLEVEL" val="1"/>
+  <p:tag name="KSO_WM_TAG_VERSION" val="1.0"/>
+  <p:tag name="KSO_WM_BEAUTIFY_FLAG" val="#wm#"/>
+</p:tagLst>
+</file>
+
+<file path=ppt/tags/tag5.xml><?xml version="1.0" encoding="utf-8"?>
+<p:tagLst xmlns:a="http://schemas.openxmlformats.org/drawingml/2006/main" xmlns:r="http://schemas.openxmlformats.org/officeDocument/2006/relationships" xmlns:p="http://schemas.openxmlformats.org/presentationml/2006/main">
   <p:tag name="KSO_WM_UNIT_HIGHLIGHT" val="0"/>
   <p:tag name="KSO_WM_UNIT_COMPATIBLE" val="0"/>
   <p:tag name="KSO_WM_UNIT_DIAGRAM_ISNUMVISUAL" val="0"/>
@@ -26817,8 +27021,138 @@
 </p:tagLst>
 </file>
 
-<file path=ppt/tags/tag133.xml><?xml version="1.0" encoding="utf-8"?>
-<p:tagLst xmlns:p="http://schemas.openxmlformats.org/presentationml/2006/main">
+<file path=ppt/tags/tag50.xml><?xml version="1.0" encoding="utf-8"?>
+<p:tagLst xmlns:a="http://schemas.openxmlformats.org/drawingml/2006/main" xmlns:r="http://schemas.openxmlformats.org/officeDocument/2006/relationships" xmlns:p="http://schemas.openxmlformats.org/presentationml/2006/main">
+  <p:tag name="KSO_WM_UNIT_HIGHLIGHT" val="0"/>
+  <p:tag name="KSO_WM_UNIT_COMPATIBLE" val="0"/>
+  <p:tag name="KSO_WM_UNIT_DIAGRAM_ISNUMVISUAL" val="0"/>
+  <p:tag name="KSO_WM_UNIT_DIAGRAM_ISREFERUNIT" val="0"/>
+  <p:tag name="KSO_WM_UNIT_ID" val="_8**"/>
+  <p:tag name="KSO_WM_UNIT_LAYERLEVEL" val="1"/>
+  <p:tag name="KSO_WM_TAG_VERSION" val="1.0"/>
+  <p:tag name="KSO_WM_BEAUTIFY_FLAG" val="#wm#"/>
+</p:tagLst>
+</file>
+
+<file path=ppt/tags/tag51.xml><?xml version="1.0" encoding="utf-8"?>
+<p:tagLst xmlns:a="http://schemas.openxmlformats.org/drawingml/2006/main" xmlns:r="http://schemas.openxmlformats.org/officeDocument/2006/relationships" xmlns:p="http://schemas.openxmlformats.org/presentationml/2006/main">
+  <p:tag name="KSO_WM_UNIT_HIGHLIGHT" val="0"/>
+  <p:tag name="KSO_WM_UNIT_COMPATIBLE" val="0"/>
+  <p:tag name="KSO_WM_UNIT_DIAGRAM_ISNUMVISUAL" val="0"/>
+  <p:tag name="KSO_WM_UNIT_DIAGRAM_ISREFERUNIT" val="0"/>
+  <p:tag name="KSO_WM_UNIT_ID" val="_8**"/>
+  <p:tag name="KSO_WM_UNIT_LAYERLEVEL" val="1"/>
+  <p:tag name="KSO_WM_TAG_VERSION" val="1.0"/>
+  <p:tag name="KSO_WM_BEAUTIFY_FLAG" val="#wm#"/>
+</p:tagLst>
+</file>
+
+<file path=ppt/tags/tag52.xml><?xml version="1.0" encoding="utf-8"?>
+<p:tagLst xmlns:a="http://schemas.openxmlformats.org/drawingml/2006/main" xmlns:r="http://schemas.openxmlformats.org/officeDocument/2006/relationships" xmlns:p="http://schemas.openxmlformats.org/presentationml/2006/main">
+  <p:tag name="KSO_WM_UNIT_HIGHLIGHT" val="0"/>
+  <p:tag name="KSO_WM_UNIT_COMPATIBLE" val="0"/>
+  <p:tag name="KSO_WM_UNIT_DIAGRAM_ISNUMVISUAL" val="0"/>
+  <p:tag name="KSO_WM_UNIT_DIAGRAM_ISREFERUNIT" val="0"/>
+  <p:tag name="KSO_WM_UNIT_ID" val="_8**"/>
+  <p:tag name="KSO_WM_UNIT_LAYERLEVEL" val="1"/>
+  <p:tag name="KSO_WM_TAG_VERSION" val="1.0"/>
+  <p:tag name="KSO_WM_BEAUTIFY_FLAG" val="#wm#"/>
+</p:tagLst>
+</file>
+
+<file path=ppt/tags/tag53.xml><?xml version="1.0" encoding="utf-8"?>
+<p:tagLst xmlns:a="http://schemas.openxmlformats.org/drawingml/2006/main" xmlns:r="http://schemas.openxmlformats.org/officeDocument/2006/relationships" xmlns:p="http://schemas.openxmlformats.org/presentationml/2006/main">
+  <p:tag name="KSO_WM_UNIT_HIGHLIGHT" val="0"/>
+  <p:tag name="KSO_WM_UNIT_COMPATIBLE" val="0"/>
+  <p:tag name="KSO_WM_UNIT_DIAGRAM_ISNUMVISUAL" val="0"/>
+  <p:tag name="KSO_WM_UNIT_DIAGRAM_ISREFERUNIT" val="0"/>
+  <p:tag name="KSO_WM_UNIT_ID" val="_8**"/>
+  <p:tag name="KSO_WM_UNIT_LAYERLEVEL" val="1"/>
+  <p:tag name="KSO_WM_TAG_VERSION" val="1.0"/>
+  <p:tag name="KSO_WM_BEAUTIFY_FLAG" val="#wm#"/>
+</p:tagLst>
+</file>
+
+<file path=ppt/tags/tag54.xml><?xml version="1.0" encoding="utf-8"?>
+<p:tagLst xmlns:a="http://schemas.openxmlformats.org/drawingml/2006/main" xmlns:r="http://schemas.openxmlformats.org/officeDocument/2006/relationships" xmlns:p="http://schemas.openxmlformats.org/presentationml/2006/main">
+  <p:tag name="KSO_WM_UNIT_HIGHLIGHT" val="0"/>
+  <p:tag name="KSO_WM_UNIT_COMPATIBLE" val="0"/>
+  <p:tag name="KSO_WM_UNIT_DIAGRAM_ISNUMVISUAL" val="0"/>
+  <p:tag name="KSO_WM_UNIT_DIAGRAM_ISREFERUNIT" val="0"/>
+  <p:tag name="KSO_WM_UNIT_ID" val="_8**"/>
+  <p:tag name="KSO_WM_UNIT_LAYERLEVEL" val="1"/>
+  <p:tag name="KSO_WM_TAG_VERSION" val="1.0"/>
+  <p:tag name="KSO_WM_BEAUTIFY_FLAG" val="#wm#"/>
+</p:tagLst>
+</file>
+
+<file path=ppt/tags/tag55.xml><?xml version="1.0" encoding="utf-8"?>
+<p:tagLst xmlns:a="http://schemas.openxmlformats.org/drawingml/2006/main" xmlns:r="http://schemas.openxmlformats.org/officeDocument/2006/relationships" xmlns:p="http://schemas.openxmlformats.org/presentationml/2006/main">
+  <p:tag name="KSO_WM_UNIT_HIGHLIGHT" val="0"/>
+  <p:tag name="KSO_WM_UNIT_COMPATIBLE" val="0"/>
+  <p:tag name="KSO_WM_UNIT_DIAGRAM_ISNUMVISUAL" val="0"/>
+  <p:tag name="KSO_WM_UNIT_DIAGRAM_ISREFERUNIT" val="0"/>
+  <p:tag name="KSO_WM_UNIT_ID" val="_8**"/>
+  <p:tag name="KSO_WM_UNIT_LAYERLEVEL" val="1"/>
+  <p:tag name="KSO_WM_TAG_VERSION" val="1.0"/>
+  <p:tag name="KSO_WM_BEAUTIFY_FLAG" val="#wm#"/>
+</p:tagLst>
+</file>
+
+<file path=ppt/tags/tag56.xml><?xml version="1.0" encoding="utf-8"?>
+<p:tagLst xmlns:a="http://schemas.openxmlformats.org/drawingml/2006/main" xmlns:r="http://schemas.openxmlformats.org/officeDocument/2006/relationships" xmlns:p="http://schemas.openxmlformats.org/presentationml/2006/main">
+  <p:tag name="KSO_WM_UNIT_HIGHLIGHT" val="0"/>
+  <p:tag name="KSO_WM_UNIT_COMPATIBLE" val="0"/>
+  <p:tag name="KSO_WM_UNIT_DIAGRAM_ISNUMVISUAL" val="0"/>
+  <p:tag name="KSO_WM_UNIT_DIAGRAM_ISREFERUNIT" val="0"/>
+  <p:tag name="KSO_WM_UNIT_ID" val="_9**"/>
+  <p:tag name="KSO_WM_UNIT_LAYERLEVEL" val="1"/>
+  <p:tag name="KSO_WM_TAG_VERSION" val="1.0"/>
+  <p:tag name="KSO_WM_BEAUTIFY_FLAG" val="#wm#"/>
+</p:tagLst>
+</file>
+
+<file path=ppt/tags/tag57.xml><?xml version="1.0" encoding="utf-8"?>
+<p:tagLst xmlns:a="http://schemas.openxmlformats.org/drawingml/2006/main" xmlns:r="http://schemas.openxmlformats.org/officeDocument/2006/relationships" xmlns:p="http://schemas.openxmlformats.org/presentationml/2006/main">
+  <p:tag name="KSO_WM_UNIT_HIGHLIGHT" val="0"/>
+  <p:tag name="KSO_WM_UNIT_COMPATIBLE" val="0"/>
+  <p:tag name="KSO_WM_UNIT_DIAGRAM_ISNUMVISUAL" val="0"/>
+  <p:tag name="KSO_WM_UNIT_DIAGRAM_ISREFERUNIT" val="0"/>
+  <p:tag name="KSO_WM_UNIT_ID" val="_9**"/>
+  <p:tag name="KSO_WM_UNIT_LAYERLEVEL" val="1"/>
+  <p:tag name="KSO_WM_TAG_VERSION" val="1.0"/>
+  <p:tag name="KSO_WM_BEAUTIFY_FLAG" val="#wm#"/>
+</p:tagLst>
+</file>
+
+<file path=ppt/tags/tag58.xml><?xml version="1.0" encoding="utf-8"?>
+<p:tagLst xmlns:a="http://schemas.openxmlformats.org/drawingml/2006/main" xmlns:r="http://schemas.openxmlformats.org/officeDocument/2006/relationships" xmlns:p="http://schemas.openxmlformats.org/presentationml/2006/main">
+  <p:tag name="KSO_WM_UNIT_HIGHLIGHT" val="0"/>
+  <p:tag name="KSO_WM_UNIT_COMPATIBLE" val="0"/>
+  <p:tag name="KSO_WM_UNIT_DIAGRAM_ISNUMVISUAL" val="0"/>
+  <p:tag name="KSO_WM_UNIT_DIAGRAM_ISREFERUNIT" val="0"/>
+  <p:tag name="KSO_WM_UNIT_ID" val="_9**"/>
+  <p:tag name="KSO_WM_UNIT_LAYERLEVEL" val="1"/>
+  <p:tag name="KSO_WM_TAG_VERSION" val="1.0"/>
+  <p:tag name="KSO_WM_BEAUTIFY_FLAG" val="#wm#"/>
+</p:tagLst>
+</file>
+
+<file path=ppt/tags/tag59.xml><?xml version="1.0" encoding="utf-8"?>
+<p:tagLst xmlns:a="http://schemas.openxmlformats.org/drawingml/2006/main" xmlns:r="http://schemas.openxmlformats.org/officeDocument/2006/relationships" xmlns:p="http://schemas.openxmlformats.org/presentationml/2006/main">
+  <p:tag name="KSO_WM_UNIT_HIGHLIGHT" val="0"/>
+  <p:tag name="KSO_WM_UNIT_COMPATIBLE" val="0"/>
+  <p:tag name="KSO_WM_UNIT_DIAGRAM_ISNUMVISUAL" val="0"/>
+  <p:tag name="KSO_WM_UNIT_DIAGRAM_ISREFERUNIT" val="0"/>
+  <p:tag name="KSO_WM_UNIT_ID" val="_9**"/>
+  <p:tag name="KSO_WM_UNIT_LAYERLEVEL" val="1"/>
+  <p:tag name="KSO_WM_TAG_VERSION" val="1.0"/>
+  <p:tag name="KSO_WM_BEAUTIFY_FLAG" val="#wm#"/>
+</p:tagLst>
+</file>
+
+<file path=ppt/tags/tag6.xml><?xml version="1.0" encoding="utf-8"?>
+<p:tagLst xmlns:a="http://schemas.openxmlformats.org/drawingml/2006/main" xmlns:r="http://schemas.openxmlformats.org/officeDocument/2006/relationships" xmlns:p="http://schemas.openxmlformats.org/presentationml/2006/main">
   <p:tag name="KSO_WM_TEMPLATE_SUBCATEGORY" val="0"/>
   <p:tag name="KSO_WM_TEMPLATE_MASTER_TYPE" val="1"/>
   <p:tag name="KSO_WM_TEMPLATE_COLOR_TYPE" val="1"/>
@@ -26831,141 +27165,138 @@
 </p:tagLst>
 </file>
 
-<file path=ppt/tags/tag134.xml><?xml version="1.0" encoding="utf-8"?>
-<p:tagLst xmlns:p="http://schemas.openxmlformats.org/presentationml/2006/main">
-  <p:tag name="MH" val="20160830110146"/>
-  <p:tag name="MH_LIBRARY" val="CONTENTS"/>
-  <p:tag name="MH_TYPE" val="OTHERS"/>
-  <p:tag name="ID" val="553512"/>
-</p:tagLst>
-</file>
-
-<file path=ppt/tags/tag135.xml><?xml version="1.0" encoding="utf-8"?>
-<p:tagLst xmlns:p="http://schemas.openxmlformats.org/presentationml/2006/main">
-  <p:tag name="MH" val="20160830110146"/>
-  <p:tag name="MH_LIBRARY" val="CONTENTS"/>
-  <p:tag name="MH_TYPE" val="OTHERS"/>
-  <p:tag name="ID" val="553512"/>
-</p:tagLst>
-</file>
-
-<file path=ppt/tags/tag136.xml><?xml version="1.0" encoding="utf-8"?>
-<p:tagLst xmlns:p="http://schemas.openxmlformats.org/presentationml/2006/main">
-  <p:tag name="MH" val="20160830110146"/>
-  <p:tag name="MH_LIBRARY" val="CONTENTS"/>
-  <p:tag name="MH_TYPE" val="ENTRY"/>
-  <p:tag name="ID" val="553512"/>
-  <p:tag name="MH_ORDER" val="1"/>
-</p:tagLst>
-</file>
-
-<file path=ppt/tags/tag137.xml><?xml version="1.0" encoding="utf-8"?>
-<p:tagLst xmlns:p="http://schemas.openxmlformats.org/presentationml/2006/main">
-  <p:tag name="MH" val="20160830110146"/>
-  <p:tag name="MH_LIBRARY" val="CONTENTS"/>
-  <p:tag name="MH_TYPE" val="ENTRY"/>
-  <p:tag name="ID" val="553512"/>
-  <p:tag name="MH_ORDER" val="2"/>
-</p:tagLst>
-</file>
-
-<file path=ppt/tags/tag138.xml><?xml version="1.0" encoding="utf-8"?>
-<p:tagLst xmlns:p="http://schemas.openxmlformats.org/presentationml/2006/main">
-  <p:tag name="MH" val="20160830110146"/>
-  <p:tag name="MH_LIBRARY" val="CONTENTS"/>
-  <p:tag name="MH_TYPE" val="ENTRY"/>
-  <p:tag name="ID" val="553512"/>
-  <p:tag name="MH_ORDER" val="3"/>
-</p:tagLst>
-</file>
-
-<file path=ppt/tags/tag139.xml><?xml version="1.0" encoding="utf-8"?>
-<p:tagLst xmlns:p="http://schemas.openxmlformats.org/presentationml/2006/main">
-  <p:tag name="KSO_WM_TEMPLATE_CATEGORY" val="custom"/>
-  <p:tag name="KSO_WM_TEMPLATE_INDEX" val="20203902"/>
-</p:tagLst>
-</file>
-
-<file path=ppt/tags/tag14.xml><?xml version="1.0" encoding="utf-8"?>
-<p:tagLst xmlns:p="http://schemas.openxmlformats.org/presentationml/2006/main">
+<file path=ppt/tags/tag60.xml><?xml version="1.0" encoding="utf-8"?>
+<p:tagLst xmlns:a="http://schemas.openxmlformats.org/drawingml/2006/main" xmlns:r="http://schemas.openxmlformats.org/officeDocument/2006/relationships" xmlns:p="http://schemas.openxmlformats.org/presentationml/2006/main">
   <p:tag name="KSO_WM_UNIT_HIGHLIGHT" val="0"/>
   <p:tag name="KSO_WM_UNIT_COMPATIBLE" val="0"/>
   <p:tag name="KSO_WM_UNIT_DIAGRAM_ISNUMVISUAL" val="0"/>
   <p:tag name="KSO_WM_UNIT_DIAGRAM_ISREFERUNIT" val="0"/>
-  <p:tag name="KSO_WM_UNIT_ID" val="_3**"/>
+  <p:tag name="KSO_WM_UNIT_ID" val="_9**"/>
   <p:tag name="KSO_WM_UNIT_LAYERLEVEL" val="1"/>
   <p:tag name="KSO_WM_TAG_VERSION" val="1.0"/>
   <p:tag name="KSO_WM_BEAUTIFY_FLAG" val="#wm#"/>
 </p:tagLst>
 </file>
 
-<file path=ppt/tags/tag15.xml><?xml version="1.0" encoding="utf-8"?>
-<p:tagLst xmlns:p="http://schemas.openxmlformats.org/presentationml/2006/main">
+<file path=ppt/tags/tag61.xml><?xml version="1.0" encoding="utf-8"?>
+<p:tagLst xmlns:a="http://schemas.openxmlformats.org/drawingml/2006/main" xmlns:r="http://schemas.openxmlformats.org/officeDocument/2006/relationships" xmlns:p="http://schemas.openxmlformats.org/presentationml/2006/main">
   <p:tag name="KSO_WM_UNIT_HIGHLIGHT" val="0"/>
   <p:tag name="KSO_WM_UNIT_COMPATIBLE" val="0"/>
   <p:tag name="KSO_WM_UNIT_DIAGRAM_ISNUMVISUAL" val="0"/>
   <p:tag name="KSO_WM_UNIT_DIAGRAM_ISREFERUNIT" val="0"/>
-  <p:tag name="KSO_WM_UNIT_ID" val="_3**"/>
+  <p:tag name="KSO_WM_UNIT_ID" val="_10**"/>
   <p:tag name="KSO_WM_UNIT_LAYERLEVEL" val="1"/>
   <p:tag name="KSO_WM_TAG_VERSION" val="1.0"/>
   <p:tag name="KSO_WM_BEAUTIFY_FLAG" val="#wm#"/>
 </p:tagLst>
 </file>
 
-<file path=ppt/tags/tag16.xml><?xml version="1.0" encoding="utf-8"?>
-<p:tagLst xmlns:p="http://schemas.openxmlformats.org/presentationml/2006/main">
+<file path=ppt/tags/tag62.xml><?xml version="1.0" encoding="utf-8"?>
+<p:tagLst xmlns:a="http://schemas.openxmlformats.org/drawingml/2006/main" xmlns:r="http://schemas.openxmlformats.org/officeDocument/2006/relationships" xmlns:p="http://schemas.openxmlformats.org/presentationml/2006/main">
   <p:tag name="KSO_WM_UNIT_HIGHLIGHT" val="0"/>
   <p:tag name="KSO_WM_UNIT_COMPATIBLE" val="0"/>
   <p:tag name="KSO_WM_UNIT_DIAGRAM_ISNUMVISUAL" val="0"/>
   <p:tag name="KSO_WM_UNIT_DIAGRAM_ISREFERUNIT" val="0"/>
-  <p:tag name="KSO_WM_UNIT_ID" val="_3**"/>
+  <p:tag name="KSO_WM_UNIT_ID" val="_10**"/>
   <p:tag name="KSO_WM_UNIT_LAYERLEVEL" val="1"/>
   <p:tag name="KSO_WM_TAG_VERSION" val="1.0"/>
   <p:tag name="KSO_WM_BEAUTIFY_FLAG" val="#wm#"/>
 </p:tagLst>
 </file>
 
-<file path=ppt/tags/tag17.xml><?xml version="1.0" encoding="utf-8"?>
-<p:tagLst xmlns:p="http://schemas.openxmlformats.org/presentationml/2006/main">
+<file path=ppt/tags/tag63.xml><?xml version="1.0" encoding="utf-8"?>
+<p:tagLst xmlns:a="http://schemas.openxmlformats.org/drawingml/2006/main" xmlns:r="http://schemas.openxmlformats.org/officeDocument/2006/relationships" xmlns:p="http://schemas.openxmlformats.org/presentationml/2006/main">
   <p:tag name="KSO_WM_UNIT_HIGHLIGHT" val="0"/>
   <p:tag name="KSO_WM_UNIT_COMPATIBLE" val="0"/>
   <p:tag name="KSO_WM_UNIT_DIAGRAM_ISNUMVISUAL" val="0"/>
   <p:tag name="KSO_WM_UNIT_DIAGRAM_ISREFERUNIT" val="0"/>
-  <p:tag name="KSO_WM_UNIT_ID" val="_3**"/>
+  <p:tag name="KSO_WM_UNIT_ID" val="_10**"/>
   <p:tag name="KSO_WM_UNIT_LAYERLEVEL" val="1"/>
   <p:tag name="KSO_WM_TAG_VERSION" val="1.0"/>
   <p:tag name="KSO_WM_BEAUTIFY_FLAG" val="#wm#"/>
 </p:tagLst>
 </file>
 
-<file path=ppt/tags/tag18.xml><?xml version="1.0" encoding="utf-8"?>
-<p:tagLst xmlns:p="http://schemas.openxmlformats.org/presentationml/2006/main">
+<file path=ppt/tags/tag64.xml><?xml version="1.0" encoding="utf-8"?>
+<p:tagLst xmlns:a="http://schemas.openxmlformats.org/drawingml/2006/main" xmlns:r="http://schemas.openxmlformats.org/officeDocument/2006/relationships" xmlns:p="http://schemas.openxmlformats.org/presentationml/2006/main">
   <p:tag name="KSO_WM_UNIT_HIGHLIGHT" val="0"/>
   <p:tag name="KSO_WM_UNIT_COMPATIBLE" val="0"/>
   <p:tag name="KSO_WM_UNIT_DIAGRAM_ISNUMVISUAL" val="0"/>
   <p:tag name="KSO_WM_UNIT_DIAGRAM_ISREFERUNIT" val="0"/>
-  <p:tag name="KSO_WM_UNIT_ID" val="_3**"/>
+  <p:tag name="KSO_WM_UNIT_ID" val="_10**"/>
   <p:tag name="KSO_WM_UNIT_LAYERLEVEL" val="1"/>
   <p:tag name="KSO_WM_TAG_VERSION" val="1.0"/>
   <p:tag name="KSO_WM_BEAUTIFY_FLAG" val="#wm#"/>
 </p:tagLst>
 </file>
 
-<file path=ppt/tags/tag19.xml><?xml version="1.0" encoding="utf-8"?>
-<p:tagLst xmlns:p="http://schemas.openxmlformats.org/presentationml/2006/main">
+<file path=ppt/tags/tag65.xml><?xml version="1.0" encoding="utf-8"?>
+<p:tagLst xmlns:a="http://schemas.openxmlformats.org/drawingml/2006/main" xmlns:r="http://schemas.openxmlformats.org/officeDocument/2006/relationships" xmlns:p="http://schemas.openxmlformats.org/presentationml/2006/main">
   <p:tag name="KSO_WM_UNIT_HIGHLIGHT" val="0"/>
   <p:tag name="KSO_WM_UNIT_COMPATIBLE" val="0"/>
   <p:tag name="KSO_WM_UNIT_DIAGRAM_ISNUMVISUAL" val="0"/>
   <p:tag name="KSO_WM_UNIT_DIAGRAM_ISREFERUNIT" val="0"/>
-  <p:tag name="KSO_WM_UNIT_ID" val="_3**"/>
+  <p:tag name="KSO_WM_UNIT_ID" val="_11**"/>
   <p:tag name="KSO_WM_UNIT_LAYERLEVEL" val="1"/>
   <p:tag name="KSO_WM_TAG_VERSION" val="1.0"/>
   <p:tag name="KSO_WM_BEAUTIFY_FLAG" val="#wm#"/>
 </p:tagLst>
 </file>
 
-<file path=ppt/tags/tag2.xml><?xml version="1.0" encoding="utf-8"?>
-<p:tagLst xmlns:p="http://schemas.openxmlformats.org/presentationml/2006/main">
+<file path=ppt/tags/tag66.xml><?xml version="1.0" encoding="utf-8"?>
+<p:tagLst xmlns:a="http://schemas.openxmlformats.org/drawingml/2006/main" xmlns:r="http://schemas.openxmlformats.org/officeDocument/2006/relationships" xmlns:p="http://schemas.openxmlformats.org/presentationml/2006/main">
+  <p:tag name="KSO_WM_UNIT_HIGHLIGHT" val="0"/>
+  <p:tag name="KSO_WM_UNIT_COMPATIBLE" val="0"/>
+  <p:tag name="KSO_WM_UNIT_DIAGRAM_ISNUMVISUAL" val="0"/>
+  <p:tag name="KSO_WM_UNIT_DIAGRAM_ISREFERUNIT" val="0"/>
+  <p:tag name="KSO_WM_UNIT_ID" val="_11**"/>
+  <p:tag name="KSO_WM_UNIT_LAYERLEVEL" val="1"/>
+  <p:tag name="KSO_WM_TAG_VERSION" val="1.0"/>
+  <p:tag name="KSO_WM_BEAUTIFY_FLAG" val="#wm#"/>
+</p:tagLst>
+</file>
+
+<file path=ppt/tags/tag67.xml><?xml version="1.0" encoding="utf-8"?>
+<p:tagLst xmlns:a="http://schemas.openxmlformats.org/drawingml/2006/main" xmlns:r="http://schemas.openxmlformats.org/officeDocument/2006/relationships" xmlns:p="http://schemas.openxmlformats.org/presentationml/2006/main">
+  <p:tag name="KSO_WM_UNIT_HIGHLIGHT" val="0"/>
+  <p:tag name="KSO_WM_UNIT_COMPATIBLE" val="0"/>
+  <p:tag name="KSO_WM_UNIT_DIAGRAM_ISNUMVISUAL" val="0"/>
+  <p:tag name="KSO_WM_UNIT_DIAGRAM_ISREFERUNIT" val="0"/>
+  <p:tag name="KSO_WM_UNIT_ID" val="_11**"/>
+  <p:tag name="KSO_WM_UNIT_LAYERLEVEL" val="1"/>
+  <p:tag name="KSO_WM_TAG_VERSION" val="1.0"/>
+  <p:tag name="KSO_WM_BEAUTIFY_FLAG" val="#wm#"/>
+</p:tagLst>
+</file>
+
+<file path=ppt/tags/tag68.xml><?xml version="1.0" encoding="utf-8"?>
+<p:tagLst xmlns:a="http://schemas.openxmlformats.org/drawingml/2006/main" xmlns:r="http://schemas.openxmlformats.org/officeDocument/2006/relationships" xmlns:p="http://schemas.openxmlformats.org/presentationml/2006/main">
+  <p:tag name="KSO_WM_UNIT_HIGHLIGHT" val="0"/>
+  <p:tag name="KSO_WM_UNIT_COMPATIBLE" val="0"/>
+  <p:tag name="KSO_WM_UNIT_DIAGRAM_ISNUMVISUAL" val="0"/>
+  <p:tag name="KSO_WM_UNIT_DIAGRAM_ISREFERUNIT" val="0"/>
+  <p:tag name="KSO_WM_UNIT_ID" val="_11**"/>
+  <p:tag name="KSO_WM_UNIT_LAYERLEVEL" val="1"/>
+  <p:tag name="KSO_WM_TAG_VERSION" val="1.0"/>
+  <p:tag name="KSO_WM_BEAUTIFY_FLAG" val="#wm#"/>
+</p:tagLst>
+</file>
+
+<file path=ppt/tags/tag69.xml><?xml version="1.0" encoding="utf-8"?>
+<p:tagLst xmlns:a="http://schemas.openxmlformats.org/drawingml/2006/main" xmlns:r="http://schemas.openxmlformats.org/officeDocument/2006/relationships" xmlns:p="http://schemas.openxmlformats.org/presentationml/2006/main">
+  <p:tag name="KSO_WM_UNIT_HIGHLIGHT" val="0"/>
+  <p:tag name="KSO_WM_UNIT_COMPATIBLE" val="0"/>
+  <p:tag name="KSO_WM_UNIT_DIAGRAM_ISNUMVISUAL" val="0"/>
+  <p:tag name="KSO_WM_UNIT_DIAGRAM_ISREFERUNIT" val="0"/>
+  <p:tag name="KSO_WM_UNIT_ID" val="_11**"/>
+  <p:tag name="KSO_WM_UNIT_LAYERLEVEL" val="1"/>
+  <p:tag name="KSO_WM_TAG_VERSION" val="1.0"/>
+  <p:tag name="KSO_WM_BEAUTIFY_FLAG" val="#wm#"/>
+</p:tagLst>
+</file>
+
+<file path=ppt/tags/tag7.xml><?xml version="1.0" encoding="utf-8"?>
+<p:tagLst xmlns:a="http://schemas.openxmlformats.org/drawingml/2006/main" xmlns:r="http://schemas.openxmlformats.org/officeDocument/2006/relationships" xmlns:p="http://schemas.openxmlformats.org/presentationml/2006/main">
   <p:tag name="KSO_WM_UNIT_HIGHLIGHT" val="0"/>
   <p:tag name="KSO_WM_UNIT_COMPATIBLE" val="0"/>
   <p:tag name="KSO_WM_UNIT_DIAGRAM_ISNUMVISUAL" val="0"/>
@@ -26978,557 +27309,8 @@
 </p:tagLst>
 </file>
 
-<file path=ppt/tags/tag20.xml><?xml version="1.0" encoding="utf-8"?>
-<p:tagLst xmlns:p="http://schemas.openxmlformats.org/presentationml/2006/main">
-  <p:tag name="KSO_WM_UNIT_HIGHLIGHT" val="0"/>
-  <p:tag name="KSO_WM_UNIT_COMPATIBLE" val="0"/>
-  <p:tag name="KSO_WM_UNIT_DIAGRAM_ISNUMVISUAL" val="0"/>
-  <p:tag name="KSO_WM_UNIT_DIAGRAM_ISREFERUNIT" val="0"/>
-  <p:tag name="KSO_WM_UNIT_ID" val="_3**"/>
-  <p:tag name="KSO_WM_UNIT_LAYERLEVEL" val="1"/>
-  <p:tag name="KSO_WM_TAG_VERSION" val="1.0"/>
-  <p:tag name="KSO_WM_BEAUTIFY_FLAG" val="#wm#"/>
-</p:tagLst>
-</file>
-
-<file path=ppt/tags/tag21.xml><?xml version="1.0" encoding="utf-8"?>
-<p:tagLst xmlns:p="http://schemas.openxmlformats.org/presentationml/2006/main">
-  <p:tag name="KSO_WM_UNIT_HIGHLIGHT" val="0"/>
-  <p:tag name="KSO_WM_UNIT_COMPATIBLE" val="0"/>
-  <p:tag name="KSO_WM_UNIT_DIAGRAM_ISNUMVISUAL" val="0"/>
-  <p:tag name="KSO_WM_UNIT_DIAGRAM_ISREFERUNIT" val="0"/>
-  <p:tag name="KSO_WM_UNIT_ID" val="_4**"/>
-  <p:tag name="KSO_WM_UNIT_LAYERLEVEL" val="1"/>
-  <p:tag name="KSO_WM_TAG_VERSION" val="1.0"/>
-  <p:tag name="KSO_WM_BEAUTIFY_FLAG" val="#wm#"/>
-</p:tagLst>
-</file>
-
-<file path=ppt/tags/tag22.xml><?xml version="1.0" encoding="utf-8"?>
-<p:tagLst xmlns:p="http://schemas.openxmlformats.org/presentationml/2006/main">
-  <p:tag name="KSO_WM_UNIT_HIGHLIGHT" val="0"/>
-  <p:tag name="KSO_WM_UNIT_COMPATIBLE" val="0"/>
-  <p:tag name="KSO_WM_UNIT_DIAGRAM_ISNUMVISUAL" val="0"/>
-  <p:tag name="KSO_WM_UNIT_DIAGRAM_ISREFERUNIT" val="0"/>
-  <p:tag name="KSO_WM_UNIT_ID" val="_4**"/>
-  <p:tag name="KSO_WM_UNIT_LAYERLEVEL" val="1"/>
-  <p:tag name="KSO_WM_TAG_VERSION" val="1.0"/>
-  <p:tag name="KSO_WM_BEAUTIFY_FLAG" val="#wm#"/>
-</p:tagLst>
-</file>
-
-<file path=ppt/tags/tag23.xml><?xml version="1.0" encoding="utf-8"?>
-<p:tagLst xmlns:p="http://schemas.openxmlformats.org/presentationml/2006/main">
-  <p:tag name="KSO_WM_UNIT_HIGHLIGHT" val="0"/>
-  <p:tag name="KSO_WM_UNIT_COMPATIBLE" val="0"/>
-  <p:tag name="KSO_WM_UNIT_DIAGRAM_ISNUMVISUAL" val="0"/>
-  <p:tag name="KSO_WM_UNIT_DIAGRAM_ISREFERUNIT" val="0"/>
-  <p:tag name="KSO_WM_UNIT_ID" val="_4**"/>
-  <p:tag name="KSO_WM_UNIT_LAYERLEVEL" val="1"/>
-  <p:tag name="KSO_WM_TAG_VERSION" val="1.0"/>
-  <p:tag name="KSO_WM_BEAUTIFY_FLAG" val="#wm#"/>
-</p:tagLst>
-</file>
-
-<file path=ppt/tags/tag24.xml><?xml version="1.0" encoding="utf-8"?>
-<p:tagLst xmlns:p="http://schemas.openxmlformats.org/presentationml/2006/main">
-  <p:tag name="KSO_WM_UNIT_HIGHLIGHT" val="0"/>
-  <p:tag name="KSO_WM_UNIT_COMPATIBLE" val="0"/>
-  <p:tag name="KSO_WM_UNIT_DIAGRAM_ISNUMVISUAL" val="0"/>
-  <p:tag name="KSO_WM_UNIT_DIAGRAM_ISREFERUNIT" val="0"/>
-  <p:tag name="KSO_WM_UNIT_ID" val="_4**"/>
-  <p:tag name="KSO_WM_UNIT_LAYERLEVEL" val="1"/>
-  <p:tag name="KSO_WM_TAG_VERSION" val="1.0"/>
-  <p:tag name="KSO_WM_BEAUTIFY_FLAG" val="#wm#"/>
-</p:tagLst>
-</file>
-
-<file path=ppt/tags/tag25.xml><?xml version="1.0" encoding="utf-8"?>
-<p:tagLst xmlns:p="http://schemas.openxmlformats.org/presentationml/2006/main">
-  <p:tag name="KSO_WM_UNIT_HIGHLIGHT" val="0"/>
-  <p:tag name="KSO_WM_UNIT_COMPATIBLE" val="0"/>
-  <p:tag name="KSO_WM_UNIT_DIAGRAM_ISNUMVISUAL" val="0"/>
-  <p:tag name="KSO_WM_UNIT_DIAGRAM_ISREFERUNIT" val="0"/>
-  <p:tag name="KSO_WM_UNIT_ID" val="_4**"/>
-  <p:tag name="KSO_WM_UNIT_LAYERLEVEL" val="1"/>
-  <p:tag name="KSO_WM_TAG_VERSION" val="1.0"/>
-  <p:tag name="KSO_WM_BEAUTIFY_FLAG" val="#wm#"/>
-</p:tagLst>
-</file>
-
-<file path=ppt/tags/tag26.xml><?xml version="1.0" encoding="utf-8"?>
-<p:tagLst xmlns:p="http://schemas.openxmlformats.org/presentationml/2006/main">
-  <p:tag name="KSO_WM_UNIT_HIGHLIGHT" val="0"/>
-  <p:tag name="KSO_WM_UNIT_COMPATIBLE" val="0"/>
-  <p:tag name="KSO_WM_UNIT_DIAGRAM_ISNUMVISUAL" val="0"/>
-  <p:tag name="KSO_WM_UNIT_DIAGRAM_ISREFERUNIT" val="0"/>
-  <p:tag name="KSO_WM_UNIT_ID" val="_4**"/>
-  <p:tag name="KSO_WM_UNIT_LAYERLEVEL" val="1"/>
-  <p:tag name="KSO_WM_TAG_VERSION" val="1.0"/>
-  <p:tag name="KSO_WM_BEAUTIFY_FLAG" val="#wm#"/>
-</p:tagLst>
-</file>
-
-<file path=ppt/tags/tag27.xml><?xml version="1.0" encoding="utf-8"?>
-<p:tagLst xmlns:p="http://schemas.openxmlformats.org/presentationml/2006/main">
-  <p:tag name="KSO_WM_UNIT_HIGHLIGHT" val="0"/>
-  <p:tag name="KSO_WM_UNIT_COMPATIBLE" val="0"/>
-  <p:tag name="KSO_WM_UNIT_DIAGRAM_ISNUMVISUAL" val="0"/>
-  <p:tag name="KSO_WM_UNIT_DIAGRAM_ISREFERUNIT" val="0"/>
-  <p:tag name="KSO_WM_UNIT_ID" val="_5**"/>
-  <p:tag name="KSO_WM_UNIT_LAYERLEVEL" val="1"/>
-  <p:tag name="KSO_WM_TAG_VERSION" val="1.0"/>
-  <p:tag name="KSO_WM_BEAUTIFY_FLAG" val="#wm#"/>
-</p:tagLst>
-</file>
-
-<file path=ppt/tags/tag28.xml><?xml version="1.0" encoding="utf-8"?>
-<p:tagLst xmlns:p="http://schemas.openxmlformats.org/presentationml/2006/main">
-  <p:tag name="KSO_WM_UNIT_HIGHLIGHT" val="0"/>
-  <p:tag name="KSO_WM_UNIT_COMPATIBLE" val="0"/>
-  <p:tag name="KSO_WM_UNIT_DIAGRAM_ISNUMVISUAL" val="0"/>
-  <p:tag name="KSO_WM_UNIT_DIAGRAM_ISREFERUNIT" val="0"/>
-  <p:tag name="KSO_WM_UNIT_ID" val="_5**"/>
-  <p:tag name="KSO_WM_UNIT_LAYERLEVEL" val="1"/>
-  <p:tag name="KSO_WM_TAG_VERSION" val="1.0"/>
-  <p:tag name="KSO_WM_BEAUTIFY_FLAG" val="#wm#"/>
-</p:tagLst>
-</file>
-
-<file path=ppt/tags/tag29.xml><?xml version="1.0" encoding="utf-8"?>
-<p:tagLst xmlns:p="http://schemas.openxmlformats.org/presentationml/2006/main">
-  <p:tag name="KSO_WM_UNIT_HIGHLIGHT" val="0"/>
-  <p:tag name="KSO_WM_UNIT_COMPATIBLE" val="0"/>
-  <p:tag name="KSO_WM_UNIT_DIAGRAM_ISNUMVISUAL" val="0"/>
-  <p:tag name="KSO_WM_UNIT_DIAGRAM_ISREFERUNIT" val="0"/>
-  <p:tag name="KSO_WM_UNIT_ID" val="_5**"/>
-  <p:tag name="KSO_WM_UNIT_LAYERLEVEL" val="1"/>
-  <p:tag name="KSO_WM_TAG_VERSION" val="1.0"/>
-  <p:tag name="KSO_WM_BEAUTIFY_FLAG" val="#wm#"/>
-</p:tagLst>
-</file>
-
-<file path=ppt/tags/tag3.xml><?xml version="1.0" encoding="utf-8"?>
-<p:tagLst xmlns:p="http://schemas.openxmlformats.org/presentationml/2006/main">
-  <p:tag name="KSO_WM_UNIT_HIGHLIGHT" val="0"/>
-  <p:tag name="KSO_WM_UNIT_COMPATIBLE" val="0"/>
-  <p:tag name="KSO_WM_UNIT_DIAGRAM_ISNUMVISUAL" val="0"/>
-  <p:tag name="KSO_WM_UNIT_DIAGRAM_ISREFERUNIT" val="0"/>
-  <p:tag name="KSO_WM_UNIT_ID" val="_1**"/>
-  <p:tag name="KSO_WM_UNIT_LAYERLEVEL" val="1"/>
-  <p:tag name="KSO_WM_TAG_VERSION" val="1.0"/>
-  <p:tag name="KSO_WM_BEAUTIFY_FLAG" val="#wm#"/>
-  <p:tag name="KSO_WM_SLIDE_BACKGROUND_MASK_FLAG" val="1"/>
-</p:tagLst>
-</file>
-
-<file path=ppt/tags/tag30.xml><?xml version="1.0" encoding="utf-8"?>
-<p:tagLst xmlns:p="http://schemas.openxmlformats.org/presentationml/2006/main">
-  <p:tag name="KSO_WM_UNIT_HIGHLIGHT" val="0"/>
-  <p:tag name="KSO_WM_UNIT_COMPATIBLE" val="0"/>
-  <p:tag name="KSO_WM_UNIT_DIAGRAM_ISNUMVISUAL" val="0"/>
-  <p:tag name="KSO_WM_UNIT_DIAGRAM_ISREFERUNIT" val="0"/>
-  <p:tag name="KSO_WM_UNIT_ID" val="_5**"/>
-  <p:tag name="KSO_WM_UNIT_LAYERLEVEL" val="1"/>
-  <p:tag name="KSO_WM_TAG_VERSION" val="1.0"/>
-  <p:tag name="KSO_WM_BEAUTIFY_FLAG" val="#wm#"/>
-</p:tagLst>
-</file>
-
-<file path=ppt/tags/tag31.xml><?xml version="1.0" encoding="utf-8"?>
-<p:tagLst xmlns:p="http://schemas.openxmlformats.org/presentationml/2006/main">
-  <p:tag name="KSO_WM_UNIT_HIGHLIGHT" val="0"/>
-  <p:tag name="KSO_WM_UNIT_COMPATIBLE" val="0"/>
-  <p:tag name="KSO_WM_UNIT_DIAGRAM_ISNUMVISUAL" val="0"/>
-  <p:tag name="KSO_WM_UNIT_DIAGRAM_ISREFERUNIT" val="0"/>
-  <p:tag name="KSO_WM_UNIT_ID" val="_5**"/>
-  <p:tag name="KSO_WM_UNIT_LAYERLEVEL" val="1"/>
-  <p:tag name="KSO_WM_TAG_VERSION" val="1.0"/>
-  <p:tag name="KSO_WM_BEAUTIFY_FLAG" val="#wm#"/>
-</p:tagLst>
-</file>
-
-<file path=ppt/tags/tag32.xml><?xml version="1.0" encoding="utf-8"?>
-<p:tagLst xmlns:p="http://schemas.openxmlformats.org/presentationml/2006/main">
-  <p:tag name="KSO_WM_UNIT_HIGHLIGHT" val="0"/>
-  <p:tag name="KSO_WM_UNIT_COMPATIBLE" val="0"/>
-  <p:tag name="KSO_WM_UNIT_DIAGRAM_ISNUMVISUAL" val="0"/>
-  <p:tag name="KSO_WM_UNIT_DIAGRAM_ISREFERUNIT" val="0"/>
-  <p:tag name="KSO_WM_UNIT_ID" val="_5**"/>
-  <p:tag name="KSO_WM_UNIT_LAYERLEVEL" val="1"/>
-  <p:tag name="KSO_WM_TAG_VERSION" val="1.0"/>
-  <p:tag name="KSO_WM_BEAUTIFY_FLAG" val="#wm#"/>
-</p:tagLst>
-</file>
-
-<file path=ppt/tags/tag33.xml><?xml version="1.0" encoding="utf-8"?>
-<p:tagLst xmlns:p="http://schemas.openxmlformats.org/presentationml/2006/main">
-  <p:tag name="KSO_WM_UNIT_HIGHLIGHT" val="0"/>
-  <p:tag name="KSO_WM_UNIT_COMPATIBLE" val="0"/>
-  <p:tag name="KSO_WM_UNIT_DIAGRAM_ISNUMVISUAL" val="0"/>
-  <p:tag name="KSO_WM_UNIT_DIAGRAM_ISREFERUNIT" val="0"/>
-  <p:tag name="KSO_WM_UNIT_ID" val="_5**"/>
-  <p:tag name="KSO_WM_UNIT_LAYERLEVEL" val="1"/>
-  <p:tag name="KSO_WM_TAG_VERSION" val="1.0"/>
-  <p:tag name="KSO_WM_BEAUTIFY_FLAG" val="#wm#"/>
-</p:tagLst>
-</file>
-
-<file path=ppt/tags/tag34.xml><?xml version="1.0" encoding="utf-8"?>
-<p:tagLst xmlns:p="http://schemas.openxmlformats.org/presentationml/2006/main">
-  <p:tag name="KSO_WM_UNIT_HIGHLIGHT" val="0"/>
-  <p:tag name="KSO_WM_UNIT_COMPATIBLE" val="0"/>
-  <p:tag name="KSO_WM_UNIT_DIAGRAM_ISNUMVISUAL" val="0"/>
-  <p:tag name="KSO_WM_UNIT_DIAGRAM_ISREFERUNIT" val="0"/>
-  <p:tag name="KSO_WM_UNIT_ID" val="_5**"/>
-  <p:tag name="KSO_WM_UNIT_LAYERLEVEL" val="1"/>
-  <p:tag name="KSO_WM_TAG_VERSION" val="1.0"/>
-  <p:tag name="KSO_WM_BEAUTIFY_FLAG" val="#wm#"/>
-</p:tagLst>
-</file>
-
-<file path=ppt/tags/tag35.xml><?xml version="1.0" encoding="utf-8"?>
-<p:tagLst xmlns:p="http://schemas.openxmlformats.org/presentationml/2006/main">
-  <p:tag name="KSO_WM_UNIT_HIGHLIGHT" val="0"/>
-  <p:tag name="KSO_WM_UNIT_COMPATIBLE" val="0"/>
-  <p:tag name="KSO_WM_UNIT_DIAGRAM_ISNUMVISUAL" val="0"/>
-  <p:tag name="KSO_WM_UNIT_DIAGRAM_ISREFERUNIT" val="0"/>
-  <p:tag name="KSO_WM_UNIT_ID" val="_6**"/>
-  <p:tag name="KSO_WM_UNIT_LAYERLEVEL" val="1"/>
-  <p:tag name="KSO_WM_TAG_VERSION" val="1.0"/>
-  <p:tag name="KSO_WM_BEAUTIFY_FLAG" val="#wm#"/>
-</p:tagLst>
-</file>
-
-<file path=ppt/tags/tag36.xml><?xml version="1.0" encoding="utf-8"?>
-<p:tagLst xmlns:p="http://schemas.openxmlformats.org/presentationml/2006/main">
-  <p:tag name="KSO_WM_UNIT_HIGHLIGHT" val="0"/>
-  <p:tag name="KSO_WM_UNIT_COMPATIBLE" val="0"/>
-  <p:tag name="KSO_WM_UNIT_DIAGRAM_ISNUMVISUAL" val="0"/>
-  <p:tag name="KSO_WM_UNIT_DIAGRAM_ISREFERUNIT" val="0"/>
-  <p:tag name="KSO_WM_UNIT_ID" val="_6**"/>
-  <p:tag name="KSO_WM_UNIT_LAYERLEVEL" val="1"/>
-  <p:tag name="KSO_WM_TAG_VERSION" val="1.0"/>
-  <p:tag name="KSO_WM_BEAUTIFY_FLAG" val="#wm#"/>
-</p:tagLst>
-</file>
-
-<file path=ppt/tags/tag37.xml><?xml version="1.0" encoding="utf-8"?>
-<p:tagLst xmlns:p="http://schemas.openxmlformats.org/presentationml/2006/main">
-  <p:tag name="KSO_WM_UNIT_HIGHLIGHT" val="0"/>
-  <p:tag name="KSO_WM_UNIT_COMPATIBLE" val="0"/>
-  <p:tag name="KSO_WM_UNIT_DIAGRAM_ISNUMVISUAL" val="0"/>
-  <p:tag name="KSO_WM_UNIT_DIAGRAM_ISREFERUNIT" val="0"/>
-  <p:tag name="KSO_WM_UNIT_ID" val="_6**"/>
-  <p:tag name="KSO_WM_UNIT_LAYERLEVEL" val="1"/>
-  <p:tag name="KSO_WM_TAG_VERSION" val="1.0"/>
-  <p:tag name="KSO_WM_BEAUTIFY_FLAG" val="#wm#"/>
-</p:tagLst>
-</file>
-
-<file path=ppt/tags/tag38.xml><?xml version="1.0" encoding="utf-8"?>
-<p:tagLst xmlns:p="http://schemas.openxmlformats.org/presentationml/2006/main">
-  <p:tag name="KSO_WM_UNIT_HIGHLIGHT" val="0"/>
-  <p:tag name="KSO_WM_UNIT_COMPATIBLE" val="0"/>
-  <p:tag name="KSO_WM_UNIT_DIAGRAM_ISNUMVISUAL" val="0"/>
-  <p:tag name="KSO_WM_UNIT_DIAGRAM_ISREFERUNIT" val="0"/>
-  <p:tag name="KSO_WM_UNIT_ID" val="_6**"/>
-  <p:tag name="KSO_WM_UNIT_LAYERLEVEL" val="1"/>
-  <p:tag name="KSO_WM_TAG_VERSION" val="1.0"/>
-  <p:tag name="KSO_WM_BEAUTIFY_FLAG" val="#wm#"/>
-</p:tagLst>
-</file>
-
-<file path=ppt/tags/tag39.xml><?xml version="1.0" encoding="utf-8"?>
-<p:tagLst xmlns:p="http://schemas.openxmlformats.org/presentationml/2006/main">
-  <p:tag name="KSO_WM_UNIT_HIGHLIGHT" val="0"/>
-  <p:tag name="KSO_WM_UNIT_COMPATIBLE" val="0"/>
-  <p:tag name="KSO_WM_UNIT_DIAGRAM_ISNUMVISUAL" val="0"/>
-  <p:tag name="KSO_WM_UNIT_DIAGRAM_ISREFERUNIT" val="0"/>
-  <p:tag name="KSO_WM_UNIT_ID" val="_6**"/>
-  <p:tag name="KSO_WM_UNIT_LAYERLEVEL" val="1"/>
-  <p:tag name="KSO_WM_TAG_VERSION" val="1.0"/>
-  <p:tag name="KSO_WM_BEAUTIFY_FLAG" val="#wm#"/>
-</p:tagLst>
-</file>
-
-<file path=ppt/tags/tag4.xml><?xml version="1.0" encoding="utf-8"?>
-<p:tagLst xmlns:p="http://schemas.openxmlformats.org/presentationml/2006/main">
-  <p:tag name="KSO_WM_UNIT_HIGHLIGHT" val="0"/>
-  <p:tag name="KSO_WM_UNIT_COMPATIBLE" val="0"/>
-  <p:tag name="KSO_WM_UNIT_DIAGRAM_ISNUMVISUAL" val="0"/>
-  <p:tag name="KSO_WM_UNIT_DIAGRAM_ISREFERUNIT" val="0"/>
-  <p:tag name="KSO_WM_UNIT_ID" val="_1**"/>
-  <p:tag name="KSO_WM_UNIT_LAYERLEVEL" val="1"/>
-  <p:tag name="KSO_WM_TAG_VERSION" val="1.0"/>
-  <p:tag name="KSO_WM_BEAUTIFY_FLAG" val="#wm#"/>
-  <p:tag name="KSO_WM_SLIDE_BACKGROUND_MASK_FLAG" val="1"/>
-</p:tagLst>
-</file>
-
-<file path=ppt/tags/tag40.xml><?xml version="1.0" encoding="utf-8"?>
-<p:tagLst xmlns:p="http://schemas.openxmlformats.org/presentationml/2006/main">
-  <p:tag name="KSO_WM_UNIT_HIGHLIGHT" val="0"/>
-  <p:tag name="KSO_WM_UNIT_COMPATIBLE" val="0"/>
-  <p:tag name="KSO_WM_UNIT_DIAGRAM_ISNUMVISUAL" val="0"/>
-  <p:tag name="KSO_WM_UNIT_DIAGRAM_ISREFERUNIT" val="0"/>
-  <p:tag name="KSO_WM_UNIT_ID" val="_6**"/>
-  <p:tag name="KSO_WM_UNIT_LAYERLEVEL" val="1"/>
-  <p:tag name="KSO_WM_TAG_VERSION" val="1.0"/>
-  <p:tag name="KSO_WM_BEAUTIFY_FLAG" val="#wm#"/>
-</p:tagLst>
-</file>
-
-<file path=ppt/tags/tag41.xml><?xml version="1.0" encoding="utf-8"?>
-<p:tagLst xmlns:p="http://schemas.openxmlformats.org/presentationml/2006/main">
-  <p:tag name="KSO_WM_UNIT_HIGHLIGHT" val="0"/>
-  <p:tag name="KSO_WM_UNIT_COMPATIBLE" val="0"/>
-  <p:tag name="KSO_WM_UNIT_DIAGRAM_ISNUMVISUAL" val="0"/>
-  <p:tag name="KSO_WM_UNIT_DIAGRAM_ISREFERUNIT" val="0"/>
-  <p:tag name="KSO_WM_UNIT_ID" val="_7**"/>
-  <p:tag name="KSO_WM_UNIT_LAYERLEVEL" val="1"/>
-  <p:tag name="KSO_WM_TAG_VERSION" val="1.0"/>
-  <p:tag name="KSO_WM_BEAUTIFY_FLAG" val="#wm#"/>
-</p:tagLst>
-</file>
-
-<file path=ppt/tags/tag42.xml><?xml version="1.0" encoding="utf-8"?>
-<p:tagLst xmlns:p="http://schemas.openxmlformats.org/presentationml/2006/main">
-  <p:tag name="KSO_WM_UNIT_HIGHLIGHT" val="0"/>
-  <p:tag name="KSO_WM_UNIT_COMPATIBLE" val="0"/>
-  <p:tag name="KSO_WM_UNIT_DIAGRAM_ISNUMVISUAL" val="0"/>
-  <p:tag name="KSO_WM_UNIT_DIAGRAM_ISREFERUNIT" val="0"/>
-  <p:tag name="KSO_WM_UNIT_ID" val="_7**"/>
-  <p:tag name="KSO_WM_UNIT_LAYERLEVEL" val="1"/>
-  <p:tag name="KSO_WM_TAG_VERSION" val="1.0"/>
-  <p:tag name="KSO_WM_BEAUTIFY_FLAG" val="#wm#"/>
-</p:tagLst>
-</file>
-
-<file path=ppt/tags/tag43.xml><?xml version="1.0" encoding="utf-8"?>
-<p:tagLst xmlns:p="http://schemas.openxmlformats.org/presentationml/2006/main">
-  <p:tag name="KSO_WM_UNIT_HIGHLIGHT" val="0"/>
-  <p:tag name="KSO_WM_UNIT_COMPATIBLE" val="0"/>
-  <p:tag name="KSO_WM_UNIT_DIAGRAM_ISNUMVISUAL" val="0"/>
-  <p:tag name="KSO_WM_UNIT_DIAGRAM_ISREFERUNIT" val="0"/>
-  <p:tag name="KSO_WM_UNIT_ID" val="_7**"/>
-  <p:tag name="KSO_WM_UNIT_LAYERLEVEL" val="1"/>
-  <p:tag name="KSO_WM_TAG_VERSION" val="1.0"/>
-  <p:tag name="KSO_WM_BEAUTIFY_FLAG" val="#wm#"/>
-</p:tagLst>
-</file>
-
-<file path=ppt/tags/tag44.xml><?xml version="1.0" encoding="utf-8"?>
-<p:tagLst xmlns:p="http://schemas.openxmlformats.org/presentationml/2006/main">
-  <p:tag name="KSO_WM_UNIT_HIGHLIGHT" val="0"/>
-  <p:tag name="KSO_WM_UNIT_COMPATIBLE" val="0"/>
-  <p:tag name="KSO_WM_UNIT_DIAGRAM_ISNUMVISUAL" val="0"/>
-  <p:tag name="KSO_WM_UNIT_DIAGRAM_ISREFERUNIT" val="0"/>
-  <p:tag name="KSO_WM_UNIT_ID" val="_8**"/>
-  <p:tag name="KSO_WM_UNIT_LAYERLEVEL" val="1"/>
-  <p:tag name="KSO_WM_TAG_VERSION" val="1.0"/>
-  <p:tag name="KSO_WM_BEAUTIFY_FLAG" val="#wm#"/>
-</p:tagLst>
-</file>
-
-<file path=ppt/tags/tag45.xml><?xml version="1.0" encoding="utf-8"?>
-<p:tagLst xmlns:p="http://schemas.openxmlformats.org/presentationml/2006/main">
-  <p:tag name="KSO_WM_UNIT_HIGHLIGHT" val="0"/>
-  <p:tag name="KSO_WM_UNIT_COMPATIBLE" val="0"/>
-  <p:tag name="KSO_WM_UNIT_DIAGRAM_ISNUMVISUAL" val="0"/>
-  <p:tag name="KSO_WM_UNIT_DIAGRAM_ISREFERUNIT" val="0"/>
-  <p:tag name="KSO_WM_UNIT_ID" val="_8**"/>
-  <p:tag name="KSO_WM_UNIT_LAYERLEVEL" val="1"/>
-  <p:tag name="KSO_WM_TAG_VERSION" val="1.0"/>
-  <p:tag name="KSO_WM_BEAUTIFY_FLAG" val="#wm#"/>
-</p:tagLst>
-</file>
-
-<file path=ppt/tags/tag46.xml><?xml version="1.0" encoding="utf-8"?>
-<p:tagLst xmlns:p="http://schemas.openxmlformats.org/presentationml/2006/main">
-  <p:tag name="KSO_WM_UNIT_HIGHLIGHT" val="0"/>
-  <p:tag name="KSO_WM_UNIT_COMPATIBLE" val="0"/>
-  <p:tag name="KSO_WM_UNIT_DIAGRAM_ISNUMVISUAL" val="0"/>
-  <p:tag name="KSO_WM_UNIT_DIAGRAM_ISREFERUNIT" val="0"/>
-  <p:tag name="KSO_WM_UNIT_ID" val="_8**"/>
-  <p:tag name="KSO_WM_UNIT_LAYERLEVEL" val="1"/>
-  <p:tag name="KSO_WM_TAG_VERSION" val="1.0"/>
-  <p:tag name="KSO_WM_BEAUTIFY_FLAG" val="#wm#"/>
-</p:tagLst>
-</file>
-
-<file path=ppt/tags/tag47.xml><?xml version="1.0" encoding="utf-8"?>
-<p:tagLst xmlns:p="http://schemas.openxmlformats.org/presentationml/2006/main">
-  <p:tag name="KSO_WM_UNIT_HIGHLIGHT" val="0"/>
-  <p:tag name="KSO_WM_UNIT_COMPATIBLE" val="0"/>
-  <p:tag name="KSO_WM_UNIT_DIAGRAM_ISNUMVISUAL" val="0"/>
-  <p:tag name="KSO_WM_UNIT_DIAGRAM_ISREFERUNIT" val="0"/>
-  <p:tag name="KSO_WM_UNIT_ID" val="_8**"/>
-  <p:tag name="KSO_WM_UNIT_LAYERLEVEL" val="1"/>
-  <p:tag name="KSO_WM_TAG_VERSION" val="1.0"/>
-  <p:tag name="KSO_WM_BEAUTIFY_FLAG" val="#wm#"/>
-</p:tagLst>
-</file>
-
-<file path=ppt/tags/tag48.xml><?xml version="1.0" encoding="utf-8"?>
-<p:tagLst xmlns:p="http://schemas.openxmlformats.org/presentationml/2006/main">
-  <p:tag name="KSO_WM_UNIT_HIGHLIGHT" val="0"/>
-  <p:tag name="KSO_WM_UNIT_COMPATIBLE" val="0"/>
-  <p:tag name="KSO_WM_UNIT_DIAGRAM_ISNUMVISUAL" val="0"/>
-  <p:tag name="KSO_WM_UNIT_DIAGRAM_ISREFERUNIT" val="0"/>
-  <p:tag name="KSO_WM_UNIT_ID" val="_8**"/>
-  <p:tag name="KSO_WM_UNIT_LAYERLEVEL" val="1"/>
-  <p:tag name="KSO_WM_TAG_VERSION" val="1.0"/>
-  <p:tag name="KSO_WM_BEAUTIFY_FLAG" val="#wm#"/>
-</p:tagLst>
-</file>
-
-<file path=ppt/tags/tag49.xml><?xml version="1.0" encoding="utf-8"?>
-<p:tagLst xmlns:p="http://schemas.openxmlformats.org/presentationml/2006/main">
-  <p:tag name="KSO_WM_UNIT_HIGHLIGHT" val="0"/>
-  <p:tag name="KSO_WM_UNIT_COMPATIBLE" val="0"/>
-  <p:tag name="KSO_WM_UNIT_DIAGRAM_ISNUMVISUAL" val="0"/>
-  <p:tag name="KSO_WM_UNIT_DIAGRAM_ISREFERUNIT" val="0"/>
-  <p:tag name="KSO_WM_UNIT_ID" val="_8**"/>
-  <p:tag name="KSO_WM_UNIT_LAYERLEVEL" val="1"/>
-  <p:tag name="KSO_WM_TAG_VERSION" val="1.0"/>
-  <p:tag name="KSO_WM_BEAUTIFY_FLAG" val="#wm#"/>
-</p:tagLst>
-</file>
-
-<file path=ppt/tags/tag5.xml><?xml version="1.0" encoding="utf-8"?>
-<p:tagLst xmlns:p="http://schemas.openxmlformats.org/presentationml/2006/main">
-  <p:tag name="KSO_WM_UNIT_HIGHLIGHT" val="0"/>
-  <p:tag name="KSO_WM_UNIT_COMPATIBLE" val="0"/>
-  <p:tag name="KSO_WM_UNIT_DIAGRAM_ISNUMVISUAL" val="0"/>
-  <p:tag name="KSO_WM_UNIT_DIAGRAM_ISREFERUNIT" val="0"/>
-  <p:tag name="KSO_WM_UNIT_ID" val="_1**"/>
-  <p:tag name="KSO_WM_UNIT_LAYERLEVEL" val="1"/>
-  <p:tag name="KSO_WM_TAG_VERSION" val="1.0"/>
-  <p:tag name="KSO_WM_BEAUTIFY_FLAG" val="#wm#"/>
-  <p:tag name="KSO_WM_SLIDE_BACKGROUND_MASK_FLAG" val="1"/>
-</p:tagLst>
-</file>
-
-<file path=ppt/tags/tag50.xml><?xml version="1.0" encoding="utf-8"?>
-<p:tagLst xmlns:p="http://schemas.openxmlformats.org/presentationml/2006/main">
-  <p:tag name="KSO_WM_UNIT_HIGHLIGHT" val="0"/>
-  <p:tag name="KSO_WM_UNIT_COMPATIBLE" val="0"/>
-  <p:tag name="KSO_WM_UNIT_DIAGRAM_ISNUMVISUAL" val="0"/>
-  <p:tag name="KSO_WM_UNIT_DIAGRAM_ISREFERUNIT" val="0"/>
-  <p:tag name="KSO_WM_UNIT_ID" val="_9**"/>
-  <p:tag name="KSO_WM_UNIT_LAYERLEVEL" val="1"/>
-  <p:tag name="KSO_WM_TAG_VERSION" val="1.0"/>
-  <p:tag name="KSO_WM_BEAUTIFY_FLAG" val="#wm#"/>
-</p:tagLst>
-</file>
-
-<file path=ppt/tags/tag51.xml><?xml version="1.0" encoding="utf-8"?>
-<p:tagLst xmlns:p="http://schemas.openxmlformats.org/presentationml/2006/main">
-  <p:tag name="KSO_WM_UNIT_HIGHLIGHT" val="0"/>
-  <p:tag name="KSO_WM_UNIT_COMPATIBLE" val="0"/>
-  <p:tag name="KSO_WM_UNIT_DIAGRAM_ISNUMVISUAL" val="0"/>
-  <p:tag name="KSO_WM_UNIT_DIAGRAM_ISREFERUNIT" val="0"/>
-  <p:tag name="KSO_WM_UNIT_ID" val="_9**"/>
-  <p:tag name="KSO_WM_UNIT_LAYERLEVEL" val="1"/>
-  <p:tag name="KSO_WM_TAG_VERSION" val="1.0"/>
-  <p:tag name="KSO_WM_BEAUTIFY_FLAG" val="#wm#"/>
-</p:tagLst>
-</file>
-
-<file path=ppt/tags/tag52.xml><?xml version="1.0" encoding="utf-8"?>
-<p:tagLst xmlns:p="http://schemas.openxmlformats.org/presentationml/2006/main">
-  <p:tag name="KSO_WM_UNIT_HIGHLIGHT" val="0"/>
-  <p:tag name="KSO_WM_UNIT_COMPATIBLE" val="0"/>
-  <p:tag name="KSO_WM_UNIT_DIAGRAM_ISNUMVISUAL" val="0"/>
-  <p:tag name="KSO_WM_UNIT_DIAGRAM_ISREFERUNIT" val="0"/>
-  <p:tag name="KSO_WM_UNIT_ID" val="_9**"/>
-  <p:tag name="KSO_WM_UNIT_LAYERLEVEL" val="1"/>
-  <p:tag name="KSO_WM_TAG_VERSION" val="1.0"/>
-  <p:tag name="KSO_WM_BEAUTIFY_FLAG" val="#wm#"/>
-</p:tagLst>
-</file>
-
-<file path=ppt/tags/tag53.xml><?xml version="1.0" encoding="utf-8"?>
-<p:tagLst xmlns:p="http://schemas.openxmlformats.org/presentationml/2006/main">
-  <p:tag name="KSO_WM_UNIT_HIGHLIGHT" val="0"/>
-  <p:tag name="KSO_WM_UNIT_COMPATIBLE" val="0"/>
-  <p:tag name="KSO_WM_UNIT_DIAGRAM_ISNUMVISUAL" val="0"/>
-  <p:tag name="KSO_WM_UNIT_DIAGRAM_ISREFERUNIT" val="0"/>
-  <p:tag name="KSO_WM_UNIT_ID" val="_9**"/>
-  <p:tag name="KSO_WM_UNIT_LAYERLEVEL" val="1"/>
-  <p:tag name="KSO_WM_TAG_VERSION" val="1.0"/>
-  <p:tag name="KSO_WM_BEAUTIFY_FLAG" val="#wm#"/>
-</p:tagLst>
-</file>
-
-<file path=ppt/tags/tag54.xml><?xml version="1.0" encoding="utf-8"?>
-<p:tagLst xmlns:p="http://schemas.openxmlformats.org/presentationml/2006/main">
-  <p:tag name="KSO_WM_UNIT_HIGHLIGHT" val="0"/>
-  <p:tag name="KSO_WM_UNIT_COMPATIBLE" val="0"/>
-  <p:tag name="KSO_WM_UNIT_DIAGRAM_ISNUMVISUAL" val="0"/>
-  <p:tag name="KSO_WM_UNIT_DIAGRAM_ISREFERUNIT" val="0"/>
-  <p:tag name="KSO_WM_UNIT_ID" val="_9**"/>
-  <p:tag name="KSO_WM_UNIT_LAYERLEVEL" val="1"/>
-  <p:tag name="KSO_WM_TAG_VERSION" val="1.0"/>
-  <p:tag name="KSO_WM_BEAUTIFY_FLAG" val="#wm#"/>
-</p:tagLst>
-</file>
-
-<file path=ppt/tags/tag55.xml><?xml version="1.0" encoding="utf-8"?>
-<p:tagLst xmlns:p="http://schemas.openxmlformats.org/presentationml/2006/main">
-  <p:tag name="KSO_WM_UNIT_HIGHLIGHT" val="0"/>
-  <p:tag name="KSO_WM_UNIT_COMPATIBLE" val="0"/>
-  <p:tag name="KSO_WM_UNIT_DIAGRAM_ISNUMVISUAL" val="0"/>
-  <p:tag name="KSO_WM_UNIT_DIAGRAM_ISREFERUNIT" val="0"/>
-  <p:tag name="KSO_WM_UNIT_ID" val="_10**"/>
-  <p:tag name="KSO_WM_UNIT_LAYERLEVEL" val="1"/>
-  <p:tag name="KSO_WM_TAG_VERSION" val="1.0"/>
-  <p:tag name="KSO_WM_BEAUTIFY_FLAG" val="#wm#"/>
-</p:tagLst>
-</file>
-
-<file path=ppt/tags/tag56.xml><?xml version="1.0" encoding="utf-8"?>
-<p:tagLst xmlns:p="http://schemas.openxmlformats.org/presentationml/2006/main">
-  <p:tag name="KSO_WM_UNIT_HIGHLIGHT" val="0"/>
-  <p:tag name="KSO_WM_UNIT_COMPATIBLE" val="0"/>
-  <p:tag name="KSO_WM_UNIT_DIAGRAM_ISNUMVISUAL" val="0"/>
-  <p:tag name="KSO_WM_UNIT_DIAGRAM_ISREFERUNIT" val="0"/>
-  <p:tag name="KSO_WM_UNIT_ID" val="_10**"/>
-  <p:tag name="KSO_WM_UNIT_LAYERLEVEL" val="1"/>
-  <p:tag name="KSO_WM_TAG_VERSION" val="1.0"/>
-  <p:tag name="KSO_WM_BEAUTIFY_FLAG" val="#wm#"/>
-</p:tagLst>
-</file>
-
-<file path=ppt/tags/tag57.xml><?xml version="1.0" encoding="utf-8"?>
-<p:tagLst xmlns:p="http://schemas.openxmlformats.org/presentationml/2006/main">
-  <p:tag name="KSO_WM_UNIT_HIGHLIGHT" val="0"/>
-  <p:tag name="KSO_WM_UNIT_COMPATIBLE" val="0"/>
-  <p:tag name="KSO_WM_UNIT_DIAGRAM_ISNUMVISUAL" val="0"/>
-  <p:tag name="KSO_WM_UNIT_DIAGRAM_ISREFERUNIT" val="0"/>
-  <p:tag name="KSO_WM_UNIT_ID" val="_10**"/>
-  <p:tag name="KSO_WM_UNIT_LAYERLEVEL" val="1"/>
-  <p:tag name="KSO_WM_TAG_VERSION" val="1.0"/>
-  <p:tag name="KSO_WM_BEAUTIFY_FLAG" val="#wm#"/>
-</p:tagLst>
-</file>
-
-<file path=ppt/tags/tag58.xml><?xml version="1.0" encoding="utf-8"?>
-<p:tagLst xmlns:p="http://schemas.openxmlformats.org/presentationml/2006/main">
-  <p:tag name="KSO_WM_UNIT_HIGHLIGHT" val="0"/>
-  <p:tag name="KSO_WM_UNIT_COMPATIBLE" val="0"/>
-  <p:tag name="KSO_WM_UNIT_DIAGRAM_ISNUMVISUAL" val="0"/>
-  <p:tag name="KSO_WM_UNIT_DIAGRAM_ISREFERUNIT" val="0"/>
-  <p:tag name="KSO_WM_UNIT_ID" val="_10**"/>
-  <p:tag name="KSO_WM_UNIT_LAYERLEVEL" val="1"/>
-  <p:tag name="KSO_WM_TAG_VERSION" val="1.0"/>
-  <p:tag name="KSO_WM_BEAUTIFY_FLAG" val="#wm#"/>
-</p:tagLst>
-</file>
-
-<file path=ppt/tags/tag59.xml><?xml version="1.0" encoding="utf-8"?>
-<p:tagLst xmlns:p="http://schemas.openxmlformats.org/presentationml/2006/main">
+<file path=ppt/tags/tag70.xml><?xml version="1.0" encoding="utf-8"?>
+<p:tagLst xmlns:a="http://schemas.openxmlformats.org/drawingml/2006/main" xmlns:r="http://schemas.openxmlformats.org/officeDocument/2006/relationships" xmlns:p="http://schemas.openxmlformats.org/presentationml/2006/main">
   <p:tag name="KSO_WM_UNIT_HIGHLIGHT" val="0"/>
   <p:tag name="KSO_WM_UNIT_COMPATIBLE" val="0"/>
   <p:tag name="KSO_WM_UNIT_DIAGRAM_ISNUMVISUAL" val="0"/>
@@ -27540,87 +27322,8 @@
 </p:tagLst>
 </file>
 
-<file path=ppt/tags/tag6.xml><?xml version="1.0" encoding="utf-8"?>
-<p:tagLst xmlns:p="http://schemas.openxmlformats.org/presentationml/2006/main">
-  <p:tag name="KSO_WM_UNIT_HIGHLIGHT" val="0"/>
-  <p:tag name="KSO_WM_UNIT_COMPATIBLE" val="0"/>
-  <p:tag name="KSO_WM_UNIT_DIAGRAM_ISNUMVISUAL" val="0"/>
-  <p:tag name="KSO_WM_UNIT_DIAGRAM_ISREFERUNIT" val="0"/>
-  <p:tag name="KSO_WM_UNIT_ID" val="_1**"/>
-  <p:tag name="KSO_WM_UNIT_LAYERLEVEL" val="1"/>
-  <p:tag name="KSO_WM_TAG_VERSION" val="1.0"/>
-  <p:tag name="KSO_WM_BEAUTIFY_FLAG" val="#wm#"/>
-  <p:tag name="KSO_WM_SLIDE_BACKGROUND_MASK_FLAG" val="1"/>
-</p:tagLst>
-</file>
-
-<file path=ppt/tags/tag60.xml><?xml version="1.0" encoding="utf-8"?>
-<p:tagLst xmlns:p="http://schemas.openxmlformats.org/presentationml/2006/main">
-  <p:tag name="KSO_WM_UNIT_HIGHLIGHT" val="0"/>
-  <p:tag name="KSO_WM_UNIT_COMPATIBLE" val="0"/>
-  <p:tag name="KSO_WM_UNIT_DIAGRAM_ISNUMVISUAL" val="0"/>
-  <p:tag name="KSO_WM_UNIT_DIAGRAM_ISREFERUNIT" val="0"/>
-  <p:tag name="KSO_WM_UNIT_ID" val="_11**"/>
-  <p:tag name="KSO_WM_UNIT_LAYERLEVEL" val="1"/>
-  <p:tag name="KSO_WM_TAG_VERSION" val="1.0"/>
-  <p:tag name="KSO_WM_BEAUTIFY_FLAG" val="#wm#"/>
-</p:tagLst>
-</file>
-
-<file path=ppt/tags/tag61.xml><?xml version="1.0" encoding="utf-8"?>
-<p:tagLst xmlns:p="http://schemas.openxmlformats.org/presentationml/2006/main">
-  <p:tag name="KSO_WM_UNIT_HIGHLIGHT" val="0"/>
-  <p:tag name="KSO_WM_UNIT_COMPATIBLE" val="0"/>
-  <p:tag name="KSO_WM_UNIT_DIAGRAM_ISNUMVISUAL" val="0"/>
-  <p:tag name="KSO_WM_UNIT_DIAGRAM_ISREFERUNIT" val="0"/>
-  <p:tag name="KSO_WM_UNIT_ID" val="_11**"/>
-  <p:tag name="KSO_WM_UNIT_LAYERLEVEL" val="1"/>
-  <p:tag name="KSO_WM_TAG_VERSION" val="1.0"/>
-  <p:tag name="KSO_WM_BEAUTIFY_FLAG" val="#wm#"/>
-</p:tagLst>
-</file>
-
-<file path=ppt/tags/tag62.xml><?xml version="1.0" encoding="utf-8"?>
-<p:tagLst xmlns:p="http://schemas.openxmlformats.org/presentationml/2006/main">
-  <p:tag name="KSO_WM_UNIT_HIGHLIGHT" val="0"/>
-  <p:tag name="KSO_WM_UNIT_COMPATIBLE" val="0"/>
-  <p:tag name="KSO_WM_UNIT_DIAGRAM_ISNUMVISUAL" val="0"/>
-  <p:tag name="KSO_WM_UNIT_DIAGRAM_ISREFERUNIT" val="0"/>
-  <p:tag name="KSO_WM_UNIT_ID" val="_11**"/>
-  <p:tag name="KSO_WM_UNIT_LAYERLEVEL" val="1"/>
-  <p:tag name="KSO_WM_TAG_VERSION" val="1.0"/>
-  <p:tag name="KSO_WM_BEAUTIFY_FLAG" val="#wm#"/>
-</p:tagLst>
-</file>
-
-<file path=ppt/tags/tag63.xml><?xml version="1.0" encoding="utf-8"?>
-<p:tagLst xmlns:p="http://schemas.openxmlformats.org/presentationml/2006/main">
-  <p:tag name="KSO_WM_UNIT_HIGHLIGHT" val="0"/>
-  <p:tag name="KSO_WM_UNIT_COMPATIBLE" val="0"/>
-  <p:tag name="KSO_WM_UNIT_DIAGRAM_ISNUMVISUAL" val="0"/>
-  <p:tag name="KSO_WM_UNIT_DIAGRAM_ISREFERUNIT" val="0"/>
-  <p:tag name="KSO_WM_UNIT_ID" val="_11**"/>
-  <p:tag name="KSO_WM_UNIT_LAYERLEVEL" val="1"/>
-  <p:tag name="KSO_WM_TAG_VERSION" val="1.0"/>
-  <p:tag name="KSO_WM_BEAUTIFY_FLAG" val="#wm#"/>
-</p:tagLst>
-</file>
-
-<file path=ppt/tags/tag64.xml><?xml version="1.0" encoding="utf-8"?>
-<p:tagLst xmlns:p="http://schemas.openxmlformats.org/presentationml/2006/main">
-  <p:tag name="KSO_WM_UNIT_HIGHLIGHT" val="0"/>
-  <p:tag name="KSO_WM_UNIT_COMPATIBLE" val="0"/>
-  <p:tag name="KSO_WM_UNIT_DIAGRAM_ISNUMVISUAL" val="0"/>
-  <p:tag name="KSO_WM_UNIT_DIAGRAM_ISREFERUNIT" val="0"/>
-  <p:tag name="KSO_WM_UNIT_ID" val="_11**"/>
-  <p:tag name="KSO_WM_UNIT_LAYERLEVEL" val="1"/>
-  <p:tag name="KSO_WM_TAG_VERSION" val="1.0"/>
-  <p:tag name="KSO_WM_BEAUTIFY_FLAG" val="#wm#"/>
-</p:tagLst>
-</file>
-
-<file path=ppt/tags/tag65.xml><?xml version="1.0" encoding="utf-8"?>
-<p:tagLst xmlns:p="http://schemas.openxmlformats.org/presentationml/2006/main">
+<file path=ppt/tags/tag71.xml><?xml version="1.0" encoding="utf-8"?>
+<p:tagLst xmlns:a="http://schemas.openxmlformats.org/drawingml/2006/main" xmlns:r="http://schemas.openxmlformats.org/officeDocument/2006/relationships" xmlns:p="http://schemas.openxmlformats.org/presentationml/2006/main">
   <p:tag name="KSO_WM_UNIT_HIGHLIGHT" val="0"/>
   <p:tag name="KSO_WM_UNIT_COMPATIBLE" val="0"/>
   <p:tag name="KSO_WM_UNIT_DIAGRAM_ISNUMVISUAL" val="0"/>
@@ -27634,8 +27337,8 @@
 </p:tagLst>
 </file>
 
-<file path=ppt/tags/tag66.xml><?xml version="1.0" encoding="utf-8"?>
-<p:tagLst xmlns:p="http://schemas.openxmlformats.org/presentationml/2006/main">
+<file path=ppt/tags/tag72.xml><?xml version="1.0" encoding="utf-8"?>
+<p:tagLst xmlns:a="http://schemas.openxmlformats.org/drawingml/2006/main" xmlns:r="http://schemas.openxmlformats.org/officeDocument/2006/relationships" xmlns:p="http://schemas.openxmlformats.org/presentationml/2006/main">
   <p:tag name="KSO_WM_UNIT_HIGHLIGHT" val="0"/>
   <p:tag name="KSO_WM_UNIT_COMPATIBLE" val="0"/>
   <p:tag name="KSO_WM_UNIT_DIAGRAM_ISNUMVISUAL" val="0"/>
@@ -27649,8 +27352,8 @@
 </p:tagLst>
 </file>
 
-<file path=ppt/tags/tag67.xml><?xml version="1.0" encoding="utf-8"?>
-<p:tagLst xmlns:p="http://schemas.openxmlformats.org/presentationml/2006/main">
+<file path=ppt/tags/tag73.xml><?xml version="1.0" encoding="utf-8"?>
+<p:tagLst xmlns:a="http://schemas.openxmlformats.org/drawingml/2006/main" xmlns:r="http://schemas.openxmlformats.org/officeDocument/2006/relationships" xmlns:p="http://schemas.openxmlformats.org/presentationml/2006/main">
   <p:tag name="KSO_WM_UNIT_HIGHLIGHT" val="0"/>
   <p:tag name="KSO_WM_UNIT_COMPATIBLE" val="0"/>
   <p:tag name="KSO_WM_UNIT_DIAGRAM_ISNUMVISUAL" val="0"/>
@@ -27664,8 +27367,8 @@
 </p:tagLst>
 </file>
 
-<file path=ppt/tags/tag68.xml><?xml version="1.0" encoding="utf-8"?>
-<p:tagLst xmlns:p="http://schemas.openxmlformats.org/presentationml/2006/main">
+<file path=ppt/tags/tag74.xml><?xml version="1.0" encoding="utf-8"?>
+<p:tagLst xmlns:a="http://schemas.openxmlformats.org/drawingml/2006/main" xmlns:r="http://schemas.openxmlformats.org/officeDocument/2006/relationships" xmlns:p="http://schemas.openxmlformats.org/presentationml/2006/main">
   <p:tag name="KSO_WM_UNIT_HIGHLIGHT" val="0"/>
   <p:tag name="KSO_WM_UNIT_COMPATIBLE" val="0"/>
   <p:tag name="KSO_WM_UNIT_DIAGRAM_ISNUMVISUAL" val="0"/>
@@ -27679,8 +27382,8 @@
 </p:tagLst>
 </file>
 
-<file path=ppt/tags/tag69.xml><?xml version="1.0" encoding="utf-8"?>
-<p:tagLst xmlns:p="http://schemas.openxmlformats.org/presentationml/2006/main">
+<file path=ppt/tags/tag75.xml><?xml version="1.0" encoding="utf-8"?>
+<p:tagLst xmlns:a="http://schemas.openxmlformats.org/drawingml/2006/main" xmlns:r="http://schemas.openxmlformats.org/officeDocument/2006/relationships" xmlns:p="http://schemas.openxmlformats.org/presentationml/2006/main">
   <p:tag name="KSO_WM_UNIT_HIGHLIGHT" val="0"/>
   <p:tag name="KSO_WM_UNIT_COMPATIBLE" val="0"/>
   <p:tag name="KSO_WM_UNIT_DIAGRAM_ISNUMVISUAL" val="0"/>
@@ -27694,22 +27397,8 @@
 </p:tagLst>
 </file>
 
-<file path=ppt/tags/tag7.xml><?xml version="1.0" encoding="utf-8"?>
-<p:tagLst xmlns:p="http://schemas.openxmlformats.org/presentationml/2006/main">
-  <p:tag name="KSO_WM_UNIT_HIGHLIGHT" val="0"/>
-  <p:tag name="KSO_WM_UNIT_COMPATIBLE" val="0"/>
-  <p:tag name="KSO_WM_UNIT_DIAGRAM_ISNUMVISUAL" val="0"/>
-  <p:tag name="KSO_WM_UNIT_DIAGRAM_ISREFERUNIT" val="0"/>
-  <p:tag name="KSO_WM_UNIT_ID" val="_1**"/>
-  <p:tag name="KSO_WM_UNIT_LAYERLEVEL" val="1"/>
-  <p:tag name="KSO_WM_TAG_VERSION" val="1.0"/>
-  <p:tag name="KSO_WM_BEAUTIFY_FLAG" val="#wm#"/>
-  <p:tag name="KSO_WM_SLIDE_BACKGROUND_MASK_FLAG" val="1"/>
-</p:tagLst>
-</file>
-
-<file path=ppt/tags/tag70.xml><?xml version="1.0" encoding="utf-8"?>
-<p:tagLst xmlns:p="http://schemas.openxmlformats.org/presentationml/2006/main">
+<file path=ppt/tags/tag76.xml><?xml version="1.0" encoding="utf-8"?>
+<p:tagLst xmlns:a="http://schemas.openxmlformats.org/drawingml/2006/main" xmlns:r="http://schemas.openxmlformats.org/officeDocument/2006/relationships" xmlns:p="http://schemas.openxmlformats.org/presentationml/2006/main">
   <p:tag name="KSO_WM_UNIT_HIGHLIGHT" val="0"/>
   <p:tag name="KSO_WM_UNIT_COMPATIBLE" val="0"/>
   <p:tag name="KSO_WM_UNIT_DIAGRAM_ISNUMVISUAL" val="0"/>
@@ -27727,98 +27416,8 @@
 </p:tagLst>
 </file>
 
-<file path=ppt/tags/tag71.xml><?xml version="1.0" encoding="utf-8"?>
-<p:tagLst xmlns:p="http://schemas.openxmlformats.org/presentationml/2006/main">
-  <p:tag name="KSO_WM_UNIT_HIGHLIGHT" val="0"/>
-  <p:tag name="KSO_WM_UNIT_COMPATIBLE" val="0"/>
-  <p:tag name="KSO_WM_UNIT_DIAGRAM_ISNUMVISUAL" val="0"/>
-  <p:tag name="KSO_WM_UNIT_DIAGRAM_ISREFERUNIT" val="0"/>
-  <p:tag name="KSO_WM_UNIT_ID" val="_13**"/>
-  <p:tag name="KSO_WM_UNIT_LAYERLEVEL" val="1"/>
-  <p:tag name="KSO_WM_TAG_VERSION" val="1.0"/>
-  <p:tag name="KSO_WM_BEAUTIFY_FLAG" val="#wm#"/>
-  <p:tag name="KSO_WM_SLIDE_BACKGROUND_TYPE" val="frame"/>
-  <p:tag name="KSO_WM_SLIDE_BK_DARK_LIGHT" val="2"/>
-</p:tagLst>
-</file>
-
-<file path=ppt/tags/tag72.xml><?xml version="1.0" encoding="utf-8"?>
-<p:tagLst xmlns:p="http://schemas.openxmlformats.org/presentationml/2006/main">
-  <p:tag name="KSO_WM_UNIT_HIGHLIGHT" val="0"/>
-  <p:tag name="KSO_WM_UNIT_COMPATIBLE" val="0"/>
-  <p:tag name="KSO_WM_UNIT_DIAGRAM_ISNUMVISUAL" val="0"/>
-  <p:tag name="KSO_WM_UNIT_DIAGRAM_ISREFERUNIT" val="0"/>
-  <p:tag name="KSO_WM_UNIT_ID" val="_13**"/>
-  <p:tag name="KSO_WM_UNIT_LAYERLEVEL" val="1"/>
-  <p:tag name="KSO_WM_TAG_VERSION" val="1.0"/>
-  <p:tag name="KSO_WM_BEAUTIFY_FLAG" val="#wm#"/>
-  <p:tag name="KSO_WM_SLIDE_BACKGROUND_TYPE" val="frame"/>
-  <p:tag name="KSO_WM_SLIDE_BK_DARK_LIGHT" val="2"/>
-</p:tagLst>
-</file>
-
-<file path=ppt/tags/tag73.xml><?xml version="1.0" encoding="utf-8"?>
-<p:tagLst xmlns:p="http://schemas.openxmlformats.org/presentationml/2006/main">
-  <p:tag name="KSO_WM_UNIT_HIGHLIGHT" val="0"/>
-  <p:tag name="KSO_WM_UNIT_COMPATIBLE" val="0"/>
-  <p:tag name="KSO_WM_UNIT_DIAGRAM_ISNUMVISUAL" val="0"/>
-  <p:tag name="KSO_WM_UNIT_DIAGRAM_ISREFERUNIT" val="0"/>
-  <p:tag name="KSO_WM_UNIT_ID" val="_13**"/>
-  <p:tag name="KSO_WM_UNIT_LAYERLEVEL" val="1"/>
-  <p:tag name="KSO_WM_TAG_VERSION" val="1.0"/>
-  <p:tag name="KSO_WM_BEAUTIFY_FLAG" val="#wm#"/>
-  <p:tag name="KSO_WM_SLIDE_BACKGROUND_TYPE" val="frame"/>
-  <p:tag name="KSO_WM_SLIDE_BK_DARK_LIGHT" val="2"/>
-</p:tagLst>
-</file>
-
-<file path=ppt/tags/tag74.xml><?xml version="1.0" encoding="utf-8"?>
-<p:tagLst xmlns:p="http://schemas.openxmlformats.org/presentationml/2006/main">
-  <p:tag name="KSO_WM_UNIT_HIGHLIGHT" val="0"/>
-  <p:tag name="KSO_WM_UNIT_COMPATIBLE" val="0"/>
-  <p:tag name="KSO_WM_UNIT_DIAGRAM_ISNUMVISUAL" val="0"/>
-  <p:tag name="KSO_WM_UNIT_DIAGRAM_ISREFERUNIT" val="0"/>
-  <p:tag name="KSO_WM_UNIT_ID" val="_13**"/>
-  <p:tag name="KSO_WM_UNIT_LAYERLEVEL" val="1"/>
-  <p:tag name="KSO_WM_TAG_VERSION" val="1.0"/>
-  <p:tag name="KSO_WM_BEAUTIFY_FLAG" val="#wm#"/>
-  <p:tag name="KSO_WM_SLIDE_BACKGROUND_TYPE" val="frame"/>
-  <p:tag name="KSO_WM_SLIDE_BK_DARK_LIGHT" val="2"/>
-</p:tagLst>
-</file>
-
-<file path=ppt/tags/tag75.xml><?xml version="1.0" encoding="utf-8"?>
-<p:tagLst xmlns:p="http://schemas.openxmlformats.org/presentationml/2006/main">
-  <p:tag name="KSO_WM_UNIT_HIGHLIGHT" val="0"/>
-  <p:tag name="KSO_WM_UNIT_COMPATIBLE" val="0"/>
-  <p:tag name="KSO_WM_UNIT_DIAGRAM_ISNUMVISUAL" val="0"/>
-  <p:tag name="KSO_WM_UNIT_DIAGRAM_ISREFERUNIT" val="0"/>
-  <p:tag name="KSO_WM_UNIT_ID" val="_13**"/>
-  <p:tag name="KSO_WM_UNIT_LAYERLEVEL" val="1"/>
-  <p:tag name="KSO_WM_TAG_VERSION" val="1.0"/>
-  <p:tag name="KSO_WM_BEAUTIFY_FLAG" val="#wm#"/>
-  <p:tag name="KSO_WM_SLIDE_BACKGROUND_TYPE" val="frame"/>
-  <p:tag name="KSO_WM_SLIDE_BK_DARK_LIGHT" val="2"/>
-</p:tagLst>
-</file>
-
-<file path=ppt/tags/tag76.xml><?xml version="1.0" encoding="utf-8"?>
-<p:tagLst xmlns:p="http://schemas.openxmlformats.org/presentationml/2006/main">
-  <p:tag name="KSO_WM_UNIT_HIGHLIGHT" val="0"/>
-  <p:tag name="KSO_WM_UNIT_COMPATIBLE" val="0"/>
-  <p:tag name="KSO_WM_UNIT_DIAGRAM_ISNUMVISUAL" val="0"/>
-  <p:tag name="KSO_WM_UNIT_DIAGRAM_ISREFERUNIT" val="0"/>
-  <p:tag name="KSO_WM_UNIT_ID" val="_13**"/>
-  <p:tag name="KSO_WM_UNIT_LAYERLEVEL" val="1"/>
-  <p:tag name="KSO_WM_TAG_VERSION" val="1.0"/>
-  <p:tag name="KSO_WM_BEAUTIFY_FLAG" val="#wm#"/>
-  <p:tag name="KSO_WM_SLIDE_BACKGROUND_TYPE" val="frame"/>
-  <p:tag name="KSO_WM_SLIDE_BK_DARK_LIGHT" val="2"/>
-</p:tagLst>
-</file>
-
 <file path=ppt/tags/tag77.xml><?xml version="1.0" encoding="utf-8"?>
-<p:tagLst xmlns:p="http://schemas.openxmlformats.org/presentationml/2006/main">
+<p:tagLst xmlns:a="http://schemas.openxmlformats.org/drawingml/2006/main" xmlns:r="http://schemas.openxmlformats.org/officeDocument/2006/relationships" xmlns:p="http://schemas.openxmlformats.org/presentationml/2006/main">
   <p:tag name="KSO_WM_UNIT_HIGHLIGHT" val="0"/>
   <p:tag name="KSO_WM_UNIT_COMPATIBLE" val="0"/>
   <p:tag name="KSO_WM_UNIT_DIAGRAM_ISNUMVISUAL" val="0"/>
@@ -27833,7 +27432,7 @@
 </file>
 
 <file path=ppt/tags/tag78.xml><?xml version="1.0" encoding="utf-8"?>
-<p:tagLst xmlns:p="http://schemas.openxmlformats.org/presentationml/2006/main">
+<p:tagLst xmlns:a="http://schemas.openxmlformats.org/drawingml/2006/main" xmlns:r="http://schemas.openxmlformats.org/officeDocument/2006/relationships" xmlns:p="http://schemas.openxmlformats.org/presentationml/2006/main">
   <p:tag name="KSO_WM_UNIT_HIGHLIGHT" val="0"/>
   <p:tag name="KSO_WM_UNIT_COMPATIBLE" val="0"/>
   <p:tag name="KSO_WM_UNIT_DIAGRAM_ISNUMVISUAL" val="0"/>
@@ -27848,7 +27447,111 @@
 </file>
 
 <file path=ppt/tags/tag79.xml><?xml version="1.0" encoding="utf-8"?>
-<p:tagLst xmlns:p="http://schemas.openxmlformats.org/presentationml/2006/main">
+<p:tagLst xmlns:a="http://schemas.openxmlformats.org/drawingml/2006/main" xmlns:r="http://schemas.openxmlformats.org/officeDocument/2006/relationships" xmlns:p="http://schemas.openxmlformats.org/presentationml/2006/main">
+  <p:tag name="KSO_WM_UNIT_HIGHLIGHT" val="0"/>
+  <p:tag name="KSO_WM_UNIT_COMPATIBLE" val="0"/>
+  <p:tag name="KSO_WM_UNIT_DIAGRAM_ISNUMVISUAL" val="0"/>
+  <p:tag name="KSO_WM_UNIT_DIAGRAM_ISREFERUNIT" val="0"/>
+  <p:tag name="KSO_WM_UNIT_ID" val="_13**"/>
+  <p:tag name="KSO_WM_UNIT_LAYERLEVEL" val="1"/>
+  <p:tag name="KSO_WM_TAG_VERSION" val="1.0"/>
+  <p:tag name="KSO_WM_BEAUTIFY_FLAG" val="#wm#"/>
+  <p:tag name="KSO_WM_SLIDE_BACKGROUND_TYPE" val="frame"/>
+  <p:tag name="KSO_WM_SLIDE_BK_DARK_LIGHT" val="2"/>
+</p:tagLst>
+</file>
+
+<file path=ppt/tags/tag8.xml><?xml version="1.0" encoding="utf-8"?>
+<p:tagLst xmlns:a="http://schemas.openxmlformats.org/drawingml/2006/main" xmlns:r="http://schemas.openxmlformats.org/officeDocument/2006/relationships" xmlns:p="http://schemas.openxmlformats.org/presentationml/2006/main">
+  <p:tag name="KSO_WM_UNIT_HIGHLIGHT" val="0"/>
+  <p:tag name="KSO_WM_UNIT_COMPATIBLE" val="0"/>
+  <p:tag name="KSO_WM_UNIT_DIAGRAM_ISNUMVISUAL" val="0"/>
+  <p:tag name="KSO_WM_UNIT_DIAGRAM_ISREFERUNIT" val="0"/>
+  <p:tag name="KSO_WM_UNIT_ID" val="_1**"/>
+  <p:tag name="KSO_WM_UNIT_LAYERLEVEL" val="1"/>
+  <p:tag name="KSO_WM_TAG_VERSION" val="1.0"/>
+  <p:tag name="KSO_WM_BEAUTIFY_FLAG" val="#wm#"/>
+  <p:tag name="KSO_WM_SLIDE_BACKGROUND_MASK_FLAG" val="1"/>
+</p:tagLst>
+</file>
+
+<file path=ppt/tags/tag80.xml><?xml version="1.0" encoding="utf-8"?>
+<p:tagLst xmlns:a="http://schemas.openxmlformats.org/drawingml/2006/main" xmlns:r="http://schemas.openxmlformats.org/officeDocument/2006/relationships" xmlns:p="http://schemas.openxmlformats.org/presentationml/2006/main">
+  <p:tag name="KSO_WM_UNIT_HIGHLIGHT" val="0"/>
+  <p:tag name="KSO_WM_UNIT_COMPATIBLE" val="0"/>
+  <p:tag name="KSO_WM_UNIT_DIAGRAM_ISNUMVISUAL" val="0"/>
+  <p:tag name="KSO_WM_UNIT_DIAGRAM_ISREFERUNIT" val="0"/>
+  <p:tag name="KSO_WM_UNIT_ID" val="_13**"/>
+  <p:tag name="KSO_WM_UNIT_LAYERLEVEL" val="1"/>
+  <p:tag name="KSO_WM_TAG_VERSION" val="1.0"/>
+  <p:tag name="KSO_WM_BEAUTIFY_FLAG" val="#wm#"/>
+  <p:tag name="KSO_WM_SLIDE_BACKGROUND_TYPE" val="frame"/>
+  <p:tag name="KSO_WM_SLIDE_BK_DARK_LIGHT" val="2"/>
+</p:tagLst>
+</file>
+
+<file path=ppt/tags/tag81.xml><?xml version="1.0" encoding="utf-8"?>
+<p:tagLst xmlns:a="http://schemas.openxmlformats.org/drawingml/2006/main" xmlns:r="http://schemas.openxmlformats.org/officeDocument/2006/relationships" xmlns:p="http://schemas.openxmlformats.org/presentationml/2006/main">
+  <p:tag name="KSO_WM_UNIT_HIGHLIGHT" val="0"/>
+  <p:tag name="KSO_WM_UNIT_COMPATIBLE" val="0"/>
+  <p:tag name="KSO_WM_UNIT_DIAGRAM_ISNUMVISUAL" val="0"/>
+  <p:tag name="KSO_WM_UNIT_DIAGRAM_ISREFERUNIT" val="0"/>
+  <p:tag name="KSO_WM_UNIT_ID" val="_13**"/>
+  <p:tag name="KSO_WM_UNIT_LAYERLEVEL" val="1"/>
+  <p:tag name="KSO_WM_TAG_VERSION" val="1.0"/>
+  <p:tag name="KSO_WM_BEAUTIFY_FLAG" val="#wm#"/>
+  <p:tag name="KSO_WM_SLIDE_BACKGROUND_TYPE" val="frame"/>
+  <p:tag name="KSO_WM_SLIDE_BK_DARK_LIGHT" val="2"/>
+</p:tagLst>
+</file>
+
+<file path=ppt/tags/tag82.xml><?xml version="1.0" encoding="utf-8"?>
+<p:tagLst xmlns:a="http://schemas.openxmlformats.org/drawingml/2006/main" xmlns:r="http://schemas.openxmlformats.org/officeDocument/2006/relationships" xmlns:p="http://schemas.openxmlformats.org/presentationml/2006/main">
+  <p:tag name="KSO_WM_UNIT_HIGHLIGHT" val="0"/>
+  <p:tag name="KSO_WM_UNIT_COMPATIBLE" val="0"/>
+  <p:tag name="KSO_WM_UNIT_DIAGRAM_ISNUMVISUAL" val="0"/>
+  <p:tag name="KSO_WM_UNIT_DIAGRAM_ISREFERUNIT" val="0"/>
+  <p:tag name="KSO_WM_UNIT_ID" val="_13**"/>
+  <p:tag name="KSO_WM_UNIT_LAYERLEVEL" val="1"/>
+  <p:tag name="KSO_WM_TAG_VERSION" val="1.0"/>
+  <p:tag name="KSO_WM_BEAUTIFY_FLAG" val="#wm#"/>
+  <p:tag name="KSO_WM_SLIDE_BACKGROUND_TYPE" val="frame"/>
+  <p:tag name="KSO_WM_SLIDE_BK_DARK_LIGHT" val="2"/>
+</p:tagLst>
+</file>
+
+<file path=ppt/tags/tag83.xml><?xml version="1.0" encoding="utf-8"?>
+<p:tagLst xmlns:a="http://schemas.openxmlformats.org/drawingml/2006/main" xmlns:r="http://schemas.openxmlformats.org/officeDocument/2006/relationships" xmlns:p="http://schemas.openxmlformats.org/presentationml/2006/main">
+  <p:tag name="KSO_WM_UNIT_HIGHLIGHT" val="0"/>
+  <p:tag name="KSO_WM_UNIT_COMPATIBLE" val="0"/>
+  <p:tag name="KSO_WM_UNIT_DIAGRAM_ISNUMVISUAL" val="0"/>
+  <p:tag name="KSO_WM_UNIT_DIAGRAM_ISREFERUNIT" val="0"/>
+  <p:tag name="KSO_WM_UNIT_ID" val="_13**"/>
+  <p:tag name="KSO_WM_UNIT_LAYERLEVEL" val="1"/>
+  <p:tag name="KSO_WM_TAG_VERSION" val="1.0"/>
+  <p:tag name="KSO_WM_BEAUTIFY_FLAG" val="#wm#"/>
+  <p:tag name="KSO_WM_SLIDE_BACKGROUND_TYPE" val="frame"/>
+  <p:tag name="KSO_WM_SLIDE_BK_DARK_LIGHT" val="2"/>
+</p:tagLst>
+</file>
+
+<file path=ppt/tags/tag84.xml><?xml version="1.0" encoding="utf-8"?>
+<p:tagLst xmlns:a="http://schemas.openxmlformats.org/drawingml/2006/main" xmlns:r="http://schemas.openxmlformats.org/officeDocument/2006/relationships" xmlns:p="http://schemas.openxmlformats.org/presentationml/2006/main">
+  <p:tag name="KSO_WM_UNIT_HIGHLIGHT" val="0"/>
+  <p:tag name="KSO_WM_UNIT_COMPATIBLE" val="0"/>
+  <p:tag name="KSO_WM_UNIT_DIAGRAM_ISNUMVISUAL" val="0"/>
+  <p:tag name="KSO_WM_UNIT_DIAGRAM_ISREFERUNIT" val="0"/>
+  <p:tag name="KSO_WM_UNIT_ID" val="_13**"/>
+  <p:tag name="KSO_WM_UNIT_LAYERLEVEL" val="1"/>
+  <p:tag name="KSO_WM_TAG_VERSION" val="1.0"/>
+  <p:tag name="KSO_WM_BEAUTIFY_FLAG" val="#wm#"/>
+  <p:tag name="KSO_WM_SLIDE_BACKGROUND_TYPE" val="frame"/>
+  <p:tag name="KSO_WM_SLIDE_BK_DARK_LIGHT" val="2"/>
+</p:tagLst>
+</file>
+
+<file path=ppt/tags/tag85.xml><?xml version="1.0" encoding="utf-8"?>
+<p:tagLst xmlns:a="http://schemas.openxmlformats.org/drawingml/2006/main" xmlns:r="http://schemas.openxmlformats.org/officeDocument/2006/relationships" xmlns:p="http://schemas.openxmlformats.org/presentationml/2006/main">
   <p:tag name="KSO_WM_UNIT_HIGHLIGHT" val="0"/>
   <p:tag name="KSO_WM_UNIT_COMPATIBLE" val="0"/>
   <p:tag name="KSO_WM_UNIT_DIAGRAM_ISNUMVISUAL" val="0"/>
@@ -27866,112 +27569,8 @@
 </p:tagLst>
 </file>
 
-<file path=ppt/tags/tag8.xml><?xml version="1.0" encoding="utf-8"?>
-<p:tagLst xmlns:p="http://schemas.openxmlformats.org/presentationml/2006/main">
-  <p:tag name="KSO_WM_UNIT_HIGHLIGHT" val="0"/>
-  <p:tag name="KSO_WM_UNIT_COMPATIBLE" val="0"/>
-  <p:tag name="KSO_WM_UNIT_DIAGRAM_ISNUMVISUAL" val="0"/>
-  <p:tag name="KSO_WM_UNIT_DIAGRAM_ISREFERUNIT" val="0"/>
-  <p:tag name="KSO_WM_UNIT_ID" val="_1**"/>
-  <p:tag name="KSO_WM_UNIT_LAYERLEVEL" val="1"/>
-  <p:tag name="KSO_WM_TAG_VERSION" val="1.0"/>
-  <p:tag name="KSO_WM_BEAUTIFY_FLAG" val="#wm#"/>
-  <p:tag name="KSO_WM_SLIDE_BACKGROUND_MASK_FLAG" val="1"/>
-</p:tagLst>
-</file>
-
-<file path=ppt/tags/tag80.xml><?xml version="1.0" encoding="utf-8"?>
-<p:tagLst xmlns:p="http://schemas.openxmlformats.org/presentationml/2006/main">
-  <p:tag name="KSO_WM_UNIT_HIGHLIGHT" val="0"/>
-  <p:tag name="KSO_WM_UNIT_COMPATIBLE" val="0"/>
-  <p:tag name="KSO_WM_UNIT_DIAGRAM_ISNUMVISUAL" val="0"/>
-  <p:tag name="KSO_WM_UNIT_DIAGRAM_ISREFERUNIT" val="0"/>
-  <p:tag name="KSO_WM_UNIT_ID" val="_14**"/>
-  <p:tag name="KSO_WM_UNIT_LAYERLEVEL" val="1"/>
-  <p:tag name="KSO_WM_TAG_VERSION" val="1.0"/>
-  <p:tag name="KSO_WM_BEAUTIFY_FLAG" val="#wm#"/>
-  <p:tag name="KSO_WM_SLIDE_BACKGROUND_TYPE" val="leftRight"/>
-  <p:tag name="KSO_WM_SLIDE_BK_DARK_LIGHT" val="2"/>
-</p:tagLst>
-</file>
-
-<file path=ppt/tags/tag81.xml><?xml version="1.0" encoding="utf-8"?>
-<p:tagLst xmlns:p="http://schemas.openxmlformats.org/presentationml/2006/main">
-  <p:tag name="KSO_WM_UNIT_HIGHLIGHT" val="0"/>
-  <p:tag name="KSO_WM_UNIT_COMPATIBLE" val="0"/>
-  <p:tag name="KSO_WM_UNIT_DIAGRAM_ISNUMVISUAL" val="0"/>
-  <p:tag name="KSO_WM_UNIT_DIAGRAM_ISREFERUNIT" val="0"/>
-  <p:tag name="KSO_WM_UNIT_ID" val="_14**"/>
-  <p:tag name="KSO_WM_UNIT_LAYERLEVEL" val="1"/>
-  <p:tag name="KSO_WM_TAG_VERSION" val="1.0"/>
-  <p:tag name="KSO_WM_BEAUTIFY_FLAG" val="#wm#"/>
-  <p:tag name="KSO_WM_SLIDE_BACKGROUND_TYPE" val="leftRight"/>
-  <p:tag name="KSO_WM_SLIDE_BK_DARK_LIGHT" val="2"/>
-</p:tagLst>
-</file>
-
-<file path=ppt/tags/tag82.xml><?xml version="1.0" encoding="utf-8"?>
-<p:tagLst xmlns:p="http://schemas.openxmlformats.org/presentationml/2006/main">
-  <p:tag name="KSO_WM_UNIT_HIGHLIGHT" val="0"/>
-  <p:tag name="KSO_WM_UNIT_COMPATIBLE" val="0"/>
-  <p:tag name="KSO_WM_UNIT_DIAGRAM_ISNUMVISUAL" val="0"/>
-  <p:tag name="KSO_WM_UNIT_DIAGRAM_ISREFERUNIT" val="0"/>
-  <p:tag name="KSO_WM_UNIT_ID" val="_14**"/>
-  <p:tag name="KSO_WM_UNIT_LAYERLEVEL" val="1"/>
-  <p:tag name="KSO_WM_TAG_VERSION" val="1.0"/>
-  <p:tag name="KSO_WM_BEAUTIFY_FLAG" val="#wm#"/>
-  <p:tag name="KSO_WM_SLIDE_BACKGROUND_TYPE" val="leftRight"/>
-  <p:tag name="KSO_WM_SLIDE_BK_DARK_LIGHT" val="2"/>
-</p:tagLst>
-</file>
-
-<file path=ppt/tags/tag83.xml><?xml version="1.0" encoding="utf-8"?>
-<p:tagLst xmlns:p="http://schemas.openxmlformats.org/presentationml/2006/main">
-  <p:tag name="KSO_WM_UNIT_HIGHLIGHT" val="0"/>
-  <p:tag name="KSO_WM_UNIT_COMPATIBLE" val="0"/>
-  <p:tag name="KSO_WM_UNIT_DIAGRAM_ISNUMVISUAL" val="0"/>
-  <p:tag name="KSO_WM_UNIT_DIAGRAM_ISREFERUNIT" val="0"/>
-  <p:tag name="KSO_WM_UNIT_ID" val="_14**"/>
-  <p:tag name="KSO_WM_UNIT_LAYERLEVEL" val="1"/>
-  <p:tag name="KSO_WM_TAG_VERSION" val="1.0"/>
-  <p:tag name="KSO_WM_BEAUTIFY_FLAG" val="#wm#"/>
-  <p:tag name="KSO_WM_SLIDE_BACKGROUND_TYPE" val="leftRight"/>
-  <p:tag name="KSO_WM_SLIDE_BK_DARK_LIGHT" val="2"/>
-</p:tagLst>
-</file>
-
-<file path=ppt/tags/tag84.xml><?xml version="1.0" encoding="utf-8"?>
-<p:tagLst xmlns:p="http://schemas.openxmlformats.org/presentationml/2006/main">
-  <p:tag name="KSO_WM_UNIT_HIGHLIGHT" val="0"/>
-  <p:tag name="KSO_WM_UNIT_COMPATIBLE" val="0"/>
-  <p:tag name="KSO_WM_UNIT_DIAGRAM_ISNUMVISUAL" val="0"/>
-  <p:tag name="KSO_WM_UNIT_DIAGRAM_ISREFERUNIT" val="0"/>
-  <p:tag name="KSO_WM_UNIT_ID" val="_14**"/>
-  <p:tag name="KSO_WM_UNIT_LAYERLEVEL" val="1"/>
-  <p:tag name="KSO_WM_TAG_VERSION" val="1.0"/>
-  <p:tag name="KSO_WM_BEAUTIFY_FLAG" val="#wm#"/>
-  <p:tag name="KSO_WM_SLIDE_BACKGROUND_TYPE" val="leftRight"/>
-  <p:tag name="KSO_WM_SLIDE_BK_DARK_LIGHT" val="2"/>
-</p:tagLst>
-</file>
-
-<file path=ppt/tags/tag85.xml><?xml version="1.0" encoding="utf-8"?>
-<p:tagLst xmlns:p="http://schemas.openxmlformats.org/presentationml/2006/main">
-  <p:tag name="KSO_WM_UNIT_HIGHLIGHT" val="0"/>
-  <p:tag name="KSO_WM_UNIT_COMPATIBLE" val="0"/>
-  <p:tag name="KSO_WM_UNIT_DIAGRAM_ISNUMVISUAL" val="0"/>
-  <p:tag name="KSO_WM_UNIT_DIAGRAM_ISREFERUNIT" val="0"/>
-  <p:tag name="KSO_WM_UNIT_ID" val="_14**"/>
-  <p:tag name="KSO_WM_UNIT_LAYERLEVEL" val="1"/>
-  <p:tag name="KSO_WM_TAG_VERSION" val="1.0"/>
-  <p:tag name="KSO_WM_BEAUTIFY_FLAG" val="#wm#"/>
-  <p:tag name="KSO_WM_SLIDE_BACKGROUND_TYPE" val="leftRight"/>
-  <p:tag name="KSO_WM_SLIDE_BK_DARK_LIGHT" val="2"/>
-</p:tagLst>
-</file>
-
 <file path=ppt/tags/tag86.xml><?xml version="1.0" encoding="utf-8"?>
-<p:tagLst xmlns:p="http://schemas.openxmlformats.org/presentationml/2006/main">
+<p:tagLst xmlns:a="http://schemas.openxmlformats.org/drawingml/2006/main" xmlns:r="http://schemas.openxmlformats.org/officeDocument/2006/relationships" xmlns:p="http://schemas.openxmlformats.org/presentationml/2006/main">
   <p:tag name="KSO_WM_UNIT_HIGHLIGHT" val="0"/>
   <p:tag name="KSO_WM_UNIT_COMPATIBLE" val="0"/>
   <p:tag name="KSO_WM_UNIT_DIAGRAM_ISNUMVISUAL" val="0"/>
@@ -27986,7 +27585,111 @@
 </file>
 
 <file path=ppt/tags/tag87.xml><?xml version="1.0" encoding="utf-8"?>
-<p:tagLst xmlns:p="http://schemas.openxmlformats.org/presentationml/2006/main">
+<p:tagLst xmlns:a="http://schemas.openxmlformats.org/drawingml/2006/main" xmlns:r="http://schemas.openxmlformats.org/officeDocument/2006/relationships" xmlns:p="http://schemas.openxmlformats.org/presentationml/2006/main">
+  <p:tag name="KSO_WM_UNIT_HIGHLIGHT" val="0"/>
+  <p:tag name="KSO_WM_UNIT_COMPATIBLE" val="0"/>
+  <p:tag name="KSO_WM_UNIT_DIAGRAM_ISNUMVISUAL" val="0"/>
+  <p:tag name="KSO_WM_UNIT_DIAGRAM_ISREFERUNIT" val="0"/>
+  <p:tag name="KSO_WM_UNIT_ID" val="_14**"/>
+  <p:tag name="KSO_WM_UNIT_LAYERLEVEL" val="1"/>
+  <p:tag name="KSO_WM_TAG_VERSION" val="1.0"/>
+  <p:tag name="KSO_WM_BEAUTIFY_FLAG" val="#wm#"/>
+  <p:tag name="KSO_WM_SLIDE_BACKGROUND_TYPE" val="leftRight"/>
+  <p:tag name="KSO_WM_SLIDE_BK_DARK_LIGHT" val="2"/>
+</p:tagLst>
+</file>
+
+<file path=ppt/tags/tag88.xml><?xml version="1.0" encoding="utf-8"?>
+<p:tagLst xmlns:a="http://schemas.openxmlformats.org/drawingml/2006/main" xmlns:r="http://schemas.openxmlformats.org/officeDocument/2006/relationships" xmlns:p="http://schemas.openxmlformats.org/presentationml/2006/main">
+  <p:tag name="KSO_WM_UNIT_HIGHLIGHT" val="0"/>
+  <p:tag name="KSO_WM_UNIT_COMPATIBLE" val="0"/>
+  <p:tag name="KSO_WM_UNIT_DIAGRAM_ISNUMVISUAL" val="0"/>
+  <p:tag name="KSO_WM_UNIT_DIAGRAM_ISREFERUNIT" val="0"/>
+  <p:tag name="KSO_WM_UNIT_ID" val="_14**"/>
+  <p:tag name="KSO_WM_UNIT_LAYERLEVEL" val="1"/>
+  <p:tag name="KSO_WM_TAG_VERSION" val="1.0"/>
+  <p:tag name="KSO_WM_BEAUTIFY_FLAG" val="#wm#"/>
+  <p:tag name="KSO_WM_SLIDE_BACKGROUND_TYPE" val="leftRight"/>
+  <p:tag name="KSO_WM_SLIDE_BK_DARK_LIGHT" val="2"/>
+</p:tagLst>
+</file>
+
+<file path=ppt/tags/tag89.xml><?xml version="1.0" encoding="utf-8"?>
+<p:tagLst xmlns:a="http://schemas.openxmlformats.org/drawingml/2006/main" xmlns:r="http://schemas.openxmlformats.org/officeDocument/2006/relationships" xmlns:p="http://schemas.openxmlformats.org/presentationml/2006/main">
+  <p:tag name="KSO_WM_UNIT_HIGHLIGHT" val="0"/>
+  <p:tag name="KSO_WM_UNIT_COMPATIBLE" val="0"/>
+  <p:tag name="KSO_WM_UNIT_DIAGRAM_ISNUMVISUAL" val="0"/>
+  <p:tag name="KSO_WM_UNIT_DIAGRAM_ISREFERUNIT" val="0"/>
+  <p:tag name="KSO_WM_UNIT_ID" val="_14**"/>
+  <p:tag name="KSO_WM_UNIT_LAYERLEVEL" val="1"/>
+  <p:tag name="KSO_WM_TAG_VERSION" val="1.0"/>
+  <p:tag name="KSO_WM_BEAUTIFY_FLAG" val="#wm#"/>
+  <p:tag name="KSO_WM_SLIDE_BACKGROUND_TYPE" val="leftRight"/>
+  <p:tag name="KSO_WM_SLIDE_BK_DARK_LIGHT" val="2"/>
+</p:tagLst>
+</file>
+
+<file path=ppt/tags/tag9.xml><?xml version="1.0" encoding="utf-8"?>
+<p:tagLst xmlns:a="http://schemas.openxmlformats.org/drawingml/2006/main" xmlns:r="http://schemas.openxmlformats.org/officeDocument/2006/relationships" xmlns:p="http://schemas.openxmlformats.org/presentationml/2006/main">
+  <p:tag name="KSO_WM_UNIT_HIGHLIGHT" val="0"/>
+  <p:tag name="KSO_WM_UNIT_COMPATIBLE" val="0"/>
+  <p:tag name="KSO_WM_UNIT_DIAGRAM_ISNUMVISUAL" val="0"/>
+  <p:tag name="KSO_WM_UNIT_DIAGRAM_ISREFERUNIT" val="0"/>
+  <p:tag name="KSO_WM_UNIT_ID" val="_1**"/>
+  <p:tag name="KSO_WM_UNIT_LAYERLEVEL" val="1"/>
+  <p:tag name="KSO_WM_TAG_VERSION" val="1.0"/>
+  <p:tag name="KSO_WM_BEAUTIFY_FLAG" val="#wm#"/>
+  <p:tag name="KSO_WM_SLIDE_BACKGROUND_MASK_FLAG" val="1"/>
+</p:tagLst>
+</file>
+
+<file path=ppt/tags/tag90.xml><?xml version="1.0" encoding="utf-8"?>
+<p:tagLst xmlns:a="http://schemas.openxmlformats.org/drawingml/2006/main" xmlns:r="http://schemas.openxmlformats.org/officeDocument/2006/relationships" xmlns:p="http://schemas.openxmlformats.org/presentationml/2006/main">
+  <p:tag name="KSO_WM_UNIT_HIGHLIGHT" val="0"/>
+  <p:tag name="KSO_WM_UNIT_COMPATIBLE" val="0"/>
+  <p:tag name="KSO_WM_UNIT_DIAGRAM_ISNUMVISUAL" val="0"/>
+  <p:tag name="KSO_WM_UNIT_DIAGRAM_ISREFERUNIT" val="0"/>
+  <p:tag name="KSO_WM_UNIT_ID" val="_14**"/>
+  <p:tag name="KSO_WM_UNIT_LAYERLEVEL" val="1"/>
+  <p:tag name="KSO_WM_TAG_VERSION" val="1.0"/>
+  <p:tag name="KSO_WM_BEAUTIFY_FLAG" val="#wm#"/>
+  <p:tag name="KSO_WM_SLIDE_BACKGROUND_TYPE" val="leftRight"/>
+  <p:tag name="KSO_WM_SLIDE_BK_DARK_LIGHT" val="2"/>
+</p:tagLst>
+</file>
+
+<file path=ppt/tags/tag91.xml><?xml version="1.0" encoding="utf-8"?>
+<p:tagLst xmlns:a="http://schemas.openxmlformats.org/drawingml/2006/main" xmlns:r="http://schemas.openxmlformats.org/officeDocument/2006/relationships" xmlns:p="http://schemas.openxmlformats.org/presentationml/2006/main">
+  <p:tag name="KSO_WM_UNIT_HIGHLIGHT" val="0"/>
+  <p:tag name="KSO_WM_UNIT_COMPATIBLE" val="0"/>
+  <p:tag name="KSO_WM_UNIT_DIAGRAM_ISNUMVISUAL" val="0"/>
+  <p:tag name="KSO_WM_UNIT_DIAGRAM_ISREFERUNIT" val="0"/>
+  <p:tag name="KSO_WM_UNIT_ID" val="_14**"/>
+  <p:tag name="KSO_WM_UNIT_LAYERLEVEL" val="1"/>
+  <p:tag name="KSO_WM_TAG_VERSION" val="1.0"/>
+  <p:tag name="KSO_WM_BEAUTIFY_FLAG" val="#wm#"/>
+  <p:tag name="KSO_WM_SLIDE_BACKGROUND_TYPE" val="leftRight"/>
+  <p:tag name="KSO_WM_SLIDE_BK_DARK_LIGHT" val="2"/>
+</p:tagLst>
+</file>
+
+<file path=ppt/tags/tag92.xml><?xml version="1.0" encoding="utf-8"?>
+<p:tagLst xmlns:a="http://schemas.openxmlformats.org/drawingml/2006/main" xmlns:r="http://schemas.openxmlformats.org/officeDocument/2006/relationships" xmlns:p="http://schemas.openxmlformats.org/presentationml/2006/main">
+  <p:tag name="KSO_WM_UNIT_HIGHLIGHT" val="0"/>
+  <p:tag name="KSO_WM_UNIT_COMPATIBLE" val="0"/>
+  <p:tag name="KSO_WM_UNIT_DIAGRAM_ISNUMVISUAL" val="0"/>
+  <p:tag name="KSO_WM_UNIT_DIAGRAM_ISREFERUNIT" val="0"/>
+  <p:tag name="KSO_WM_UNIT_ID" val="_14**"/>
+  <p:tag name="KSO_WM_UNIT_LAYERLEVEL" val="1"/>
+  <p:tag name="KSO_WM_TAG_VERSION" val="1.0"/>
+  <p:tag name="KSO_WM_BEAUTIFY_FLAG" val="#wm#"/>
+  <p:tag name="KSO_WM_SLIDE_BACKGROUND_TYPE" val="leftRight"/>
+  <p:tag name="KSO_WM_SLIDE_BK_DARK_LIGHT" val="2"/>
+</p:tagLst>
+</file>
+
+<file path=ppt/tags/tag93.xml><?xml version="1.0" encoding="utf-8"?>
+<p:tagLst xmlns:a="http://schemas.openxmlformats.org/drawingml/2006/main" xmlns:r="http://schemas.openxmlformats.org/officeDocument/2006/relationships" xmlns:p="http://schemas.openxmlformats.org/presentationml/2006/main">
   <p:tag name="KSO_WM_UNIT_HIGHLIGHT" val="0"/>
   <p:tag name="KSO_WM_UNIT_COMPATIBLE" val="0"/>
   <p:tag name="KSO_WM_UNIT_DIAGRAM_ISNUMVISUAL" val="0"/>
@@ -28004,111 +27707,8 @@
 </p:tagLst>
 </file>
 
-<file path=ppt/tags/tag88.xml><?xml version="1.0" encoding="utf-8"?>
-<p:tagLst xmlns:p="http://schemas.openxmlformats.org/presentationml/2006/main">
-  <p:tag name="KSO_WM_UNIT_HIGHLIGHT" val="0"/>
-  <p:tag name="KSO_WM_UNIT_COMPATIBLE" val="0"/>
-  <p:tag name="KSO_WM_UNIT_DIAGRAM_ISNUMVISUAL" val="0"/>
-  <p:tag name="KSO_WM_UNIT_DIAGRAM_ISREFERUNIT" val="0"/>
-  <p:tag name="KSO_WM_UNIT_ID" val="_15**"/>
-  <p:tag name="KSO_WM_UNIT_LAYERLEVEL" val="1"/>
-  <p:tag name="KSO_WM_TAG_VERSION" val="1.0"/>
-  <p:tag name="KSO_WM_BEAUTIFY_FLAG" val="#wm#"/>
-  <p:tag name="KSO_WM_SLIDE_BACKGROUND_TYPE" val="topBottom"/>
-  <p:tag name="KSO_WM_SLIDE_BK_DARK_LIGHT" val="2"/>
-</p:tagLst>
-</file>
-
-<file path=ppt/tags/tag89.xml><?xml version="1.0" encoding="utf-8"?>
-<p:tagLst xmlns:p="http://schemas.openxmlformats.org/presentationml/2006/main">
-  <p:tag name="KSO_WM_UNIT_HIGHLIGHT" val="0"/>
-  <p:tag name="KSO_WM_UNIT_COMPATIBLE" val="0"/>
-  <p:tag name="KSO_WM_UNIT_DIAGRAM_ISNUMVISUAL" val="0"/>
-  <p:tag name="KSO_WM_UNIT_DIAGRAM_ISREFERUNIT" val="0"/>
-  <p:tag name="KSO_WM_UNIT_ID" val="_15**"/>
-  <p:tag name="KSO_WM_UNIT_LAYERLEVEL" val="1"/>
-  <p:tag name="KSO_WM_TAG_VERSION" val="1.0"/>
-  <p:tag name="KSO_WM_BEAUTIFY_FLAG" val="#wm#"/>
-  <p:tag name="KSO_WM_SLIDE_BACKGROUND_TYPE" val="topBottom"/>
-  <p:tag name="KSO_WM_SLIDE_BK_DARK_LIGHT" val="2"/>
-</p:tagLst>
-</file>
-
-<file path=ppt/tags/tag9.xml><?xml version="1.0" encoding="utf-8"?>
-<p:tagLst xmlns:p="http://schemas.openxmlformats.org/presentationml/2006/main">
-  <p:tag name="KSO_WM_UNIT_HIGHLIGHT" val="0"/>
-  <p:tag name="KSO_WM_UNIT_COMPATIBLE" val="0"/>
-  <p:tag name="KSO_WM_UNIT_DIAGRAM_ISNUMVISUAL" val="0"/>
-  <p:tag name="KSO_WM_UNIT_DIAGRAM_ISREFERUNIT" val="0"/>
-  <p:tag name="KSO_WM_UNIT_ID" val="_2**"/>
-  <p:tag name="KSO_WM_UNIT_LAYERLEVEL" val="1"/>
-  <p:tag name="KSO_WM_TAG_VERSION" val="1.0"/>
-  <p:tag name="KSO_WM_BEAUTIFY_FLAG" val="#wm#"/>
-</p:tagLst>
-</file>
-
-<file path=ppt/tags/tag90.xml><?xml version="1.0" encoding="utf-8"?>
-<p:tagLst xmlns:p="http://schemas.openxmlformats.org/presentationml/2006/main">
-  <p:tag name="KSO_WM_UNIT_HIGHLIGHT" val="0"/>
-  <p:tag name="KSO_WM_UNIT_COMPATIBLE" val="0"/>
-  <p:tag name="KSO_WM_UNIT_DIAGRAM_ISNUMVISUAL" val="0"/>
-  <p:tag name="KSO_WM_UNIT_DIAGRAM_ISREFERUNIT" val="0"/>
-  <p:tag name="KSO_WM_UNIT_ID" val="_15**"/>
-  <p:tag name="KSO_WM_UNIT_LAYERLEVEL" val="1"/>
-  <p:tag name="KSO_WM_TAG_VERSION" val="1.0"/>
-  <p:tag name="KSO_WM_BEAUTIFY_FLAG" val="#wm#"/>
-  <p:tag name="KSO_WM_SLIDE_BACKGROUND_TYPE" val="topBottom"/>
-  <p:tag name="KSO_WM_SLIDE_BK_DARK_LIGHT" val="2"/>
-</p:tagLst>
-</file>
-
-<file path=ppt/tags/tag91.xml><?xml version="1.0" encoding="utf-8"?>
-<p:tagLst xmlns:p="http://schemas.openxmlformats.org/presentationml/2006/main">
-  <p:tag name="KSO_WM_UNIT_HIGHLIGHT" val="0"/>
-  <p:tag name="KSO_WM_UNIT_COMPATIBLE" val="0"/>
-  <p:tag name="KSO_WM_UNIT_DIAGRAM_ISNUMVISUAL" val="0"/>
-  <p:tag name="KSO_WM_UNIT_DIAGRAM_ISREFERUNIT" val="0"/>
-  <p:tag name="KSO_WM_UNIT_ID" val="_15**"/>
-  <p:tag name="KSO_WM_UNIT_LAYERLEVEL" val="1"/>
-  <p:tag name="KSO_WM_TAG_VERSION" val="1.0"/>
-  <p:tag name="KSO_WM_BEAUTIFY_FLAG" val="#wm#"/>
-  <p:tag name="KSO_WM_SLIDE_BACKGROUND_TYPE" val="topBottom"/>
-  <p:tag name="KSO_WM_SLIDE_BK_DARK_LIGHT" val="2"/>
-</p:tagLst>
-</file>
-
-<file path=ppt/tags/tag92.xml><?xml version="1.0" encoding="utf-8"?>
-<p:tagLst xmlns:p="http://schemas.openxmlformats.org/presentationml/2006/main">
-  <p:tag name="KSO_WM_UNIT_HIGHLIGHT" val="0"/>
-  <p:tag name="KSO_WM_UNIT_COMPATIBLE" val="0"/>
-  <p:tag name="KSO_WM_UNIT_DIAGRAM_ISNUMVISUAL" val="0"/>
-  <p:tag name="KSO_WM_UNIT_DIAGRAM_ISREFERUNIT" val="0"/>
-  <p:tag name="KSO_WM_UNIT_ID" val="_15**"/>
-  <p:tag name="KSO_WM_UNIT_LAYERLEVEL" val="1"/>
-  <p:tag name="KSO_WM_TAG_VERSION" val="1.0"/>
-  <p:tag name="KSO_WM_BEAUTIFY_FLAG" val="#wm#"/>
-  <p:tag name="KSO_WM_SLIDE_BACKGROUND_TYPE" val="topBottom"/>
-  <p:tag name="KSO_WM_SLIDE_BK_DARK_LIGHT" val="2"/>
-</p:tagLst>
-</file>
-
-<file path=ppt/tags/tag93.xml><?xml version="1.0" encoding="utf-8"?>
-<p:tagLst xmlns:p="http://schemas.openxmlformats.org/presentationml/2006/main">
-  <p:tag name="KSO_WM_UNIT_HIGHLIGHT" val="0"/>
-  <p:tag name="KSO_WM_UNIT_COMPATIBLE" val="0"/>
-  <p:tag name="KSO_WM_UNIT_DIAGRAM_ISNUMVISUAL" val="0"/>
-  <p:tag name="KSO_WM_UNIT_DIAGRAM_ISREFERUNIT" val="0"/>
-  <p:tag name="KSO_WM_UNIT_ID" val="_15**"/>
-  <p:tag name="KSO_WM_UNIT_LAYERLEVEL" val="1"/>
-  <p:tag name="KSO_WM_TAG_VERSION" val="1.0"/>
-  <p:tag name="KSO_WM_BEAUTIFY_FLAG" val="#wm#"/>
-  <p:tag name="KSO_WM_SLIDE_BACKGROUND_TYPE" val="topBottom"/>
-  <p:tag name="KSO_WM_SLIDE_BK_DARK_LIGHT" val="2"/>
-</p:tagLst>
-</file>
-
 <file path=ppt/tags/tag94.xml><?xml version="1.0" encoding="utf-8"?>
-<p:tagLst xmlns:p="http://schemas.openxmlformats.org/presentationml/2006/main">
+<p:tagLst xmlns:a="http://schemas.openxmlformats.org/drawingml/2006/main" xmlns:r="http://schemas.openxmlformats.org/officeDocument/2006/relationships" xmlns:p="http://schemas.openxmlformats.org/presentationml/2006/main">
   <p:tag name="KSO_WM_UNIT_HIGHLIGHT" val="0"/>
   <p:tag name="KSO_WM_UNIT_COMPATIBLE" val="0"/>
   <p:tag name="KSO_WM_UNIT_DIAGRAM_ISNUMVISUAL" val="0"/>
@@ -28123,7 +27723,7 @@
 </file>
 
 <file path=ppt/tags/tag95.xml><?xml version="1.0" encoding="utf-8"?>
-<p:tagLst xmlns:p="http://schemas.openxmlformats.org/presentationml/2006/main">
+<p:tagLst xmlns:a="http://schemas.openxmlformats.org/drawingml/2006/main" xmlns:r="http://schemas.openxmlformats.org/officeDocument/2006/relationships" xmlns:p="http://schemas.openxmlformats.org/presentationml/2006/main">
   <p:tag name="KSO_WM_UNIT_HIGHLIGHT" val="0"/>
   <p:tag name="KSO_WM_UNIT_COMPATIBLE" val="0"/>
   <p:tag name="KSO_WM_UNIT_DIAGRAM_ISNUMVISUAL" val="0"/>
@@ -28138,7 +27738,7 @@
 </file>
 
 <file path=ppt/tags/tag96.xml><?xml version="1.0" encoding="utf-8"?>
-<p:tagLst xmlns:p="http://schemas.openxmlformats.org/presentationml/2006/main">
+<p:tagLst xmlns:a="http://schemas.openxmlformats.org/drawingml/2006/main" xmlns:r="http://schemas.openxmlformats.org/officeDocument/2006/relationships" xmlns:p="http://schemas.openxmlformats.org/presentationml/2006/main">
   <p:tag name="KSO_WM_UNIT_HIGHLIGHT" val="0"/>
   <p:tag name="KSO_WM_UNIT_COMPATIBLE" val="0"/>
   <p:tag name="KSO_WM_UNIT_DIAGRAM_ISNUMVISUAL" val="0"/>
@@ -28153,50 +27753,46 @@
 </file>
 
 <file path=ppt/tags/tag97.xml><?xml version="1.0" encoding="utf-8"?>
-<p:tagLst xmlns:p="http://schemas.openxmlformats.org/presentationml/2006/main">
+<p:tagLst xmlns:a="http://schemas.openxmlformats.org/drawingml/2006/main" xmlns:r="http://schemas.openxmlformats.org/officeDocument/2006/relationships" xmlns:p="http://schemas.openxmlformats.org/presentationml/2006/main">
   <p:tag name="KSO_WM_UNIT_HIGHLIGHT" val="0"/>
   <p:tag name="KSO_WM_UNIT_COMPATIBLE" val="0"/>
   <p:tag name="KSO_WM_UNIT_DIAGRAM_ISNUMVISUAL" val="0"/>
   <p:tag name="KSO_WM_UNIT_DIAGRAM_ISREFERUNIT" val="0"/>
-  <p:tag name="KSO_WM_UNIT_ID" val="_16*i*1"/>
+  <p:tag name="KSO_WM_UNIT_ID" val="_15**"/>
   <p:tag name="KSO_WM_UNIT_LAYERLEVEL" val="1"/>
   <p:tag name="KSO_WM_TAG_VERSION" val="1.0"/>
   <p:tag name="KSO_WM_BEAUTIFY_FLAG" val="#wm#"/>
-  <p:tag name="KSO_WM_UNIT_TYPE" val="i"/>
-  <p:tag name="KSO_WM_UNIT_INDEX" val="1"/>
-  <p:tag name="KSO_WM_UNIT_SUBTYPE" val="h"/>
-  <p:tag name="KSO_WM_SLIDE_BACKGROUND_TYPE" val="bottomTop"/>
+  <p:tag name="KSO_WM_SLIDE_BACKGROUND_TYPE" val="topBottom"/>
   <p:tag name="KSO_WM_SLIDE_BK_DARK_LIGHT" val="2"/>
-  <p:tag name="KSO_WM_UNIT_BK_DARK_LIGHT" val="2"/>
 </p:tagLst>
 </file>
 
 <file path=ppt/tags/tag98.xml><?xml version="1.0" encoding="utf-8"?>
-<p:tagLst xmlns:p="http://schemas.openxmlformats.org/presentationml/2006/main">
+<p:tagLst xmlns:a="http://schemas.openxmlformats.org/drawingml/2006/main" xmlns:r="http://schemas.openxmlformats.org/officeDocument/2006/relationships" xmlns:p="http://schemas.openxmlformats.org/presentationml/2006/main">
   <p:tag name="KSO_WM_UNIT_HIGHLIGHT" val="0"/>
   <p:tag name="KSO_WM_UNIT_COMPATIBLE" val="0"/>
   <p:tag name="KSO_WM_UNIT_DIAGRAM_ISNUMVISUAL" val="0"/>
   <p:tag name="KSO_WM_UNIT_DIAGRAM_ISREFERUNIT" val="0"/>
-  <p:tag name="KSO_WM_UNIT_ID" val="_16**"/>
+  <p:tag name="KSO_WM_UNIT_ID" val="_15**"/>
   <p:tag name="KSO_WM_UNIT_LAYERLEVEL" val="1"/>
   <p:tag name="KSO_WM_TAG_VERSION" val="1.0"/>
   <p:tag name="KSO_WM_BEAUTIFY_FLAG" val="#wm#"/>
-  <p:tag name="KSO_WM_SLIDE_BACKGROUND_TYPE" val="bottomTop"/>
+  <p:tag name="KSO_WM_SLIDE_BACKGROUND_TYPE" val="topBottom"/>
   <p:tag name="KSO_WM_SLIDE_BK_DARK_LIGHT" val="2"/>
 </p:tagLst>
 </file>
 
 <file path=ppt/tags/tag99.xml><?xml version="1.0" encoding="utf-8"?>
-<p:tagLst xmlns:p="http://schemas.openxmlformats.org/presentationml/2006/main">
+<p:tagLst xmlns:a="http://schemas.openxmlformats.org/drawingml/2006/main" xmlns:r="http://schemas.openxmlformats.org/officeDocument/2006/relationships" xmlns:p="http://schemas.openxmlformats.org/presentationml/2006/main">
   <p:tag name="KSO_WM_UNIT_HIGHLIGHT" val="0"/>
   <p:tag name="KSO_WM_UNIT_COMPATIBLE" val="0"/>
   <p:tag name="KSO_WM_UNIT_DIAGRAM_ISNUMVISUAL" val="0"/>
   <p:tag name="KSO_WM_UNIT_DIAGRAM_ISREFERUNIT" val="0"/>
-  <p:tag name="KSO_WM_UNIT_ID" val="_16**"/>
+  <p:tag name="KSO_WM_UNIT_ID" val="_15**"/>
   <p:tag name="KSO_WM_UNIT_LAYERLEVEL" val="1"/>
   <p:tag name="KSO_WM_TAG_VERSION" val="1.0"/>
   <p:tag name="KSO_WM_BEAUTIFY_FLAG" val="#wm#"/>
-  <p:tag name="KSO_WM_SLIDE_BACKGROUND_TYPE" val="bottomTop"/>
+  <p:tag name="KSO_WM_SLIDE_BACKGROUND_TYPE" val="topBottom"/>
   <p:tag name="KSO_WM_SLIDE_BK_DARK_LIGHT" val="2"/>
 </p:tagLst>
 </file>
@@ -28452,6 +28048,8 @@
       </a:bgFillStyleLst>
     </a:fmtScheme>
   </a:themeElements>
+  <a:objectDefaults/>
+  <a:extraClrSchemeLst/>
   <a:extLst>
     <a:ext uri="{05A4C25C-085E-4340-85A3-A5531E510DB2}">
       <thm15:themeFamily xmlns:thm15="http://schemas.microsoft.com/office/thememl/2012/main" name="Office Theme" id="{62F939B6-93AF-4DB8-9C6B-D6C7DFDC589F}" vid="{4A3C46E8-61CC-4603-A589-7422A47A8E4A}"/>
@@ -28711,6 +28309,8 @@
       </a:bgFillStyleLst>
     </a:fmtScheme>
   </a:themeElements>
+  <a:objectDefaults/>
+  <a:extraClrSchemeLst/>
   <a:extLst>
     <a:ext uri="{05A4C25C-085E-4340-85A3-A5531E510DB2}">
       <thm15:themeFamily xmlns:thm15="http://schemas.microsoft.com/office/thememl/2012/main" name="Office Theme" id="{62F939B6-93AF-4DB8-9C6B-D6C7DFDC589F}" vid="{4A3C46E8-61CC-4603-A589-7422A47A8E4A}"/>
@@ -28910,6 +28510,8 @@
       </a:bgFillStyleLst>
     </a:fmtScheme>
   </a:themeElements>
+  <a:objectDefaults/>
+  <a:extraClrSchemeLst/>
   <a:extLst>
     <a:ext uri="{05A4C25C-085E-4340-85A3-A5531E510DB2}">
       <thm15:themeFamily xmlns:thm15="http://schemas.microsoft.com/office/thememl/2012/main" name="Office Theme" id="{62F939B6-93AF-4DB8-9C6B-D6C7DFDC589F}" vid="{4A3C46E8-61CC-4603-A589-7422A47A8E4A}"/>
@@ -29198,6 +28800,8 @@
       </a:bgFillStyleLst>
     </a:fmtScheme>
   </a:themeElements>
+  <a:objectDefaults/>
+  <a:extraClrSchemeLst/>
   <a:extLst>
     <a:ext uri="{05A4C25C-085E-4340-85A3-A5531E510DB2}">
       <thm15:themeFamily xmlns:thm15="http://schemas.microsoft.com/office/thememl/2012/main" name="Office Theme" id="{62F939B6-93AF-4DB8-9C6B-D6C7DFDC589F}" vid="{4A3C46E8-61CC-4603-A589-7422A47A8E4A}"/>
@@ -29457,6 +29061,8 @@
       </a:bgFillStyleLst>
     </a:fmtScheme>
   </a:themeElements>
+  <a:objectDefaults/>
+  <a:extraClrSchemeLst/>
   <a:extLst>
     <a:ext uri="{05A4C25C-085E-4340-85A3-A5531E510DB2}">
       <thm15:themeFamily xmlns:thm15="http://schemas.microsoft.com/office/thememl/2012/main" name="Office Theme" id="{62F939B6-93AF-4DB8-9C6B-D6C7DFDC589F}" vid="{4A3C46E8-61CC-4603-A589-7422A47A8E4A}"/>

--- a/src/main/resources/自我介绍.pptx
+++ b/src/main/resources/自我介绍.pptx
@@ -3,28 +3,28 @@
 <p:presentation xmlns:a="http://schemas.openxmlformats.org/drawingml/2006/main" xmlns:r="http://schemas.openxmlformats.org/officeDocument/2006/relationships" xmlns:p="http://schemas.openxmlformats.org/presentationml/2006/main" removePersonalInfoOnSave="1">
   <p:sldMasterIdLst>
     <p:sldMasterId id="2147483648" r:id="rId1"/>
-    <p:sldMasterId id="2147483651" r:id="rId2"/>
-    <p:sldMasterId id="2147483663" r:id="rId3"/>
+    <p:sldMasterId id="2147483651" r:id="rId3"/>
+    <p:sldMasterId id="2147483663" r:id="rId4"/>
   </p:sldMasterIdLst>
   <p:notesMasterIdLst>
-    <p:notesMasterId r:id="rId16"/>
+    <p:notesMasterId r:id="rId6"/>
   </p:notesMasterIdLst>
   <p:handoutMasterIdLst>
-    <p:handoutMasterId r:id="rId17"/>
+    <p:handoutMasterId r:id="rId18"/>
   </p:handoutMasterIdLst>
   <p:sldIdLst>
-    <p:sldId id="2822" r:id="rId4"/>
-    <p:sldId id="2823" r:id="rId5"/>
-    <p:sldId id="2887" r:id="rId6"/>
-    <p:sldId id="2861" r:id="rId7"/>
-    <p:sldId id="2831" r:id="rId8"/>
-    <p:sldId id="2859" r:id="rId9"/>
-    <p:sldId id="2829" r:id="rId10"/>
-    <p:sldId id="2828" r:id="rId11"/>
-    <p:sldId id="2834" r:id="rId12"/>
-    <p:sldId id="2833" r:id="rId13"/>
-    <p:sldId id="2862" r:id="rId14"/>
-    <p:sldId id="2843" r:id="rId15"/>
+    <p:sldId id="2822" r:id="rId5"/>
+    <p:sldId id="2897" r:id="rId7"/>
+    <p:sldId id="2887" r:id="rId8"/>
+    <p:sldId id="2861" r:id="rId9"/>
+    <p:sldId id="2831" r:id="rId10"/>
+    <p:sldId id="2859" r:id="rId11"/>
+    <p:sldId id="2829" r:id="rId12"/>
+    <p:sldId id="2828" r:id="rId13"/>
+    <p:sldId id="2834" r:id="rId14"/>
+    <p:sldId id="2833" r:id="rId15"/>
+    <p:sldId id="2862" r:id="rId16"/>
+    <p:sldId id="2843" r:id="rId17"/>
   </p:sldIdLst>
   <p:sldSz cx="12858750" cy="7232650"/>
   <p:notesSz cx="6858000" cy="9144000"/>
@@ -153,45 +153,6 @@
       </a:defRPr>
     </a:lvl9pPr>
   </p:defaultTextStyle>
-  <p:extLst>
-    <p:ext uri="{EFAFB233-063F-42B5-8137-9DF3F51BA10A}">
-      <p15:sldGuideLst xmlns:p15="http://schemas.microsoft.com/office/powerpoint/2012/main">
-        <p15:guide id="1" orient="horz" pos="367">
-          <p15:clr>
-            <a:srgbClr val="A4A3A4"/>
-          </p15:clr>
-        </p15:guide>
-        <p15:guide id="2" orient="horz" pos="4195">
-          <p15:clr>
-            <a:srgbClr val="A4A3A4"/>
-          </p15:clr>
-        </p15:guide>
-        <p15:guide id="3" pos="4050">
-          <p15:clr>
-            <a:srgbClr val="A4A3A4"/>
-          </p15:clr>
-        </p15:guide>
-        <p15:guide id="4" pos="627">
-          <p15:clr>
-            <a:srgbClr val="A4A3A4"/>
-          </p15:clr>
-        </p15:guide>
-        <p15:guide id="5" pos="7507">
-          <p15:clr>
-            <a:srgbClr val="A4A3A4"/>
-          </p15:clr>
-        </p15:guide>
-        <p15:guide id="6" pos="6930">
-          <p15:clr>
-            <a:srgbClr val="A4A3A4"/>
-          </p15:clr>
-        </p15:guide>
-      </p15:sldGuideLst>
-    </p:ext>
-    <p:ext uri="{2D200454-40CA-4A62-9FC3-DE9A4176ACB9}">
-      <p15:notesGuideLst xmlns:p15="http://schemas.microsoft.com/office/powerpoint/2012/main"/>
-    </p:ext>
-  </p:extLst>
 </p:presentation>
 </file>
 
@@ -283,7 +244,6 @@
           <a:p>
             <a:fld id="{E9630DBF-D010-4114-9DE3-41E342A27C18}" type="datetimeFigureOut">
               <a:rPr lang="zh-CN" altLang="en-US" smtClean="0"/>
-              <a:t>2019/12/5</a:t>
             </a:fld>
             <a:endParaRPr lang="zh-CN" altLang="en-US"/>
           </a:p>
@@ -349,7 +309,6 @@
           <a:p>
             <a:fld id="{D4D1D107-4CC9-43CA-8CA8-36E1DF70D5F2}" type="slidenum">
               <a:rPr lang="zh-CN" altLang="en-US" smtClean="0"/>
-              <a:t>‹#›</a:t>
             </a:fld>
             <a:endParaRPr lang="zh-CN" altLang="en-US"/>
           </a:p>
@@ -449,7 +408,6 @@
             </a:pPr>
             <a:fld id="{06024D97-E667-405D-B634-E583E2108D71}" type="datetimeFigureOut">
               <a:rPr lang="zh-CN" altLang="en-US"/>
-              <a:t>2019/12/5</a:t>
             </a:fld>
             <a:endParaRPr lang="zh-CN" altLang="en-US"/>
           </a:p>
@@ -517,6 +475,7 @@
               <a:rPr lang="zh-CN" altLang="en-US" noProof="0"/>
               <a:t>单击此处编辑母版文本样式</a:t>
             </a:r>
+            <a:endParaRPr lang="zh-CN" altLang="en-US" noProof="0"/>
           </a:p>
           <a:p>
             <a:pPr lvl="1"/>
@@ -524,6 +483,7 @@
               <a:rPr lang="zh-CN" altLang="en-US" noProof="0"/>
               <a:t>第二级</a:t>
             </a:r>
+            <a:endParaRPr lang="zh-CN" altLang="en-US" noProof="0"/>
           </a:p>
           <a:p>
             <a:pPr lvl="2"/>
@@ -531,6 +491,7 @@
               <a:rPr lang="zh-CN" altLang="en-US" noProof="0"/>
               <a:t>第三级</a:t>
             </a:r>
+            <a:endParaRPr lang="zh-CN" altLang="en-US" noProof="0"/>
           </a:p>
           <a:p>
             <a:pPr lvl="3"/>
@@ -538,6 +499,7 @@
               <a:rPr lang="zh-CN" altLang="en-US" noProof="0"/>
               <a:t>第四级</a:t>
             </a:r>
+            <a:endParaRPr lang="zh-CN" altLang="en-US" noProof="0"/>
           </a:p>
           <a:p>
             <a:pPr lvl="4"/>
@@ -545,6 +507,7 @@
               <a:rPr lang="zh-CN" altLang="en-US" noProof="0"/>
               <a:t>第五级</a:t>
             </a:r>
+            <a:endParaRPr lang="zh-CN" altLang="en-US" noProof="0"/>
           </a:p>
         </p:txBody>
       </p:sp>
@@ -611,7 +574,6 @@
           <a:p>
             <a:fld id="{418F03C3-53C1-4F10-8DAF-D1F318E96C6E}" type="slidenum">
               <a:rPr lang="zh-CN" altLang="en-US"/>
-              <a:t>‹#›</a:t>
             </a:fld>
             <a:endParaRPr lang="zh-CN" altLang="en-US"/>
           </a:p>
@@ -810,7 +772,6 @@
           <a:p>
             <a:fld id="{418F03C3-53C1-4F10-8DAF-D1F318E96C6E}" type="slidenum">
               <a:rPr lang="zh-CN" altLang="en-US" smtClean="0"/>
-              <a:t>1</a:t>
             </a:fld>
             <a:endParaRPr lang="zh-CN" altLang="en-US"/>
           </a:p>
@@ -889,7 +850,6 @@
           <a:p>
             <a:fld id="{7392B679-AE23-4750-8FB0-6513430B8953}" type="slidenum">
               <a:rPr lang="zh-CN" altLang="en-US" smtClean="0"/>
-              <a:t>11</a:t>
             </a:fld>
             <a:endParaRPr lang="zh-CN" altLang="en-US"/>
           </a:p>
@@ -968,7 +928,6 @@
           <a:p>
             <a:fld id="{418F03C3-53C1-4F10-8DAF-D1F318E96C6E}" type="slidenum">
               <a:rPr lang="zh-CN" altLang="en-US" smtClean="0"/>
-              <a:t>12</a:t>
             </a:fld>
             <a:endParaRPr lang="zh-CN" altLang="en-US"/>
           </a:p>
@@ -1047,7 +1006,6 @@
           <a:p>
             <a:fld id="{8927DC7C-EA85-41EA-BE8E-3BC04B9579CE}" type="slidenum">
               <a:rPr lang="zh-CN" altLang="en-US" smtClean="0"/>
-              <a:t>2</a:t>
             </a:fld>
             <a:endParaRPr lang="zh-CN" altLang="en-US"/>
           </a:p>
@@ -1126,7 +1084,6 @@
           <a:p>
             <a:fld id="{418F03C3-53C1-4F10-8DAF-D1F318E96C6E}" type="slidenum">
               <a:rPr lang="zh-CN" altLang="en-US" smtClean="0"/>
-              <a:t>3</a:t>
             </a:fld>
             <a:endParaRPr lang="zh-CN" altLang="en-US"/>
           </a:p>
@@ -1209,6 +1166,7 @@
               <a:rPr lang="en-US" dirty="0"/>
               <a:t>My First Template</a:t>
             </a:r>
+            <a:endParaRPr lang="en-US" dirty="0"/>
           </a:p>
         </p:txBody>
       </p:sp>
@@ -1491,7 +1449,6 @@
                 <a:latin typeface="Arial" panose="020B0604020202020204" pitchFamily="34" charset="0"/>
                 <a:ea typeface="微软雅黑" panose="020B0503020204020204" pitchFamily="34" charset="-122"/>
               </a:rPr>
-              <a:t>5</a:t>
             </a:fld>
             <a:endParaRPr lang="zh-CN" altLang="en-US" dirty="0">
               <a:latin typeface="Arial" panose="020B0604020202020204" pitchFamily="34" charset="0"/>
@@ -1573,7 +1530,6 @@
           <a:p>
             <a:fld id="{418F03C3-53C1-4F10-8DAF-D1F318E96C6E}" type="slidenum">
               <a:rPr lang="zh-CN" altLang="en-US" smtClean="0"/>
-              <a:t>7</a:t>
             </a:fld>
             <a:endParaRPr lang="zh-CN" altLang="en-US"/>
           </a:p>
@@ -1652,7 +1608,6 @@
           <a:p>
             <a:fld id="{418F03C3-53C1-4F10-8DAF-D1F318E96C6E}" type="slidenum">
               <a:rPr lang="zh-CN" altLang="en-US" smtClean="0"/>
-              <a:t>8</a:t>
             </a:fld>
             <a:endParaRPr lang="zh-CN" altLang="en-US"/>
           </a:p>
@@ -1731,7 +1686,6 @@
           <a:p>
             <a:fld id="{418F03C3-53C1-4F10-8DAF-D1F318E96C6E}" type="slidenum">
               <a:rPr lang="zh-CN" altLang="en-US" smtClean="0"/>
-              <a:t>9</a:t>
             </a:fld>
             <a:endParaRPr lang="zh-CN" altLang="en-US"/>
           </a:p>
@@ -1810,7 +1764,6 @@
           <a:p>
             <a:fld id="{7392B679-AE23-4750-8FB0-6513430B8953}" type="slidenum">
               <a:rPr lang="zh-CN" altLang="en-US" smtClean="0"/>
-              <a:t>10</a:t>
             </a:fld>
             <a:endParaRPr lang="zh-CN" altLang="en-US"/>
           </a:p>
@@ -1858,7 +1811,6 @@
           <a:p>
             <a:fld id="{32BF82D2-7A68-459D-A996-9BDDA2518FA4}" type="datetimeFigureOut">
               <a:rPr lang="zh-CN" altLang="en-US" smtClean="0"/>
-              <a:t>2019/12/5</a:t>
             </a:fld>
             <a:endParaRPr lang="zh-CN" altLang="en-US"/>
           </a:p>
@@ -1900,7 +1852,6 @@
           <a:p>
             <a:fld id="{3E01EE5D-26FB-46D5-A381-ECFB35BF1D34}" type="slidenum">
               <a:rPr lang="zh-CN" altLang="en-US" smtClean="0"/>
-              <a:t>‹#›</a:t>
             </a:fld>
             <a:endParaRPr lang="zh-CN" altLang="en-US"/>
           </a:p>
@@ -1959,6 +1910,7 @@
               <a:rPr lang="zh-CN" altLang="en-US"/>
               <a:t>单击此处编辑母版标题样式</a:t>
             </a:r>
+            <a:endParaRPr lang="zh-CN" altLang="en-US"/>
           </a:p>
         </p:txBody>
       </p:sp>
@@ -2015,6 +1967,7 @@
               <a:rPr lang="zh-CN" altLang="en-US"/>
               <a:t>单击此处编辑母版文本样式</a:t>
             </a:r>
+            <a:endParaRPr lang="zh-CN" altLang="en-US"/>
           </a:p>
           <a:p>
             <a:pPr lvl="1"/>
@@ -2022,6 +1975,7 @@
               <a:rPr lang="zh-CN" altLang="en-US"/>
               <a:t>二级</a:t>
             </a:r>
+            <a:endParaRPr lang="zh-CN" altLang="en-US"/>
           </a:p>
           <a:p>
             <a:pPr lvl="2"/>
@@ -2029,6 +1983,7 @@
               <a:rPr lang="zh-CN" altLang="en-US"/>
               <a:t>三级</a:t>
             </a:r>
+            <a:endParaRPr lang="zh-CN" altLang="en-US"/>
           </a:p>
           <a:p>
             <a:pPr lvl="3"/>
@@ -2036,6 +1991,7 @@
               <a:rPr lang="zh-CN" altLang="en-US"/>
               <a:t>四级</a:t>
             </a:r>
+            <a:endParaRPr lang="zh-CN" altLang="en-US"/>
           </a:p>
           <a:p>
             <a:pPr lvl="4"/>
@@ -2043,6 +1999,7 @@
               <a:rPr lang="zh-CN" altLang="en-US"/>
               <a:t>五级</a:t>
             </a:r>
+            <a:endParaRPr lang="zh-CN" altLang="en-US"/>
           </a:p>
         </p:txBody>
       </p:sp>
@@ -2108,6 +2065,7 @@
               <a:rPr lang="zh-CN" altLang="en-US"/>
               <a:t>单击此处编辑母版文本样式</a:t>
             </a:r>
+            <a:endParaRPr lang="zh-CN" altLang="en-US"/>
           </a:p>
         </p:txBody>
       </p:sp>
@@ -2128,7 +2086,6 @@
           <a:p>
             <a:fld id="{32BF82D2-7A68-459D-A996-9BDDA2518FA4}" type="datetimeFigureOut">
               <a:rPr lang="zh-CN" altLang="en-US" smtClean="0"/>
-              <a:t>2019/12/5</a:t>
             </a:fld>
             <a:endParaRPr lang="zh-CN" altLang="en-US"/>
           </a:p>
@@ -2170,7 +2127,6 @@
           <a:p>
             <a:fld id="{3E01EE5D-26FB-46D5-A381-ECFB35BF1D34}" type="slidenum">
               <a:rPr lang="zh-CN" altLang="en-US" smtClean="0"/>
-              <a:t>‹#›</a:t>
             </a:fld>
             <a:endParaRPr lang="zh-CN" altLang="en-US"/>
           </a:p>
@@ -2229,6 +2185,7 @@
               <a:rPr lang="zh-CN" altLang="en-US"/>
               <a:t>单击此处编辑母版标题样式</a:t>
             </a:r>
+            <a:endParaRPr lang="zh-CN" altLang="en-US"/>
           </a:p>
         </p:txBody>
       </p:sp>
@@ -2355,6 +2312,7 @@
               <a:rPr lang="zh-CN" altLang="en-US"/>
               <a:t>单击此处编辑母版文本样式</a:t>
             </a:r>
+            <a:endParaRPr lang="zh-CN" altLang="en-US"/>
           </a:p>
         </p:txBody>
       </p:sp>
@@ -2375,7 +2333,6 @@
           <a:p>
             <a:fld id="{32BF82D2-7A68-459D-A996-9BDDA2518FA4}" type="datetimeFigureOut">
               <a:rPr lang="zh-CN" altLang="en-US" smtClean="0"/>
-              <a:t>2019/12/5</a:t>
             </a:fld>
             <a:endParaRPr lang="zh-CN" altLang="en-US"/>
           </a:p>
@@ -2417,7 +2374,6 @@
           <a:p>
             <a:fld id="{3E01EE5D-26FB-46D5-A381-ECFB35BF1D34}" type="slidenum">
               <a:rPr lang="zh-CN" altLang="en-US" smtClean="0"/>
-              <a:t>‹#›</a:t>
             </a:fld>
             <a:endParaRPr lang="zh-CN" altLang="en-US"/>
           </a:p>
@@ -2467,6 +2423,7 @@
               <a:rPr lang="zh-CN" altLang="en-US"/>
               <a:t>单击此处编辑母版标题样式</a:t>
             </a:r>
+            <a:endParaRPr lang="zh-CN" altLang="en-US"/>
           </a:p>
         </p:txBody>
       </p:sp>
@@ -2490,6 +2447,7 @@
               <a:rPr lang="zh-CN" altLang="en-US"/>
               <a:t>单击此处编辑母版文本样式</a:t>
             </a:r>
+            <a:endParaRPr lang="zh-CN" altLang="en-US"/>
           </a:p>
           <a:p>
             <a:pPr lvl="1"/>
@@ -2497,6 +2455,7 @@
               <a:rPr lang="zh-CN" altLang="en-US"/>
               <a:t>二级</a:t>
             </a:r>
+            <a:endParaRPr lang="zh-CN" altLang="en-US"/>
           </a:p>
           <a:p>
             <a:pPr lvl="2"/>
@@ -2504,6 +2463,7 @@
               <a:rPr lang="zh-CN" altLang="en-US"/>
               <a:t>三级</a:t>
             </a:r>
+            <a:endParaRPr lang="zh-CN" altLang="en-US"/>
           </a:p>
           <a:p>
             <a:pPr lvl="3"/>
@@ -2511,6 +2471,7 @@
               <a:rPr lang="zh-CN" altLang="en-US"/>
               <a:t>四级</a:t>
             </a:r>
+            <a:endParaRPr lang="zh-CN" altLang="en-US"/>
           </a:p>
           <a:p>
             <a:pPr lvl="4"/>
@@ -2518,6 +2479,7 @@
               <a:rPr lang="zh-CN" altLang="en-US"/>
               <a:t>五级</a:t>
             </a:r>
+            <a:endParaRPr lang="zh-CN" altLang="en-US"/>
           </a:p>
         </p:txBody>
       </p:sp>
@@ -2538,7 +2500,6 @@
           <a:p>
             <a:fld id="{32BF82D2-7A68-459D-A996-9BDDA2518FA4}" type="datetimeFigureOut">
               <a:rPr lang="zh-CN" altLang="en-US" smtClean="0"/>
-              <a:t>2019/12/5</a:t>
             </a:fld>
             <a:endParaRPr lang="zh-CN" altLang="en-US"/>
           </a:p>
@@ -2580,7 +2541,6 @@
           <a:p>
             <a:fld id="{3E01EE5D-26FB-46D5-A381-ECFB35BF1D34}" type="slidenum">
               <a:rPr lang="zh-CN" altLang="en-US" smtClean="0"/>
-              <a:t>‹#›</a:t>
             </a:fld>
             <a:endParaRPr lang="zh-CN" altLang="en-US"/>
           </a:p>
@@ -2635,6 +2595,7 @@
               <a:rPr lang="zh-CN" altLang="en-US"/>
               <a:t>单击此处编辑母版标题样式</a:t>
             </a:r>
+            <a:endParaRPr lang="zh-CN" altLang="en-US"/>
           </a:p>
         </p:txBody>
       </p:sp>
@@ -2663,6 +2624,7 @@
               <a:rPr lang="zh-CN" altLang="en-US"/>
               <a:t>单击此处编辑母版文本样式</a:t>
             </a:r>
+            <a:endParaRPr lang="zh-CN" altLang="en-US"/>
           </a:p>
           <a:p>
             <a:pPr lvl="1"/>
@@ -2670,6 +2632,7 @@
               <a:rPr lang="zh-CN" altLang="en-US"/>
               <a:t>二级</a:t>
             </a:r>
+            <a:endParaRPr lang="zh-CN" altLang="en-US"/>
           </a:p>
           <a:p>
             <a:pPr lvl="2"/>
@@ -2677,6 +2640,7 @@
               <a:rPr lang="zh-CN" altLang="en-US"/>
               <a:t>三级</a:t>
             </a:r>
+            <a:endParaRPr lang="zh-CN" altLang="en-US"/>
           </a:p>
           <a:p>
             <a:pPr lvl="3"/>
@@ -2684,6 +2648,7 @@
               <a:rPr lang="zh-CN" altLang="en-US"/>
               <a:t>四级</a:t>
             </a:r>
+            <a:endParaRPr lang="zh-CN" altLang="en-US"/>
           </a:p>
           <a:p>
             <a:pPr lvl="4"/>
@@ -2691,6 +2656,7 @@
               <a:rPr lang="zh-CN" altLang="en-US"/>
               <a:t>五级</a:t>
             </a:r>
+            <a:endParaRPr lang="zh-CN" altLang="en-US"/>
           </a:p>
         </p:txBody>
       </p:sp>
@@ -2711,7 +2677,6 @@
           <a:p>
             <a:fld id="{32BF82D2-7A68-459D-A996-9BDDA2518FA4}" type="datetimeFigureOut">
               <a:rPr lang="zh-CN" altLang="en-US" smtClean="0"/>
-              <a:t>2019/12/5</a:t>
             </a:fld>
             <a:endParaRPr lang="zh-CN" altLang="en-US"/>
           </a:p>
@@ -2753,7 +2718,6 @@
           <a:p>
             <a:fld id="{3E01EE5D-26FB-46D5-A381-ECFB35BF1D34}" type="slidenum">
               <a:rPr lang="zh-CN" altLang="en-US" smtClean="0"/>
-              <a:t>‹#›</a:t>
             </a:fld>
             <a:endParaRPr lang="zh-CN" altLang="en-US"/>
           </a:p>
@@ -2808,12 +2772,12 @@
           <p:cNvPicPr/>
           <p:nvPr>
             <p:custDataLst>
-              <p:tags r:id="rId1"/>
+              <p:tags r:id="rId2"/>
             </p:custDataLst>
           </p:nvPr>
         </p:nvPicPr>
         <p:blipFill>
-          <a:blip r:embed="rId10" r:link="rId11" cstate="screen"/>
+          <a:blip r:embed="rId3" r:link="rId4" cstate="screen"/>
           <a:stretch>
             <a:fillRect/>
           </a:stretch>
@@ -2834,12 +2798,12 @@
           <p:cNvPicPr/>
           <p:nvPr>
             <p:custDataLst>
-              <p:tags r:id="rId2"/>
+              <p:tags r:id="rId5"/>
             </p:custDataLst>
           </p:nvPr>
         </p:nvPicPr>
         <p:blipFill>
-          <a:blip r:embed="rId12" r:link="rId13" cstate="screen"/>
+          <a:blip r:embed="rId6" r:link="rId7" cstate="screen"/>
           <a:stretch>
             <a:fillRect/>
           </a:stretch>
@@ -2860,12 +2824,12 @@
           <p:cNvPicPr/>
           <p:nvPr>
             <p:custDataLst>
-              <p:tags r:id="rId3"/>
+              <p:tags r:id="rId8"/>
             </p:custDataLst>
           </p:nvPr>
         </p:nvPicPr>
         <p:blipFill>
-          <a:blip r:embed="rId14" r:link="rId15"/>
+          <a:blip r:embed="rId9" r:link="rId10"/>
           <a:stretch>
             <a:fillRect/>
           </a:stretch>
@@ -2889,7 +2853,7 @@
           <p:nvPr>
             <p:ph type="ctrTitle" hasCustomPrompt="1"/>
             <p:custDataLst>
-              <p:tags r:id="rId4"/>
+              <p:tags r:id="rId11"/>
             </p:custDataLst>
           </p:nvPr>
         </p:nvSpPr>
@@ -2915,6 +2879,7 @@
               <a:rPr lang="zh-CN" altLang="en-US" dirty="0"/>
               <a:t>单击此处编辑标题</a:t>
             </a:r>
+            <a:endParaRPr lang="zh-CN" altLang="en-US" dirty="0"/>
           </a:p>
         </p:txBody>
       </p:sp>
@@ -2927,7 +2892,7 @@
           <p:nvPr>
             <p:ph type="subTitle" idx="1" hasCustomPrompt="1"/>
             <p:custDataLst>
-              <p:tags r:id="rId5"/>
+              <p:tags r:id="rId12"/>
             </p:custDataLst>
           </p:nvPr>
         </p:nvSpPr>
@@ -2996,6 +2961,7 @@
               <a:rPr lang="zh-CN" altLang="en-US" dirty="0"/>
               <a:t>单击此处编辑副标题</a:t>
             </a:r>
+            <a:endParaRPr lang="zh-CN" altLang="en-US" dirty="0"/>
           </a:p>
         </p:txBody>
       </p:sp>
@@ -3008,7 +2974,7 @@
           <p:nvPr>
             <p:ph type="dt" sz="half" idx="10"/>
             <p:custDataLst>
-              <p:tags r:id="rId6"/>
+              <p:tags r:id="rId13"/>
             </p:custDataLst>
           </p:nvPr>
         </p:nvSpPr>
@@ -3019,7 +2985,6 @@
           <a:p>
             <a:fld id="{760FBDFE-C587-4B4C-A407-44438C67B59E}" type="datetimeFigureOut">
               <a:rPr lang="zh-CN" altLang="en-US" smtClean="0"/>
-              <a:t>2019/12/5</a:t>
             </a:fld>
             <a:endParaRPr lang="zh-CN" altLang="en-US"/>
           </a:p>
@@ -3034,7 +2999,7 @@
           <p:nvPr>
             <p:ph type="ftr" sz="quarter" idx="11"/>
             <p:custDataLst>
-              <p:tags r:id="rId7"/>
+              <p:tags r:id="rId14"/>
             </p:custDataLst>
           </p:nvPr>
         </p:nvSpPr>
@@ -3056,7 +3021,7 @@
           <p:nvPr>
             <p:ph type="sldNum" sz="quarter" idx="12"/>
             <p:custDataLst>
-              <p:tags r:id="rId8"/>
+              <p:tags r:id="rId15"/>
             </p:custDataLst>
           </p:nvPr>
         </p:nvSpPr>
@@ -3067,7 +3032,6 @@
           <a:p>
             <a:fld id="{49AE70B2-8BF9-45C0-BB95-33D1B9D3A854}" type="slidenum">
               <a:rPr lang="zh-CN" altLang="en-US" smtClean="0"/>
-              <a:t>‹#›</a:t>
             </a:fld>
             <a:endParaRPr lang="zh-CN" altLang="en-US" dirty="0"/>
           </a:p>
@@ -3117,7 +3081,7 @@
           <p:nvPr>
             <p:ph type="title"/>
             <p:custDataLst>
-              <p:tags r:id="rId1"/>
+              <p:tags r:id="rId2"/>
             </p:custDataLst>
           </p:nvPr>
         </p:nvSpPr>
@@ -3160,6 +3124,9 @@
               </a:rPr>
               <a:t>单击此处编辑母版标题样式</a:t>
             </a:r>
+            <a:endParaRPr dirty="0">
+              <a:sym typeface="+mn-ea"/>
+            </a:endParaRPr>
           </a:p>
         </p:txBody>
       </p:sp>
@@ -3172,7 +3139,7 @@
           <p:nvPr>
             <p:ph idx="1"/>
             <p:custDataLst>
-              <p:tags r:id="rId2"/>
+              <p:tags r:id="rId3"/>
             </p:custDataLst>
           </p:nvPr>
         </p:nvSpPr>
@@ -3329,6 +3296,9 @@
               </a:rPr>
               <a:t>单击此处编辑母版文本样式</a:t>
             </a:r>
+            <a:endParaRPr dirty="0">
+              <a:sym typeface="+mn-ea"/>
+            </a:endParaRPr>
           </a:p>
           <a:p>
             <a:pPr lvl="1"/>
@@ -3338,6 +3308,9 @@
               </a:rPr>
               <a:t>第二级</a:t>
             </a:r>
+            <a:endParaRPr dirty="0">
+              <a:sym typeface="+mn-ea"/>
+            </a:endParaRPr>
           </a:p>
           <a:p>
             <a:pPr lvl="2"/>
@@ -3347,6 +3320,9 @@
               </a:rPr>
               <a:t>第三级</a:t>
             </a:r>
+            <a:endParaRPr dirty="0">
+              <a:sym typeface="+mn-ea"/>
+            </a:endParaRPr>
           </a:p>
           <a:p>
             <a:pPr lvl="3"/>
@@ -3356,6 +3332,9 @@
               </a:rPr>
               <a:t>第四级</a:t>
             </a:r>
+            <a:endParaRPr dirty="0">
+              <a:sym typeface="+mn-ea"/>
+            </a:endParaRPr>
           </a:p>
           <a:p>
             <a:pPr lvl="4"/>
@@ -3365,6 +3344,9 @@
               </a:rPr>
               <a:t>第五级</a:t>
             </a:r>
+            <a:endParaRPr dirty="0">
+              <a:sym typeface="+mn-ea"/>
+            </a:endParaRPr>
           </a:p>
         </p:txBody>
       </p:sp>
@@ -3376,47 +3358,6 @@
           </p:cNvSpPr>
           <p:nvPr>
             <p:ph type="dt" sz="half" idx="10"/>
-            <p:custDataLst>
-              <p:tags r:id="rId3"/>
-            </p:custDataLst>
-          </p:nvPr>
-        </p:nvSpPr>
-        <p:spPr/>
-        <p:txBody>
-          <a:bodyPr lIns="90000" tIns="46800" rIns="90000" bIns="46800">
-            <a:normAutofit/>
-          </a:bodyPr>
-          <a:lstStyle>
-            <a:lvl1pPr>
-              <a:defRPr baseline="0">
-                <a:solidFill>
-                  <a:schemeClr val="tx1">
-                    <a:lumMod val="85000"/>
-                    <a:lumOff val="15000"/>
-                  </a:schemeClr>
-                </a:solidFill>
-                <a:latin typeface="Arial" panose="020B0604020202020204" pitchFamily="34" charset="0"/>
-                <a:ea typeface="隶书" panose="02010509060101010101" pitchFamily="49" charset="-122"/>
-              </a:defRPr>
-            </a:lvl1pPr>
-          </a:lstStyle>
-          <a:p>
-            <a:fld id="{760FBDFE-C587-4B4C-A407-44438C67B59E}" type="datetimeFigureOut">
-              <a:rPr lang="zh-CN" altLang="en-US" smtClean="0"/>
-              <a:t>2019/12/5</a:t>
-            </a:fld>
-            <a:endParaRPr lang="zh-CN" altLang="en-US"/>
-          </a:p>
-        </p:txBody>
-      </p:sp>
-      <p:sp>
-        <p:nvSpPr>
-          <p:cNvPr id="5" name="页脚占位符 4"/>
-          <p:cNvSpPr>
-            <a:spLocks noGrp="1"/>
-          </p:cNvSpPr>
-          <p:nvPr>
-            <p:ph type="ftr" sz="quarter" idx="11"/>
             <p:custDataLst>
               <p:tags r:id="rId4"/>
             </p:custDataLst>
@@ -3442,18 +3383,21 @@
             </a:lvl1pPr>
           </a:lstStyle>
           <a:p>
+            <a:fld id="{760FBDFE-C587-4B4C-A407-44438C67B59E}" type="datetimeFigureOut">
+              <a:rPr lang="zh-CN" altLang="en-US" smtClean="0"/>
+            </a:fld>
             <a:endParaRPr lang="zh-CN" altLang="en-US"/>
           </a:p>
         </p:txBody>
       </p:sp>
       <p:sp>
         <p:nvSpPr>
-          <p:cNvPr id="6" name="灯片编号占位符 5"/>
+          <p:cNvPr id="5" name="页脚占位符 4"/>
           <p:cNvSpPr>
             <a:spLocks noGrp="1"/>
           </p:cNvSpPr>
           <p:nvPr>
-            <p:ph type="sldNum" sz="quarter" idx="12"/>
+            <p:ph type="ftr" sz="quarter" idx="11"/>
             <p:custDataLst>
               <p:tags r:id="rId5"/>
             </p:custDataLst>
@@ -3479,9 +3423,45 @@
             </a:lvl1pPr>
           </a:lstStyle>
           <a:p>
+            <a:endParaRPr lang="zh-CN" altLang="en-US"/>
+          </a:p>
+        </p:txBody>
+      </p:sp>
+      <p:sp>
+        <p:nvSpPr>
+          <p:cNvPr id="6" name="灯片编号占位符 5"/>
+          <p:cNvSpPr>
+            <a:spLocks noGrp="1"/>
+          </p:cNvSpPr>
+          <p:nvPr>
+            <p:ph type="sldNum" sz="quarter" idx="12"/>
+            <p:custDataLst>
+              <p:tags r:id="rId6"/>
+            </p:custDataLst>
+          </p:nvPr>
+        </p:nvSpPr>
+        <p:spPr/>
+        <p:txBody>
+          <a:bodyPr lIns="90000" tIns="46800" rIns="90000" bIns="46800">
+            <a:normAutofit/>
+          </a:bodyPr>
+          <a:lstStyle>
+            <a:lvl1pPr>
+              <a:defRPr baseline="0">
+                <a:solidFill>
+                  <a:schemeClr val="tx1">
+                    <a:lumMod val="85000"/>
+                    <a:lumOff val="15000"/>
+                  </a:schemeClr>
+                </a:solidFill>
+                <a:latin typeface="Arial" panose="020B0604020202020204" pitchFamily="34" charset="0"/>
+                <a:ea typeface="隶书" panose="02010509060101010101" pitchFamily="49" charset="-122"/>
+              </a:defRPr>
+            </a:lvl1pPr>
+          </a:lstStyle>
+          <a:p>
             <a:fld id="{49AE70B2-8BF9-45C0-BB95-33D1B9D3A854}" type="slidenum">
               <a:rPr lang="zh-CN" altLang="en-US" smtClean="0"/>
-              <a:t>‹#›</a:t>
             </a:fld>
             <a:endParaRPr lang="zh-CN" altLang="en-US"/>
           </a:p>
@@ -3536,12 +3516,12 @@
           <p:cNvPicPr/>
           <p:nvPr>
             <p:custDataLst>
-              <p:tags r:id="rId1"/>
+              <p:tags r:id="rId2"/>
             </p:custDataLst>
           </p:nvPr>
         </p:nvPicPr>
         <p:blipFill>
-          <a:blip r:embed="rId9" r:link="rId10"/>
+          <a:blip r:embed="rId3" r:link="rId4"/>
           <a:stretch>
             <a:fillRect/>
           </a:stretch>
@@ -3562,12 +3542,12 @@
           <p:cNvPicPr/>
           <p:nvPr>
             <p:custDataLst>
-              <p:tags r:id="rId2"/>
+              <p:tags r:id="rId5"/>
             </p:custDataLst>
           </p:nvPr>
         </p:nvPicPr>
         <p:blipFill>
-          <a:blip r:embed="rId11" r:link="rId12" cstate="screen"/>
+          <a:blip r:embed="rId6" r:link="rId7" cstate="screen"/>
           <a:stretch>
             <a:fillRect/>
           </a:stretch>
@@ -3590,12 +3570,12 @@
           </p:cNvPicPr>
           <p:nvPr>
             <p:custDataLst>
-              <p:tags r:id="rId3"/>
+              <p:tags r:id="rId8"/>
             </p:custDataLst>
           </p:nvPr>
         </p:nvPicPr>
         <p:blipFill>
-          <a:blip r:embed="rId13" cstate="email"/>
+          <a:blip r:embed="rId9" cstate="email"/>
           <a:stretch>
             <a:fillRect/>
           </a:stretch>
@@ -3619,7 +3599,7 @@
           <p:nvPr>
             <p:ph type="title" hasCustomPrompt="1"/>
             <p:custDataLst>
-              <p:tags r:id="rId4"/>
+              <p:tags r:id="rId10"/>
             </p:custDataLst>
           </p:nvPr>
         </p:nvSpPr>
@@ -3653,6 +3633,7 @@
               <a:rPr lang="zh-CN" altLang="en-US" dirty="0"/>
               <a:t>单击此处编辑标题</a:t>
             </a:r>
+            <a:endParaRPr lang="zh-CN" altLang="en-US" dirty="0"/>
           </a:p>
         </p:txBody>
       </p:sp>
@@ -3665,7 +3646,7 @@
           <p:nvPr>
             <p:ph type="dt" sz="half" idx="10"/>
             <p:custDataLst>
-              <p:tags r:id="rId5"/>
+              <p:tags r:id="rId11"/>
             </p:custDataLst>
           </p:nvPr>
         </p:nvSpPr>
@@ -3676,7 +3657,6 @@
           <a:p>
             <a:fld id="{760FBDFE-C587-4B4C-A407-44438C67B59E}" type="datetimeFigureOut">
               <a:rPr lang="zh-CN" altLang="en-US" smtClean="0"/>
-              <a:t>2019/12/5</a:t>
             </a:fld>
             <a:endParaRPr lang="zh-CN" altLang="en-US"/>
           </a:p>
@@ -3691,7 +3671,7 @@
           <p:nvPr>
             <p:ph type="ftr" sz="quarter" idx="11"/>
             <p:custDataLst>
-              <p:tags r:id="rId6"/>
+              <p:tags r:id="rId12"/>
             </p:custDataLst>
           </p:nvPr>
         </p:nvSpPr>
@@ -3713,7 +3693,7 @@
           <p:nvPr>
             <p:ph type="sldNum" sz="quarter" idx="12"/>
             <p:custDataLst>
-              <p:tags r:id="rId7"/>
+              <p:tags r:id="rId13"/>
             </p:custDataLst>
           </p:nvPr>
         </p:nvSpPr>
@@ -3724,7 +3704,6 @@
           <a:p>
             <a:fld id="{49AE70B2-8BF9-45C0-BB95-33D1B9D3A854}" type="slidenum">
               <a:rPr lang="zh-CN" altLang="en-US" smtClean="0"/>
-              <a:t>‹#›</a:t>
             </a:fld>
             <a:endParaRPr lang="zh-CN" altLang="en-US"/>
           </a:p>
@@ -3772,7 +3751,7 @@
           <p:nvPr>
             <p:ph type="title"/>
             <p:custDataLst>
-              <p:tags r:id="rId1"/>
+              <p:tags r:id="rId2"/>
             </p:custDataLst>
           </p:nvPr>
         </p:nvSpPr>
@@ -3815,6 +3794,9 @@
               </a:rPr>
               <a:t>单击此处编辑母版标题样式</a:t>
             </a:r>
+            <a:endParaRPr>
+              <a:sym typeface="+mn-ea"/>
+            </a:endParaRPr>
           </a:p>
         </p:txBody>
       </p:sp>
@@ -3827,7 +3809,7 @@
           <p:nvPr>
             <p:ph sz="half" idx="1"/>
             <p:custDataLst>
-              <p:tags r:id="rId2"/>
+              <p:tags r:id="rId3"/>
             </p:custDataLst>
           </p:nvPr>
         </p:nvSpPr>
@@ -3984,6 +3966,9 @@
               </a:rPr>
               <a:t>单击此处编辑母版文本样式</a:t>
             </a:r>
+            <a:endParaRPr>
+              <a:sym typeface="+mn-ea"/>
+            </a:endParaRPr>
           </a:p>
           <a:p>
             <a:pPr lvl="1"/>
@@ -3993,6 +3978,9 @@
               </a:rPr>
               <a:t>第二级</a:t>
             </a:r>
+            <a:endParaRPr>
+              <a:sym typeface="+mn-ea"/>
+            </a:endParaRPr>
           </a:p>
           <a:p>
             <a:pPr lvl="2"/>
@@ -4002,6 +3990,9 @@
               </a:rPr>
               <a:t>第三级</a:t>
             </a:r>
+            <a:endParaRPr>
+              <a:sym typeface="+mn-ea"/>
+            </a:endParaRPr>
           </a:p>
           <a:p>
             <a:pPr lvl="3"/>
@@ -4011,6 +4002,9 @@
               </a:rPr>
               <a:t>第四级</a:t>
             </a:r>
+            <a:endParaRPr>
+              <a:sym typeface="+mn-ea"/>
+            </a:endParaRPr>
           </a:p>
           <a:p>
             <a:pPr lvl="4"/>
@@ -4020,6 +4014,9 @@
               </a:rPr>
               <a:t>第五级</a:t>
             </a:r>
+            <a:endParaRPr>
+              <a:sym typeface="+mn-ea"/>
+            </a:endParaRPr>
           </a:p>
         </p:txBody>
       </p:sp>
@@ -4032,7 +4029,7 @@
           <p:nvPr>
             <p:ph sz="half" idx="2"/>
             <p:custDataLst>
-              <p:tags r:id="rId3"/>
+              <p:tags r:id="rId4"/>
             </p:custDataLst>
           </p:nvPr>
         </p:nvSpPr>
@@ -4114,6 +4111,7 @@
               <a:rPr lang="zh-CN" altLang="en-US" dirty="0"/>
               <a:t>单击此处编辑母版文本样式</a:t>
             </a:r>
+            <a:endParaRPr lang="zh-CN" altLang="en-US" dirty="0"/>
           </a:p>
           <a:p>
             <a:pPr lvl="1"/>
@@ -4121,6 +4119,7 @@
               <a:rPr lang="zh-CN" altLang="en-US" dirty="0"/>
               <a:t>第二级</a:t>
             </a:r>
+            <a:endParaRPr lang="zh-CN" altLang="en-US" dirty="0"/>
           </a:p>
           <a:p>
             <a:pPr lvl="2"/>
@@ -4128,6 +4127,7 @@
               <a:rPr lang="zh-CN" altLang="en-US" dirty="0"/>
               <a:t>第三级</a:t>
             </a:r>
+            <a:endParaRPr lang="zh-CN" altLang="en-US" dirty="0"/>
           </a:p>
           <a:p>
             <a:pPr lvl="3"/>
@@ -4135,6 +4135,7 @@
               <a:rPr lang="zh-CN" altLang="en-US" dirty="0"/>
               <a:t>第四级</a:t>
             </a:r>
+            <a:endParaRPr lang="zh-CN" altLang="en-US" dirty="0"/>
           </a:p>
           <a:p>
             <a:pPr lvl="4"/>
@@ -4142,6 +4143,7 @@
               <a:rPr lang="zh-CN" altLang="en-US" dirty="0"/>
               <a:t>第五级</a:t>
             </a:r>
+            <a:endParaRPr lang="zh-CN" altLang="en-US" dirty="0"/>
           </a:p>
         </p:txBody>
       </p:sp>
@@ -4153,47 +4155,6 @@
           </p:cNvSpPr>
           <p:nvPr>
             <p:ph type="dt" sz="half" idx="10"/>
-            <p:custDataLst>
-              <p:tags r:id="rId4"/>
-            </p:custDataLst>
-          </p:nvPr>
-        </p:nvSpPr>
-        <p:spPr/>
-        <p:txBody>
-          <a:bodyPr lIns="90000" tIns="46800" rIns="90000" bIns="46800">
-            <a:normAutofit/>
-          </a:bodyPr>
-          <a:lstStyle>
-            <a:lvl1pPr>
-              <a:defRPr baseline="0">
-                <a:solidFill>
-                  <a:schemeClr val="tx1">
-                    <a:lumMod val="85000"/>
-                    <a:lumOff val="15000"/>
-                  </a:schemeClr>
-                </a:solidFill>
-                <a:latin typeface="Arial" panose="020B0604020202020204" pitchFamily="34" charset="0"/>
-                <a:ea typeface="隶书" panose="02010509060101010101" pitchFamily="49" charset="-122"/>
-              </a:defRPr>
-            </a:lvl1pPr>
-          </a:lstStyle>
-          <a:p>
-            <a:fld id="{760FBDFE-C587-4B4C-A407-44438C67B59E}" type="datetimeFigureOut">
-              <a:rPr lang="zh-CN" altLang="en-US" smtClean="0"/>
-              <a:t>2019/12/5</a:t>
-            </a:fld>
-            <a:endParaRPr lang="zh-CN" altLang="en-US"/>
-          </a:p>
-        </p:txBody>
-      </p:sp>
-      <p:sp>
-        <p:nvSpPr>
-          <p:cNvPr id="6" name="页脚占位符 5"/>
-          <p:cNvSpPr>
-            <a:spLocks noGrp="1"/>
-          </p:cNvSpPr>
-          <p:nvPr>
-            <p:ph type="ftr" sz="quarter" idx="11"/>
             <p:custDataLst>
               <p:tags r:id="rId5"/>
             </p:custDataLst>
@@ -4219,18 +4180,21 @@
             </a:lvl1pPr>
           </a:lstStyle>
           <a:p>
+            <a:fld id="{760FBDFE-C587-4B4C-A407-44438C67B59E}" type="datetimeFigureOut">
+              <a:rPr lang="zh-CN" altLang="en-US" smtClean="0"/>
+            </a:fld>
             <a:endParaRPr lang="zh-CN" altLang="en-US"/>
           </a:p>
         </p:txBody>
       </p:sp>
       <p:sp>
         <p:nvSpPr>
-          <p:cNvPr id="7" name="灯片编号占位符 6"/>
+          <p:cNvPr id="6" name="页脚占位符 5"/>
           <p:cNvSpPr>
             <a:spLocks noGrp="1"/>
           </p:cNvSpPr>
           <p:nvPr>
-            <p:ph type="sldNum" sz="quarter" idx="12"/>
+            <p:ph type="ftr" sz="quarter" idx="11"/>
             <p:custDataLst>
               <p:tags r:id="rId6"/>
             </p:custDataLst>
@@ -4256,9 +4220,45 @@
             </a:lvl1pPr>
           </a:lstStyle>
           <a:p>
+            <a:endParaRPr lang="zh-CN" altLang="en-US"/>
+          </a:p>
+        </p:txBody>
+      </p:sp>
+      <p:sp>
+        <p:nvSpPr>
+          <p:cNvPr id="7" name="灯片编号占位符 6"/>
+          <p:cNvSpPr>
+            <a:spLocks noGrp="1"/>
+          </p:cNvSpPr>
+          <p:nvPr>
+            <p:ph type="sldNum" sz="quarter" idx="12"/>
+            <p:custDataLst>
+              <p:tags r:id="rId7"/>
+            </p:custDataLst>
+          </p:nvPr>
+        </p:nvSpPr>
+        <p:spPr/>
+        <p:txBody>
+          <a:bodyPr lIns="90000" tIns="46800" rIns="90000" bIns="46800">
+            <a:normAutofit/>
+          </a:bodyPr>
+          <a:lstStyle>
+            <a:lvl1pPr>
+              <a:defRPr baseline="0">
+                <a:solidFill>
+                  <a:schemeClr val="tx1">
+                    <a:lumMod val="85000"/>
+                    <a:lumOff val="15000"/>
+                  </a:schemeClr>
+                </a:solidFill>
+                <a:latin typeface="Arial" panose="020B0604020202020204" pitchFamily="34" charset="0"/>
+                <a:ea typeface="隶书" panose="02010509060101010101" pitchFamily="49" charset="-122"/>
+              </a:defRPr>
+            </a:lvl1pPr>
+          </a:lstStyle>
+          <a:p>
             <a:fld id="{49AE70B2-8BF9-45C0-BB95-33D1B9D3A854}" type="slidenum">
               <a:rPr lang="zh-CN" altLang="en-US" smtClean="0"/>
-              <a:t>‹#›</a:t>
             </a:fld>
             <a:endParaRPr lang="zh-CN" altLang="en-US"/>
           </a:p>
@@ -4306,7 +4306,7 @@
           <p:nvPr>
             <p:ph type="title"/>
             <p:custDataLst>
-              <p:tags r:id="rId1"/>
+              <p:tags r:id="rId2"/>
             </p:custDataLst>
           </p:nvPr>
         </p:nvSpPr>
@@ -4349,6 +4349,9 @@
               </a:rPr>
               <a:t>单击此处编辑母版标题样式</a:t>
             </a:r>
+            <a:endParaRPr dirty="0">
+              <a:sym typeface="+mn-ea"/>
+            </a:endParaRPr>
           </a:p>
         </p:txBody>
       </p:sp>
@@ -4361,7 +4364,7 @@
           <p:nvPr>
             <p:ph type="body" idx="1" hasCustomPrompt="1"/>
             <p:custDataLst>
-              <p:tags r:id="rId2"/>
+              <p:tags r:id="rId3"/>
             </p:custDataLst>
           </p:nvPr>
         </p:nvSpPr>
@@ -4435,6 +4438,7 @@
               <a:rPr lang="zh-CN" altLang="en-US" dirty="0"/>
               <a:t>单击此处编辑文本</a:t>
             </a:r>
+            <a:endParaRPr lang="zh-CN" altLang="en-US" dirty="0"/>
           </a:p>
         </p:txBody>
       </p:sp>
@@ -4447,7 +4451,7 @@
           <p:nvPr>
             <p:ph sz="half" idx="2"/>
             <p:custDataLst>
-              <p:tags r:id="rId3"/>
+              <p:tags r:id="rId4"/>
             </p:custDataLst>
           </p:nvPr>
         </p:nvSpPr>
@@ -4604,6 +4608,9 @@
               </a:rPr>
               <a:t>单击此处编辑母版文本样式</a:t>
             </a:r>
+            <a:endParaRPr dirty="0">
+              <a:sym typeface="+mn-ea"/>
+            </a:endParaRPr>
           </a:p>
           <a:p>
             <a:pPr lvl="1"/>
@@ -4613,6 +4620,9 @@
               </a:rPr>
               <a:t>第二级</a:t>
             </a:r>
+            <a:endParaRPr dirty="0">
+              <a:sym typeface="+mn-ea"/>
+            </a:endParaRPr>
           </a:p>
           <a:p>
             <a:pPr lvl="2"/>
@@ -4622,6 +4632,9 @@
               </a:rPr>
               <a:t>第三级</a:t>
             </a:r>
+            <a:endParaRPr dirty="0">
+              <a:sym typeface="+mn-ea"/>
+            </a:endParaRPr>
           </a:p>
           <a:p>
             <a:pPr lvl="3"/>
@@ -4631,6 +4644,9 @@
               </a:rPr>
               <a:t>第四级</a:t>
             </a:r>
+            <a:endParaRPr dirty="0">
+              <a:sym typeface="+mn-ea"/>
+            </a:endParaRPr>
           </a:p>
           <a:p>
             <a:pPr lvl="4"/>
@@ -4640,6 +4656,9 @@
               </a:rPr>
               <a:t>第五级</a:t>
             </a:r>
+            <a:endParaRPr dirty="0">
+              <a:sym typeface="+mn-ea"/>
+            </a:endParaRPr>
           </a:p>
         </p:txBody>
       </p:sp>
@@ -4652,7 +4671,7 @@
           <p:nvPr>
             <p:ph type="body" sz="quarter" idx="3" hasCustomPrompt="1"/>
             <p:custDataLst>
-              <p:tags r:id="rId4"/>
+              <p:tags r:id="rId5"/>
             </p:custDataLst>
           </p:nvPr>
         </p:nvSpPr>
@@ -4734,6 +4753,9 @@
               </a:rPr>
               <a:t>单击此处编辑文本</a:t>
             </a:r>
+            <a:endParaRPr>
+              <a:sym typeface="+mn-ea"/>
+            </a:endParaRPr>
           </a:p>
         </p:txBody>
       </p:sp>
@@ -4746,7 +4768,7 @@
           <p:nvPr>
             <p:ph sz="quarter" idx="4"/>
             <p:custDataLst>
-              <p:tags r:id="rId5"/>
+              <p:tags r:id="rId6"/>
             </p:custDataLst>
           </p:nvPr>
         </p:nvSpPr>
@@ -4903,6 +4925,9 @@
               </a:rPr>
               <a:t>单击此处编辑母版文本样式</a:t>
             </a:r>
+            <a:endParaRPr dirty="0">
+              <a:sym typeface="+mn-ea"/>
+            </a:endParaRPr>
           </a:p>
           <a:p>
             <a:pPr lvl="1"/>
@@ -4912,6 +4937,9 @@
               </a:rPr>
               <a:t>第二级</a:t>
             </a:r>
+            <a:endParaRPr dirty="0">
+              <a:sym typeface="+mn-ea"/>
+            </a:endParaRPr>
           </a:p>
           <a:p>
             <a:pPr lvl="2"/>
@@ -4921,6 +4949,9 @@
               </a:rPr>
               <a:t>第三级</a:t>
             </a:r>
+            <a:endParaRPr dirty="0">
+              <a:sym typeface="+mn-ea"/>
+            </a:endParaRPr>
           </a:p>
           <a:p>
             <a:pPr lvl="3"/>
@@ -4930,6 +4961,9 @@
               </a:rPr>
               <a:t>第四级</a:t>
             </a:r>
+            <a:endParaRPr dirty="0">
+              <a:sym typeface="+mn-ea"/>
+            </a:endParaRPr>
           </a:p>
           <a:p>
             <a:pPr lvl="4"/>
@@ -4939,6 +4973,9 @@
               </a:rPr>
               <a:t>第五级</a:t>
             </a:r>
+            <a:endParaRPr dirty="0">
+              <a:sym typeface="+mn-ea"/>
+            </a:endParaRPr>
           </a:p>
         </p:txBody>
       </p:sp>
@@ -4950,47 +4987,6 @@
           </p:cNvSpPr>
           <p:nvPr>
             <p:ph type="dt" sz="half" idx="10"/>
-            <p:custDataLst>
-              <p:tags r:id="rId6"/>
-            </p:custDataLst>
-          </p:nvPr>
-        </p:nvSpPr>
-        <p:spPr/>
-        <p:txBody>
-          <a:bodyPr lIns="90000" tIns="46800" rIns="90000" bIns="46800">
-            <a:normAutofit/>
-          </a:bodyPr>
-          <a:lstStyle>
-            <a:lvl1pPr>
-              <a:defRPr cap="all" baseline="0">
-                <a:solidFill>
-                  <a:schemeClr val="tx1">
-                    <a:lumMod val="85000"/>
-                    <a:lumOff val="15000"/>
-                  </a:schemeClr>
-                </a:solidFill>
-                <a:latin typeface="Arial" panose="020B0604020202020204" pitchFamily="34" charset="0"/>
-                <a:ea typeface="隶书" panose="02010509060101010101" pitchFamily="49" charset="-122"/>
-              </a:defRPr>
-            </a:lvl1pPr>
-          </a:lstStyle>
-          <a:p>
-            <a:fld id="{760FBDFE-C587-4B4C-A407-44438C67B59E}" type="datetimeFigureOut">
-              <a:rPr lang="zh-CN" altLang="en-US" smtClean="0"/>
-              <a:t>2019/12/5</a:t>
-            </a:fld>
-            <a:endParaRPr lang="zh-CN" altLang="en-US"/>
-          </a:p>
-        </p:txBody>
-      </p:sp>
-      <p:sp>
-        <p:nvSpPr>
-          <p:cNvPr id="8" name="页脚占位符 7"/>
-          <p:cNvSpPr>
-            <a:spLocks noGrp="1"/>
-          </p:cNvSpPr>
-          <p:nvPr>
-            <p:ph type="ftr" sz="quarter" idx="11"/>
             <p:custDataLst>
               <p:tags r:id="rId7"/>
             </p:custDataLst>
@@ -5016,18 +5012,21 @@
             </a:lvl1pPr>
           </a:lstStyle>
           <a:p>
+            <a:fld id="{760FBDFE-C587-4B4C-A407-44438C67B59E}" type="datetimeFigureOut">
+              <a:rPr lang="zh-CN" altLang="en-US" smtClean="0"/>
+            </a:fld>
             <a:endParaRPr lang="zh-CN" altLang="en-US"/>
           </a:p>
         </p:txBody>
       </p:sp>
       <p:sp>
         <p:nvSpPr>
-          <p:cNvPr id="9" name="灯片编号占位符 8"/>
+          <p:cNvPr id="8" name="页脚占位符 7"/>
           <p:cNvSpPr>
             <a:spLocks noGrp="1"/>
           </p:cNvSpPr>
           <p:nvPr>
-            <p:ph type="sldNum" sz="quarter" idx="12"/>
+            <p:ph type="ftr" sz="quarter" idx="11"/>
             <p:custDataLst>
               <p:tags r:id="rId8"/>
             </p:custDataLst>
@@ -5053,9 +5052,45 @@
             </a:lvl1pPr>
           </a:lstStyle>
           <a:p>
+            <a:endParaRPr lang="zh-CN" altLang="en-US"/>
+          </a:p>
+        </p:txBody>
+      </p:sp>
+      <p:sp>
+        <p:nvSpPr>
+          <p:cNvPr id="9" name="灯片编号占位符 8"/>
+          <p:cNvSpPr>
+            <a:spLocks noGrp="1"/>
+          </p:cNvSpPr>
+          <p:nvPr>
+            <p:ph type="sldNum" sz="quarter" idx="12"/>
+            <p:custDataLst>
+              <p:tags r:id="rId9"/>
+            </p:custDataLst>
+          </p:nvPr>
+        </p:nvSpPr>
+        <p:spPr/>
+        <p:txBody>
+          <a:bodyPr lIns="90000" tIns="46800" rIns="90000" bIns="46800">
+            <a:normAutofit/>
+          </a:bodyPr>
+          <a:lstStyle>
+            <a:lvl1pPr>
+              <a:defRPr cap="all" baseline="0">
+                <a:solidFill>
+                  <a:schemeClr val="tx1">
+                    <a:lumMod val="85000"/>
+                    <a:lumOff val="15000"/>
+                  </a:schemeClr>
+                </a:solidFill>
+                <a:latin typeface="Arial" panose="020B0604020202020204" pitchFamily="34" charset="0"/>
+                <a:ea typeface="隶书" panose="02010509060101010101" pitchFamily="49" charset="-122"/>
+              </a:defRPr>
+            </a:lvl1pPr>
+          </a:lstStyle>
+          <a:p>
             <a:fld id="{49AE70B2-8BF9-45C0-BB95-33D1B9D3A854}" type="slidenum">
               <a:rPr lang="zh-CN" altLang="en-US" smtClean="0"/>
-              <a:t>‹#›</a:t>
             </a:fld>
             <a:endParaRPr lang="zh-CN" altLang="en-US"/>
           </a:p>
@@ -5110,12 +5145,12 @@
           <p:cNvPicPr/>
           <p:nvPr>
             <p:custDataLst>
-              <p:tags r:id="rId1"/>
+              <p:tags r:id="rId2"/>
             </p:custDataLst>
           </p:nvPr>
         </p:nvPicPr>
         <p:blipFill>
-          <a:blip r:embed="rId8" r:link="rId9" cstate="screen"/>
+          <a:blip r:embed="rId3" r:link="rId4" cstate="screen"/>
           <a:stretch>
             <a:fillRect/>
           </a:stretch>
@@ -5136,12 +5171,12 @@
           <p:cNvPicPr/>
           <p:nvPr>
             <p:custDataLst>
-              <p:tags r:id="rId2"/>
+              <p:tags r:id="rId5"/>
             </p:custDataLst>
           </p:nvPr>
         </p:nvPicPr>
         <p:blipFill>
-          <a:blip r:embed="rId10" r:link="rId11"/>
+          <a:blip r:embed="rId6" r:link="rId7"/>
           <a:stretch>
             <a:fillRect/>
           </a:stretch>
@@ -5165,7 +5200,7 @@
           <p:nvPr>
             <p:ph type="title"/>
             <p:custDataLst>
-              <p:tags r:id="rId3"/>
+              <p:tags r:id="rId8"/>
             </p:custDataLst>
           </p:nvPr>
         </p:nvSpPr>
@@ -5203,6 +5238,9 @@
               </a:rPr>
               <a:t>单击此处编辑母版标题样式</a:t>
             </a:r>
+            <a:endParaRPr>
+              <a:sym typeface="+mn-ea"/>
+            </a:endParaRPr>
           </a:p>
         </p:txBody>
       </p:sp>
@@ -5215,7 +5253,7 @@
           <p:nvPr>
             <p:ph type="dt" sz="half" idx="10"/>
             <p:custDataLst>
-              <p:tags r:id="rId4"/>
+              <p:tags r:id="rId9"/>
             </p:custDataLst>
           </p:nvPr>
         </p:nvSpPr>
@@ -5241,7 +5279,6 @@
           <a:p>
             <a:fld id="{760FBDFE-C587-4B4C-A407-44438C67B59E}" type="datetimeFigureOut">
               <a:rPr lang="zh-CN" altLang="en-US" smtClean="0"/>
-              <a:t>2019/12/5</a:t>
             </a:fld>
             <a:endParaRPr lang="zh-CN" altLang="en-US"/>
           </a:p>
@@ -5256,7 +5293,7 @@
           <p:nvPr>
             <p:ph type="ftr" sz="quarter" idx="11"/>
             <p:custDataLst>
-              <p:tags r:id="rId5"/>
+              <p:tags r:id="rId10"/>
             </p:custDataLst>
           </p:nvPr>
         </p:nvSpPr>
@@ -5293,7 +5330,7 @@
           <p:nvPr>
             <p:ph type="sldNum" sz="quarter" idx="12"/>
             <p:custDataLst>
-              <p:tags r:id="rId6"/>
+              <p:tags r:id="rId11"/>
             </p:custDataLst>
           </p:nvPr>
         </p:nvSpPr>
@@ -5319,7 +5356,6 @@
           <a:p>
             <a:fld id="{49AE70B2-8BF9-45C0-BB95-33D1B9D3A854}" type="slidenum">
               <a:rPr lang="zh-CN" altLang="en-US" smtClean="0"/>
-              <a:t>‹#›</a:t>
             </a:fld>
             <a:endParaRPr lang="zh-CN" altLang="en-US"/>
           </a:p>
@@ -5369,6 +5405,7 @@
               <a:rPr lang="zh-CN" altLang="en-US"/>
               <a:t>单击此处编辑母版标题样式</a:t>
             </a:r>
+            <a:endParaRPr lang="zh-CN" altLang="en-US"/>
           </a:p>
         </p:txBody>
       </p:sp>
@@ -5389,7 +5426,6 @@
           <a:p>
             <a:fld id="{32BF82D2-7A68-459D-A996-9BDDA2518FA4}" type="datetimeFigureOut">
               <a:rPr lang="zh-CN" altLang="en-US" smtClean="0"/>
-              <a:t>2019/12/5</a:t>
             </a:fld>
             <a:endParaRPr lang="zh-CN" altLang="en-US"/>
           </a:p>
@@ -5431,7 +5467,6 @@
           <a:p>
             <a:fld id="{3E01EE5D-26FB-46D5-A381-ECFB35BF1D34}" type="slidenum">
               <a:rPr lang="zh-CN" altLang="en-US" smtClean="0"/>
-              <a:t>‹#›</a:t>
             </a:fld>
             <a:endParaRPr lang="zh-CN" altLang="en-US"/>
           </a:p>
@@ -5536,6 +5571,13 @@
               </a:rPr>
               <a:t>www.1ppt.com/hangye/ </a:t>
             </a:r>
+            <a:endParaRPr lang="en-US" altLang="zh-CN" sz="100" dirty="0">
+              <a:solidFill>
+                <a:prstClr val="white"/>
+              </a:solidFill>
+              <a:latin typeface="Calibri" panose="020F0502020204030204"/>
+              <a:ea typeface="宋体" panose="02010600030101010101" pitchFamily="2" charset="-122"/>
+            </a:endParaRPr>
           </a:p>
           <a:p>
             <a:pPr fontAlgn="auto">
@@ -5606,6 +5648,13 @@
               </a:rPr>
               <a:t>www.1ppt.com/sucai/</a:t>
             </a:r>
+            <a:endParaRPr lang="en-US" altLang="zh-CN" sz="100" dirty="0">
+              <a:solidFill>
+                <a:prstClr val="white"/>
+              </a:solidFill>
+              <a:latin typeface="Calibri" panose="020F0502020204030204"/>
+              <a:ea typeface="宋体" panose="02010600030101010101" pitchFamily="2" charset="-122"/>
+            </a:endParaRPr>
           </a:p>
           <a:p>
             <a:pPr fontAlgn="auto">
@@ -5666,6 +5715,13 @@
               </a:rPr>
               <a:t>www.1ppt.com/tubiao/      </a:t>
             </a:r>
+            <a:endParaRPr lang="en-US" altLang="zh-CN" sz="100" dirty="0">
+              <a:solidFill>
+                <a:prstClr val="white"/>
+              </a:solidFill>
+              <a:latin typeface="Calibri" panose="020F0502020204030204"/>
+              <a:ea typeface="宋体" panose="02010600030101010101" pitchFamily="2" charset="-122"/>
+            </a:endParaRPr>
           </a:p>
           <a:p>
             <a:pPr fontAlgn="auto">
@@ -5736,6 +5792,13 @@
               </a:rPr>
               <a:t>www.1ppt.com/powerpoint/      </a:t>
             </a:r>
+            <a:endParaRPr lang="en-US" altLang="zh-CN" sz="100" dirty="0">
+              <a:solidFill>
+                <a:prstClr val="white"/>
+              </a:solidFill>
+              <a:latin typeface="Calibri" panose="020F0502020204030204"/>
+              <a:ea typeface="宋体" panose="02010600030101010101" pitchFamily="2" charset="-122"/>
+            </a:endParaRPr>
           </a:p>
           <a:p>
             <a:pPr fontAlgn="auto">
@@ -5796,6 +5859,13 @@
               </a:rPr>
               <a:t>www.1ppt.com/excel/  </a:t>
             </a:r>
+            <a:endParaRPr lang="en-US" altLang="zh-CN" sz="100" dirty="0">
+              <a:solidFill>
+                <a:prstClr val="white"/>
+              </a:solidFill>
+              <a:latin typeface="Calibri" panose="020F0502020204030204"/>
+              <a:ea typeface="宋体" panose="02010600030101010101" pitchFamily="2" charset="-122"/>
+            </a:endParaRPr>
           </a:p>
           <a:p>
             <a:pPr fontAlgn="auto">
@@ -5846,6 +5916,13 @@
               </a:rPr>
               <a:t>www.1ppt.com/kejian/ </a:t>
             </a:r>
+            <a:endParaRPr lang="en-US" altLang="zh-CN" sz="100" dirty="0">
+              <a:solidFill>
+                <a:prstClr val="white"/>
+              </a:solidFill>
+              <a:latin typeface="Calibri" panose="020F0502020204030204"/>
+              <a:ea typeface="宋体" panose="02010600030101010101" pitchFamily="2" charset="-122"/>
+            </a:endParaRPr>
           </a:p>
           <a:p>
             <a:pPr fontAlgn="auto">
@@ -5896,6 +5973,13 @@
               </a:rPr>
               <a:t>www.1ppt.com/shiti/  </a:t>
             </a:r>
+            <a:endParaRPr lang="en-US" altLang="zh-CN" sz="100" dirty="0">
+              <a:solidFill>
+                <a:prstClr val="white"/>
+              </a:solidFill>
+              <a:latin typeface="Calibri" panose="020F0502020204030204"/>
+              <a:ea typeface="宋体" panose="02010600030101010101" pitchFamily="2" charset="-122"/>
+            </a:endParaRPr>
           </a:p>
           <a:p>
             <a:pPr fontAlgn="auto">
@@ -5926,6 +6010,13 @@
               </a:rPr>
               <a:t>www.1ppt.com/jiaoan/        </a:t>
             </a:r>
+            <a:endParaRPr lang="en-US" altLang="zh-CN" sz="100" dirty="0">
+              <a:solidFill>
+                <a:prstClr val="white"/>
+              </a:solidFill>
+              <a:latin typeface="Calibri" panose="020F0502020204030204"/>
+              <a:ea typeface="宋体" panose="02010600030101010101" pitchFamily="2" charset="-122"/>
+            </a:endParaRPr>
           </a:p>
           <a:p>
             <a:pPr fontAlgn="auto">
@@ -5956,6 +6047,13 @@
               </a:rPr>
               <a:t>www.1ppt.com/ziti/</a:t>
             </a:r>
+            <a:endParaRPr lang="en-US" altLang="zh-CN" sz="100" dirty="0">
+              <a:solidFill>
+                <a:prstClr val="white"/>
+              </a:solidFill>
+              <a:latin typeface="Calibri" panose="020F0502020204030204"/>
+              <a:ea typeface="宋体" panose="02010600030101010101" pitchFamily="2" charset="-122"/>
+            </a:endParaRPr>
           </a:p>
           <a:p>
             <a:pPr fontAlgn="auto">
@@ -6020,36 +6118,6 @@
           <p:nvPr>
             <p:ph type="dt" sz="half" idx="10"/>
             <p:custDataLst>
-              <p:tags r:id="rId1"/>
-            </p:custDataLst>
-          </p:nvPr>
-        </p:nvSpPr>
-        <p:spPr/>
-        <p:txBody>
-          <a:bodyPr/>
-          <a:lstStyle>
-            <a:lvl1pPr>
-              <a:defRPr baseline="0"/>
-            </a:lvl1pPr>
-          </a:lstStyle>
-          <a:p>
-            <a:fld id="{760FBDFE-C587-4B4C-A407-44438C67B59E}" type="datetimeFigureOut">
-              <a:rPr lang="zh-CN" altLang="en-US" smtClean="0"/>
-              <a:t>2019/12/5</a:t>
-            </a:fld>
-            <a:endParaRPr lang="zh-CN" altLang="en-US"/>
-          </a:p>
-        </p:txBody>
-      </p:sp>
-      <p:sp>
-        <p:nvSpPr>
-          <p:cNvPr id="3" name="页脚占位符 2"/>
-          <p:cNvSpPr>
-            <a:spLocks noGrp="1"/>
-          </p:cNvSpPr>
-          <p:nvPr>
-            <p:ph type="ftr" sz="quarter" idx="11"/>
-            <p:custDataLst>
               <p:tags r:id="rId2"/>
             </p:custDataLst>
           </p:nvPr>
@@ -6063,18 +6131,21 @@
             </a:lvl1pPr>
           </a:lstStyle>
           <a:p>
+            <a:fld id="{760FBDFE-C587-4B4C-A407-44438C67B59E}" type="datetimeFigureOut">
+              <a:rPr lang="zh-CN" altLang="en-US" smtClean="0"/>
+            </a:fld>
             <a:endParaRPr lang="zh-CN" altLang="en-US"/>
           </a:p>
         </p:txBody>
       </p:sp>
       <p:sp>
         <p:nvSpPr>
-          <p:cNvPr id="4" name="灯片编号占位符 3"/>
+          <p:cNvPr id="3" name="页脚占位符 2"/>
           <p:cNvSpPr>
             <a:spLocks noGrp="1"/>
           </p:cNvSpPr>
           <p:nvPr>
-            <p:ph type="sldNum" sz="quarter" idx="12"/>
+            <p:ph type="ftr" sz="quarter" idx="11"/>
             <p:custDataLst>
               <p:tags r:id="rId3"/>
             </p:custDataLst>
@@ -6089,9 +6160,34 @@
             </a:lvl1pPr>
           </a:lstStyle>
           <a:p>
+            <a:endParaRPr lang="zh-CN" altLang="en-US"/>
+          </a:p>
+        </p:txBody>
+      </p:sp>
+      <p:sp>
+        <p:nvSpPr>
+          <p:cNvPr id="4" name="灯片编号占位符 3"/>
+          <p:cNvSpPr>
+            <a:spLocks noGrp="1"/>
+          </p:cNvSpPr>
+          <p:nvPr>
+            <p:ph type="sldNum" sz="quarter" idx="12"/>
+            <p:custDataLst>
+              <p:tags r:id="rId4"/>
+            </p:custDataLst>
+          </p:nvPr>
+        </p:nvSpPr>
+        <p:spPr/>
+        <p:txBody>
+          <a:bodyPr/>
+          <a:lstStyle>
+            <a:lvl1pPr>
+              <a:defRPr baseline="0"/>
+            </a:lvl1pPr>
+          </a:lstStyle>
+          <a:p>
             <a:fld id="{49AE70B2-8BF9-45C0-BB95-33D1B9D3A854}" type="slidenum">
               <a:rPr lang="zh-CN" altLang="en-US" smtClean="0"/>
-              <a:t>‹#›</a:t>
             </a:fld>
             <a:endParaRPr lang="zh-CN" altLang="en-US"/>
           </a:p>
@@ -6139,7 +6235,7 @@
           <p:nvPr>
             <p:ph type="title"/>
             <p:custDataLst>
-              <p:tags r:id="rId1"/>
+              <p:tags r:id="rId2"/>
             </p:custDataLst>
           </p:nvPr>
         </p:nvSpPr>
@@ -6182,6 +6278,9 @@
               </a:rPr>
               <a:t>单击此处编辑母版标题样式</a:t>
             </a:r>
+            <a:endParaRPr dirty="0">
+              <a:sym typeface="+mn-ea"/>
+            </a:endParaRPr>
           </a:p>
         </p:txBody>
       </p:sp>
@@ -6194,7 +6293,7 @@
           <p:nvPr>
             <p:ph type="pic" idx="1"/>
             <p:custDataLst>
-              <p:tags r:id="rId2"/>
+              <p:tags r:id="rId3"/>
             </p:custDataLst>
           </p:nvPr>
         </p:nvSpPr>
@@ -6348,7 +6447,7 @@
           <p:nvPr>
             <p:ph type="body" sz="half" idx="2"/>
             <p:custDataLst>
-              <p:tags r:id="rId3"/>
+              <p:tags r:id="rId4"/>
             </p:custDataLst>
           </p:nvPr>
         </p:nvSpPr>
@@ -6398,6 +6497,9 @@
               </a:rPr>
               <a:t>单击此处编辑母版文本样式</a:t>
             </a:r>
+            <a:endParaRPr>
+              <a:sym typeface="+mn-ea"/>
+            </a:endParaRPr>
           </a:p>
         </p:txBody>
       </p:sp>
@@ -6409,47 +6511,6 @@
           </p:cNvSpPr>
           <p:nvPr>
             <p:ph type="dt" sz="half" idx="10"/>
-            <p:custDataLst>
-              <p:tags r:id="rId4"/>
-            </p:custDataLst>
-          </p:nvPr>
-        </p:nvSpPr>
-        <p:spPr/>
-        <p:txBody>
-          <a:bodyPr lIns="90000" tIns="46800" rIns="90000" bIns="46800">
-            <a:normAutofit/>
-          </a:bodyPr>
-          <a:lstStyle>
-            <a:lvl1pPr>
-              <a:defRPr baseline="0">
-                <a:solidFill>
-                  <a:schemeClr val="tx1">
-                    <a:lumMod val="85000"/>
-                    <a:lumOff val="15000"/>
-                  </a:schemeClr>
-                </a:solidFill>
-                <a:latin typeface="Arial" panose="020B0604020202020204" pitchFamily="34" charset="0"/>
-                <a:ea typeface="隶书" panose="02010509060101010101" pitchFamily="49" charset="-122"/>
-              </a:defRPr>
-            </a:lvl1pPr>
-          </a:lstStyle>
-          <a:p>
-            <a:fld id="{9EFD9D74-47D9-4702-A33C-335B63B48DBF}" type="datetimeFigureOut">
-              <a:rPr lang="zh-CN" altLang="en-US" smtClean="0"/>
-              <a:t>2019/12/5</a:t>
-            </a:fld>
-            <a:endParaRPr lang="zh-CN" altLang="en-US" dirty="0"/>
-          </a:p>
-        </p:txBody>
-      </p:sp>
-      <p:sp>
-        <p:nvSpPr>
-          <p:cNvPr id="6" name="页脚占位符 5"/>
-          <p:cNvSpPr>
-            <a:spLocks noGrp="1"/>
-          </p:cNvSpPr>
-          <p:nvPr>
-            <p:ph type="ftr" sz="quarter" idx="11"/>
             <p:custDataLst>
               <p:tags r:id="rId5"/>
             </p:custDataLst>
@@ -6475,18 +6536,21 @@
             </a:lvl1pPr>
           </a:lstStyle>
           <a:p>
+            <a:fld id="{9EFD9D74-47D9-4702-A33C-335B63B48DBF}" type="datetimeFigureOut">
+              <a:rPr lang="zh-CN" altLang="en-US" smtClean="0"/>
+            </a:fld>
             <a:endParaRPr lang="zh-CN" altLang="en-US" dirty="0"/>
           </a:p>
         </p:txBody>
       </p:sp>
       <p:sp>
         <p:nvSpPr>
-          <p:cNvPr id="7" name="灯片编号占位符 6"/>
+          <p:cNvPr id="6" name="页脚占位符 5"/>
           <p:cNvSpPr>
             <a:spLocks noGrp="1"/>
           </p:cNvSpPr>
           <p:nvPr>
-            <p:ph type="sldNum" sz="quarter" idx="12"/>
+            <p:ph type="ftr" sz="quarter" idx="11"/>
             <p:custDataLst>
               <p:tags r:id="rId6"/>
             </p:custDataLst>
@@ -6512,9 +6576,45 @@
             </a:lvl1pPr>
           </a:lstStyle>
           <a:p>
+            <a:endParaRPr lang="zh-CN" altLang="en-US" dirty="0"/>
+          </a:p>
+        </p:txBody>
+      </p:sp>
+      <p:sp>
+        <p:nvSpPr>
+          <p:cNvPr id="7" name="灯片编号占位符 6"/>
+          <p:cNvSpPr>
+            <a:spLocks noGrp="1"/>
+          </p:cNvSpPr>
+          <p:nvPr>
+            <p:ph type="sldNum" sz="quarter" idx="12"/>
+            <p:custDataLst>
+              <p:tags r:id="rId7"/>
+            </p:custDataLst>
+          </p:nvPr>
+        </p:nvSpPr>
+        <p:spPr/>
+        <p:txBody>
+          <a:bodyPr lIns="90000" tIns="46800" rIns="90000" bIns="46800">
+            <a:normAutofit/>
+          </a:bodyPr>
+          <a:lstStyle>
+            <a:lvl1pPr>
+              <a:defRPr baseline="0">
+                <a:solidFill>
+                  <a:schemeClr val="tx1">
+                    <a:lumMod val="85000"/>
+                    <a:lumOff val="15000"/>
+                  </a:schemeClr>
+                </a:solidFill>
+                <a:latin typeface="Arial" panose="020B0604020202020204" pitchFamily="34" charset="0"/>
+                <a:ea typeface="隶书" panose="02010509060101010101" pitchFamily="49" charset="-122"/>
+              </a:defRPr>
+            </a:lvl1pPr>
+          </a:lstStyle>
+          <a:p>
             <a:fld id="{FABC47A4-756D-490B-A52F-7D9E2C9FC05F}" type="slidenum">
               <a:rPr lang="zh-CN" altLang="en-US" smtClean="0"/>
-              <a:t>‹#›</a:t>
             </a:fld>
             <a:endParaRPr lang="zh-CN" altLang="en-US"/>
           </a:p>
@@ -6562,7 +6662,7 @@
           <p:nvPr>
             <p:ph type="title" orient="vert"/>
             <p:custDataLst>
-              <p:tags r:id="rId1"/>
+              <p:tags r:id="rId2"/>
             </p:custDataLst>
           </p:nvPr>
         </p:nvSpPr>
@@ -6608,6 +6708,9 @@
               </a:rPr>
               <a:t>单击此处编辑母版标题样式</a:t>
             </a:r>
+            <a:endParaRPr>
+              <a:sym typeface="+mn-ea"/>
+            </a:endParaRPr>
           </a:p>
         </p:txBody>
       </p:sp>
@@ -6620,7 +6723,7 @@
           <p:nvPr>
             <p:ph type="body" orient="vert" idx="1"/>
             <p:custDataLst>
-              <p:tags r:id="rId2"/>
+              <p:tags r:id="rId3"/>
             </p:custDataLst>
           </p:nvPr>
         </p:nvSpPr>
@@ -6702,6 +6805,7 @@
               <a:rPr lang="zh-CN" altLang="en-US" dirty="0"/>
               <a:t>单击此处编辑母版文本样式</a:t>
             </a:r>
+            <a:endParaRPr lang="zh-CN" altLang="en-US" dirty="0"/>
           </a:p>
           <a:p>
             <a:pPr lvl="1"/>
@@ -6709,6 +6813,7 @@
               <a:rPr lang="zh-CN" altLang="en-US" dirty="0"/>
               <a:t>第二级</a:t>
             </a:r>
+            <a:endParaRPr lang="zh-CN" altLang="en-US" dirty="0"/>
           </a:p>
           <a:p>
             <a:pPr lvl="2"/>
@@ -6716,6 +6821,7 @@
               <a:rPr lang="zh-CN" altLang="en-US" dirty="0"/>
               <a:t>第三级</a:t>
             </a:r>
+            <a:endParaRPr lang="zh-CN" altLang="en-US" dirty="0"/>
           </a:p>
           <a:p>
             <a:pPr lvl="3"/>
@@ -6723,6 +6829,7 @@
               <a:rPr lang="zh-CN" altLang="en-US" dirty="0"/>
               <a:t>第四级</a:t>
             </a:r>
+            <a:endParaRPr lang="zh-CN" altLang="en-US" dirty="0"/>
           </a:p>
           <a:p>
             <a:pPr lvl="4"/>
@@ -6730,6 +6837,7 @@
               <a:rPr lang="zh-CN" altLang="en-US" dirty="0"/>
               <a:t>第五级</a:t>
             </a:r>
+            <a:endParaRPr lang="zh-CN" altLang="en-US" dirty="0"/>
           </a:p>
         </p:txBody>
       </p:sp>
@@ -6741,47 +6849,6 @@
           </p:cNvSpPr>
           <p:nvPr>
             <p:ph type="dt" sz="half" idx="10"/>
-            <p:custDataLst>
-              <p:tags r:id="rId3"/>
-            </p:custDataLst>
-          </p:nvPr>
-        </p:nvSpPr>
-        <p:spPr/>
-        <p:txBody>
-          <a:bodyPr lIns="90000" tIns="46800" rIns="90000" bIns="46800">
-            <a:normAutofit/>
-          </a:bodyPr>
-          <a:lstStyle>
-            <a:lvl1pPr>
-              <a:defRPr baseline="0">
-                <a:solidFill>
-                  <a:schemeClr val="tx1">
-                    <a:lumMod val="85000"/>
-                    <a:lumOff val="15000"/>
-                  </a:schemeClr>
-                </a:solidFill>
-                <a:latin typeface="Arial" panose="020B0604020202020204" pitchFamily="34" charset="0"/>
-                <a:ea typeface="隶书" panose="02010509060101010101" pitchFamily="49" charset="-122"/>
-              </a:defRPr>
-            </a:lvl1pPr>
-          </a:lstStyle>
-          <a:p>
-            <a:fld id="{760FBDFE-C587-4B4C-A407-44438C67B59E}" type="datetimeFigureOut">
-              <a:rPr lang="zh-CN" altLang="en-US" smtClean="0"/>
-              <a:t>2019/12/5</a:t>
-            </a:fld>
-            <a:endParaRPr lang="zh-CN" altLang="en-US"/>
-          </a:p>
-        </p:txBody>
-      </p:sp>
-      <p:sp>
-        <p:nvSpPr>
-          <p:cNvPr id="5" name="页脚占位符 4"/>
-          <p:cNvSpPr>
-            <a:spLocks noGrp="1"/>
-          </p:cNvSpPr>
-          <p:nvPr>
-            <p:ph type="ftr" sz="quarter" idx="11"/>
             <p:custDataLst>
               <p:tags r:id="rId4"/>
             </p:custDataLst>
@@ -6807,18 +6874,21 @@
             </a:lvl1pPr>
           </a:lstStyle>
           <a:p>
+            <a:fld id="{760FBDFE-C587-4B4C-A407-44438C67B59E}" type="datetimeFigureOut">
+              <a:rPr lang="zh-CN" altLang="en-US" smtClean="0"/>
+            </a:fld>
             <a:endParaRPr lang="zh-CN" altLang="en-US"/>
           </a:p>
         </p:txBody>
       </p:sp>
       <p:sp>
         <p:nvSpPr>
-          <p:cNvPr id="6" name="灯片编号占位符 5"/>
+          <p:cNvPr id="5" name="页脚占位符 4"/>
           <p:cNvSpPr>
             <a:spLocks noGrp="1"/>
           </p:cNvSpPr>
           <p:nvPr>
-            <p:ph type="sldNum" sz="quarter" idx="12"/>
+            <p:ph type="ftr" sz="quarter" idx="11"/>
             <p:custDataLst>
               <p:tags r:id="rId5"/>
             </p:custDataLst>
@@ -6844,9 +6914,45 @@
             </a:lvl1pPr>
           </a:lstStyle>
           <a:p>
+            <a:endParaRPr lang="zh-CN" altLang="en-US"/>
+          </a:p>
+        </p:txBody>
+      </p:sp>
+      <p:sp>
+        <p:nvSpPr>
+          <p:cNvPr id="6" name="灯片编号占位符 5"/>
+          <p:cNvSpPr>
+            <a:spLocks noGrp="1"/>
+          </p:cNvSpPr>
+          <p:nvPr>
+            <p:ph type="sldNum" sz="quarter" idx="12"/>
+            <p:custDataLst>
+              <p:tags r:id="rId6"/>
+            </p:custDataLst>
+          </p:nvPr>
+        </p:nvSpPr>
+        <p:spPr/>
+        <p:txBody>
+          <a:bodyPr lIns="90000" tIns="46800" rIns="90000" bIns="46800">
+            <a:normAutofit/>
+          </a:bodyPr>
+          <a:lstStyle>
+            <a:lvl1pPr>
+              <a:defRPr baseline="0">
+                <a:solidFill>
+                  <a:schemeClr val="tx1">
+                    <a:lumMod val="85000"/>
+                    <a:lumOff val="15000"/>
+                  </a:schemeClr>
+                </a:solidFill>
+                <a:latin typeface="Arial" panose="020B0604020202020204" pitchFamily="34" charset="0"/>
+                <a:ea typeface="隶书" panose="02010509060101010101" pitchFamily="49" charset="-122"/>
+              </a:defRPr>
+            </a:lvl1pPr>
+          </a:lstStyle>
+          <a:p>
             <a:fld id="{49AE70B2-8BF9-45C0-BB95-33D1B9D3A854}" type="slidenum">
               <a:rPr lang="zh-CN" altLang="en-US" smtClean="0"/>
-              <a:t>‹#›</a:t>
             </a:fld>
             <a:endParaRPr lang="zh-CN" altLang="en-US"/>
           </a:p>
@@ -6886,36 +6992,6 @@
           <p:nvPr>
             <p:ph type="dt" sz="half" idx="10"/>
             <p:custDataLst>
-              <p:tags r:id="rId1"/>
-            </p:custDataLst>
-          </p:nvPr>
-        </p:nvSpPr>
-        <p:spPr/>
-        <p:txBody>
-          <a:bodyPr/>
-          <a:lstStyle>
-            <a:lvl1pPr>
-              <a:defRPr baseline="0"/>
-            </a:lvl1pPr>
-          </a:lstStyle>
-          <a:p>
-            <a:fld id="{760FBDFE-C587-4B4C-A407-44438C67B59E}" type="datetimeFigureOut">
-              <a:rPr lang="zh-CN" altLang="en-US" smtClean="0"/>
-              <a:t>2019/12/5</a:t>
-            </a:fld>
-            <a:endParaRPr lang="zh-CN" altLang="en-US"/>
-          </a:p>
-        </p:txBody>
-      </p:sp>
-      <p:sp>
-        <p:nvSpPr>
-          <p:cNvPr id="4" name="页脚占位符 3"/>
-          <p:cNvSpPr>
-            <a:spLocks noGrp="1"/>
-          </p:cNvSpPr>
-          <p:nvPr>
-            <p:ph type="ftr" sz="quarter" idx="11"/>
-            <p:custDataLst>
               <p:tags r:id="rId2"/>
             </p:custDataLst>
           </p:nvPr>
@@ -6929,18 +7005,21 @@
             </a:lvl1pPr>
           </a:lstStyle>
           <a:p>
+            <a:fld id="{760FBDFE-C587-4B4C-A407-44438C67B59E}" type="datetimeFigureOut">
+              <a:rPr lang="zh-CN" altLang="en-US" smtClean="0"/>
+            </a:fld>
             <a:endParaRPr lang="zh-CN" altLang="en-US"/>
           </a:p>
         </p:txBody>
       </p:sp>
       <p:sp>
         <p:nvSpPr>
-          <p:cNvPr id="5" name="灯片编号占位符 4"/>
+          <p:cNvPr id="4" name="页脚占位符 3"/>
           <p:cNvSpPr>
             <a:spLocks noGrp="1"/>
           </p:cNvSpPr>
           <p:nvPr>
-            <p:ph type="sldNum" sz="quarter" idx="12"/>
+            <p:ph type="ftr" sz="quarter" idx="11"/>
             <p:custDataLst>
               <p:tags r:id="rId3"/>
             </p:custDataLst>
@@ -6955,9 +7034,34 @@
             </a:lvl1pPr>
           </a:lstStyle>
           <a:p>
+            <a:endParaRPr lang="zh-CN" altLang="en-US"/>
+          </a:p>
+        </p:txBody>
+      </p:sp>
+      <p:sp>
+        <p:nvSpPr>
+          <p:cNvPr id="5" name="灯片编号占位符 4"/>
+          <p:cNvSpPr>
+            <a:spLocks noGrp="1"/>
+          </p:cNvSpPr>
+          <p:nvPr>
+            <p:ph type="sldNum" sz="quarter" idx="12"/>
+            <p:custDataLst>
+              <p:tags r:id="rId4"/>
+            </p:custDataLst>
+          </p:nvPr>
+        </p:nvSpPr>
+        <p:spPr/>
+        <p:txBody>
+          <a:bodyPr/>
+          <a:lstStyle>
+            <a:lvl1pPr>
+              <a:defRPr baseline="0"/>
+            </a:lvl1pPr>
+          </a:lstStyle>
+          <a:p>
             <a:fld id="{49AE70B2-8BF9-45C0-BB95-33D1B9D3A854}" type="slidenum">
               <a:rPr lang="zh-CN" altLang="en-US" smtClean="0"/>
-              <a:t>‹#›</a:t>
             </a:fld>
             <a:endParaRPr lang="zh-CN" altLang="en-US"/>
           </a:p>
@@ -6972,7 +7076,7 @@
           <p:nvPr>
             <p:ph sz="quarter" idx="13"/>
             <p:custDataLst>
-              <p:tags r:id="rId4"/>
+              <p:tags r:id="rId5"/>
             </p:custDataLst>
           </p:nvPr>
         </p:nvSpPr>
@@ -7007,6 +7111,7 @@
               <a:rPr lang="zh-CN" altLang="en-US" dirty="0"/>
               <a:t>单击此处编辑母版文本样式</a:t>
             </a:r>
+            <a:endParaRPr lang="zh-CN" altLang="en-US" dirty="0"/>
           </a:p>
           <a:p>
             <a:pPr lvl="1"/>
@@ -7014,6 +7119,7 @@
               <a:rPr lang="zh-CN" altLang="en-US" dirty="0"/>
               <a:t>第二级</a:t>
             </a:r>
+            <a:endParaRPr lang="zh-CN" altLang="en-US" dirty="0"/>
           </a:p>
           <a:p>
             <a:pPr lvl="2"/>
@@ -7021,6 +7127,7 @@
               <a:rPr lang="zh-CN" altLang="en-US" dirty="0"/>
               <a:t>第三级</a:t>
             </a:r>
+            <a:endParaRPr lang="zh-CN" altLang="en-US" dirty="0"/>
           </a:p>
           <a:p>
             <a:pPr lvl="3"/>
@@ -7028,6 +7135,7 @@
               <a:rPr lang="zh-CN" altLang="en-US" dirty="0"/>
               <a:t>第四级</a:t>
             </a:r>
+            <a:endParaRPr lang="zh-CN" altLang="en-US" dirty="0"/>
           </a:p>
           <a:p>
             <a:pPr lvl="4"/>
@@ -7035,6 +7143,7 @@
               <a:rPr lang="zh-CN" altLang="en-US" dirty="0"/>
               <a:t>第五级</a:t>
             </a:r>
+            <a:endParaRPr lang="zh-CN" altLang="en-US" dirty="0"/>
           </a:p>
         </p:txBody>
       </p:sp>
@@ -7087,12 +7196,12 @@
           <p:cNvPicPr/>
           <p:nvPr>
             <p:custDataLst>
-              <p:tags r:id="rId1"/>
+              <p:tags r:id="rId2"/>
             </p:custDataLst>
           </p:nvPr>
         </p:nvPicPr>
         <p:blipFill>
-          <a:blip r:embed="rId8" r:link="rId9"/>
+          <a:blip r:embed="rId3" r:link="rId4"/>
           <a:stretch>
             <a:fillRect/>
           </a:stretch>
@@ -7113,12 +7222,12 @@
           <p:cNvPicPr/>
           <p:nvPr>
             <p:custDataLst>
-              <p:tags r:id="rId2"/>
+              <p:tags r:id="rId5"/>
             </p:custDataLst>
           </p:nvPr>
         </p:nvPicPr>
         <p:blipFill>
-          <a:blip r:embed="rId10" r:link="rId11" cstate="screen"/>
+          <a:blip r:embed="rId6" r:link="rId7" cstate="screen"/>
           <a:stretch>
             <a:fillRect/>
           </a:stretch>
@@ -7142,7 +7251,7 @@
           <p:nvPr>
             <p:ph type="title" hasCustomPrompt="1"/>
             <p:custDataLst>
-              <p:tags r:id="rId3"/>
+              <p:tags r:id="rId8"/>
             </p:custDataLst>
           </p:nvPr>
         </p:nvSpPr>
@@ -7185,6 +7294,9 @@
               </a:rPr>
               <a:t>编辑标题</a:t>
             </a:r>
+            <a:endParaRPr dirty="0">
+              <a:sym typeface="+mn-ea"/>
+            </a:endParaRPr>
           </a:p>
         </p:txBody>
       </p:sp>
@@ -7197,7 +7309,7 @@
           <p:nvPr>
             <p:ph type="dt" sz="half" idx="10"/>
             <p:custDataLst>
-              <p:tags r:id="rId4"/>
+              <p:tags r:id="rId9"/>
             </p:custDataLst>
           </p:nvPr>
         </p:nvSpPr>
@@ -7217,7 +7329,6 @@
           <a:p>
             <a:fld id="{760FBDFE-C587-4B4C-A407-44438C67B59E}" type="datetimeFigureOut">
               <a:rPr lang="zh-CN" altLang="en-US" smtClean="0"/>
-              <a:t>2019/12/5</a:t>
             </a:fld>
             <a:endParaRPr lang="zh-CN" altLang="en-US"/>
           </a:p>
@@ -7232,7 +7343,7 @@
           <p:nvPr>
             <p:ph type="ftr" sz="quarter" idx="11"/>
             <p:custDataLst>
-              <p:tags r:id="rId5"/>
+              <p:tags r:id="rId10"/>
             </p:custDataLst>
           </p:nvPr>
         </p:nvSpPr>
@@ -7263,7 +7374,7 @@
           <p:nvPr>
             <p:ph type="sldNum" sz="quarter" idx="12"/>
             <p:custDataLst>
-              <p:tags r:id="rId6"/>
+              <p:tags r:id="rId11"/>
             </p:custDataLst>
           </p:nvPr>
         </p:nvSpPr>
@@ -7283,7 +7394,6 @@
           <a:p>
             <a:fld id="{49AE70B2-8BF9-45C0-BB95-33D1B9D3A854}" type="slidenum">
               <a:rPr lang="zh-CN" altLang="en-US" smtClean="0"/>
-              <a:t>‹#›</a:t>
             </a:fld>
             <a:endParaRPr lang="zh-CN" altLang="en-US"/>
           </a:p>
@@ -7320,12 +7430,12 @@
           <p:cNvPicPr/>
           <p:nvPr>
             <p:custDataLst>
-              <p:tags r:id="rId1"/>
+              <p:tags r:id="rId2"/>
             </p:custDataLst>
           </p:nvPr>
         </p:nvPicPr>
         <p:blipFill>
-          <a:blip r:embed="rId7" r:link="rId8" cstate="screen"/>
+          <a:blip r:embed="rId3" r:link="rId4" cstate="screen"/>
           <a:stretch>
             <a:fillRect/>
           </a:stretch>
@@ -7349,7 +7459,7 @@
           <p:nvPr>
             <p:ph type="title"/>
             <p:custDataLst>
-              <p:tags r:id="rId2"/>
+              <p:tags r:id="rId5"/>
             </p:custDataLst>
           </p:nvPr>
         </p:nvSpPr>
@@ -7375,6 +7485,7 @@
               <a:rPr lang="zh-CN" altLang="en-US" dirty="0"/>
               <a:t>单击此处编辑母版标题样式</a:t>
             </a:r>
+            <a:endParaRPr lang="zh-CN" altLang="en-US" dirty="0"/>
           </a:p>
         </p:txBody>
       </p:sp>
@@ -7387,7 +7498,7 @@
           <p:nvPr>
             <p:ph type="dt" sz="half" idx="10"/>
             <p:custDataLst>
-              <p:tags r:id="rId3"/>
+              <p:tags r:id="rId6"/>
             </p:custDataLst>
           </p:nvPr>
         </p:nvSpPr>
@@ -7410,7 +7521,6 @@
           <a:p>
             <a:fld id="{760FBDFE-C587-4B4C-A407-44438C67B59E}" type="datetimeFigureOut">
               <a:rPr lang="zh-CN" altLang="en-US" smtClean="0"/>
-              <a:t>2019/12/5</a:t>
             </a:fld>
             <a:endParaRPr lang="zh-CN" altLang="en-US"/>
           </a:p>
@@ -7425,7 +7535,7 @@
           <p:nvPr>
             <p:ph type="ftr" sz="quarter" idx="11"/>
             <p:custDataLst>
-              <p:tags r:id="rId4"/>
+              <p:tags r:id="rId7"/>
             </p:custDataLst>
           </p:nvPr>
         </p:nvSpPr>
@@ -7459,7 +7569,7 @@
           <p:nvPr>
             <p:ph type="sldNum" sz="quarter" idx="12"/>
             <p:custDataLst>
-              <p:tags r:id="rId5"/>
+              <p:tags r:id="rId8"/>
             </p:custDataLst>
           </p:nvPr>
         </p:nvSpPr>
@@ -7482,7 +7592,6 @@
           <a:p>
             <a:fld id="{49AE70B2-8BF9-45C0-BB95-33D1B9D3A854}" type="slidenum">
               <a:rPr lang="zh-CN" altLang="en-US" smtClean="0"/>
-              <a:t>‹#›</a:t>
             </a:fld>
             <a:endParaRPr lang="zh-CN" altLang="en-US" dirty="0"/>
           </a:p>
@@ -7527,7 +7636,7 @@
           <p:cNvSpPr/>
           <p:nvPr>
             <p:custDataLst>
-              <p:tags r:id="rId1"/>
+              <p:tags r:id="rId2"/>
             </p:custDataLst>
           </p:nvPr>
         </p:nvSpPr>
@@ -7588,7 +7697,7 @@
           <p:cNvGrpSpPr/>
           <p:nvPr>
             <p:custDataLst>
-              <p:tags r:id="rId2"/>
+              <p:tags r:id="rId3"/>
             </p:custDataLst>
           </p:nvPr>
         </p:nvGrpSpPr>
@@ -7606,12 +7715,12 @@
             <p:cNvPicPr/>
             <p:nvPr>
               <p:custDataLst>
-                <p:tags r:id="rId8"/>
+                <p:tags r:id="rId4"/>
               </p:custDataLst>
             </p:nvPr>
           </p:nvPicPr>
           <p:blipFill>
-            <a:blip r:embed="rId11" r:link="rId12"/>
+            <a:blip r:embed="rId5" r:link="rId6"/>
             <a:stretch>
               <a:fillRect/>
             </a:stretch>
@@ -7632,12 +7741,12 @@
             <p:cNvPicPr/>
             <p:nvPr>
               <p:custDataLst>
-                <p:tags r:id="rId9"/>
+                <p:tags r:id="rId7"/>
               </p:custDataLst>
             </p:nvPr>
           </p:nvPicPr>
           <p:blipFill>
-            <a:blip r:embed="rId13" r:link="rId12" cstate="screen"/>
+            <a:blip r:embed="rId8" r:link="rId6" cstate="screen"/>
             <a:stretch>
               <a:fillRect/>
             </a:stretch>
@@ -7662,7 +7771,7 @@
           <p:nvPr>
             <p:ph type="title" hasCustomPrompt="1"/>
             <p:custDataLst>
-              <p:tags r:id="rId3"/>
+              <p:tags r:id="rId9"/>
             </p:custDataLst>
           </p:nvPr>
         </p:nvSpPr>
@@ -7695,6 +7804,7 @@
               <a:rPr lang="zh-CN" altLang="en-US" dirty="0"/>
               <a:t>单击此处编辑标题</a:t>
             </a:r>
+            <a:endParaRPr lang="zh-CN" altLang="en-US" dirty="0"/>
           </a:p>
         </p:txBody>
       </p:sp>
@@ -7707,7 +7817,7 @@
           <p:nvPr>
             <p:ph sz="quarter" idx="13"/>
             <p:custDataLst>
-              <p:tags r:id="rId4"/>
+              <p:tags r:id="rId10"/>
             </p:custDataLst>
           </p:nvPr>
         </p:nvSpPr>
@@ -7789,6 +7899,7 @@
               <a:rPr lang="zh-CN" altLang="en-US" dirty="0"/>
               <a:t>单击此处编辑母版文本样式</a:t>
             </a:r>
+            <a:endParaRPr lang="zh-CN" altLang="en-US" dirty="0"/>
           </a:p>
           <a:p>
             <a:pPr lvl="1"/>
@@ -7796,6 +7907,7 @@
               <a:rPr lang="zh-CN" altLang="en-US" dirty="0"/>
               <a:t>第二级</a:t>
             </a:r>
+            <a:endParaRPr lang="zh-CN" altLang="en-US" dirty="0"/>
           </a:p>
           <a:p>
             <a:pPr lvl="2"/>
@@ -7803,6 +7915,7 @@
               <a:rPr lang="zh-CN" altLang="en-US" dirty="0"/>
               <a:t>第三级</a:t>
             </a:r>
+            <a:endParaRPr lang="zh-CN" altLang="en-US" dirty="0"/>
           </a:p>
           <a:p>
             <a:pPr lvl="3"/>
@@ -7810,6 +7923,7 @@
               <a:rPr lang="zh-CN" altLang="en-US" dirty="0"/>
               <a:t>第四级</a:t>
             </a:r>
+            <a:endParaRPr lang="zh-CN" altLang="en-US" dirty="0"/>
           </a:p>
           <a:p>
             <a:pPr lvl="4"/>
@@ -7817,6 +7931,7 @@
               <a:rPr lang="zh-CN" altLang="en-US" dirty="0"/>
               <a:t>第五级</a:t>
             </a:r>
+            <a:endParaRPr lang="zh-CN" altLang="en-US" dirty="0"/>
           </a:p>
         </p:txBody>
       </p:sp>
@@ -7829,7 +7944,7 @@
           <p:nvPr>
             <p:ph type="dt" sz="half" idx="10"/>
             <p:custDataLst>
-              <p:tags r:id="rId5"/>
+              <p:tags r:id="rId11"/>
             </p:custDataLst>
           </p:nvPr>
         </p:nvSpPr>
@@ -7855,7 +7970,6 @@
           <a:p>
             <a:fld id="{760FBDFE-C587-4B4C-A407-44438C67B59E}" type="datetimeFigureOut">
               <a:rPr lang="zh-CN" altLang="en-US" smtClean="0"/>
-              <a:t>2019/12/5</a:t>
             </a:fld>
             <a:endParaRPr lang="zh-CN" altLang="en-US"/>
           </a:p>
@@ -7870,7 +7984,7 @@
           <p:nvPr>
             <p:ph type="ftr" sz="quarter" idx="11"/>
             <p:custDataLst>
-              <p:tags r:id="rId6"/>
+              <p:tags r:id="rId12"/>
             </p:custDataLst>
           </p:nvPr>
         </p:nvSpPr>
@@ -7907,7 +8021,7 @@
           <p:nvPr>
             <p:ph type="sldNum" sz="quarter" idx="12"/>
             <p:custDataLst>
-              <p:tags r:id="rId7"/>
+              <p:tags r:id="rId13"/>
             </p:custDataLst>
           </p:nvPr>
         </p:nvSpPr>
@@ -7933,7 +8047,6 @@
           <a:p>
             <a:fld id="{49AE70B2-8BF9-45C0-BB95-33D1B9D3A854}" type="slidenum">
               <a:rPr lang="zh-CN" altLang="en-US" smtClean="0"/>
-              <a:t>‹#›</a:t>
             </a:fld>
             <a:endParaRPr lang="zh-CN" altLang="en-US" dirty="0"/>
           </a:p>
@@ -7978,7 +8091,7 @@
           <p:cNvSpPr/>
           <p:nvPr>
             <p:custDataLst>
-              <p:tags r:id="rId1"/>
+              <p:tags r:id="rId2"/>
             </p:custDataLst>
           </p:nvPr>
         </p:nvSpPr>
@@ -8043,12 +8156,12 @@
           <p:cNvPicPr/>
           <p:nvPr>
             <p:custDataLst>
-              <p:tags r:id="rId2"/>
+              <p:tags r:id="rId3"/>
             </p:custDataLst>
           </p:nvPr>
         </p:nvPicPr>
         <p:blipFill>
-          <a:blip r:embed="rId10" r:link="rId11" cstate="screen"/>
+          <a:blip r:embed="rId4" r:link="rId5" cstate="screen"/>
           <a:stretch>
             <a:fillRect/>
           </a:stretch>
@@ -8072,7 +8185,7 @@
           <p:nvPr>
             <p:ph type="title" hasCustomPrompt="1"/>
             <p:custDataLst>
-              <p:tags r:id="rId3"/>
+              <p:tags r:id="rId6"/>
             </p:custDataLst>
           </p:nvPr>
         </p:nvSpPr>
@@ -8105,6 +8218,7 @@
               <a:rPr lang="zh-CN" altLang="en-US" dirty="0"/>
               <a:t>单击编辑标题</a:t>
             </a:r>
+            <a:endParaRPr lang="zh-CN" altLang="en-US" dirty="0"/>
           </a:p>
         </p:txBody>
       </p:sp>
@@ -8117,7 +8231,7 @@
           <p:nvPr>
             <p:ph type="dt" sz="half" idx="10"/>
             <p:custDataLst>
-              <p:tags r:id="rId4"/>
+              <p:tags r:id="rId7"/>
             </p:custDataLst>
           </p:nvPr>
         </p:nvSpPr>
@@ -8143,7 +8257,6 @@
           <a:p>
             <a:fld id="{760FBDFE-C587-4B4C-A407-44438C67B59E}" type="datetimeFigureOut">
               <a:rPr lang="zh-CN" altLang="en-US" smtClean="0"/>
-              <a:t>2019/12/5</a:t>
             </a:fld>
             <a:endParaRPr lang="zh-CN" altLang="en-US"/>
           </a:p>
@@ -8158,7 +8271,7 @@
           <p:nvPr>
             <p:ph type="ftr" sz="quarter" idx="11"/>
             <p:custDataLst>
-              <p:tags r:id="rId5"/>
+              <p:tags r:id="rId8"/>
             </p:custDataLst>
           </p:nvPr>
         </p:nvSpPr>
@@ -8195,7 +8308,7 @@
           <p:nvPr>
             <p:ph type="sldNum" sz="quarter" idx="12"/>
             <p:custDataLst>
-              <p:tags r:id="rId6"/>
+              <p:tags r:id="rId9"/>
             </p:custDataLst>
           </p:nvPr>
         </p:nvSpPr>
@@ -8221,7 +8334,6 @@
           <a:p>
             <a:fld id="{49AE70B2-8BF9-45C0-BB95-33D1B9D3A854}" type="slidenum">
               <a:rPr lang="zh-CN" altLang="en-US" smtClean="0"/>
-              <a:t>‹#›</a:t>
             </a:fld>
             <a:endParaRPr lang="zh-CN" altLang="en-US" dirty="0"/>
           </a:p>
@@ -8236,7 +8348,7 @@
           <p:nvPr>
             <p:ph type="body" sz="quarter" idx="13"/>
             <p:custDataLst>
-              <p:tags r:id="rId7"/>
+              <p:tags r:id="rId10"/>
             </p:custDataLst>
           </p:nvPr>
         </p:nvSpPr>
@@ -8318,6 +8430,7 @@
               <a:rPr lang="zh-CN" altLang="en-US" dirty="0"/>
               <a:t>单击此处编辑母版文本样式</a:t>
             </a:r>
+            <a:endParaRPr lang="zh-CN" altLang="en-US" dirty="0"/>
           </a:p>
           <a:p>
             <a:pPr lvl="1"/>
@@ -8325,6 +8438,7 @@
               <a:rPr lang="zh-CN" altLang="en-US" dirty="0"/>
               <a:t>第二级</a:t>
             </a:r>
+            <a:endParaRPr lang="zh-CN" altLang="en-US" dirty="0"/>
           </a:p>
           <a:p>
             <a:pPr lvl="2"/>
@@ -8332,6 +8446,7 @@
               <a:rPr lang="zh-CN" altLang="en-US" dirty="0"/>
               <a:t>第三级</a:t>
             </a:r>
+            <a:endParaRPr lang="zh-CN" altLang="en-US" dirty="0"/>
           </a:p>
           <a:p>
             <a:pPr lvl="3"/>
@@ -8339,6 +8454,7 @@
               <a:rPr lang="zh-CN" altLang="en-US" dirty="0"/>
               <a:t>第四级</a:t>
             </a:r>
+            <a:endParaRPr lang="zh-CN" altLang="en-US" dirty="0"/>
           </a:p>
           <a:p>
             <a:pPr lvl="4"/>
@@ -8346,6 +8462,7 @@
               <a:rPr lang="zh-CN" altLang="en-US" dirty="0"/>
               <a:t>第五级</a:t>
             </a:r>
+            <a:endParaRPr lang="zh-CN" altLang="en-US" dirty="0"/>
           </a:p>
         </p:txBody>
       </p:sp>
@@ -8358,7 +8475,7 @@
           <p:nvPr>
             <p:ph sz="quarter" idx="14"/>
             <p:custDataLst>
-              <p:tags r:id="rId8"/>
+              <p:tags r:id="rId11"/>
             </p:custDataLst>
           </p:nvPr>
         </p:nvSpPr>
@@ -8440,6 +8557,7 @@
               <a:rPr lang="zh-CN" altLang="en-US" dirty="0"/>
               <a:t>单击此处编辑母版文本样式</a:t>
             </a:r>
+            <a:endParaRPr lang="zh-CN" altLang="en-US" dirty="0"/>
           </a:p>
           <a:p>
             <a:pPr lvl="1"/>
@@ -8447,6 +8565,7 @@
               <a:rPr lang="zh-CN" altLang="en-US" dirty="0"/>
               <a:t>第二级</a:t>
             </a:r>
+            <a:endParaRPr lang="zh-CN" altLang="en-US" dirty="0"/>
           </a:p>
           <a:p>
             <a:pPr lvl="2"/>
@@ -8454,6 +8573,7 @@
               <a:rPr lang="zh-CN" altLang="en-US" dirty="0"/>
               <a:t>第三级</a:t>
             </a:r>
+            <a:endParaRPr lang="zh-CN" altLang="en-US" dirty="0"/>
           </a:p>
           <a:p>
             <a:pPr lvl="3"/>
@@ -8461,6 +8581,7 @@
               <a:rPr lang="zh-CN" altLang="en-US" dirty="0"/>
               <a:t>第四级</a:t>
             </a:r>
+            <a:endParaRPr lang="zh-CN" altLang="en-US" dirty="0"/>
           </a:p>
           <a:p>
             <a:pPr lvl="4"/>
@@ -8468,6 +8589,7 @@
               <a:rPr lang="zh-CN" altLang="en-US" dirty="0"/>
               <a:t>第五级</a:t>
             </a:r>
+            <a:endParaRPr lang="zh-CN" altLang="en-US" dirty="0"/>
           </a:p>
         </p:txBody>
       </p:sp>
@@ -8510,7 +8632,7 @@
           <p:cNvSpPr/>
           <p:nvPr>
             <p:custDataLst>
-              <p:tags r:id="rId1"/>
+              <p:tags r:id="rId2"/>
             </p:custDataLst>
           </p:nvPr>
         </p:nvSpPr>
@@ -8575,7 +8697,7 @@
           <p:cNvGrpSpPr/>
           <p:nvPr>
             <p:custDataLst>
-              <p:tags r:id="rId2"/>
+              <p:tags r:id="rId3"/>
             </p:custDataLst>
           </p:nvPr>
         </p:nvGrpSpPr>
@@ -8593,12 +8715,12 @@
             <p:cNvPicPr/>
             <p:nvPr userDrawn="1">
               <p:custDataLst>
-                <p:tags r:id="rId9"/>
+                <p:tags r:id="rId4"/>
               </p:custDataLst>
             </p:nvPr>
           </p:nvPicPr>
           <p:blipFill>
-            <a:blip r:embed="rId12" r:link="rId13" cstate="screen"/>
+            <a:blip r:embed="rId5" r:link="rId6" cstate="screen"/>
             <a:stretch>
               <a:fillRect/>
             </a:stretch>
@@ -8619,12 +8741,12 @@
             <p:cNvPicPr/>
             <p:nvPr userDrawn="1">
               <p:custDataLst>
-                <p:tags r:id="rId10"/>
+                <p:tags r:id="rId7"/>
               </p:custDataLst>
             </p:nvPr>
           </p:nvPicPr>
           <p:blipFill>
-            <a:blip r:embed="rId14" r:link="rId15" cstate="screen"/>
+            <a:blip r:embed="rId8" r:link="rId9" cstate="screen"/>
             <a:stretch>
               <a:fillRect/>
             </a:stretch>
@@ -8649,7 +8771,7 @@
           <p:nvPr>
             <p:ph type="dt" sz="half" idx="10"/>
             <p:custDataLst>
-              <p:tags r:id="rId3"/>
+              <p:tags r:id="rId10"/>
             </p:custDataLst>
           </p:nvPr>
         </p:nvSpPr>
@@ -8675,7 +8797,6 @@
           <a:p>
             <a:fld id="{760FBDFE-C587-4B4C-A407-44438C67B59E}" type="datetimeFigureOut">
               <a:rPr lang="zh-CN" altLang="en-US" smtClean="0"/>
-              <a:t>2019/12/5</a:t>
             </a:fld>
             <a:endParaRPr lang="zh-CN" altLang="en-US"/>
           </a:p>
@@ -8690,7 +8811,7 @@
           <p:nvPr>
             <p:ph type="ftr" sz="quarter" idx="11"/>
             <p:custDataLst>
-              <p:tags r:id="rId4"/>
+              <p:tags r:id="rId11"/>
             </p:custDataLst>
           </p:nvPr>
         </p:nvSpPr>
@@ -8727,7 +8848,7 @@
           <p:nvPr>
             <p:ph type="sldNum" sz="quarter" idx="12"/>
             <p:custDataLst>
-              <p:tags r:id="rId5"/>
+              <p:tags r:id="rId12"/>
             </p:custDataLst>
           </p:nvPr>
         </p:nvSpPr>
@@ -8753,7 +8874,6 @@
           <a:p>
             <a:fld id="{49AE70B2-8BF9-45C0-BB95-33D1B9D3A854}" type="slidenum">
               <a:rPr lang="zh-CN" altLang="en-US" smtClean="0"/>
-              <a:t>‹#›</a:t>
             </a:fld>
             <a:endParaRPr lang="zh-CN" altLang="en-US" dirty="0"/>
           </a:p>
@@ -8768,7 +8888,7 @@
           <p:nvPr>
             <p:ph type="body" sz="quarter" idx="13"/>
             <p:custDataLst>
-              <p:tags r:id="rId6"/>
+              <p:tags r:id="rId13"/>
             </p:custDataLst>
           </p:nvPr>
         </p:nvSpPr>
@@ -8802,6 +8922,7 @@
               <a:rPr lang="zh-CN" altLang="en-US" dirty="0"/>
               <a:t>单击此处编辑母版文本样式</a:t>
             </a:r>
+            <a:endParaRPr lang="zh-CN" altLang="en-US" dirty="0"/>
           </a:p>
         </p:txBody>
       </p:sp>
@@ -8814,7 +8935,7 @@
           <p:nvPr>
             <p:ph sz="quarter" idx="14"/>
             <p:custDataLst>
-              <p:tags r:id="rId7"/>
+              <p:tags r:id="rId14"/>
             </p:custDataLst>
           </p:nvPr>
         </p:nvSpPr>
@@ -8896,6 +9017,7 @@
               <a:rPr lang="zh-CN" altLang="en-US" dirty="0"/>
               <a:t>单击此处编辑母版文本样式</a:t>
             </a:r>
+            <a:endParaRPr lang="zh-CN" altLang="en-US" dirty="0"/>
           </a:p>
           <a:p>
             <a:pPr lvl="1"/>
@@ -8903,6 +9025,7 @@
               <a:rPr lang="zh-CN" altLang="en-US" dirty="0"/>
               <a:t>第二级</a:t>
             </a:r>
+            <a:endParaRPr lang="zh-CN" altLang="en-US" dirty="0"/>
           </a:p>
           <a:p>
             <a:pPr lvl="2"/>
@@ -8910,6 +9033,7 @@
               <a:rPr lang="zh-CN" altLang="en-US" dirty="0"/>
               <a:t>第三级</a:t>
             </a:r>
+            <a:endParaRPr lang="zh-CN" altLang="en-US" dirty="0"/>
           </a:p>
           <a:p>
             <a:pPr lvl="3"/>
@@ -8917,6 +9041,7 @@
               <a:rPr lang="zh-CN" altLang="en-US" dirty="0"/>
               <a:t>第四级</a:t>
             </a:r>
+            <a:endParaRPr lang="zh-CN" altLang="en-US" dirty="0"/>
           </a:p>
           <a:p>
             <a:pPr lvl="4"/>
@@ -8924,6 +9049,7 @@
               <a:rPr lang="zh-CN" altLang="en-US" dirty="0"/>
               <a:t>第五级</a:t>
             </a:r>
+            <a:endParaRPr lang="zh-CN" altLang="en-US" dirty="0"/>
           </a:p>
         </p:txBody>
       </p:sp>
@@ -8936,7 +9062,7 @@
           <p:nvPr>
             <p:ph type="title"/>
             <p:custDataLst>
-              <p:tags r:id="rId8"/>
+              <p:tags r:id="rId15"/>
             </p:custDataLst>
           </p:nvPr>
         </p:nvSpPr>
@@ -8969,6 +9095,7 @@
               <a:rPr lang="zh-CN" altLang="en-US" dirty="0"/>
               <a:t>单击此处编辑母版标题样式</a:t>
             </a:r>
+            <a:endParaRPr lang="zh-CN" altLang="en-US" dirty="0"/>
           </a:p>
         </p:txBody>
       </p:sp>
@@ -9003,7 +9130,7 @@
           <p:cNvSpPr/>
           <p:nvPr>
             <p:custDataLst>
-              <p:tags r:id="rId1"/>
+              <p:tags r:id="rId2"/>
             </p:custDataLst>
           </p:nvPr>
         </p:nvSpPr>
@@ -9068,7 +9195,7 @@
           <p:cNvGrpSpPr/>
           <p:nvPr>
             <p:custDataLst>
-              <p:tags r:id="rId2"/>
+              <p:tags r:id="rId3"/>
             </p:custDataLst>
           </p:nvPr>
         </p:nvGrpSpPr>
@@ -9086,12 +9213,12 @@
             <p:cNvPicPr/>
             <p:nvPr>
               <p:custDataLst>
-                <p:tags r:id="rId9"/>
+                <p:tags r:id="rId4"/>
               </p:custDataLst>
             </p:nvPr>
           </p:nvPicPr>
           <p:blipFill>
-            <a:blip r:embed="rId12" r:link="rId13" cstate="screen"/>
+            <a:blip r:embed="rId5" r:link="rId6" cstate="screen"/>
             <a:stretch>
               <a:fillRect/>
             </a:stretch>
@@ -9112,12 +9239,12 @@
             <p:cNvPicPr/>
             <p:nvPr>
               <p:custDataLst>
-                <p:tags r:id="rId10"/>
+                <p:tags r:id="rId7"/>
               </p:custDataLst>
             </p:nvPr>
           </p:nvPicPr>
           <p:blipFill>
-            <a:blip r:embed="rId14" r:link="rId15" cstate="screen"/>
+            <a:blip r:embed="rId8" r:link="rId9" cstate="screen"/>
             <a:stretch>
               <a:fillRect/>
             </a:stretch>
@@ -9142,7 +9269,7 @@
           <p:nvPr>
             <p:ph type="title"/>
             <p:custDataLst>
-              <p:tags r:id="rId3"/>
+              <p:tags r:id="rId10"/>
             </p:custDataLst>
           </p:nvPr>
         </p:nvSpPr>
@@ -9175,6 +9302,7 @@
               <a:rPr lang="zh-CN" altLang="en-US" dirty="0"/>
               <a:t>单击此处编辑母版标题样式</a:t>
             </a:r>
+            <a:endParaRPr lang="zh-CN" altLang="en-US" dirty="0"/>
           </a:p>
         </p:txBody>
       </p:sp>
@@ -9187,7 +9315,7 @@
           <p:nvPr>
             <p:ph type="dt" sz="half" idx="10"/>
             <p:custDataLst>
-              <p:tags r:id="rId4"/>
+              <p:tags r:id="rId11"/>
             </p:custDataLst>
           </p:nvPr>
         </p:nvSpPr>
@@ -9213,7 +9341,6 @@
           <a:p>
             <a:fld id="{760FBDFE-C587-4B4C-A407-44438C67B59E}" type="datetimeFigureOut">
               <a:rPr lang="zh-CN" altLang="en-US" smtClean="0"/>
-              <a:t>2019/12/5</a:t>
             </a:fld>
             <a:endParaRPr lang="zh-CN" altLang="en-US"/>
           </a:p>
@@ -9228,7 +9355,7 @@
           <p:nvPr>
             <p:ph type="ftr" sz="quarter" idx="11"/>
             <p:custDataLst>
-              <p:tags r:id="rId5"/>
+              <p:tags r:id="rId12"/>
             </p:custDataLst>
           </p:nvPr>
         </p:nvSpPr>
@@ -9265,7 +9392,7 @@
           <p:nvPr>
             <p:ph type="sldNum" sz="quarter" idx="12"/>
             <p:custDataLst>
-              <p:tags r:id="rId6"/>
+              <p:tags r:id="rId13"/>
             </p:custDataLst>
           </p:nvPr>
         </p:nvSpPr>
@@ -9291,7 +9418,6 @@
           <a:p>
             <a:fld id="{49AE70B2-8BF9-45C0-BB95-33D1B9D3A854}" type="slidenum">
               <a:rPr lang="zh-CN" altLang="en-US" smtClean="0"/>
-              <a:t>‹#›</a:t>
             </a:fld>
             <a:endParaRPr lang="zh-CN" altLang="en-US" dirty="0"/>
           </a:p>
@@ -9306,7 +9432,7 @@
           <p:nvPr>
             <p:ph sz="quarter" idx="13"/>
             <p:custDataLst>
-              <p:tags r:id="rId7"/>
+              <p:tags r:id="rId14"/>
             </p:custDataLst>
           </p:nvPr>
         </p:nvSpPr>
@@ -9388,6 +9514,7 @@
               <a:rPr lang="zh-CN" altLang="en-US" dirty="0"/>
               <a:t>单击此处编辑母版文本样式</a:t>
             </a:r>
+            <a:endParaRPr lang="zh-CN" altLang="en-US" dirty="0"/>
           </a:p>
           <a:p>
             <a:pPr lvl="1"/>
@@ -9395,6 +9522,7 @@
               <a:rPr lang="zh-CN" altLang="en-US" dirty="0"/>
               <a:t>第二级</a:t>
             </a:r>
+            <a:endParaRPr lang="zh-CN" altLang="en-US" dirty="0"/>
           </a:p>
           <a:p>
             <a:pPr lvl="2"/>
@@ -9402,6 +9530,7 @@
               <a:rPr lang="zh-CN" altLang="en-US" dirty="0"/>
               <a:t>第三级</a:t>
             </a:r>
+            <a:endParaRPr lang="zh-CN" altLang="en-US" dirty="0"/>
           </a:p>
           <a:p>
             <a:pPr lvl="3"/>
@@ -9409,6 +9538,7 @@
               <a:rPr lang="zh-CN" altLang="en-US" dirty="0"/>
               <a:t>第四级</a:t>
             </a:r>
+            <a:endParaRPr lang="zh-CN" altLang="en-US" dirty="0"/>
           </a:p>
           <a:p>
             <a:pPr lvl="4"/>
@@ -9416,6 +9546,7 @@
               <a:rPr lang="zh-CN" altLang="en-US" dirty="0"/>
               <a:t>第五级</a:t>
             </a:r>
+            <a:endParaRPr lang="zh-CN" altLang="en-US" dirty="0"/>
           </a:p>
         </p:txBody>
       </p:sp>
@@ -9428,7 +9559,7 @@
           <p:nvPr>
             <p:ph type="body" sz="quarter" idx="14"/>
             <p:custDataLst>
-              <p:tags r:id="rId8"/>
+              <p:tags r:id="rId15"/>
             </p:custDataLst>
           </p:nvPr>
         </p:nvSpPr>
@@ -9462,6 +9593,7 @@
               <a:rPr lang="zh-CN" altLang="en-US" dirty="0"/>
               <a:t>单击此处编辑母版文本样式</a:t>
             </a:r>
+            <a:endParaRPr lang="zh-CN" altLang="en-US" dirty="0"/>
           </a:p>
         </p:txBody>
       </p:sp>
@@ -9518,6 +9650,7 @@
               <a:rPr lang="zh-CN" altLang="en-US"/>
               <a:t>单击此处编辑母版标题样式</a:t>
             </a:r>
+            <a:endParaRPr lang="zh-CN" altLang="en-US"/>
           </a:p>
         </p:txBody>
       </p:sp>
@@ -9582,6 +9715,7 @@
               <a:rPr lang="zh-CN" altLang="en-US"/>
               <a:t>单击此处编辑母版副标题样式</a:t>
             </a:r>
+            <a:endParaRPr lang="zh-CN" altLang="en-US"/>
           </a:p>
         </p:txBody>
       </p:sp>
@@ -9602,7 +9736,6 @@
           <a:p>
             <a:fld id="{32BF82D2-7A68-459D-A996-9BDDA2518FA4}" type="datetimeFigureOut">
               <a:rPr lang="zh-CN" altLang="en-US" smtClean="0"/>
-              <a:t>2019/12/5</a:t>
             </a:fld>
             <a:endParaRPr lang="zh-CN" altLang="en-US"/>
           </a:p>
@@ -9644,7 +9777,6 @@
           <a:p>
             <a:fld id="{3E01EE5D-26FB-46D5-A381-ECFB35BF1D34}" type="slidenum">
               <a:rPr lang="zh-CN" altLang="en-US" smtClean="0"/>
-              <a:t>‹#›</a:t>
             </a:fld>
             <a:endParaRPr lang="zh-CN" altLang="en-US"/>
           </a:p>
@@ -9689,7 +9821,7 @@
           <p:cNvSpPr/>
           <p:nvPr>
             <p:custDataLst>
-              <p:tags r:id="rId1"/>
+              <p:tags r:id="rId2"/>
             </p:custDataLst>
           </p:nvPr>
         </p:nvSpPr>
@@ -9754,7 +9886,7 @@
           <p:cNvGrpSpPr/>
           <p:nvPr>
             <p:custDataLst>
-              <p:tags r:id="rId2"/>
+              <p:tags r:id="rId3"/>
             </p:custDataLst>
           </p:nvPr>
         </p:nvGrpSpPr>
@@ -9772,12 +9904,12 @@
             <p:cNvPicPr/>
             <p:nvPr userDrawn="1">
               <p:custDataLst>
-                <p:tags r:id="rId11"/>
+                <p:tags r:id="rId4"/>
               </p:custDataLst>
             </p:nvPr>
           </p:nvPicPr>
           <p:blipFill>
-            <a:blip r:embed="rId14" r:link="rId15" cstate="screen"/>
+            <a:blip r:embed="rId5" r:link="rId6" cstate="screen"/>
             <a:stretch>
               <a:fillRect/>
             </a:stretch>
@@ -9798,12 +9930,12 @@
             <p:cNvPicPr/>
             <p:nvPr userDrawn="1">
               <p:custDataLst>
-                <p:tags r:id="rId12"/>
+                <p:tags r:id="rId7"/>
               </p:custDataLst>
             </p:nvPr>
           </p:nvPicPr>
           <p:blipFill>
-            <a:blip r:embed="rId16" r:link="rId15" cstate="screen"/>
+            <a:blip r:embed="rId8" r:link="rId6" cstate="screen"/>
             <a:stretch>
               <a:fillRect/>
             </a:stretch>
@@ -9828,7 +9960,7 @@
           <p:nvPr>
             <p:ph type="title"/>
             <p:custDataLst>
-              <p:tags r:id="rId3"/>
+              <p:tags r:id="rId9"/>
             </p:custDataLst>
           </p:nvPr>
         </p:nvSpPr>
@@ -9861,6 +9993,7 @@
               <a:rPr lang="zh-CN" altLang="en-US" dirty="0"/>
               <a:t>单击此处编辑母版标题样式</a:t>
             </a:r>
+            <a:endParaRPr lang="zh-CN" altLang="en-US" dirty="0"/>
           </a:p>
         </p:txBody>
       </p:sp>
@@ -9873,7 +10006,7 @@
           <p:nvPr>
             <p:ph type="dt" sz="half" idx="10"/>
             <p:custDataLst>
-              <p:tags r:id="rId4"/>
+              <p:tags r:id="rId10"/>
             </p:custDataLst>
           </p:nvPr>
         </p:nvSpPr>
@@ -9899,7 +10032,6 @@
           <a:p>
             <a:fld id="{760FBDFE-C587-4B4C-A407-44438C67B59E}" type="datetimeFigureOut">
               <a:rPr lang="zh-CN" altLang="en-US" smtClean="0"/>
-              <a:t>2019/12/5</a:t>
             </a:fld>
             <a:endParaRPr lang="zh-CN" altLang="en-US"/>
           </a:p>
@@ -9914,7 +10046,7 @@
           <p:nvPr>
             <p:ph type="ftr" sz="quarter" idx="11"/>
             <p:custDataLst>
-              <p:tags r:id="rId5"/>
+              <p:tags r:id="rId11"/>
             </p:custDataLst>
           </p:nvPr>
         </p:nvSpPr>
@@ -9951,7 +10083,7 @@
           <p:nvPr>
             <p:ph type="sldNum" sz="quarter" idx="12"/>
             <p:custDataLst>
-              <p:tags r:id="rId6"/>
+              <p:tags r:id="rId12"/>
             </p:custDataLst>
           </p:nvPr>
         </p:nvSpPr>
@@ -9977,7 +10109,6 @@
           <a:p>
             <a:fld id="{49AE70B2-8BF9-45C0-BB95-33D1B9D3A854}" type="slidenum">
               <a:rPr lang="zh-CN" altLang="en-US" smtClean="0"/>
-              <a:t>‹#›</a:t>
             </a:fld>
             <a:endParaRPr lang="zh-CN" altLang="en-US" dirty="0"/>
           </a:p>
@@ -9992,7 +10123,7 @@
           <p:nvPr>
             <p:ph sz="quarter" idx="13"/>
             <p:custDataLst>
-              <p:tags r:id="rId7"/>
+              <p:tags r:id="rId13"/>
             </p:custDataLst>
           </p:nvPr>
         </p:nvSpPr>
@@ -10074,6 +10205,7 @@
               <a:rPr lang="zh-CN" altLang="en-US" dirty="0"/>
               <a:t>单击此处编辑母版文本样式</a:t>
             </a:r>
+            <a:endParaRPr lang="zh-CN" altLang="en-US" dirty="0"/>
           </a:p>
           <a:p>
             <a:pPr lvl="1"/>
@@ -10081,6 +10213,7 @@
               <a:rPr lang="zh-CN" altLang="en-US" dirty="0"/>
               <a:t>第二级</a:t>
             </a:r>
+            <a:endParaRPr lang="zh-CN" altLang="en-US" dirty="0"/>
           </a:p>
           <a:p>
             <a:pPr lvl="2"/>
@@ -10088,6 +10221,7 @@
               <a:rPr lang="zh-CN" altLang="en-US" dirty="0"/>
               <a:t>第三级</a:t>
             </a:r>
+            <a:endParaRPr lang="zh-CN" altLang="en-US" dirty="0"/>
           </a:p>
           <a:p>
             <a:pPr lvl="3"/>
@@ -10095,6 +10229,7 @@
               <a:rPr lang="zh-CN" altLang="en-US" dirty="0"/>
               <a:t>第四级</a:t>
             </a:r>
+            <a:endParaRPr lang="zh-CN" altLang="en-US" dirty="0"/>
           </a:p>
           <a:p>
             <a:pPr lvl="4"/>
@@ -10102,6 +10237,7 @@
               <a:rPr lang="zh-CN" altLang="en-US" dirty="0"/>
               <a:t>第五级</a:t>
             </a:r>
+            <a:endParaRPr lang="zh-CN" altLang="en-US" dirty="0"/>
           </a:p>
         </p:txBody>
       </p:sp>
@@ -10114,7 +10250,7 @@
           <p:nvPr>
             <p:ph sz="quarter" idx="14"/>
             <p:custDataLst>
-              <p:tags r:id="rId8"/>
+              <p:tags r:id="rId14"/>
             </p:custDataLst>
           </p:nvPr>
         </p:nvSpPr>
@@ -10196,6 +10332,7 @@
               <a:rPr lang="zh-CN" altLang="en-US" dirty="0"/>
               <a:t>单击此处编辑母版文本样式</a:t>
             </a:r>
+            <a:endParaRPr lang="zh-CN" altLang="en-US" dirty="0"/>
           </a:p>
           <a:p>
             <a:pPr lvl="1"/>
@@ -10203,6 +10340,7 @@
               <a:rPr lang="zh-CN" altLang="en-US" dirty="0"/>
               <a:t>第二级</a:t>
             </a:r>
+            <a:endParaRPr lang="zh-CN" altLang="en-US" dirty="0"/>
           </a:p>
           <a:p>
             <a:pPr lvl="2"/>
@@ -10210,6 +10348,7 @@
               <a:rPr lang="zh-CN" altLang="en-US" dirty="0"/>
               <a:t>第三级</a:t>
             </a:r>
+            <a:endParaRPr lang="zh-CN" altLang="en-US" dirty="0"/>
           </a:p>
           <a:p>
             <a:pPr lvl="3"/>
@@ -10217,6 +10356,7 @@
               <a:rPr lang="zh-CN" altLang="en-US" dirty="0"/>
               <a:t>第四级</a:t>
             </a:r>
+            <a:endParaRPr lang="zh-CN" altLang="en-US" dirty="0"/>
           </a:p>
           <a:p>
             <a:pPr lvl="4"/>
@@ -10224,6 +10364,7 @@
               <a:rPr lang="zh-CN" altLang="en-US" dirty="0"/>
               <a:t>第五级</a:t>
             </a:r>
+            <a:endParaRPr lang="zh-CN" altLang="en-US" dirty="0"/>
           </a:p>
         </p:txBody>
       </p:sp>
@@ -10236,7 +10377,7 @@
           <p:nvPr>
             <p:ph type="body" sz="quarter" idx="15"/>
             <p:custDataLst>
-              <p:tags r:id="rId9"/>
+              <p:tags r:id="rId15"/>
             </p:custDataLst>
           </p:nvPr>
         </p:nvSpPr>
@@ -10270,6 +10411,7 @@
               <a:rPr lang="zh-CN" altLang="en-US" dirty="0"/>
               <a:t>单击此处编辑母版文本样式</a:t>
             </a:r>
+            <a:endParaRPr lang="zh-CN" altLang="en-US" dirty="0"/>
           </a:p>
         </p:txBody>
       </p:sp>
@@ -10282,7 +10424,7 @@
           <p:nvPr>
             <p:ph type="body" sz="quarter" idx="16"/>
             <p:custDataLst>
-              <p:tags r:id="rId10"/>
+              <p:tags r:id="rId16"/>
             </p:custDataLst>
           </p:nvPr>
         </p:nvSpPr>
@@ -10316,6 +10458,7 @@
               <a:rPr lang="zh-CN" altLang="en-US" dirty="0"/>
               <a:t>单击此处编辑母版文本样式</a:t>
             </a:r>
+            <a:endParaRPr lang="zh-CN" altLang="en-US" dirty="0"/>
           </a:p>
         </p:txBody>
       </p:sp>
@@ -10358,7 +10501,7 @@
           <p:cNvSpPr/>
           <p:nvPr>
             <p:custDataLst>
-              <p:tags r:id="rId1"/>
+              <p:tags r:id="rId2"/>
             </p:custDataLst>
           </p:nvPr>
         </p:nvSpPr>
@@ -10423,7 +10566,7 @@
           <p:cNvGrpSpPr/>
           <p:nvPr>
             <p:custDataLst>
-              <p:tags r:id="rId2"/>
+              <p:tags r:id="rId3"/>
             </p:custDataLst>
           </p:nvPr>
         </p:nvGrpSpPr>
@@ -10441,12 +10584,12 @@
             <p:cNvPicPr/>
             <p:nvPr userDrawn="1">
               <p:custDataLst>
-                <p:tags r:id="rId8"/>
+                <p:tags r:id="rId4"/>
               </p:custDataLst>
             </p:nvPr>
           </p:nvPicPr>
           <p:blipFill>
-            <a:blip r:embed="rId11" r:link="rId12" cstate="screen"/>
+            <a:blip r:embed="rId5" r:link="rId6" cstate="screen"/>
             <a:stretch>
               <a:fillRect/>
             </a:stretch>
@@ -10467,12 +10610,12 @@
             <p:cNvPicPr/>
             <p:nvPr userDrawn="1">
               <p:custDataLst>
-                <p:tags r:id="rId9"/>
+                <p:tags r:id="rId7"/>
               </p:custDataLst>
             </p:nvPr>
           </p:nvPicPr>
           <p:blipFill>
-            <a:blip r:embed="rId11" r:link="rId12" cstate="screen"/>
+            <a:blip r:embed="rId5" r:link="rId6" cstate="screen"/>
             <a:stretch>
               <a:fillRect/>
             </a:stretch>
@@ -10497,7 +10640,7 @@
           <p:nvPr>
             <p:ph type="title" hasCustomPrompt="1"/>
             <p:custDataLst>
-              <p:tags r:id="rId3"/>
+              <p:tags r:id="rId8"/>
             </p:custDataLst>
           </p:nvPr>
         </p:nvSpPr>
@@ -10530,6 +10673,7 @@
               <a:rPr lang="zh-CN" altLang="en-US" dirty="0"/>
               <a:t>单击此处编辑标题</a:t>
             </a:r>
+            <a:endParaRPr lang="zh-CN" altLang="en-US" dirty="0"/>
           </a:p>
         </p:txBody>
       </p:sp>
@@ -10542,7 +10686,7 @@
           <p:nvPr>
             <p:ph type="dt" sz="half" idx="10"/>
             <p:custDataLst>
-              <p:tags r:id="rId4"/>
+              <p:tags r:id="rId9"/>
             </p:custDataLst>
           </p:nvPr>
         </p:nvSpPr>
@@ -10568,7 +10712,6 @@
           <a:p>
             <a:fld id="{760FBDFE-C587-4B4C-A407-44438C67B59E}" type="datetimeFigureOut">
               <a:rPr lang="zh-CN" altLang="en-US" smtClean="0"/>
-              <a:t>2019/12/5</a:t>
             </a:fld>
             <a:endParaRPr lang="zh-CN" altLang="en-US"/>
           </a:p>
@@ -10583,7 +10726,7 @@
           <p:nvPr>
             <p:ph type="ftr" sz="quarter" idx="11"/>
             <p:custDataLst>
-              <p:tags r:id="rId5"/>
+              <p:tags r:id="rId10"/>
             </p:custDataLst>
           </p:nvPr>
         </p:nvSpPr>
@@ -10620,7 +10763,7 @@
           <p:nvPr>
             <p:ph type="sldNum" sz="quarter" idx="12"/>
             <p:custDataLst>
-              <p:tags r:id="rId6"/>
+              <p:tags r:id="rId11"/>
             </p:custDataLst>
           </p:nvPr>
         </p:nvSpPr>
@@ -10646,7 +10789,6 @@
           <a:p>
             <a:fld id="{49AE70B2-8BF9-45C0-BB95-33D1B9D3A854}" type="slidenum">
               <a:rPr lang="zh-CN" altLang="en-US" smtClean="0"/>
-              <a:t>‹#›</a:t>
             </a:fld>
             <a:endParaRPr lang="zh-CN" altLang="en-US" dirty="0"/>
           </a:p>
@@ -10661,7 +10803,7 @@
           <p:nvPr>
             <p:ph type="body" sz="quarter" idx="13"/>
             <p:custDataLst>
-              <p:tags r:id="rId7"/>
+              <p:tags r:id="rId12"/>
             </p:custDataLst>
           </p:nvPr>
         </p:nvSpPr>
@@ -10695,6 +10837,7 @@
               <a:rPr lang="zh-CN" altLang="en-US" dirty="0"/>
               <a:t>单击此处编辑母版文本样式</a:t>
             </a:r>
+            <a:endParaRPr lang="zh-CN" altLang="en-US" dirty="0"/>
           </a:p>
         </p:txBody>
       </p:sp>
@@ -10742,6 +10885,7 @@
               <a:rPr lang="zh-CN" altLang="en-US"/>
               <a:t>单击此处编辑母版标题样式</a:t>
             </a:r>
+            <a:endParaRPr lang="zh-CN" altLang="en-US"/>
           </a:p>
         </p:txBody>
       </p:sp>
@@ -10765,6 +10909,7 @@
               <a:rPr lang="zh-CN" altLang="en-US"/>
               <a:t>单击此处编辑母版文本样式</a:t>
             </a:r>
+            <a:endParaRPr lang="zh-CN" altLang="en-US"/>
           </a:p>
           <a:p>
             <a:pPr lvl="1"/>
@@ -10772,6 +10917,7 @@
               <a:rPr lang="zh-CN" altLang="en-US"/>
               <a:t>二级</a:t>
             </a:r>
+            <a:endParaRPr lang="zh-CN" altLang="en-US"/>
           </a:p>
           <a:p>
             <a:pPr lvl="2"/>
@@ -10779,6 +10925,7 @@
               <a:rPr lang="zh-CN" altLang="en-US"/>
               <a:t>三级</a:t>
             </a:r>
+            <a:endParaRPr lang="zh-CN" altLang="en-US"/>
           </a:p>
           <a:p>
             <a:pPr lvl="3"/>
@@ -10786,6 +10933,7 @@
               <a:rPr lang="zh-CN" altLang="en-US"/>
               <a:t>四级</a:t>
             </a:r>
+            <a:endParaRPr lang="zh-CN" altLang="en-US"/>
           </a:p>
           <a:p>
             <a:pPr lvl="4"/>
@@ -10793,6 +10941,7 @@
               <a:rPr lang="zh-CN" altLang="en-US"/>
               <a:t>五级</a:t>
             </a:r>
+            <a:endParaRPr lang="zh-CN" altLang="en-US"/>
           </a:p>
         </p:txBody>
       </p:sp>
@@ -10813,7 +10962,6 @@
           <a:p>
             <a:fld id="{32BF82D2-7A68-459D-A996-9BDDA2518FA4}" type="datetimeFigureOut">
               <a:rPr lang="zh-CN" altLang="en-US" smtClean="0"/>
-              <a:t>2019/12/5</a:t>
             </a:fld>
             <a:endParaRPr lang="zh-CN" altLang="en-US"/>
           </a:p>
@@ -10855,7 +11003,6 @@
           <a:p>
             <a:fld id="{3E01EE5D-26FB-46D5-A381-ECFB35BF1D34}" type="slidenum">
               <a:rPr lang="zh-CN" altLang="en-US" smtClean="0"/>
-              <a:t>‹#›</a:t>
             </a:fld>
             <a:endParaRPr lang="zh-CN" altLang="en-US"/>
           </a:p>
@@ -10914,6 +11061,7 @@
               <a:rPr lang="zh-CN" altLang="en-US"/>
               <a:t>单击此处编辑母版标题样式</a:t>
             </a:r>
+            <a:endParaRPr lang="zh-CN" altLang="en-US"/>
           </a:p>
         </p:txBody>
       </p:sp>
@@ -11033,6 +11181,7 @@
               <a:rPr lang="zh-CN" altLang="en-US"/>
               <a:t>单击此处编辑母版文本样式</a:t>
             </a:r>
+            <a:endParaRPr lang="zh-CN" altLang="en-US"/>
           </a:p>
         </p:txBody>
       </p:sp>
@@ -11053,7 +11202,6 @@
           <a:p>
             <a:fld id="{32BF82D2-7A68-459D-A996-9BDDA2518FA4}" type="datetimeFigureOut">
               <a:rPr lang="zh-CN" altLang="en-US" smtClean="0"/>
-              <a:t>2019/12/5</a:t>
             </a:fld>
             <a:endParaRPr lang="zh-CN" altLang="en-US"/>
           </a:p>
@@ -11095,7 +11243,6 @@
           <a:p>
             <a:fld id="{3E01EE5D-26FB-46D5-A381-ECFB35BF1D34}" type="slidenum">
               <a:rPr lang="zh-CN" altLang="en-US" smtClean="0"/>
-              <a:t>‹#›</a:t>
             </a:fld>
             <a:endParaRPr lang="zh-CN" altLang="en-US"/>
           </a:p>
@@ -11145,6 +11292,7 @@
               <a:rPr lang="zh-CN" altLang="en-US"/>
               <a:t>单击此处编辑母版标题样式</a:t>
             </a:r>
+            <a:endParaRPr lang="zh-CN" altLang="en-US"/>
           </a:p>
         </p:txBody>
       </p:sp>
@@ -11173,6 +11321,7 @@
               <a:rPr lang="zh-CN" altLang="en-US"/>
               <a:t>单击此处编辑母版文本样式</a:t>
             </a:r>
+            <a:endParaRPr lang="zh-CN" altLang="en-US"/>
           </a:p>
           <a:p>
             <a:pPr lvl="1"/>
@@ -11180,6 +11329,7 @@
               <a:rPr lang="zh-CN" altLang="en-US"/>
               <a:t>二级</a:t>
             </a:r>
+            <a:endParaRPr lang="zh-CN" altLang="en-US"/>
           </a:p>
           <a:p>
             <a:pPr lvl="2"/>
@@ -11187,6 +11337,7 @@
               <a:rPr lang="zh-CN" altLang="en-US"/>
               <a:t>三级</a:t>
             </a:r>
+            <a:endParaRPr lang="zh-CN" altLang="en-US"/>
           </a:p>
           <a:p>
             <a:pPr lvl="3"/>
@@ -11194,6 +11345,7 @@
               <a:rPr lang="zh-CN" altLang="en-US"/>
               <a:t>四级</a:t>
             </a:r>
+            <a:endParaRPr lang="zh-CN" altLang="en-US"/>
           </a:p>
           <a:p>
             <a:pPr lvl="4"/>
@@ -11201,6 +11353,7 @@
               <a:rPr lang="zh-CN" altLang="en-US"/>
               <a:t>五级</a:t>
             </a:r>
+            <a:endParaRPr lang="zh-CN" altLang="en-US"/>
           </a:p>
         </p:txBody>
       </p:sp>
@@ -11229,6 +11382,7 @@
               <a:rPr lang="zh-CN" altLang="en-US"/>
               <a:t>单击此处编辑母版文本样式</a:t>
             </a:r>
+            <a:endParaRPr lang="zh-CN" altLang="en-US"/>
           </a:p>
           <a:p>
             <a:pPr lvl="1"/>
@@ -11236,6 +11390,7 @@
               <a:rPr lang="zh-CN" altLang="en-US"/>
               <a:t>二级</a:t>
             </a:r>
+            <a:endParaRPr lang="zh-CN" altLang="en-US"/>
           </a:p>
           <a:p>
             <a:pPr lvl="2"/>
@@ -11243,6 +11398,7 @@
               <a:rPr lang="zh-CN" altLang="en-US"/>
               <a:t>三级</a:t>
             </a:r>
+            <a:endParaRPr lang="zh-CN" altLang="en-US"/>
           </a:p>
           <a:p>
             <a:pPr lvl="3"/>
@@ -11250,6 +11406,7 @@
               <a:rPr lang="zh-CN" altLang="en-US"/>
               <a:t>四级</a:t>
             </a:r>
+            <a:endParaRPr lang="zh-CN" altLang="en-US"/>
           </a:p>
           <a:p>
             <a:pPr lvl="4"/>
@@ -11257,6 +11414,7 @@
               <a:rPr lang="zh-CN" altLang="en-US"/>
               <a:t>五级</a:t>
             </a:r>
+            <a:endParaRPr lang="zh-CN" altLang="en-US"/>
           </a:p>
         </p:txBody>
       </p:sp>
@@ -11277,7 +11435,6 @@
           <a:p>
             <a:fld id="{32BF82D2-7A68-459D-A996-9BDDA2518FA4}" type="datetimeFigureOut">
               <a:rPr lang="zh-CN" altLang="en-US" smtClean="0"/>
-              <a:t>2019/12/5</a:t>
             </a:fld>
             <a:endParaRPr lang="zh-CN" altLang="en-US"/>
           </a:p>
@@ -11319,7 +11476,6 @@
           <a:p>
             <a:fld id="{3E01EE5D-26FB-46D5-A381-ECFB35BF1D34}" type="slidenum">
               <a:rPr lang="zh-CN" altLang="en-US" smtClean="0"/>
-              <a:t>‹#›</a:t>
             </a:fld>
             <a:endParaRPr lang="zh-CN" altLang="en-US"/>
           </a:p>
@@ -11374,6 +11530,7 @@
               <a:rPr lang="zh-CN" altLang="en-US"/>
               <a:t>单击此处编辑母版标题样式</a:t>
             </a:r>
+            <a:endParaRPr lang="zh-CN" altLang="en-US"/>
           </a:p>
         </p:txBody>
       </p:sp>
@@ -11439,6 +11596,7 @@
               <a:rPr lang="zh-CN" altLang="en-US"/>
               <a:t>单击此处编辑母版文本样式</a:t>
             </a:r>
+            <a:endParaRPr lang="zh-CN" altLang="en-US"/>
           </a:p>
         </p:txBody>
       </p:sp>
@@ -11467,6 +11625,7 @@
               <a:rPr lang="zh-CN" altLang="en-US"/>
               <a:t>单击此处编辑母版文本样式</a:t>
             </a:r>
+            <a:endParaRPr lang="zh-CN" altLang="en-US"/>
           </a:p>
           <a:p>
             <a:pPr lvl="1"/>
@@ -11474,6 +11633,7 @@
               <a:rPr lang="zh-CN" altLang="en-US"/>
               <a:t>二级</a:t>
             </a:r>
+            <a:endParaRPr lang="zh-CN" altLang="en-US"/>
           </a:p>
           <a:p>
             <a:pPr lvl="2"/>
@@ -11481,6 +11641,7 @@
               <a:rPr lang="zh-CN" altLang="en-US"/>
               <a:t>三级</a:t>
             </a:r>
+            <a:endParaRPr lang="zh-CN" altLang="en-US"/>
           </a:p>
           <a:p>
             <a:pPr lvl="3"/>
@@ -11488,6 +11649,7 @@
               <a:rPr lang="zh-CN" altLang="en-US"/>
               <a:t>四级</a:t>
             </a:r>
+            <a:endParaRPr lang="zh-CN" altLang="en-US"/>
           </a:p>
           <a:p>
             <a:pPr lvl="4"/>
@@ -11495,6 +11657,7 @@
               <a:rPr lang="zh-CN" altLang="en-US"/>
               <a:t>五级</a:t>
             </a:r>
+            <a:endParaRPr lang="zh-CN" altLang="en-US"/>
           </a:p>
         </p:txBody>
       </p:sp>
@@ -11560,6 +11723,7 @@
               <a:rPr lang="zh-CN" altLang="en-US"/>
               <a:t>单击此处编辑母版文本样式</a:t>
             </a:r>
+            <a:endParaRPr lang="zh-CN" altLang="en-US"/>
           </a:p>
         </p:txBody>
       </p:sp>
@@ -11588,6 +11752,7 @@
               <a:rPr lang="zh-CN" altLang="en-US"/>
               <a:t>单击此处编辑母版文本样式</a:t>
             </a:r>
+            <a:endParaRPr lang="zh-CN" altLang="en-US"/>
           </a:p>
           <a:p>
             <a:pPr lvl="1"/>
@@ -11595,6 +11760,7 @@
               <a:rPr lang="zh-CN" altLang="en-US"/>
               <a:t>二级</a:t>
             </a:r>
+            <a:endParaRPr lang="zh-CN" altLang="en-US"/>
           </a:p>
           <a:p>
             <a:pPr lvl="2"/>
@@ -11602,6 +11768,7 @@
               <a:rPr lang="zh-CN" altLang="en-US"/>
               <a:t>三级</a:t>
             </a:r>
+            <a:endParaRPr lang="zh-CN" altLang="en-US"/>
           </a:p>
           <a:p>
             <a:pPr lvl="3"/>
@@ -11609,6 +11776,7 @@
               <a:rPr lang="zh-CN" altLang="en-US"/>
               <a:t>四级</a:t>
             </a:r>
+            <a:endParaRPr lang="zh-CN" altLang="en-US"/>
           </a:p>
           <a:p>
             <a:pPr lvl="4"/>
@@ -11616,6 +11784,7 @@
               <a:rPr lang="zh-CN" altLang="en-US"/>
               <a:t>五级</a:t>
             </a:r>
+            <a:endParaRPr lang="zh-CN" altLang="en-US"/>
           </a:p>
         </p:txBody>
       </p:sp>
@@ -11636,7 +11805,6 @@
           <a:p>
             <a:fld id="{32BF82D2-7A68-459D-A996-9BDDA2518FA4}" type="datetimeFigureOut">
               <a:rPr lang="zh-CN" altLang="en-US" smtClean="0"/>
-              <a:t>2019/12/5</a:t>
             </a:fld>
             <a:endParaRPr lang="zh-CN" altLang="en-US"/>
           </a:p>
@@ -11678,7 +11846,6 @@
           <a:p>
             <a:fld id="{3E01EE5D-26FB-46D5-A381-ECFB35BF1D34}" type="slidenum">
               <a:rPr lang="zh-CN" altLang="en-US" smtClean="0"/>
-              <a:t>‹#›</a:t>
             </a:fld>
             <a:endParaRPr lang="zh-CN" altLang="en-US"/>
           </a:p>
@@ -11728,6 +11895,7 @@
               <a:rPr lang="zh-CN" altLang="en-US"/>
               <a:t>单击此处编辑母版标题样式</a:t>
             </a:r>
+            <a:endParaRPr lang="zh-CN" altLang="en-US"/>
           </a:p>
         </p:txBody>
       </p:sp>
@@ -11748,7 +11916,6 @@
           <a:p>
             <a:fld id="{32BF82D2-7A68-459D-A996-9BDDA2518FA4}" type="datetimeFigureOut">
               <a:rPr lang="zh-CN" altLang="en-US" smtClean="0"/>
-              <a:t>2019/12/5</a:t>
             </a:fld>
             <a:endParaRPr lang="zh-CN" altLang="en-US"/>
           </a:p>
@@ -11790,7 +11957,6 @@
           <a:p>
             <a:fld id="{3E01EE5D-26FB-46D5-A381-ECFB35BF1D34}" type="slidenum">
               <a:rPr lang="zh-CN" altLang="en-US" smtClean="0"/>
-              <a:t>‹#›</a:t>
             </a:fld>
             <a:endParaRPr lang="zh-CN" altLang="en-US"/>
           </a:p>
@@ -11838,7 +12004,6 @@
           <a:p>
             <a:fld id="{32BF82D2-7A68-459D-A996-9BDDA2518FA4}" type="datetimeFigureOut">
               <a:rPr lang="zh-CN" altLang="en-US" smtClean="0"/>
-              <a:t>2019/12/5</a:t>
             </a:fld>
             <a:endParaRPr lang="zh-CN" altLang="en-US"/>
           </a:p>
@@ -11880,7 +12045,6 @@
           <a:p>
             <a:fld id="{3E01EE5D-26FB-46D5-A381-ECFB35BF1D34}" type="slidenum">
               <a:rPr lang="zh-CN" altLang="en-US" smtClean="0"/>
-              <a:t>‹#›</a:t>
             </a:fld>
             <a:endParaRPr lang="zh-CN" altLang="en-US"/>
           </a:p>
@@ -11979,6 +12143,7 @@
               <a:rPr lang="zh-CN" altLang="en-US"/>
               <a:t>单击此处编辑母版文本样式</a:t>
             </a:r>
+            <a:endParaRPr lang="zh-CN" altLang="en-US"/>
           </a:p>
           <a:p>
             <a:pPr lvl="1"/>
@@ -11986,6 +12151,7 @@
               <a:rPr lang="zh-CN" altLang="en-US"/>
               <a:t>第二级</a:t>
             </a:r>
+            <a:endParaRPr lang="zh-CN" altLang="en-US"/>
           </a:p>
           <a:p>
             <a:pPr lvl="2"/>
@@ -11993,6 +12159,7 @@
               <a:rPr lang="zh-CN" altLang="en-US"/>
               <a:t>第三级</a:t>
             </a:r>
+            <a:endParaRPr lang="zh-CN" altLang="en-US"/>
           </a:p>
           <a:p>
             <a:pPr lvl="3"/>
@@ -12000,6 +12167,7 @@
               <a:rPr lang="zh-CN" altLang="en-US"/>
               <a:t>第四级</a:t>
             </a:r>
+            <a:endParaRPr lang="zh-CN" altLang="en-US"/>
           </a:p>
           <a:p>
             <a:pPr lvl="4"/>
@@ -12046,7 +12214,6 @@
           <a:p>
             <a:fld id="{32BF82D2-7A68-459D-A996-9BDDA2518FA4}" type="datetimeFigureOut">
               <a:rPr lang="zh-CN" altLang="en-US" smtClean="0"/>
-              <a:t>2019/12/5</a:t>
             </a:fld>
             <a:endParaRPr lang="zh-CN" altLang="en-US"/>
           </a:p>
@@ -12124,7 +12291,6 @@
           <a:p>
             <a:fld id="{3E01EE5D-26FB-46D5-A381-ECFB35BF1D34}" type="slidenum">
               <a:rPr lang="zh-CN" altLang="en-US" smtClean="0"/>
-              <a:t>‹#›</a:t>
             </a:fld>
             <a:endParaRPr lang="zh-CN" altLang="en-US"/>
           </a:p>
@@ -12471,6 +12637,7 @@
               <a:rPr lang="zh-CN" altLang="en-US"/>
               <a:t>单击此处编辑母版标题样式</a:t>
             </a:r>
+            <a:endParaRPr lang="zh-CN" altLang="en-US"/>
           </a:p>
         </p:txBody>
       </p:sp>
@@ -12504,6 +12671,7 @@
               <a:rPr lang="zh-CN" altLang="en-US"/>
               <a:t>单击此处编辑母版文本样式</a:t>
             </a:r>
+            <a:endParaRPr lang="zh-CN" altLang="en-US"/>
           </a:p>
           <a:p>
             <a:pPr lvl="1"/>
@@ -12511,6 +12679,7 @@
               <a:rPr lang="zh-CN" altLang="en-US"/>
               <a:t>二级</a:t>
             </a:r>
+            <a:endParaRPr lang="zh-CN" altLang="en-US"/>
           </a:p>
           <a:p>
             <a:pPr lvl="2"/>
@@ -12518,6 +12687,7 @@
               <a:rPr lang="zh-CN" altLang="en-US"/>
               <a:t>三级</a:t>
             </a:r>
+            <a:endParaRPr lang="zh-CN" altLang="en-US"/>
           </a:p>
           <a:p>
             <a:pPr lvl="3"/>
@@ -12525,6 +12695,7 @@
               <a:rPr lang="zh-CN" altLang="en-US"/>
               <a:t>四级</a:t>
             </a:r>
+            <a:endParaRPr lang="zh-CN" altLang="en-US"/>
           </a:p>
           <a:p>
             <a:pPr lvl="4"/>
@@ -12532,6 +12703,7 @@
               <a:rPr lang="zh-CN" altLang="en-US"/>
               <a:t>五级</a:t>
             </a:r>
+            <a:endParaRPr lang="zh-CN" altLang="en-US"/>
           </a:p>
         </p:txBody>
       </p:sp>
@@ -12570,7 +12742,6 @@
           <a:p>
             <a:fld id="{32BF82D2-7A68-459D-A996-9BDDA2518FA4}" type="datetimeFigureOut">
               <a:rPr lang="zh-CN" altLang="en-US" smtClean="0"/>
-              <a:t>2019/12/5</a:t>
             </a:fld>
             <a:endParaRPr lang="zh-CN" altLang="en-US"/>
           </a:p>
@@ -12648,7 +12819,6 @@
           <a:p>
             <a:fld id="{3E01EE5D-26FB-46D5-A381-ECFB35BF1D34}" type="slidenum">
               <a:rPr lang="zh-CN" altLang="en-US" smtClean="0"/>
-              <a:t>‹#›</a:t>
             </a:fld>
             <a:endParaRPr lang="zh-CN" altLang="en-US"/>
           </a:p>
@@ -12987,7 +13157,7 @@
           <p:nvPr>
             <p:ph type="title"/>
             <p:custDataLst>
-              <p:tags r:id="rId20"/>
+              <p:tags r:id="rId19"/>
             </p:custDataLst>
           </p:nvPr>
         </p:nvSpPr>
@@ -13010,6 +13180,7 @@
               <a:rPr lang="zh-CN" altLang="en-US" dirty="0"/>
               <a:t>单击此处编辑母版标题样式</a:t>
             </a:r>
+            <a:endParaRPr lang="zh-CN" altLang="en-US" dirty="0"/>
           </a:p>
         </p:txBody>
       </p:sp>
@@ -13022,7 +13193,7 @@
           <p:nvPr>
             <p:ph type="body" idx="1"/>
             <p:custDataLst>
-              <p:tags r:id="rId21"/>
+              <p:tags r:id="rId20"/>
             </p:custDataLst>
           </p:nvPr>
         </p:nvSpPr>
@@ -13046,6 +13217,7 @@
               <a:rPr lang="zh-CN" altLang="en-US" dirty="0"/>
               <a:t>单击此处编辑母版文本样式</a:t>
             </a:r>
+            <a:endParaRPr lang="zh-CN" altLang="en-US" dirty="0"/>
           </a:p>
           <a:p>
             <a:pPr lvl="1"/>
@@ -13053,6 +13225,7 @@
               <a:rPr lang="zh-CN" altLang="en-US" dirty="0"/>
               <a:t>第二级</a:t>
             </a:r>
+            <a:endParaRPr lang="zh-CN" altLang="en-US" dirty="0"/>
           </a:p>
           <a:p>
             <a:pPr lvl="2"/>
@@ -13060,6 +13233,7 @@
               <a:rPr lang="zh-CN" altLang="en-US" dirty="0"/>
               <a:t>第三级</a:t>
             </a:r>
+            <a:endParaRPr lang="zh-CN" altLang="en-US" dirty="0"/>
           </a:p>
           <a:p>
             <a:pPr lvl="3"/>
@@ -13067,6 +13241,7 @@
               <a:rPr lang="zh-CN" altLang="en-US" dirty="0"/>
               <a:t>第四级</a:t>
             </a:r>
+            <a:endParaRPr lang="zh-CN" altLang="en-US" dirty="0"/>
           </a:p>
           <a:p>
             <a:pPr lvl="4"/>
@@ -13074,6 +13249,7 @@
               <a:rPr lang="zh-CN" altLang="en-US" dirty="0"/>
               <a:t>第五级</a:t>
             </a:r>
+            <a:endParaRPr lang="zh-CN" altLang="en-US" dirty="0"/>
           </a:p>
         </p:txBody>
       </p:sp>
@@ -13086,7 +13262,7 @@
           <p:nvPr>
             <p:ph type="dt" sz="half" idx="2"/>
             <p:custDataLst>
-              <p:tags r:id="rId22"/>
+              <p:tags r:id="rId21"/>
             </p:custDataLst>
           </p:nvPr>
         </p:nvSpPr>
@@ -13120,7 +13296,6 @@
           <a:p>
             <a:fld id="{760FBDFE-C587-4B4C-A407-44438C67B59E}" type="datetimeFigureOut">
               <a:rPr lang="zh-CN" altLang="en-US" smtClean="0"/>
-              <a:t>2019/12/5</a:t>
             </a:fld>
             <a:endParaRPr lang="zh-CN" altLang="en-US"/>
           </a:p>
@@ -13135,7 +13310,7 @@
           <p:nvPr>
             <p:ph type="ftr" sz="quarter" idx="3"/>
             <p:custDataLst>
-              <p:tags r:id="rId23"/>
+              <p:tags r:id="rId22"/>
             </p:custDataLst>
           </p:nvPr>
         </p:nvSpPr>
@@ -13180,7 +13355,7 @@
           <p:nvPr>
             <p:ph type="sldNum" sz="quarter" idx="4"/>
             <p:custDataLst>
-              <p:tags r:id="rId24"/>
+              <p:tags r:id="rId23"/>
             </p:custDataLst>
           </p:nvPr>
         </p:nvSpPr>
@@ -13214,7 +13389,6 @@
           <a:p>
             <a:fld id="{49AE70B2-8BF9-45C0-BB95-33D1B9D3A854}" type="slidenum">
               <a:rPr lang="zh-CN" altLang="en-US" smtClean="0"/>
-              <a:t>‹#›</a:t>
             </a:fld>
             <a:endParaRPr lang="zh-CN" altLang="en-US" dirty="0"/>
           </a:p>
@@ -13226,7 +13400,7 @@
           <p:cNvSpPr/>
           <p:nvPr>
             <p:custDataLst>
-              <p:tags r:id="rId25"/>
+              <p:tags r:id="rId24"/>
             </p:custDataLst>
           </p:nvPr>
         </p:nvSpPr>
@@ -13644,7 +13818,7 @@
             <a:avLst/>
           </a:prstGeom>
           <a:blipFill dpi="0" rotWithShape="1">
-            <a:blip r:embed="rId3" cstate="print"/>
+            <a:blip r:embed="rId1" cstate="print"/>
             <a:srcRect/>
             <a:stretch>
               <a:fillRect/>
@@ -13888,6 +14062,12 @@
               </a:rPr>
               <a:t>刘辉镪</a:t>
             </a:r>
+            <a:endParaRPr lang="zh-CN" altLang="en-US" sz="8000" b="1" cap="all" dirty="0">
+              <a:solidFill>
+                <a:schemeClr val="accent1"/>
+              </a:solidFill>
+              <a:cs typeface="Arial" panose="020B0604020202020204" pitchFamily="34" charset="0"/>
+            </a:endParaRPr>
           </a:p>
         </p:txBody>
       </p:sp>
@@ -14296,6 +14476,12 @@
               </a:rPr>
               <a:t>职业：软件工程师</a:t>
             </a:r>
+            <a:endParaRPr lang="zh-CN" altLang="en-US" sz="1800" dirty="0">
+              <a:solidFill>
+                <a:schemeClr val="accent1"/>
+              </a:solidFill>
+              <a:cs typeface="Arial" panose="020B0604020202020204" pitchFamily="34" charset="0"/>
+            </a:endParaRPr>
           </a:p>
         </p:txBody>
       </p:sp>
@@ -14304,13 +14490,13 @@
   <p:clrMapOvr>
     <a:masterClrMapping/>
   </p:clrMapOvr>
-  <mc:AlternateContent xmlns:mc="http://schemas.openxmlformats.org/markup-compatibility/2006" xmlns:p15="http://schemas.microsoft.com/office/powerpoint/2012/main">
-    <mc:Choice Requires="p15">
-      <p:transition xmlns:p14="http://schemas.microsoft.com/office/powerpoint/2010/main" spd="slow" p14:dur="2000">
+  <mc:AlternateContent xmlns:mc="http://schemas.openxmlformats.org/markup-compatibility/2006">
+    <mc:Choice xmlns:p15="http://schemas.microsoft.com/office/powerpoint/2012/main" Requires="p15">
+      <p:transition xmlns:p14="http://schemas.microsoft.com/office/powerpoint/2010/main" spd="slow" Requires="p14" p14:dur="2000">
         <p15:prstTrans prst="crush"/>
       </p:transition>
     </mc:Choice>
-    <mc:Fallback xmlns="">
+    <mc:Fallback>
       <p:transition spd="slow">
         <p:fade/>
       </p:transition>
@@ -14892,6 +15078,16 @@
               </a:rPr>
               <a:t>葆婴事业优势</a:t>
             </a:r>
+            <a:endParaRPr lang="zh-CN" altLang="en-US" sz="3200" dirty="0">
+              <a:solidFill>
+                <a:schemeClr val="bg1">
+                  <a:lumMod val="65000"/>
+                </a:schemeClr>
+              </a:solidFill>
+              <a:latin typeface="Arial" panose="020B0604020202020204" pitchFamily="34" charset="0"/>
+              <a:ea typeface="微软雅黑" panose="020B0503020204020204" pitchFamily="34" charset="-122"/>
+              <a:sym typeface="Arial" panose="020B0604020202020204" pitchFamily="34" charset="0"/>
+            </a:endParaRPr>
           </a:p>
         </p:txBody>
       </p:sp>
@@ -14951,6 +15147,12 @@
               </a:rPr>
               <a:t>健康</a:t>
             </a:r>
+            <a:endParaRPr lang="zh-CN" altLang="en-US" sz="2800" b="1" dirty="0">
+              <a:solidFill>
+                <a:srgbClr val="00B050"/>
+              </a:solidFill>
+              <a:latin typeface="Arial" panose="020B0604020202020204" pitchFamily="34" charset="0"/>
+            </a:endParaRPr>
           </a:p>
           <a:p>
             <a:pPr marL="457200" indent="-457200" eaLnBrk="1" latinLnBrk="0" hangingPunct="1">
@@ -15017,6 +15219,9 @@
               </a:rPr>
               <a:t>不需要大量的投资</a:t>
             </a:r>
+            <a:endParaRPr lang="zh-CN" altLang="en-US" sz="2800" dirty="0">
+              <a:latin typeface="Arial" panose="020B0604020202020204" pitchFamily="34" charset="0"/>
+            </a:endParaRPr>
           </a:p>
           <a:p>
             <a:pPr marL="457200" indent="-457200" eaLnBrk="1" latinLnBrk="0" hangingPunct="1">
@@ -15060,6 +15265,10 @@
               </a:rPr>
               <a:t>团队业绩</a:t>
             </a:r>
+            <a:endParaRPr lang="zh-CN" altLang="en-US" sz="2800" dirty="0">
+              <a:latin typeface="Arial" panose="020B0604020202020204" pitchFamily="34" charset="0"/>
+              <a:sym typeface="+mn-ea"/>
+            </a:endParaRPr>
           </a:p>
           <a:p>
             <a:pPr marL="457200" indent="-457200" eaLnBrk="1" latinLnBrk="0" hangingPunct="1">
@@ -15122,6 +15331,7 @@
               <a:rPr lang="zh-CN" altLang="en-US" sz="2800" dirty="0"/>
               <a:t>价值的延续，事业的传承</a:t>
             </a:r>
+            <a:endParaRPr lang="zh-CN" altLang="en-US" sz="2800" dirty="0"/>
           </a:p>
           <a:p>
             <a:pPr marL="457200" indent="-457200" eaLnBrk="1" latinLnBrk="0" hangingPunct="1">
@@ -15142,13 +15352,13 @@
   <p:clrMapOvr>
     <a:masterClrMapping/>
   </p:clrMapOvr>
-  <mc:AlternateContent xmlns:mc="http://schemas.openxmlformats.org/markup-compatibility/2006" xmlns:p14="http://schemas.microsoft.com/office/powerpoint/2010/main">
-    <mc:Choice Requires="p14">
+  <mc:AlternateContent xmlns:mc="http://schemas.openxmlformats.org/markup-compatibility/2006">
+    <mc:Choice xmlns:p14="http://schemas.microsoft.com/office/powerpoint/2010/main" Requires="p14">
       <p:transition spd="slow" p14:dur="1600">
         <p:wipe dir="r"/>
       </p:transition>
     </mc:Choice>
-    <mc:Fallback xmlns="">
+    <mc:Fallback>
       <p:transition spd="slow">
         <p:wipe dir="r"/>
       </p:transition>
@@ -15674,6 +15884,16 @@
               </a:rPr>
               <a:t>葆婴事业优势</a:t>
             </a:r>
+            <a:endParaRPr lang="zh-CN" altLang="en-US" sz="3200" dirty="0">
+              <a:solidFill>
+                <a:schemeClr val="bg1">
+                  <a:lumMod val="65000"/>
+                </a:schemeClr>
+              </a:solidFill>
+              <a:latin typeface="Arial" panose="020B0604020202020204" pitchFamily="34" charset="0"/>
+              <a:ea typeface="微软雅黑" panose="020B0503020204020204" pitchFamily="34" charset="-122"/>
+              <a:sym typeface="Arial" panose="020B0604020202020204" pitchFamily="34" charset="0"/>
+            </a:endParaRPr>
           </a:p>
         </p:txBody>
       </p:sp>
@@ -15710,6 +15930,7 @@
               <a:rPr lang="zh-CN" altLang="en-US" sz="2800"/>
               <a:t>六大黄金标准：</a:t>
             </a:r>
+            <a:endParaRPr lang="zh-CN" altLang="en-US" sz="2800"/>
           </a:p>
           <a:p>
             <a:pPr marL="285750" indent="-285750" eaLnBrk="1" latinLnBrk="0" hangingPunct="1">
@@ -15723,6 +15944,7 @@
               <a:rPr lang="zh-CN" altLang="en-US" sz="2800"/>
               <a:t>第一、USANA是按药品的GMP标准来生产的细胞营养保健品；</a:t>
             </a:r>
+            <a:endParaRPr lang="zh-CN" altLang="en-US" sz="2800"/>
           </a:p>
           <a:p>
             <a:pPr marL="285750" indent="-285750" eaLnBrk="1" latinLnBrk="0" hangingPunct="1">
@@ -15736,6 +15958,7 @@
               <a:rPr lang="zh-CN" altLang="en-US" sz="2800"/>
               <a:t>第二、得到FDA认可并且得到注册有证书；</a:t>
             </a:r>
+            <a:endParaRPr lang="zh-CN" altLang="en-US" sz="2800"/>
           </a:p>
           <a:p>
             <a:pPr marL="285750" indent="-285750" eaLnBrk="1" latinLnBrk="0" hangingPunct="1">
@@ -15749,6 +15972,7 @@
               <a:rPr lang="zh-CN" altLang="en-US" sz="2800"/>
               <a:t>第三、主动要求按照美国药典USP标准进行生产；</a:t>
             </a:r>
+            <a:endParaRPr lang="zh-CN" altLang="en-US" sz="2800"/>
           </a:p>
           <a:p>
             <a:pPr marL="285750" indent="-285750" eaLnBrk="1" latinLnBrk="0" hangingPunct="1">
@@ -15762,6 +15986,7 @@
               <a:rPr lang="zh-CN" altLang="en-US" sz="2800"/>
               <a:t>第四、最多产品纳入多国药典手册（医生桌上参考手册）；</a:t>
             </a:r>
+            <a:endParaRPr lang="zh-CN" altLang="en-US" sz="2800"/>
           </a:p>
           <a:p>
             <a:pPr marL="285750" indent="-285750" eaLnBrk="1" latinLnBrk="0" hangingPunct="1">
@@ -15775,6 +16000,7 @@
               <a:rPr lang="zh-CN" altLang="en-US" sz="2800"/>
               <a:t>第五、更高水准的NSF；</a:t>
             </a:r>
+            <a:endParaRPr lang="zh-CN" altLang="en-US" sz="2800"/>
           </a:p>
           <a:p>
             <a:pPr marL="285750" indent="-285750" eaLnBrk="1" latinLnBrk="0" hangingPunct="1">
@@ -15788,6 +16014,7 @@
               <a:rPr lang="zh-CN" altLang="en-US" sz="2800"/>
               <a:t>第六、UNPA美国天然产品联盟组织五十大组织成员。</a:t>
             </a:r>
+            <a:endParaRPr lang="zh-CN" altLang="en-US" sz="2800"/>
           </a:p>
         </p:txBody>
       </p:sp>
@@ -15796,13 +16023,13 @@
   <p:clrMapOvr>
     <a:masterClrMapping/>
   </p:clrMapOvr>
-  <mc:AlternateContent xmlns:mc="http://schemas.openxmlformats.org/markup-compatibility/2006" xmlns:p14="http://schemas.microsoft.com/office/powerpoint/2010/main">
-    <mc:Choice Requires="p14">
+  <mc:AlternateContent xmlns:mc="http://schemas.openxmlformats.org/markup-compatibility/2006">
+    <mc:Choice xmlns:p14="http://schemas.microsoft.com/office/powerpoint/2010/main" Requires="p14">
       <p:transition spd="slow" p14:dur="1600">
         <p14:prism isInverted="1"/>
       </p:transition>
     </mc:Choice>
-    <mc:Fallback xmlns="">
+    <mc:Fallback>
       <p:transition spd="slow">
         <p:fade/>
       </p:transition>
@@ -16300,7 +16527,7 @@
             <a:avLst/>
           </a:prstGeom>
           <a:blipFill dpi="0" rotWithShape="1">
-            <a:blip r:embed="rId3" cstate="print"/>
+            <a:blip r:embed="rId1" cstate="print"/>
             <a:srcRect/>
             <a:stretch>
               <a:fillRect/>
@@ -16759,6 +16986,12 @@
               </a:rPr>
               <a:t>感谢聆听，批评指导</a:t>
             </a:r>
+            <a:endParaRPr lang="zh-CN" altLang="en-US" dirty="0">
+              <a:solidFill>
+                <a:schemeClr val="accent1"/>
+              </a:solidFill>
+              <a:cs typeface="Arial" panose="020B0604020202020204" pitchFamily="34" charset="0"/>
+            </a:endParaRPr>
           </a:p>
         </p:txBody>
       </p:sp>
@@ -16767,13 +17000,13 @@
   <p:clrMapOvr>
     <a:masterClrMapping/>
   </p:clrMapOvr>
-  <mc:AlternateContent xmlns:mc="http://schemas.openxmlformats.org/markup-compatibility/2006" xmlns:p15="http://schemas.microsoft.com/office/powerpoint/2012/main">
-    <mc:Choice Requires="p15">
-      <p:transition xmlns:p14="http://schemas.microsoft.com/office/powerpoint/2010/main" spd="slow" p14:dur="2000" advTm="0">
+  <mc:AlternateContent xmlns:mc="http://schemas.openxmlformats.org/markup-compatibility/2006">
+    <mc:Choice xmlns:p15="http://schemas.microsoft.com/office/powerpoint/2012/main" Requires="p15">
+      <p:transition xmlns:p14="http://schemas.microsoft.com/office/powerpoint/2010/main" spd="slow" Requires="p14" p14:dur="2000" advTm="0">
         <p15:prstTrans prst="crush"/>
       </p:transition>
     </mc:Choice>
-    <mc:Fallback xmlns="">
+    <mc:Fallback>
       <p:transition spd="slow" advTm="0">
         <p:fade/>
       </p:transition>
@@ -17378,6 +17611,14 @@
               </a:rPr>
               <a:t>目录</a:t>
             </a:r>
+            <a:endParaRPr lang="zh-CN" altLang="en-US" sz="11500" b="1" dirty="0">
+              <a:solidFill>
+                <a:schemeClr val="bg1"/>
+              </a:solidFill>
+              <a:latin typeface="Arial" panose="020B0604020202020204" pitchFamily="34" charset="0"/>
+              <a:ea typeface="微软雅黑" panose="020B0503020204020204" pitchFamily="34" charset="-122"/>
+              <a:sym typeface="Arial" panose="020B0604020202020204" pitchFamily="34" charset="0"/>
+            </a:endParaRPr>
           </a:p>
         </p:txBody>
       </p:sp>
@@ -17444,7 +17685,7 @@
         </p:nvSpPr>
         <p:spPr>
           <a:xfrm>
-            <a:off x="7091961" y="2155752"/>
+            <a:off x="6948451" y="2514527"/>
             <a:ext cx="2466542" cy="368935"/>
           </a:xfrm>
           <a:custGeom>
@@ -17645,6 +17886,14 @@
               </a:rPr>
               <a:t>成长历程</a:t>
             </a:r>
+            <a:endParaRPr lang="zh-CN" altLang="en-US" sz="2400" dirty="0">
+              <a:solidFill>
+                <a:schemeClr val="bg1"/>
+              </a:solidFill>
+              <a:latin typeface="Arial" panose="020B0604020202020204" pitchFamily="34" charset="0"/>
+              <a:ea typeface="微软雅黑" panose="020B0503020204020204" pitchFamily="34" charset="-122"/>
+              <a:sym typeface="Arial" panose="020B0604020202020204" pitchFamily="34" charset="0"/>
+            </a:endParaRPr>
           </a:p>
         </p:txBody>
       </p:sp>
@@ -17660,7 +17909,7 @@
         </p:nvSpPr>
         <p:spPr>
           <a:xfrm>
-            <a:off x="7091961" y="3025268"/>
+            <a:off x="6948451" y="3384043"/>
             <a:ext cx="2466542" cy="368935"/>
           </a:xfrm>
           <a:custGeom>
@@ -17862,6 +18111,14 @@
               </a:rPr>
               <a:t>我的葆婴故事</a:t>
             </a:r>
+            <a:endParaRPr lang="zh-CN" altLang="en-US" sz="2400" dirty="0">
+              <a:solidFill>
+                <a:schemeClr val="bg1"/>
+              </a:solidFill>
+              <a:latin typeface="Arial" panose="020B0604020202020204" pitchFamily="34" charset="0"/>
+              <a:ea typeface="微软雅黑" panose="020B0503020204020204" pitchFamily="34" charset="-122"/>
+              <a:sym typeface="Arial" panose="020B0604020202020204" pitchFamily="34" charset="0"/>
+            </a:endParaRPr>
           </a:p>
         </p:txBody>
       </p:sp>
@@ -17877,7 +18134,7 @@
         </p:nvSpPr>
         <p:spPr>
           <a:xfrm>
-            <a:off x="7091961" y="3894784"/>
+            <a:off x="6948451" y="4253559"/>
             <a:ext cx="2466542" cy="368935"/>
           </a:xfrm>
           <a:custGeom>
@@ -18095,13 +18352,13 @@
   <p:clrMapOvr>
     <a:masterClrMapping/>
   </p:clrMapOvr>
-  <mc:AlternateContent xmlns:mc="http://schemas.openxmlformats.org/markup-compatibility/2006" xmlns:p15="http://schemas.microsoft.com/office/powerpoint/2012/main">
-    <mc:Choice Requires="p15">
-      <p:transition xmlns:p14="http://schemas.microsoft.com/office/powerpoint/2010/main" spd="slow" p14:dur="1250">
+  <mc:AlternateContent xmlns:mc="http://schemas.openxmlformats.org/markup-compatibility/2006">
+    <mc:Choice xmlns:p15="http://schemas.microsoft.com/office/powerpoint/2012/main" Requires="p15">
+      <p:transition xmlns:p14="http://schemas.microsoft.com/office/powerpoint/2010/main" spd="slow" Requires="p14" p14:dur="1250">
         <p15:prstTrans prst="airplane"/>
       </p:transition>
     </mc:Choice>
-    <mc:Fallback xmlns="">
+    <mc:Fallback>
       <p:transition spd="slow">
         <p:fade/>
       </p:transition>
@@ -18389,7 +18646,7 @@
                         <p:par>
                           <p:cTn id="21" fill="hold">
                             <p:stCondLst>
-                              <p:cond delay="1700"/>
+                              <p:cond delay="0"/>
                             </p:stCondLst>
                             <p:childTnLst>
                               <p:par>
@@ -18525,7 +18782,7 @@
       </p:par>
     </p:tnLst>
     <p:bldLst>
-      <p:bldP spid="34" grpId="0" animBg="1"/>
+      <p:bldP spid="34" grpId="0" bldLvl="0" animBg="1"/>
       <p:bldP spid="18" grpId="0"/>
       <p:bldP spid="19" grpId="0"/>
       <p:bldP spid="13" grpId="0" bldLvl="0" animBg="1"/>
@@ -18609,6 +18866,14 @@
               </a:rPr>
               <a:t>成长历程</a:t>
             </a:r>
+            <a:endParaRPr lang="zh-CN" altLang="en-US" sz="6000" b="1" dirty="0">
+              <a:solidFill>
+                <a:schemeClr val="accent1"/>
+              </a:solidFill>
+              <a:latin typeface="Arial" panose="020B0604020202020204" pitchFamily="34" charset="0"/>
+              <a:ea typeface="微软雅黑" panose="020B0503020204020204" pitchFamily="34" charset="-122"/>
+              <a:sym typeface="Arial" panose="020B0604020202020204" pitchFamily="34" charset="0"/>
+            </a:endParaRPr>
           </a:p>
         </p:txBody>
       </p:sp>
@@ -20496,6 +20761,15 @@
               </a:rPr>
               <a:t>初中</a:t>
             </a:r>
+            <a:endParaRPr lang="zh-CN" altLang="en-US" sz="2000" dirty="0">
+              <a:solidFill>
+                <a:schemeClr val="tx1"/>
+              </a:solidFill>
+              <a:latin typeface="Arial" panose="020B0604020202020204" pitchFamily="34" charset="0"/>
+              <a:ea typeface="微软雅黑" panose="020B0503020204020204" pitchFamily="34" charset="-122"/>
+              <a:cs typeface="+mn-ea"/>
+              <a:sym typeface="Arial" panose="020B0604020202020204" pitchFamily="34" charset="0"/>
+            </a:endParaRPr>
           </a:p>
         </p:txBody>
       </p:sp>
@@ -20810,6 +21084,15 @@
               </a:rPr>
               <a:t>高中</a:t>
             </a:r>
+            <a:endParaRPr lang="zh-CN" altLang="en-US" sz="2000" dirty="0">
+              <a:solidFill>
+                <a:schemeClr val="tx1"/>
+              </a:solidFill>
+              <a:latin typeface="Arial" panose="020B0604020202020204" pitchFamily="34" charset="0"/>
+              <a:ea typeface="微软雅黑" panose="020B0503020204020204" pitchFamily="34" charset="-122"/>
+              <a:cs typeface="+mn-ea"/>
+              <a:sym typeface="Arial" panose="020B0604020202020204" pitchFamily="34" charset="0"/>
+            </a:endParaRPr>
           </a:p>
         </p:txBody>
       </p:sp>
@@ -21133,6 +21416,15 @@
               </a:rPr>
               <a:t>大学</a:t>
             </a:r>
+            <a:endParaRPr lang="zh-CN" altLang="en-US" sz="2000" dirty="0">
+              <a:solidFill>
+                <a:schemeClr val="tx1"/>
+              </a:solidFill>
+              <a:latin typeface="Arial" panose="020B0604020202020204" pitchFamily="34" charset="0"/>
+              <a:ea typeface="微软雅黑" panose="020B0503020204020204" pitchFamily="34" charset="-122"/>
+              <a:cs typeface="+mn-ea"/>
+              <a:sym typeface="Arial" panose="020B0604020202020204" pitchFamily="34" charset="0"/>
+            </a:endParaRPr>
           </a:p>
         </p:txBody>
       </p:sp>
@@ -21684,6 +21976,15 @@
               </a:rPr>
               <a:t>实习</a:t>
             </a:r>
+            <a:endParaRPr lang="zh-CN" altLang="en-US" sz="2000" dirty="0">
+              <a:solidFill>
+                <a:schemeClr val="tx1"/>
+              </a:solidFill>
+              <a:latin typeface="Arial" panose="020B0604020202020204" pitchFamily="34" charset="0"/>
+              <a:ea typeface="微软雅黑" panose="020B0503020204020204" pitchFamily="34" charset="-122"/>
+              <a:cs typeface="+mn-ea"/>
+              <a:sym typeface="Arial" panose="020B0604020202020204" pitchFamily="34" charset="0"/>
+            </a:endParaRPr>
           </a:p>
         </p:txBody>
       </p:sp>
@@ -21998,6 +22299,15 @@
               </a:rPr>
               <a:t>第一份工作</a:t>
             </a:r>
+            <a:endParaRPr lang="zh-CN" altLang="en-US" sz="2000" dirty="0">
+              <a:solidFill>
+                <a:schemeClr val="tx1"/>
+              </a:solidFill>
+              <a:latin typeface="Arial" panose="020B0604020202020204" pitchFamily="34" charset="0"/>
+              <a:ea typeface="微软雅黑" panose="020B0503020204020204" pitchFamily="34" charset="-122"/>
+              <a:cs typeface="+mn-ea"/>
+              <a:sym typeface="Arial" panose="020B0604020202020204" pitchFamily="34" charset="0"/>
+            </a:endParaRPr>
           </a:p>
         </p:txBody>
       </p:sp>
@@ -22324,6 +22634,15 @@
               </a:rPr>
               <a:t>涨薪</a:t>
             </a:r>
+            <a:endParaRPr lang="zh-CN" altLang="en-US" sz="2000" dirty="0">
+              <a:solidFill>
+                <a:schemeClr val="tx1"/>
+              </a:solidFill>
+              <a:latin typeface="Arial" panose="020B0604020202020204" pitchFamily="34" charset="0"/>
+              <a:ea typeface="微软雅黑" panose="020B0503020204020204" pitchFamily="34" charset="-122"/>
+              <a:cs typeface="+mn-ea"/>
+              <a:sym typeface="Arial" panose="020B0604020202020204" pitchFamily="34" charset="0"/>
+            </a:endParaRPr>
           </a:p>
         </p:txBody>
       </p:sp>
@@ -22385,6 +22704,12 @@
               </a:rPr>
               <a:t>40</a:t>
             </a:r>
+            <a:endParaRPr lang="en-US" sz="2000" dirty="0">
+              <a:latin typeface="Arial" panose="020B0604020202020204" pitchFamily="34" charset="0"/>
+              <a:ea typeface="微软雅黑" panose="020B0503020204020204" pitchFamily="34" charset="-122"/>
+              <a:cs typeface="+mn-ea"/>
+              <a:sym typeface="Arial" panose="020B0604020202020204" pitchFamily="34" charset="0"/>
+            </a:endParaRPr>
           </a:p>
         </p:txBody>
       </p:sp>
@@ -22461,6 +22786,12 @@
               </a:rPr>
               <a:t>200</a:t>
             </a:r>
+            <a:endParaRPr lang="en-US" sz="2000" dirty="0">
+              <a:latin typeface="Arial" panose="020B0604020202020204" pitchFamily="34" charset="0"/>
+              <a:ea typeface="微软雅黑" panose="020B0503020204020204" pitchFamily="34" charset="-122"/>
+              <a:cs typeface="+mn-ea"/>
+              <a:sym typeface="Arial" panose="020B0604020202020204" pitchFamily="34" charset="0"/>
+            </a:endParaRPr>
           </a:p>
         </p:txBody>
       </p:sp>
@@ -22518,6 +22849,12 @@
               </a:rPr>
               <a:t>450</a:t>
             </a:r>
+            <a:endParaRPr lang="en-US" sz="2000" dirty="0">
+              <a:latin typeface="Arial" panose="020B0604020202020204" pitchFamily="34" charset="0"/>
+              <a:ea typeface="微软雅黑" panose="020B0503020204020204" pitchFamily="34" charset="-122"/>
+              <a:cs typeface="+mn-ea"/>
+              <a:sym typeface="Arial" panose="020B0604020202020204" pitchFamily="34" charset="0"/>
+            </a:endParaRPr>
           </a:p>
         </p:txBody>
       </p:sp>
@@ -22579,6 +22916,12 @@
               </a:rPr>
               <a:t>1950</a:t>
             </a:r>
+            <a:endParaRPr lang="en-US" sz="2000" dirty="0">
+              <a:latin typeface="Arial" panose="020B0604020202020204" pitchFamily="34" charset="0"/>
+              <a:ea typeface="微软雅黑" panose="020B0503020204020204" pitchFamily="34" charset="-122"/>
+              <a:cs typeface="+mn-ea"/>
+              <a:sym typeface="Arial" panose="020B0604020202020204" pitchFamily="34" charset="0"/>
+            </a:endParaRPr>
           </a:p>
         </p:txBody>
       </p:sp>
@@ -22655,6 +22998,12 @@
               </a:rPr>
               <a:t>2000</a:t>
             </a:r>
+            <a:endParaRPr lang="en-US" sz="2000" dirty="0">
+              <a:latin typeface="Arial" panose="020B0604020202020204" pitchFamily="34" charset="0"/>
+              <a:ea typeface="微软雅黑" panose="020B0503020204020204" pitchFamily="34" charset="-122"/>
+              <a:cs typeface="+mn-ea"/>
+              <a:sym typeface="Arial" panose="020B0604020202020204" pitchFamily="34" charset="0"/>
+            </a:endParaRPr>
           </a:p>
         </p:txBody>
       </p:sp>
@@ -22712,6 +23061,12 @@
               </a:rPr>
               <a:t>3200</a:t>
             </a:r>
+            <a:endParaRPr lang="en-US" sz="2000" dirty="0">
+              <a:latin typeface="Arial" panose="020B0604020202020204" pitchFamily="34" charset="0"/>
+              <a:ea typeface="微软雅黑" panose="020B0503020204020204" pitchFamily="34" charset="-122"/>
+              <a:cs typeface="+mn-ea"/>
+              <a:sym typeface="Arial" panose="020B0604020202020204" pitchFamily="34" charset="0"/>
+            </a:endParaRPr>
           </a:p>
         </p:txBody>
       </p:sp>
@@ -22750,6 +23105,16 @@
               </a:rPr>
               <a:t>成长历程</a:t>
             </a:r>
+            <a:endParaRPr lang="zh-CN" altLang="en-US" sz="3200" dirty="0">
+              <a:solidFill>
+                <a:schemeClr val="bg1">
+                  <a:lumMod val="65000"/>
+                </a:schemeClr>
+              </a:solidFill>
+              <a:latin typeface="Arial" panose="020B0604020202020204" pitchFamily="34" charset="0"/>
+              <a:ea typeface="微软雅黑" panose="020B0503020204020204" pitchFamily="34" charset="-122"/>
+              <a:sym typeface="Arial" panose="020B0604020202020204" pitchFamily="34" charset="0"/>
+            </a:endParaRPr>
           </a:p>
         </p:txBody>
       </p:sp>
@@ -22761,13 +23126,13 @@
   <p:clrMapOvr>
     <a:masterClrMapping/>
   </p:clrMapOvr>
-  <mc:AlternateContent xmlns:mc="http://schemas.openxmlformats.org/markup-compatibility/2006" xmlns:p14="http://schemas.microsoft.com/office/powerpoint/2010/main">
-    <mc:Choice Requires="p14">
+  <mc:AlternateContent xmlns:mc="http://schemas.openxmlformats.org/markup-compatibility/2006">
+    <mc:Choice xmlns:p14="http://schemas.microsoft.com/office/powerpoint/2010/main" Requires="p14">
       <p:transition spd="slow" p14:dur="1250">
         <p14:flip dir="r"/>
       </p:transition>
     </mc:Choice>
-    <mc:Fallback xmlns="">
+    <mc:Fallback>
       <p:transition spd="slow">
         <p:fade/>
       </p:transition>
@@ -24501,6 +24866,16 @@
               </a:rPr>
               <a:t>成长历程</a:t>
             </a:r>
+            <a:endParaRPr lang="zh-CN" altLang="en-US" sz="3200" dirty="0">
+              <a:solidFill>
+                <a:schemeClr val="bg1">
+                  <a:lumMod val="65000"/>
+                </a:schemeClr>
+              </a:solidFill>
+              <a:latin typeface="Arial" panose="020B0604020202020204" pitchFamily="34" charset="0"/>
+              <a:ea typeface="微软雅黑" panose="020B0503020204020204" pitchFamily="34" charset="-122"/>
+              <a:sym typeface="Arial" panose="020B0604020202020204" pitchFamily="34" charset="0"/>
+            </a:endParaRPr>
           </a:p>
         </p:txBody>
       </p:sp>
@@ -24547,13 +24922,13 @@
   <p:clrMapOvr>
     <a:masterClrMapping/>
   </p:clrMapOvr>
-  <mc:AlternateContent xmlns:mc="http://schemas.openxmlformats.org/markup-compatibility/2006" xmlns:p14="http://schemas.microsoft.com/office/powerpoint/2010/main">
-    <mc:Choice Requires="p14">
+  <mc:AlternateContent xmlns:mc="http://schemas.openxmlformats.org/markup-compatibility/2006">
+    <mc:Choice xmlns:p14="http://schemas.microsoft.com/office/powerpoint/2010/main" Requires="p14">
       <p:transition spd="slow" p14:dur="1250">
         <p:push/>
       </p:transition>
     </mc:Choice>
-    <mc:Fallback xmlns="">
+    <mc:Fallback>
       <p:transition spd="slow">
         <p:push/>
       </p:transition>
@@ -24694,6 +25069,11 @@
               </a:rPr>
               <a:t>，遇到这个大家庭就是我的机会（大家同意还是不同意啊）。在这里我看到了一个努力、积极向上的团队，大家一起学习一起进步，朝着一个共同的目标在奋斗。在这里大家互帮互助，这是在很多传统行业都很缺少的。</a:t>
             </a:r>
+            <a:endParaRPr lang="zh-CN" altLang="en-US" sz="2400">
+              <a:latin typeface="+mj-ea"/>
+              <a:ea typeface="+mj-ea"/>
+              <a:cs typeface="+mj-ea"/>
+            </a:endParaRPr>
           </a:p>
         </p:txBody>
       </p:sp>
@@ -24778,6 +25158,14 @@
               </a:rPr>
               <a:t>我的葆婴故事</a:t>
             </a:r>
+            <a:endParaRPr lang="zh-CN" altLang="en-US" sz="6000" b="1" dirty="0">
+              <a:solidFill>
+                <a:schemeClr val="accent1"/>
+              </a:solidFill>
+              <a:latin typeface="Arial" panose="020B0604020202020204" pitchFamily="34" charset="0"/>
+              <a:ea typeface="微软雅黑" panose="020B0503020204020204" pitchFamily="34" charset="-122"/>
+              <a:sym typeface="Arial" panose="020B0604020202020204" pitchFamily="34" charset="0"/>
+            </a:endParaRPr>
           </a:p>
         </p:txBody>
       </p:sp>
@@ -25252,6 +25640,16 @@
               </a:rPr>
               <a:t>我的葆婴故事</a:t>
             </a:r>
+            <a:endParaRPr lang="zh-CN" altLang="en-US" sz="3200" dirty="0">
+              <a:solidFill>
+                <a:schemeClr val="bg1">
+                  <a:lumMod val="65000"/>
+                </a:schemeClr>
+              </a:solidFill>
+              <a:latin typeface="Arial" panose="020B0604020202020204" pitchFamily="34" charset="0"/>
+              <a:ea typeface="微软雅黑" panose="020B0503020204020204" pitchFamily="34" charset="-122"/>
+              <a:sym typeface="Arial" panose="020B0604020202020204" pitchFamily="34" charset="0"/>
+            </a:endParaRPr>
           </a:p>
         </p:txBody>
       </p:sp>
@@ -25373,6 +25771,10 @@
               </a:rPr>
               <a:t>月底又开始是同样的症状，然后在朋友的推荐下开始尝试吃葆婴蛋白粉，刚开始也只是源于对朋友的信任尝试着看是否能有所好转，吃了一段时间后明显好了很多。</a:t>
             </a:r>
+            <a:endParaRPr lang="zh-CN" altLang="en-US" sz="2800" dirty="0">
+              <a:latin typeface="微软雅黑" panose="020B0503020204020204" pitchFamily="34" charset="-122"/>
+              <a:ea typeface="微软雅黑" panose="020B0503020204020204" pitchFamily="34" charset="-122"/>
+            </a:endParaRPr>
           </a:p>
         </p:txBody>
       </p:sp>
@@ -25469,6 +25871,14 @@
               </a:rPr>
               <a:t>葆婴事业优势</a:t>
             </a:r>
+            <a:endParaRPr lang="zh-CN" altLang="en-US" sz="6000" b="1" dirty="0">
+              <a:solidFill>
+                <a:schemeClr val="accent1"/>
+              </a:solidFill>
+              <a:latin typeface="Arial" panose="020B0604020202020204" pitchFamily="34" charset="0"/>
+              <a:ea typeface="微软雅黑" panose="020B0503020204020204" pitchFamily="34" charset="-122"/>
+              <a:sym typeface="Arial" panose="020B0604020202020204" pitchFamily="34" charset="0"/>
+            </a:endParaRPr>
           </a:p>
         </p:txBody>
       </p:sp>
@@ -25859,7 +26269,480 @@
 </file>
 
 <file path=ppt/tags/tag1.xml><?xml version="1.0" encoding="utf-8"?>
-<p:tagLst xmlns:a="http://schemas.openxmlformats.org/drawingml/2006/main" xmlns:r="http://schemas.openxmlformats.org/officeDocument/2006/relationships" xmlns:p="http://schemas.openxmlformats.org/presentationml/2006/main">
+<p:tagLst xmlns:p="http://schemas.openxmlformats.org/presentationml/2006/main">
+  <p:tag name="KSO_WM_UNIT_HIGHLIGHT" val="0"/>
+  <p:tag name="KSO_WM_UNIT_COMPATIBLE" val="0"/>
+  <p:tag name="KSO_WM_UNIT_DIAGRAM_ISNUMVISUAL" val="0"/>
+  <p:tag name="KSO_WM_UNIT_DIAGRAM_ISREFERUNIT" val="0"/>
+  <p:tag name="KSO_WM_UNIT_ID" val="_1**"/>
+  <p:tag name="KSO_WM_UNIT_LAYERLEVEL" val="1"/>
+  <p:tag name="KSO_WM_TAG_VERSION" val="1.0"/>
+  <p:tag name="KSO_WM_BEAUTIFY_FLAG" val="#wm#"/>
+  <p:tag name="KSO_WM_SLIDE_BACKGROUND_MASK_FLAG" val="1"/>
+</p:tagLst>
+</file>
+
+<file path=ppt/tags/tag10.xml><?xml version="1.0" encoding="utf-8"?>
+<p:tagLst xmlns:p="http://schemas.openxmlformats.org/presentationml/2006/main">
+  <p:tag name="KSO_WM_UNIT_HIGHLIGHT" val="0"/>
+  <p:tag name="KSO_WM_UNIT_COMPATIBLE" val="0"/>
+  <p:tag name="KSO_WM_UNIT_DIAGRAM_ISNUMVISUAL" val="0"/>
+  <p:tag name="KSO_WM_UNIT_DIAGRAM_ISREFERUNIT" val="0"/>
+  <p:tag name="KSO_WM_UNIT_ID" val="_2**"/>
+  <p:tag name="KSO_WM_UNIT_LAYERLEVEL" val="1"/>
+  <p:tag name="KSO_WM_TAG_VERSION" val="1.0"/>
+  <p:tag name="KSO_WM_BEAUTIFY_FLAG" val="#wm#"/>
+</p:tagLst>
+</file>
+
+<file path=ppt/tags/tag100.xml><?xml version="1.0" encoding="utf-8"?>
+<p:tagLst xmlns:p="http://schemas.openxmlformats.org/presentationml/2006/main">
+  <p:tag name="KSO_WM_UNIT_HIGHLIGHT" val="0"/>
+  <p:tag name="KSO_WM_UNIT_COMPATIBLE" val="0"/>
+  <p:tag name="KSO_WM_UNIT_DIAGRAM_ISNUMVISUAL" val="0"/>
+  <p:tag name="KSO_WM_UNIT_DIAGRAM_ISREFERUNIT" val="0"/>
+  <p:tag name="KSO_WM_UNIT_ID" val="_16**"/>
+  <p:tag name="KSO_WM_UNIT_LAYERLEVEL" val="1"/>
+  <p:tag name="KSO_WM_TAG_VERSION" val="1.0"/>
+  <p:tag name="KSO_WM_BEAUTIFY_FLAG" val="#wm#"/>
+  <p:tag name="KSO_WM_SLIDE_BACKGROUND_TYPE" val="bottomTop"/>
+  <p:tag name="KSO_WM_SLIDE_BK_DARK_LIGHT" val="2"/>
+</p:tagLst>
+</file>
+
+<file path=ppt/tags/tag101.xml><?xml version="1.0" encoding="utf-8"?>
+<p:tagLst xmlns:p="http://schemas.openxmlformats.org/presentationml/2006/main">
+  <p:tag name="KSO_WM_UNIT_HIGHLIGHT" val="0"/>
+  <p:tag name="KSO_WM_UNIT_COMPATIBLE" val="0"/>
+  <p:tag name="KSO_WM_UNIT_DIAGRAM_ISNUMVISUAL" val="0"/>
+  <p:tag name="KSO_WM_UNIT_DIAGRAM_ISREFERUNIT" val="0"/>
+  <p:tag name="KSO_WM_UNIT_ID" val="_16**"/>
+  <p:tag name="KSO_WM_UNIT_LAYERLEVEL" val="1"/>
+  <p:tag name="KSO_WM_TAG_VERSION" val="1.0"/>
+  <p:tag name="KSO_WM_BEAUTIFY_FLAG" val="#wm#"/>
+  <p:tag name="KSO_WM_SLIDE_BACKGROUND_TYPE" val="bottomTop"/>
+  <p:tag name="KSO_WM_SLIDE_BK_DARK_LIGHT" val="2"/>
+</p:tagLst>
+</file>
+
+<file path=ppt/tags/tag102.xml><?xml version="1.0" encoding="utf-8"?>
+<p:tagLst xmlns:p="http://schemas.openxmlformats.org/presentationml/2006/main">
+  <p:tag name="KSO_WM_UNIT_HIGHLIGHT" val="0"/>
+  <p:tag name="KSO_WM_UNIT_COMPATIBLE" val="0"/>
+  <p:tag name="KSO_WM_UNIT_DIAGRAM_ISNUMVISUAL" val="0"/>
+  <p:tag name="KSO_WM_UNIT_DIAGRAM_ISREFERUNIT" val="0"/>
+  <p:tag name="KSO_WM_UNIT_ID" val="_16**"/>
+  <p:tag name="KSO_WM_UNIT_LAYERLEVEL" val="1"/>
+  <p:tag name="KSO_WM_TAG_VERSION" val="1.0"/>
+  <p:tag name="KSO_WM_BEAUTIFY_FLAG" val="#wm#"/>
+  <p:tag name="KSO_WM_SLIDE_BACKGROUND_TYPE" val="bottomTop"/>
+  <p:tag name="KSO_WM_SLIDE_BK_DARK_LIGHT" val="2"/>
+</p:tagLst>
+</file>
+
+<file path=ppt/tags/tag103.xml><?xml version="1.0" encoding="utf-8"?>
+<p:tagLst xmlns:p="http://schemas.openxmlformats.org/presentationml/2006/main">
+  <p:tag name="KSO_WM_UNIT_HIGHLIGHT" val="0"/>
+  <p:tag name="KSO_WM_UNIT_COMPATIBLE" val="0"/>
+  <p:tag name="KSO_WM_UNIT_DIAGRAM_ISNUMVISUAL" val="0"/>
+  <p:tag name="KSO_WM_UNIT_DIAGRAM_ISREFERUNIT" val="0"/>
+  <p:tag name="KSO_WM_UNIT_ID" val="_16**"/>
+  <p:tag name="KSO_WM_UNIT_LAYERLEVEL" val="1"/>
+  <p:tag name="KSO_WM_TAG_VERSION" val="1.0"/>
+  <p:tag name="KSO_WM_BEAUTIFY_FLAG" val="#wm#"/>
+  <p:tag name="KSO_WM_SLIDE_BACKGROUND_TYPE" val="bottomTop"/>
+  <p:tag name="KSO_WM_SLIDE_BK_DARK_LIGHT" val="2"/>
+</p:tagLst>
+</file>
+
+<file path=ppt/tags/tag104.xml><?xml version="1.0" encoding="utf-8"?>
+<p:tagLst xmlns:p="http://schemas.openxmlformats.org/presentationml/2006/main">
+  <p:tag name="KSO_WM_UNIT_HIGHLIGHT" val="0"/>
+  <p:tag name="KSO_WM_UNIT_COMPATIBLE" val="0"/>
+  <p:tag name="KSO_WM_UNIT_DIAGRAM_ISNUMVISUAL" val="0"/>
+  <p:tag name="KSO_WM_UNIT_DIAGRAM_ISREFERUNIT" val="0"/>
+  <p:tag name="KSO_WM_UNIT_ID" val="_16**"/>
+  <p:tag name="KSO_WM_UNIT_LAYERLEVEL" val="1"/>
+  <p:tag name="KSO_WM_TAG_VERSION" val="1.0"/>
+  <p:tag name="KSO_WM_BEAUTIFY_FLAG" val="#wm#"/>
+  <p:tag name="KSO_WM_SLIDE_BACKGROUND_TYPE" val="bottomTop"/>
+  <p:tag name="KSO_WM_SLIDE_BK_DARK_LIGHT" val="2"/>
+</p:tagLst>
+</file>
+
+<file path=ppt/tags/tag105.xml><?xml version="1.0" encoding="utf-8"?>
+<p:tagLst xmlns:p="http://schemas.openxmlformats.org/presentationml/2006/main">
+  <p:tag name="KSO_WM_UNIT_HIGHLIGHT" val="0"/>
+  <p:tag name="KSO_WM_UNIT_COMPATIBLE" val="0"/>
+  <p:tag name="KSO_WM_UNIT_DIAGRAM_ISNUMVISUAL" val="0"/>
+  <p:tag name="KSO_WM_UNIT_DIAGRAM_ISREFERUNIT" val="0"/>
+  <p:tag name="KSO_WM_UNIT_ID" val="_16**"/>
+  <p:tag name="KSO_WM_UNIT_LAYERLEVEL" val="1"/>
+  <p:tag name="KSO_WM_TAG_VERSION" val="1.0"/>
+  <p:tag name="KSO_WM_BEAUTIFY_FLAG" val="#wm#"/>
+  <p:tag name="KSO_WM_SLIDE_BACKGROUND_TYPE" val="bottomTop"/>
+  <p:tag name="KSO_WM_SLIDE_BK_DARK_LIGHT" val="2"/>
+</p:tagLst>
+</file>
+
+<file path=ppt/tags/tag106.xml><?xml version="1.0" encoding="utf-8"?>
+<p:tagLst xmlns:p="http://schemas.openxmlformats.org/presentationml/2006/main">
+  <p:tag name="KSO_WM_UNIT_HIGHLIGHT" val="0"/>
+  <p:tag name="KSO_WM_UNIT_COMPATIBLE" val="0"/>
+  <p:tag name="KSO_WM_UNIT_DIAGRAM_ISNUMVISUAL" val="0"/>
+  <p:tag name="KSO_WM_UNIT_DIAGRAM_ISREFERUNIT" val="0"/>
+  <p:tag name="KSO_WM_UNIT_ID" val="_16**"/>
+  <p:tag name="KSO_WM_UNIT_LAYERLEVEL" val="1"/>
+  <p:tag name="KSO_WM_TAG_VERSION" val="1.0"/>
+  <p:tag name="KSO_WM_BEAUTIFY_FLAG" val="#wm#"/>
+  <p:tag name="KSO_WM_SLIDE_BACKGROUND_TYPE" val="bottomTop"/>
+  <p:tag name="KSO_WM_SLIDE_BK_DARK_LIGHT" val="2"/>
+</p:tagLst>
+</file>
+
+<file path=ppt/tags/tag107.xml><?xml version="1.0" encoding="utf-8"?>
+<p:tagLst xmlns:p="http://schemas.openxmlformats.org/presentationml/2006/main">
+  <p:tag name="KSO_WM_UNIT_HIGHLIGHT" val="0"/>
+  <p:tag name="KSO_WM_UNIT_COMPATIBLE" val="0"/>
+  <p:tag name="KSO_WM_UNIT_DIAGRAM_ISNUMVISUAL" val="0"/>
+  <p:tag name="KSO_WM_UNIT_DIAGRAM_ISREFERUNIT" val="0"/>
+  <p:tag name="KSO_WM_UNIT_ID" val="_17*i*1"/>
+  <p:tag name="KSO_WM_UNIT_LAYERLEVEL" val="1"/>
+  <p:tag name="KSO_WM_TAG_VERSION" val="1.0"/>
+  <p:tag name="KSO_WM_BEAUTIFY_FLAG" val="#wm#"/>
+  <p:tag name="KSO_WM_UNIT_TYPE" val="i"/>
+  <p:tag name="KSO_WM_UNIT_INDEX" val="1"/>
+  <p:tag name="KSO_WM_UNIT_SUBTYPE" val="h"/>
+  <p:tag name="KSO_WM_SLIDE_BACKGROUND_TYPE" val="navigation"/>
+  <p:tag name="KSO_WM_SLIDE_BK_DARK_LIGHT" val="2"/>
+  <p:tag name="KSO_WM_UNIT_BK_DARK_LIGHT" val="2"/>
+</p:tagLst>
+</file>
+
+<file path=ppt/tags/tag108.xml><?xml version="1.0" encoding="utf-8"?>
+<p:tagLst xmlns:p="http://schemas.openxmlformats.org/presentationml/2006/main">
+  <p:tag name="KSO_WM_UNIT_HIGHLIGHT" val="0"/>
+  <p:tag name="KSO_WM_UNIT_COMPATIBLE" val="0"/>
+  <p:tag name="KSO_WM_UNIT_DIAGRAM_ISNUMVISUAL" val="0"/>
+  <p:tag name="KSO_WM_UNIT_DIAGRAM_ISREFERUNIT" val="0"/>
+  <p:tag name="KSO_WM_UNIT_ID" val="_17**"/>
+  <p:tag name="KSO_WM_UNIT_LAYERLEVEL" val="1"/>
+  <p:tag name="KSO_WM_TAG_VERSION" val="1.0"/>
+  <p:tag name="KSO_WM_BEAUTIFY_FLAG" val="#wm#"/>
+  <p:tag name="KSO_WM_SLIDE_BACKGROUND_TYPE" val="navigation"/>
+  <p:tag name="KSO_WM_SLIDE_BK_DARK_LIGHT" val="2"/>
+</p:tagLst>
+</file>
+
+<file path=ppt/tags/tag109.xml><?xml version="1.0" encoding="utf-8"?>
+<p:tagLst xmlns:p="http://schemas.openxmlformats.org/presentationml/2006/main">
+  <p:tag name="KSO_WM_UNIT_HIGHLIGHT" val="0"/>
+  <p:tag name="KSO_WM_UNIT_COMPATIBLE" val="0"/>
+  <p:tag name="KSO_WM_UNIT_DIAGRAM_ISNUMVISUAL" val="0"/>
+  <p:tag name="KSO_WM_UNIT_DIAGRAM_ISREFERUNIT" val="0"/>
+  <p:tag name="KSO_WM_UNIT_ID" val="_17**"/>
+  <p:tag name="KSO_WM_UNIT_LAYERLEVEL" val="1"/>
+  <p:tag name="KSO_WM_TAG_VERSION" val="1.0"/>
+  <p:tag name="KSO_WM_BEAUTIFY_FLAG" val="#wm#"/>
+  <p:tag name="KSO_WM_SLIDE_BACKGROUND_TYPE" val="navigation"/>
+  <p:tag name="KSO_WM_SLIDE_BK_DARK_LIGHT" val="2"/>
+</p:tagLst>
+</file>
+
+<file path=ppt/tags/tag11.xml><?xml version="1.0" encoding="utf-8"?>
+<p:tagLst xmlns:p="http://schemas.openxmlformats.org/presentationml/2006/main">
+  <p:tag name="KSO_WM_UNIT_HIGHLIGHT" val="0"/>
+  <p:tag name="KSO_WM_UNIT_COMPATIBLE" val="0"/>
+  <p:tag name="KSO_WM_UNIT_DIAGRAM_ISNUMVISUAL" val="0"/>
+  <p:tag name="KSO_WM_UNIT_DIAGRAM_ISREFERUNIT" val="0"/>
+  <p:tag name="KSO_WM_UNIT_ID" val="_2**"/>
+  <p:tag name="KSO_WM_UNIT_LAYERLEVEL" val="1"/>
+  <p:tag name="KSO_WM_TAG_VERSION" val="1.0"/>
+  <p:tag name="KSO_WM_BEAUTIFY_FLAG" val="#wm#"/>
+</p:tagLst>
+</file>
+
+<file path=ppt/tags/tag110.xml><?xml version="1.0" encoding="utf-8"?>
+<p:tagLst xmlns:p="http://schemas.openxmlformats.org/presentationml/2006/main">
+  <p:tag name="KSO_WM_UNIT_HIGHLIGHT" val="0"/>
+  <p:tag name="KSO_WM_UNIT_COMPATIBLE" val="0"/>
+  <p:tag name="KSO_WM_UNIT_DIAGRAM_ISNUMVISUAL" val="0"/>
+  <p:tag name="KSO_WM_UNIT_DIAGRAM_ISREFERUNIT" val="0"/>
+  <p:tag name="KSO_WM_UNIT_ID" val="_17**"/>
+  <p:tag name="KSO_WM_UNIT_LAYERLEVEL" val="1"/>
+  <p:tag name="KSO_WM_TAG_VERSION" val="1.0"/>
+  <p:tag name="KSO_WM_BEAUTIFY_FLAG" val="#wm#"/>
+  <p:tag name="KSO_WM_SLIDE_BACKGROUND_TYPE" val="navigation"/>
+  <p:tag name="KSO_WM_SLIDE_BK_DARK_LIGHT" val="2"/>
+</p:tagLst>
+</file>
+
+<file path=ppt/tags/tag111.xml><?xml version="1.0" encoding="utf-8"?>
+<p:tagLst xmlns:p="http://schemas.openxmlformats.org/presentationml/2006/main">
+  <p:tag name="KSO_WM_UNIT_HIGHLIGHT" val="0"/>
+  <p:tag name="KSO_WM_UNIT_COMPATIBLE" val="0"/>
+  <p:tag name="KSO_WM_UNIT_DIAGRAM_ISNUMVISUAL" val="0"/>
+  <p:tag name="KSO_WM_UNIT_DIAGRAM_ISREFERUNIT" val="0"/>
+  <p:tag name="KSO_WM_UNIT_ID" val="_17**"/>
+  <p:tag name="KSO_WM_UNIT_LAYERLEVEL" val="1"/>
+  <p:tag name="KSO_WM_TAG_VERSION" val="1.0"/>
+  <p:tag name="KSO_WM_BEAUTIFY_FLAG" val="#wm#"/>
+  <p:tag name="KSO_WM_SLIDE_BACKGROUND_TYPE" val="navigation"/>
+  <p:tag name="KSO_WM_SLIDE_BK_DARK_LIGHT" val="2"/>
+</p:tagLst>
+</file>
+
+<file path=ppt/tags/tag112.xml><?xml version="1.0" encoding="utf-8"?>
+<p:tagLst xmlns:p="http://schemas.openxmlformats.org/presentationml/2006/main">
+  <p:tag name="KSO_WM_UNIT_HIGHLIGHT" val="0"/>
+  <p:tag name="KSO_WM_UNIT_COMPATIBLE" val="0"/>
+  <p:tag name="KSO_WM_UNIT_DIAGRAM_ISNUMVISUAL" val="0"/>
+  <p:tag name="KSO_WM_UNIT_DIAGRAM_ISREFERUNIT" val="0"/>
+  <p:tag name="KSO_WM_UNIT_ID" val="_17**"/>
+  <p:tag name="KSO_WM_UNIT_LAYERLEVEL" val="1"/>
+  <p:tag name="KSO_WM_TAG_VERSION" val="1.0"/>
+  <p:tag name="KSO_WM_BEAUTIFY_FLAG" val="#wm#"/>
+  <p:tag name="KSO_WM_SLIDE_BACKGROUND_TYPE" val="navigation"/>
+  <p:tag name="KSO_WM_SLIDE_BK_DARK_LIGHT" val="2"/>
+</p:tagLst>
+</file>
+
+<file path=ppt/tags/tag113.xml><?xml version="1.0" encoding="utf-8"?>
+<p:tagLst xmlns:p="http://schemas.openxmlformats.org/presentationml/2006/main">
+  <p:tag name="KSO_WM_UNIT_HIGHLIGHT" val="0"/>
+  <p:tag name="KSO_WM_UNIT_COMPATIBLE" val="0"/>
+  <p:tag name="KSO_WM_UNIT_DIAGRAM_ISNUMVISUAL" val="0"/>
+  <p:tag name="KSO_WM_UNIT_DIAGRAM_ISREFERUNIT" val="0"/>
+  <p:tag name="KSO_WM_UNIT_ID" val="_17**"/>
+  <p:tag name="KSO_WM_UNIT_LAYERLEVEL" val="1"/>
+  <p:tag name="KSO_WM_TAG_VERSION" val="1.0"/>
+  <p:tag name="KSO_WM_BEAUTIFY_FLAG" val="#wm#"/>
+  <p:tag name="KSO_WM_SLIDE_BACKGROUND_TYPE" val="navigation"/>
+  <p:tag name="KSO_WM_SLIDE_BK_DARK_LIGHT" val="2"/>
+</p:tagLst>
+</file>
+
+<file path=ppt/tags/tag114.xml><?xml version="1.0" encoding="utf-8"?>
+<p:tagLst xmlns:p="http://schemas.openxmlformats.org/presentationml/2006/main">
+  <p:tag name="KSO_WM_UNIT_HIGHLIGHT" val="0"/>
+  <p:tag name="KSO_WM_UNIT_COMPATIBLE" val="0"/>
+  <p:tag name="KSO_WM_UNIT_DIAGRAM_ISNUMVISUAL" val="0"/>
+  <p:tag name="KSO_WM_UNIT_DIAGRAM_ISREFERUNIT" val="0"/>
+  <p:tag name="KSO_WM_UNIT_ID" val="_17**"/>
+  <p:tag name="KSO_WM_UNIT_LAYERLEVEL" val="1"/>
+  <p:tag name="KSO_WM_TAG_VERSION" val="1.0"/>
+  <p:tag name="KSO_WM_BEAUTIFY_FLAG" val="#wm#"/>
+  <p:tag name="KSO_WM_SLIDE_BACKGROUND_TYPE" val="navigation"/>
+  <p:tag name="KSO_WM_SLIDE_BK_DARK_LIGHT" val="2"/>
+</p:tagLst>
+</file>
+
+<file path=ppt/tags/tag115.xml><?xml version="1.0" encoding="utf-8"?>
+<p:tagLst xmlns:p="http://schemas.openxmlformats.org/presentationml/2006/main">
+  <p:tag name="KSO_WM_UNIT_HIGHLIGHT" val="0"/>
+  <p:tag name="KSO_WM_UNIT_COMPATIBLE" val="0"/>
+  <p:tag name="KSO_WM_UNIT_DIAGRAM_ISNUMVISUAL" val="0"/>
+  <p:tag name="KSO_WM_UNIT_DIAGRAM_ISREFERUNIT" val="0"/>
+  <p:tag name="KSO_WM_UNIT_ID" val="_17**"/>
+  <p:tag name="KSO_WM_UNIT_LAYERLEVEL" val="1"/>
+  <p:tag name="KSO_WM_TAG_VERSION" val="1.0"/>
+  <p:tag name="KSO_WM_BEAUTIFY_FLAG" val="#wm#"/>
+  <p:tag name="KSO_WM_SLIDE_BACKGROUND_TYPE" val="navigation"/>
+  <p:tag name="KSO_WM_SLIDE_BK_DARK_LIGHT" val="2"/>
+</p:tagLst>
+</file>
+
+<file path=ppt/tags/tag116.xml><?xml version="1.0" encoding="utf-8"?>
+<p:tagLst xmlns:p="http://schemas.openxmlformats.org/presentationml/2006/main">
+  <p:tag name="KSO_WM_UNIT_HIGHLIGHT" val="0"/>
+  <p:tag name="KSO_WM_UNIT_COMPATIBLE" val="0"/>
+  <p:tag name="KSO_WM_UNIT_DIAGRAM_ISNUMVISUAL" val="0"/>
+  <p:tag name="KSO_WM_UNIT_DIAGRAM_ISREFERUNIT" val="0"/>
+  <p:tag name="KSO_WM_UNIT_ID" val="_17**"/>
+  <p:tag name="KSO_WM_UNIT_LAYERLEVEL" val="1"/>
+  <p:tag name="KSO_WM_TAG_VERSION" val="1.0"/>
+  <p:tag name="KSO_WM_BEAUTIFY_FLAG" val="#wm#"/>
+  <p:tag name="KSO_WM_SLIDE_BACKGROUND_TYPE" val="navigation"/>
+  <p:tag name="KSO_WM_SLIDE_BK_DARK_LIGHT" val="2"/>
+</p:tagLst>
+</file>
+
+<file path=ppt/tags/tag117.xml><?xml version="1.0" encoding="utf-8"?>
+<p:tagLst xmlns:p="http://schemas.openxmlformats.org/presentationml/2006/main">
+  <p:tag name="KSO_WM_UNIT_HIGHLIGHT" val="0"/>
+  <p:tag name="KSO_WM_UNIT_COMPATIBLE" val="0"/>
+  <p:tag name="KSO_WM_UNIT_DIAGRAM_ISNUMVISUAL" val="0"/>
+  <p:tag name="KSO_WM_UNIT_DIAGRAM_ISREFERUNIT" val="0"/>
+  <p:tag name="KSO_WM_UNIT_ID" val="_17**"/>
+  <p:tag name="KSO_WM_UNIT_LAYERLEVEL" val="1"/>
+  <p:tag name="KSO_WM_TAG_VERSION" val="1.0"/>
+  <p:tag name="KSO_WM_BEAUTIFY_FLAG" val="#wm#"/>
+  <p:tag name="KSO_WM_SLIDE_BACKGROUND_TYPE" val="navigation"/>
+  <p:tag name="KSO_WM_SLIDE_BK_DARK_LIGHT" val="2"/>
+</p:tagLst>
+</file>
+
+<file path=ppt/tags/tag118.xml><?xml version="1.0" encoding="utf-8"?>
+<p:tagLst xmlns:p="http://schemas.openxmlformats.org/presentationml/2006/main">
+  <p:tag name="KSO_WM_UNIT_HIGHLIGHT" val="0"/>
+  <p:tag name="KSO_WM_UNIT_COMPATIBLE" val="0"/>
+  <p:tag name="KSO_WM_UNIT_DIAGRAM_ISNUMVISUAL" val="0"/>
+  <p:tag name="KSO_WM_UNIT_DIAGRAM_ISREFERUNIT" val="0"/>
+  <p:tag name="KSO_WM_UNIT_ID" val="_17**"/>
+  <p:tag name="KSO_WM_UNIT_LAYERLEVEL" val="1"/>
+  <p:tag name="KSO_WM_TAG_VERSION" val="1.0"/>
+  <p:tag name="KSO_WM_BEAUTIFY_FLAG" val="#wm#"/>
+  <p:tag name="KSO_WM_SLIDE_BACKGROUND_TYPE" val="navigation"/>
+  <p:tag name="KSO_WM_SLIDE_BK_DARK_LIGHT" val="2"/>
+</p:tagLst>
+</file>
+
+<file path=ppt/tags/tag119.xml><?xml version="1.0" encoding="utf-8"?>
+<p:tagLst xmlns:p="http://schemas.openxmlformats.org/presentationml/2006/main">
+  <p:tag name="KSO_WM_UNIT_HIGHLIGHT" val="0"/>
+  <p:tag name="KSO_WM_UNIT_COMPATIBLE" val="0"/>
+  <p:tag name="KSO_WM_UNIT_DIAGRAM_ISNUMVISUAL" val="0"/>
+  <p:tag name="KSO_WM_UNIT_DIAGRAM_ISREFERUNIT" val="0"/>
+  <p:tag name="KSO_WM_UNIT_ID" val="_18*i*1"/>
+  <p:tag name="KSO_WM_UNIT_LAYERLEVEL" val="1"/>
+  <p:tag name="KSO_WM_TAG_VERSION" val="1.0"/>
+  <p:tag name="KSO_WM_BEAUTIFY_FLAG" val="#wm#"/>
+  <p:tag name="KSO_WM_UNIT_TYPE" val="i"/>
+  <p:tag name="KSO_WM_UNIT_INDEX" val="1"/>
+  <p:tag name="KSO_WM_UNIT_SUBTYPE" val="h"/>
+  <p:tag name="KSO_WM_SLIDE_BACKGROUND_TYPE" val="belt"/>
+  <p:tag name="KSO_WM_SLIDE_BK_DARK_LIGHT" val="2"/>
+  <p:tag name="KSO_WM_UNIT_BK_DARK_LIGHT" val="2"/>
+</p:tagLst>
+</file>
+
+<file path=ppt/tags/tag12.xml><?xml version="1.0" encoding="utf-8"?>
+<p:tagLst xmlns:p="http://schemas.openxmlformats.org/presentationml/2006/main">
+  <p:tag name="KSO_WM_UNIT_HIGHLIGHT" val="0"/>
+  <p:tag name="KSO_WM_UNIT_COMPATIBLE" val="0"/>
+  <p:tag name="KSO_WM_UNIT_DIAGRAM_ISNUMVISUAL" val="0"/>
+  <p:tag name="KSO_WM_UNIT_DIAGRAM_ISREFERUNIT" val="0"/>
+  <p:tag name="KSO_WM_UNIT_ID" val="_2**"/>
+  <p:tag name="KSO_WM_UNIT_LAYERLEVEL" val="1"/>
+  <p:tag name="KSO_WM_TAG_VERSION" val="1.0"/>
+  <p:tag name="KSO_WM_BEAUTIFY_FLAG" val="#wm#"/>
+</p:tagLst>
+</file>
+
+<file path=ppt/tags/tag120.xml><?xml version="1.0" encoding="utf-8"?>
+<p:tagLst xmlns:p="http://schemas.openxmlformats.org/presentationml/2006/main">
+  <p:tag name="KSO_WM_SLIDE_BACKGROUND_TYPE" val="belt"/>
+  <p:tag name="KSO_WM_SLIDE_BK_DARK_LIGHT" val="2"/>
+</p:tagLst>
+</file>
+
+<file path=ppt/tags/tag121.xml><?xml version="1.0" encoding="utf-8"?>
+<p:tagLst xmlns:p="http://schemas.openxmlformats.org/presentationml/2006/main">
+  <p:tag name="KSO_WM_UNIT_HIGHLIGHT" val="0"/>
+  <p:tag name="KSO_WM_UNIT_COMPATIBLE" val="0"/>
+  <p:tag name="KSO_WM_UNIT_DIAGRAM_ISNUMVISUAL" val="0"/>
+  <p:tag name="KSO_WM_UNIT_DIAGRAM_ISREFERUNIT" val="0"/>
+  <p:tag name="KSO_WM_UNIT_ID" val="_18**"/>
+  <p:tag name="KSO_WM_UNIT_LAYERLEVEL" val="1"/>
+  <p:tag name="KSO_WM_TAG_VERSION" val="1.0"/>
+  <p:tag name="KSO_WM_BEAUTIFY_FLAG" val="#wm#"/>
+  <p:tag name="KSO_WM_SLIDE_BACKGROUND_TYPE" val="belt"/>
+  <p:tag name="KSO_WM_SLIDE_BK_DARK_LIGHT" val="2"/>
+</p:tagLst>
+</file>
+
+<file path=ppt/tags/tag122.xml><?xml version="1.0" encoding="utf-8"?>
+<p:tagLst xmlns:p="http://schemas.openxmlformats.org/presentationml/2006/main">
+  <p:tag name="KSO_WM_UNIT_HIGHLIGHT" val="0"/>
+  <p:tag name="KSO_WM_UNIT_COMPATIBLE" val="0"/>
+  <p:tag name="KSO_WM_UNIT_DIAGRAM_ISNUMVISUAL" val="0"/>
+  <p:tag name="KSO_WM_UNIT_DIAGRAM_ISREFERUNIT" val="0"/>
+  <p:tag name="KSO_WM_UNIT_ID" val="_18**"/>
+  <p:tag name="KSO_WM_UNIT_LAYERLEVEL" val="1"/>
+  <p:tag name="KSO_WM_TAG_VERSION" val="1.0"/>
+  <p:tag name="KSO_WM_BEAUTIFY_FLAG" val="#wm#"/>
+  <p:tag name="KSO_WM_SLIDE_BACKGROUND_TYPE" val="belt"/>
+  <p:tag name="KSO_WM_SLIDE_BK_DARK_LIGHT" val="2"/>
+</p:tagLst>
+</file>
+
+<file path=ppt/tags/tag123.xml><?xml version="1.0" encoding="utf-8"?>
+<p:tagLst xmlns:p="http://schemas.openxmlformats.org/presentationml/2006/main">
+  <p:tag name="KSO_WM_UNIT_HIGHLIGHT" val="0"/>
+  <p:tag name="KSO_WM_UNIT_COMPATIBLE" val="0"/>
+  <p:tag name="KSO_WM_UNIT_DIAGRAM_ISNUMVISUAL" val="0"/>
+  <p:tag name="KSO_WM_UNIT_DIAGRAM_ISREFERUNIT" val="0"/>
+  <p:tag name="KSO_WM_UNIT_ID" val="_18**"/>
+  <p:tag name="KSO_WM_UNIT_LAYERLEVEL" val="1"/>
+  <p:tag name="KSO_WM_TAG_VERSION" val="1.0"/>
+  <p:tag name="KSO_WM_BEAUTIFY_FLAG" val="#wm#"/>
+  <p:tag name="KSO_WM_SLIDE_BACKGROUND_TYPE" val="belt"/>
+  <p:tag name="KSO_WM_SLIDE_BK_DARK_LIGHT" val="2"/>
+</p:tagLst>
+</file>
+
+<file path=ppt/tags/tag124.xml><?xml version="1.0" encoding="utf-8"?>
+<p:tagLst xmlns:p="http://schemas.openxmlformats.org/presentationml/2006/main">
+  <p:tag name="KSO_WM_UNIT_HIGHLIGHT" val="0"/>
+  <p:tag name="KSO_WM_UNIT_COMPATIBLE" val="0"/>
+  <p:tag name="KSO_WM_UNIT_DIAGRAM_ISNUMVISUAL" val="0"/>
+  <p:tag name="KSO_WM_UNIT_DIAGRAM_ISREFERUNIT" val="0"/>
+  <p:tag name="KSO_WM_UNIT_ID" val="_18**"/>
+  <p:tag name="KSO_WM_UNIT_LAYERLEVEL" val="1"/>
+  <p:tag name="KSO_WM_TAG_VERSION" val="1.0"/>
+  <p:tag name="KSO_WM_BEAUTIFY_FLAG" val="#wm#"/>
+  <p:tag name="KSO_WM_SLIDE_BACKGROUND_TYPE" val="belt"/>
+  <p:tag name="KSO_WM_SLIDE_BK_DARK_LIGHT" val="2"/>
+</p:tagLst>
+</file>
+
+<file path=ppt/tags/tag125.xml><?xml version="1.0" encoding="utf-8"?>
+<p:tagLst xmlns:p="http://schemas.openxmlformats.org/presentationml/2006/main">
+  <p:tag name="KSO_WM_UNIT_HIGHLIGHT" val="0"/>
+  <p:tag name="KSO_WM_UNIT_COMPATIBLE" val="0"/>
+  <p:tag name="KSO_WM_UNIT_DIAGRAM_ISNUMVISUAL" val="0"/>
+  <p:tag name="KSO_WM_UNIT_DIAGRAM_ISREFERUNIT" val="0"/>
+  <p:tag name="KSO_WM_UNIT_ID" val="_18**"/>
+  <p:tag name="KSO_WM_UNIT_LAYERLEVEL" val="1"/>
+  <p:tag name="KSO_WM_TAG_VERSION" val="1.0"/>
+  <p:tag name="KSO_WM_BEAUTIFY_FLAG" val="#wm#"/>
+  <p:tag name="KSO_WM_SLIDE_BACKGROUND_TYPE" val="belt"/>
+  <p:tag name="KSO_WM_SLIDE_BK_DARK_LIGHT" val="2"/>
+</p:tagLst>
+</file>
+
+<file path=ppt/tags/tag126.xml><?xml version="1.0" encoding="utf-8"?>
+<p:tagLst xmlns:p="http://schemas.openxmlformats.org/presentationml/2006/main">
+  <p:tag name="KSO_WM_UNIT_HIGHLIGHT" val="0"/>
+  <p:tag name="KSO_WM_UNIT_COMPATIBLE" val="0"/>
+  <p:tag name="KSO_WM_UNIT_DIAGRAM_ISNUMVISUAL" val="0"/>
+  <p:tag name="KSO_WM_UNIT_DIAGRAM_ISREFERUNIT" val="0"/>
+  <p:tag name="KSO_WM_UNIT_ID" val="_18**"/>
+  <p:tag name="KSO_WM_UNIT_LAYERLEVEL" val="1"/>
+  <p:tag name="KSO_WM_TAG_VERSION" val="1.0"/>
+  <p:tag name="KSO_WM_BEAUTIFY_FLAG" val="#wm#"/>
+  <p:tag name="KSO_WM_SLIDE_BACKGROUND_TYPE" val="belt"/>
+  <p:tag name="KSO_WM_SLIDE_BK_DARK_LIGHT" val="2"/>
+</p:tagLst>
+</file>
+
+<file path=ppt/tags/tag127.xml><?xml version="1.0" encoding="utf-8"?>
+<p:tagLst xmlns:p="http://schemas.openxmlformats.org/presentationml/2006/main">
+  <p:tag name="KSO_WM_UNIT_HIGHLIGHT" val="0"/>
+  <p:tag name="KSO_WM_UNIT_COMPATIBLE" val="0"/>
+  <p:tag name="KSO_WM_UNIT_DIAGRAM_ISNUMVISUAL" val="0"/>
+  <p:tag name="KSO_WM_UNIT_DIAGRAM_ISREFERUNIT" val="0"/>
+  <p:tag name="KSO_WM_UNIT_ID" val="_18**"/>
+  <p:tag name="KSO_WM_UNIT_LAYERLEVEL" val="1"/>
+  <p:tag name="KSO_WM_TAG_VERSION" val="1.0"/>
+  <p:tag name="KSO_WM_BEAUTIFY_FLAG" val="#wm#"/>
+  <p:tag name="KSO_WM_SLIDE_BACKGROUND_TYPE" val="belt"/>
+  <p:tag name="KSO_WM_SLIDE_BK_DARK_LIGHT" val="2"/>
+</p:tagLst>
+</file>
+
+<file path=ppt/tags/tag128.xml><?xml version="1.0" encoding="utf-8"?>
+<p:tagLst xmlns:p="http://schemas.openxmlformats.org/presentationml/2006/main">
   <p:tag name="KSO_WM_UNIT_HIGHLIGHT" val="0"/>
   <p:tag name="KSO_WM_UNIT_COMPATIBLE" val="0"/>
   <p:tag name="KSO_WM_UNIT_DIAGRAM_ISNUMVISUAL" val="0"/>
@@ -25873,8 +26756,222 @@
 </p:tagLst>
 </file>
 
-<file path=ppt/tags/tag10.xml><?xml version="1.0" encoding="utf-8"?>
-<p:tagLst xmlns:a="http://schemas.openxmlformats.org/drawingml/2006/main" xmlns:r="http://schemas.openxmlformats.org/officeDocument/2006/relationships" xmlns:p="http://schemas.openxmlformats.org/presentationml/2006/main">
+<file path=ppt/tags/tag129.xml><?xml version="1.0" encoding="utf-8"?>
+<p:tagLst xmlns:p="http://schemas.openxmlformats.org/presentationml/2006/main">
+  <p:tag name="KSO_WM_UNIT_HIGHLIGHT" val="0"/>
+  <p:tag name="KSO_WM_UNIT_COMPATIBLE" val="0"/>
+  <p:tag name="KSO_WM_UNIT_DIAGRAM_ISNUMVISUAL" val="0"/>
+  <p:tag name="KSO_WM_UNIT_DIAGRAM_ISREFERUNIT" val="0"/>
+  <p:tag name="KSO_WM_UNIT_ID" val="_0**"/>
+  <p:tag name="KSO_WM_UNIT_LAYERLEVEL" val="1"/>
+  <p:tag name="KSO_WM_TAG_VERSION" val="1.0"/>
+  <p:tag name="KSO_WM_BEAUTIFY_FLAG" val="#wm#"/>
+  <p:tag name="KSO_WM_TEMPLATE_CATEGORY" val="custom"/>
+  <p:tag name="KSO_WM_TEMPLATE_INDEX" val="20203902"/>
+</p:tagLst>
+</file>
+
+<file path=ppt/tags/tag13.xml><?xml version="1.0" encoding="utf-8"?>
+<p:tagLst xmlns:p="http://schemas.openxmlformats.org/presentationml/2006/main">
+  <p:tag name="KSO_WM_UNIT_HIGHLIGHT" val="0"/>
+  <p:tag name="KSO_WM_UNIT_COMPATIBLE" val="0"/>
+  <p:tag name="KSO_WM_UNIT_DIAGRAM_ISNUMVISUAL" val="0"/>
+  <p:tag name="KSO_WM_UNIT_DIAGRAM_ISREFERUNIT" val="0"/>
+  <p:tag name="KSO_WM_UNIT_ID" val="_2**"/>
+  <p:tag name="KSO_WM_UNIT_LAYERLEVEL" val="1"/>
+  <p:tag name="KSO_WM_TAG_VERSION" val="1.0"/>
+  <p:tag name="KSO_WM_BEAUTIFY_FLAG" val="#wm#"/>
+</p:tagLst>
+</file>
+
+<file path=ppt/tags/tag130.xml><?xml version="1.0" encoding="utf-8"?>
+<p:tagLst xmlns:p="http://schemas.openxmlformats.org/presentationml/2006/main">
+  <p:tag name="KSO_WM_UNIT_HIGHLIGHT" val="0"/>
+  <p:tag name="KSO_WM_UNIT_COMPATIBLE" val="0"/>
+  <p:tag name="KSO_WM_UNIT_DIAGRAM_ISNUMVISUAL" val="0"/>
+  <p:tag name="KSO_WM_UNIT_DIAGRAM_ISREFERUNIT" val="0"/>
+  <p:tag name="KSO_WM_UNIT_ID" val="_0**"/>
+  <p:tag name="KSO_WM_UNIT_LAYERLEVEL" val="1"/>
+  <p:tag name="KSO_WM_TAG_VERSION" val="1.0"/>
+  <p:tag name="KSO_WM_BEAUTIFY_FLAG" val="#wm#"/>
+</p:tagLst>
+</file>
+
+<file path=ppt/tags/tag131.xml><?xml version="1.0" encoding="utf-8"?>
+<p:tagLst xmlns:p="http://schemas.openxmlformats.org/presentationml/2006/main">
+  <p:tag name="KSO_WM_UNIT_HIGHLIGHT" val="0"/>
+  <p:tag name="KSO_WM_UNIT_COMPATIBLE" val="0"/>
+  <p:tag name="KSO_WM_UNIT_DIAGRAM_ISNUMVISUAL" val="0"/>
+  <p:tag name="KSO_WM_UNIT_DIAGRAM_ISREFERUNIT" val="0"/>
+  <p:tag name="KSO_WM_UNIT_ID" val="_0**"/>
+  <p:tag name="KSO_WM_UNIT_LAYERLEVEL" val="1"/>
+  <p:tag name="KSO_WM_TAG_VERSION" val="1.0"/>
+  <p:tag name="KSO_WM_BEAUTIFY_FLAG" val="#wm#"/>
+</p:tagLst>
+</file>
+
+<file path=ppt/tags/tag132.xml><?xml version="1.0" encoding="utf-8"?>
+<p:tagLst xmlns:p="http://schemas.openxmlformats.org/presentationml/2006/main">
+  <p:tag name="KSO_WM_UNIT_HIGHLIGHT" val="0"/>
+  <p:tag name="KSO_WM_UNIT_COMPATIBLE" val="0"/>
+  <p:tag name="KSO_WM_UNIT_DIAGRAM_ISNUMVISUAL" val="0"/>
+  <p:tag name="KSO_WM_UNIT_DIAGRAM_ISREFERUNIT" val="0"/>
+  <p:tag name="KSO_WM_UNIT_ID" val="_0**"/>
+  <p:tag name="KSO_WM_UNIT_LAYERLEVEL" val="1"/>
+  <p:tag name="KSO_WM_TAG_VERSION" val="1.0"/>
+  <p:tag name="KSO_WM_BEAUTIFY_FLAG" val="#wm#"/>
+</p:tagLst>
+</file>
+
+<file path=ppt/tags/tag133.xml><?xml version="1.0" encoding="utf-8"?>
+<p:tagLst xmlns:p="http://schemas.openxmlformats.org/presentationml/2006/main">
+  <p:tag name="KSO_WM_TEMPLATE_SUBCATEGORY" val="0"/>
+  <p:tag name="KSO_WM_TEMPLATE_MASTER_TYPE" val="1"/>
+  <p:tag name="KSO_WM_TEMPLATE_COLOR_TYPE" val="1"/>
+  <p:tag name="KSO_WM_TAG_VERSION" val="1.0"/>
+  <p:tag name="KSO_WM_BEAUTIFY_FLAG" val="#wm#"/>
+  <p:tag name="KSO_WM_TEMPLATE_CATEGORY" val="custom"/>
+  <p:tag name="KSO_WM_TEMPLATE_INDEX" val="20203902"/>
+  <p:tag name="KSO_WM_TEMPLATE_MASTER_THUMB_INDEX" val="12"/>
+  <p:tag name="KSO_WM_TEMPLATE_THUMBS_INDEX" val="1、4、6、7、9、10、11、12、14"/>
+</p:tagLst>
+</file>
+
+<file path=ppt/tags/tag134.xml><?xml version="1.0" encoding="utf-8"?>
+<p:tagLst xmlns:p="http://schemas.openxmlformats.org/presentationml/2006/main">
+  <p:tag name="MH" val="20160830110146"/>
+  <p:tag name="MH_LIBRARY" val="CONTENTS"/>
+  <p:tag name="MH_TYPE" val="OTHERS"/>
+  <p:tag name="ID" val="553512"/>
+</p:tagLst>
+</file>
+
+<file path=ppt/tags/tag135.xml><?xml version="1.0" encoding="utf-8"?>
+<p:tagLst xmlns:p="http://schemas.openxmlformats.org/presentationml/2006/main">
+  <p:tag name="MH" val="20160830110146"/>
+  <p:tag name="MH_LIBRARY" val="CONTENTS"/>
+  <p:tag name="MH_TYPE" val="OTHERS"/>
+  <p:tag name="ID" val="553512"/>
+</p:tagLst>
+</file>
+
+<file path=ppt/tags/tag136.xml><?xml version="1.0" encoding="utf-8"?>
+<p:tagLst xmlns:p="http://schemas.openxmlformats.org/presentationml/2006/main">
+  <p:tag name="MH" val="20160830110146"/>
+  <p:tag name="MH_LIBRARY" val="CONTENTS"/>
+  <p:tag name="MH_TYPE" val="ENTRY"/>
+  <p:tag name="ID" val="553512"/>
+  <p:tag name="MH_ORDER" val="1"/>
+</p:tagLst>
+</file>
+
+<file path=ppt/tags/tag137.xml><?xml version="1.0" encoding="utf-8"?>
+<p:tagLst xmlns:p="http://schemas.openxmlformats.org/presentationml/2006/main">
+  <p:tag name="MH" val="20160830110146"/>
+  <p:tag name="MH_LIBRARY" val="CONTENTS"/>
+  <p:tag name="MH_TYPE" val="ENTRY"/>
+  <p:tag name="ID" val="553512"/>
+  <p:tag name="MH_ORDER" val="2"/>
+</p:tagLst>
+</file>
+
+<file path=ppt/tags/tag138.xml><?xml version="1.0" encoding="utf-8"?>
+<p:tagLst xmlns:p="http://schemas.openxmlformats.org/presentationml/2006/main">
+  <p:tag name="MH" val="20160830110146"/>
+  <p:tag name="MH_LIBRARY" val="CONTENTS"/>
+  <p:tag name="MH_TYPE" val="ENTRY"/>
+  <p:tag name="ID" val="553512"/>
+  <p:tag name="MH_ORDER" val="3"/>
+</p:tagLst>
+</file>
+
+<file path=ppt/tags/tag139.xml><?xml version="1.0" encoding="utf-8"?>
+<p:tagLst xmlns:p="http://schemas.openxmlformats.org/presentationml/2006/main">
+  <p:tag name="KSO_WM_TEMPLATE_CATEGORY" val="custom"/>
+  <p:tag name="KSO_WM_TEMPLATE_INDEX" val="20203902"/>
+</p:tagLst>
+</file>
+
+<file path=ppt/tags/tag14.xml><?xml version="1.0" encoding="utf-8"?>
+<p:tagLst xmlns:p="http://schemas.openxmlformats.org/presentationml/2006/main">
+  <p:tag name="KSO_WM_UNIT_HIGHLIGHT" val="0"/>
+  <p:tag name="KSO_WM_UNIT_COMPATIBLE" val="0"/>
+  <p:tag name="KSO_WM_UNIT_DIAGRAM_ISNUMVISUAL" val="0"/>
+  <p:tag name="KSO_WM_UNIT_DIAGRAM_ISREFERUNIT" val="0"/>
+  <p:tag name="KSO_WM_UNIT_ID" val="_3**"/>
+  <p:tag name="KSO_WM_UNIT_LAYERLEVEL" val="1"/>
+  <p:tag name="KSO_WM_TAG_VERSION" val="1.0"/>
+  <p:tag name="KSO_WM_BEAUTIFY_FLAG" val="#wm#"/>
+</p:tagLst>
+</file>
+
+<file path=ppt/tags/tag15.xml><?xml version="1.0" encoding="utf-8"?>
+<p:tagLst xmlns:p="http://schemas.openxmlformats.org/presentationml/2006/main">
+  <p:tag name="KSO_WM_UNIT_HIGHLIGHT" val="0"/>
+  <p:tag name="KSO_WM_UNIT_COMPATIBLE" val="0"/>
+  <p:tag name="KSO_WM_UNIT_DIAGRAM_ISNUMVISUAL" val="0"/>
+  <p:tag name="KSO_WM_UNIT_DIAGRAM_ISREFERUNIT" val="0"/>
+  <p:tag name="KSO_WM_UNIT_ID" val="_3**"/>
+  <p:tag name="KSO_WM_UNIT_LAYERLEVEL" val="1"/>
+  <p:tag name="KSO_WM_TAG_VERSION" val="1.0"/>
+  <p:tag name="KSO_WM_BEAUTIFY_FLAG" val="#wm#"/>
+</p:tagLst>
+</file>
+
+<file path=ppt/tags/tag16.xml><?xml version="1.0" encoding="utf-8"?>
+<p:tagLst xmlns:p="http://schemas.openxmlformats.org/presentationml/2006/main">
+  <p:tag name="KSO_WM_UNIT_HIGHLIGHT" val="0"/>
+  <p:tag name="KSO_WM_UNIT_COMPATIBLE" val="0"/>
+  <p:tag name="KSO_WM_UNIT_DIAGRAM_ISNUMVISUAL" val="0"/>
+  <p:tag name="KSO_WM_UNIT_DIAGRAM_ISREFERUNIT" val="0"/>
+  <p:tag name="KSO_WM_UNIT_ID" val="_3**"/>
+  <p:tag name="KSO_WM_UNIT_LAYERLEVEL" val="1"/>
+  <p:tag name="KSO_WM_TAG_VERSION" val="1.0"/>
+  <p:tag name="KSO_WM_BEAUTIFY_FLAG" val="#wm#"/>
+</p:tagLst>
+</file>
+
+<file path=ppt/tags/tag17.xml><?xml version="1.0" encoding="utf-8"?>
+<p:tagLst xmlns:p="http://schemas.openxmlformats.org/presentationml/2006/main">
+  <p:tag name="KSO_WM_UNIT_HIGHLIGHT" val="0"/>
+  <p:tag name="KSO_WM_UNIT_COMPATIBLE" val="0"/>
+  <p:tag name="KSO_WM_UNIT_DIAGRAM_ISNUMVISUAL" val="0"/>
+  <p:tag name="KSO_WM_UNIT_DIAGRAM_ISREFERUNIT" val="0"/>
+  <p:tag name="KSO_WM_UNIT_ID" val="_3**"/>
+  <p:tag name="KSO_WM_UNIT_LAYERLEVEL" val="1"/>
+  <p:tag name="KSO_WM_TAG_VERSION" val="1.0"/>
+  <p:tag name="KSO_WM_BEAUTIFY_FLAG" val="#wm#"/>
+</p:tagLst>
+</file>
+
+<file path=ppt/tags/tag18.xml><?xml version="1.0" encoding="utf-8"?>
+<p:tagLst xmlns:p="http://schemas.openxmlformats.org/presentationml/2006/main">
+  <p:tag name="KSO_WM_UNIT_HIGHLIGHT" val="0"/>
+  <p:tag name="KSO_WM_UNIT_COMPATIBLE" val="0"/>
+  <p:tag name="KSO_WM_UNIT_DIAGRAM_ISNUMVISUAL" val="0"/>
+  <p:tag name="KSO_WM_UNIT_DIAGRAM_ISREFERUNIT" val="0"/>
+  <p:tag name="KSO_WM_UNIT_ID" val="_3**"/>
+  <p:tag name="KSO_WM_UNIT_LAYERLEVEL" val="1"/>
+  <p:tag name="KSO_WM_TAG_VERSION" val="1.0"/>
+  <p:tag name="KSO_WM_BEAUTIFY_FLAG" val="#wm#"/>
+</p:tagLst>
+</file>
+
+<file path=ppt/tags/tag19.xml><?xml version="1.0" encoding="utf-8"?>
+<p:tagLst xmlns:p="http://schemas.openxmlformats.org/presentationml/2006/main">
+  <p:tag name="KSO_WM_UNIT_HIGHLIGHT" val="0"/>
+  <p:tag name="KSO_WM_UNIT_COMPATIBLE" val="0"/>
+  <p:tag name="KSO_WM_UNIT_DIAGRAM_ISNUMVISUAL" val="0"/>
+  <p:tag name="KSO_WM_UNIT_DIAGRAM_ISREFERUNIT" val="0"/>
+  <p:tag name="KSO_WM_UNIT_ID" val="_3**"/>
+  <p:tag name="KSO_WM_UNIT_LAYERLEVEL" val="1"/>
+  <p:tag name="KSO_WM_TAG_VERSION" val="1.0"/>
+  <p:tag name="KSO_WM_BEAUTIFY_FLAG" val="#wm#"/>
+</p:tagLst>
+</file>
+
+<file path=ppt/tags/tag2.xml><?xml version="1.0" encoding="utf-8"?>
+<p:tagLst xmlns:p="http://schemas.openxmlformats.org/presentationml/2006/main">
   <p:tag name="KSO_WM_UNIT_HIGHLIGHT" val="0"/>
   <p:tag name="KSO_WM_UNIT_COMPATIBLE" val="0"/>
   <p:tag name="KSO_WM_UNIT_DIAGRAM_ISNUMVISUAL" val="0"/>
@@ -25887,8 +26984,1034 @@
 </p:tagLst>
 </file>
 
-<file path=ppt/tags/tag100.xml><?xml version="1.0" encoding="utf-8"?>
-<p:tagLst xmlns:a="http://schemas.openxmlformats.org/drawingml/2006/main" xmlns:r="http://schemas.openxmlformats.org/officeDocument/2006/relationships" xmlns:p="http://schemas.openxmlformats.org/presentationml/2006/main">
+<file path=ppt/tags/tag20.xml><?xml version="1.0" encoding="utf-8"?>
+<p:tagLst xmlns:p="http://schemas.openxmlformats.org/presentationml/2006/main">
+  <p:tag name="KSO_WM_UNIT_HIGHLIGHT" val="0"/>
+  <p:tag name="KSO_WM_UNIT_COMPATIBLE" val="0"/>
+  <p:tag name="KSO_WM_UNIT_DIAGRAM_ISNUMVISUAL" val="0"/>
+  <p:tag name="KSO_WM_UNIT_DIAGRAM_ISREFERUNIT" val="0"/>
+  <p:tag name="KSO_WM_UNIT_ID" val="_3**"/>
+  <p:tag name="KSO_WM_UNIT_LAYERLEVEL" val="1"/>
+  <p:tag name="KSO_WM_TAG_VERSION" val="1.0"/>
+  <p:tag name="KSO_WM_BEAUTIFY_FLAG" val="#wm#"/>
+</p:tagLst>
+</file>
+
+<file path=ppt/tags/tag21.xml><?xml version="1.0" encoding="utf-8"?>
+<p:tagLst xmlns:p="http://schemas.openxmlformats.org/presentationml/2006/main">
+  <p:tag name="KSO_WM_UNIT_HIGHLIGHT" val="0"/>
+  <p:tag name="KSO_WM_UNIT_COMPATIBLE" val="0"/>
+  <p:tag name="KSO_WM_UNIT_DIAGRAM_ISNUMVISUAL" val="0"/>
+  <p:tag name="KSO_WM_UNIT_DIAGRAM_ISREFERUNIT" val="0"/>
+  <p:tag name="KSO_WM_UNIT_ID" val="_4**"/>
+  <p:tag name="KSO_WM_UNIT_LAYERLEVEL" val="1"/>
+  <p:tag name="KSO_WM_TAG_VERSION" val="1.0"/>
+  <p:tag name="KSO_WM_BEAUTIFY_FLAG" val="#wm#"/>
+</p:tagLst>
+</file>
+
+<file path=ppt/tags/tag22.xml><?xml version="1.0" encoding="utf-8"?>
+<p:tagLst xmlns:p="http://schemas.openxmlformats.org/presentationml/2006/main">
+  <p:tag name="KSO_WM_UNIT_HIGHLIGHT" val="0"/>
+  <p:tag name="KSO_WM_UNIT_COMPATIBLE" val="0"/>
+  <p:tag name="KSO_WM_UNIT_DIAGRAM_ISNUMVISUAL" val="0"/>
+  <p:tag name="KSO_WM_UNIT_DIAGRAM_ISREFERUNIT" val="0"/>
+  <p:tag name="KSO_WM_UNIT_ID" val="_4**"/>
+  <p:tag name="KSO_WM_UNIT_LAYERLEVEL" val="1"/>
+  <p:tag name="KSO_WM_TAG_VERSION" val="1.0"/>
+  <p:tag name="KSO_WM_BEAUTIFY_FLAG" val="#wm#"/>
+</p:tagLst>
+</file>
+
+<file path=ppt/tags/tag23.xml><?xml version="1.0" encoding="utf-8"?>
+<p:tagLst xmlns:p="http://schemas.openxmlformats.org/presentationml/2006/main">
+  <p:tag name="KSO_WM_UNIT_HIGHLIGHT" val="0"/>
+  <p:tag name="KSO_WM_UNIT_COMPATIBLE" val="0"/>
+  <p:tag name="KSO_WM_UNIT_DIAGRAM_ISNUMVISUAL" val="0"/>
+  <p:tag name="KSO_WM_UNIT_DIAGRAM_ISREFERUNIT" val="0"/>
+  <p:tag name="KSO_WM_UNIT_ID" val="_4**"/>
+  <p:tag name="KSO_WM_UNIT_LAYERLEVEL" val="1"/>
+  <p:tag name="KSO_WM_TAG_VERSION" val="1.0"/>
+  <p:tag name="KSO_WM_BEAUTIFY_FLAG" val="#wm#"/>
+</p:tagLst>
+</file>
+
+<file path=ppt/tags/tag24.xml><?xml version="1.0" encoding="utf-8"?>
+<p:tagLst xmlns:p="http://schemas.openxmlformats.org/presentationml/2006/main">
+  <p:tag name="KSO_WM_UNIT_HIGHLIGHT" val="0"/>
+  <p:tag name="KSO_WM_UNIT_COMPATIBLE" val="0"/>
+  <p:tag name="KSO_WM_UNIT_DIAGRAM_ISNUMVISUAL" val="0"/>
+  <p:tag name="KSO_WM_UNIT_DIAGRAM_ISREFERUNIT" val="0"/>
+  <p:tag name="KSO_WM_UNIT_ID" val="_4**"/>
+  <p:tag name="KSO_WM_UNIT_LAYERLEVEL" val="1"/>
+  <p:tag name="KSO_WM_TAG_VERSION" val="1.0"/>
+  <p:tag name="KSO_WM_BEAUTIFY_FLAG" val="#wm#"/>
+</p:tagLst>
+</file>
+
+<file path=ppt/tags/tag25.xml><?xml version="1.0" encoding="utf-8"?>
+<p:tagLst xmlns:p="http://schemas.openxmlformats.org/presentationml/2006/main">
+  <p:tag name="KSO_WM_UNIT_HIGHLIGHT" val="0"/>
+  <p:tag name="KSO_WM_UNIT_COMPATIBLE" val="0"/>
+  <p:tag name="KSO_WM_UNIT_DIAGRAM_ISNUMVISUAL" val="0"/>
+  <p:tag name="KSO_WM_UNIT_DIAGRAM_ISREFERUNIT" val="0"/>
+  <p:tag name="KSO_WM_UNIT_ID" val="_4**"/>
+  <p:tag name="KSO_WM_UNIT_LAYERLEVEL" val="1"/>
+  <p:tag name="KSO_WM_TAG_VERSION" val="1.0"/>
+  <p:tag name="KSO_WM_BEAUTIFY_FLAG" val="#wm#"/>
+</p:tagLst>
+</file>
+
+<file path=ppt/tags/tag26.xml><?xml version="1.0" encoding="utf-8"?>
+<p:tagLst xmlns:p="http://schemas.openxmlformats.org/presentationml/2006/main">
+  <p:tag name="KSO_WM_UNIT_HIGHLIGHT" val="0"/>
+  <p:tag name="KSO_WM_UNIT_COMPATIBLE" val="0"/>
+  <p:tag name="KSO_WM_UNIT_DIAGRAM_ISNUMVISUAL" val="0"/>
+  <p:tag name="KSO_WM_UNIT_DIAGRAM_ISREFERUNIT" val="0"/>
+  <p:tag name="KSO_WM_UNIT_ID" val="_4**"/>
+  <p:tag name="KSO_WM_UNIT_LAYERLEVEL" val="1"/>
+  <p:tag name="KSO_WM_TAG_VERSION" val="1.0"/>
+  <p:tag name="KSO_WM_BEAUTIFY_FLAG" val="#wm#"/>
+</p:tagLst>
+</file>
+
+<file path=ppt/tags/tag27.xml><?xml version="1.0" encoding="utf-8"?>
+<p:tagLst xmlns:p="http://schemas.openxmlformats.org/presentationml/2006/main">
+  <p:tag name="KSO_WM_UNIT_HIGHLIGHT" val="0"/>
+  <p:tag name="KSO_WM_UNIT_COMPATIBLE" val="0"/>
+  <p:tag name="KSO_WM_UNIT_DIAGRAM_ISNUMVISUAL" val="0"/>
+  <p:tag name="KSO_WM_UNIT_DIAGRAM_ISREFERUNIT" val="0"/>
+  <p:tag name="KSO_WM_UNIT_ID" val="_5**"/>
+  <p:tag name="KSO_WM_UNIT_LAYERLEVEL" val="1"/>
+  <p:tag name="KSO_WM_TAG_VERSION" val="1.0"/>
+  <p:tag name="KSO_WM_BEAUTIFY_FLAG" val="#wm#"/>
+</p:tagLst>
+</file>
+
+<file path=ppt/tags/tag28.xml><?xml version="1.0" encoding="utf-8"?>
+<p:tagLst xmlns:p="http://schemas.openxmlformats.org/presentationml/2006/main">
+  <p:tag name="KSO_WM_UNIT_HIGHLIGHT" val="0"/>
+  <p:tag name="KSO_WM_UNIT_COMPATIBLE" val="0"/>
+  <p:tag name="KSO_WM_UNIT_DIAGRAM_ISNUMVISUAL" val="0"/>
+  <p:tag name="KSO_WM_UNIT_DIAGRAM_ISREFERUNIT" val="0"/>
+  <p:tag name="KSO_WM_UNIT_ID" val="_5**"/>
+  <p:tag name="KSO_WM_UNIT_LAYERLEVEL" val="1"/>
+  <p:tag name="KSO_WM_TAG_VERSION" val="1.0"/>
+  <p:tag name="KSO_WM_BEAUTIFY_FLAG" val="#wm#"/>
+</p:tagLst>
+</file>
+
+<file path=ppt/tags/tag29.xml><?xml version="1.0" encoding="utf-8"?>
+<p:tagLst xmlns:p="http://schemas.openxmlformats.org/presentationml/2006/main">
+  <p:tag name="KSO_WM_UNIT_HIGHLIGHT" val="0"/>
+  <p:tag name="KSO_WM_UNIT_COMPATIBLE" val="0"/>
+  <p:tag name="KSO_WM_UNIT_DIAGRAM_ISNUMVISUAL" val="0"/>
+  <p:tag name="KSO_WM_UNIT_DIAGRAM_ISREFERUNIT" val="0"/>
+  <p:tag name="KSO_WM_UNIT_ID" val="_5**"/>
+  <p:tag name="KSO_WM_UNIT_LAYERLEVEL" val="1"/>
+  <p:tag name="KSO_WM_TAG_VERSION" val="1.0"/>
+  <p:tag name="KSO_WM_BEAUTIFY_FLAG" val="#wm#"/>
+</p:tagLst>
+</file>
+
+<file path=ppt/tags/tag3.xml><?xml version="1.0" encoding="utf-8"?>
+<p:tagLst xmlns:p="http://schemas.openxmlformats.org/presentationml/2006/main">
+  <p:tag name="KSO_WM_UNIT_HIGHLIGHT" val="0"/>
+  <p:tag name="KSO_WM_UNIT_COMPATIBLE" val="0"/>
+  <p:tag name="KSO_WM_UNIT_DIAGRAM_ISNUMVISUAL" val="0"/>
+  <p:tag name="KSO_WM_UNIT_DIAGRAM_ISREFERUNIT" val="0"/>
+  <p:tag name="KSO_WM_UNIT_ID" val="_1**"/>
+  <p:tag name="KSO_WM_UNIT_LAYERLEVEL" val="1"/>
+  <p:tag name="KSO_WM_TAG_VERSION" val="1.0"/>
+  <p:tag name="KSO_WM_BEAUTIFY_FLAG" val="#wm#"/>
+  <p:tag name="KSO_WM_SLIDE_BACKGROUND_MASK_FLAG" val="1"/>
+</p:tagLst>
+</file>
+
+<file path=ppt/tags/tag30.xml><?xml version="1.0" encoding="utf-8"?>
+<p:tagLst xmlns:p="http://schemas.openxmlformats.org/presentationml/2006/main">
+  <p:tag name="KSO_WM_UNIT_HIGHLIGHT" val="0"/>
+  <p:tag name="KSO_WM_UNIT_COMPATIBLE" val="0"/>
+  <p:tag name="KSO_WM_UNIT_DIAGRAM_ISNUMVISUAL" val="0"/>
+  <p:tag name="KSO_WM_UNIT_DIAGRAM_ISREFERUNIT" val="0"/>
+  <p:tag name="KSO_WM_UNIT_ID" val="_5**"/>
+  <p:tag name="KSO_WM_UNIT_LAYERLEVEL" val="1"/>
+  <p:tag name="KSO_WM_TAG_VERSION" val="1.0"/>
+  <p:tag name="KSO_WM_BEAUTIFY_FLAG" val="#wm#"/>
+</p:tagLst>
+</file>
+
+<file path=ppt/tags/tag31.xml><?xml version="1.0" encoding="utf-8"?>
+<p:tagLst xmlns:p="http://schemas.openxmlformats.org/presentationml/2006/main">
+  <p:tag name="KSO_WM_UNIT_HIGHLIGHT" val="0"/>
+  <p:tag name="KSO_WM_UNIT_COMPATIBLE" val="0"/>
+  <p:tag name="KSO_WM_UNIT_DIAGRAM_ISNUMVISUAL" val="0"/>
+  <p:tag name="KSO_WM_UNIT_DIAGRAM_ISREFERUNIT" val="0"/>
+  <p:tag name="KSO_WM_UNIT_ID" val="_5**"/>
+  <p:tag name="KSO_WM_UNIT_LAYERLEVEL" val="1"/>
+  <p:tag name="KSO_WM_TAG_VERSION" val="1.0"/>
+  <p:tag name="KSO_WM_BEAUTIFY_FLAG" val="#wm#"/>
+</p:tagLst>
+</file>
+
+<file path=ppt/tags/tag32.xml><?xml version="1.0" encoding="utf-8"?>
+<p:tagLst xmlns:p="http://schemas.openxmlformats.org/presentationml/2006/main">
+  <p:tag name="KSO_WM_UNIT_HIGHLIGHT" val="0"/>
+  <p:tag name="KSO_WM_UNIT_COMPATIBLE" val="0"/>
+  <p:tag name="KSO_WM_UNIT_DIAGRAM_ISNUMVISUAL" val="0"/>
+  <p:tag name="KSO_WM_UNIT_DIAGRAM_ISREFERUNIT" val="0"/>
+  <p:tag name="KSO_WM_UNIT_ID" val="_5**"/>
+  <p:tag name="KSO_WM_UNIT_LAYERLEVEL" val="1"/>
+  <p:tag name="KSO_WM_TAG_VERSION" val="1.0"/>
+  <p:tag name="KSO_WM_BEAUTIFY_FLAG" val="#wm#"/>
+</p:tagLst>
+</file>
+
+<file path=ppt/tags/tag33.xml><?xml version="1.0" encoding="utf-8"?>
+<p:tagLst xmlns:p="http://schemas.openxmlformats.org/presentationml/2006/main">
+  <p:tag name="KSO_WM_UNIT_HIGHLIGHT" val="0"/>
+  <p:tag name="KSO_WM_UNIT_COMPATIBLE" val="0"/>
+  <p:tag name="KSO_WM_UNIT_DIAGRAM_ISNUMVISUAL" val="0"/>
+  <p:tag name="KSO_WM_UNIT_DIAGRAM_ISREFERUNIT" val="0"/>
+  <p:tag name="KSO_WM_UNIT_ID" val="_5**"/>
+  <p:tag name="KSO_WM_UNIT_LAYERLEVEL" val="1"/>
+  <p:tag name="KSO_WM_TAG_VERSION" val="1.0"/>
+  <p:tag name="KSO_WM_BEAUTIFY_FLAG" val="#wm#"/>
+</p:tagLst>
+</file>
+
+<file path=ppt/tags/tag34.xml><?xml version="1.0" encoding="utf-8"?>
+<p:tagLst xmlns:p="http://schemas.openxmlformats.org/presentationml/2006/main">
+  <p:tag name="KSO_WM_UNIT_HIGHLIGHT" val="0"/>
+  <p:tag name="KSO_WM_UNIT_COMPATIBLE" val="0"/>
+  <p:tag name="KSO_WM_UNIT_DIAGRAM_ISNUMVISUAL" val="0"/>
+  <p:tag name="KSO_WM_UNIT_DIAGRAM_ISREFERUNIT" val="0"/>
+  <p:tag name="KSO_WM_UNIT_ID" val="_5**"/>
+  <p:tag name="KSO_WM_UNIT_LAYERLEVEL" val="1"/>
+  <p:tag name="KSO_WM_TAG_VERSION" val="1.0"/>
+  <p:tag name="KSO_WM_BEAUTIFY_FLAG" val="#wm#"/>
+</p:tagLst>
+</file>
+
+<file path=ppt/tags/tag35.xml><?xml version="1.0" encoding="utf-8"?>
+<p:tagLst xmlns:p="http://schemas.openxmlformats.org/presentationml/2006/main">
+  <p:tag name="KSO_WM_UNIT_HIGHLIGHT" val="0"/>
+  <p:tag name="KSO_WM_UNIT_COMPATIBLE" val="0"/>
+  <p:tag name="KSO_WM_UNIT_DIAGRAM_ISNUMVISUAL" val="0"/>
+  <p:tag name="KSO_WM_UNIT_DIAGRAM_ISREFERUNIT" val="0"/>
+  <p:tag name="KSO_WM_UNIT_ID" val="_6**"/>
+  <p:tag name="KSO_WM_UNIT_LAYERLEVEL" val="1"/>
+  <p:tag name="KSO_WM_TAG_VERSION" val="1.0"/>
+  <p:tag name="KSO_WM_BEAUTIFY_FLAG" val="#wm#"/>
+</p:tagLst>
+</file>
+
+<file path=ppt/tags/tag36.xml><?xml version="1.0" encoding="utf-8"?>
+<p:tagLst xmlns:p="http://schemas.openxmlformats.org/presentationml/2006/main">
+  <p:tag name="KSO_WM_UNIT_HIGHLIGHT" val="0"/>
+  <p:tag name="KSO_WM_UNIT_COMPATIBLE" val="0"/>
+  <p:tag name="KSO_WM_UNIT_DIAGRAM_ISNUMVISUAL" val="0"/>
+  <p:tag name="KSO_WM_UNIT_DIAGRAM_ISREFERUNIT" val="0"/>
+  <p:tag name="KSO_WM_UNIT_ID" val="_6**"/>
+  <p:tag name="KSO_WM_UNIT_LAYERLEVEL" val="1"/>
+  <p:tag name="KSO_WM_TAG_VERSION" val="1.0"/>
+  <p:tag name="KSO_WM_BEAUTIFY_FLAG" val="#wm#"/>
+</p:tagLst>
+</file>
+
+<file path=ppt/tags/tag37.xml><?xml version="1.0" encoding="utf-8"?>
+<p:tagLst xmlns:p="http://schemas.openxmlformats.org/presentationml/2006/main">
+  <p:tag name="KSO_WM_UNIT_HIGHLIGHT" val="0"/>
+  <p:tag name="KSO_WM_UNIT_COMPATIBLE" val="0"/>
+  <p:tag name="KSO_WM_UNIT_DIAGRAM_ISNUMVISUAL" val="0"/>
+  <p:tag name="KSO_WM_UNIT_DIAGRAM_ISREFERUNIT" val="0"/>
+  <p:tag name="KSO_WM_UNIT_ID" val="_6**"/>
+  <p:tag name="KSO_WM_UNIT_LAYERLEVEL" val="1"/>
+  <p:tag name="KSO_WM_TAG_VERSION" val="1.0"/>
+  <p:tag name="KSO_WM_BEAUTIFY_FLAG" val="#wm#"/>
+</p:tagLst>
+</file>
+
+<file path=ppt/tags/tag38.xml><?xml version="1.0" encoding="utf-8"?>
+<p:tagLst xmlns:p="http://schemas.openxmlformats.org/presentationml/2006/main">
+  <p:tag name="KSO_WM_UNIT_HIGHLIGHT" val="0"/>
+  <p:tag name="KSO_WM_UNIT_COMPATIBLE" val="0"/>
+  <p:tag name="KSO_WM_UNIT_DIAGRAM_ISNUMVISUAL" val="0"/>
+  <p:tag name="KSO_WM_UNIT_DIAGRAM_ISREFERUNIT" val="0"/>
+  <p:tag name="KSO_WM_UNIT_ID" val="_6**"/>
+  <p:tag name="KSO_WM_UNIT_LAYERLEVEL" val="1"/>
+  <p:tag name="KSO_WM_TAG_VERSION" val="1.0"/>
+  <p:tag name="KSO_WM_BEAUTIFY_FLAG" val="#wm#"/>
+</p:tagLst>
+</file>
+
+<file path=ppt/tags/tag39.xml><?xml version="1.0" encoding="utf-8"?>
+<p:tagLst xmlns:p="http://schemas.openxmlformats.org/presentationml/2006/main">
+  <p:tag name="KSO_WM_UNIT_HIGHLIGHT" val="0"/>
+  <p:tag name="KSO_WM_UNIT_COMPATIBLE" val="0"/>
+  <p:tag name="KSO_WM_UNIT_DIAGRAM_ISNUMVISUAL" val="0"/>
+  <p:tag name="KSO_WM_UNIT_DIAGRAM_ISREFERUNIT" val="0"/>
+  <p:tag name="KSO_WM_UNIT_ID" val="_6**"/>
+  <p:tag name="KSO_WM_UNIT_LAYERLEVEL" val="1"/>
+  <p:tag name="KSO_WM_TAG_VERSION" val="1.0"/>
+  <p:tag name="KSO_WM_BEAUTIFY_FLAG" val="#wm#"/>
+</p:tagLst>
+</file>
+
+<file path=ppt/tags/tag4.xml><?xml version="1.0" encoding="utf-8"?>
+<p:tagLst xmlns:p="http://schemas.openxmlformats.org/presentationml/2006/main">
+  <p:tag name="KSO_WM_UNIT_HIGHLIGHT" val="0"/>
+  <p:tag name="KSO_WM_UNIT_COMPATIBLE" val="0"/>
+  <p:tag name="KSO_WM_UNIT_DIAGRAM_ISNUMVISUAL" val="0"/>
+  <p:tag name="KSO_WM_UNIT_DIAGRAM_ISREFERUNIT" val="0"/>
+  <p:tag name="KSO_WM_UNIT_ID" val="_1**"/>
+  <p:tag name="KSO_WM_UNIT_LAYERLEVEL" val="1"/>
+  <p:tag name="KSO_WM_TAG_VERSION" val="1.0"/>
+  <p:tag name="KSO_WM_BEAUTIFY_FLAG" val="#wm#"/>
+  <p:tag name="KSO_WM_SLIDE_BACKGROUND_MASK_FLAG" val="1"/>
+</p:tagLst>
+</file>
+
+<file path=ppt/tags/tag40.xml><?xml version="1.0" encoding="utf-8"?>
+<p:tagLst xmlns:p="http://schemas.openxmlformats.org/presentationml/2006/main">
+  <p:tag name="KSO_WM_UNIT_HIGHLIGHT" val="0"/>
+  <p:tag name="KSO_WM_UNIT_COMPATIBLE" val="0"/>
+  <p:tag name="KSO_WM_UNIT_DIAGRAM_ISNUMVISUAL" val="0"/>
+  <p:tag name="KSO_WM_UNIT_DIAGRAM_ISREFERUNIT" val="0"/>
+  <p:tag name="KSO_WM_UNIT_ID" val="_6**"/>
+  <p:tag name="KSO_WM_UNIT_LAYERLEVEL" val="1"/>
+  <p:tag name="KSO_WM_TAG_VERSION" val="1.0"/>
+  <p:tag name="KSO_WM_BEAUTIFY_FLAG" val="#wm#"/>
+</p:tagLst>
+</file>
+
+<file path=ppt/tags/tag41.xml><?xml version="1.0" encoding="utf-8"?>
+<p:tagLst xmlns:p="http://schemas.openxmlformats.org/presentationml/2006/main">
+  <p:tag name="KSO_WM_UNIT_HIGHLIGHT" val="0"/>
+  <p:tag name="KSO_WM_UNIT_COMPATIBLE" val="0"/>
+  <p:tag name="KSO_WM_UNIT_DIAGRAM_ISNUMVISUAL" val="0"/>
+  <p:tag name="KSO_WM_UNIT_DIAGRAM_ISREFERUNIT" val="0"/>
+  <p:tag name="KSO_WM_UNIT_ID" val="_7**"/>
+  <p:tag name="KSO_WM_UNIT_LAYERLEVEL" val="1"/>
+  <p:tag name="KSO_WM_TAG_VERSION" val="1.0"/>
+  <p:tag name="KSO_WM_BEAUTIFY_FLAG" val="#wm#"/>
+</p:tagLst>
+</file>
+
+<file path=ppt/tags/tag42.xml><?xml version="1.0" encoding="utf-8"?>
+<p:tagLst xmlns:p="http://schemas.openxmlformats.org/presentationml/2006/main">
+  <p:tag name="KSO_WM_UNIT_HIGHLIGHT" val="0"/>
+  <p:tag name="KSO_WM_UNIT_COMPATIBLE" val="0"/>
+  <p:tag name="KSO_WM_UNIT_DIAGRAM_ISNUMVISUAL" val="0"/>
+  <p:tag name="KSO_WM_UNIT_DIAGRAM_ISREFERUNIT" val="0"/>
+  <p:tag name="KSO_WM_UNIT_ID" val="_7**"/>
+  <p:tag name="KSO_WM_UNIT_LAYERLEVEL" val="1"/>
+  <p:tag name="KSO_WM_TAG_VERSION" val="1.0"/>
+  <p:tag name="KSO_WM_BEAUTIFY_FLAG" val="#wm#"/>
+</p:tagLst>
+</file>
+
+<file path=ppt/tags/tag43.xml><?xml version="1.0" encoding="utf-8"?>
+<p:tagLst xmlns:p="http://schemas.openxmlformats.org/presentationml/2006/main">
+  <p:tag name="KSO_WM_UNIT_HIGHLIGHT" val="0"/>
+  <p:tag name="KSO_WM_UNIT_COMPATIBLE" val="0"/>
+  <p:tag name="KSO_WM_UNIT_DIAGRAM_ISNUMVISUAL" val="0"/>
+  <p:tag name="KSO_WM_UNIT_DIAGRAM_ISREFERUNIT" val="0"/>
+  <p:tag name="KSO_WM_UNIT_ID" val="_7**"/>
+  <p:tag name="KSO_WM_UNIT_LAYERLEVEL" val="1"/>
+  <p:tag name="KSO_WM_TAG_VERSION" val="1.0"/>
+  <p:tag name="KSO_WM_BEAUTIFY_FLAG" val="#wm#"/>
+</p:tagLst>
+</file>
+
+<file path=ppt/tags/tag44.xml><?xml version="1.0" encoding="utf-8"?>
+<p:tagLst xmlns:p="http://schemas.openxmlformats.org/presentationml/2006/main">
+  <p:tag name="KSO_WM_UNIT_HIGHLIGHT" val="0"/>
+  <p:tag name="KSO_WM_UNIT_COMPATIBLE" val="0"/>
+  <p:tag name="KSO_WM_UNIT_DIAGRAM_ISNUMVISUAL" val="0"/>
+  <p:tag name="KSO_WM_UNIT_DIAGRAM_ISREFERUNIT" val="0"/>
+  <p:tag name="KSO_WM_UNIT_ID" val="_8**"/>
+  <p:tag name="KSO_WM_UNIT_LAYERLEVEL" val="1"/>
+  <p:tag name="KSO_WM_TAG_VERSION" val="1.0"/>
+  <p:tag name="KSO_WM_BEAUTIFY_FLAG" val="#wm#"/>
+</p:tagLst>
+</file>
+
+<file path=ppt/tags/tag45.xml><?xml version="1.0" encoding="utf-8"?>
+<p:tagLst xmlns:p="http://schemas.openxmlformats.org/presentationml/2006/main">
+  <p:tag name="KSO_WM_UNIT_HIGHLIGHT" val="0"/>
+  <p:tag name="KSO_WM_UNIT_COMPATIBLE" val="0"/>
+  <p:tag name="KSO_WM_UNIT_DIAGRAM_ISNUMVISUAL" val="0"/>
+  <p:tag name="KSO_WM_UNIT_DIAGRAM_ISREFERUNIT" val="0"/>
+  <p:tag name="KSO_WM_UNIT_ID" val="_8**"/>
+  <p:tag name="KSO_WM_UNIT_LAYERLEVEL" val="1"/>
+  <p:tag name="KSO_WM_TAG_VERSION" val="1.0"/>
+  <p:tag name="KSO_WM_BEAUTIFY_FLAG" val="#wm#"/>
+</p:tagLst>
+</file>
+
+<file path=ppt/tags/tag46.xml><?xml version="1.0" encoding="utf-8"?>
+<p:tagLst xmlns:p="http://schemas.openxmlformats.org/presentationml/2006/main">
+  <p:tag name="KSO_WM_UNIT_HIGHLIGHT" val="0"/>
+  <p:tag name="KSO_WM_UNIT_COMPATIBLE" val="0"/>
+  <p:tag name="KSO_WM_UNIT_DIAGRAM_ISNUMVISUAL" val="0"/>
+  <p:tag name="KSO_WM_UNIT_DIAGRAM_ISREFERUNIT" val="0"/>
+  <p:tag name="KSO_WM_UNIT_ID" val="_8**"/>
+  <p:tag name="KSO_WM_UNIT_LAYERLEVEL" val="1"/>
+  <p:tag name="KSO_WM_TAG_VERSION" val="1.0"/>
+  <p:tag name="KSO_WM_BEAUTIFY_FLAG" val="#wm#"/>
+</p:tagLst>
+</file>
+
+<file path=ppt/tags/tag47.xml><?xml version="1.0" encoding="utf-8"?>
+<p:tagLst xmlns:p="http://schemas.openxmlformats.org/presentationml/2006/main">
+  <p:tag name="KSO_WM_UNIT_HIGHLIGHT" val="0"/>
+  <p:tag name="KSO_WM_UNIT_COMPATIBLE" val="0"/>
+  <p:tag name="KSO_WM_UNIT_DIAGRAM_ISNUMVISUAL" val="0"/>
+  <p:tag name="KSO_WM_UNIT_DIAGRAM_ISREFERUNIT" val="0"/>
+  <p:tag name="KSO_WM_UNIT_ID" val="_8**"/>
+  <p:tag name="KSO_WM_UNIT_LAYERLEVEL" val="1"/>
+  <p:tag name="KSO_WM_TAG_VERSION" val="1.0"/>
+  <p:tag name="KSO_WM_BEAUTIFY_FLAG" val="#wm#"/>
+</p:tagLst>
+</file>
+
+<file path=ppt/tags/tag48.xml><?xml version="1.0" encoding="utf-8"?>
+<p:tagLst xmlns:p="http://schemas.openxmlformats.org/presentationml/2006/main">
+  <p:tag name="KSO_WM_UNIT_HIGHLIGHT" val="0"/>
+  <p:tag name="KSO_WM_UNIT_COMPATIBLE" val="0"/>
+  <p:tag name="KSO_WM_UNIT_DIAGRAM_ISNUMVISUAL" val="0"/>
+  <p:tag name="KSO_WM_UNIT_DIAGRAM_ISREFERUNIT" val="0"/>
+  <p:tag name="KSO_WM_UNIT_ID" val="_8**"/>
+  <p:tag name="KSO_WM_UNIT_LAYERLEVEL" val="1"/>
+  <p:tag name="KSO_WM_TAG_VERSION" val="1.0"/>
+  <p:tag name="KSO_WM_BEAUTIFY_FLAG" val="#wm#"/>
+</p:tagLst>
+</file>
+
+<file path=ppt/tags/tag49.xml><?xml version="1.0" encoding="utf-8"?>
+<p:tagLst xmlns:p="http://schemas.openxmlformats.org/presentationml/2006/main">
+  <p:tag name="KSO_WM_UNIT_HIGHLIGHT" val="0"/>
+  <p:tag name="KSO_WM_UNIT_COMPATIBLE" val="0"/>
+  <p:tag name="KSO_WM_UNIT_DIAGRAM_ISNUMVISUAL" val="0"/>
+  <p:tag name="KSO_WM_UNIT_DIAGRAM_ISREFERUNIT" val="0"/>
+  <p:tag name="KSO_WM_UNIT_ID" val="_8**"/>
+  <p:tag name="KSO_WM_UNIT_LAYERLEVEL" val="1"/>
+  <p:tag name="KSO_WM_TAG_VERSION" val="1.0"/>
+  <p:tag name="KSO_WM_BEAUTIFY_FLAG" val="#wm#"/>
+</p:tagLst>
+</file>
+
+<file path=ppt/tags/tag5.xml><?xml version="1.0" encoding="utf-8"?>
+<p:tagLst xmlns:p="http://schemas.openxmlformats.org/presentationml/2006/main">
+  <p:tag name="KSO_WM_UNIT_HIGHLIGHT" val="0"/>
+  <p:tag name="KSO_WM_UNIT_COMPATIBLE" val="0"/>
+  <p:tag name="KSO_WM_UNIT_DIAGRAM_ISNUMVISUAL" val="0"/>
+  <p:tag name="KSO_WM_UNIT_DIAGRAM_ISREFERUNIT" val="0"/>
+  <p:tag name="KSO_WM_UNIT_ID" val="_1**"/>
+  <p:tag name="KSO_WM_UNIT_LAYERLEVEL" val="1"/>
+  <p:tag name="KSO_WM_TAG_VERSION" val="1.0"/>
+  <p:tag name="KSO_WM_BEAUTIFY_FLAG" val="#wm#"/>
+  <p:tag name="KSO_WM_SLIDE_BACKGROUND_MASK_FLAG" val="1"/>
+</p:tagLst>
+</file>
+
+<file path=ppt/tags/tag50.xml><?xml version="1.0" encoding="utf-8"?>
+<p:tagLst xmlns:p="http://schemas.openxmlformats.org/presentationml/2006/main">
+  <p:tag name="KSO_WM_UNIT_HIGHLIGHT" val="0"/>
+  <p:tag name="KSO_WM_UNIT_COMPATIBLE" val="0"/>
+  <p:tag name="KSO_WM_UNIT_DIAGRAM_ISNUMVISUAL" val="0"/>
+  <p:tag name="KSO_WM_UNIT_DIAGRAM_ISREFERUNIT" val="0"/>
+  <p:tag name="KSO_WM_UNIT_ID" val="_9**"/>
+  <p:tag name="KSO_WM_UNIT_LAYERLEVEL" val="1"/>
+  <p:tag name="KSO_WM_TAG_VERSION" val="1.0"/>
+  <p:tag name="KSO_WM_BEAUTIFY_FLAG" val="#wm#"/>
+</p:tagLst>
+</file>
+
+<file path=ppt/tags/tag51.xml><?xml version="1.0" encoding="utf-8"?>
+<p:tagLst xmlns:p="http://schemas.openxmlformats.org/presentationml/2006/main">
+  <p:tag name="KSO_WM_UNIT_HIGHLIGHT" val="0"/>
+  <p:tag name="KSO_WM_UNIT_COMPATIBLE" val="0"/>
+  <p:tag name="KSO_WM_UNIT_DIAGRAM_ISNUMVISUAL" val="0"/>
+  <p:tag name="KSO_WM_UNIT_DIAGRAM_ISREFERUNIT" val="0"/>
+  <p:tag name="KSO_WM_UNIT_ID" val="_9**"/>
+  <p:tag name="KSO_WM_UNIT_LAYERLEVEL" val="1"/>
+  <p:tag name="KSO_WM_TAG_VERSION" val="1.0"/>
+  <p:tag name="KSO_WM_BEAUTIFY_FLAG" val="#wm#"/>
+</p:tagLst>
+</file>
+
+<file path=ppt/tags/tag52.xml><?xml version="1.0" encoding="utf-8"?>
+<p:tagLst xmlns:p="http://schemas.openxmlformats.org/presentationml/2006/main">
+  <p:tag name="KSO_WM_UNIT_HIGHLIGHT" val="0"/>
+  <p:tag name="KSO_WM_UNIT_COMPATIBLE" val="0"/>
+  <p:tag name="KSO_WM_UNIT_DIAGRAM_ISNUMVISUAL" val="0"/>
+  <p:tag name="KSO_WM_UNIT_DIAGRAM_ISREFERUNIT" val="0"/>
+  <p:tag name="KSO_WM_UNIT_ID" val="_9**"/>
+  <p:tag name="KSO_WM_UNIT_LAYERLEVEL" val="1"/>
+  <p:tag name="KSO_WM_TAG_VERSION" val="1.0"/>
+  <p:tag name="KSO_WM_BEAUTIFY_FLAG" val="#wm#"/>
+</p:tagLst>
+</file>
+
+<file path=ppt/tags/tag53.xml><?xml version="1.0" encoding="utf-8"?>
+<p:tagLst xmlns:p="http://schemas.openxmlformats.org/presentationml/2006/main">
+  <p:tag name="KSO_WM_UNIT_HIGHLIGHT" val="0"/>
+  <p:tag name="KSO_WM_UNIT_COMPATIBLE" val="0"/>
+  <p:tag name="KSO_WM_UNIT_DIAGRAM_ISNUMVISUAL" val="0"/>
+  <p:tag name="KSO_WM_UNIT_DIAGRAM_ISREFERUNIT" val="0"/>
+  <p:tag name="KSO_WM_UNIT_ID" val="_9**"/>
+  <p:tag name="KSO_WM_UNIT_LAYERLEVEL" val="1"/>
+  <p:tag name="KSO_WM_TAG_VERSION" val="1.0"/>
+  <p:tag name="KSO_WM_BEAUTIFY_FLAG" val="#wm#"/>
+</p:tagLst>
+</file>
+
+<file path=ppt/tags/tag54.xml><?xml version="1.0" encoding="utf-8"?>
+<p:tagLst xmlns:p="http://schemas.openxmlformats.org/presentationml/2006/main">
+  <p:tag name="KSO_WM_UNIT_HIGHLIGHT" val="0"/>
+  <p:tag name="KSO_WM_UNIT_COMPATIBLE" val="0"/>
+  <p:tag name="KSO_WM_UNIT_DIAGRAM_ISNUMVISUAL" val="0"/>
+  <p:tag name="KSO_WM_UNIT_DIAGRAM_ISREFERUNIT" val="0"/>
+  <p:tag name="KSO_WM_UNIT_ID" val="_9**"/>
+  <p:tag name="KSO_WM_UNIT_LAYERLEVEL" val="1"/>
+  <p:tag name="KSO_WM_TAG_VERSION" val="1.0"/>
+  <p:tag name="KSO_WM_BEAUTIFY_FLAG" val="#wm#"/>
+</p:tagLst>
+</file>
+
+<file path=ppt/tags/tag55.xml><?xml version="1.0" encoding="utf-8"?>
+<p:tagLst xmlns:p="http://schemas.openxmlformats.org/presentationml/2006/main">
+  <p:tag name="KSO_WM_UNIT_HIGHLIGHT" val="0"/>
+  <p:tag name="KSO_WM_UNIT_COMPATIBLE" val="0"/>
+  <p:tag name="KSO_WM_UNIT_DIAGRAM_ISNUMVISUAL" val="0"/>
+  <p:tag name="KSO_WM_UNIT_DIAGRAM_ISREFERUNIT" val="0"/>
+  <p:tag name="KSO_WM_UNIT_ID" val="_10**"/>
+  <p:tag name="KSO_WM_UNIT_LAYERLEVEL" val="1"/>
+  <p:tag name="KSO_WM_TAG_VERSION" val="1.0"/>
+  <p:tag name="KSO_WM_BEAUTIFY_FLAG" val="#wm#"/>
+</p:tagLst>
+</file>
+
+<file path=ppt/tags/tag56.xml><?xml version="1.0" encoding="utf-8"?>
+<p:tagLst xmlns:p="http://schemas.openxmlformats.org/presentationml/2006/main">
+  <p:tag name="KSO_WM_UNIT_HIGHLIGHT" val="0"/>
+  <p:tag name="KSO_WM_UNIT_COMPATIBLE" val="0"/>
+  <p:tag name="KSO_WM_UNIT_DIAGRAM_ISNUMVISUAL" val="0"/>
+  <p:tag name="KSO_WM_UNIT_DIAGRAM_ISREFERUNIT" val="0"/>
+  <p:tag name="KSO_WM_UNIT_ID" val="_10**"/>
+  <p:tag name="KSO_WM_UNIT_LAYERLEVEL" val="1"/>
+  <p:tag name="KSO_WM_TAG_VERSION" val="1.0"/>
+  <p:tag name="KSO_WM_BEAUTIFY_FLAG" val="#wm#"/>
+</p:tagLst>
+</file>
+
+<file path=ppt/tags/tag57.xml><?xml version="1.0" encoding="utf-8"?>
+<p:tagLst xmlns:p="http://schemas.openxmlformats.org/presentationml/2006/main">
+  <p:tag name="KSO_WM_UNIT_HIGHLIGHT" val="0"/>
+  <p:tag name="KSO_WM_UNIT_COMPATIBLE" val="0"/>
+  <p:tag name="KSO_WM_UNIT_DIAGRAM_ISNUMVISUAL" val="0"/>
+  <p:tag name="KSO_WM_UNIT_DIAGRAM_ISREFERUNIT" val="0"/>
+  <p:tag name="KSO_WM_UNIT_ID" val="_10**"/>
+  <p:tag name="KSO_WM_UNIT_LAYERLEVEL" val="1"/>
+  <p:tag name="KSO_WM_TAG_VERSION" val="1.0"/>
+  <p:tag name="KSO_WM_BEAUTIFY_FLAG" val="#wm#"/>
+</p:tagLst>
+</file>
+
+<file path=ppt/tags/tag58.xml><?xml version="1.0" encoding="utf-8"?>
+<p:tagLst xmlns:p="http://schemas.openxmlformats.org/presentationml/2006/main">
+  <p:tag name="KSO_WM_UNIT_HIGHLIGHT" val="0"/>
+  <p:tag name="KSO_WM_UNIT_COMPATIBLE" val="0"/>
+  <p:tag name="KSO_WM_UNIT_DIAGRAM_ISNUMVISUAL" val="0"/>
+  <p:tag name="KSO_WM_UNIT_DIAGRAM_ISREFERUNIT" val="0"/>
+  <p:tag name="KSO_WM_UNIT_ID" val="_10**"/>
+  <p:tag name="KSO_WM_UNIT_LAYERLEVEL" val="1"/>
+  <p:tag name="KSO_WM_TAG_VERSION" val="1.0"/>
+  <p:tag name="KSO_WM_BEAUTIFY_FLAG" val="#wm#"/>
+</p:tagLst>
+</file>
+
+<file path=ppt/tags/tag59.xml><?xml version="1.0" encoding="utf-8"?>
+<p:tagLst xmlns:p="http://schemas.openxmlformats.org/presentationml/2006/main">
+  <p:tag name="KSO_WM_UNIT_HIGHLIGHT" val="0"/>
+  <p:tag name="KSO_WM_UNIT_COMPATIBLE" val="0"/>
+  <p:tag name="KSO_WM_UNIT_DIAGRAM_ISNUMVISUAL" val="0"/>
+  <p:tag name="KSO_WM_UNIT_DIAGRAM_ISREFERUNIT" val="0"/>
+  <p:tag name="KSO_WM_UNIT_ID" val="_11**"/>
+  <p:tag name="KSO_WM_UNIT_LAYERLEVEL" val="1"/>
+  <p:tag name="KSO_WM_TAG_VERSION" val="1.0"/>
+  <p:tag name="KSO_WM_BEAUTIFY_FLAG" val="#wm#"/>
+</p:tagLst>
+</file>
+
+<file path=ppt/tags/tag6.xml><?xml version="1.0" encoding="utf-8"?>
+<p:tagLst xmlns:p="http://schemas.openxmlformats.org/presentationml/2006/main">
+  <p:tag name="KSO_WM_UNIT_HIGHLIGHT" val="0"/>
+  <p:tag name="KSO_WM_UNIT_COMPATIBLE" val="0"/>
+  <p:tag name="KSO_WM_UNIT_DIAGRAM_ISNUMVISUAL" val="0"/>
+  <p:tag name="KSO_WM_UNIT_DIAGRAM_ISREFERUNIT" val="0"/>
+  <p:tag name="KSO_WM_UNIT_ID" val="_1**"/>
+  <p:tag name="KSO_WM_UNIT_LAYERLEVEL" val="1"/>
+  <p:tag name="KSO_WM_TAG_VERSION" val="1.0"/>
+  <p:tag name="KSO_WM_BEAUTIFY_FLAG" val="#wm#"/>
+  <p:tag name="KSO_WM_SLIDE_BACKGROUND_MASK_FLAG" val="1"/>
+</p:tagLst>
+</file>
+
+<file path=ppt/tags/tag60.xml><?xml version="1.0" encoding="utf-8"?>
+<p:tagLst xmlns:p="http://schemas.openxmlformats.org/presentationml/2006/main">
+  <p:tag name="KSO_WM_UNIT_HIGHLIGHT" val="0"/>
+  <p:tag name="KSO_WM_UNIT_COMPATIBLE" val="0"/>
+  <p:tag name="KSO_WM_UNIT_DIAGRAM_ISNUMVISUAL" val="0"/>
+  <p:tag name="KSO_WM_UNIT_DIAGRAM_ISREFERUNIT" val="0"/>
+  <p:tag name="KSO_WM_UNIT_ID" val="_11**"/>
+  <p:tag name="KSO_WM_UNIT_LAYERLEVEL" val="1"/>
+  <p:tag name="KSO_WM_TAG_VERSION" val="1.0"/>
+  <p:tag name="KSO_WM_BEAUTIFY_FLAG" val="#wm#"/>
+</p:tagLst>
+</file>
+
+<file path=ppt/tags/tag61.xml><?xml version="1.0" encoding="utf-8"?>
+<p:tagLst xmlns:p="http://schemas.openxmlformats.org/presentationml/2006/main">
+  <p:tag name="KSO_WM_UNIT_HIGHLIGHT" val="0"/>
+  <p:tag name="KSO_WM_UNIT_COMPATIBLE" val="0"/>
+  <p:tag name="KSO_WM_UNIT_DIAGRAM_ISNUMVISUAL" val="0"/>
+  <p:tag name="KSO_WM_UNIT_DIAGRAM_ISREFERUNIT" val="0"/>
+  <p:tag name="KSO_WM_UNIT_ID" val="_11**"/>
+  <p:tag name="KSO_WM_UNIT_LAYERLEVEL" val="1"/>
+  <p:tag name="KSO_WM_TAG_VERSION" val="1.0"/>
+  <p:tag name="KSO_WM_BEAUTIFY_FLAG" val="#wm#"/>
+</p:tagLst>
+</file>
+
+<file path=ppt/tags/tag62.xml><?xml version="1.0" encoding="utf-8"?>
+<p:tagLst xmlns:p="http://schemas.openxmlformats.org/presentationml/2006/main">
+  <p:tag name="KSO_WM_UNIT_HIGHLIGHT" val="0"/>
+  <p:tag name="KSO_WM_UNIT_COMPATIBLE" val="0"/>
+  <p:tag name="KSO_WM_UNIT_DIAGRAM_ISNUMVISUAL" val="0"/>
+  <p:tag name="KSO_WM_UNIT_DIAGRAM_ISREFERUNIT" val="0"/>
+  <p:tag name="KSO_WM_UNIT_ID" val="_11**"/>
+  <p:tag name="KSO_WM_UNIT_LAYERLEVEL" val="1"/>
+  <p:tag name="KSO_WM_TAG_VERSION" val="1.0"/>
+  <p:tag name="KSO_WM_BEAUTIFY_FLAG" val="#wm#"/>
+</p:tagLst>
+</file>
+
+<file path=ppt/tags/tag63.xml><?xml version="1.0" encoding="utf-8"?>
+<p:tagLst xmlns:p="http://schemas.openxmlformats.org/presentationml/2006/main">
+  <p:tag name="KSO_WM_UNIT_HIGHLIGHT" val="0"/>
+  <p:tag name="KSO_WM_UNIT_COMPATIBLE" val="0"/>
+  <p:tag name="KSO_WM_UNIT_DIAGRAM_ISNUMVISUAL" val="0"/>
+  <p:tag name="KSO_WM_UNIT_DIAGRAM_ISREFERUNIT" val="0"/>
+  <p:tag name="KSO_WM_UNIT_ID" val="_11**"/>
+  <p:tag name="KSO_WM_UNIT_LAYERLEVEL" val="1"/>
+  <p:tag name="KSO_WM_TAG_VERSION" val="1.0"/>
+  <p:tag name="KSO_WM_BEAUTIFY_FLAG" val="#wm#"/>
+</p:tagLst>
+</file>
+
+<file path=ppt/tags/tag64.xml><?xml version="1.0" encoding="utf-8"?>
+<p:tagLst xmlns:p="http://schemas.openxmlformats.org/presentationml/2006/main">
+  <p:tag name="KSO_WM_UNIT_HIGHLIGHT" val="0"/>
+  <p:tag name="KSO_WM_UNIT_COMPATIBLE" val="0"/>
+  <p:tag name="KSO_WM_UNIT_DIAGRAM_ISNUMVISUAL" val="0"/>
+  <p:tag name="KSO_WM_UNIT_DIAGRAM_ISREFERUNIT" val="0"/>
+  <p:tag name="KSO_WM_UNIT_ID" val="_11**"/>
+  <p:tag name="KSO_WM_UNIT_LAYERLEVEL" val="1"/>
+  <p:tag name="KSO_WM_TAG_VERSION" val="1.0"/>
+  <p:tag name="KSO_WM_BEAUTIFY_FLAG" val="#wm#"/>
+</p:tagLst>
+</file>
+
+<file path=ppt/tags/tag65.xml><?xml version="1.0" encoding="utf-8"?>
+<p:tagLst xmlns:p="http://schemas.openxmlformats.org/presentationml/2006/main">
+  <p:tag name="KSO_WM_UNIT_HIGHLIGHT" val="0"/>
+  <p:tag name="KSO_WM_UNIT_COMPATIBLE" val="0"/>
+  <p:tag name="KSO_WM_UNIT_DIAGRAM_ISNUMVISUAL" val="0"/>
+  <p:tag name="KSO_WM_UNIT_DIAGRAM_ISREFERUNIT" val="0"/>
+  <p:tag name="KSO_WM_UNIT_ID" val="_12**"/>
+  <p:tag name="KSO_WM_UNIT_LAYERLEVEL" val="1"/>
+  <p:tag name="KSO_WM_TAG_VERSION" val="1.0"/>
+  <p:tag name="KSO_WM_BEAUTIFY_FLAG" val="#wm#"/>
+  <p:tag name="KSO_WM_SLIDE_BACKGROUND_TYPE" val="general"/>
+  <p:tag name="KSO_WM_SLIDE_BK_DARK_LIGHT" val="2"/>
+</p:tagLst>
+</file>
+
+<file path=ppt/tags/tag66.xml><?xml version="1.0" encoding="utf-8"?>
+<p:tagLst xmlns:p="http://schemas.openxmlformats.org/presentationml/2006/main">
+  <p:tag name="KSO_WM_UNIT_HIGHLIGHT" val="0"/>
+  <p:tag name="KSO_WM_UNIT_COMPATIBLE" val="0"/>
+  <p:tag name="KSO_WM_UNIT_DIAGRAM_ISNUMVISUAL" val="0"/>
+  <p:tag name="KSO_WM_UNIT_DIAGRAM_ISREFERUNIT" val="0"/>
+  <p:tag name="KSO_WM_UNIT_ID" val="_12**"/>
+  <p:tag name="KSO_WM_UNIT_LAYERLEVEL" val="1"/>
+  <p:tag name="KSO_WM_TAG_VERSION" val="1.0"/>
+  <p:tag name="KSO_WM_BEAUTIFY_FLAG" val="#wm#"/>
+  <p:tag name="KSO_WM_SLIDE_BACKGROUND_TYPE" val="general"/>
+  <p:tag name="KSO_WM_SLIDE_BK_DARK_LIGHT" val="2"/>
+</p:tagLst>
+</file>
+
+<file path=ppt/tags/tag67.xml><?xml version="1.0" encoding="utf-8"?>
+<p:tagLst xmlns:p="http://schemas.openxmlformats.org/presentationml/2006/main">
+  <p:tag name="KSO_WM_UNIT_HIGHLIGHT" val="0"/>
+  <p:tag name="KSO_WM_UNIT_COMPATIBLE" val="0"/>
+  <p:tag name="KSO_WM_UNIT_DIAGRAM_ISNUMVISUAL" val="0"/>
+  <p:tag name="KSO_WM_UNIT_DIAGRAM_ISREFERUNIT" val="0"/>
+  <p:tag name="KSO_WM_UNIT_ID" val="_12**"/>
+  <p:tag name="KSO_WM_UNIT_LAYERLEVEL" val="1"/>
+  <p:tag name="KSO_WM_TAG_VERSION" val="1.0"/>
+  <p:tag name="KSO_WM_BEAUTIFY_FLAG" val="#wm#"/>
+  <p:tag name="KSO_WM_SLIDE_BACKGROUND_TYPE" val="general"/>
+  <p:tag name="KSO_WM_SLIDE_BK_DARK_LIGHT" val="2"/>
+</p:tagLst>
+</file>
+
+<file path=ppt/tags/tag68.xml><?xml version="1.0" encoding="utf-8"?>
+<p:tagLst xmlns:p="http://schemas.openxmlformats.org/presentationml/2006/main">
+  <p:tag name="KSO_WM_UNIT_HIGHLIGHT" val="0"/>
+  <p:tag name="KSO_WM_UNIT_COMPATIBLE" val="0"/>
+  <p:tag name="KSO_WM_UNIT_DIAGRAM_ISNUMVISUAL" val="0"/>
+  <p:tag name="KSO_WM_UNIT_DIAGRAM_ISREFERUNIT" val="0"/>
+  <p:tag name="KSO_WM_UNIT_ID" val="_12**"/>
+  <p:tag name="KSO_WM_UNIT_LAYERLEVEL" val="1"/>
+  <p:tag name="KSO_WM_TAG_VERSION" val="1.0"/>
+  <p:tag name="KSO_WM_BEAUTIFY_FLAG" val="#wm#"/>
+  <p:tag name="KSO_WM_SLIDE_BACKGROUND_TYPE" val="general"/>
+  <p:tag name="KSO_WM_SLIDE_BK_DARK_LIGHT" val="2"/>
+</p:tagLst>
+</file>
+
+<file path=ppt/tags/tag69.xml><?xml version="1.0" encoding="utf-8"?>
+<p:tagLst xmlns:p="http://schemas.openxmlformats.org/presentationml/2006/main">
+  <p:tag name="KSO_WM_UNIT_HIGHLIGHT" val="0"/>
+  <p:tag name="KSO_WM_UNIT_COMPATIBLE" val="0"/>
+  <p:tag name="KSO_WM_UNIT_DIAGRAM_ISNUMVISUAL" val="0"/>
+  <p:tag name="KSO_WM_UNIT_DIAGRAM_ISREFERUNIT" val="0"/>
+  <p:tag name="KSO_WM_UNIT_ID" val="_12**"/>
+  <p:tag name="KSO_WM_UNIT_LAYERLEVEL" val="1"/>
+  <p:tag name="KSO_WM_TAG_VERSION" val="1.0"/>
+  <p:tag name="KSO_WM_BEAUTIFY_FLAG" val="#wm#"/>
+  <p:tag name="KSO_WM_SLIDE_BACKGROUND_TYPE" val="general"/>
+  <p:tag name="KSO_WM_SLIDE_BK_DARK_LIGHT" val="2"/>
+</p:tagLst>
+</file>
+
+<file path=ppt/tags/tag7.xml><?xml version="1.0" encoding="utf-8"?>
+<p:tagLst xmlns:p="http://schemas.openxmlformats.org/presentationml/2006/main">
+  <p:tag name="KSO_WM_UNIT_HIGHLIGHT" val="0"/>
+  <p:tag name="KSO_WM_UNIT_COMPATIBLE" val="0"/>
+  <p:tag name="KSO_WM_UNIT_DIAGRAM_ISNUMVISUAL" val="0"/>
+  <p:tag name="KSO_WM_UNIT_DIAGRAM_ISREFERUNIT" val="0"/>
+  <p:tag name="KSO_WM_UNIT_ID" val="_1**"/>
+  <p:tag name="KSO_WM_UNIT_LAYERLEVEL" val="1"/>
+  <p:tag name="KSO_WM_TAG_VERSION" val="1.0"/>
+  <p:tag name="KSO_WM_BEAUTIFY_FLAG" val="#wm#"/>
+  <p:tag name="KSO_WM_SLIDE_BACKGROUND_MASK_FLAG" val="1"/>
+</p:tagLst>
+</file>
+
+<file path=ppt/tags/tag70.xml><?xml version="1.0" encoding="utf-8"?>
+<p:tagLst xmlns:p="http://schemas.openxmlformats.org/presentationml/2006/main">
+  <p:tag name="KSO_WM_UNIT_HIGHLIGHT" val="0"/>
+  <p:tag name="KSO_WM_UNIT_COMPATIBLE" val="0"/>
+  <p:tag name="KSO_WM_UNIT_DIAGRAM_ISNUMVISUAL" val="0"/>
+  <p:tag name="KSO_WM_UNIT_DIAGRAM_ISREFERUNIT" val="0"/>
+  <p:tag name="KSO_WM_UNIT_TYPE" val="i"/>
+  <p:tag name="KSO_WM_UNIT_INDEX" val="1"/>
+  <p:tag name="KSO_WM_UNIT_ID" val="_13*i*1"/>
+  <p:tag name="KSO_WM_UNIT_LAYERLEVEL" val="1"/>
+  <p:tag name="KSO_WM_TAG_VERSION" val="1.0"/>
+  <p:tag name="KSO_WM_BEAUTIFY_FLAG" val="#wm#"/>
+  <p:tag name="KSO_WM_UNIT_SUBTYPE" val="h"/>
+  <p:tag name="KSO_WM_SLIDE_BACKGROUND_TYPE" val="frame"/>
+  <p:tag name="KSO_WM_SLIDE_BK_DARK_LIGHT" val="2"/>
+  <p:tag name="KSO_WM_UNIT_BK_DARK_LIGHT" val="2"/>
+</p:tagLst>
+</file>
+
+<file path=ppt/tags/tag71.xml><?xml version="1.0" encoding="utf-8"?>
+<p:tagLst xmlns:p="http://schemas.openxmlformats.org/presentationml/2006/main">
+  <p:tag name="KSO_WM_UNIT_HIGHLIGHT" val="0"/>
+  <p:tag name="KSO_WM_UNIT_COMPATIBLE" val="0"/>
+  <p:tag name="KSO_WM_UNIT_DIAGRAM_ISNUMVISUAL" val="0"/>
+  <p:tag name="KSO_WM_UNIT_DIAGRAM_ISREFERUNIT" val="0"/>
+  <p:tag name="KSO_WM_UNIT_ID" val="_13**"/>
+  <p:tag name="KSO_WM_UNIT_LAYERLEVEL" val="1"/>
+  <p:tag name="KSO_WM_TAG_VERSION" val="1.0"/>
+  <p:tag name="KSO_WM_BEAUTIFY_FLAG" val="#wm#"/>
+  <p:tag name="KSO_WM_SLIDE_BACKGROUND_TYPE" val="frame"/>
+  <p:tag name="KSO_WM_SLIDE_BK_DARK_LIGHT" val="2"/>
+</p:tagLst>
+</file>
+
+<file path=ppt/tags/tag72.xml><?xml version="1.0" encoding="utf-8"?>
+<p:tagLst xmlns:p="http://schemas.openxmlformats.org/presentationml/2006/main">
+  <p:tag name="KSO_WM_UNIT_HIGHLIGHT" val="0"/>
+  <p:tag name="KSO_WM_UNIT_COMPATIBLE" val="0"/>
+  <p:tag name="KSO_WM_UNIT_DIAGRAM_ISNUMVISUAL" val="0"/>
+  <p:tag name="KSO_WM_UNIT_DIAGRAM_ISREFERUNIT" val="0"/>
+  <p:tag name="KSO_WM_UNIT_ID" val="_13**"/>
+  <p:tag name="KSO_WM_UNIT_LAYERLEVEL" val="1"/>
+  <p:tag name="KSO_WM_TAG_VERSION" val="1.0"/>
+  <p:tag name="KSO_WM_BEAUTIFY_FLAG" val="#wm#"/>
+  <p:tag name="KSO_WM_SLIDE_BACKGROUND_TYPE" val="frame"/>
+  <p:tag name="KSO_WM_SLIDE_BK_DARK_LIGHT" val="2"/>
+</p:tagLst>
+</file>
+
+<file path=ppt/tags/tag73.xml><?xml version="1.0" encoding="utf-8"?>
+<p:tagLst xmlns:p="http://schemas.openxmlformats.org/presentationml/2006/main">
+  <p:tag name="KSO_WM_UNIT_HIGHLIGHT" val="0"/>
+  <p:tag name="KSO_WM_UNIT_COMPATIBLE" val="0"/>
+  <p:tag name="KSO_WM_UNIT_DIAGRAM_ISNUMVISUAL" val="0"/>
+  <p:tag name="KSO_WM_UNIT_DIAGRAM_ISREFERUNIT" val="0"/>
+  <p:tag name="KSO_WM_UNIT_ID" val="_13**"/>
+  <p:tag name="KSO_WM_UNIT_LAYERLEVEL" val="1"/>
+  <p:tag name="KSO_WM_TAG_VERSION" val="1.0"/>
+  <p:tag name="KSO_WM_BEAUTIFY_FLAG" val="#wm#"/>
+  <p:tag name="KSO_WM_SLIDE_BACKGROUND_TYPE" val="frame"/>
+  <p:tag name="KSO_WM_SLIDE_BK_DARK_LIGHT" val="2"/>
+</p:tagLst>
+</file>
+
+<file path=ppt/tags/tag74.xml><?xml version="1.0" encoding="utf-8"?>
+<p:tagLst xmlns:p="http://schemas.openxmlformats.org/presentationml/2006/main">
+  <p:tag name="KSO_WM_UNIT_HIGHLIGHT" val="0"/>
+  <p:tag name="KSO_WM_UNIT_COMPATIBLE" val="0"/>
+  <p:tag name="KSO_WM_UNIT_DIAGRAM_ISNUMVISUAL" val="0"/>
+  <p:tag name="KSO_WM_UNIT_DIAGRAM_ISREFERUNIT" val="0"/>
+  <p:tag name="KSO_WM_UNIT_ID" val="_13**"/>
+  <p:tag name="KSO_WM_UNIT_LAYERLEVEL" val="1"/>
+  <p:tag name="KSO_WM_TAG_VERSION" val="1.0"/>
+  <p:tag name="KSO_WM_BEAUTIFY_FLAG" val="#wm#"/>
+  <p:tag name="KSO_WM_SLIDE_BACKGROUND_TYPE" val="frame"/>
+  <p:tag name="KSO_WM_SLIDE_BK_DARK_LIGHT" val="2"/>
+</p:tagLst>
+</file>
+
+<file path=ppt/tags/tag75.xml><?xml version="1.0" encoding="utf-8"?>
+<p:tagLst xmlns:p="http://schemas.openxmlformats.org/presentationml/2006/main">
+  <p:tag name="KSO_WM_UNIT_HIGHLIGHT" val="0"/>
+  <p:tag name="KSO_WM_UNIT_COMPATIBLE" val="0"/>
+  <p:tag name="KSO_WM_UNIT_DIAGRAM_ISNUMVISUAL" val="0"/>
+  <p:tag name="KSO_WM_UNIT_DIAGRAM_ISREFERUNIT" val="0"/>
+  <p:tag name="KSO_WM_UNIT_ID" val="_13**"/>
+  <p:tag name="KSO_WM_UNIT_LAYERLEVEL" val="1"/>
+  <p:tag name="KSO_WM_TAG_VERSION" val="1.0"/>
+  <p:tag name="KSO_WM_BEAUTIFY_FLAG" val="#wm#"/>
+  <p:tag name="KSO_WM_SLIDE_BACKGROUND_TYPE" val="frame"/>
+  <p:tag name="KSO_WM_SLIDE_BK_DARK_LIGHT" val="2"/>
+</p:tagLst>
+</file>
+
+<file path=ppt/tags/tag76.xml><?xml version="1.0" encoding="utf-8"?>
+<p:tagLst xmlns:p="http://schemas.openxmlformats.org/presentationml/2006/main">
+  <p:tag name="KSO_WM_UNIT_HIGHLIGHT" val="0"/>
+  <p:tag name="KSO_WM_UNIT_COMPATIBLE" val="0"/>
+  <p:tag name="KSO_WM_UNIT_DIAGRAM_ISNUMVISUAL" val="0"/>
+  <p:tag name="KSO_WM_UNIT_DIAGRAM_ISREFERUNIT" val="0"/>
+  <p:tag name="KSO_WM_UNIT_ID" val="_13**"/>
+  <p:tag name="KSO_WM_UNIT_LAYERLEVEL" val="1"/>
+  <p:tag name="KSO_WM_TAG_VERSION" val="1.0"/>
+  <p:tag name="KSO_WM_BEAUTIFY_FLAG" val="#wm#"/>
+  <p:tag name="KSO_WM_SLIDE_BACKGROUND_TYPE" val="frame"/>
+  <p:tag name="KSO_WM_SLIDE_BK_DARK_LIGHT" val="2"/>
+</p:tagLst>
+</file>
+
+<file path=ppt/tags/tag77.xml><?xml version="1.0" encoding="utf-8"?>
+<p:tagLst xmlns:p="http://schemas.openxmlformats.org/presentationml/2006/main">
+  <p:tag name="KSO_WM_UNIT_HIGHLIGHT" val="0"/>
+  <p:tag name="KSO_WM_UNIT_COMPATIBLE" val="0"/>
+  <p:tag name="KSO_WM_UNIT_DIAGRAM_ISNUMVISUAL" val="0"/>
+  <p:tag name="KSO_WM_UNIT_DIAGRAM_ISREFERUNIT" val="0"/>
+  <p:tag name="KSO_WM_UNIT_ID" val="_13**"/>
+  <p:tag name="KSO_WM_UNIT_LAYERLEVEL" val="1"/>
+  <p:tag name="KSO_WM_TAG_VERSION" val="1.0"/>
+  <p:tag name="KSO_WM_BEAUTIFY_FLAG" val="#wm#"/>
+  <p:tag name="KSO_WM_SLIDE_BACKGROUND_TYPE" val="frame"/>
+  <p:tag name="KSO_WM_SLIDE_BK_DARK_LIGHT" val="2"/>
+</p:tagLst>
+</file>
+
+<file path=ppt/tags/tag78.xml><?xml version="1.0" encoding="utf-8"?>
+<p:tagLst xmlns:p="http://schemas.openxmlformats.org/presentationml/2006/main">
+  <p:tag name="KSO_WM_UNIT_HIGHLIGHT" val="0"/>
+  <p:tag name="KSO_WM_UNIT_COMPATIBLE" val="0"/>
+  <p:tag name="KSO_WM_UNIT_DIAGRAM_ISNUMVISUAL" val="0"/>
+  <p:tag name="KSO_WM_UNIT_DIAGRAM_ISREFERUNIT" val="0"/>
+  <p:tag name="KSO_WM_UNIT_ID" val="_13**"/>
+  <p:tag name="KSO_WM_UNIT_LAYERLEVEL" val="1"/>
+  <p:tag name="KSO_WM_TAG_VERSION" val="1.0"/>
+  <p:tag name="KSO_WM_BEAUTIFY_FLAG" val="#wm#"/>
+  <p:tag name="KSO_WM_SLIDE_BACKGROUND_TYPE" val="frame"/>
+  <p:tag name="KSO_WM_SLIDE_BK_DARK_LIGHT" val="2"/>
+</p:tagLst>
+</file>
+
+<file path=ppt/tags/tag79.xml><?xml version="1.0" encoding="utf-8"?>
+<p:tagLst xmlns:p="http://schemas.openxmlformats.org/presentationml/2006/main">
+  <p:tag name="KSO_WM_UNIT_HIGHLIGHT" val="0"/>
+  <p:tag name="KSO_WM_UNIT_COMPATIBLE" val="0"/>
+  <p:tag name="KSO_WM_UNIT_DIAGRAM_ISNUMVISUAL" val="0"/>
+  <p:tag name="KSO_WM_UNIT_DIAGRAM_ISREFERUNIT" val="0"/>
+  <p:tag name="KSO_WM_UNIT_ID" val="_14*i*1"/>
+  <p:tag name="KSO_WM_UNIT_LAYERLEVEL" val="1"/>
+  <p:tag name="KSO_WM_TAG_VERSION" val="1.0"/>
+  <p:tag name="KSO_WM_BEAUTIFY_FLAG" val="#wm#"/>
+  <p:tag name="KSO_WM_UNIT_TYPE" val="i"/>
+  <p:tag name="KSO_WM_UNIT_INDEX" val="1"/>
+  <p:tag name="KSO_WM_UNIT_SUBTYPE" val="h"/>
+  <p:tag name="KSO_WM_SLIDE_BACKGROUND_TYPE" val="leftRight"/>
+  <p:tag name="KSO_WM_SLIDE_BK_DARK_LIGHT" val="2"/>
+  <p:tag name="KSO_WM_UNIT_BK_DARK_LIGHT" val="2"/>
+</p:tagLst>
+</file>
+
+<file path=ppt/tags/tag8.xml><?xml version="1.0" encoding="utf-8"?>
+<p:tagLst xmlns:p="http://schemas.openxmlformats.org/presentationml/2006/main">
+  <p:tag name="KSO_WM_UNIT_HIGHLIGHT" val="0"/>
+  <p:tag name="KSO_WM_UNIT_COMPATIBLE" val="0"/>
+  <p:tag name="KSO_WM_UNIT_DIAGRAM_ISNUMVISUAL" val="0"/>
+  <p:tag name="KSO_WM_UNIT_DIAGRAM_ISREFERUNIT" val="0"/>
+  <p:tag name="KSO_WM_UNIT_ID" val="_1**"/>
+  <p:tag name="KSO_WM_UNIT_LAYERLEVEL" val="1"/>
+  <p:tag name="KSO_WM_TAG_VERSION" val="1.0"/>
+  <p:tag name="KSO_WM_BEAUTIFY_FLAG" val="#wm#"/>
+  <p:tag name="KSO_WM_SLIDE_BACKGROUND_MASK_FLAG" val="1"/>
+</p:tagLst>
+</file>
+
+<file path=ppt/tags/tag80.xml><?xml version="1.0" encoding="utf-8"?>
+<p:tagLst xmlns:p="http://schemas.openxmlformats.org/presentationml/2006/main">
+  <p:tag name="KSO_WM_UNIT_HIGHLIGHT" val="0"/>
+  <p:tag name="KSO_WM_UNIT_COMPATIBLE" val="0"/>
+  <p:tag name="KSO_WM_UNIT_DIAGRAM_ISNUMVISUAL" val="0"/>
+  <p:tag name="KSO_WM_UNIT_DIAGRAM_ISREFERUNIT" val="0"/>
+  <p:tag name="KSO_WM_UNIT_ID" val="_14**"/>
+  <p:tag name="KSO_WM_UNIT_LAYERLEVEL" val="1"/>
+  <p:tag name="KSO_WM_TAG_VERSION" val="1.0"/>
+  <p:tag name="KSO_WM_BEAUTIFY_FLAG" val="#wm#"/>
+  <p:tag name="KSO_WM_SLIDE_BACKGROUND_TYPE" val="leftRight"/>
+  <p:tag name="KSO_WM_SLIDE_BK_DARK_LIGHT" val="2"/>
+</p:tagLst>
+</file>
+
+<file path=ppt/tags/tag81.xml><?xml version="1.0" encoding="utf-8"?>
+<p:tagLst xmlns:p="http://schemas.openxmlformats.org/presentationml/2006/main">
+  <p:tag name="KSO_WM_UNIT_HIGHLIGHT" val="0"/>
+  <p:tag name="KSO_WM_UNIT_COMPATIBLE" val="0"/>
+  <p:tag name="KSO_WM_UNIT_DIAGRAM_ISNUMVISUAL" val="0"/>
+  <p:tag name="KSO_WM_UNIT_DIAGRAM_ISREFERUNIT" val="0"/>
+  <p:tag name="KSO_WM_UNIT_ID" val="_14**"/>
+  <p:tag name="KSO_WM_UNIT_LAYERLEVEL" val="1"/>
+  <p:tag name="KSO_WM_TAG_VERSION" val="1.0"/>
+  <p:tag name="KSO_WM_BEAUTIFY_FLAG" val="#wm#"/>
+  <p:tag name="KSO_WM_SLIDE_BACKGROUND_TYPE" val="leftRight"/>
+  <p:tag name="KSO_WM_SLIDE_BK_DARK_LIGHT" val="2"/>
+</p:tagLst>
+</file>
+
+<file path=ppt/tags/tag82.xml><?xml version="1.0" encoding="utf-8"?>
+<p:tagLst xmlns:p="http://schemas.openxmlformats.org/presentationml/2006/main">
+  <p:tag name="KSO_WM_UNIT_HIGHLIGHT" val="0"/>
+  <p:tag name="KSO_WM_UNIT_COMPATIBLE" val="0"/>
+  <p:tag name="KSO_WM_UNIT_DIAGRAM_ISNUMVISUAL" val="0"/>
+  <p:tag name="KSO_WM_UNIT_DIAGRAM_ISREFERUNIT" val="0"/>
+  <p:tag name="KSO_WM_UNIT_ID" val="_14**"/>
+  <p:tag name="KSO_WM_UNIT_LAYERLEVEL" val="1"/>
+  <p:tag name="KSO_WM_TAG_VERSION" val="1.0"/>
+  <p:tag name="KSO_WM_BEAUTIFY_FLAG" val="#wm#"/>
+  <p:tag name="KSO_WM_SLIDE_BACKGROUND_TYPE" val="leftRight"/>
+  <p:tag name="KSO_WM_SLIDE_BK_DARK_LIGHT" val="2"/>
+</p:tagLst>
+</file>
+
+<file path=ppt/tags/tag83.xml><?xml version="1.0" encoding="utf-8"?>
+<p:tagLst xmlns:p="http://schemas.openxmlformats.org/presentationml/2006/main">
+  <p:tag name="KSO_WM_UNIT_HIGHLIGHT" val="0"/>
+  <p:tag name="KSO_WM_UNIT_COMPATIBLE" val="0"/>
+  <p:tag name="KSO_WM_UNIT_DIAGRAM_ISNUMVISUAL" val="0"/>
+  <p:tag name="KSO_WM_UNIT_DIAGRAM_ISREFERUNIT" val="0"/>
+  <p:tag name="KSO_WM_UNIT_ID" val="_14**"/>
+  <p:tag name="KSO_WM_UNIT_LAYERLEVEL" val="1"/>
+  <p:tag name="KSO_WM_TAG_VERSION" val="1.0"/>
+  <p:tag name="KSO_WM_BEAUTIFY_FLAG" val="#wm#"/>
+  <p:tag name="KSO_WM_SLIDE_BACKGROUND_TYPE" val="leftRight"/>
+  <p:tag name="KSO_WM_SLIDE_BK_DARK_LIGHT" val="2"/>
+</p:tagLst>
+</file>
+
+<file path=ppt/tags/tag84.xml><?xml version="1.0" encoding="utf-8"?>
+<p:tagLst xmlns:p="http://schemas.openxmlformats.org/presentationml/2006/main">
+  <p:tag name="KSO_WM_UNIT_HIGHLIGHT" val="0"/>
+  <p:tag name="KSO_WM_UNIT_COMPATIBLE" val="0"/>
+  <p:tag name="KSO_WM_UNIT_DIAGRAM_ISNUMVISUAL" val="0"/>
+  <p:tag name="KSO_WM_UNIT_DIAGRAM_ISREFERUNIT" val="0"/>
+  <p:tag name="KSO_WM_UNIT_ID" val="_14**"/>
+  <p:tag name="KSO_WM_UNIT_LAYERLEVEL" val="1"/>
+  <p:tag name="KSO_WM_TAG_VERSION" val="1.0"/>
+  <p:tag name="KSO_WM_BEAUTIFY_FLAG" val="#wm#"/>
+  <p:tag name="KSO_WM_SLIDE_BACKGROUND_TYPE" val="leftRight"/>
+  <p:tag name="KSO_WM_SLIDE_BK_DARK_LIGHT" val="2"/>
+</p:tagLst>
+</file>
+
+<file path=ppt/tags/tag85.xml><?xml version="1.0" encoding="utf-8"?>
+<p:tagLst xmlns:p="http://schemas.openxmlformats.org/presentationml/2006/main">
+  <p:tag name="KSO_WM_UNIT_HIGHLIGHT" val="0"/>
+  <p:tag name="KSO_WM_UNIT_COMPATIBLE" val="0"/>
+  <p:tag name="KSO_WM_UNIT_DIAGRAM_ISNUMVISUAL" val="0"/>
+  <p:tag name="KSO_WM_UNIT_DIAGRAM_ISREFERUNIT" val="0"/>
+  <p:tag name="KSO_WM_UNIT_ID" val="_14**"/>
+  <p:tag name="KSO_WM_UNIT_LAYERLEVEL" val="1"/>
+  <p:tag name="KSO_WM_TAG_VERSION" val="1.0"/>
+  <p:tag name="KSO_WM_BEAUTIFY_FLAG" val="#wm#"/>
+  <p:tag name="KSO_WM_SLIDE_BACKGROUND_TYPE" val="leftRight"/>
+  <p:tag name="KSO_WM_SLIDE_BK_DARK_LIGHT" val="2"/>
+</p:tagLst>
+</file>
+
+<file path=ppt/tags/tag86.xml><?xml version="1.0" encoding="utf-8"?>
+<p:tagLst xmlns:p="http://schemas.openxmlformats.org/presentationml/2006/main">
+  <p:tag name="KSO_WM_UNIT_HIGHLIGHT" val="0"/>
+  <p:tag name="KSO_WM_UNIT_COMPATIBLE" val="0"/>
+  <p:tag name="KSO_WM_UNIT_DIAGRAM_ISNUMVISUAL" val="0"/>
+  <p:tag name="KSO_WM_UNIT_DIAGRAM_ISREFERUNIT" val="0"/>
+  <p:tag name="KSO_WM_UNIT_ID" val="_14**"/>
+  <p:tag name="KSO_WM_UNIT_LAYERLEVEL" val="1"/>
+  <p:tag name="KSO_WM_TAG_VERSION" val="1.0"/>
+  <p:tag name="KSO_WM_BEAUTIFY_FLAG" val="#wm#"/>
+  <p:tag name="KSO_WM_SLIDE_BACKGROUND_TYPE" val="leftRight"/>
+  <p:tag name="KSO_WM_SLIDE_BK_DARK_LIGHT" val="2"/>
+</p:tagLst>
+</file>
+
+<file path=ppt/tags/tag87.xml><?xml version="1.0" encoding="utf-8"?>
+<p:tagLst xmlns:p="http://schemas.openxmlformats.org/presentationml/2006/main">
+  <p:tag name="KSO_WM_UNIT_HIGHLIGHT" val="0"/>
+  <p:tag name="KSO_WM_UNIT_COMPATIBLE" val="0"/>
+  <p:tag name="KSO_WM_UNIT_DIAGRAM_ISNUMVISUAL" val="0"/>
+  <p:tag name="KSO_WM_UNIT_DIAGRAM_ISREFERUNIT" val="0"/>
+  <p:tag name="KSO_WM_UNIT_ID" val="_15*i*1"/>
+  <p:tag name="KSO_WM_UNIT_LAYERLEVEL" val="1"/>
+  <p:tag name="KSO_WM_TAG_VERSION" val="1.0"/>
+  <p:tag name="KSO_WM_BEAUTIFY_FLAG" val="#wm#"/>
+  <p:tag name="KSO_WM_UNIT_TYPE" val="i"/>
+  <p:tag name="KSO_WM_UNIT_INDEX" val="1"/>
+  <p:tag name="KSO_WM_UNIT_SUBTYPE" val="h"/>
+  <p:tag name="KSO_WM_SLIDE_BACKGROUND_TYPE" val="topBottom"/>
+  <p:tag name="KSO_WM_SLIDE_BK_DARK_LIGHT" val="2"/>
+  <p:tag name="KSO_WM_UNIT_BK_DARK_LIGHT" val="2"/>
+</p:tagLst>
+</file>
+
+<file path=ppt/tags/tag88.xml><?xml version="1.0" encoding="utf-8"?>
+<p:tagLst xmlns:p="http://schemas.openxmlformats.org/presentationml/2006/main">
   <p:tag name="KSO_WM_UNIT_HIGHLIGHT" val="0"/>
   <p:tag name="KSO_WM_UNIT_COMPATIBLE" val="0"/>
   <p:tag name="KSO_WM_UNIT_DIAGRAM_ISNUMVISUAL" val="0"/>
@@ -25902,8 +28025,8 @@
 </p:tagLst>
 </file>
 
-<file path=ppt/tags/tag101.xml><?xml version="1.0" encoding="utf-8"?>
-<p:tagLst xmlns:a="http://schemas.openxmlformats.org/drawingml/2006/main" xmlns:r="http://schemas.openxmlformats.org/officeDocument/2006/relationships" xmlns:p="http://schemas.openxmlformats.org/presentationml/2006/main">
+<file path=ppt/tags/tag89.xml><?xml version="1.0" encoding="utf-8"?>
+<p:tagLst xmlns:p="http://schemas.openxmlformats.org/presentationml/2006/main">
   <p:tag name="KSO_WM_UNIT_HIGHLIGHT" val="0"/>
   <p:tag name="KSO_WM_UNIT_COMPATIBLE" val="0"/>
   <p:tag name="KSO_WM_UNIT_DIAGRAM_ISNUMVISUAL" val="0"/>
@@ -25917,8 +28040,21 @@
 </p:tagLst>
 </file>
 
-<file path=ppt/tags/tag102.xml><?xml version="1.0" encoding="utf-8"?>
-<p:tagLst xmlns:a="http://schemas.openxmlformats.org/drawingml/2006/main" xmlns:r="http://schemas.openxmlformats.org/officeDocument/2006/relationships" xmlns:p="http://schemas.openxmlformats.org/presentationml/2006/main">
+<file path=ppt/tags/tag9.xml><?xml version="1.0" encoding="utf-8"?>
+<p:tagLst xmlns:p="http://schemas.openxmlformats.org/presentationml/2006/main">
+  <p:tag name="KSO_WM_UNIT_HIGHLIGHT" val="0"/>
+  <p:tag name="KSO_WM_UNIT_COMPATIBLE" val="0"/>
+  <p:tag name="KSO_WM_UNIT_DIAGRAM_ISNUMVISUAL" val="0"/>
+  <p:tag name="KSO_WM_UNIT_DIAGRAM_ISREFERUNIT" val="0"/>
+  <p:tag name="KSO_WM_UNIT_ID" val="_2**"/>
+  <p:tag name="KSO_WM_UNIT_LAYERLEVEL" val="1"/>
+  <p:tag name="KSO_WM_TAG_VERSION" val="1.0"/>
+  <p:tag name="KSO_WM_BEAUTIFY_FLAG" val="#wm#"/>
+</p:tagLst>
+</file>
+
+<file path=ppt/tags/tag90.xml><?xml version="1.0" encoding="utf-8"?>
+<p:tagLst xmlns:p="http://schemas.openxmlformats.org/presentationml/2006/main">
   <p:tag name="KSO_WM_UNIT_HIGHLIGHT" val="0"/>
   <p:tag name="KSO_WM_UNIT_COMPATIBLE" val="0"/>
   <p:tag name="KSO_WM_UNIT_DIAGRAM_ISNUMVISUAL" val="0"/>
@@ -25932,8 +28068,98 @@
 </p:tagLst>
 </file>
 
-<file path=ppt/tags/tag103.xml><?xml version="1.0" encoding="utf-8"?>
-<p:tagLst xmlns:a="http://schemas.openxmlformats.org/drawingml/2006/main" xmlns:r="http://schemas.openxmlformats.org/officeDocument/2006/relationships" xmlns:p="http://schemas.openxmlformats.org/presentationml/2006/main">
+<file path=ppt/tags/tag91.xml><?xml version="1.0" encoding="utf-8"?>
+<p:tagLst xmlns:p="http://schemas.openxmlformats.org/presentationml/2006/main">
+  <p:tag name="KSO_WM_UNIT_HIGHLIGHT" val="0"/>
+  <p:tag name="KSO_WM_UNIT_COMPATIBLE" val="0"/>
+  <p:tag name="KSO_WM_UNIT_DIAGRAM_ISNUMVISUAL" val="0"/>
+  <p:tag name="KSO_WM_UNIT_DIAGRAM_ISREFERUNIT" val="0"/>
+  <p:tag name="KSO_WM_UNIT_ID" val="_15**"/>
+  <p:tag name="KSO_WM_UNIT_LAYERLEVEL" val="1"/>
+  <p:tag name="KSO_WM_TAG_VERSION" val="1.0"/>
+  <p:tag name="KSO_WM_BEAUTIFY_FLAG" val="#wm#"/>
+  <p:tag name="KSO_WM_SLIDE_BACKGROUND_TYPE" val="topBottom"/>
+  <p:tag name="KSO_WM_SLIDE_BK_DARK_LIGHT" val="2"/>
+</p:tagLst>
+</file>
+
+<file path=ppt/tags/tag92.xml><?xml version="1.0" encoding="utf-8"?>
+<p:tagLst xmlns:p="http://schemas.openxmlformats.org/presentationml/2006/main">
+  <p:tag name="KSO_WM_UNIT_HIGHLIGHT" val="0"/>
+  <p:tag name="KSO_WM_UNIT_COMPATIBLE" val="0"/>
+  <p:tag name="KSO_WM_UNIT_DIAGRAM_ISNUMVISUAL" val="0"/>
+  <p:tag name="KSO_WM_UNIT_DIAGRAM_ISREFERUNIT" val="0"/>
+  <p:tag name="KSO_WM_UNIT_ID" val="_15**"/>
+  <p:tag name="KSO_WM_UNIT_LAYERLEVEL" val="1"/>
+  <p:tag name="KSO_WM_TAG_VERSION" val="1.0"/>
+  <p:tag name="KSO_WM_BEAUTIFY_FLAG" val="#wm#"/>
+  <p:tag name="KSO_WM_SLIDE_BACKGROUND_TYPE" val="topBottom"/>
+  <p:tag name="KSO_WM_SLIDE_BK_DARK_LIGHT" val="2"/>
+</p:tagLst>
+</file>
+
+<file path=ppt/tags/tag93.xml><?xml version="1.0" encoding="utf-8"?>
+<p:tagLst xmlns:p="http://schemas.openxmlformats.org/presentationml/2006/main">
+  <p:tag name="KSO_WM_UNIT_HIGHLIGHT" val="0"/>
+  <p:tag name="KSO_WM_UNIT_COMPATIBLE" val="0"/>
+  <p:tag name="KSO_WM_UNIT_DIAGRAM_ISNUMVISUAL" val="0"/>
+  <p:tag name="KSO_WM_UNIT_DIAGRAM_ISREFERUNIT" val="0"/>
+  <p:tag name="KSO_WM_UNIT_ID" val="_15**"/>
+  <p:tag name="KSO_WM_UNIT_LAYERLEVEL" val="1"/>
+  <p:tag name="KSO_WM_TAG_VERSION" val="1.0"/>
+  <p:tag name="KSO_WM_BEAUTIFY_FLAG" val="#wm#"/>
+  <p:tag name="KSO_WM_SLIDE_BACKGROUND_TYPE" val="topBottom"/>
+  <p:tag name="KSO_WM_SLIDE_BK_DARK_LIGHT" val="2"/>
+</p:tagLst>
+</file>
+
+<file path=ppt/tags/tag94.xml><?xml version="1.0" encoding="utf-8"?>
+<p:tagLst xmlns:p="http://schemas.openxmlformats.org/presentationml/2006/main">
+  <p:tag name="KSO_WM_UNIT_HIGHLIGHT" val="0"/>
+  <p:tag name="KSO_WM_UNIT_COMPATIBLE" val="0"/>
+  <p:tag name="KSO_WM_UNIT_DIAGRAM_ISNUMVISUAL" val="0"/>
+  <p:tag name="KSO_WM_UNIT_DIAGRAM_ISREFERUNIT" val="0"/>
+  <p:tag name="KSO_WM_UNIT_ID" val="_15**"/>
+  <p:tag name="KSO_WM_UNIT_LAYERLEVEL" val="1"/>
+  <p:tag name="KSO_WM_TAG_VERSION" val="1.0"/>
+  <p:tag name="KSO_WM_BEAUTIFY_FLAG" val="#wm#"/>
+  <p:tag name="KSO_WM_SLIDE_BACKGROUND_TYPE" val="topBottom"/>
+  <p:tag name="KSO_WM_SLIDE_BK_DARK_LIGHT" val="2"/>
+</p:tagLst>
+</file>
+
+<file path=ppt/tags/tag95.xml><?xml version="1.0" encoding="utf-8"?>
+<p:tagLst xmlns:p="http://schemas.openxmlformats.org/presentationml/2006/main">
+  <p:tag name="KSO_WM_UNIT_HIGHLIGHT" val="0"/>
+  <p:tag name="KSO_WM_UNIT_COMPATIBLE" val="0"/>
+  <p:tag name="KSO_WM_UNIT_DIAGRAM_ISNUMVISUAL" val="0"/>
+  <p:tag name="KSO_WM_UNIT_DIAGRAM_ISREFERUNIT" val="0"/>
+  <p:tag name="KSO_WM_UNIT_ID" val="_15**"/>
+  <p:tag name="KSO_WM_UNIT_LAYERLEVEL" val="1"/>
+  <p:tag name="KSO_WM_TAG_VERSION" val="1.0"/>
+  <p:tag name="KSO_WM_BEAUTIFY_FLAG" val="#wm#"/>
+  <p:tag name="KSO_WM_SLIDE_BACKGROUND_TYPE" val="topBottom"/>
+  <p:tag name="KSO_WM_SLIDE_BK_DARK_LIGHT" val="2"/>
+</p:tagLst>
+</file>
+
+<file path=ppt/tags/tag96.xml><?xml version="1.0" encoding="utf-8"?>
+<p:tagLst xmlns:p="http://schemas.openxmlformats.org/presentationml/2006/main">
+  <p:tag name="KSO_WM_UNIT_HIGHLIGHT" val="0"/>
+  <p:tag name="KSO_WM_UNIT_COMPATIBLE" val="0"/>
+  <p:tag name="KSO_WM_UNIT_DIAGRAM_ISNUMVISUAL" val="0"/>
+  <p:tag name="KSO_WM_UNIT_DIAGRAM_ISREFERUNIT" val="0"/>
+  <p:tag name="KSO_WM_UNIT_ID" val="_15**"/>
+  <p:tag name="KSO_WM_UNIT_LAYERLEVEL" val="1"/>
+  <p:tag name="KSO_WM_TAG_VERSION" val="1.0"/>
+  <p:tag name="KSO_WM_BEAUTIFY_FLAG" val="#wm#"/>
+  <p:tag name="KSO_WM_SLIDE_BACKGROUND_TYPE" val="topBottom"/>
+  <p:tag name="KSO_WM_SLIDE_BK_DARK_LIGHT" val="2"/>
+</p:tagLst>
+</file>
+
+<file path=ppt/tags/tag97.xml><?xml version="1.0" encoding="utf-8"?>
+<p:tagLst xmlns:p="http://schemas.openxmlformats.org/presentationml/2006/main">
   <p:tag name="KSO_WM_UNIT_HIGHLIGHT" val="0"/>
   <p:tag name="KSO_WM_UNIT_COMPATIBLE" val="0"/>
   <p:tag name="KSO_WM_UNIT_DIAGRAM_ISNUMVISUAL" val="0"/>
@@ -25951,8 +28177,8 @@
 </p:tagLst>
 </file>
 
-<file path=ppt/tags/tag104.xml><?xml version="1.0" encoding="utf-8"?>
-<p:tagLst xmlns:a="http://schemas.openxmlformats.org/drawingml/2006/main" xmlns:r="http://schemas.openxmlformats.org/officeDocument/2006/relationships" xmlns:p="http://schemas.openxmlformats.org/presentationml/2006/main">
+<file path=ppt/tags/tag98.xml><?xml version="1.0" encoding="utf-8"?>
+<p:tagLst xmlns:p="http://schemas.openxmlformats.org/presentationml/2006/main">
   <p:tag name="KSO_WM_UNIT_HIGHLIGHT" val="0"/>
   <p:tag name="KSO_WM_UNIT_COMPATIBLE" val="0"/>
   <p:tag name="KSO_WM_UNIT_DIAGRAM_ISNUMVISUAL" val="0"/>
@@ -25966,8 +28192,8 @@
 </p:tagLst>
 </file>
 
-<file path=ppt/tags/tag105.xml><?xml version="1.0" encoding="utf-8"?>
-<p:tagLst xmlns:a="http://schemas.openxmlformats.org/drawingml/2006/main" xmlns:r="http://schemas.openxmlformats.org/officeDocument/2006/relationships" xmlns:p="http://schemas.openxmlformats.org/presentationml/2006/main">
+<file path=ppt/tags/tag99.xml><?xml version="1.0" encoding="utf-8"?>
+<p:tagLst xmlns:p="http://schemas.openxmlformats.org/presentationml/2006/main">
   <p:tag name="KSO_WM_UNIT_HIGHLIGHT" val="0"/>
   <p:tag name="KSO_WM_UNIT_COMPATIBLE" val="0"/>
   <p:tag name="KSO_WM_UNIT_DIAGRAM_ISNUMVISUAL" val="0"/>
@@ -25977,1822 +28203,6 @@
   <p:tag name="KSO_WM_TAG_VERSION" val="1.0"/>
   <p:tag name="KSO_WM_BEAUTIFY_FLAG" val="#wm#"/>
   <p:tag name="KSO_WM_SLIDE_BACKGROUND_TYPE" val="bottomTop"/>
-  <p:tag name="KSO_WM_SLIDE_BK_DARK_LIGHT" val="2"/>
-</p:tagLst>
-</file>
-
-<file path=ppt/tags/tag106.xml><?xml version="1.0" encoding="utf-8"?>
-<p:tagLst xmlns:a="http://schemas.openxmlformats.org/drawingml/2006/main" xmlns:r="http://schemas.openxmlformats.org/officeDocument/2006/relationships" xmlns:p="http://schemas.openxmlformats.org/presentationml/2006/main">
-  <p:tag name="KSO_WM_UNIT_HIGHLIGHT" val="0"/>
-  <p:tag name="KSO_WM_UNIT_COMPATIBLE" val="0"/>
-  <p:tag name="KSO_WM_UNIT_DIAGRAM_ISNUMVISUAL" val="0"/>
-  <p:tag name="KSO_WM_UNIT_DIAGRAM_ISREFERUNIT" val="0"/>
-  <p:tag name="KSO_WM_UNIT_ID" val="_16**"/>
-  <p:tag name="KSO_WM_UNIT_LAYERLEVEL" val="1"/>
-  <p:tag name="KSO_WM_TAG_VERSION" val="1.0"/>
-  <p:tag name="KSO_WM_BEAUTIFY_FLAG" val="#wm#"/>
-  <p:tag name="KSO_WM_SLIDE_BACKGROUND_TYPE" val="bottomTop"/>
-  <p:tag name="KSO_WM_SLIDE_BK_DARK_LIGHT" val="2"/>
-</p:tagLst>
-</file>
-
-<file path=ppt/tags/tag107.xml><?xml version="1.0" encoding="utf-8"?>
-<p:tagLst xmlns:a="http://schemas.openxmlformats.org/drawingml/2006/main" xmlns:r="http://schemas.openxmlformats.org/officeDocument/2006/relationships" xmlns:p="http://schemas.openxmlformats.org/presentationml/2006/main">
-  <p:tag name="KSO_WM_UNIT_HIGHLIGHT" val="0"/>
-  <p:tag name="KSO_WM_UNIT_COMPATIBLE" val="0"/>
-  <p:tag name="KSO_WM_UNIT_DIAGRAM_ISNUMVISUAL" val="0"/>
-  <p:tag name="KSO_WM_UNIT_DIAGRAM_ISREFERUNIT" val="0"/>
-  <p:tag name="KSO_WM_UNIT_ID" val="_16**"/>
-  <p:tag name="KSO_WM_UNIT_LAYERLEVEL" val="1"/>
-  <p:tag name="KSO_WM_TAG_VERSION" val="1.0"/>
-  <p:tag name="KSO_WM_BEAUTIFY_FLAG" val="#wm#"/>
-  <p:tag name="KSO_WM_SLIDE_BACKGROUND_TYPE" val="bottomTop"/>
-  <p:tag name="KSO_WM_SLIDE_BK_DARK_LIGHT" val="2"/>
-</p:tagLst>
-</file>
-
-<file path=ppt/tags/tag108.xml><?xml version="1.0" encoding="utf-8"?>
-<p:tagLst xmlns:a="http://schemas.openxmlformats.org/drawingml/2006/main" xmlns:r="http://schemas.openxmlformats.org/officeDocument/2006/relationships" xmlns:p="http://schemas.openxmlformats.org/presentationml/2006/main">
-  <p:tag name="KSO_WM_UNIT_HIGHLIGHT" val="0"/>
-  <p:tag name="KSO_WM_UNIT_COMPATIBLE" val="0"/>
-  <p:tag name="KSO_WM_UNIT_DIAGRAM_ISNUMVISUAL" val="0"/>
-  <p:tag name="KSO_WM_UNIT_DIAGRAM_ISREFERUNIT" val="0"/>
-  <p:tag name="KSO_WM_UNIT_ID" val="_16**"/>
-  <p:tag name="KSO_WM_UNIT_LAYERLEVEL" val="1"/>
-  <p:tag name="KSO_WM_TAG_VERSION" val="1.0"/>
-  <p:tag name="KSO_WM_BEAUTIFY_FLAG" val="#wm#"/>
-  <p:tag name="KSO_WM_SLIDE_BACKGROUND_TYPE" val="bottomTop"/>
-  <p:tag name="KSO_WM_SLIDE_BK_DARK_LIGHT" val="2"/>
-</p:tagLst>
-</file>
-
-<file path=ppt/tags/tag109.xml><?xml version="1.0" encoding="utf-8"?>
-<p:tagLst xmlns:a="http://schemas.openxmlformats.org/drawingml/2006/main" xmlns:r="http://schemas.openxmlformats.org/officeDocument/2006/relationships" xmlns:p="http://schemas.openxmlformats.org/presentationml/2006/main">
-  <p:tag name="KSO_WM_UNIT_HIGHLIGHT" val="0"/>
-  <p:tag name="KSO_WM_UNIT_COMPATIBLE" val="0"/>
-  <p:tag name="KSO_WM_UNIT_DIAGRAM_ISNUMVISUAL" val="0"/>
-  <p:tag name="KSO_WM_UNIT_DIAGRAM_ISREFERUNIT" val="0"/>
-  <p:tag name="KSO_WM_UNIT_ID" val="_16**"/>
-  <p:tag name="KSO_WM_UNIT_LAYERLEVEL" val="1"/>
-  <p:tag name="KSO_WM_TAG_VERSION" val="1.0"/>
-  <p:tag name="KSO_WM_BEAUTIFY_FLAG" val="#wm#"/>
-  <p:tag name="KSO_WM_SLIDE_BACKGROUND_TYPE" val="bottomTop"/>
-  <p:tag name="KSO_WM_SLIDE_BK_DARK_LIGHT" val="2"/>
-</p:tagLst>
-</file>
-
-<file path=ppt/tags/tag11.xml><?xml version="1.0" encoding="utf-8"?>
-<p:tagLst xmlns:a="http://schemas.openxmlformats.org/drawingml/2006/main" xmlns:r="http://schemas.openxmlformats.org/officeDocument/2006/relationships" xmlns:p="http://schemas.openxmlformats.org/presentationml/2006/main">
-  <p:tag name="KSO_WM_UNIT_HIGHLIGHT" val="0"/>
-  <p:tag name="KSO_WM_UNIT_COMPATIBLE" val="0"/>
-  <p:tag name="KSO_WM_UNIT_DIAGRAM_ISNUMVISUAL" val="0"/>
-  <p:tag name="KSO_WM_UNIT_DIAGRAM_ISREFERUNIT" val="0"/>
-  <p:tag name="KSO_WM_UNIT_ID" val="_1**"/>
-  <p:tag name="KSO_WM_UNIT_LAYERLEVEL" val="1"/>
-  <p:tag name="KSO_WM_TAG_VERSION" val="1.0"/>
-  <p:tag name="KSO_WM_BEAUTIFY_FLAG" val="#wm#"/>
-  <p:tag name="KSO_WM_SLIDE_BACKGROUND_MASK_FLAG" val="1"/>
-</p:tagLst>
-</file>
-
-<file path=ppt/tags/tag110.xml><?xml version="1.0" encoding="utf-8"?>
-<p:tagLst xmlns:a="http://schemas.openxmlformats.org/drawingml/2006/main" xmlns:r="http://schemas.openxmlformats.org/officeDocument/2006/relationships" xmlns:p="http://schemas.openxmlformats.org/presentationml/2006/main">
-  <p:tag name="KSO_WM_UNIT_HIGHLIGHT" val="0"/>
-  <p:tag name="KSO_WM_UNIT_COMPATIBLE" val="0"/>
-  <p:tag name="KSO_WM_UNIT_DIAGRAM_ISNUMVISUAL" val="0"/>
-  <p:tag name="KSO_WM_UNIT_DIAGRAM_ISREFERUNIT" val="0"/>
-  <p:tag name="KSO_WM_UNIT_ID" val="_16**"/>
-  <p:tag name="KSO_WM_UNIT_LAYERLEVEL" val="1"/>
-  <p:tag name="KSO_WM_TAG_VERSION" val="1.0"/>
-  <p:tag name="KSO_WM_BEAUTIFY_FLAG" val="#wm#"/>
-  <p:tag name="KSO_WM_SLIDE_BACKGROUND_TYPE" val="bottomTop"/>
-  <p:tag name="KSO_WM_SLIDE_BK_DARK_LIGHT" val="2"/>
-</p:tagLst>
-</file>
-
-<file path=ppt/tags/tag111.xml><?xml version="1.0" encoding="utf-8"?>
-<p:tagLst xmlns:a="http://schemas.openxmlformats.org/drawingml/2006/main" xmlns:r="http://schemas.openxmlformats.org/officeDocument/2006/relationships" xmlns:p="http://schemas.openxmlformats.org/presentationml/2006/main">
-  <p:tag name="KSO_WM_UNIT_HIGHLIGHT" val="0"/>
-  <p:tag name="KSO_WM_UNIT_COMPATIBLE" val="0"/>
-  <p:tag name="KSO_WM_UNIT_DIAGRAM_ISNUMVISUAL" val="0"/>
-  <p:tag name="KSO_WM_UNIT_DIAGRAM_ISREFERUNIT" val="0"/>
-  <p:tag name="KSO_WM_UNIT_ID" val="_16**"/>
-  <p:tag name="KSO_WM_UNIT_LAYERLEVEL" val="1"/>
-  <p:tag name="KSO_WM_TAG_VERSION" val="1.0"/>
-  <p:tag name="KSO_WM_BEAUTIFY_FLAG" val="#wm#"/>
-  <p:tag name="KSO_WM_SLIDE_BACKGROUND_TYPE" val="bottomTop"/>
-  <p:tag name="KSO_WM_SLIDE_BK_DARK_LIGHT" val="2"/>
-</p:tagLst>
-</file>
-
-<file path=ppt/tags/tag112.xml><?xml version="1.0" encoding="utf-8"?>
-<p:tagLst xmlns:a="http://schemas.openxmlformats.org/drawingml/2006/main" xmlns:r="http://schemas.openxmlformats.org/officeDocument/2006/relationships" xmlns:p="http://schemas.openxmlformats.org/presentationml/2006/main">
-  <p:tag name="KSO_WM_UNIT_HIGHLIGHT" val="0"/>
-  <p:tag name="KSO_WM_UNIT_COMPATIBLE" val="0"/>
-  <p:tag name="KSO_WM_UNIT_DIAGRAM_ISNUMVISUAL" val="0"/>
-  <p:tag name="KSO_WM_UNIT_DIAGRAM_ISREFERUNIT" val="0"/>
-  <p:tag name="KSO_WM_UNIT_ID" val="_16**"/>
-  <p:tag name="KSO_WM_UNIT_LAYERLEVEL" val="1"/>
-  <p:tag name="KSO_WM_TAG_VERSION" val="1.0"/>
-  <p:tag name="KSO_WM_BEAUTIFY_FLAG" val="#wm#"/>
-  <p:tag name="KSO_WM_SLIDE_BACKGROUND_TYPE" val="bottomTop"/>
-  <p:tag name="KSO_WM_SLIDE_BK_DARK_LIGHT" val="2"/>
-</p:tagLst>
-</file>
-
-<file path=ppt/tags/tag113.xml><?xml version="1.0" encoding="utf-8"?>
-<p:tagLst xmlns:a="http://schemas.openxmlformats.org/drawingml/2006/main" xmlns:r="http://schemas.openxmlformats.org/officeDocument/2006/relationships" xmlns:p="http://schemas.openxmlformats.org/presentationml/2006/main">
-  <p:tag name="KSO_WM_UNIT_HIGHLIGHT" val="0"/>
-  <p:tag name="KSO_WM_UNIT_COMPATIBLE" val="0"/>
-  <p:tag name="KSO_WM_UNIT_DIAGRAM_ISNUMVISUAL" val="0"/>
-  <p:tag name="KSO_WM_UNIT_DIAGRAM_ISREFERUNIT" val="0"/>
-  <p:tag name="KSO_WM_UNIT_ID" val="_17*i*1"/>
-  <p:tag name="KSO_WM_UNIT_LAYERLEVEL" val="1"/>
-  <p:tag name="KSO_WM_TAG_VERSION" val="1.0"/>
-  <p:tag name="KSO_WM_BEAUTIFY_FLAG" val="#wm#"/>
-  <p:tag name="KSO_WM_UNIT_TYPE" val="i"/>
-  <p:tag name="KSO_WM_UNIT_INDEX" val="1"/>
-  <p:tag name="KSO_WM_UNIT_SUBTYPE" val="h"/>
-  <p:tag name="KSO_WM_SLIDE_BACKGROUND_TYPE" val="navigation"/>
-  <p:tag name="KSO_WM_SLIDE_BK_DARK_LIGHT" val="2"/>
-  <p:tag name="KSO_WM_UNIT_BK_DARK_LIGHT" val="2"/>
-</p:tagLst>
-</file>
-
-<file path=ppt/tags/tag114.xml><?xml version="1.0" encoding="utf-8"?>
-<p:tagLst xmlns:a="http://schemas.openxmlformats.org/drawingml/2006/main" xmlns:r="http://schemas.openxmlformats.org/officeDocument/2006/relationships" xmlns:p="http://schemas.openxmlformats.org/presentationml/2006/main">
-  <p:tag name="KSO_WM_UNIT_HIGHLIGHT" val="0"/>
-  <p:tag name="KSO_WM_UNIT_COMPATIBLE" val="0"/>
-  <p:tag name="KSO_WM_UNIT_DIAGRAM_ISNUMVISUAL" val="0"/>
-  <p:tag name="KSO_WM_UNIT_DIAGRAM_ISREFERUNIT" val="0"/>
-  <p:tag name="KSO_WM_UNIT_ID" val="_17**"/>
-  <p:tag name="KSO_WM_UNIT_LAYERLEVEL" val="1"/>
-  <p:tag name="KSO_WM_TAG_VERSION" val="1.0"/>
-  <p:tag name="KSO_WM_BEAUTIFY_FLAG" val="#wm#"/>
-  <p:tag name="KSO_WM_SLIDE_BACKGROUND_TYPE" val="navigation"/>
-  <p:tag name="KSO_WM_SLIDE_BK_DARK_LIGHT" val="2"/>
-</p:tagLst>
-</file>
-
-<file path=ppt/tags/tag115.xml><?xml version="1.0" encoding="utf-8"?>
-<p:tagLst xmlns:a="http://schemas.openxmlformats.org/drawingml/2006/main" xmlns:r="http://schemas.openxmlformats.org/officeDocument/2006/relationships" xmlns:p="http://schemas.openxmlformats.org/presentationml/2006/main">
-  <p:tag name="KSO_WM_UNIT_HIGHLIGHT" val="0"/>
-  <p:tag name="KSO_WM_UNIT_COMPATIBLE" val="0"/>
-  <p:tag name="KSO_WM_UNIT_DIAGRAM_ISNUMVISUAL" val="0"/>
-  <p:tag name="KSO_WM_UNIT_DIAGRAM_ISREFERUNIT" val="0"/>
-  <p:tag name="KSO_WM_UNIT_ID" val="_17**"/>
-  <p:tag name="KSO_WM_UNIT_LAYERLEVEL" val="1"/>
-  <p:tag name="KSO_WM_TAG_VERSION" val="1.0"/>
-  <p:tag name="KSO_WM_BEAUTIFY_FLAG" val="#wm#"/>
-  <p:tag name="KSO_WM_SLIDE_BACKGROUND_TYPE" val="navigation"/>
-  <p:tag name="KSO_WM_SLIDE_BK_DARK_LIGHT" val="2"/>
-</p:tagLst>
-</file>
-
-<file path=ppt/tags/tag116.xml><?xml version="1.0" encoding="utf-8"?>
-<p:tagLst xmlns:a="http://schemas.openxmlformats.org/drawingml/2006/main" xmlns:r="http://schemas.openxmlformats.org/officeDocument/2006/relationships" xmlns:p="http://schemas.openxmlformats.org/presentationml/2006/main">
-  <p:tag name="KSO_WM_UNIT_HIGHLIGHT" val="0"/>
-  <p:tag name="KSO_WM_UNIT_COMPATIBLE" val="0"/>
-  <p:tag name="KSO_WM_UNIT_DIAGRAM_ISNUMVISUAL" val="0"/>
-  <p:tag name="KSO_WM_UNIT_DIAGRAM_ISREFERUNIT" val="0"/>
-  <p:tag name="KSO_WM_UNIT_ID" val="_17**"/>
-  <p:tag name="KSO_WM_UNIT_LAYERLEVEL" val="1"/>
-  <p:tag name="KSO_WM_TAG_VERSION" val="1.0"/>
-  <p:tag name="KSO_WM_BEAUTIFY_FLAG" val="#wm#"/>
-  <p:tag name="KSO_WM_SLIDE_BACKGROUND_TYPE" val="navigation"/>
-  <p:tag name="KSO_WM_SLIDE_BK_DARK_LIGHT" val="2"/>
-</p:tagLst>
-</file>
-
-<file path=ppt/tags/tag117.xml><?xml version="1.0" encoding="utf-8"?>
-<p:tagLst xmlns:a="http://schemas.openxmlformats.org/drawingml/2006/main" xmlns:r="http://schemas.openxmlformats.org/officeDocument/2006/relationships" xmlns:p="http://schemas.openxmlformats.org/presentationml/2006/main">
-  <p:tag name="KSO_WM_UNIT_HIGHLIGHT" val="0"/>
-  <p:tag name="KSO_WM_UNIT_COMPATIBLE" val="0"/>
-  <p:tag name="KSO_WM_UNIT_DIAGRAM_ISNUMVISUAL" val="0"/>
-  <p:tag name="KSO_WM_UNIT_DIAGRAM_ISREFERUNIT" val="0"/>
-  <p:tag name="KSO_WM_UNIT_ID" val="_17**"/>
-  <p:tag name="KSO_WM_UNIT_LAYERLEVEL" val="1"/>
-  <p:tag name="KSO_WM_TAG_VERSION" val="1.0"/>
-  <p:tag name="KSO_WM_BEAUTIFY_FLAG" val="#wm#"/>
-  <p:tag name="KSO_WM_SLIDE_BACKGROUND_TYPE" val="navigation"/>
-  <p:tag name="KSO_WM_SLIDE_BK_DARK_LIGHT" val="2"/>
-</p:tagLst>
-</file>
-
-<file path=ppt/tags/tag118.xml><?xml version="1.0" encoding="utf-8"?>
-<p:tagLst xmlns:a="http://schemas.openxmlformats.org/drawingml/2006/main" xmlns:r="http://schemas.openxmlformats.org/officeDocument/2006/relationships" xmlns:p="http://schemas.openxmlformats.org/presentationml/2006/main">
-  <p:tag name="KSO_WM_UNIT_HIGHLIGHT" val="0"/>
-  <p:tag name="KSO_WM_UNIT_COMPATIBLE" val="0"/>
-  <p:tag name="KSO_WM_UNIT_DIAGRAM_ISNUMVISUAL" val="0"/>
-  <p:tag name="KSO_WM_UNIT_DIAGRAM_ISREFERUNIT" val="0"/>
-  <p:tag name="KSO_WM_UNIT_ID" val="_17**"/>
-  <p:tag name="KSO_WM_UNIT_LAYERLEVEL" val="1"/>
-  <p:tag name="KSO_WM_TAG_VERSION" val="1.0"/>
-  <p:tag name="KSO_WM_BEAUTIFY_FLAG" val="#wm#"/>
-  <p:tag name="KSO_WM_SLIDE_BACKGROUND_TYPE" val="navigation"/>
-  <p:tag name="KSO_WM_SLIDE_BK_DARK_LIGHT" val="2"/>
-</p:tagLst>
-</file>
-
-<file path=ppt/tags/tag119.xml><?xml version="1.0" encoding="utf-8"?>
-<p:tagLst xmlns:a="http://schemas.openxmlformats.org/drawingml/2006/main" xmlns:r="http://schemas.openxmlformats.org/officeDocument/2006/relationships" xmlns:p="http://schemas.openxmlformats.org/presentationml/2006/main">
-  <p:tag name="KSO_WM_UNIT_HIGHLIGHT" val="0"/>
-  <p:tag name="KSO_WM_UNIT_COMPATIBLE" val="0"/>
-  <p:tag name="KSO_WM_UNIT_DIAGRAM_ISNUMVISUAL" val="0"/>
-  <p:tag name="KSO_WM_UNIT_DIAGRAM_ISREFERUNIT" val="0"/>
-  <p:tag name="KSO_WM_UNIT_ID" val="_17**"/>
-  <p:tag name="KSO_WM_UNIT_LAYERLEVEL" val="1"/>
-  <p:tag name="KSO_WM_TAG_VERSION" val="1.0"/>
-  <p:tag name="KSO_WM_BEAUTIFY_FLAG" val="#wm#"/>
-  <p:tag name="KSO_WM_SLIDE_BACKGROUND_TYPE" val="navigation"/>
-  <p:tag name="KSO_WM_SLIDE_BK_DARK_LIGHT" val="2"/>
-</p:tagLst>
-</file>
-
-<file path=ppt/tags/tag12.xml><?xml version="1.0" encoding="utf-8"?>
-<p:tagLst xmlns:a="http://schemas.openxmlformats.org/drawingml/2006/main" xmlns:r="http://schemas.openxmlformats.org/officeDocument/2006/relationships" xmlns:p="http://schemas.openxmlformats.org/presentationml/2006/main">
-  <p:tag name="KSO_WM_UNIT_HIGHLIGHT" val="0"/>
-  <p:tag name="KSO_WM_UNIT_COMPATIBLE" val="0"/>
-  <p:tag name="KSO_WM_UNIT_DIAGRAM_ISNUMVISUAL" val="0"/>
-  <p:tag name="KSO_WM_UNIT_DIAGRAM_ISREFERUNIT" val="0"/>
-  <p:tag name="KSO_WM_UNIT_ID" val="_1**"/>
-  <p:tag name="KSO_WM_UNIT_LAYERLEVEL" val="1"/>
-  <p:tag name="KSO_WM_TAG_VERSION" val="1.0"/>
-  <p:tag name="KSO_WM_BEAUTIFY_FLAG" val="#wm#"/>
-  <p:tag name="KSO_WM_SLIDE_BACKGROUND_MASK_FLAG" val="1"/>
-</p:tagLst>
-</file>
-
-<file path=ppt/tags/tag120.xml><?xml version="1.0" encoding="utf-8"?>
-<p:tagLst xmlns:a="http://schemas.openxmlformats.org/drawingml/2006/main" xmlns:r="http://schemas.openxmlformats.org/officeDocument/2006/relationships" xmlns:p="http://schemas.openxmlformats.org/presentationml/2006/main">
-  <p:tag name="KSO_WM_UNIT_HIGHLIGHT" val="0"/>
-  <p:tag name="KSO_WM_UNIT_COMPATIBLE" val="0"/>
-  <p:tag name="KSO_WM_UNIT_DIAGRAM_ISNUMVISUAL" val="0"/>
-  <p:tag name="KSO_WM_UNIT_DIAGRAM_ISREFERUNIT" val="0"/>
-  <p:tag name="KSO_WM_UNIT_ID" val="_17**"/>
-  <p:tag name="KSO_WM_UNIT_LAYERLEVEL" val="1"/>
-  <p:tag name="KSO_WM_TAG_VERSION" val="1.0"/>
-  <p:tag name="KSO_WM_BEAUTIFY_FLAG" val="#wm#"/>
-  <p:tag name="KSO_WM_SLIDE_BACKGROUND_TYPE" val="navigation"/>
-  <p:tag name="KSO_WM_SLIDE_BK_DARK_LIGHT" val="2"/>
-</p:tagLst>
-</file>
-
-<file path=ppt/tags/tag121.xml><?xml version="1.0" encoding="utf-8"?>
-<p:tagLst xmlns:a="http://schemas.openxmlformats.org/drawingml/2006/main" xmlns:r="http://schemas.openxmlformats.org/officeDocument/2006/relationships" xmlns:p="http://schemas.openxmlformats.org/presentationml/2006/main">
-  <p:tag name="KSO_WM_UNIT_HIGHLIGHT" val="0"/>
-  <p:tag name="KSO_WM_UNIT_COMPATIBLE" val="0"/>
-  <p:tag name="KSO_WM_UNIT_DIAGRAM_ISNUMVISUAL" val="0"/>
-  <p:tag name="KSO_WM_UNIT_DIAGRAM_ISREFERUNIT" val="0"/>
-  <p:tag name="KSO_WM_UNIT_ID" val="_17**"/>
-  <p:tag name="KSO_WM_UNIT_LAYERLEVEL" val="1"/>
-  <p:tag name="KSO_WM_TAG_VERSION" val="1.0"/>
-  <p:tag name="KSO_WM_BEAUTIFY_FLAG" val="#wm#"/>
-  <p:tag name="KSO_WM_SLIDE_BACKGROUND_TYPE" val="navigation"/>
-  <p:tag name="KSO_WM_SLIDE_BK_DARK_LIGHT" val="2"/>
-</p:tagLst>
-</file>
-
-<file path=ppt/tags/tag122.xml><?xml version="1.0" encoding="utf-8"?>
-<p:tagLst xmlns:a="http://schemas.openxmlformats.org/drawingml/2006/main" xmlns:r="http://schemas.openxmlformats.org/officeDocument/2006/relationships" xmlns:p="http://schemas.openxmlformats.org/presentationml/2006/main">
-  <p:tag name="KSO_WM_UNIT_HIGHLIGHT" val="0"/>
-  <p:tag name="KSO_WM_UNIT_COMPATIBLE" val="0"/>
-  <p:tag name="KSO_WM_UNIT_DIAGRAM_ISNUMVISUAL" val="0"/>
-  <p:tag name="KSO_WM_UNIT_DIAGRAM_ISREFERUNIT" val="0"/>
-  <p:tag name="KSO_WM_UNIT_ID" val="_17**"/>
-  <p:tag name="KSO_WM_UNIT_LAYERLEVEL" val="1"/>
-  <p:tag name="KSO_WM_TAG_VERSION" val="1.0"/>
-  <p:tag name="KSO_WM_BEAUTIFY_FLAG" val="#wm#"/>
-  <p:tag name="KSO_WM_SLIDE_BACKGROUND_TYPE" val="navigation"/>
-  <p:tag name="KSO_WM_SLIDE_BK_DARK_LIGHT" val="2"/>
-</p:tagLst>
-</file>
-
-<file path=ppt/tags/tag123.xml><?xml version="1.0" encoding="utf-8"?>
-<p:tagLst xmlns:a="http://schemas.openxmlformats.org/drawingml/2006/main" xmlns:r="http://schemas.openxmlformats.org/officeDocument/2006/relationships" xmlns:p="http://schemas.openxmlformats.org/presentationml/2006/main">
-  <p:tag name="KSO_WM_UNIT_HIGHLIGHT" val="0"/>
-  <p:tag name="KSO_WM_UNIT_COMPATIBLE" val="0"/>
-  <p:tag name="KSO_WM_UNIT_DIAGRAM_ISNUMVISUAL" val="0"/>
-  <p:tag name="KSO_WM_UNIT_DIAGRAM_ISREFERUNIT" val="0"/>
-  <p:tag name="KSO_WM_UNIT_ID" val="_17**"/>
-  <p:tag name="KSO_WM_UNIT_LAYERLEVEL" val="1"/>
-  <p:tag name="KSO_WM_TAG_VERSION" val="1.0"/>
-  <p:tag name="KSO_WM_BEAUTIFY_FLAG" val="#wm#"/>
-  <p:tag name="KSO_WM_SLIDE_BACKGROUND_TYPE" val="navigation"/>
-  <p:tag name="KSO_WM_SLIDE_BK_DARK_LIGHT" val="2"/>
-</p:tagLst>
-</file>
-
-<file path=ppt/tags/tag124.xml><?xml version="1.0" encoding="utf-8"?>
-<p:tagLst xmlns:a="http://schemas.openxmlformats.org/drawingml/2006/main" xmlns:r="http://schemas.openxmlformats.org/officeDocument/2006/relationships" xmlns:p="http://schemas.openxmlformats.org/presentationml/2006/main">
-  <p:tag name="KSO_WM_UNIT_HIGHLIGHT" val="0"/>
-  <p:tag name="KSO_WM_UNIT_COMPATIBLE" val="0"/>
-  <p:tag name="KSO_WM_UNIT_DIAGRAM_ISNUMVISUAL" val="0"/>
-  <p:tag name="KSO_WM_UNIT_DIAGRAM_ISREFERUNIT" val="0"/>
-  <p:tag name="KSO_WM_UNIT_ID" val="_17**"/>
-  <p:tag name="KSO_WM_UNIT_LAYERLEVEL" val="1"/>
-  <p:tag name="KSO_WM_TAG_VERSION" val="1.0"/>
-  <p:tag name="KSO_WM_BEAUTIFY_FLAG" val="#wm#"/>
-  <p:tag name="KSO_WM_SLIDE_BACKGROUND_TYPE" val="navigation"/>
-  <p:tag name="KSO_WM_SLIDE_BK_DARK_LIGHT" val="2"/>
-</p:tagLst>
-</file>
-
-<file path=ppt/tags/tag125.xml><?xml version="1.0" encoding="utf-8"?>
-<p:tagLst xmlns:a="http://schemas.openxmlformats.org/drawingml/2006/main" xmlns:r="http://schemas.openxmlformats.org/officeDocument/2006/relationships" xmlns:p="http://schemas.openxmlformats.org/presentationml/2006/main">
-  <p:tag name="KSO_WM_UNIT_HIGHLIGHT" val="0"/>
-  <p:tag name="KSO_WM_UNIT_COMPATIBLE" val="0"/>
-  <p:tag name="KSO_WM_UNIT_DIAGRAM_ISNUMVISUAL" val="0"/>
-  <p:tag name="KSO_WM_UNIT_DIAGRAM_ISREFERUNIT" val="0"/>
-  <p:tag name="KSO_WM_UNIT_ID" val="_18*i*1"/>
-  <p:tag name="KSO_WM_UNIT_LAYERLEVEL" val="1"/>
-  <p:tag name="KSO_WM_TAG_VERSION" val="1.0"/>
-  <p:tag name="KSO_WM_BEAUTIFY_FLAG" val="#wm#"/>
-  <p:tag name="KSO_WM_UNIT_TYPE" val="i"/>
-  <p:tag name="KSO_WM_UNIT_INDEX" val="1"/>
-  <p:tag name="KSO_WM_UNIT_SUBTYPE" val="h"/>
-  <p:tag name="KSO_WM_SLIDE_BACKGROUND_TYPE" val="belt"/>
-  <p:tag name="KSO_WM_SLIDE_BK_DARK_LIGHT" val="2"/>
-  <p:tag name="KSO_WM_UNIT_BK_DARK_LIGHT" val="2"/>
-</p:tagLst>
-</file>
-
-<file path=ppt/tags/tag126.xml><?xml version="1.0" encoding="utf-8"?>
-<p:tagLst xmlns:a="http://schemas.openxmlformats.org/drawingml/2006/main" xmlns:r="http://schemas.openxmlformats.org/officeDocument/2006/relationships" xmlns:p="http://schemas.openxmlformats.org/presentationml/2006/main">
-  <p:tag name="KSO_WM_SLIDE_BACKGROUND_TYPE" val="belt"/>
-  <p:tag name="KSO_WM_SLIDE_BK_DARK_LIGHT" val="2"/>
-</p:tagLst>
-</file>
-
-<file path=ppt/tags/tag127.xml><?xml version="1.0" encoding="utf-8"?>
-<p:tagLst xmlns:a="http://schemas.openxmlformats.org/drawingml/2006/main" xmlns:r="http://schemas.openxmlformats.org/officeDocument/2006/relationships" xmlns:p="http://schemas.openxmlformats.org/presentationml/2006/main">
-  <p:tag name="KSO_WM_UNIT_HIGHLIGHT" val="0"/>
-  <p:tag name="KSO_WM_UNIT_COMPATIBLE" val="0"/>
-  <p:tag name="KSO_WM_UNIT_DIAGRAM_ISNUMVISUAL" val="0"/>
-  <p:tag name="KSO_WM_UNIT_DIAGRAM_ISREFERUNIT" val="0"/>
-  <p:tag name="KSO_WM_UNIT_ID" val="_18**"/>
-  <p:tag name="KSO_WM_UNIT_LAYERLEVEL" val="1"/>
-  <p:tag name="KSO_WM_TAG_VERSION" val="1.0"/>
-  <p:tag name="KSO_WM_BEAUTIFY_FLAG" val="#wm#"/>
-  <p:tag name="KSO_WM_SLIDE_BACKGROUND_TYPE" val="belt"/>
-  <p:tag name="KSO_WM_SLIDE_BK_DARK_LIGHT" val="2"/>
-</p:tagLst>
-</file>
-
-<file path=ppt/tags/tag128.xml><?xml version="1.0" encoding="utf-8"?>
-<p:tagLst xmlns:a="http://schemas.openxmlformats.org/drawingml/2006/main" xmlns:r="http://schemas.openxmlformats.org/officeDocument/2006/relationships" xmlns:p="http://schemas.openxmlformats.org/presentationml/2006/main">
-  <p:tag name="KSO_WM_UNIT_HIGHLIGHT" val="0"/>
-  <p:tag name="KSO_WM_UNIT_COMPATIBLE" val="0"/>
-  <p:tag name="KSO_WM_UNIT_DIAGRAM_ISNUMVISUAL" val="0"/>
-  <p:tag name="KSO_WM_UNIT_DIAGRAM_ISREFERUNIT" val="0"/>
-  <p:tag name="KSO_WM_UNIT_ID" val="_18**"/>
-  <p:tag name="KSO_WM_UNIT_LAYERLEVEL" val="1"/>
-  <p:tag name="KSO_WM_TAG_VERSION" val="1.0"/>
-  <p:tag name="KSO_WM_BEAUTIFY_FLAG" val="#wm#"/>
-  <p:tag name="KSO_WM_SLIDE_BACKGROUND_TYPE" val="belt"/>
-  <p:tag name="KSO_WM_SLIDE_BK_DARK_LIGHT" val="2"/>
-</p:tagLst>
-</file>
-
-<file path=ppt/tags/tag129.xml><?xml version="1.0" encoding="utf-8"?>
-<p:tagLst xmlns:a="http://schemas.openxmlformats.org/drawingml/2006/main" xmlns:r="http://schemas.openxmlformats.org/officeDocument/2006/relationships" xmlns:p="http://schemas.openxmlformats.org/presentationml/2006/main">
-  <p:tag name="KSO_WM_UNIT_HIGHLIGHT" val="0"/>
-  <p:tag name="KSO_WM_UNIT_COMPATIBLE" val="0"/>
-  <p:tag name="KSO_WM_UNIT_DIAGRAM_ISNUMVISUAL" val="0"/>
-  <p:tag name="KSO_WM_UNIT_DIAGRAM_ISREFERUNIT" val="0"/>
-  <p:tag name="KSO_WM_UNIT_ID" val="_18**"/>
-  <p:tag name="KSO_WM_UNIT_LAYERLEVEL" val="1"/>
-  <p:tag name="KSO_WM_TAG_VERSION" val="1.0"/>
-  <p:tag name="KSO_WM_BEAUTIFY_FLAG" val="#wm#"/>
-  <p:tag name="KSO_WM_SLIDE_BACKGROUND_TYPE" val="belt"/>
-  <p:tag name="KSO_WM_SLIDE_BK_DARK_LIGHT" val="2"/>
-</p:tagLst>
-</file>
-
-<file path=ppt/tags/tag13.xml><?xml version="1.0" encoding="utf-8"?>
-<p:tagLst xmlns:a="http://schemas.openxmlformats.org/drawingml/2006/main" xmlns:r="http://schemas.openxmlformats.org/officeDocument/2006/relationships" xmlns:p="http://schemas.openxmlformats.org/presentationml/2006/main">
-  <p:tag name="KSO_WM_UNIT_HIGHLIGHT" val="0"/>
-  <p:tag name="KSO_WM_UNIT_COMPATIBLE" val="0"/>
-  <p:tag name="KSO_WM_UNIT_DIAGRAM_ISNUMVISUAL" val="0"/>
-  <p:tag name="KSO_WM_UNIT_DIAGRAM_ISREFERUNIT" val="0"/>
-  <p:tag name="KSO_WM_UNIT_ID" val="_1**"/>
-  <p:tag name="KSO_WM_UNIT_LAYERLEVEL" val="1"/>
-  <p:tag name="KSO_WM_TAG_VERSION" val="1.0"/>
-  <p:tag name="KSO_WM_BEAUTIFY_FLAG" val="#wm#"/>
-  <p:tag name="KSO_WM_SLIDE_BACKGROUND_MASK_FLAG" val="1"/>
-</p:tagLst>
-</file>
-
-<file path=ppt/tags/tag130.xml><?xml version="1.0" encoding="utf-8"?>
-<p:tagLst xmlns:a="http://schemas.openxmlformats.org/drawingml/2006/main" xmlns:r="http://schemas.openxmlformats.org/officeDocument/2006/relationships" xmlns:p="http://schemas.openxmlformats.org/presentationml/2006/main">
-  <p:tag name="KSO_WM_UNIT_HIGHLIGHT" val="0"/>
-  <p:tag name="KSO_WM_UNIT_COMPATIBLE" val="0"/>
-  <p:tag name="KSO_WM_UNIT_DIAGRAM_ISNUMVISUAL" val="0"/>
-  <p:tag name="KSO_WM_UNIT_DIAGRAM_ISREFERUNIT" val="0"/>
-  <p:tag name="KSO_WM_UNIT_ID" val="_18**"/>
-  <p:tag name="KSO_WM_UNIT_LAYERLEVEL" val="1"/>
-  <p:tag name="KSO_WM_TAG_VERSION" val="1.0"/>
-  <p:tag name="KSO_WM_BEAUTIFY_FLAG" val="#wm#"/>
-  <p:tag name="KSO_WM_SLIDE_BACKGROUND_TYPE" val="belt"/>
-  <p:tag name="KSO_WM_SLIDE_BK_DARK_LIGHT" val="2"/>
-</p:tagLst>
-</file>
-
-<file path=ppt/tags/tag131.xml><?xml version="1.0" encoding="utf-8"?>
-<p:tagLst xmlns:a="http://schemas.openxmlformats.org/drawingml/2006/main" xmlns:r="http://schemas.openxmlformats.org/officeDocument/2006/relationships" xmlns:p="http://schemas.openxmlformats.org/presentationml/2006/main">
-  <p:tag name="KSO_WM_UNIT_HIGHLIGHT" val="0"/>
-  <p:tag name="KSO_WM_UNIT_COMPATIBLE" val="0"/>
-  <p:tag name="KSO_WM_UNIT_DIAGRAM_ISNUMVISUAL" val="0"/>
-  <p:tag name="KSO_WM_UNIT_DIAGRAM_ISREFERUNIT" val="0"/>
-  <p:tag name="KSO_WM_UNIT_ID" val="_18**"/>
-  <p:tag name="KSO_WM_UNIT_LAYERLEVEL" val="1"/>
-  <p:tag name="KSO_WM_TAG_VERSION" val="1.0"/>
-  <p:tag name="KSO_WM_BEAUTIFY_FLAG" val="#wm#"/>
-  <p:tag name="KSO_WM_SLIDE_BACKGROUND_TYPE" val="belt"/>
-  <p:tag name="KSO_WM_SLIDE_BK_DARK_LIGHT" val="2"/>
-</p:tagLst>
-</file>
-
-<file path=ppt/tags/tag132.xml><?xml version="1.0" encoding="utf-8"?>
-<p:tagLst xmlns:a="http://schemas.openxmlformats.org/drawingml/2006/main" xmlns:r="http://schemas.openxmlformats.org/officeDocument/2006/relationships" xmlns:p="http://schemas.openxmlformats.org/presentationml/2006/main">
-  <p:tag name="KSO_WM_UNIT_HIGHLIGHT" val="0"/>
-  <p:tag name="KSO_WM_UNIT_COMPATIBLE" val="0"/>
-  <p:tag name="KSO_WM_UNIT_DIAGRAM_ISNUMVISUAL" val="0"/>
-  <p:tag name="KSO_WM_UNIT_DIAGRAM_ISREFERUNIT" val="0"/>
-  <p:tag name="KSO_WM_UNIT_ID" val="_18**"/>
-  <p:tag name="KSO_WM_UNIT_LAYERLEVEL" val="1"/>
-  <p:tag name="KSO_WM_TAG_VERSION" val="1.0"/>
-  <p:tag name="KSO_WM_BEAUTIFY_FLAG" val="#wm#"/>
-  <p:tag name="KSO_WM_SLIDE_BACKGROUND_TYPE" val="belt"/>
-  <p:tag name="KSO_WM_SLIDE_BK_DARK_LIGHT" val="2"/>
-</p:tagLst>
-</file>
-
-<file path=ppt/tags/tag133.xml><?xml version="1.0" encoding="utf-8"?>
-<p:tagLst xmlns:a="http://schemas.openxmlformats.org/drawingml/2006/main" xmlns:r="http://schemas.openxmlformats.org/officeDocument/2006/relationships" xmlns:p="http://schemas.openxmlformats.org/presentationml/2006/main">
-  <p:tag name="KSO_WM_UNIT_HIGHLIGHT" val="0"/>
-  <p:tag name="KSO_WM_UNIT_COMPATIBLE" val="0"/>
-  <p:tag name="KSO_WM_UNIT_DIAGRAM_ISNUMVISUAL" val="0"/>
-  <p:tag name="KSO_WM_UNIT_DIAGRAM_ISREFERUNIT" val="0"/>
-  <p:tag name="KSO_WM_UNIT_ID" val="_18**"/>
-  <p:tag name="KSO_WM_UNIT_LAYERLEVEL" val="1"/>
-  <p:tag name="KSO_WM_TAG_VERSION" val="1.0"/>
-  <p:tag name="KSO_WM_BEAUTIFY_FLAG" val="#wm#"/>
-  <p:tag name="KSO_WM_SLIDE_BACKGROUND_TYPE" val="belt"/>
-  <p:tag name="KSO_WM_SLIDE_BK_DARK_LIGHT" val="2"/>
-</p:tagLst>
-</file>
-
-<file path=ppt/tags/tag134.xml><?xml version="1.0" encoding="utf-8"?>
-<p:tagLst xmlns:a="http://schemas.openxmlformats.org/drawingml/2006/main" xmlns:r="http://schemas.openxmlformats.org/officeDocument/2006/relationships" xmlns:p="http://schemas.openxmlformats.org/presentationml/2006/main">
-  <p:tag name="MH" val="20160830110146"/>
-  <p:tag name="MH_LIBRARY" val="CONTENTS"/>
-  <p:tag name="MH_TYPE" val="OTHERS"/>
-  <p:tag name="ID" val="553512"/>
-</p:tagLst>
-</file>
-
-<file path=ppt/tags/tag135.xml><?xml version="1.0" encoding="utf-8"?>
-<p:tagLst xmlns:a="http://schemas.openxmlformats.org/drawingml/2006/main" xmlns:r="http://schemas.openxmlformats.org/officeDocument/2006/relationships" xmlns:p="http://schemas.openxmlformats.org/presentationml/2006/main">
-  <p:tag name="MH" val="20160830110146"/>
-  <p:tag name="MH_LIBRARY" val="CONTENTS"/>
-  <p:tag name="MH_TYPE" val="OTHERS"/>
-  <p:tag name="ID" val="553512"/>
-</p:tagLst>
-</file>
-
-<file path=ppt/tags/tag136.xml><?xml version="1.0" encoding="utf-8"?>
-<p:tagLst xmlns:a="http://schemas.openxmlformats.org/drawingml/2006/main" xmlns:r="http://schemas.openxmlformats.org/officeDocument/2006/relationships" xmlns:p="http://schemas.openxmlformats.org/presentationml/2006/main">
-  <p:tag name="MH" val="20160830110146"/>
-  <p:tag name="MH_LIBRARY" val="CONTENTS"/>
-  <p:tag name="MH_TYPE" val="ENTRY"/>
-  <p:tag name="ID" val="553512"/>
-  <p:tag name="MH_ORDER" val="1"/>
-</p:tagLst>
-</file>
-
-<file path=ppt/tags/tag137.xml><?xml version="1.0" encoding="utf-8"?>
-<p:tagLst xmlns:a="http://schemas.openxmlformats.org/drawingml/2006/main" xmlns:r="http://schemas.openxmlformats.org/officeDocument/2006/relationships" xmlns:p="http://schemas.openxmlformats.org/presentationml/2006/main">
-  <p:tag name="MH" val="20160830110146"/>
-  <p:tag name="MH_LIBRARY" val="CONTENTS"/>
-  <p:tag name="MH_TYPE" val="ENTRY"/>
-  <p:tag name="ID" val="553512"/>
-  <p:tag name="MH_ORDER" val="2"/>
-</p:tagLst>
-</file>
-
-<file path=ppt/tags/tag138.xml><?xml version="1.0" encoding="utf-8"?>
-<p:tagLst xmlns:a="http://schemas.openxmlformats.org/drawingml/2006/main" xmlns:r="http://schemas.openxmlformats.org/officeDocument/2006/relationships" xmlns:p="http://schemas.openxmlformats.org/presentationml/2006/main">
-  <p:tag name="MH" val="20160830110146"/>
-  <p:tag name="MH_LIBRARY" val="CONTENTS"/>
-  <p:tag name="MH_TYPE" val="ENTRY"/>
-  <p:tag name="ID" val="553512"/>
-  <p:tag name="MH_ORDER" val="3"/>
-</p:tagLst>
-</file>
-
-<file path=ppt/tags/tag139.xml><?xml version="1.0" encoding="utf-8"?>
-<p:tagLst xmlns:a="http://schemas.openxmlformats.org/drawingml/2006/main" xmlns:r="http://schemas.openxmlformats.org/officeDocument/2006/relationships" xmlns:p="http://schemas.openxmlformats.org/presentationml/2006/main">
-  <p:tag name="KSO_WM_TEMPLATE_CATEGORY" val="custom"/>
-  <p:tag name="KSO_WM_TEMPLATE_INDEX" val="20203902"/>
-</p:tagLst>
-</file>
-
-<file path=ppt/tags/tag14.xml><?xml version="1.0" encoding="utf-8"?>
-<p:tagLst xmlns:a="http://schemas.openxmlformats.org/drawingml/2006/main" xmlns:r="http://schemas.openxmlformats.org/officeDocument/2006/relationships" xmlns:p="http://schemas.openxmlformats.org/presentationml/2006/main">
-  <p:tag name="KSO_WM_UNIT_HIGHLIGHT" val="0"/>
-  <p:tag name="KSO_WM_UNIT_COMPATIBLE" val="0"/>
-  <p:tag name="KSO_WM_UNIT_DIAGRAM_ISNUMVISUAL" val="0"/>
-  <p:tag name="KSO_WM_UNIT_DIAGRAM_ISREFERUNIT" val="0"/>
-  <p:tag name="KSO_WM_UNIT_ID" val="_1**"/>
-  <p:tag name="KSO_WM_UNIT_LAYERLEVEL" val="1"/>
-  <p:tag name="KSO_WM_TAG_VERSION" val="1.0"/>
-  <p:tag name="KSO_WM_BEAUTIFY_FLAG" val="#wm#"/>
-  <p:tag name="KSO_WM_SLIDE_BACKGROUND_MASK_FLAG" val="1"/>
-</p:tagLst>
-</file>
-
-<file path=ppt/tags/tag15.xml><?xml version="1.0" encoding="utf-8"?>
-<p:tagLst xmlns:a="http://schemas.openxmlformats.org/drawingml/2006/main" xmlns:r="http://schemas.openxmlformats.org/officeDocument/2006/relationships" xmlns:p="http://schemas.openxmlformats.org/presentationml/2006/main">
-  <p:tag name="KSO_WM_UNIT_HIGHLIGHT" val="0"/>
-  <p:tag name="KSO_WM_UNIT_COMPATIBLE" val="0"/>
-  <p:tag name="KSO_WM_UNIT_DIAGRAM_ISNUMVISUAL" val="0"/>
-  <p:tag name="KSO_WM_UNIT_DIAGRAM_ISREFERUNIT" val="0"/>
-  <p:tag name="KSO_WM_UNIT_ID" val="_2**"/>
-  <p:tag name="KSO_WM_UNIT_LAYERLEVEL" val="1"/>
-  <p:tag name="KSO_WM_TAG_VERSION" val="1.0"/>
-  <p:tag name="KSO_WM_BEAUTIFY_FLAG" val="#wm#"/>
-</p:tagLst>
-</file>
-
-<file path=ppt/tags/tag16.xml><?xml version="1.0" encoding="utf-8"?>
-<p:tagLst xmlns:a="http://schemas.openxmlformats.org/drawingml/2006/main" xmlns:r="http://schemas.openxmlformats.org/officeDocument/2006/relationships" xmlns:p="http://schemas.openxmlformats.org/presentationml/2006/main">
-  <p:tag name="KSO_WM_UNIT_HIGHLIGHT" val="0"/>
-  <p:tag name="KSO_WM_UNIT_COMPATIBLE" val="0"/>
-  <p:tag name="KSO_WM_UNIT_DIAGRAM_ISNUMVISUAL" val="0"/>
-  <p:tag name="KSO_WM_UNIT_DIAGRAM_ISREFERUNIT" val="0"/>
-  <p:tag name="KSO_WM_UNIT_ID" val="_2**"/>
-  <p:tag name="KSO_WM_UNIT_LAYERLEVEL" val="1"/>
-  <p:tag name="KSO_WM_TAG_VERSION" val="1.0"/>
-  <p:tag name="KSO_WM_BEAUTIFY_FLAG" val="#wm#"/>
-</p:tagLst>
-</file>
-
-<file path=ppt/tags/tag17.xml><?xml version="1.0" encoding="utf-8"?>
-<p:tagLst xmlns:a="http://schemas.openxmlformats.org/drawingml/2006/main" xmlns:r="http://schemas.openxmlformats.org/officeDocument/2006/relationships" xmlns:p="http://schemas.openxmlformats.org/presentationml/2006/main">
-  <p:tag name="KSO_WM_UNIT_HIGHLIGHT" val="0"/>
-  <p:tag name="KSO_WM_UNIT_COMPATIBLE" val="0"/>
-  <p:tag name="KSO_WM_UNIT_DIAGRAM_ISNUMVISUAL" val="0"/>
-  <p:tag name="KSO_WM_UNIT_DIAGRAM_ISREFERUNIT" val="0"/>
-  <p:tag name="KSO_WM_UNIT_ID" val="_2**"/>
-  <p:tag name="KSO_WM_UNIT_LAYERLEVEL" val="1"/>
-  <p:tag name="KSO_WM_TAG_VERSION" val="1.0"/>
-  <p:tag name="KSO_WM_BEAUTIFY_FLAG" val="#wm#"/>
-</p:tagLst>
-</file>
-
-<file path=ppt/tags/tag18.xml><?xml version="1.0" encoding="utf-8"?>
-<p:tagLst xmlns:a="http://schemas.openxmlformats.org/drawingml/2006/main" xmlns:r="http://schemas.openxmlformats.org/officeDocument/2006/relationships" xmlns:p="http://schemas.openxmlformats.org/presentationml/2006/main">
-  <p:tag name="KSO_WM_UNIT_HIGHLIGHT" val="0"/>
-  <p:tag name="KSO_WM_UNIT_COMPATIBLE" val="0"/>
-  <p:tag name="KSO_WM_UNIT_DIAGRAM_ISNUMVISUAL" val="0"/>
-  <p:tag name="KSO_WM_UNIT_DIAGRAM_ISREFERUNIT" val="0"/>
-  <p:tag name="KSO_WM_UNIT_ID" val="_2**"/>
-  <p:tag name="KSO_WM_UNIT_LAYERLEVEL" val="1"/>
-  <p:tag name="KSO_WM_TAG_VERSION" val="1.0"/>
-  <p:tag name="KSO_WM_BEAUTIFY_FLAG" val="#wm#"/>
-</p:tagLst>
-</file>
-
-<file path=ppt/tags/tag19.xml><?xml version="1.0" encoding="utf-8"?>
-<p:tagLst xmlns:a="http://schemas.openxmlformats.org/drawingml/2006/main" xmlns:r="http://schemas.openxmlformats.org/officeDocument/2006/relationships" xmlns:p="http://schemas.openxmlformats.org/presentationml/2006/main">
-  <p:tag name="KSO_WM_UNIT_HIGHLIGHT" val="0"/>
-  <p:tag name="KSO_WM_UNIT_COMPATIBLE" val="0"/>
-  <p:tag name="KSO_WM_UNIT_DIAGRAM_ISNUMVISUAL" val="0"/>
-  <p:tag name="KSO_WM_UNIT_DIAGRAM_ISREFERUNIT" val="0"/>
-  <p:tag name="KSO_WM_UNIT_ID" val="_2**"/>
-  <p:tag name="KSO_WM_UNIT_LAYERLEVEL" val="1"/>
-  <p:tag name="KSO_WM_TAG_VERSION" val="1.0"/>
-  <p:tag name="KSO_WM_BEAUTIFY_FLAG" val="#wm#"/>
-</p:tagLst>
-</file>
-
-<file path=ppt/tags/tag2.xml><?xml version="1.0" encoding="utf-8"?>
-<p:tagLst xmlns:a="http://schemas.openxmlformats.org/drawingml/2006/main" xmlns:r="http://schemas.openxmlformats.org/officeDocument/2006/relationships" xmlns:p="http://schemas.openxmlformats.org/presentationml/2006/main">
-  <p:tag name="KSO_WM_UNIT_HIGHLIGHT" val="0"/>
-  <p:tag name="KSO_WM_UNIT_COMPATIBLE" val="0"/>
-  <p:tag name="KSO_WM_UNIT_DIAGRAM_ISNUMVISUAL" val="0"/>
-  <p:tag name="KSO_WM_UNIT_DIAGRAM_ISREFERUNIT" val="0"/>
-  <p:tag name="KSO_WM_UNIT_ID" val="_0**"/>
-  <p:tag name="KSO_WM_UNIT_LAYERLEVEL" val="1"/>
-  <p:tag name="KSO_WM_TAG_VERSION" val="1.0"/>
-  <p:tag name="KSO_WM_BEAUTIFY_FLAG" val="#wm#"/>
-  <p:tag name="KSO_WM_TEMPLATE_CATEGORY" val="custom"/>
-  <p:tag name="KSO_WM_TEMPLATE_INDEX" val="20203902"/>
-</p:tagLst>
-</file>
-
-<file path=ppt/tags/tag20.xml><?xml version="1.0" encoding="utf-8"?>
-<p:tagLst xmlns:a="http://schemas.openxmlformats.org/drawingml/2006/main" xmlns:r="http://schemas.openxmlformats.org/officeDocument/2006/relationships" xmlns:p="http://schemas.openxmlformats.org/presentationml/2006/main">
-  <p:tag name="KSO_WM_UNIT_HIGHLIGHT" val="0"/>
-  <p:tag name="KSO_WM_UNIT_COMPATIBLE" val="0"/>
-  <p:tag name="KSO_WM_UNIT_DIAGRAM_ISNUMVISUAL" val="0"/>
-  <p:tag name="KSO_WM_UNIT_DIAGRAM_ISREFERUNIT" val="0"/>
-  <p:tag name="KSO_WM_UNIT_ID" val="_3**"/>
-  <p:tag name="KSO_WM_UNIT_LAYERLEVEL" val="1"/>
-  <p:tag name="KSO_WM_TAG_VERSION" val="1.0"/>
-  <p:tag name="KSO_WM_BEAUTIFY_FLAG" val="#wm#"/>
-</p:tagLst>
-</file>
-
-<file path=ppt/tags/tag21.xml><?xml version="1.0" encoding="utf-8"?>
-<p:tagLst xmlns:a="http://schemas.openxmlformats.org/drawingml/2006/main" xmlns:r="http://schemas.openxmlformats.org/officeDocument/2006/relationships" xmlns:p="http://schemas.openxmlformats.org/presentationml/2006/main">
-  <p:tag name="KSO_WM_UNIT_HIGHLIGHT" val="0"/>
-  <p:tag name="KSO_WM_UNIT_COMPATIBLE" val="0"/>
-  <p:tag name="KSO_WM_UNIT_DIAGRAM_ISNUMVISUAL" val="0"/>
-  <p:tag name="KSO_WM_UNIT_DIAGRAM_ISREFERUNIT" val="0"/>
-  <p:tag name="KSO_WM_UNIT_ID" val="_3**"/>
-  <p:tag name="KSO_WM_UNIT_LAYERLEVEL" val="1"/>
-  <p:tag name="KSO_WM_TAG_VERSION" val="1.0"/>
-  <p:tag name="KSO_WM_BEAUTIFY_FLAG" val="#wm#"/>
-</p:tagLst>
-</file>
-
-<file path=ppt/tags/tag22.xml><?xml version="1.0" encoding="utf-8"?>
-<p:tagLst xmlns:a="http://schemas.openxmlformats.org/drawingml/2006/main" xmlns:r="http://schemas.openxmlformats.org/officeDocument/2006/relationships" xmlns:p="http://schemas.openxmlformats.org/presentationml/2006/main">
-  <p:tag name="KSO_WM_UNIT_HIGHLIGHT" val="0"/>
-  <p:tag name="KSO_WM_UNIT_COMPATIBLE" val="0"/>
-  <p:tag name="KSO_WM_UNIT_DIAGRAM_ISNUMVISUAL" val="0"/>
-  <p:tag name="KSO_WM_UNIT_DIAGRAM_ISREFERUNIT" val="0"/>
-  <p:tag name="KSO_WM_UNIT_ID" val="_3**"/>
-  <p:tag name="KSO_WM_UNIT_LAYERLEVEL" val="1"/>
-  <p:tag name="KSO_WM_TAG_VERSION" val="1.0"/>
-  <p:tag name="KSO_WM_BEAUTIFY_FLAG" val="#wm#"/>
-</p:tagLst>
-</file>
-
-<file path=ppt/tags/tag23.xml><?xml version="1.0" encoding="utf-8"?>
-<p:tagLst xmlns:a="http://schemas.openxmlformats.org/drawingml/2006/main" xmlns:r="http://schemas.openxmlformats.org/officeDocument/2006/relationships" xmlns:p="http://schemas.openxmlformats.org/presentationml/2006/main">
-  <p:tag name="KSO_WM_UNIT_HIGHLIGHT" val="0"/>
-  <p:tag name="KSO_WM_UNIT_COMPATIBLE" val="0"/>
-  <p:tag name="KSO_WM_UNIT_DIAGRAM_ISNUMVISUAL" val="0"/>
-  <p:tag name="KSO_WM_UNIT_DIAGRAM_ISREFERUNIT" val="0"/>
-  <p:tag name="KSO_WM_UNIT_ID" val="_3**"/>
-  <p:tag name="KSO_WM_UNIT_LAYERLEVEL" val="1"/>
-  <p:tag name="KSO_WM_TAG_VERSION" val="1.0"/>
-  <p:tag name="KSO_WM_BEAUTIFY_FLAG" val="#wm#"/>
-</p:tagLst>
-</file>
-
-<file path=ppt/tags/tag24.xml><?xml version="1.0" encoding="utf-8"?>
-<p:tagLst xmlns:a="http://schemas.openxmlformats.org/drawingml/2006/main" xmlns:r="http://schemas.openxmlformats.org/officeDocument/2006/relationships" xmlns:p="http://schemas.openxmlformats.org/presentationml/2006/main">
-  <p:tag name="KSO_WM_UNIT_HIGHLIGHT" val="0"/>
-  <p:tag name="KSO_WM_UNIT_COMPATIBLE" val="0"/>
-  <p:tag name="KSO_WM_UNIT_DIAGRAM_ISNUMVISUAL" val="0"/>
-  <p:tag name="KSO_WM_UNIT_DIAGRAM_ISREFERUNIT" val="0"/>
-  <p:tag name="KSO_WM_UNIT_ID" val="_3**"/>
-  <p:tag name="KSO_WM_UNIT_LAYERLEVEL" val="1"/>
-  <p:tag name="KSO_WM_TAG_VERSION" val="1.0"/>
-  <p:tag name="KSO_WM_BEAUTIFY_FLAG" val="#wm#"/>
-</p:tagLst>
-</file>
-
-<file path=ppt/tags/tag25.xml><?xml version="1.0" encoding="utf-8"?>
-<p:tagLst xmlns:a="http://schemas.openxmlformats.org/drawingml/2006/main" xmlns:r="http://schemas.openxmlformats.org/officeDocument/2006/relationships" xmlns:p="http://schemas.openxmlformats.org/presentationml/2006/main">
-  <p:tag name="KSO_WM_UNIT_HIGHLIGHT" val="0"/>
-  <p:tag name="KSO_WM_UNIT_COMPATIBLE" val="0"/>
-  <p:tag name="KSO_WM_UNIT_DIAGRAM_ISNUMVISUAL" val="0"/>
-  <p:tag name="KSO_WM_UNIT_DIAGRAM_ISREFERUNIT" val="0"/>
-  <p:tag name="KSO_WM_UNIT_ID" val="_3**"/>
-  <p:tag name="KSO_WM_UNIT_LAYERLEVEL" val="1"/>
-  <p:tag name="KSO_WM_TAG_VERSION" val="1.0"/>
-  <p:tag name="KSO_WM_BEAUTIFY_FLAG" val="#wm#"/>
-</p:tagLst>
-</file>
-
-<file path=ppt/tags/tag26.xml><?xml version="1.0" encoding="utf-8"?>
-<p:tagLst xmlns:a="http://schemas.openxmlformats.org/drawingml/2006/main" xmlns:r="http://schemas.openxmlformats.org/officeDocument/2006/relationships" xmlns:p="http://schemas.openxmlformats.org/presentationml/2006/main">
-  <p:tag name="KSO_WM_UNIT_HIGHLIGHT" val="0"/>
-  <p:tag name="KSO_WM_UNIT_COMPATIBLE" val="0"/>
-  <p:tag name="KSO_WM_UNIT_DIAGRAM_ISNUMVISUAL" val="0"/>
-  <p:tag name="KSO_WM_UNIT_DIAGRAM_ISREFERUNIT" val="0"/>
-  <p:tag name="KSO_WM_UNIT_ID" val="_3**"/>
-  <p:tag name="KSO_WM_UNIT_LAYERLEVEL" val="1"/>
-  <p:tag name="KSO_WM_TAG_VERSION" val="1.0"/>
-  <p:tag name="KSO_WM_BEAUTIFY_FLAG" val="#wm#"/>
-</p:tagLst>
-</file>
-
-<file path=ppt/tags/tag27.xml><?xml version="1.0" encoding="utf-8"?>
-<p:tagLst xmlns:a="http://schemas.openxmlformats.org/drawingml/2006/main" xmlns:r="http://schemas.openxmlformats.org/officeDocument/2006/relationships" xmlns:p="http://schemas.openxmlformats.org/presentationml/2006/main">
-  <p:tag name="KSO_WM_UNIT_HIGHLIGHT" val="0"/>
-  <p:tag name="KSO_WM_UNIT_COMPATIBLE" val="0"/>
-  <p:tag name="KSO_WM_UNIT_DIAGRAM_ISNUMVISUAL" val="0"/>
-  <p:tag name="KSO_WM_UNIT_DIAGRAM_ISREFERUNIT" val="0"/>
-  <p:tag name="KSO_WM_UNIT_ID" val="_4**"/>
-  <p:tag name="KSO_WM_UNIT_LAYERLEVEL" val="1"/>
-  <p:tag name="KSO_WM_TAG_VERSION" val="1.0"/>
-  <p:tag name="KSO_WM_BEAUTIFY_FLAG" val="#wm#"/>
-</p:tagLst>
-</file>
-
-<file path=ppt/tags/tag28.xml><?xml version="1.0" encoding="utf-8"?>
-<p:tagLst xmlns:a="http://schemas.openxmlformats.org/drawingml/2006/main" xmlns:r="http://schemas.openxmlformats.org/officeDocument/2006/relationships" xmlns:p="http://schemas.openxmlformats.org/presentationml/2006/main">
-  <p:tag name="KSO_WM_UNIT_HIGHLIGHT" val="0"/>
-  <p:tag name="KSO_WM_UNIT_COMPATIBLE" val="0"/>
-  <p:tag name="KSO_WM_UNIT_DIAGRAM_ISNUMVISUAL" val="0"/>
-  <p:tag name="KSO_WM_UNIT_DIAGRAM_ISREFERUNIT" val="0"/>
-  <p:tag name="KSO_WM_UNIT_ID" val="_4**"/>
-  <p:tag name="KSO_WM_UNIT_LAYERLEVEL" val="1"/>
-  <p:tag name="KSO_WM_TAG_VERSION" val="1.0"/>
-  <p:tag name="KSO_WM_BEAUTIFY_FLAG" val="#wm#"/>
-</p:tagLst>
-</file>
-
-<file path=ppt/tags/tag29.xml><?xml version="1.0" encoding="utf-8"?>
-<p:tagLst xmlns:a="http://schemas.openxmlformats.org/drawingml/2006/main" xmlns:r="http://schemas.openxmlformats.org/officeDocument/2006/relationships" xmlns:p="http://schemas.openxmlformats.org/presentationml/2006/main">
-  <p:tag name="KSO_WM_UNIT_HIGHLIGHT" val="0"/>
-  <p:tag name="KSO_WM_UNIT_COMPATIBLE" val="0"/>
-  <p:tag name="KSO_WM_UNIT_DIAGRAM_ISNUMVISUAL" val="0"/>
-  <p:tag name="KSO_WM_UNIT_DIAGRAM_ISREFERUNIT" val="0"/>
-  <p:tag name="KSO_WM_UNIT_ID" val="_4**"/>
-  <p:tag name="KSO_WM_UNIT_LAYERLEVEL" val="1"/>
-  <p:tag name="KSO_WM_TAG_VERSION" val="1.0"/>
-  <p:tag name="KSO_WM_BEAUTIFY_FLAG" val="#wm#"/>
-</p:tagLst>
-</file>
-
-<file path=ppt/tags/tag3.xml><?xml version="1.0" encoding="utf-8"?>
-<p:tagLst xmlns:a="http://schemas.openxmlformats.org/drawingml/2006/main" xmlns:r="http://schemas.openxmlformats.org/officeDocument/2006/relationships" xmlns:p="http://schemas.openxmlformats.org/presentationml/2006/main">
-  <p:tag name="KSO_WM_UNIT_HIGHLIGHT" val="0"/>
-  <p:tag name="KSO_WM_UNIT_COMPATIBLE" val="0"/>
-  <p:tag name="KSO_WM_UNIT_DIAGRAM_ISNUMVISUAL" val="0"/>
-  <p:tag name="KSO_WM_UNIT_DIAGRAM_ISREFERUNIT" val="0"/>
-  <p:tag name="KSO_WM_UNIT_ID" val="_0**"/>
-  <p:tag name="KSO_WM_UNIT_LAYERLEVEL" val="1"/>
-  <p:tag name="KSO_WM_TAG_VERSION" val="1.0"/>
-  <p:tag name="KSO_WM_BEAUTIFY_FLAG" val="#wm#"/>
-</p:tagLst>
-</file>
-
-<file path=ppt/tags/tag30.xml><?xml version="1.0" encoding="utf-8"?>
-<p:tagLst xmlns:a="http://schemas.openxmlformats.org/drawingml/2006/main" xmlns:r="http://schemas.openxmlformats.org/officeDocument/2006/relationships" xmlns:p="http://schemas.openxmlformats.org/presentationml/2006/main">
-  <p:tag name="KSO_WM_UNIT_HIGHLIGHT" val="0"/>
-  <p:tag name="KSO_WM_UNIT_COMPATIBLE" val="0"/>
-  <p:tag name="KSO_WM_UNIT_DIAGRAM_ISNUMVISUAL" val="0"/>
-  <p:tag name="KSO_WM_UNIT_DIAGRAM_ISREFERUNIT" val="0"/>
-  <p:tag name="KSO_WM_UNIT_ID" val="_4**"/>
-  <p:tag name="KSO_WM_UNIT_LAYERLEVEL" val="1"/>
-  <p:tag name="KSO_WM_TAG_VERSION" val="1.0"/>
-  <p:tag name="KSO_WM_BEAUTIFY_FLAG" val="#wm#"/>
-</p:tagLst>
-</file>
-
-<file path=ppt/tags/tag31.xml><?xml version="1.0" encoding="utf-8"?>
-<p:tagLst xmlns:a="http://schemas.openxmlformats.org/drawingml/2006/main" xmlns:r="http://schemas.openxmlformats.org/officeDocument/2006/relationships" xmlns:p="http://schemas.openxmlformats.org/presentationml/2006/main">
-  <p:tag name="KSO_WM_UNIT_HIGHLIGHT" val="0"/>
-  <p:tag name="KSO_WM_UNIT_COMPATIBLE" val="0"/>
-  <p:tag name="KSO_WM_UNIT_DIAGRAM_ISNUMVISUAL" val="0"/>
-  <p:tag name="KSO_WM_UNIT_DIAGRAM_ISREFERUNIT" val="0"/>
-  <p:tag name="KSO_WM_UNIT_ID" val="_4**"/>
-  <p:tag name="KSO_WM_UNIT_LAYERLEVEL" val="1"/>
-  <p:tag name="KSO_WM_TAG_VERSION" val="1.0"/>
-  <p:tag name="KSO_WM_BEAUTIFY_FLAG" val="#wm#"/>
-</p:tagLst>
-</file>
-
-<file path=ppt/tags/tag32.xml><?xml version="1.0" encoding="utf-8"?>
-<p:tagLst xmlns:a="http://schemas.openxmlformats.org/drawingml/2006/main" xmlns:r="http://schemas.openxmlformats.org/officeDocument/2006/relationships" xmlns:p="http://schemas.openxmlformats.org/presentationml/2006/main">
-  <p:tag name="KSO_WM_UNIT_HIGHLIGHT" val="0"/>
-  <p:tag name="KSO_WM_UNIT_COMPATIBLE" val="0"/>
-  <p:tag name="KSO_WM_UNIT_DIAGRAM_ISNUMVISUAL" val="0"/>
-  <p:tag name="KSO_WM_UNIT_DIAGRAM_ISREFERUNIT" val="0"/>
-  <p:tag name="KSO_WM_UNIT_ID" val="_4**"/>
-  <p:tag name="KSO_WM_UNIT_LAYERLEVEL" val="1"/>
-  <p:tag name="KSO_WM_TAG_VERSION" val="1.0"/>
-  <p:tag name="KSO_WM_BEAUTIFY_FLAG" val="#wm#"/>
-</p:tagLst>
-</file>
-
-<file path=ppt/tags/tag33.xml><?xml version="1.0" encoding="utf-8"?>
-<p:tagLst xmlns:a="http://schemas.openxmlformats.org/drawingml/2006/main" xmlns:r="http://schemas.openxmlformats.org/officeDocument/2006/relationships" xmlns:p="http://schemas.openxmlformats.org/presentationml/2006/main">
-  <p:tag name="KSO_WM_UNIT_HIGHLIGHT" val="0"/>
-  <p:tag name="KSO_WM_UNIT_COMPATIBLE" val="0"/>
-  <p:tag name="KSO_WM_UNIT_DIAGRAM_ISNUMVISUAL" val="0"/>
-  <p:tag name="KSO_WM_UNIT_DIAGRAM_ISREFERUNIT" val="0"/>
-  <p:tag name="KSO_WM_UNIT_ID" val="_5**"/>
-  <p:tag name="KSO_WM_UNIT_LAYERLEVEL" val="1"/>
-  <p:tag name="KSO_WM_TAG_VERSION" val="1.0"/>
-  <p:tag name="KSO_WM_BEAUTIFY_FLAG" val="#wm#"/>
-</p:tagLst>
-</file>
-
-<file path=ppt/tags/tag34.xml><?xml version="1.0" encoding="utf-8"?>
-<p:tagLst xmlns:a="http://schemas.openxmlformats.org/drawingml/2006/main" xmlns:r="http://schemas.openxmlformats.org/officeDocument/2006/relationships" xmlns:p="http://schemas.openxmlformats.org/presentationml/2006/main">
-  <p:tag name="KSO_WM_UNIT_HIGHLIGHT" val="0"/>
-  <p:tag name="KSO_WM_UNIT_COMPATIBLE" val="0"/>
-  <p:tag name="KSO_WM_UNIT_DIAGRAM_ISNUMVISUAL" val="0"/>
-  <p:tag name="KSO_WM_UNIT_DIAGRAM_ISREFERUNIT" val="0"/>
-  <p:tag name="KSO_WM_UNIT_ID" val="_5**"/>
-  <p:tag name="KSO_WM_UNIT_LAYERLEVEL" val="1"/>
-  <p:tag name="KSO_WM_TAG_VERSION" val="1.0"/>
-  <p:tag name="KSO_WM_BEAUTIFY_FLAG" val="#wm#"/>
-</p:tagLst>
-</file>
-
-<file path=ppt/tags/tag35.xml><?xml version="1.0" encoding="utf-8"?>
-<p:tagLst xmlns:a="http://schemas.openxmlformats.org/drawingml/2006/main" xmlns:r="http://schemas.openxmlformats.org/officeDocument/2006/relationships" xmlns:p="http://schemas.openxmlformats.org/presentationml/2006/main">
-  <p:tag name="KSO_WM_UNIT_HIGHLIGHT" val="0"/>
-  <p:tag name="KSO_WM_UNIT_COMPATIBLE" val="0"/>
-  <p:tag name="KSO_WM_UNIT_DIAGRAM_ISNUMVISUAL" val="0"/>
-  <p:tag name="KSO_WM_UNIT_DIAGRAM_ISREFERUNIT" val="0"/>
-  <p:tag name="KSO_WM_UNIT_ID" val="_5**"/>
-  <p:tag name="KSO_WM_UNIT_LAYERLEVEL" val="1"/>
-  <p:tag name="KSO_WM_TAG_VERSION" val="1.0"/>
-  <p:tag name="KSO_WM_BEAUTIFY_FLAG" val="#wm#"/>
-</p:tagLst>
-</file>
-
-<file path=ppt/tags/tag36.xml><?xml version="1.0" encoding="utf-8"?>
-<p:tagLst xmlns:a="http://schemas.openxmlformats.org/drawingml/2006/main" xmlns:r="http://schemas.openxmlformats.org/officeDocument/2006/relationships" xmlns:p="http://schemas.openxmlformats.org/presentationml/2006/main">
-  <p:tag name="KSO_WM_UNIT_HIGHLIGHT" val="0"/>
-  <p:tag name="KSO_WM_UNIT_COMPATIBLE" val="0"/>
-  <p:tag name="KSO_WM_UNIT_DIAGRAM_ISNUMVISUAL" val="0"/>
-  <p:tag name="KSO_WM_UNIT_DIAGRAM_ISREFERUNIT" val="0"/>
-  <p:tag name="KSO_WM_UNIT_ID" val="_5**"/>
-  <p:tag name="KSO_WM_UNIT_LAYERLEVEL" val="1"/>
-  <p:tag name="KSO_WM_TAG_VERSION" val="1.0"/>
-  <p:tag name="KSO_WM_BEAUTIFY_FLAG" val="#wm#"/>
-</p:tagLst>
-</file>
-
-<file path=ppt/tags/tag37.xml><?xml version="1.0" encoding="utf-8"?>
-<p:tagLst xmlns:a="http://schemas.openxmlformats.org/drawingml/2006/main" xmlns:r="http://schemas.openxmlformats.org/officeDocument/2006/relationships" xmlns:p="http://schemas.openxmlformats.org/presentationml/2006/main">
-  <p:tag name="KSO_WM_UNIT_HIGHLIGHT" val="0"/>
-  <p:tag name="KSO_WM_UNIT_COMPATIBLE" val="0"/>
-  <p:tag name="KSO_WM_UNIT_DIAGRAM_ISNUMVISUAL" val="0"/>
-  <p:tag name="KSO_WM_UNIT_DIAGRAM_ISREFERUNIT" val="0"/>
-  <p:tag name="KSO_WM_UNIT_ID" val="_5**"/>
-  <p:tag name="KSO_WM_UNIT_LAYERLEVEL" val="1"/>
-  <p:tag name="KSO_WM_TAG_VERSION" val="1.0"/>
-  <p:tag name="KSO_WM_BEAUTIFY_FLAG" val="#wm#"/>
-</p:tagLst>
-</file>
-
-<file path=ppt/tags/tag38.xml><?xml version="1.0" encoding="utf-8"?>
-<p:tagLst xmlns:a="http://schemas.openxmlformats.org/drawingml/2006/main" xmlns:r="http://schemas.openxmlformats.org/officeDocument/2006/relationships" xmlns:p="http://schemas.openxmlformats.org/presentationml/2006/main">
-  <p:tag name="KSO_WM_UNIT_HIGHLIGHT" val="0"/>
-  <p:tag name="KSO_WM_UNIT_COMPATIBLE" val="0"/>
-  <p:tag name="KSO_WM_UNIT_DIAGRAM_ISNUMVISUAL" val="0"/>
-  <p:tag name="KSO_WM_UNIT_DIAGRAM_ISREFERUNIT" val="0"/>
-  <p:tag name="KSO_WM_UNIT_ID" val="_5**"/>
-  <p:tag name="KSO_WM_UNIT_LAYERLEVEL" val="1"/>
-  <p:tag name="KSO_WM_TAG_VERSION" val="1.0"/>
-  <p:tag name="KSO_WM_BEAUTIFY_FLAG" val="#wm#"/>
-</p:tagLst>
-</file>
-
-<file path=ppt/tags/tag39.xml><?xml version="1.0" encoding="utf-8"?>
-<p:tagLst xmlns:a="http://schemas.openxmlformats.org/drawingml/2006/main" xmlns:r="http://schemas.openxmlformats.org/officeDocument/2006/relationships" xmlns:p="http://schemas.openxmlformats.org/presentationml/2006/main">
-  <p:tag name="KSO_WM_UNIT_HIGHLIGHT" val="0"/>
-  <p:tag name="KSO_WM_UNIT_COMPATIBLE" val="0"/>
-  <p:tag name="KSO_WM_UNIT_DIAGRAM_ISNUMVISUAL" val="0"/>
-  <p:tag name="KSO_WM_UNIT_DIAGRAM_ISREFERUNIT" val="0"/>
-  <p:tag name="KSO_WM_UNIT_ID" val="_5**"/>
-  <p:tag name="KSO_WM_UNIT_LAYERLEVEL" val="1"/>
-  <p:tag name="KSO_WM_TAG_VERSION" val="1.0"/>
-  <p:tag name="KSO_WM_BEAUTIFY_FLAG" val="#wm#"/>
-</p:tagLst>
-</file>
-
-<file path=ppt/tags/tag4.xml><?xml version="1.0" encoding="utf-8"?>
-<p:tagLst xmlns:a="http://schemas.openxmlformats.org/drawingml/2006/main" xmlns:r="http://schemas.openxmlformats.org/officeDocument/2006/relationships" xmlns:p="http://schemas.openxmlformats.org/presentationml/2006/main">
-  <p:tag name="KSO_WM_UNIT_HIGHLIGHT" val="0"/>
-  <p:tag name="KSO_WM_UNIT_COMPATIBLE" val="0"/>
-  <p:tag name="KSO_WM_UNIT_DIAGRAM_ISNUMVISUAL" val="0"/>
-  <p:tag name="KSO_WM_UNIT_DIAGRAM_ISREFERUNIT" val="0"/>
-  <p:tag name="KSO_WM_UNIT_ID" val="_0**"/>
-  <p:tag name="KSO_WM_UNIT_LAYERLEVEL" val="1"/>
-  <p:tag name="KSO_WM_TAG_VERSION" val="1.0"/>
-  <p:tag name="KSO_WM_BEAUTIFY_FLAG" val="#wm#"/>
-</p:tagLst>
-</file>
-
-<file path=ppt/tags/tag40.xml><?xml version="1.0" encoding="utf-8"?>
-<p:tagLst xmlns:a="http://schemas.openxmlformats.org/drawingml/2006/main" xmlns:r="http://schemas.openxmlformats.org/officeDocument/2006/relationships" xmlns:p="http://schemas.openxmlformats.org/presentationml/2006/main">
-  <p:tag name="KSO_WM_UNIT_HIGHLIGHT" val="0"/>
-  <p:tag name="KSO_WM_UNIT_COMPATIBLE" val="0"/>
-  <p:tag name="KSO_WM_UNIT_DIAGRAM_ISNUMVISUAL" val="0"/>
-  <p:tag name="KSO_WM_UNIT_DIAGRAM_ISREFERUNIT" val="0"/>
-  <p:tag name="KSO_WM_UNIT_ID" val="_5**"/>
-  <p:tag name="KSO_WM_UNIT_LAYERLEVEL" val="1"/>
-  <p:tag name="KSO_WM_TAG_VERSION" val="1.0"/>
-  <p:tag name="KSO_WM_BEAUTIFY_FLAG" val="#wm#"/>
-</p:tagLst>
-</file>
-
-<file path=ppt/tags/tag41.xml><?xml version="1.0" encoding="utf-8"?>
-<p:tagLst xmlns:a="http://schemas.openxmlformats.org/drawingml/2006/main" xmlns:r="http://schemas.openxmlformats.org/officeDocument/2006/relationships" xmlns:p="http://schemas.openxmlformats.org/presentationml/2006/main">
-  <p:tag name="KSO_WM_UNIT_HIGHLIGHT" val="0"/>
-  <p:tag name="KSO_WM_UNIT_COMPATIBLE" val="0"/>
-  <p:tag name="KSO_WM_UNIT_DIAGRAM_ISNUMVISUAL" val="0"/>
-  <p:tag name="KSO_WM_UNIT_DIAGRAM_ISREFERUNIT" val="0"/>
-  <p:tag name="KSO_WM_UNIT_ID" val="_6**"/>
-  <p:tag name="KSO_WM_UNIT_LAYERLEVEL" val="1"/>
-  <p:tag name="KSO_WM_TAG_VERSION" val="1.0"/>
-  <p:tag name="KSO_WM_BEAUTIFY_FLAG" val="#wm#"/>
-</p:tagLst>
-</file>
-
-<file path=ppt/tags/tag42.xml><?xml version="1.0" encoding="utf-8"?>
-<p:tagLst xmlns:a="http://schemas.openxmlformats.org/drawingml/2006/main" xmlns:r="http://schemas.openxmlformats.org/officeDocument/2006/relationships" xmlns:p="http://schemas.openxmlformats.org/presentationml/2006/main">
-  <p:tag name="KSO_WM_UNIT_HIGHLIGHT" val="0"/>
-  <p:tag name="KSO_WM_UNIT_COMPATIBLE" val="0"/>
-  <p:tag name="KSO_WM_UNIT_DIAGRAM_ISNUMVISUAL" val="0"/>
-  <p:tag name="KSO_WM_UNIT_DIAGRAM_ISREFERUNIT" val="0"/>
-  <p:tag name="KSO_WM_UNIT_ID" val="_6**"/>
-  <p:tag name="KSO_WM_UNIT_LAYERLEVEL" val="1"/>
-  <p:tag name="KSO_WM_TAG_VERSION" val="1.0"/>
-  <p:tag name="KSO_WM_BEAUTIFY_FLAG" val="#wm#"/>
-</p:tagLst>
-</file>
-
-<file path=ppt/tags/tag43.xml><?xml version="1.0" encoding="utf-8"?>
-<p:tagLst xmlns:a="http://schemas.openxmlformats.org/drawingml/2006/main" xmlns:r="http://schemas.openxmlformats.org/officeDocument/2006/relationships" xmlns:p="http://schemas.openxmlformats.org/presentationml/2006/main">
-  <p:tag name="KSO_WM_UNIT_HIGHLIGHT" val="0"/>
-  <p:tag name="KSO_WM_UNIT_COMPATIBLE" val="0"/>
-  <p:tag name="KSO_WM_UNIT_DIAGRAM_ISNUMVISUAL" val="0"/>
-  <p:tag name="KSO_WM_UNIT_DIAGRAM_ISREFERUNIT" val="0"/>
-  <p:tag name="KSO_WM_UNIT_ID" val="_6**"/>
-  <p:tag name="KSO_WM_UNIT_LAYERLEVEL" val="1"/>
-  <p:tag name="KSO_WM_TAG_VERSION" val="1.0"/>
-  <p:tag name="KSO_WM_BEAUTIFY_FLAG" val="#wm#"/>
-</p:tagLst>
-</file>
-
-<file path=ppt/tags/tag44.xml><?xml version="1.0" encoding="utf-8"?>
-<p:tagLst xmlns:a="http://schemas.openxmlformats.org/drawingml/2006/main" xmlns:r="http://schemas.openxmlformats.org/officeDocument/2006/relationships" xmlns:p="http://schemas.openxmlformats.org/presentationml/2006/main">
-  <p:tag name="KSO_WM_UNIT_HIGHLIGHT" val="0"/>
-  <p:tag name="KSO_WM_UNIT_COMPATIBLE" val="0"/>
-  <p:tag name="KSO_WM_UNIT_DIAGRAM_ISNUMVISUAL" val="0"/>
-  <p:tag name="KSO_WM_UNIT_DIAGRAM_ISREFERUNIT" val="0"/>
-  <p:tag name="KSO_WM_UNIT_ID" val="_6**"/>
-  <p:tag name="KSO_WM_UNIT_LAYERLEVEL" val="1"/>
-  <p:tag name="KSO_WM_TAG_VERSION" val="1.0"/>
-  <p:tag name="KSO_WM_BEAUTIFY_FLAG" val="#wm#"/>
-</p:tagLst>
-</file>
-
-<file path=ppt/tags/tag45.xml><?xml version="1.0" encoding="utf-8"?>
-<p:tagLst xmlns:a="http://schemas.openxmlformats.org/drawingml/2006/main" xmlns:r="http://schemas.openxmlformats.org/officeDocument/2006/relationships" xmlns:p="http://schemas.openxmlformats.org/presentationml/2006/main">
-  <p:tag name="KSO_WM_UNIT_HIGHLIGHT" val="0"/>
-  <p:tag name="KSO_WM_UNIT_COMPATIBLE" val="0"/>
-  <p:tag name="KSO_WM_UNIT_DIAGRAM_ISNUMVISUAL" val="0"/>
-  <p:tag name="KSO_WM_UNIT_DIAGRAM_ISREFERUNIT" val="0"/>
-  <p:tag name="KSO_WM_UNIT_ID" val="_6**"/>
-  <p:tag name="KSO_WM_UNIT_LAYERLEVEL" val="1"/>
-  <p:tag name="KSO_WM_TAG_VERSION" val="1.0"/>
-  <p:tag name="KSO_WM_BEAUTIFY_FLAG" val="#wm#"/>
-</p:tagLst>
-</file>
-
-<file path=ppt/tags/tag46.xml><?xml version="1.0" encoding="utf-8"?>
-<p:tagLst xmlns:a="http://schemas.openxmlformats.org/drawingml/2006/main" xmlns:r="http://schemas.openxmlformats.org/officeDocument/2006/relationships" xmlns:p="http://schemas.openxmlformats.org/presentationml/2006/main">
-  <p:tag name="KSO_WM_UNIT_HIGHLIGHT" val="0"/>
-  <p:tag name="KSO_WM_UNIT_COMPATIBLE" val="0"/>
-  <p:tag name="KSO_WM_UNIT_DIAGRAM_ISNUMVISUAL" val="0"/>
-  <p:tag name="KSO_WM_UNIT_DIAGRAM_ISREFERUNIT" val="0"/>
-  <p:tag name="KSO_WM_UNIT_ID" val="_6**"/>
-  <p:tag name="KSO_WM_UNIT_LAYERLEVEL" val="1"/>
-  <p:tag name="KSO_WM_TAG_VERSION" val="1.0"/>
-  <p:tag name="KSO_WM_BEAUTIFY_FLAG" val="#wm#"/>
-</p:tagLst>
-</file>
-
-<file path=ppt/tags/tag47.xml><?xml version="1.0" encoding="utf-8"?>
-<p:tagLst xmlns:a="http://schemas.openxmlformats.org/drawingml/2006/main" xmlns:r="http://schemas.openxmlformats.org/officeDocument/2006/relationships" xmlns:p="http://schemas.openxmlformats.org/presentationml/2006/main">
-  <p:tag name="KSO_WM_UNIT_HIGHLIGHT" val="0"/>
-  <p:tag name="KSO_WM_UNIT_COMPATIBLE" val="0"/>
-  <p:tag name="KSO_WM_UNIT_DIAGRAM_ISNUMVISUAL" val="0"/>
-  <p:tag name="KSO_WM_UNIT_DIAGRAM_ISREFERUNIT" val="0"/>
-  <p:tag name="KSO_WM_UNIT_ID" val="_7**"/>
-  <p:tag name="KSO_WM_UNIT_LAYERLEVEL" val="1"/>
-  <p:tag name="KSO_WM_TAG_VERSION" val="1.0"/>
-  <p:tag name="KSO_WM_BEAUTIFY_FLAG" val="#wm#"/>
-</p:tagLst>
-</file>
-
-<file path=ppt/tags/tag48.xml><?xml version="1.0" encoding="utf-8"?>
-<p:tagLst xmlns:a="http://schemas.openxmlformats.org/drawingml/2006/main" xmlns:r="http://schemas.openxmlformats.org/officeDocument/2006/relationships" xmlns:p="http://schemas.openxmlformats.org/presentationml/2006/main">
-  <p:tag name="KSO_WM_UNIT_HIGHLIGHT" val="0"/>
-  <p:tag name="KSO_WM_UNIT_COMPATIBLE" val="0"/>
-  <p:tag name="KSO_WM_UNIT_DIAGRAM_ISNUMVISUAL" val="0"/>
-  <p:tag name="KSO_WM_UNIT_DIAGRAM_ISREFERUNIT" val="0"/>
-  <p:tag name="KSO_WM_UNIT_ID" val="_7**"/>
-  <p:tag name="KSO_WM_UNIT_LAYERLEVEL" val="1"/>
-  <p:tag name="KSO_WM_TAG_VERSION" val="1.0"/>
-  <p:tag name="KSO_WM_BEAUTIFY_FLAG" val="#wm#"/>
-</p:tagLst>
-</file>
-
-<file path=ppt/tags/tag49.xml><?xml version="1.0" encoding="utf-8"?>
-<p:tagLst xmlns:a="http://schemas.openxmlformats.org/drawingml/2006/main" xmlns:r="http://schemas.openxmlformats.org/officeDocument/2006/relationships" xmlns:p="http://schemas.openxmlformats.org/presentationml/2006/main">
-  <p:tag name="KSO_WM_UNIT_HIGHLIGHT" val="0"/>
-  <p:tag name="KSO_WM_UNIT_COMPATIBLE" val="0"/>
-  <p:tag name="KSO_WM_UNIT_DIAGRAM_ISNUMVISUAL" val="0"/>
-  <p:tag name="KSO_WM_UNIT_DIAGRAM_ISREFERUNIT" val="0"/>
-  <p:tag name="KSO_WM_UNIT_ID" val="_7**"/>
-  <p:tag name="KSO_WM_UNIT_LAYERLEVEL" val="1"/>
-  <p:tag name="KSO_WM_TAG_VERSION" val="1.0"/>
-  <p:tag name="KSO_WM_BEAUTIFY_FLAG" val="#wm#"/>
-</p:tagLst>
-</file>
-
-<file path=ppt/tags/tag5.xml><?xml version="1.0" encoding="utf-8"?>
-<p:tagLst xmlns:a="http://schemas.openxmlformats.org/drawingml/2006/main" xmlns:r="http://schemas.openxmlformats.org/officeDocument/2006/relationships" xmlns:p="http://schemas.openxmlformats.org/presentationml/2006/main">
-  <p:tag name="KSO_WM_UNIT_HIGHLIGHT" val="0"/>
-  <p:tag name="KSO_WM_UNIT_COMPATIBLE" val="0"/>
-  <p:tag name="KSO_WM_UNIT_DIAGRAM_ISNUMVISUAL" val="0"/>
-  <p:tag name="KSO_WM_UNIT_DIAGRAM_ISREFERUNIT" val="0"/>
-  <p:tag name="KSO_WM_UNIT_ID" val="_0**"/>
-  <p:tag name="KSO_WM_UNIT_LAYERLEVEL" val="1"/>
-  <p:tag name="KSO_WM_TAG_VERSION" val="1.0"/>
-  <p:tag name="KSO_WM_BEAUTIFY_FLAG" val="#wm#"/>
-</p:tagLst>
-</file>
-
-<file path=ppt/tags/tag50.xml><?xml version="1.0" encoding="utf-8"?>
-<p:tagLst xmlns:a="http://schemas.openxmlformats.org/drawingml/2006/main" xmlns:r="http://schemas.openxmlformats.org/officeDocument/2006/relationships" xmlns:p="http://schemas.openxmlformats.org/presentationml/2006/main">
-  <p:tag name="KSO_WM_UNIT_HIGHLIGHT" val="0"/>
-  <p:tag name="KSO_WM_UNIT_COMPATIBLE" val="0"/>
-  <p:tag name="KSO_WM_UNIT_DIAGRAM_ISNUMVISUAL" val="0"/>
-  <p:tag name="KSO_WM_UNIT_DIAGRAM_ISREFERUNIT" val="0"/>
-  <p:tag name="KSO_WM_UNIT_ID" val="_8**"/>
-  <p:tag name="KSO_WM_UNIT_LAYERLEVEL" val="1"/>
-  <p:tag name="KSO_WM_TAG_VERSION" val="1.0"/>
-  <p:tag name="KSO_WM_BEAUTIFY_FLAG" val="#wm#"/>
-</p:tagLst>
-</file>
-
-<file path=ppt/tags/tag51.xml><?xml version="1.0" encoding="utf-8"?>
-<p:tagLst xmlns:a="http://schemas.openxmlformats.org/drawingml/2006/main" xmlns:r="http://schemas.openxmlformats.org/officeDocument/2006/relationships" xmlns:p="http://schemas.openxmlformats.org/presentationml/2006/main">
-  <p:tag name="KSO_WM_UNIT_HIGHLIGHT" val="0"/>
-  <p:tag name="KSO_WM_UNIT_COMPATIBLE" val="0"/>
-  <p:tag name="KSO_WM_UNIT_DIAGRAM_ISNUMVISUAL" val="0"/>
-  <p:tag name="KSO_WM_UNIT_DIAGRAM_ISREFERUNIT" val="0"/>
-  <p:tag name="KSO_WM_UNIT_ID" val="_8**"/>
-  <p:tag name="KSO_WM_UNIT_LAYERLEVEL" val="1"/>
-  <p:tag name="KSO_WM_TAG_VERSION" val="1.0"/>
-  <p:tag name="KSO_WM_BEAUTIFY_FLAG" val="#wm#"/>
-</p:tagLst>
-</file>
-
-<file path=ppt/tags/tag52.xml><?xml version="1.0" encoding="utf-8"?>
-<p:tagLst xmlns:a="http://schemas.openxmlformats.org/drawingml/2006/main" xmlns:r="http://schemas.openxmlformats.org/officeDocument/2006/relationships" xmlns:p="http://schemas.openxmlformats.org/presentationml/2006/main">
-  <p:tag name="KSO_WM_UNIT_HIGHLIGHT" val="0"/>
-  <p:tag name="KSO_WM_UNIT_COMPATIBLE" val="0"/>
-  <p:tag name="KSO_WM_UNIT_DIAGRAM_ISNUMVISUAL" val="0"/>
-  <p:tag name="KSO_WM_UNIT_DIAGRAM_ISREFERUNIT" val="0"/>
-  <p:tag name="KSO_WM_UNIT_ID" val="_8**"/>
-  <p:tag name="KSO_WM_UNIT_LAYERLEVEL" val="1"/>
-  <p:tag name="KSO_WM_TAG_VERSION" val="1.0"/>
-  <p:tag name="KSO_WM_BEAUTIFY_FLAG" val="#wm#"/>
-</p:tagLst>
-</file>
-
-<file path=ppt/tags/tag53.xml><?xml version="1.0" encoding="utf-8"?>
-<p:tagLst xmlns:a="http://schemas.openxmlformats.org/drawingml/2006/main" xmlns:r="http://schemas.openxmlformats.org/officeDocument/2006/relationships" xmlns:p="http://schemas.openxmlformats.org/presentationml/2006/main">
-  <p:tag name="KSO_WM_UNIT_HIGHLIGHT" val="0"/>
-  <p:tag name="KSO_WM_UNIT_COMPATIBLE" val="0"/>
-  <p:tag name="KSO_WM_UNIT_DIAGRAM_ISNUMVISUAL" val="0"/>
-  <p:tag name="KSO_WM_UNIT_DIAGRAM_ISREFERUNIT" val="0"/>
-  <p:tag name="KSO_WM_UNIT_ID" val="_8**"/>
-  <p:tag name="KSO_WM_UNIT_LAYERLEVEL" val="1"/>
-  <p:tag name="KSO_WM_TAG_VERSION" val="1.0"/>
-  <p:tag name="KSO_WM_BEAUTIFY_FLAG" val="#wm#"/>
-</p:tagLst>
-</file>
-
-<file path=ppt/tags/tag54.xml><?xml version="1.0" encoding="utf-8"?>
-<p:tagLst xmlns:a="http://schemas.openxmlformats.org/drawingml/2006/main" xmlns:r="http://schemas.openxmlformats.org/officeDocument/2006/relationships" xmlns:p="http://schemas.openxmlformats.org/presentationml/2006/main">
-  <p:tag name="KSO_WM_UNIT_HIGHLIGHT" val="0"/>
-  <p:tag name="KSO_WM_UNIT_COMPATIBLE" val="0"/>
-  <p:tag name="KSO_WM_UNIT_DIAGRAM_ISNUMVISUAL" val="0"/>
-  <p:tag name="KSO_WM_UNIT_DIAGRAM_ISREFERUNIT" val="0"/>
-  <p:tag name="KSO_WM_UNIT_ID" val="_8**"/>
-  <p:tag name="KSO_WM_UNIT_LAYERLEVEL" val="1"/>
-  <p:tag name="KSO_WM_TAG_VERSION" val="1.0"/>
-  <p:tag name="KSO_WM_BEAUTIFY_FLAG" val="#wm#"/>
-</p:tagLst>
-</file>
-
-<file path=ppt/tags/tag55.xml><?xml version="1.0" encoding="utf-8"?>
-<p:tagLst xmlns:a="http://schemas.openxmlformats.org/drawingml/2006/main" xmlns:r="http://schemas.openxmlformats.org/officeDocument/2006/relationships" xmlns:p="http://schemas.openxmlformats.org/presentationml/2006/main">
-  <p:tag name="KSO_WM_UNIT_HIGHLIGHT" val="0"/>
-  <p:tag name="KSO_WM_UNIT_COMPATIBLE" val="0"/>
-  <p:tag name="KSO_WM_UNIT_DIAGRAM_ISNUMVISUAL" val="0"/>
-  <p:tag name="KSO_WM_UNIT_DIAGRAM_ISREFERUNIT" val="0"/>
-  <p:tag name="KSO_WM_UNIT_ID" val="_8**"/>
-  <p:tag name="KSO_WM_UNIT_LAYERLEVEL" val="1"/>
-  <p:tag name="KSO_WM_TAG_VERSION" val="1.0"/>
-  <p:tag name="KSO_WM_BEAUTIFY_FLAG" val="#wm#"/>
-</p:tagLst>
-</file>
-
-<file path=ppt/tags/tag56.xml><?xml version="1.0" encoding="utf-8"?>
-<p:tagLst xmlns:a="http://schemas.openxmlformats.org/drawingml/2006/main" xmlns:r="http://schemas.openxmlformats.org/officeDocument/2006/relationships" xmlns:p="http://schemas.openxmlformats.org/presentationml/2006/main">
-  <p:tag name="KSO_WM_UNIT_HIGHLIGHT" val="0"/>
-  <p:tag name="KSO_WM_UNIT_COMPATIBLE" val="0"/>
-  <p:tag name="KSO_WM_UNIT_DIAGRAM_ISNUMVISUAL" val="0"/>
-  <p:tag name="KSO_WM_UNIT_DIAGRAM_ISREFERUNIT" val="0"/>
-  <p:tag name="KSO_WM_UNIT_ID" val="_9**"/>
-  <p:tag name="KSO_WM_UNIT_LAYERLEVEL" val="1"/>
-  <p:tag name="KSO_WM_TAG_VERSION" val="1.0"/>
-  <p:tag name="KSO_WM_BEAUTIFY_FLAG" val="#wm#"/>
-</p:tagLst>
-</file>
-
-<file path=ppt/tags/tag57.xml><?xml version="1.0" encoding="utf-8"?>
-<p:tagLst xmlns:a="http://schemas.openxmlformats.org/drawingml/2006/main" xmlns:r="http://schemas.openxmlformats.org/officeDocument/2006/relationships" xmlns:p="http://schemas.openxmlformats.org/presentationml/2006/main">
-  <p:tag name="KSO_WM_UNIT_HIGHLIGHT" val="0"/>
-  <p:tag name="KSO_WM_UNIT_COMPATIBLE" val="0"/>
-  <p:tag name="KSO_WM_UNIT_DIAGRAM_ISNUMVISUAL" val="0"/>
-  <p:tag name="KSO_WM_UNIT_DIAGRAM_ISREFERUNIT" val="0"/>
-  <p:tag name="KSO_WM_UNIT_ID" val="_9**"/>
-  <p:tag name="KSO_WM_UNIT_LAYERLEVEL" val="1"/>
-  <p:tag name="KSO_WM_TAG_VERSION" val="1.0"/>
-  <p:tag name="KSO_WM_BEAUTIFY_FLAG" val="#wm#"/>
-</p:tagLst>
-</file>
-
-<file path=ppt/tags/tag58.xml><?xml version="1.0" encoding="utf-8"?>
-<p:tagLst xmlns:a="http://schemas.openxmlformats.org/drawingml/2006/main" xmlns:r="http://schemas.openxmlformats.org/officeDocument/2006/relationships" xmlns:p="http://schemas.openxmlformats.org/presentationml/2006/main">
-  <p:tag name="KSO_WM_UNIT_HIGHLIGHT" val="0"/>
-  <p:tag name="KSO_WM_UNIT_COMPATIBLE" val="0"/>
-  <p:tag name="KSO_WM_UNIT_DIAGRAM_ISNUMVISUAL" val="0"/>
-  <p:tag name="KSO_WM_UNIT_DIAGRAM_ISREFERUNIT" val="0"/>
-  <p:tag name="KSO_WM_UNIT_ID" val="_9**"/>
-  <p:tag name="KSO_WM_UNIT_LAYERLEVEL" val="1"/>
-  <p:tag name="KSO_WM_TAG_VERSION" val="1.0"/>
-  <p:tag name="KSO_WM_BEAUTIFY_FLAG" val="#wm#"/>
-</p:tagLst>
-</file>
-
-<file path=ppt/tags/tag59.xml><?xml version="1.0" encoding="utf-8"?>
-<p:tagLst xmlns:a="http://schemas.openxmlformats.org/drawingml/2006/main" xmlns:r="http://schemas.openxmlformats.org/officeDocument/2006/relationships" xmlns:p="http://schemas.openxmlformats.org/presentationml/2006/main">
-  <p:tag name="KSO_WM_UNIT_HIGHLIGHT" val="0"/>
-  <p:tag name="KSO_WM_UNIT_COMPATIBLE" val="0"/>
-  <p:tag name="KSO_WM_UNIT_DIAGRAM_ISNUMVISUAL" val="0"/>
-  <p:tag name="KSO_WM_UNIT_DIAGRAM_ISREFERUNIT" val="0"/>
-  <p:tag name="KSO_WM_UNIT_ID" val="_9**"/>
-  <p:tag name="KSO_WM_UNIT_LAYERLEVEL" val="1"/>
-  <p:tag name="KSO_WM_TAG_VERSION" val="1.0"/>
-  <p:tag name="KSO_WM_BEAUTIFY_FLAG" val="#wm#"/>
-</p:tagLst>
-</file>
-
-<file path=ppt/tags/tag6.xml><?xml version="1.0" encoding="utf-8"?>
-<p:tagLst xmlns:a="http://schemas.openxmlformats.org/drawingml/2006/main" xmlns:r="http://schemas.openxmlformats.org/officeDocument/2006/relationships" xmlns:p="http://schemas.openxmlformats.org/presentationml/2006/main">
-  <p:tag name="KSO_WM_TEMPLATE_SUBCATEGORY" val="0"/>
-  <p:tag name="KSO_WM_TEMPLATE_MASTER_TYPE" val="1"/>
-  <p:tag name="KSO_WM_TEMPLATE_COLOR_TYPE" val="1"/>
-  <p:tag name="KSO_WM_TAG_VERSION" val="1.0"/>
-  <p:tag name="KSO_WM_BEAUTIFY_FLAG" val="#wm#"/>
-  <p:tag name="KSO_WM_TEMPLATE_CATEGORY" val="custom"/>
-  <p:tag name="KSO_WM_TEMPLATE_INDEX" val="20203902"/>
-  <p:tag name="KSO_WM_TEMPLATE_MASTER_THUMB_INDEX" val="12"/>
-  <p:tag name="KSO_WM_TEMPLATE_THUMBS_INDEX" val="1、4、6、7、9、10、11、12、14"/>
-</p:tagLst>
-</file>
-
-<file path=ppt/tags/tag60.xml><?xml version="1.0" encoding="utf-8"?>
-<p:tagLst xmlns:a="http://schemas.openxmlformats.org/drawingml/2006/main" xmlns:r="http://schemas.openxmlformats.org/officeDocument/2006/relationships" xmlns:p="http://schemas.openxmlformats.org/presentationml/2006/main">
-  <p:tag name="KSO_WM_UNIT_HIGHLIGHT" val="0"/>
-  <p:tag name="KSO_WM_UNIT_COMPATIBLE" val="0"/>
-  <p:tag name="KSO_WM_UNIT_DIAGRAM_ISNUMVISUAL" val="0"/>
-  <p:tag name="KSO_WM_UNIT_DIAGRAM_ISREFERUNIT" val="0"/>
-  <p:tag name="KSO_WM_UNIT_ID" val="_9**"/>
-  <p:tag name="KSO_WM_UNIT_LAYERLEVEL" val="1"/>
-  <p:tag name="KSO_WM_TAG_VERSION" val="1.0"/>
-  <p:tag name="KSO_WM_BEAUTIFY_FLAG" val="#wm#"/>
-</p:tagLst>
-</file>
-
-<file path=ppt/tags/tag61.xml><?xml version="1.0" encoding="utf-8"?>
-<p:tagLst xmlns:a="http://schemas.openxmlformats.org/drawingml/2006/main" xmlns:r="http://schemas.openxmlformats.org/officeDocument/2006/relationships" xmlns:p="http://schemas.openxmlformats.org/presentationml/2006/main">
-  <p:tag name="KSO_WM_UNIT_HIGHLIGHT" val="0"/>
-  <p:tag name="KSO_WM_UNIT_COMPATIBLE" val="0"/>
-  <p:tag name="KSO_WM_UNIT_DIAGRAM_ISNUMVISUAL" val="0"/>
-  <p:tag name="KSO_WM_UNIT_DIAGRAM_ISREFERUNIT" val="0"/>
-  <p:tag name="KSO_WM_UNIT_ID" val="_10**"/>
-  <p:tag name="KSO_WM_UNIT_LAYERLEVEL" val="1"/>
-  <p:tag name="KSO_WM_TAG_VERSION" val="1.0"/>
-  <p:tag name="KSO_WM_BEAUTIFY_FLAG" val="#wm#"/>
-</p:tagLst>
-</file>
-
-<file path=ppt/tags/tag62.xml><?xml version="1.0" encoding="utf-8"?>
-<p:tagLst xmlns:a="http://schemas.openxmlformats.org/drawingml/2006/main" xmlns:r="http://schemas.openxmlformats.org/officeDocument/2006/relationships" xmlns:p="http://schemas.openxmlformats.org/presentationml/2006/main">
-  <p:tag name="KSO_WM_UNIT_HIGHLIGHT" val="0"/>
-  <p:tag name="KSO_WM_UNIT_COMPATIBLE" val="0"/>
-  <p:tag name="KSO_WM_UNIT_DIAGRAM_ISNUMVISUAL" val="0"/>
-  <p:tag name="KSO_WM_UNIT_DIAGRAM_ISREFERUNIT" val="0"/>
-  <p:tag name="KSO_WM_UNIT_ID" val="_10**"/>
-  <p:tag name="KSO_WM_UNIT_LAYERLEVEL" val="1"/>
-  <p:tag name="KSO_WM_TAG_VERSION" val="1.0"/>
-  <p:tag name="KSO_WM_BEAUTIFY_FLAG" val="#wm#"/>
-</p:tagLst>
-</file>
-
-<file path=ppt/tags/tag63.xml><?xml version="1.0" encoding="utf-8"?>
-<p:tagLst xmlns:a="http://schemas.openxmlformats.org/drawingml/2006/main" xmlns:r="http://schemas.openxmlformats.org/officeDocument/2006/relationships" xmlns:p="http://schemas.openxmlformats.org/presentationml/2006/main">
-  <p:tag name="KSO_WM_UNIT_HIGHLIGHT" val="0"/>
-  <p:tag name="KSO_WM_UNIT_COMPATIBLE" val="0"/>
-  <p:tag name="KSO_WM_UNIT_DIAGRAM_ISNUMVISUAL" val="0"/>
-  <p:tag name="KSO_WM_UNIT_DIAGRAM_ISREFERUNIT" val="0"/>
-  <p:tag name="KSO_WM_UNIT_ID" val="_10**"/>
-  <p:tag name="KSO_WM_UNIT_LAYERLEVEL" val="1"/>
-  <p:tag name="KSO_WM_TAG_VERSION" val="1.0"/>
-  <p:tag name="KSO_WM_BEAUTIFY_FLAG" val="#wm#"/>
-</p:tagLst>
-</file>
-
-<file path=ppt/tags/tag64.xml><?xml version="1.0" encoding="utf-8"?>
-<p:tagLst xmlns:a="http://schemas.openxmlformats.org/drawingml/2006/main" xmlns:r="http://schemas.openxmlformats.org/officeDocument/2006/relationships" xmlns:p="http://schemas.openxmlformats.org/presentationml/2006/main">
-  <p:tag name="KSO_WM_UNIT_HIGHLIGHT" val="0"/>
-  <p:tag name="KSO_WM_UNIT_COMPATIBLE" val="0"/>
-  <p:tag name="KSO_WM_UNIT_DIAGRAM_ISNUMVISUAL" val="0"/>
-  <p:tag name="KSO_WM_UNIT_DIAGRAM_ISREFERUNIT" val="0"/>
-  <p:tag name="KSO_WM_UNIT_ID" val="_10**"/>
-  <p:tag name="KSO_WM_UNIT_LAYERLEVEL" val="1"/>
-  <p:tag name="KSO_WM_TAG_VERSION" val="1.0"/>
-  <p:tag name="KSO_WM_BEAUTIFY_FLAG" val="#wm#"/>
-</p:tagLst>
-</file>
-
-<file path=ppt/tags/tag65.xml><?xml version="1.0" encoding="utf-8"?>
-<p:tagLst xmlns:a="http://schemas.openxmlformats.org/drawingml/2006/main" xmlns:r="http://schemas.openxmlformats.org/officeDocument/2006/relationships" xmlns:p="http://schemas.openxmlformats.org/presentationml/2006/main">
-  <p:tag name="KSO_WM_UNIT_HIGHLIGHT" val="0"/>
-  <p:tag name="KSO_WM_UNIT_COMPATIBLE" val="0"/>
-  <p:tag name="KSO_WM_UNIT_DIAGRAM_ISNUMVISUAL" val="0"/>
-  <p:tag name="KSO_WM_UNIT_DIAGRAM_ISREFERUNIT" val="0"/>
-  <p:tag name="KSO_WM_UNIT_ID" val="_11**"/>
-  <p:tag name="KSO_WM_UNIT_LAYERLEVEL" val="1"/>
-  <p:tag name="KSO_WM_TAG_VERSION" val="1.0"/>
-  <p:tag name="KSO_WM_BEAUTIFY_FLAG" val="#wm#"/>
-</p:tagLst>
-</file>
-
-<file path=ppt/tags/tag66.xml><?xml version="1.0" encoding="utf-8"?>
-<p:tagLst xmlns:a="http://schemas.openxmlformats.org/drawingml/2006/main" xmlns:r="http://schemas.openxmlformats.org/officeDocument/2006/relationships" xmlns:p="http://schemas.openxmlformats.org/presentationml/2006/main">
-  <p:tag name="KSO_WM_UNIT_HIGHLIGHT" val="0"/>
-  <p:tag name="KSO_WM_UNIT_COMPATIBLE" val="0"/>
-  <p:tag name="KSO_WM_UNIT_DIAGRAM_ISNUMVISUAL" val="0"/>
-  <p:tag name="KSO_WM_UNIT_DIAGRAM_ISREFERUNIT" val="0"/>
-  <p:tag name="KSO_WM_UNIT_ID" val="_11**"/>
-  <p:tag name="KSO_WM_UNIT_LAYERLEVEL" val="1"/>
-  <p:tag name="KSO_WM_TAG_VERSION" val="1.0"/>
-  <p:tag name="KSO_WM_BEAUTIFY_FLAG" val="#wm#"/>
-</p:tagLst>
-</file>
-
-<file path=ppt/tags/tag67.xml><?xml version="1.0" encoding="utf-8"?>
-<p:tagLst xmlns:a="http://schemas.openxmlformats.org/drawingml/2006/main" xmlns:r="http://schemas.openxmlformats.org/officeDocument/2006/relationships" xmlns:p="http://schemas.openxmlformats.org/presentationml/2006/main">
-  <p:tag name="KSO_WM_UNIT_HIGHLIGHT" val="0"/>
-  <p:tag name="KSO_WM_UNIT_COMPATIBLE" val="0"/>
-  <p:tag name="KSO_WM_UNIT_DIAGRAM_ISNUMVISUAL" val="0"/>
-  <p:tag name="KSO_WM_UNIT_DIAGRAM_ISREFERUNIT" val="0"/>
-  <p:tag name="KSO_WM_UNIT_ID" val="_11**"/>
-  <p:tag name="KSO_WM_UNIT_LAYERLEVEL" val="1"/>
-  <p:tag name="KSO_WM_TAG_VERSION" val="1.0"/>
-  <p:tag name="KSO_WM_BEAUTIFY_FLAG" val="#wm#"/>
-</p:tagLst>
-</file>
-
-<file path=ppt/tags/tag68.xml><?xml version="1.0" encoding="utf-8"?>
-<p:tagLst xmlns:a="http://schemas.openxmlformats.org/drawingml/2006/main" xmlns:r="http://schemas.openxmlformats.org/officeDocument/2006/relationships" xmlns:p="http://schemas.openxmlformats.org/presentationml/2006/main">
-  <p:tag name="KSO_WM_UNIT_HIGHLIGHT" val="0"/>
-  <p:tag name="KSO_WM_UNIT_COMPATIBLE" val="0"/>
-  <p:tag name="KSO_WM_UNIT_DIAGRAM_ISNUMVISUAL" val="0"/>
-  <p:tag name="KSO_WM_UNIT_DIAGRAM_ISREFERUNIT" val="0"/>
-  <p:tag name="KSO_WM_UNIT_ID" val="_11**"/>
-  <p:tag name="KSO_WM_UNIT_LAYERLEVEL" val="1"/>
-  <p:tag name="KSO_WM_TAG_VERSION" val="1.0"/>
-  <p:tag name="KSO_WM_BEAUTIFY_FLAG" val="#wm#"/>
-</p:tagLst>
-</file>
-
-<file path=ppt/tags/tag69.xml><?xml version="1.0" encoding="utf-8"?>
-<p:tagLst xmlns:a="http://schemas.openxmlformats.org/drawingml/2006/main" xmlns:r="http://schemas.openxmlformats.org/officeDocument/2006/relationships" xmlns:p="http://schemas.openxmlformats.org/presentationml/2006/main">
-  <p:tag name="KSO_WM_UNIT_HIGHLIGHT" val="0"/>
-  <p:tag name="KSO_WM_UNIT_COMPATIBLE" val="0"/>
-  <p:tag name="KSO_WM_UNIT_DIAGRAM_ISNUMVISUAL" val="0"/>
-  <p:tag name="KSO_WM_UNIT_DIAGRAM_ISREFERUNIT" val="0"/>
-  <p:tag name="KSO_WM_UNIT_ID" val="_11**"/>
-  <p:tag name="KSO_WM_UNIT_LAYERLEVEL" val="1"/>
-  <p:tag name="KSO_WM_TAG_VERSION" val="1.0"/>
-  <p:tag name="KSO_WM_BEAUTIFY_FLAG" val="#wm#"/>
-</p:tagLst>
-</file>
-
-<file path=ppt/tags/tag7.xml><?xml version="1.0" encoding="utf-8"?>
-<p:tagLst xmlns:a="http://schemas.openxmlformats.org/drawingml/2006/main" xmlns:r="http://schemas.openxmlformats.org/officeDocument/2006/relationships" xmlns:p="http://schemas.openxmlformats.org/presentationml/2006/main">
-  <p:tag name="KSO_WM_UNIT_HIGHLIGHT" val="0"/>
-  <p:tag name="KSO_WM_UNIT_COMPATIBLE" val="0"/>
-  <p:tag name="KSO_WM_UNIT_DIAGRAM_ISNUMVISUAL" val="0"/>
-  <p:tag name="KSO_WM_UNIT_DIAGRAM_ISREFERUNIT" val="0"/>
-  <p:tag name="KSO_WM_UNIT_ID" val="_1**"/>
-  <p:tag name="KSO_WM_UNIT_LAYERLEVEL" val="1"/>
-  <p:tag name="KSO_WM_TAG_VERSION" val="1.0"/>
-  <p:tag name="KSO_WM_BEAUTIFY_FLAG" val="#wm#"/>
-  <p:tag name="KSO_WM_SLIDE_BACKGROUND_MASK_FLAG" val="1"/>
-</p:tagLst>
-</file>
-
-<file path=ppt/tags/tag70.xml><?xml version="1.0" encoding="utf-8"?>
-<p:tagLst xmlns:a="http://schemas.openxmlformats.org/drawingml/2006/main" xmlns:r="http://schemas.openxmlformats.org/officeDocument/2006/relationships" xmlns:p="http://schemas.openxmlformats.org/presentationml/2006/main">
-  <p:tag name="KSO_WM_UNIT_HIGHLIGHT" val="0"/>
-  <p:tag name="KSO_WM_UNIT_COMPATIBLE" val="0"/>
-  <p:tag name="KSO_WM_UNIT_DIAGRAM_ISNUMVISUAL" val="0"/>
-  <p:tag name="KSO_WM_UNIT_DIAGRAM_ISREFERUNIT" val="0"/>
-  <p:tag name="KSO_WM_UNIT_ID" val="_11**"/>
-  <p:tag name="KSO_WM_UNIT_LAYERLEVEL" val="1"/>
-  <p:tag name="KSO_WM_TAG_VERSION" val="1.0"/>
-  <p:tag name="KSO_WM_BEAUTIFY_FLAG" val="#wm#"/>
-</p:tagLst>
-</file>
-
-<file path=ppt/tags/tag71.xml><?xml version="1.0" encoding="utf-8"?>
-<p:tagLst xmlns:a="http://schemas.openxmlformats.org/drawingml/2006/main" xmlns:r="http://schemas.openxmlformats.org/officeDocument/2006/relationships" xmlns:p="http://schemas.openxmlformats.org/presentationml/2006/main">
-  <p:tag name="KSO_WM_UNIT_HIGHLIGHT" val="0"/>
-  <p:tag name="KSO_WM_UNIT_COMPATIBLE" val="0"/>
-  <p:tag name="KSO_WM_UNIT_DIAGRAM_ISNUMVISUAL" val="0"/>
-  <p:tag name="KSO_WM_UNIT_DIAGRAM_ISREFERUNIT" val="0"/>
-  <p:tag name="KSO_WM_UNIT_ID" val="_12**"/>
-  <p:tag name="KSO_WM_UNIT_LAYERLEVEL" val="1"/>
-  <p:tag name="KSO_WM_TAG_VERSION" val="1.0"/>
-  <p:tag name="KSO_WM_BEAUTIFY_FLAG" val="#wm#"/>
-  <p:tag name="KSO_WM_SLIDE_BACKGROUND_TYPE" val="general"/>
-  <p:tag name="KSO_WM_SLIDE_BK_DARK_LIGHT" val="2"/>
-</p:tagLst>
-</file>
-
-<file path=ppt/tags/tag72.xml><?xml version="1.0" encoding="utf-8"?>
-<p:tagLst xmlns:a="http://schemas.openxmlformats.org/drawingml/2006/main" xmlns:r="http://schemas.openxmlformats.org/officeDocument/2006/relationships" xmlns:p="http://schemas.openxmlformats.org/presentationml/2006/main">
-  <p:tag name="KSO_WM_UNIT_HIGHLIGHT" val="0"/>
-  <p:tag name="KSO_WM_UNIT_COMPATIBLE" val="0"/>
-  <p:tag name="KSO_WM_UNIT_DIAGRAM_ISNUMVISUAL" val="0"/>
-  <p:tag name="KSO_WM_UNIT_DIAGRAM_ISREFERUNIT" val="0"/>
-  <p:tag name="KSO_WM_UNIT_ID" val="_12**"/>
-  <p:tag name="KSO_WM_UNIT_LAYERLEVEL" val="1"/>
-  <p:tag name="KSO_WM_TAG_VERSION" val="1.0"/>
-  <p:tag name="KSO_WM_BEAUTIFY_FLAG" val="#wm#"/>
-  <p:tag name="KSO_WM_SLIDE_BACKGROUND_TYPE" val="general"/>
-  <p:tag name="KSO_WM_SLIDE_BK_DARK_LIGHT" val="2"/>
-</p:tagLst>
-</file>
-
-<file path=ppt/tags/tag73.xml><?xml version="1.0" encoding="utf-8"?>
-<p:tagLst xmlns:a="http://schemas.openxmlformats.org/drawingml/2006/main" xmlns:r="http://schemas.openxmlformats.org/officeDocument/2006/relationships" xmlns:p="http://schemas.openxmlformats.org/presentationml/2006/main">
-  <p:tag name="KSO_WM_UNIT_HIGHLIGHT" val="0"/>
-  <p:tag name="KSO_WM_UNIT_COMPATIBLE" val="0"/>
-  <p:tag name="KSO_WM_UNIT_DIAGRAM_ISNUMVISUAL" val="0"/>
-  <p:tag name="KSO_WM_UNIT_DIAGRAM_ISREFERUNIT" val="0"/>
-  <p:tag name="KSO_WM_UNIT_ID" val="_12**"/>
-  <p:tag name="KSO_WM_UNIT_LAYERLEVEL" val="1"/>
-  <p:tag name="KSO_WM_TAG_VERSION" val="1.0"/>
-  <p:tag name="KSO_WM_BEAUTIFY_FLAG" val="#wm#"/>
-  <p:tag name="KSO_WM_SLIDE_BACKGROUND_TYPE" val="general"/>
-  <p:tag name="KSO_WM_SLIDE_BK_DARK_LIGHT" val="2"/>
-</p:tagLst>
-</file>
-
-<file path=ppt/tags/tag74.xml><?xml version="1.0" encoding="utf-8"?>
-<p:tagLst xmlns:a="http://schemas.openxmlformats.org/drawingml/2006/main" xmlns:r="http://schemas.openxmlformats.org/officeDocument/2006/relationships" xmlns:p="http://schemas.openxmlformats.org/presentationml/2006/main">
-  <p:tag name="KSO_WM_UNIT_HIGHLIGHT" val="0"/>
-  <p:tag name="KSO_WM_UNIT_COMPATIBLE" val="0"/>
-  <p:tag name="KSO_WM_UNIT_DIAGRAM_ISNUMVISUAL" val="0"/>
-  <p:tag name="KSO_WM_UNIT_DIAGRAM_ISREFERUNIT" val="0"/>
-  <p:tag name="KSO_WM_UNIT_ID" val="_12**"/>
-  <p:tag name="KSO_WM_UNIT_LAYERLEVEL" val="1"/>
-  <p:tag name="KSO_WM_TAG_VERSION" val="1.0"/>
-  <p:tag name="KSO_WM_BEAUTIFY_FLAG" val="#wm#"/>
-  <p:tag name="KSO_WM_SLIDE_BACKGROUND_TYPE" val="general"/>
-  <p:tag name="KSO_WM_SLIDE_BK_DARK_LIGHT" val="2"/>
-</p:tagLst>
-</file>
-
-<file path=ppt/tags/tag75.xml><?xml version="1.0" encoding="utf-8"?>
-<p:tagLst xmlns:a="http://schemas.openxmlformats.org/drawingml/2006/main" xmlns:r="http://schemas.openxmlformats.org/officeDocument/2006/relationships" xmlns:p="http://schemas.openxmlformats.org/presentationml/2006/main">
-  <p:tag name="KSO_WM_UNIT_HIGHLIGHT" val="0"/>
-  <p:tag name="KSO_WM_UNIT_COMPATIBLE" val="0"/>
-  <p:tag name="KSO_WM_UNIT_DIAGRAM_ISNUMVISUAL" val="0"/>
-  <p:tag name="KSO_WM_UNIT_DIAGRAM_ISREFERUNIT" val="0"/>
-  <p:tag name="KSO_WM_UNIT_ID" val="_12**"/>
-  <p:tag name="KSO_WM_UNIT_LAYERLEVEL" val="1"/>
-  <p:tag name="KSO_WM_TAG_VERSION" val="1.0"/>
-  <p:tag name="KSO_WM_BEAUTIFY_FLAG" val="#wm#"/>
-  <p:tag name="KSO_WM_SLIDE_BACKGROUND_TYPE" val="general"/>
-  <p:tag name="KSO_WM_SLIDE_BK_DARK_LIGHT" val="2"/>
-</p:tagLst>
-</file>
-
-<file path=ppt/tags/tag76.xml><?xml version="1.0" encoding="utf-8"?>
-<p:tagLst xmlns:a="http://schemas.openxmlformats.org/drawingml/2006/main" xmlns:r="http://schemas.openxmlformats.org/officeDocument/2006/relationships" xmlns:p="http://schemas.openxmlformats.org/presentationml/2006/main">
-  <p:tag name="KSO_WM_UNIT_HIGHLIGHT" val="0"/>
-  <p:tag name="KSO_WM_UNIT_COMPATIBLE" val="0"/>
-  <p:tag name="KSO_WM_UNIT_DIAGRAM_ISNUMVISUAL" val="0"/>
-  <p:tag name="KSO_WM_UNIT_DIAGRAM_ISREFERUNIT" val="0"/>
-  <p:tag name="KSO_WM_UNIT_TYPE" val="i"/>
-  <p:tag name="KSO_WM_UNIT_INDEX" val="1"/>
-  <p:tag name="KSO_WM_UNIT_ID" val="_13*i*1"/>
-  <p:tag name="KSO_WM_UNIT_LAYERLEVEL" val="1"/>
-  <p:tag name="KSO_WM_TAG_VERSION" val="1.0"/>
-  <p:tag name="KSO_WM_BEAUTIFY_FLAG" val="#wm#"/>
-  <p:tag name="KSO_WM_UNIT_SUBTYPE" val="h"/>
-  <p:tag name="KSO_WM_SLIDE_BACKGROUND_TYPE" val="frame"/>
-  <p:tag name="KSO_WM_SLIDE_BK_DARK_LIGHT" val="2"/>
-  <p:tag name="KSO_WM_UNIT_BK_DARK_LIGHT" val="2"/>
-</p:tagLst>
-</file>
-
-<file path=ppt/tags/tag77.xml><?xml version="1.0" encoding="utf-8"?>
-<p:tagLst xmlns:a="http://schemas.openxmlformats.org/drawingml/2006/main" xmlns:r="http://schemas.openxmlformats.org/officeDocument/2006/relationships" xmlns:p="http://schemas.openxmlformats.org/presentationml/2006/main">
-  <p:tag name="KSO_WM_UNIT_HIGHLIGHT" val="0"/>
-  <p:tag name="KSO_WM_UNIT_COMPATIBLE" val="0"/>
-  <p:tag name="KSO_WM_UNIT_DIAGRAM_ISNUMVISUAL" val="0"/>
-  <p:tag name="KSO_WM_UNIT_DIAGRAM_ISREFERUNIT" val="0"/>
-  <p:tag name="KSO_WM_UNIT_ID" val="_13**"/>
-  <p:tag name="KSO_WM_UNIT_LAYERLEVEL" val="1"/>
-  <p:tag name="KSO_WM_TAG_VERSION" val="1.0"/>
-  <p:tag name="KSO_WM_BEAUTIFY_FLAG" val="#wm#"/>
-  <p:tag name="KSO_WM_SLIDE_BACKGROUND_TYPE" val="frame"/>
-  <p:tag name="KSO_WM_SLIDE_BK_DARK_LIGHT" val="2"/>
-</p:tagLst>
-</file>
-
-<file path=ppt/tags/tag78.xml><?xml version="1.0" encoding="utf-8"?>
-<p:tagLst xmlns:a="http://schemas.openxmlformats.org/drawingml/2006/main" xmlns:r="http://schemas.openxmlformats.org/officeDocument/2006/relationships" xmlns:p="http://schemas.openxmlformats.org/presentationml/2006/main">
-  <p:tag name="KSO_WM_UNIT_HIGHLIGHT" val="0"/>
-  <p:tag name="KSO_WM_UNIT_COMPATIBLE" val="0"/>
-  <p:tag name="KSO_WM_UNIT_DIAGRAM_ISNUMVISUAL" val="0"/>
-  <p:tag name="KSO_WM_UNIT_DIAGRAM_ISREFERUNIT" val="0"/>
-  <p:tag name="KSO_WM_UNIT_ID" val="_13**"/>
-  <p:tag name="KSO_WM_UNIT_LAYERLEVEL" val="1"/>
-  <p:tag name="KSO_WM_TAG_VERSION" val="1.0"/>
-  <p:tag name="KSO_WM_BEAUTIFY_FLAG" val="#wm#"/>
-  <p:tag name="KSO_WM_SLIDE_BACKGROUND_TYPE" val="frame"/>
-  <p:tag name="KSO_WM_SLIDE_BK_DARK_LIGHT" val="2"/>
-</p:tagLst>
-</file>
-
-<file path=ppt/tags/tag79.xml><?xml version="1.0" encoding="utf-8"?>
-<p:tagLst xmlns:a="http://schemas.openxmlformats.org/drawingml/2006/main" xmlns:r="http://schemas.openxmlformats.org/officeDocument/2006/relationships" xmlns:p="http://schemas.openxmlformats.org/presentationml/2006/main">
-  <p:tag name="KSO_WM_UNIT_HIGHLIGHT" val="0"/>
-  <p:tag name="KSO_WM_UNIT_COMPATIBLE" val="0"/>
-  <p:tag name="KSO_WM_UNIT_DIAGRAM_ISNUMVISUAL" val="0"/>
-  <p:tag name="KSO_WM_UNIT_DIAGRAM_ISREFERUNIT" val="0"/>
-  <p:tag name="KSO_WM_UNIT_ID" val="_13**"/>
-  <p:tag name="KSO_WM_UNIT_LAYERLEVEL" val="1"/>
-  <p:tag name="KSO_WM_TAG_VERSION" val="1.0"/>
-  <p:tag name="KSO_WM_BEAUTIFY_FLAG" val="#wm#"/>
-  <p:tag name="KSO_WM_SLIDE_BACKGROUND_TYPE" val="frame"/>
-  <p:tag name="KSO_WM_SLIDE_BK_DARK_LIGHT" val="2"/>
-</p:tagLst>
-</file>
-
-<file path=ppt/tags/tag8.xml><?xml version="1.0" encoding="utf-8"?>
-<p:tagLst xmlns:a="http://schemas.openxmlformats.org/drawingml/2006/main" xmlns:r="http://schemas.openxmlformats.org/officeDocument/2006/relationships" xmlns:p="http://schemas.openxmlformats.org/presentationml/2006/main">
-  <p:tag name="KSO_WM_UNIT_HIGHLIGHT" val="0"/>
-  <p:tag name="KSO_WM_UNIT_COMPATIBLE" val="0"/>
-  <p:tag name="KSO_WM_UNIT_DIAGRAM_ISNUMVISUAL" val="0"/>
-  <p:tag name="KSO_WM_UNIT_DIAGRAM_ISREFERUNIT" val="0"/>
-  <p:tag name="KSO_WM_UNIT_ID" val="_1**"/>
-  <p:tag name="KSO_WM_UNIT_LAYERLEVEL" val="1"/>
-  <p:tag name="KSO_WM_TAG_VERSION" val="1.0"/>
-  <p:tag name="KSO_WM_BEAUTIFY_FLAG" val="#wm#"/>
-  <p:tag name="KSO_WM_SLIDE_BACKGROUND_MASK_FLAG" val="1"/>
-</p:tagLst>
-</file>
-
-<file path=ppt/tags/tag80.xml><?xml version="1.0" encoding="utf-8"?>
-<p:tagLst xmlns:a="http://schemas.openxmlformats.org/drawingml/2006/main" xmlns:r="http://schemas.openxmlformats.org/officeDocument/2006/relationships" xmlns:p="http://schemas.openxmlformats.org/presentationml/2006/main">
-  <p:tag name="KSO_WM_UNIT_HIGHLIGHT" val="0"/>
-  <p:tag name="KSO_WM_UNIT_COMPATIBLE" val="0"/>
-  <p:tag name="KSO_WM_UNIT_DIAGRAM_ISNUMVISUAL" val="0"/>
-  <p:tag name="KSO_WM_UNIT_DIAGRAM_ISREFERUNIT" val="0"/>
-  <p:tag name="KSO_WM_UNIT_ID" val="_13**"/>
-  <p:tag name="KSO_WM_UNIT_LAYERLEVEL" val="1"/>
-  <p:tag name="KSO_WM_TAG_VERSION" val="1.0"/>
-  <p:tag name="KSO_WM_BEAUTIFY_FLAG" val="#wm#"/>
-  <p:tag name="KSO_WM_SLIDE_BACKGROUND_TYPE" val="frame"/>
-  <p:tag name="KSO_WM_SLIDE_BK_DARK_LIGHT" val="2"/>
-</p:tagLst>
-</file>
-
-<file path=ppt/tags/tag81.xml><?xml version="1.0" encoding="utf-8"?>
-<p:tagLst xmlns:a="http://schemas.openxmlformats.org/drawingml/2006/main" xmlns:r="http://schemas.openxmlformats.org/officeDocument/2006/relationships" xmlns:p="http://schemas.openxmlformats.org/presentationml/2006/main">
-  <p:tag name="KSO_WM_UNIT_HIGHLIGHT" val="0"/>
-  <p:tag name="KSO_WM_UNIT_COMPATIBLE" val="0"/>
-  <p:tag name="KSO_WM_UNIT_DIAGRAM_ISNUMVISUAL" val="0"/>
-  <p:tag name="KSO_WM_UNIT_DIAGRAM_ISREFERUNIT" val="0"/>
-  <p:tag name="KSO_WM_UNIT_ID" val="_13**"/>
-  <p:tag name="KSO_WM_UNIT_LAYERLEVEL" val="1"/>
-  <p:tag name="KSO_WM_TAG_VERSION" val="1.0"/>
-  <p:tag name="KSO_WM_BEAUTIFY_FLAG" val="#wm#"/>
-  <p:tag name="KSO_WM_SLIDE_BACKGROUND_TYPE" val="frame"/>
-  <p:tag name="KSO_WM_SLIDE_BK_DARK_LIGHT" val="2"/>
-</p:tagLst>
-</file>
-
-<file path=ppt/tags/tag82.xml><?xml version="1.0" encoding="utf-8"?>
-<p:tagLst xmlns:a="http://schemas.openxmlformats.org/drawingml/2006/main" xmlns:r="http://schemas.openxmlformats.org/officeDocument/2006/relationships" xmlns:p="http://schemas.openxmlformats.org/presentationml/2006/main">
-  <p:tag name="KSO_WM_UNIT_HIGHLIGHT" val="0"/>
-  <p:tag name="KSO_WM_UNIT_COMPATIBLE" val="0"/>
-  <p:tag name="KSO_WM_UNIT_DIAGRAM_ISNUMVISUAL" val="0"/>
-  <p:tag name="KSO_WM_UNIT_DIAGRAM_ISREFERUNIT" val="0"/>
-  <p:tag name="KSO_WM_UNIT_ID" val="_13**"/>
-  <p:tag name="KSO_WM_UNIT_LAYERLEVEL" val="1"/>
-  <p:tag name="KSO_WM_TAG_VERSION" val="1.0"/>
-  <p:tag name="KSO_WM_BEAUTIFY_FLAG" val="#wm#"/>
-  <p:tag name="KSO_WM_SLIDE_BACKGROUND_TYPE" val="frame"/>
-  <p:tag name="KSO_WM_SLIDE_BK_DARK_LIGHT" val="2"/>
-</p:tagLst>
-</file>
-
-<file path=ppt/tags/tag83.xml><?xml version="1.0" encoding="utf-8"?>
-<p:tagLst xmlns:a="http://schemas.openxmlformats.org/drawingml/2006/main" xmlns:r="http://schemas.openxmlformats.org/officeDocument/2006/relationships" xmlns:p="http://schemas.openxmlformats.org/presentationml/2006/main">
-  <p:tag name="KSO_WM_UNIT_HIGHLIGHT" val="0"/>
-  <p:tag name="KSO_WM_UNIT_COMPATIBLE" val="0"/>
-  <p:tag name="KSO_WM_UNIT_DIAGRAM_ISNUMVISUAL" val="0"/>
-  <p:tag name="KSO_WM_UNIT_DIAGRAM_ISREFERUNIT" val="0"/>
-  <p:tag name="KSO_WM_UNIT_ID" val="_13**"/>
-  <p:tag name="KSO_WM_UNIT_LAYERLEVEL" val="1"/>
-  <p:tag name="KSO_WM_TAG_VERSION" val="1.0"/>
-  <p:tag name="KSO_WM_BEAUTIFY_FLAG" val="#wm#"/>
-  <p:tag name="KSO_WM_SLIDE_BACKGROUND_TYPE" val="frame"/>
-  <p:tag name="KSO_WM_SLIDE_BK_DARK_LIGHT" val="2"/>
-</p:tagLst>
-</file>
-
-<file path=ppt/tags/tag84.xml><?xml version="1.0" encoding="utf-8"?>
-<p:tagLst xmlns:a="http://schemas.openxmlformats.org/drawingml/2006/main" xmlns:r="http://schemas.openxmlformats.org/officeDocument/2006/relationships" xmlns:p="http://schemas.openxmlformats.org/presentationml/2006/main">
-  <p:tag name="KSO_WM_UNIT_HIGHLIGHT" val="0"/>
-  <p:tag name="KSO_WM_UNIT_COMPATIBLE" val="0"/>
-  <p:tag name="KSO_WM_UNIT_DIAGRAM_ISNUMVISUAL" val="0"/>
-  <p:tag name="KSO_WM_UNIT_DIAGRAM_ISREFERUNIT" val="0"/>
-  <p:tag name="KSO_WM_UNIT_ID" val="_13**"/>
-  <p:tag name="KSO_WM_UNIT_LAYERLEVEL" val="1"/>
-  <p:tag name="KSO_WM_TAG_VERSION" val="1.0"/>
-  <p:tag name="KSO_WM_BEAUTIFY_FLAG" val="#wm#"/>
-  <p:tag name="KSO_WM_SLIDE_BACKGROUND_TYPE" val="frame"/>
-  <p:tag name="KSO_WM_SLIDE_BK_DARK_LIGHT" val="2"/>
-</p:tagLst>
-</file>
-
-<file path=ppt/tags/tag85.xml><?xml version="1.0" encoding="utf-8"?>
-<p:tagLst xmlns:a="http://schemas.openxmlformats.org/drawingml/2006/main" xmlns:r="http://schemas.openxmlformats.org/officeDocument/2006/relationships" xmlns:p="http://schemas.openxmlformats.org/presentationml/2006/main">
-  <p:tag name="KSO_WM_UNIT_HIGHLIGHT" val="0"/>
-  <p:tag name="KSO_WM_UNIT_COMPATIBLE" val="0"/>
-  <p:tag name="KSO_WM_UNIT_DIAGRAM_ISNUMVISUAL" val="0"/>
-  <p:tag name="KSO_WM_UNIT_DIAGRAM_ISREFERUNIT" val="0"/>
-  <p:tag name="KSO_WM_UNIT_ID" val="_14*i*1"/>
-  <p:tag name="KSO_WM_UNIT_LAYERLEVEL" val="1"/>
-  <p:tag name="KSO_WM_TAG_VERSION" val="1.0"/>
-  <p:tag name="KSO_WM_BEAUTIFY_FLAG" val="#wm#"/>
-  <p:tag name="KSO_WM_UNIT_TYPE" val="i"/>
-  <p:tag name="KSO_WM_UNIT_INDEX" val="1"/>
-  <p:tag name="KSO_WM_UNIT_SUBTYPE" val="h"/>
-  <p:tag name="KSO_WM_SLIDE_BACKGROUND_TYPE" val="leftRight"/>
-  <p:tag name="KSO_WM_SLIDE_BK_DARK_LIGHT" val="2"/>
-  <p:tag name="KSO_WM_UNIT_BK_DARK_LIGHT" val="2"/>
-</p:tagLst>
-</file>
-
-<file path=ppt/tags/tag86.xml><?xml version="1.0" encoding="utf-8"?>
-<p:tagLst xmlns:a="http://schemas.openxmlformats.org/drawingml/2006/main" xmlns:r="http://schemas.openxmlformats.org/officeDocument/2006/relationships" xmlns:p="http://schemas.openxmlformats.org/presentationml/2006/main">
-  <p:tag name="KSO_WM_UNIT_HIGHLIGHT" val="0"/>
-  <p:tag name="KSO_WM_UNIT_COMPATIBLE" val="0"/>
-  <p:tag name="KSO_WM_UNIT_DIAGRAM_ISNUMVISUAL" val="0"/>
-  <p:tag name="KSO_WM_UNIT_DIAGRAM_ISREFERUNIT" val="0"/>
-  <p:tag name="KSO_WM_UNIT_ID" val="_14**"/>
-  <p:tag name="KSO_WM_UNIT_LAYERLEVEL" val="1"/>
-  <p:tag name="KSO_WM_TAG_VERSION" val="1.0"/>
-  <p:tag name="KSO_WM_BEAUTIFY_FLAG" val="#wm#"/>
-  <p:tag name="KSO_WM_SLIDE_BACKGROUND_TYPE" val="leftRight"/>
-  <p:tag name="KSO_WM_SLIDE_BK_DARK_LIGHT" val="2"/>
-</p:tagLst>
-</file>
-
-<file path=ppt/tags/tag87.xml><?xml version="1.0" encoding="utf-8"?>
-<p:tagLst xmlns:a="http://schemas.openxmlformats.org/drawingml/2006/main" xmlns:r="http://schemas.openxmlformats.org/officeDocument/2006/relationships" xmlns:p="http://schemas.openxmlformats.org/presentationml/2006/main">
-  <p:tag name="KSO_WM_UNIT_HIGHLIGHT" val="0"/>
-  <p:tag name="KSO_WM_UNIT_COMPATIBLE" val="0"/>
-  <p:tag name="KSO_WM_UNIT_DIAGRAM_ISNUMVISUAL" val="0"/>
-  <p:tag name="KSO_WM_UNIT_DIAGRAM_ISREFERUNIT" val="0"/>
-  <p:tag name="KSO_WM_UNIT_ID" val="_14**"/>
-  <p:tag name="KSO_WM_UNIT_LAYERLEVEL" val="1"/>
-  <p:tag name="KSO_WM_TAG_VERSION" val="1.0"/>
-  <p:tag name="KSO_WM_BEAUTIFY_FLAG" val="#wm#"/>
-  <p:tag name="KSO_WM_SLIDE_BACKGROUND_TYPE" val="leftRight"/>
-  <p:tag name="KSO_WM_SLIDE_BK_DARK_LIGHT" val="2"/>
-</p:tagLst>
-</file>
-
-<file path=ppt/tags/tag88.xml><?xml version="1.0" encoding="utf-8"?>
-<p:tagLst xmlns:a="http://schemas.openxmlformats.org/drawingml/2006/main" xmlns:r="http://schemas.openxmlformats.org/officeDocument/2006/relationships" xmlns:p="http://schemas.openxmlformats.org/presentationml/2006/main">
-  <p:tag name="KSO_WM_UNIT_HIGHLIGHT" val="0"/>
-  <p:tag name="KSO_WM_UNIT_COMPATIBLE" val="0"/>
-  <p:tag name="KSO_WM_UNIT_DIAGRAM_ISNUMVISUAL" val="0"/>
-  <p:tag name="KSO_WM_UNIT_DIAGRAM_ISREFERUNIT" val="0"/>
-  <p:tag name="KSO_WM_UNIT_ID" val="_14**"/>
-  <p:tag name="KSO_WM_UNIT_LAYERLEVEL" val="1"/>
-  <p:tag name="KSO_WM_TAG_VERSION" val="1.0"/>
-  <p:tag name="KSO_WM_BEAUTIFY_FLAG" val="#wm#"/>
-  <p:tag name="KSO_WM_SLIDE_BACKGROUND_TYPE" val="leftRight"/>
-  <p:tag name="KSO_WM_SLIDE_BK_DARK_LIGHT" val="2"/>
-</p:tagLst>
-</file>
-
-<file path=ppt/tags/tag89.xml><?xml version="1.0" encoding="utf-8"?>
-<p:tagLst xmlns:a="http://schemas.openxmlformats.org/drawingml/2006/main" xmlns:r="http://schemas.openxmlformats.org/officeDocument/2006/relationships" xmlns:p="http://schemas.openxmlformats.org/presentationml/2006/main">
-  <p:tag name="KSO_WM_UNIT_HIGHLIGHT" val="0"/>
-  <p:tag name="KSO_WM_UNIT_COMPATIBLE" val="0"/>
-  <p:tag name="KSO_WM_UNIT_DIAGRAM_ISNUMVISUAL" val="0"/>
-  <p:tag name="KSO_WM_UNIT_DIAGRAM_ISREFERUNIT" val="0"/>
-  <p:tag name="KSO_WM_UNIT_ID" val="_14**"/>
-  <p:tag name="KSO_WM_UNIT_LAYERLEVEL" val="1"/>
-  <p:tag name="KSO_WM_TAG_VERSION" val="1.0"/>
-  <p:tag name="KSO_WM_BEAUTIFY_FLAG" val="#wm#"/>
-  <p:tag name="KSO_WM_SLIDE_BACKGROUND_TYPE" val="leftRight"/>
-  <p:tag name="KSO_WM_SLIDE_BK_DARK_LIGHT" val="2"/>
-</p:tagLst>
-</file>
-
-<file path=ppt/tags/tag9.xml><?xml version="1.0" encoding="utf-8"?>
-<p:tagLst xmlns:a="http://schemas.openxmlformats.org/drawingml/2006/main" xmlns:r="http://schemas.openxmlformats.org/officeDocument/2006/relationships" xmlns:p="http://schemas.openxmlformats.org/presentationml/2006/main">
-  <p:tag name="KSO_WM_UNIT_HIGHLIGHT" val="0"/>
-  <p:tag name="KSO_WM_UNIT_COMPATIBLE" val="0"/>
-  <p:tag name="KSO_WM_UNIT_DIAGRAM_ISNUMVISUAL" val="0"/>
-  <p:tag name="KSO_WM_UNIT_DIAGRAM_ISREFERUNIT" val="0"/>
-  <p:tag name="KSO_WM_UNIT_ID" val="_1**"/>
-  <p:tag name="KSO_WM_UNIT_LAYERLEVEL" val="1"/>
-  <p:tag name="KSO_WM_TAG_VERSION" val="1.0"/>
-  <p:tag name="KSO_WM_BEAUTIFY_FLAG" val="#wm#"/>
-  <p:tag name="KSO_WM_SLIDE_BACKGROUND_MASK_FLAG" val="1"/>
-</p:tagLst>
-</file>
-
-<file path=ppt/tags/tag90.xml><?xml version="1.0" encoding="utf-8"?>
-<p:tagLst xmlns:a="http://schemas.openxmlformats.org/drawingml/2006/main" xmlns:r="http://schemas.openxmlformats.org/officeDocument/2006/relationships" xmlns:p="http://schemas.openxmlformats.org/presentationml/2006/main">
-  <p:tag name="KSO_WM_UNIT_HIGHLIGHT" val="0"/>
-  <p:tag name="KSO_WM_UNIT_COMPATIBLE" val="0"/>
-  <p:tag name="KSO_WM_UNIT_DIAGRAM_ISNUMVISUAL" val="0"/>
-  <p:tag name="KSO_WM_UNIT_DIAGRAM_ISREFERUNIT" val="0"/>
-  <p:tag name="KSO_WM_UNIT_ID" val="_14**"/>
-  <p:tag name="KSO_WM_UNIT_LAYERLEVEL" val="1"/>
-  <p:tag name="KSO_WM_TAG_VERSION" val="1.0"/>
-  <p:tag name="KSO_WM_BEAUTIFY_FLAG" val="#wm#"/>
-  <p:tag name="KSO_WM_SLIDE_BACKGROUND_TYPE" val="leftRight"/>
-  <p:tag name="KSO_WM_SLIDE_BK_DARK_LIGHT" val="2"/>
-</p:tagLst>
-</file>
-
-<file path=ppt/tags/tag91.xml><?xml version="1.0" encoding="utf-8"?>
-<p:tagLst xmlns:a="http://schemas.openxmlformats.org/drawingml/2006/main" xmlns:r="http://schemas.openxmlformats.org/officeDocument/2006/relationships" xmlns:p="http://schemas.openxmlformats.org/presentationml/2006/main">
-  <p:tag name="KSO_WM_UNIT_HIGHLIGHT" val="0"/>
-  <p:tag name="KSO_WM_UNIT_COMPATIBLE" val="0"/>
-  <p:tag name="KSO_WM_UNIT_DIAGRAM_ISNUMVISUAL" val="0"/>
-  <p:tag name="KSO_WM_UNIT_DIAGRAM_ISREFERUNIT" val="0"/>
-  <p:tag name="KSO_WM_UNIT_ID" val="_14**"/>
-  <p:tag name="KSO_WM_UNIT_LAYERLEVEL" val="1"/>
-  <p:tag name="KSO_WM_TAG_VERSION" val="1.0"/>
-  <p:tag name="KSO_WM_BEAUTIFY_FLAG" val="#wm#"/>
-  <p:tag name="KSO_WM_SLIDE_BACKGROUND_TYPE" val="leftRight"/>
-  <p:tag name="KSO_WM_SLIDE_BK_DARK_LIGHT" val="2"/>
-</p:tagLst>
-</file>
-
-<file path=ppt/tags/tag92.xml><?xml version="1.0" encoding="utf-8"?>
-<p:tagLst xmlns:a="http://schemas.openxmlformats.org/drawingml/2006/main" xmlns:r="http://schemas.openxmlformats.org/officeDocument/2006/relationships" xmlns:p="http://schemas.openxmlformats.org/presentationml/2006/main">
-  <p:tag name="KSO_WM_UNIT_HIGHLIGHT" val="0"/>
-  <p:tag name="KSO_WM_UNIT_COMPATIBLE" val="0"/>
-  <p:tag name="KSO_WM_UNIT_DIAGRAM_ISNUMVISUAL" val="0"/>
-  <p:tag name="KSO_WM_UNIT_DIAGRAM_ISREFERUNIT" val="0"/>
-  <p:tag name="KSO_WM_UNIT_ID" val="_14**"/>
-  <p:tag name="KSO_WM_UNIT_LAYERLEVEL" val="1"/>
-  <p:tag name="KSO_WM_TAG_VERSION" val="1.0"/>
-  <p:tag name="KSO_WM_BEAUTIFY_FLAG" val="#wm#"/>
-  <p:tag name="KSO_WM_SLIDE_BACKGROUND_TYPE" val="leftRight"/>
-  <p:tag name="KSO_WM_SLIDE_BK_DARK_LIGHT" val="2"/>
-</p:tagLst>
-</file>
-
-<file path=ppt/tags/tag93.xml><?xml version="1.0" encoding="utf-8"?>
-<p:tagLst xmlns:a="http://schemas.openxmlformats.org/drawingml/2006/main" xmlns:r="http://schemas.openxmlformats.org/officeDocument/2006/relationships" xmlns:p="http://schemas.openxmlformats.org/presentationml/2006/main">
-  <p:tag name="KSO_WM_UNIT_HIGHLIGHT" val="0"/>
-  <p:tag name="KSO_WM_UNIT_COMPATIBLE" val="0"/>
-  <p:tag name="KSO_WM_UNIT_DIAGRAM_ISNUMVISUAL" val="0"/>
-  <p:tag name="KSO_WM_UNIT_DIAGRAM_ISREFERUNIT" val="0"/>
-  <p:tag name="KSO_WM_UNIT_ID" val="_15*i*1"/>
-  <p:tag name="KSO_WM_UNIT_LAYERLEVEL" val="1"/>
-  <p:tag name="KSO_WM_TAG_VERSION" val="1.0"/>
-  <p:tag name="KSO_WM_BEAUTIFY_FLAG" val="#wm#"/>
-  <p:tag name="KSO_WM_UNIT_TYPE" val="i"/>
-  <p:tag name="KSO_WM_UNIT_INDEX" val="1"/>
-  <p:tag name="KSO_WM_UNIT_SUBTYPE" val="h"/>
-  <p:tag name="KSO_WM_SLIDE_BACKGROUND_TYPE" val="topBottom"/>
-  <p:tag name="KSO_WM_SLIDE_BK_DARK_LIGHT" val="2"/>
-  <p:tag name="KSO_WM_UNIT_BK_DARK_LIGHT" val="2"/>
-</p:tagLst>
-</file>
-
-<file path=ppt/tags/tag94.xml><?xml version="1.0" encoding="utf-8"?>
-<p:tagLst xmlns:a="http://schemas.openxmlformats.org/drawingml/2006/main" xmlns:r="http://schemas.openxmlformats.org/officeDocument/2006/relationships" xmlns:p="http://schemas.openxmlformats.org/presentationml/2006/main">
-  <p:tag name="KSO_WM_UNIT_HIGHLIGHT" val="0"/>
-  <p:tag name="KSO_WM_UNIT_COMPATIBLE" val="0"/>
-  <p:tag name="KSO_WM_UNIT_DIAGRAM_ISNUMVISUAL" val="0"/>
-  <p:tag name="KSO_WM_UNIT_DIAGRAM_ISREFERUNIT" val="0"/>
-  <p:tag name="KSO_WM_UNIT_ID" val="_15**"/>
-  <p:tag name="KSO_WM_UNIT_LAYERLEVEL" val="1"/>
-  <p:tag name="KSO_WM_TAG_VERSION" val="1.0"/>
-  <p:tag name="KSO_WM_BEAUTIFY_FLAG" val="#wm#"/>
-  <p:tag name="KSO_WM_SLIDE_BACKGROUND_TYPE" val="topBottom"/>
-  <p:tag name="KSO_WM_SLIDE_BK_DARK_LIGHT" val="2"/>
-</p:tagLst>
-</file>
-
-<file path=ppt/tags/tag95.xml><?xml version="1.0" encoding="utf-8"?>
-<p:tagLst xmlns:a="http://schemas.openxmlformats.org/drawingml/2006/main" xmlns:r="http://schemas.openxmlformats.org/officeDocument/2006/relationships" xmlns:p="http://schemas.openxmlformats.org/presentationml/2006/main">
-  <p:tag name="KSO_WM_UNIT_HIGHLIGHT" val="0"/>
-  <p:tag name="KSO_WM_UNIT_COMPATIBLE" val="0"/>
-  <p:tag name="KSO_WM_UNIT_DIAGRAM_ISNUMVISUAL" val="0"/>
-  <p:tag name="KSO_WM_UNIT_DIAGRAM_ISREFERUNIT" val="0"/>
-  <p:tag name="KSO_WM_UNIT_ID" val="_15**"/>
-  <p:tag name="KSO_WM_UNIT_LAYERLEVEL" val="1"/>
-  <p:tag name="KSO_WM_TAG_VERSION" val="1.0"/>
-  <p:tag name="KSO_WM_BEAUTIFY_FLAG" val="#wm#"/>
-  <p:tag name="KSO_WM_SLIDE_BACKGROUND_TYPE" val="topBottom"/>
-  <p:tag name="KSO_WM_SLIDE_BK_DARK_LIGHT" val="2"/>
-</p:tagLst>
-</file>
-
-<file path=ppt/tags/tag96.xml><?xml version="1.0" encoding="utf-8"?>
-<p:tagLst xmlns:a="http://schemas.openxmlformats.org/drawingml/2006/main" xmlns:r="http://schemas.openxmlformats.org/officeDocument/2006/relationships" xmlns:p="http://schemas.openxmlformats.org/presentationml/2006/main">
-  <p:tag name="KSO_WM_UNIT_HIGHLIGHT" val="0"/>
-  <p:tag name="KSO_WM_UNIT_COMPATIBLE" val="0"/>
-  <p:tag name="KSO_WM_UNIT_DIAGRAM_ISNUMVISUAL" val="0"/>
-  <p:tag name="KSO_WM_UNIT_DIAGRAM_ISREFERUNIT" val="0"/>
-  <p:tag name="KSO_WM_UNIT_ID" val="_15**"/>
-  <p:tag name="KSO_WM_UNIT_LAYERLEVEL" val="1"/>
-  <p:tag name="KSO_WM_TAG_VERSION" val="1.0"/>
-  <p:tag name="KSO_WM_BEAUTIFY_FLAG" val="#wm#"/>
-  <p:tag name="KSO_WM_SLIDE_BACKGROUND_TYPE" val="topBottom"/>
-  <p:tag name="KSO_WM_SLIDE_BK_DARK_LIGHT" val="2"/>
-</p:tagLst>
-</file>
-
-<file path=ppt/tags/tag97.xml><?xml version="1.0" encoding="utf-8"?>
-<p:tagLst xmlns:a="http://schemas.openxmlformats.org/drawingml/2006/main" xmlns:r="http://schemas.openxmlformats.org/officeDocument/2006/relationships" xmlns:p="http://schemas.openxmlformats.org/presentationml/2006/main">
-  <p:tag name="KSO_WM_UNIT_HIGHLIGHT" val="0"/>
-  <p:tag name="KSO_WM_UNIT_COMPATIBLE" val="0"/>
-  <p:tag name="KSO_WM_UNIT_DIAGRAM_ISNUMVISUAL" val="0"/>
-  <p:tag name="KSO_WM_UNIT_DIAGRAM_ISREFERUNIT" val="0"/>
-  <p:tag name="KSO_WM_UNIT_ID" val="_15**"/>
-  <p:tag name="KSO_WM_UNIT_LAYERLEVEL" val="1"/>
-  <p:tag name="KSO_WM_TAG_VERSION" val="1.0"/>
-  <p:tag name="KSO_WM_BEAUTIFY_FLAG" val="#wm#"/>
-  <p:tag name="KSO_WM_SLIDE_BACKGROUND_TYPE" val="topBottom"/>
-  <p:tag name="KSO_WM_SLIDE_BK_DARK_LIGHT" val="2"/>
-</p:tagLst>
-</file>
-
-<file path=ppt/tags/tag98.xml><?xml version="1.0" encoding="utf-8"?>
-<p:tagLst xmlns:a="http://schemas.openxmlformats.org/drawingml/2006/main" xmlns:r="http://schemas.openxmlformats.org/officeDocument/2006/relationships" xmlns:p="http://schemas.openxmlformats.org/presentationml/2006/main">
-  <p:tag name="KSO_WM_UNIT_HIGHLIGHT" val="0"/>
-  <p:tag name="KSO_WM_UNIT_COMPATIBLE" val="0"/>
-  <p:tag name="KSO_WM_UNIT_DIAGRAM_ISNUMVISUAL" val="0"/>
-  <p:tag name="KSO_WM_UNIT_DIAGRAM_ISREFERUNIT" val="0"/>
-  <p:tag name="KSO_WM_UNIT_ID" val="_15**"/>
-  <p:tag name="KSO_WM_UNIT_LAYERLEVEL" val="1"/>
-  <p:tag name="KSO_WM_TAG_VERSION" val="1.0"/>
-  <p:tag name="KSO_WM_BEAUTIFY_FLAG" val="#wm#"/>
-  <p:tag name="KSO_WM_SLIDE_BACKGROUND_TYPE" val="topBottom"/>
-  <p:tag name="KSO_WM_SLIDE_BK_DARK_LIGHT" val="2"/>
-</p:tagLst>
-</file>
-
-<file path=ppt/tags/tag99.xml><?xml version="1.0" encoding="utf-8"?>
-<p:tagLst xmlns:a="http://schemas.openxmlformats.org/drawingml/2006/main" xmlns:r="http://schemas.openxmlformats.org/officeDocument/2006/relationships" xmlns:p="http://schemas.openxmlformats.org/presentationml/2006/main">
-  <p:tag name="KSO_WM_UNIT_HIGHLIGHT" val="0"/>
-  <p:tag name="KSO_WM_UNIT_COMPATIBLE" val="0"/>
-  <p:tag name="KSO_WM_UNIT_DIAGRAM_ISNUMVISUAL" val="0"/>
-  <p:tag name="KSO_WM_UNIT_DIAGRAM_ISREFERUNIT" val="0"/>
-  <p:tag name="KSO_WM_UNIT_ID" val="_15**"/>
-  <p:tag name="KSO_WM_UNIT_LAYERLEVEL" val="1"/>
-  <p:tag name="KSO_WM_TAG_VERSION" val="1.0"/>
-  <p:tag name="KSO_WM_BEAUTIFY_FLAG" val="#wm#"/>
-  <p:tag name="KSO_WM_SLIDE_BACKGROUND_TYPE" val="topBottom"/>
   <p:tag name="KSO_WM_SLIDE_BK_DARK_LIGHT" val="2"/>
 </p:tagLst>
 </file>
@@ -28048,8 +28458,6 @@
       </a:bgFillStyleLst>
     </a:fmtScheme>
   </a:themeElements>
-  <a:objectDefaults/>
-  <a:extraClrSchemeLst/>
   <a:extLst>
     <a:ext uri="{05A4C25C-085E-4340-85A3-A5531E510DB2}">
       <thm15:themeFamily xmlns:thm15="http://schemas.microsoft.com/office/thememl/2012/main" name="Office Theme" id="{62F939B6-93AF-4DB8-9C6B-D6C7DFDC589F}" vid="{4A3C46E8-61CC-4603-A589-7422A47A8E4A}"/>
@@ -28309,8 +28717,6 @@
       </a:bgFillStyleLst>
     </a:fmtScheme>
   </a:themeElements>
-  <a:objectDefaults/>
-  <a:extraClrSchemeLst/>
   <a:extLst>
     <a:ext uri="{05A4C25C-085E-4340-85A3-A5531E510DB2}">
       <thm15:themeFamily xmlns:thm15="http://schemas.microsoft.com/office/thememl/2012/main" name="Office Theme" id="{62F939B6-93AF-4DB8-9C6B-D6C7DFDC589F}" vid="{4A3C46E8-61CC-4603-A589-7422A47A8E4A}"/>
@@ -28510,8 +28916,6 @@
       </a:bgFillStyleLst>
     </a:fmtScheme>
   </a:themeElements>
-  <a:objectDefaults/>
-  <a:extraClrSchemeLst/>
   <a:extLst>
     <a:ext uri="{05A4C25C-085E-4340-85A3-A5531E510DB2}">
       <thm15:themeFamily xmlns:thm15="http://schemas.microsoft.com/office/thememl/2012/main" name="Office Theme" id="{62F939B6-93AF-4DB8-9C6B-D6C7DFDC589F}" vid="{4A3C46E8-61CC-4603-A589-7422A47A8E4A}"/>
@@ -28800,8 +29204,6 @@
       </a:bgFillStyleLst>
     </a:fmtScheme>
   </a:themeElements>
-  <a:objectDefaults/>
-  <a:extraClrSchemeLst/>
   <a:extLst>
     <a:ext uri="{05A4C25C-085E-4340-85A3-A5531E510DB2}">
       <thm15:themeFamily xmlns:thm15="http://schemas.microsoft.com/office/thememl/2012/main" name="Office Theme" id="{62F939B6-93AF-4DB8-9C6B-D6C7DFDC589F}" vid="{4A3C46E8-61CC-4603-A589-7422A47A8E4A}"/>
@@ -29061,8 +29463,6 @@
       </a:bgFillStyleLst>
     </a:fmtScheme>
   </a:themeElements>
-  <a:objectDefaults/>
-  <a:extraClrSchemeLst/>
   <a:extLst>
     <a:ext uri="{05A4C25C-085E-4340-85A3-A5531E510DB2}">
       <thm15:themeFamily xmlns:thm15="http://schemas.microsoft.com/office/thememl/2012/main" name="Office Theme" id="{62F939B6-93AF-4DB8-9C6B-D6C7DFDC589F}" vid="{4A3C46E8-61CC-4603-A589-7422A47A8E4A}"/>
